--- a/misc/Figures.pptx
+++ b/misc/Figures.pptx
@@ -6,8 +6,8 @@
   </p:sldMasterIdLst>
   <p:sldIdLst>
     <p:sldId id="1453" r:id="rId2"/>
-    <p:sldId id="1225" r:id="rId3"/>
-    <p:sldId id="1443" r:id="rId4"/>
+    <p:sldId id="1443" r:id="rId3"/>
+    <p:sldId id="1225" r:id="rId4"/>
     <p:sldId id="1454" r:id="rId5"/>
     <p:sldId id="1455" r:id="rId6"/>
   </p:sldIdLst>
@@ -108,6 +108,11 @@
       </a:defRPr>
     </a:lvl9pPr>
   </p:defaultTextStyle>
+  <p:extLst>
+    <p:ext uri="{EFAFB233-063F-42B5-8137-9DF3F51BA10A}">
+      <p15:sldGuideLst xmlns:p15="http://schemas.microsoft.com/office/powerpoint/2012/main"/>
+    </p:ext>
+  </p:extLst>
 </p:presentation>
 </file>
 
@@ -260,7 +265,7 @@
           <a:p>
             <a:fld id="{316A2214-5FFA-754C-901F-0917E1555ABA}" type="datetimeFigureOut">
               <a:rPr lang="en-US" smtClean="0"/>
-              <a:t>5/27/20</a:t>
+              <a:t>5/28/20</a:t>
             </a:fld>
             <a:endParaRPr lang="en-US"/>
           </a:p>
@@ -460,7 +465,7 @@
           <a:p>
             <a:fld id="{316A2214-5FFA-754C-901F-0917E1555ABA}" type="datetimeFigureOut">
               <a:rPr lang="en-US" smtClean="0"/>
-              <a:t>5/27/20</a:t>
+              <a:t>5/28/20</a:t>
             </a:fld>
             <a:endParaRPr lang="en-US"/>
           </a:p>
@@ -670,7 +675,7 @@
           <a:p>
             <a:fld id="{316A2214-5FFA-754C-901F-0917E1555ABA}" type="datetimeFigureOut">
               <a:rPr lang="en-US" smtClean="0"/>
-              <a:t>5/27/20</a:t>
+              <a:t>5/28/20</a:t>
             </a:fld>
             <a:endParaRPr lang="en-US"/>
           </a:p>
@@ -908,7 +913,7 @@
           <a:p>
             <a:fld id="{316A2214-5FFA-754C-901F-0917E1555ABA}" type="datetimeFigureOut">
               <a:rPr lang="en-US" smtClean="0"/>
-              <a:t>5/27/20</a:t>
+              <a:t>5/28/20</a:t>
             </a:fld>
             <a:endParaRPr lang="en-US"/>
           </a:p>
@@ -1184,7 +1189,7 @@
           <a:p>
             <a:fld id="{316A2214-5FFA-754C-901F-0917E1555ABA}" type="datetimeFigureOut">
               <a:rPr lang="en-US" smtClean="0"/>
-              <a:t>5/27/20</a:t>
+              <a:t>5/28/20</a:t>
             </a:fld>
             <a:endParaRPr lang="en-US"/>
           </a:p>
@@ -1452,7 +1457,7 @@
           <a:p>
             <a:fld id="{316A2214-5FFA-754C-901F-0917E1555ABA}" type="datetimeFigureOut">
               <a:rPr lang="en-US" smtClean="0"/>
-              <a:t>5/27/20</a:t>
+              <a:t>5/28/20</a:t>
             </a:fld>
             <a:endParaRPr lang="en-US"/>
           </a:p>
@@ -1867,7 +1872,7 @@
           <a:p>
             <a:fld id="{316A2214-5FFA-754C-901F-0917E1555ABA}" type="datetimeFigureOut">
               <a:rPr lang="en-US" smtClean="0"/>
-              <a:t>5/27/20</a:t>
+              <a:t>5/28/20</a:t>
             </a:fld>
             <a:endParaRPr lang="en-US"/>
           </a:p>
@@ -2009,7 +2014,7 @@
           <a:p>
             <a:fld id="{316A2214-5FFA-754C-901F-0917E1555ABA}" type="datetimeFigureOut">
               <a:rPr lang="en-US" smtClean="0"/>
-              <a:t>5/27/20</a:t>
+              <a:t>5/28/20</a:t>
             </a:fld>
             <a:endParaRPr lang="en-US"/>
           </a:p>
@@ -2122,7 +2127,7 @@
           <a:p>
             <a:fld id="{316A2214-5FFA-754C-901F-0917E1555ABA}" type="datetimeFigureOut">
               <a:rPr lang="en-US" smtClean="0"/>
-              <a:t>5/27/20</a:t>
+              <a:t>5/28/20</a:t>
             </a:fld>
             <a:endParaRPr lang="en-US"/>
           </a:p>
@@ -2435,7 +2440,7 @@
           <a:p>
             <a:fld id="{316A2214-5FFA-754C-901F-0917E1555ABA}" type="datetimeFigureOut">
               <a:rPr lang="en-US" smtClean="0"/>
-              <a:t>5/27/20</a:t>
+              <a:t>5/28/20</a:t>
             </a:fld>
             <a:endParaRPr lang="en-US"/>
           </a:p>
@@ -2724,7 +2729,7 @@
           <a:p>
             <a:fld id="{316A2214-5FFA-754C-901F-0917E1555ABA}" type="datetimeFigureOut">
               <a:rPr lang="en-US" smtClean="0"/>
-              <a:t>5/27/20</a:t>
+              <a:t>5/28/20</a:t>
             </a:fld>
             <a:endParaRPr lang="en-US"/>
           </a:p>
@@ -2967,7 +2972,7 @@
           <a:p>
             <a:fld id="{316A2214-5FFA-754C-901F-0917E1555ABA}" type="datetimeFigureOut">
               <a:rPr lang="en-US" smtClean="0"/>
-              <a:t>5/27/20</a:t>
+              <a:t>5/28/20</a:t>
             </a:fld>
             <a:endParaRPr lang="en-US"/>
           </a:p>
@@ -7833,6 +7838,3822 @@
           <a:chExt cx="0" cy="0"/>
         </a:xfrm>
       </p:grpSpPr>
+      <p:sp>
+        <p:nvSpPr>
+          <p:cNvPr id="40" name="TextBox 39"/>
+          <p:cNvSpPr txBox="1"/>
+          <p:nvPr/>
+        </p:nvSpPr>
+        <p:spPr>
+          <a:xfrm>
+            <a:off x="4047088" y="241509"/>
+            <a:ext cx="4097835" cy="723267"/>
+          </a:xfrm>
+          <a:prstGeom prst="rect">
+            <a:avLst/>
+          </a:prstGeom>
+          <a:noFill/>
+        </p:spPr>
+        <p:txBody>
+          <a:bodyPr wrap="none" lIns="45711" tIns="22856" rIns="45711" bIns="22856" rtlCol="0">
+            <a:spAutoFit/>
+          </a:bodyPr>
+          <a:lstStyle/>
+          <a:p>
+            <a:pPr algn="ctr"/>
+            <a:r>
+              <a:rPr lang="en-US" sz="4400" b="1" dirty="0">
+                <a:solidFill>
+                  <a:schemeClr val="tx2"/>
+                </a:solidFill>
+                <a:latin typeface="Lato" charset="0"/>
+                <a:ea typeface="Lato" charset="0"/>
+                <a:cs typeface="Lato" charset="0"/>
+              </a:rPr>
+              <a:t>Phases in Stage 1</a:t>
+            </a:r>
+            <a:endParaRPr lang="id-ID" sz="4400" b="1" dirty="0">
+              <a:solidFill>
+                <a:schemeClr val="tx2"/>
+              </a:solidFill>
+              <a:latin typeface="Lato" charset="0"/>
+              <a:ea typeface="Lato" charset="0"/>
+              <a:cs typeface="Lato" charset="0"/>
+            </a:endParaRPr>
+          </a:p>
+        </p:txBody>
+      </p:sp>
+      <p:sp>
+        <p:nvSpPr>
+          <p:cNvPr id="41" name="Rectangle 40"/>
+          <p:cNvSpPr/>
+          <p:nvPr/>
+        </p:nvSpPr>
+        <p:spPr>
+          <a:xfrm>
+            <a:off x="5718037" y="1235334"/>
+            <a:ext cx="776519" cy="45719"/>
+          </a:xfrm>
+          <a:prstGeom prst="rect">
+            <a:avLst/>
+          </a:prstGeom>
+          <a:solidFill>
+            <a:schemeClr val="tx2"/>
+          </a:solidFill>
+          <a:ln>
+            <a:noFill/>
+          </a:ln>
+          <a:effectLst/>
+        </p:spPr>
+        <p:style>
+          <a:lnRef idx="1">
+            <a:schemeClr val="accent1"/>
+          </a:lnRef>
+          <a:fillRef idx="3">
+            <a:schemeClr val="accent1"/>
+          </a:fillRef>
+          <a:effectRef idx="2">
+            <a:schemeClr val="accent1"/>
+          </a:effectRef>
+          <a:fontRef idx="minor">
+            <a:schemeClr val="lt1"/>
+          </a:fontRef>
+        </p:style>
+        <p:txBody>
+          <a:bodyPr lIns="45670" tIns="22836" rIns="45670" bIns="22836" rtlCol="0" anchor="ctr"/>
+          <a:lstStyle/>
+          <a:p>
+            <a:pPr algn="ctr"/>
+            <a:endParaRPr lang="en-US" sz="900" dirty="0">
+              <a:solidFill>
+                <a:schemeClr val="accent2"/>
+              </a:solidFill>
+              <a:latin typeface="Lato Light" charset="0"/>
+            </a:endParaRPr>
+          </a:p>
+        </p:txBody>
+      </p:sp>
+      <p:sp>
+        <p:nvSpPr>
+          <p:cNvPr id="42" name="Subtitle 2"/>
+          <p:cNvSpPr txBox="1">
+            <a:spLocks/>
+          </p:cNvSpPr>
+          <p:nvPr/>
+        </p:nvSpPr>
+        <p:spPr>
+          <a:xfrm>
+            <a:off x="5010229" y="817417"/>
+            <a:ext cx="2192142" cy="376997"/>
+          </a:xfrm>
+          <a:prstGeom prst="rect">
+            <a:avLst/>
+          </a:prstGeom>
+        </p:spPr>
+        <p:txBody>
+          <a:bodyPr vert="horz" wrap="none" lIns="108745" tIns="54373" rIns="108745" bIns="54373" rtlCol="0">
+            <a:spAutoFit/>
+          </a:bodyPr>
+          <a:lstStyle>
+            <a:lvl1pPr marL="0" indent="0" algn="ctr" defTabSz="1087636" rtl="0" eaLnBrk="1" latinLnBrk="0" hangingPunct="1">
+              <a:lnSpc>
+                <a:spcPct val="120000"/>
+              </a:lnSpc>
+              <a:spcBef>
+                <a:spcPct val="20000"/>
+              </a:spcBef>
+              <a:buFont typeface="Arial"/>
+              <a:buNone/>
+              <a:defRPr sz="2400" kern="1200">
+                <a:solidFill>
+                  <a:schemeClr val="tx2"/>
+                </a:solidFill>
+                <a:latin typeface="Open Sans Light"/>
+                <a:ea typeface="+mn-ea"/>
+                <a:cs typeface="Open Sans Light"/>
+              </a:defRPr>
+            </a:lvl1pPr>
+            <a:lvl2pPr marL="1087636" indent="0" algn="ctr" defTabSz="1087636" rtl="0" eaLnBrk="1" latinLnBrk="0" hangingPunct="1">
+              <a:lnSpc>
+                <a:spcPct val="130000"/>
+              </a:lnSpc>
+              <a:spcBef>
+                <a:spcPct val="20000"/>
+              </a:spcBef>
+              <a:buFont typeface="Arial"/>
+              <a:buNone/>
+              <a:defRPr sz="3200" kern="1200">
+                <a:solidFill>
+                  <a:schemeClr val="tx1">
+                    <a:tint val="75000"/>
+                  </a:schemeClr>
+                </a:solidFill>
+                <a:latin typeface="Open Sans"/>
+                <a:ea typeface="+mn-ea"/>
+                <a:cs typeface="Open Sans"/>
+              </a:defRPr>
+            </a:lvl2pPr>
+            <a:lvl3pPr marL="2175271" indent="0" algn="ctr" defTabSz="1087636" rtl="0" eaLnBrk="1" latinLnBrk="0" hangingPunct="1">
+              <a:lnSpc>
+                <a:spcPct val="130000"/>
+              </a:lnSpc>
+              <a:spcBef>
+                <a:spcPct val="20000"/>
+              </a:spcBef>
+              <a:buFont typeface="Arial"/>
+              <a:buNone/>
+              <a:defRPr sz="3200" kern="1200">
+                <a:solidFill>
+                  <a:schemeClr val="tx1">
+                    <a:tint val="75000"/>
+                  </a:schemeClr>
+                </a:solidFill>
+                <a:latin typeface="Open Sans"/>
+                <a:ea typeface="+mn-ea"/>
+                <a:cs typeface="Open Sans"/>
+              </a:defRPr>
+            </a:lvl3pPr>
+            <a:lvl4pPr marL="3262912" indent="0" algn="ctr" defTabSz="1087636" rtl="0" eaLnBrk="1" latinLnBrk="0" hangingPunct="1">
+              <a:lnSpc>
+                <a:spcPct val="130000"/>
+              </a:lnSpc>
+              <a:spcBef>
+                <a:spcPct val="20000"/>
+              </a:spcBef>
+              <a:buFont typeface="Arial"/>
+              <a:buNone/>
+              <a:defRPr sz="3200" kern="1200">
+                <a:solidFill>
+                  <a:schemeClr val="tx1">
+                    <a:tint val="75000"/>
+                  </a:schemeClr>
+                </a:solidFill>
+                <a:latin typeface="Open Sans"/>
+                <a:ea typeface="+mn-ea"/>
+                <a:cs typeface="Open Sans"/>
+              </a:defRPr>
+            </a:lvl4pPr>
+            <a:lvl5pPr marL="4350546" indent="0" algn="ctr" defTabSz="1087636" rtl="0" eaLnBrk="1" latinLnBrk="0" hangingPunct="1">
+              <a:lnSpc>
+                <a:spcPct val="130000"/>
+              </a:lnSpc>
+              <a:spcBef>
+                <a:spcPct val="20000"/>
+              </a:spcBef>
+              <a:buFont typeface="Arial"/>
+              <a:buNone/>
+              <a:defRPr sz="3200" kern="1200">
+                <a:solidFill>
+                  <a:schemeClr val="tx1">
+                    <a:tint val="75000"/>
+                  </a:schemeClr>
+                </a:solidFill>
+                <a:latin typeface="Open Sans"/>
+                <a:ea typeface="+mn-ea"/>
+                <a:cs typeface="Open Sans"/>
+              </a:defRPr>
+            </a:lvl5pPr>
+            <a:lvl6pPr marL="5438184" indent="0" algn="ctr" defTabSz="1087636" rtl="0" eaLnBrk="1" latinLnBrk="0" hangingPunct="1">
+              <a:spcBef>
+                <a:spcPct val="20000"/>
+              </a:spcBef>
+              <a:buFont typeface="Arial"/>
+              <a:buNone/>
+              <a:defRPr sz="4800" kern="1200">
+                <a:solidFill>
+                  <a:schemeClr val="tx1">
+                    <a:tint val="75000"/>
+                  </a:schemeClr>
+                </a:solidFill>
+                <a:latin typeface="+mn-lt"/>
+                <a:ea typeface="+mn-ea"/>
+                <a:cs typeface="+mn-cs"/>
+              </a:defRPr>
+            </a:lvl6pPr>
+            <a:lvl7pPr marL="6525820" indent="0" algn="ctr" defTabSz="1087636" rtl="0" eaLnBrk="1" latinLnBrk="0" hangingPunct="1">
+              <a:spcBef>
+                <a:spcPct val="20000"/>
+              </a:spcBef>
+              <a:buFont typeface="Arial"/>
+              <a:buNone/>
+              <a:defRPr sz="4800" kern="1200">
+                <a:solidFill>
+                  <a:schemeClr val="tx1">
+                    <a:tint val="75000"/>
+                  </a:schemeClr>
+                </a:solidFill>
+                <a:latin typeface="+mn-lt"/>
+                <a:ea typeface="+mn-ea"/>
+                <a:cs typeface="+mn-cs"/>
+              </a:defRPr>
+            </a:lvl7pPr>
+            <a:lvl8pPr marL="7613455" indent="0" algn="ctr" defTabSz="1087636" rtl="0" eaLnBrk="1" latinLnBrk="0" hangingPunct="1">
+              <a:spcBef>
+                <a:spcPct val="20000"/>
+              </a:spcBef>
+              <a:buFont typeface="Arial"/>
+              <a:buNone/>
+              <a:defRPr sz="4800" kern="1200">
+                <a:solidFill>
+                  <a:schemeClr val="tx1">
+                    <a:tint val="75000"/>
+                  </a:schemeClr>
+                </a:solidFill>
+                <a:latin typeface="+mn-lt"/>
+                <a:ea typeface="+mn-ea"/>
+                <a:cs typeface="+mn-cs"/>
+              </a:defRPr>
+            </a:lvl8pPr>
+            <a:lvl9pPr marL="8701091" indent="0" algn="ctr" defTabSz="1087636" rtl="0" eaLnBrk="1" latinLnBrk="0" hangingPunct="1">
+              <a:spcBef>
+                <a:spcPct val="20000"/>
+              </a:spcBef>
+              <a:buFont typeface="Arial"/>
+              <a:buNone/>
+              <a:defRPr sz="4800" kern="1200">
+                <a:solidFill>
+                  <a:schemeClr val="tx1">
+                    <a:tint val="75000"/>
+                  </a:schemeClr>
+                </a:solidFill>
+                <a:latin typeface="+mn-lt"/>
+                <a:ea typeface="+mn-ea"/>
+                <a:cs typeface="+mn-cs"/>
+              </a:defRPr>
+            </a:lvl9pPr>
+          </a:lstStyle>
+          <a:p>
+            <a:r>
+              <a:rPr lang="en-US" sz="1550" dirty="0">
+                <a:solidFill>
+                  <a:schemeClr val="accent1"/>
+                </a:solidFill>
+                <a:latin typeface="Lato Light"/>
+                <a:cs typeface="Lato Light"/>
+              </a:rPr>
+              <a:t>Infrastructure Emulation</a:t>
+            </a:r>
+          </a:p>
+        </p:txBody>
+      </p:sp>
+      <p:sp>
+        <p:nvSpPr>
+          <p:cNvPr id="89" name="Freeform 143"/>
+          <p:cNvSpPr>
+            <a:spLocks noChangeArrowheads="1"/>
+          </p:cNvSpPr>
+          <p:nvPr/>
+        </p:nvSpPr>
+        <p:spPr bwMode="auto">
+          <a:xfrm>
+            <a:off x="1280867" y="2131768"/>
+            <a:ext cx="4012542" cy="1109214"/>
+          </a:xfrm>
+          <a:custGeom>
+            <a:avLst/>
+            <a:gdLst>
+              <a:gd name="T0" fmla="*/ 283 w 15344"/>
+              <a:gd name="T1" fmla="*/ 0 h 4244"/>
+              <a:gd name="T2" fmla="*/ 283 w 15344"/>
+              <a:gd name="T3" fmla="*/ 0 h 4244"/>
+              <a:gd name="T4" fmla="*/ 0 w 15344"/>
+              <a:gd name="T5" fmla="*/ 282 h 4244"/>
+              <a:gd name="T6" fmla="*/ 0 w 15344"/>
+              <a:gd name="T7" fmla="*/ 3951 h 4244"/>
+              <a:gd name="T8" fmla="*/ 283 w 15344"/>
+              <a:gd name="T9" fmla="*/ 4243 h 4244"/>
+              <a:gd name="T10" fmla="*/ 15343 w 15344"/>
+              <a:gd name="T11" fmla="*/ 4243 h 4244"/>
+              <a:gd name="T12" fmla="*/ 15343 w 15344"/>
+              <a:gd name="T13" fmla="*/ 0 h 4244"/>
+              <a:gd name="T14" fmla="*/ 283 w 15344"/>
+              <a:gd name="T15" fmla="*/ 0 h 4244"/>
+            </a:gdLst>
+            <a:ahLst/>
+            <a:cxnLst>
+              <a:cxn ang="0">
+                <a:pos x="T0" y="T1"/>
+              </a:cxn>
+              <a:cxn ang="0">
+                <a:pos x="T2" y="T3"/>
+              </a:cxn>
+              <a:cxn ang="0">
+                <a:pos x="T4" y="T5"/>
+              </a:cxn>
+              <a:cxn ang="0">
+                <a:pos x="T6" y="T7"/>
+              </a:cxn>
+              <a:cxn ang="0">
+                <a:pos x="T8" y="T9"/>
+              </a:cxn>
+              <a:cxn ang="0">
+                <a:pos x="T10" y="T11"/>
+              </a:cxn>
+              <a:cxn ang="0">
+                <a:pos x="T12" y="T13"/>
+              </a:cxn>
+              <a:cxn ang="0">
+                <a:pos x="T14" y="T15"/>
+              </a:cxn>
+            </a:cxnLst>
+            <a:rect l="0" t="0" r="r" b="b"/>
+            <a:pathLst>
+              <a:path w="15344" h="4244">
+                <a:moveTo>
+                  <a:pt x="283" y="0"/>
+                </a:moveTo>
+                <a:lnTo>
+                  <a:pt x="283" y="0"/>
+                </a:lnTo>
+                <a:cubicBezTo>
+                  <a:pt x="129" y="0"/>
+                  <a:pt x="0" y="128"/>
+                  <a:pt x="0" y="282"/>
+                </a:cubicBezTo>
+                <a:cubicBezTo>
+                  <a:pt x="0" y="3951"/>
+                  <a:pt x="0" y="3951"/>
+                  <a:pt x="0" y="3951"/>
+                </a:cubicBezTo>
+                <a:cubicBezTo>
+                  <a:pt x="0" y="4114"/>
+                  <a:pt x="129" y="4243"/>
+                  <a:pt x="283" y="4243"/>
+                </a:cubicBezTo>
+                <a:cubicBezTo>
+                  <a:pt x="15343" y="4243"/>
+                  <a:pt x="15343" y="4243"/>
+                  <a:pt x="15343" y="4243"/>
+                </a:cubicBezTo>
+                <a:cubicBezTo>
+                  <a:pt x="15343" y="0"/>
+                  <a:pt x="15343" y="0"/>
+                  <a:pt x="15343" y="0"/>
+                </a:cubicBezTo>
+                <a:lnTo>
+                  <a:pt x="283" y="0"/>
+                </a:lnTo>
+              </a:path>
+            </a:pathLst>
+          </a:custGeom>
+          <a:solidFill>
+            <a:schemeClr val="bg1">
+              <a:lumMod val="95000"/>
+            </a:schemeClr>
+          </a:solidFill>
+          <a:ln>
+            <a:noFill/>
+          </a:ln>
+          <a:effectLst/>
+        </p:spPr>
+        <p:txBody>
+          <a:bodyPr wrap="none" anchor="ctr"/>
+          <a:lstStyle/>
+          <a:p>
+            <a:endParaRPr lang="en-US" sz="3599"/>
+          </a:p>
+        </p:txBody>
+      </p:sp>
+      <p:sp>
+        <p:nvSpPr>
+          <p:cNvPr id="98" name="Freeform 144"/>
+          <p:cNvSpPr>
+            <a:spLocks noChangeArrowheads="1"/>
+          </p:cNvSpPr>
+          <p:nvPr/>
+        </p:nvSpPr>
+        <p:spPr bwMode="auto">
+          <a:xfrm>
+            <a:off x="1579081" y="2053872"/>
+            <a:ext cx="928189" cy="1013513"/>
+          </a:xfrm>
+          <a:custGeom>
+            <a:avLst/>
+            <a:gdLst>
+              <a:gd name="T0" fmla="*/ 3240 w 3550"/>
+              <a:gd name="T1" fmla="*/ 0 h 3876"/>
+              <a:gd name="T2" fmla="*/ 3240 w 3550"/>
+              <a:gd name="T3" fmla="*/ 0 h 3876"/>
+              <a:gd name="T4" fmla="*/ 300 w 3550"/>
+              <a:gd name="T5" fmla="*/ 0 h 3876"/>
+              <a:gd name="T6" fmla="*/ 0 w 3550"/>
+              <a:gd name="T7" fmla="*/ 0 h 3876"/>
+              <a:gd name="T8" fmla="*/ 300 w 3550"/>
+              <a:gd name="T9" fmla="*/ 300 h 3876"/>
+              <a:gd name="T10" fmla="*/ 300 w 3550"/>
+              <a:gd name="T11" fmla="*/ 3695 h 3876"/>
+              <a:gd name="T12" fmla="*/ 489 w 3550"/>
+              <a:gd name="T13" fmla="*/ 3875 h 3876"/>
+              <a:gd name="T14" fmla="*/ 3360 w 3550"/>
+              <a:gd name="T15" fmla="*/ 3875 h 3876"/>
+              <a:gd name="T16" fmla="*/ 3549 w 3550"/>
+              <a:gd name="T17" fmla="*/ 3695 h 3876"/>
+              <a:gd name="T18" fmla="*/ 3549 w 3550"/>
+              <a:gd name="T19" fmla="*/ 300 h 3876"/>
+              <a:gd name="T20" fmla="*/ 3240 w 3550"/>
+              <a:gd name="T21" fmla="*/ 0 h 3876"/>
+            </a:gdLst>
+            <a:ahLst/>
+            <a:cxnLst>
+              <a:cxn ang="0">
+                <a:pos x="T0" y="T1"/>
+              </a:cxn>
+              <a:cxn ang="0">
+                <a:pos x="T2" y="T3"/>
+              </a:cxn>
+              <a:cxn ang="0">
+                <a:pos x="T4" y="T5"/>
+              </a:cxn>
+              <a:cxn ang="0">
+                <a:pos x="T6" y="T7"/>
+              </a:cxn>
+              <a:cxn ang="0">
+                <a:pos x="T8" y="T9"/>
+              </a:cxn>
+              <a:cxn ang="0">
+                <a:pos x="T10" y="T11"/>
+              </a:cxn>
+              <a:cxn ang="0">
+                <a:pos x="T12" y="T13"/>
+              </a:cxn>
+              <a:cxn ang="0">
+                <a:pos x="T14" y="T15"/>
+              </a:cxn>
+              <a:cxn ang="0">
+                <a:pos x="T16" y="T17"/>
+              </a:cxn>
+              <a:cxn ang="0">
+                <a:pos x="T18" y="T19"/>
+              </a:cxn>
+              <a:cxn ang="0">
+                <a:pos x="T20" y="T21"/>
+              </a:cxn>
+            </a:cxnLst>
+            <a:rect l="0" t="0" r="r" b="b"/>
+            <a:pathLst>
+              <a:path w="3550" h="3876">
+                <a:moveTo>
+                  <a:pt x="3240" y="0"/>
+                </a:moveTo>
+                <a:lnTo>
+                  <a:pt x="3240" y="0"/>
+                </a:lnTo>
+                <a:cubicBezTo>
+                  <a:pt x="300" y="0"/>
+                  <a:pt x="300" y="0"/>
+                  <a:pt x="300" y="0"/>
+                </a:cubicBezTo>
+                <a:cubicBezTo>
+                  <a:pt x="0" y="0"/>
+                  <a:pt x="0" y="0"/>
+                  <a:pt x="0" y="0"/>
+                </a:cubicBezTo>
+                <a:cubicBezTo>
+                  <a:pt x="163" y="0"/>
+                  <a:pt x="300" y="137"/>
+                  <a:pt x="300" y="300"/>
+                </a:cubicBezTo>
+                <a:cubicBezTo>
+                  <a:pt x="300" y="3695"/>
+                  <a:pt x="300" y="3695"/>
+                  <a:pt x="300" y="3695"/>
+                </a:cubicBezTo>
+                <a:cubicBezTo>
+                  <a:pt x="300" y="3798"/>
+                  <a:pt x="386" y="3875"/>
+                  <a:pt x="489" y="3875"/>
+                </a:cubicBezTo>
+                <a:cubicBezTo>
+                  <a:pt x="3360" y="3875"/>
+                  <a:pt x="3360" y="3875"/>
+                  <a:pt x="3360" y="3875"/>
+                </a:cubicBezTo>
+                <a:cubicBezTo>
+                  <a:pt x="3463" y="3875"/>
+                  <a:pt x="3549" y="3798"/>
+                  <a:pt x="3549" y="3695"/>
+                </a:cubicBezTo>
+                <a:cubicBezTo>
+                  <a:pt x="3549" y="300"/>
+                  <a:pt x="3549" y="300"/>
+                  <a:pt x="3549" y="300"/>
+                </a:cubicBezTo>
+                <a:cubicBezTo>
+                  <a:pt x="3549" y="137"/>
+                  <a:pt x="3412" y="0"/>
+                  <a:pt x="3240" y="0"/>
+                </a:cubicBezTo>
+              </a:path>
+            </a:pathLst>
+          </a:custGeom>
+          <a:solidFill>
+            <a:schemeClr val="accent1"/>
+          </a:solidFill>
+          <a:ln>
+            <a:noFill/>
+          </a:ln>
+          <a:effectLst>
+            <a:outerShdw blurRad="165100" dist="127000" dir="5400000" sx="101000" sy="101000" algn="t" rotWithShape="0">
+              <a:prstClr val="black">
+                <a:alpha val="40000"/>
+              </a:prstClr>
+            </a:outerShdw>
+          </a:effectLst>
+        </p:spPr>
+        <p:txBody>
+          <a:bodyPr wrap="none" anchor="ctr"/>
+          <a:lstStyle/>
+          <a:p>
+            <a:endParaRPr lang="en-US" sz="3599"/>
+          </a:p>
+        </p:txBody>
+      </p:sp>
+      <p:sp>
+        <p:nvSpPr>
+          <p:cNvPr id="99" name="Freeform 145"/>
+          <p:cNvSpPr>
+            <a:spLocks noChangeArrowheads="1"/>
+          </p:cNvSpPr>
+          <p:nvPr/>
+        </p:nvSpPr>
+        <p:spPr bwMode="auto">
+          <a:xfrm flipH="1">
+            <a:off x="1498758" y="2053872"/>
+            <a:ext cx="160170" cy="80548"/>
+          </a:xfrm>
+          <a:custGeom>
+            <a:avLst/>
+            <a:gdLst>
+              <a:gd name="T0" fmla="*/ 381 w 763"/>
+              <a:gd name="T1" fmla="*/ 0 h 382"/>
+              <a:gd name="T2" fmla="*/ 381 w 763"/>
+              <a:gd name="T3" fmla="*/ 0 h 382"/>
+              <a:gd name="T4" fmla="*/ 0 w 763"/>
+              <a:gd name="T5" fmla="*/ 381 h 382"/>
+              <a:gd name="T6" fmla="*/ 762 w 763"/>
+              <a:gd name="T7" fmla="*/ 381 h 382"/>
+              <a:gd name="T8" fmla="*/ 381 w 763"/>
+              <a:gd name="T9" fmla="*/ 0 h 382"/>
+            </a:gdLst>
+            <a:ahLst/>
+            <a:cxnLst>
+              <a:cxn ang="0">
+                <a:pos x="T0" y="T1"/>
+              </a:cxn>
+              <a:cxn ang="0">
+                <a:pos x="T2" y="T3"/>
+              </a:cxn>
+              <a:cxn ang="0">
+                <a:pos x="T4" y="T5"/>
+              </a:cxn>
+              <a:cxn ang="0">
+                <a:pos x="T6" y="T7"/>
+              </a:cxn>
+              <a:cxn ang="0">
+                <a:pos x="T8" y="T9"/>
+              </a:cxn>
+            </a:cxnLst>
+            <a:rect l="0" t="0" r="r" b="b"/>
+            <a:pathLst>
+              <a:path w="763" h="382">
+                <a:moveTo>
+                  <a:pt x="381" y="0"/>
+                </a:moveTo>
+                <a:lnTo>
+                  <a:pt x="381" y="0"/>
+                </a:lnTo>
+                <a:cubicBezTo>
+                  <a:pt x="172" y="0"/>
+                  <a:pt x="0" y="170"/>
+                  <a:pt x="0" y="381"/>
+                </a:cubicBezTo>
+                <a:cubicBezTo>
+                  <a:pt x="762" y="381"/>
+                  <a:pt x="762" y="381"/>
+                  <a:pt x="762" y="381"/>
+                </a:cubicBezTo>
+                <a:cubicBezTo>
+                  <a:pt x="762" y="170"/>
+                  <a:pt x="592" y="0"/>
+                  <a:pt x="381" y="0"/>
+                </a:cubicBezTo>
+              </a:path>
+            </a:pathLst>
+          </a:custGeom>
+          <a:solidFill>
+            <a:schemeClr val="accent1">
+              <a:lumMod val="75000"/>
+            </a:schemeClr>
+          </a:solidFill>
+          <a:ln>
+            <a:noFill/>
+          </a:ln>
+          <a:effectLst/>
+        </p:spPr>
+        <p:txBody>
+          <a:bodyPr wrap="none" anchor="ctr"/>
+          <a:lstStyle/>
+          <a:p>
+            <a:endParaRPr lang="en-US" sz="3599"/>
+          </a:p>
+        </p:txBody>
+      </p:sp>
+      <p:sp>
+        <p:nvSpPr>
+          <p:cNvPr id="100" name="Freeform 146"/>
+          <p:cNvSpPr>
+            <a:spLocks noChangeArrowheads="1"/>
+          </p:cNvSpPr>
+          <p:nvPr/>
+        </p:nvSpPr>
+        <p:spPr bwMode="auto">
+          <a:xfrm>
+            <a:off x="5293409" y="2134420"/>
+            <a:ext cx="145664" cy="1106562"/>
+          </a:xfrm>
+          <a:custGeom>
+            <a:avLst/>
+            <a:gdLst>
+              <a:gd name="T0" fmla="*/ 253 w 526"/>
+              <a:gd name="T1" fmla="*/ 0 h 3985"/>
+              <a:gd name="T2" fmla="*/ 253 w 526"/>
+              <a:gd name="T3" fmla="*/ 0 h 3985"/>
+              <a:gd name="T4" fmla="*/ 0 w 526"/>
+              <a:gd name="T5" fmla="*/ 0 h 3985"/>
+              <a:gd name="T6" fmla="*/ 0 w 526"/>
+              <a:gd name="T7" fmla="*/ 3984 h 3985"/>
+              <a:gd name="T8" fmla="*/ 253 w 526"/>
+              <a:gd name="T9" fmla="*/ 3984 h 3985"/>
+              <a:gd name="T10" fmla="*/ 525 w 526"/>
+              <a:gd name="T11" fmla="*/ 3716 h 3985"/>
+              <a:gd name="T12" fmla="*/ 525 w 526"/>
+              <a:gd name="T13" fmla="*/ 268 h 3985"/>
+              <a:gd name="T14" fmla="*/ 253 w 526"/>
+              <a:gd name="T15" fmla="*/ 0 h 3985"/>
+            </a:gdLst>
+            <a:ahLst/>
+            <a:cxnLst>
+              <a:cxn ang="0">
+                <a:pos x="T0" y="T1"/>
+              </a:cxn>
+              <a:cxn ang="0">
+                <a:pos x="T2" y="T3"/>
+              </a:cxn>
+              <a:cxn ang="0">
+                <a:pos x="T4" y="T5"/>
+              </a:cxn>
+              <a:cxn ang="0">
+                <a:pos x="T6" y="T7"/>
+              </a:cxn>
+              <a:cxn ang="0">
+                <a:pos x="T8" y="T9"/>
+              </a:cxn>
+              <a:cxn ang="0">
+                <a:pos x="T10" y="T11"/>
+              </a:cxn>
+              <a:cxn ang="0">
+                <a:pos x="T12" y="T13"/>
+              </a:cxn>
+              <a:cxn ang="0">
+                <a:pos x="T14" y="T15"/>
+              </a:cxn>
+            </a:cxnLst>
+            <a:rect l="0" t="0" r="r" b="b"/>
+            <a:pathLst>
+              <a:path w="526" h="3985">
+                <a:moveTo>
+                  <a:pt x="253" y="0"/>
+                </a:moveTo>
+                <a:lnTo>
+                  <a:pt x="253" y="0"/>
+                </a:lnTo>
+                <a:cubicBezTo>
+                  <a:pt x="0" y="0"/>
+                  <a:pt x="0" y="0"/>
+                  <a:pt x="0" y="0"/>
+                </a:cubicBezTo>
+                <a:cubicBezTo>
+                  <a:pt x="0" y="3984"/>
+                  <a:pt x="0" y="3984"/>
+                  <a:pt x="0" y="3984"/>
+                </a:cubicBezTo>
+                <a:cubicBezTo>
+                  <a:pt x="253" y="3984"/>
+                  <a:pt x="253" y="3984"/>
+                  <a:pt x="253" y="3984"/>
+                </a:cubicBezTo>
+                <a:cubicBezTo>
+                  <a:pt x="404" y="3984"/>
+                  <a:pt x="525" y="3863"/>
+                  <a:pt x="525" y="3716"/>
+                </a:cubicBezTo>
+                <a:cubicBezTo>
+                  <a:pt x="525" y="268"/>
+                  <a:pt x="525" y="268"/>
+                  <a:pt x="525" y="268"/>
+                </a:cubicBezTo>
+                <a:cubicBezTo>
+                  <a:pt x="525" y="121"/>
+                  <a:pt x="404" y="0"/>
+                  <a:pt x="253" y="0"/>
+                </a:cubicBezTo>
+              </a:path>
+            </a:pathLst>
+          </a:custGeom>
+          <a:solidFill>
+            <a:schemeClr val="accent1"/>
+          </a:solidFill>
+          <a:ln>
+            <a:noFill/>
+          </a:ln>
+          <a:effectLst/>
+        </p:spPr>
+        <p:txBody>
+          <a:bodyPr wrap="none" anchor="ctr"/>
+          <a:lstStyle/>
+          <a:p>
+            <a:endParaRPr lang="en-US" sz="3599"/>
+          </a:p>
+        </p:txBody>
+      </p:sp>
+      <p:sp>
+        <p:nvSpPr>
+          <p:cNvPr id="108" name="TextBox 107"/>
+          <p:cNvSpPr txBox="1"/>
+          <p:nvPr/>
+        </p:nvSpPr>
+        <p:spPr>
+          <a:xfrm>
+            <a:off x="1785219" y="2149900"/>
+            <a:ext cx="593432" cy="292388"/>
+          </a:xfrm>
+          <a:prstGeom prst="rect">
+            <a:avLst/>
+          </a:prstGeom>
+          <a:noFill/>
+        </p:spPr>
+        <p:txBody>
+          <a:bodyPr wrap="none" rtlCol="0" anchor="ctr" anchorCtr="0">
+            <a:spAutoFit/>
+          </a:bodyPr>
+          <a:lstStyle/>
+          <a:p>
+            <a:pPr algn="ctr"/>
+            <a:r>
+              <a:rPr lang="en-US" sz="1300" b="1" dirty="0">
+                <a:solidFill>
+                  <a:schemeClr val="bg1"/>
+                </a:solidFill>
+                <a:latin typeface="Lato Black" charset="0"/>
+                <a:ea typeface="Lato Black" charset="0"/>
+                <a:cs typeface="Lato Black" charset="0"/>
+              </a:rPr>
+              <a:t>Phase</a:t>
+            </a:r>
+          </a:p>
+        </p:txBody>
+      </p:sp>
+      <p:sp>
+        <p:nvSpPr>
+          <p:cNvPr id="109" name="TextBox 108"/>
+          <p:cNvSpPr txBox="1"/>
+          <p:nvPr/>
+        </p:nvSpPr>
+        <p:spPr>
+          <a:xfrm>
+            <a:off x="1754842" y="2335215"/>
+            <a:ext cx="650160" cy="707878"/>
+          </a:xfrm>
+          <a:prstGeom prst="rect">
+            <a:avLst/>
+          </a:prstGeom>
+          <a:noFill/>
+        </p:spPr>
+        <p:txBody>
+          <a:bodyPr wrap="none" lIns="45711" tIns="22856" rIns="45711" bIns="22856" rtlCol="0">
+            <a:spAutoFit/>
+          </a:bodyPr>
+          <a:lstStyle/>
+          <a:p>
+            <a:pPr algn="ctr"/>
+            <a:r>
+              <a:rPr lang="en-US" sz="4300" b="1" dirty="0">
+                <a:solidFill>
+                  <a:schemeClr val="bg1"/>
+                </a:solidFill>
+                <a:latin typeface="Lato" charset="0"/>
+                <a:ea typeface="Lato" charset="0"/>
+                <a:cs typeface="Lato" charset="0"/>
+              </a:rPr>
+              <a:t>01</a:t>
+            </a:r>
+            <a:endParaRPr lang="id-ID" sz="4300" b="1" dirty="0">
+              <a:solidFill>
+                <a:schemeClr val="bg1"/>
+              </a:solidFill>
+              <a:latin typeface="Lato" charset="0"/>
+              <a:ea typeface="Lato" charset="0"/>
+              <a:cs typeface="Lato" charset="0"/>
+            </a:endParaRPr>
+          </a:p>
+        </p:txBody>
+      </p:sp>
+      <p:sp>
+        <p:nvSpPr>
+          <p:cNvPr id="110" name="Subtitle 2"/>
+          <p:cNvSpPr txBox="1">
+            <a:spLocks/>
+          </p:cNvSpPr>
+          <p:nvPr/>
+        </p:nvSpPr>
+        <p:spPr>
+          <a:xfrm>
+            <a:off x="2582053" y="2449711"/>
+            <a:ext cx="2711356" cy="786916"/>
+          </a:xfrm>
+          <a:prstGeom prst="rect">
+            <a:avLst/>
+          </a:prstGeom>
+        </p:spPr>
+        <p:txBody>
+          <a:bodyPr vert="horz" wrap="square" lIns="108745" tIns="54373" rIns="108745" bIns="54373" rtlCol="0">
+            <a:spAutoFit/>
+          </a:bodyPr>
+          <a:lstStyle>
+            <a:lvl1pPr marL="0" indent="0" algn="ctr" defTabSz="1087636" rtl="0" eaLnBrk="1" latinLnBrk="0" hangingPunct="1">
+              <a:lnSpc>
+                <a:spcPct val="120000"/>
+              </a:lnSpc>
+              <a:spcBef>
+                <a:spcPct val="20000"/>
+              </a:spcBef>
+              <a:buFont typeface="Arial"/>
+              <a:buNone/>
+              <a:defRPr sz="2400" kern="1200">
+                <a:solidFill>
+                  <a:schemeClr val="tx2"/>
+                </a:solidFill>
+                <a:latin typeface="Open Sans Light"/>
+                <a:ea typeface="+mn-ea"/>
+                <a:cs typeface="Open Sans Light"/>
+              </a:defRPr>
+            </a:lvl1pPr>
+            <a:lvl2pPr marL="1087636" indent="0" algn="ctr" defTabSz="1087636" rtl="0" eaLnBrk="1" latinLnBrk="0" hangingPunct="1">
+              <a:lnSpc>
+                <a:spcPct val="130000"/>
+              </a:lnSpc>
+              <a:spcBef>
+                <a:spcPct val="20000"/>
+              </a:spcBef>
+              <a:buFont typeface="Arial"/>
+              <a:buNone/>
+              <a:defRPr sz="3200" kern="1200">
+                <a:solidFill>
+                  <a:schemeClr val="tx1">
+                    <a:tint val="75000"/>
+                  </a:schemeClr>
+                </a:solidFill>
+                <a:latin typeface="Open Sans"/>
+                <a:ea typeface="+mn-ea"/>
+                <a:cs typeface="Open Sans"/>
+              </a:defRPr>
+            </a:lvl2pPr>
+            <a:lvl3pPr marL="2175271" indent="0" algn="ctr" defTabSz="1087636" rtl="0" eaLnBrk="1" latinLnBrk="0" hangingPunct="1">
+              <a:lnSpc>
+                <a:spcPct val="130000"/>
+              </a:lnSpc>
+              <a:spcBef>
+                <a:spcPct val="20000"/>
+              </a:spcBef>
+              <a:buFont typeface="Arial"/>
+              <a:buNone/>
+              <a:defRPr sz="3200" kern="1200">
+                <a:solidFill>
+                  <a:schemeClr val="tx1">
+                    <a:tint val="75000"/>
+                  </a:schemeClr>
+                </a:solidFill>
+                <a:latin typeface="Open Sans"/>
+                <a:ea typeface="+mn-ea"/>
+                <a:cs typeface="Open Sans"/>
+              </a:defRPr>
+            </a:lvl3pPr>
+            <a:lvl4pPr marL="3262912" indent="0" algn="ctr" defTabSz="1087636" rtl="0" eaLnBrk="1" latinLnBrk="0" hangingPunct="1">
+              <a:lnSpc>
+                <a:spcPct val="130000"/>
+              </a:lnSpc>
+              <a:spcBef>
+                <a:spcPct val="20000"/>
+              </a:spcBef>
+              <a:buFont typeface="Arial"/>
+              <a:buNone/>
+              <a:defRPr sz="3200" kern="1200">
+                <a:solidFill>
+                  <a:schemeClr val="tx1">
+                    <a:tint val="75000"/>
+                  </a:schemeClr>
+                </a:solidFill>
+                <a:latin typeface="Open Sans"/>
+                <a:ea typeface="+mn-ea"/>
+                <a:cs typeface="Open Sans"/>
+              </a:defRPr>
+            </a:lvl4pPr>
+            <a:lvl5pPr marL="4350546" indent="0" algn="ctr" defTabSz="1087636" rtl="0" eaLnBrk="1" latinLnBrk="0" hangingPunct="1">
+              <a:lnSpc>
+                <a:spcPct val="130000"/>
+              </a:lnSpc>
+              <a:spcBef>
+                <a:spcPct val="20000"/>
+              </a:spcBef>
+              <a:buFont typeface="Arial"/>
+              <a:buNone/>
+              <a:defRPr sz="3200" kern="1200">
+                <a:solidFill>
+                  <a:schemeClr val="tx1">
+                    <a:tint val="75000"/>
+                  </a:schemeClr>
+                </a:solidFill>
+                <a:latin typeface="Open Sans"/>
+                <a:ea typeface="+mn-ea"/>
+                <a:cs typeface="Open Sans"/>
+              </a:defRPr>
+            </a:lvl5pPr>
+            <a:lvl6pPr marL="5438184" indent="0" algn="ctr" defTabSz="1087636" rtl="0" eaLnBrk="1" latinLnBrk="0" hangingPunct="1">
+              <a:spcBef>
+                <a:spcPct val="20000"/>
+              </a:spcBef>
+              <a:buFont typeface="Arial"/>
+              <a:buNone/>
+              <a:defRPr sz="4800" kern="1200">
+                <a:solidFill>
+                  <a:schemeClr val="tx1">
+                    <a:tint val="75000"/>
+                  </a:schemeClr>
+                </a:solidFill>
+                <a:latin typeface="+mn-lt"/>
+                <a:ea typeface="+mn-ea"/>
+                <a:cs typeface="+mn-cs"/>
+              </a:defRPr>
+            </a:lvl6pPr>
+            <a:lvl7pPr marL="6525820" indent="0" algn="ctr" defTabSz="1087636" rtl="0" eaLnBrk="1" latinLnBrk="0" hangingPunct="1">
+              <a:spcBef>
+                <a:spcPct val="20000"/>
+              </a:spcBef>
+              <a:buFont typeface="Arial"/>
+              <a:buNone/>
+              <a:defRPr sz="4800" kern="1200">
+                <a:solidFill>
+                  <a:schemeClr val="tx1">
+                    <a:tint val="75000"/>
+                  </a:schemeClr>
+                </a:solidFill>
+                <a:latin typeface="+mn-lt"/>
+                <a:ea typeface="+mn-ea"/>
+                <a:cs typeface="+mn-cs"/>
+              </a:defRPr>
+            </a:lvl7pPr>
+            <a:lvl8pPr marL="7613455" indent="0" algn="ctr" defTabSz="1087636" rtl="0" eaLnBrk="1" latinLnBrk="0" hangingPunct="1">
+              <a:spcBef>
+                <a:spcPct val="20000"/>
+              </a:spcBef>
+              <a:buFont typeface="Arial"/>
+              <a:buNone/>
+              <a:defRPr sz="4800" kern="1200">
+                <a:solidFill>
+                  <a:schemeClr val="tx1">
+                    <a:tint val="75000"/>
+                  </a:schemeClr>
+                </a:solidFill>
+                <a:latin typeface="+mn-lt"/>
+                <a:ea typeface="+mn-ea"/>
+                <a:cs typeface="+mn-cs"/>
+              </a:defRPr>
+            </a:lvl8pPr>
+            <a:lvl9pPr marL="8701091" indent="0" algn="ctr" defTabSz="1087636" rtl="0" eaLnBrk="1" latinLnBrk="0" hangingPunct="1">
+              <a:spcBef>
+                <a:spcPct val="20000"/>
+              </a:spcBef>
+              <a:buFont typeface="Arial"/>
+              <a:buNone/>
+              <a:defRPr sz="4800" kern="1200">
+                <a:solidFill>
+                  <a:schemeClr val="tx1">
+                    <a:tint val="75000"/>
+                  </a:schemeClr>
+                </a:solidFill>
+                <a:latin typeface="+mn-lt"/>
+                <a:ea typeface="+mn-ea"/>
+                <a:cs typeface="+mn-cs"/>
+              </a:defRPr>
+            </a:lvl9pPr>
+          </a:lstStyle>
+          <a:p>
+            <a:pPr algn="l">
+              <a:lnSpc>
+                <a:spcPts val="1820"/>
+              </a:lnSpc>
+            </a:pPr>
+            <a:r>
+              <a:rPr lang="en-US" sz="1250" dirty="0">
+                <a:solidFill>
+                  <a:schemeClr val="tx1"/>
+                </a:solidFill>
+                <a:latin typeface="Lato Light" charset="0"/>
+                <a:ea typeface="Lato Light" charset="0"/>
+                <a:cs typeface="Lato Light" charset="0"/>
+              </a:rPr>
+              <a:t>Bootstrap machines on AWS EC2 based on the supplied infrastructure definition</a:t>
+            </a:r>
+          </a:p>
+        </p:txBody>
+      </p:sp>
+      <p:sp>
+        <p:nvSpPr>
+          <p:cNvPr id="112" name="Rectangle 111"/>
+          <p:cNvSpPr>
+            <a:spLocks/>
+          </p:cNvSpPr>
+          <p:nvPr/>
+        </p:nvSpPr>
+        <p:spPr bwMode="auto">
+          <a:xfrm>
+            <a:off x="2691518" y="2169657"/>
+            <a:ext cx="2457146" cy="331116"/>
+          </a:xfrm>
+          <a:prstGeom prst="rect">
+            <a:avLst/>
+          </a:prstGeom>
+          <a:noFill/>
+          <a:ln>
+            <a:noFill/>
+          </a:ln>
+          <a:extLst>
+            <a:ext uri="{909E8E84-426E-40dd-AFC4-6F175D3DCCD1}">
+              <a14:hiddenFill xmlns:a14="http://schemas.microsoft.com/office/drawing/2010/main" xmlns="">
+                <a:solidFill>
+                  <a:srgbClr val="FFFFFF"/>
+                </a:solidFill>
+              </a14:hiddenFill>
+            </a:ext>
+            <a:ext uri="{91240B29-F687-4f45-9708-019B960494DF}">
+              <a14:hiddenLine xmlns:a14="http://schemas.microsoft.com/office/drawing/2010/main" xmlns="" w="12700">
+                <a:solidFill>
+                  <a:schemeClr val="tx1"/>
+                </a:solidFill>
+                <a:miter lim="800000"/>
+                <a:headEnd/>
+                <a:tailEnd/>
+              </a14:hiddenLine>
+            </a:ext>
+          </a:extLst>
+        </p:spPr>
+        <p:txBody>
+          <a:bodyPr vert="horz" wrap="square" lIns="0" tIns="0" rIns="0" bIns="0" anchor="ctr" anchorCtr="0">
+            <a:spAutoFit/>
+          </a:bodyPr>
+          <a:lstStyle/>
+          <a:p>
+            <a:pPr defTabSz="2286000">
+              <a:lnSpc>
+                <a:spcPct val="150000"/>
+              </a:lnSpc>
+            </a:pPr>
+            <a:r>
+              <a:rPr lang="en-US" sz="1600" b="1" dirty="0">
+                <a:latin typeface="Lato Black" charset="0"/>
+                <a:ea typeface="Lato Black" charset="0"/>
+                <a:cs typeface="Lato Black" charset="0"/>
+                <a:sym typeface="Bebas Neue" charset="0"/>
+              </a:rPr>
+              <a:t>Bootstrap Machines</a:t>
+            </a:r>
+          </a:p>
+        </p:txBody>
+      </p:sp>
+      <p:sp>
+        <p:nvSpPr>
+          <p:cNvPr id="37" name="Freeform 143">
+            <a:extLst>
+              <a:ext uri="{FF2B5EF4-FFF2-40B4-BE49-F238E27FC236}">
+                <a16:creationId xmlns:a16="http://schemas.microsoft.com/office/drawing/2014/main" id="{13C43D71-654E-774F-8131-8CE4276BFD02}"/>
+              </a:ext>
+            </a:extLst>
+          </p:cNvPr>
+          <p:cNvSpPr>
+            <a:spLocks noChangeArrowheads="1"/>
+          </p:cNvSpPr>
+          <p:nvPr/>
+        </p:nvSpPr>
+        <p:spPr bwMode="auto">
+          <a:xfrm>
+            <a:off x="6756116" y="2133795"/>
+            <a:ext cx="4012542" cy="1109214"/>
+          </a:xfrm>
+          <a:custGeom>
+            <a:avLst/>
+            <a:gdLst>
+              <a:gd name="T0" fmla="*/ 283 w 15344"/>
+              <a:gd name="T1" fmla="*/ 0 h 4244"/>
+              <a:gd name="T2" fmla="*/ 283 w 15344"/>
+              <a:gd name="T3" fmla="*/ 0 h 4244"/>
+              <a:gd name="T4" fmla="*/ 0 w 15344"/>
+              <a:gd name="T5" fmla="*/ 282 h 4244"/>
+              <a:gd name="T6" fmla="*/ 0 w 15344"/>
+              <a:gd name="T7" fmla="*/ 3951 h 4244"/>
+              <a:gd name="T8" fmla="*/ 283 w 15344"/>
+              <a:gd name="T9" fmla="*/ 4243 h 4244"/>
+              <a:gd name="T10" fmla="*/ 15343 w 15344"/>
+              <a:gd name="T11" fmla="*/ 4243 h 4244"/>
+              <a:gd name="T12" fmla="*/ 15343 w 15344"/>
+              <a:gd name="T13" fmla="*/ 0 h 4244"/>
+              <a:gd name="T14" fmla="*/ 283 w 15344"/>
+              <a:gd name="T15" fmla="*/ 0 h 4244"/>
+            </a:gdLst>
+            <a:ahLst/>
+            <a:cxnLst>
+              <a:cxn ang="0">
+                <a:pos x="T0" y="T1"/>
+              </a:cxn>
+              <a:cxn ang="0">
+                <a:pos x="T2" y="T3"/>
+              </a:cxn>
+              <a:cxn ang="0">
+                <a:pos x="T4" y="T5"/>
+              </a:cxn>
+              <a:cxn ang="0">
+                <a:pos x="T6" y="T7"/>
+              </a:cxn>
+              <a:cxn ang="0">
+                <a:pos x="T8" y="T9"/>
+              </a:cxn>
+              <a:cxn ang="0">
+                <a:pos x="T10" y="T11"/>
+              </a:cxn>
+              <a:cxn ang="0">
+                <a:pos x="T12" y="T13"/>
+              </a:cxn>
+              <a:cxn ang="0">
+                <a:pos x="T14" y="T15"/>
+              </a:cxn>
+            </a:cxnLst>
+            <a:rect l="0" t="0" r="r" b="b"/>
+            <a:pathLst>
+              <a:path w="15344" h="4244">
+                <a:moveTo>
+                  <a:pt x="283" y="0"/>
+                </a:moveTo>
+                <a:lnTo>
+                  <a:pt x="283" y="0"/>
+                </a:lnTo>
+                <a:cubicBezTo>
+                  <a:pt x="129" y="0"/>
+                  <a:pt x="0" y="128"/>
+                  <a:pt x="0" y="282"/>
+                </a:cubicBezTo>
+                <a:cubicBezTo>
+                  <a:pt x="0" y="3951"/>
+                  <a:pt x="0" y="3951"/>
+                  <a:pt x="0" y="3951"/>
+                </a:cubicBezTo>
+                <a:cubicBezTo>
+                  <a:pt x="0" y="4114"/>
+                  <a:pt x="129" y="4243"/>
+                  <a:pt x="283" y="4243"/>
+                </a:cubicBezTo>
+                <a:cubicBezTo>
+                  <a:pt x="15343" y="4243"/>
+                  <a:pt x="15343" y="4243"/>
+                  <a:pt x="15343" y="4243"/>
+                </a:cubicBezTo>
+                <a:cubicBezTo>
+                  <a:pt x="15343" y="0"/>
+                  <a:pt x="15343" y="0"/>
+                  <a:pt x="15343" y="0"/>
+                </a:cubicBezTo>
+                <a:lnTo>
+                  <a:pt x="283" y="0"/>
+                </a:lnTo>
+              </a:path>
+            </a:pathLst>
+          </a:custGeom>
+          <a:solidFill>
+            <a:schemeClr val="bg1">
+              <a:lumMod val="95000"/>
+            </a:schemeClr>
+          </a:solidFill>
+          <a:ln>
+            <a:noFill/>
+          </a:ln>
+          <a:effectLst/>
+        </p:spPr>
+        <p:txBody>
+          <a:bodyPr wrap="none" anchor="ctr"/>
+          <a:lstStyle/>
+          <a:p>
+            <a:endParaRPr lang="en-US" sz="3599"/>
+          </a:p>
+        </p:txBody>
+      </p:sp>
+      <p:sp>
+        <p:nvSpPr>
+          <p:cNvPr id="38" name="Freeform 144">
+            <a:extLst>
+              <a:ext uri="{FF2B5EF4-FFF2-40B4-BE49-F238E27FC236}">
+                <a16:creationId xmlns:a16="http://schemas.microsoft.com/office/drawing/2014/main" id="{E5157CF3-DE3C-C14D-B43F-B67276B4B3EA}"/>
+              </a:ext>
+            </a:extLst>
+          </p:cNvPr>
+          <p:cNvSpPr>
+            <a:spLocks noChangeArrowheads="1"/>
+          </p:cNvSpPr>
+          <p:nvPr/>
+        </p:nvSpPr>
+        <p:spPr bwMode="auto">
+          <a:xfrm>
+            <a:off x="7054330" y="2055899"/>
+            <a:ext cx="928189" cy="1013513"/>
+          </a:xfrm>
+          <a:custGeom>
+            <a:avLst/>
+            <a:gdLst>
+              <a:gd name="T0" fmla="*/ 3240 w 3550"/>
+              <a:gd name="T1" fmla="*/ 0 h 3876"/>
+              <a:gd name="T2" fmla="*/ 3240 w 3550"/>
+              <a:gd name="T3" fmla="*/ 0 h 3876"/>
+              <a:gd name="T4" fmla="*/ 300 w 3550"/>
+              <a:gd name="T5" fmla="*/ 0 h 3876"/>
+              <a:gd name="T6" fmla="*/ 0 w 3550"/>
+              <a:gd name="T7" fmla="*/ 0 h 3876"/>
+              <a:gd name="T8" fmla="*/ 300 w 3550"/>
+              <a:gd name="T9" fmla="*/ 300 h 3876"/>
+              <a:gd name="T10" fmla="*/ 300 w 3550"/>
+              <a:gd name="T11" fmla="*/ 3695 h 3876"/>
+              <a:gd name="T12" fmla="*/ 489 w 3550"/>
+              <a:gd name="T13" fmla="*/ 3875 h 3876"/>
+              <a:gd name="T14" fmla="*/ 3360 w 3550"/>
+              <a:gd name="T15" fmla="*/ 3875 h 3876"/>
+              <a:gd name="T16" fmla="*/ 3549 w 3550"/>
+              <a:gd name="T17" fmla="*/ 3695 h 3876"/>
+              <a:gd name="T18" fmla="*/ 3549 w 3550"/>
+              <a:gd name="T19" fmla="*/ 300 h 3876"/>
+              <a:gd name="T20" fmla="*/ 3240 w 3550"/>
+              <a:gd name="T21" fmla="*/ 0 h 3876"/>
+            </a:gdLst>
+            <a:ahLst/>
+            <a:cxnLst>
+              <a:cxn ang="0">
+                <a:pos x="T0" y="T1"/>
+              </a:cxn>
+              <a:cxn ang="0">
+                <a:pos x="T2" y="T3"/>
+              </a:cxn>
+              <a:cxn ang="0">
+                <a:pos x="T4" y="T5"/>
+              </a:cxn>
+              <a:cxn ang="0">
+                <a:pos x="T6" y="T7"/>
+              </a:cxn>
+              <a:cxn ang="0">
+                <a:pos x="T8" y="T9"/>
+              </a:cxn>
+              <a:cxn ang="0">
+                <a:pos x="T10" y="T11"/>
+              </a:cxn>
+              <a:cxn ang="0">
+                <a:pos x="T12" y="T13"/>
+              </a:cxn>
+              <a:cxn ang="0">
+                <a:pos x="T14" y="T15"/>
+              </a:cxn>
+              <a:cxn ang="0">
+                <a:pos x="T16" y="T17"/>
+              </a:cxn>
+              <a:cxn ang="0">
+                <a:pos x="T18" y="T19"/>
+              </a:cxn>
+              <a:cxn ang="0">
+                <a:pos x="T20" y="T21"/>
+              </a:cxn>
+            </a:cxnLst>
+            <a:rect l="0" t="0" r="r" b="b"/>
+            <a:pathLst>
+              <a:path w="3550" h="3876">
+                <a:moveTo>
+                  <a:pt x="3240" y="0"/>
+                </a:moveTo>
+                <a:lnTo>
+                  <a:pt x="3240" y="0"/>
+                </a:lnTo>
+                <a:cubicBezTo>
+                  <a:pt x="300" y="0"/>
+                  <a:pt x="300" y="0"/>
+                  <a:pt x="300" y="0"/>
+                </a:cubicBezTo>
+                <a:cubicBezTo>
+                  <a:pt x="0" y="0"/>
+                  <a:pt x="0" y="0"/>
+                  <a:pt x="0" y="0"/>
+                </a:cubicBezTo>
+                <a:cubicBezTo>
+                  <a:pt x="163" y="0"/>
+                  <a:pt x="300" y="137"/>
+                  <a:pt x="300" y="300"/>
+                </a:cubicBezTo>
+                <a:cubicBezTo>
+                  <a:pt x="300" y="3695"/>
+                  <a:pt x="300" y="3695"/>
+                  <a:pt x="300" y="3695"/>
+                </a:cubicBezTo>
+                <a:cubicBezTo>
+                  <a:pt x="300" y="3798"/>
+                  <a:pt x="386" y="3875"/>
+                  <a:pt x="489" y="3875"/>
+                </a:cubicBezTo>
+                <a:cubicBezTo>
+                  <a:pt x="3360" y="3875"/>
+                  <a:pt x="3360" y="3875"/>
+                  <a:pt x="3360" y="3875"/>
+                </a:cubicBezTo>
+                <a:cubicBezTo>
+                  <a:pt x="3463" y="3875"/>
+                  <a:pt x="3549" y="3798"/>
+                  <a:pt x="3549" y="3695"/>
+                </a:cubicBezTo>
+                <a:cubicBezTo>
+                  <a:pt x="3549" y="300"/>
+                  <a:pt x="3549" y="300"/>
+                  <a:pt x="3549" y="300"/>
+                </a:cubicBezTo>
+                <a:cubicBezTo>
+                  <a:pt x="3549" y="137"/>
+                  <a:pt x="3412" y="0"/>
+                  <a:pt x="3240" y="0"/>
+                </a:cubicBezTo>
+              </a:path>
+            </a:pathLst>
+          </a:custGeom>
+          <a:solidFill>
+            <a:schemeClr val="accent1"/>
+          </a:solidFill>
+          <a:ln>
+            <a:noFill/>
+          </a:ln>
+          <a:effectLst>
+            <a:outerShdw blurRad="165100" dist="127000" dir="5400000" sx="101000" sy="101000" algn="t" rotWithShape="0">
+              <a:prstClr val="black">
+                <a:alpha val="40000"/>
+              </a:prstClr>
+            </a:outerShdw>
+          </a:effectLst>
+        </p:spPr>
+        <p:txBody>
+          <a:bodyPr wrap="none" anchor="ctr"/>
+          <a:lstStyle/>
+          <a:p>
+            <a:endParaRPr lang="en-US" sz="3599"/>
+          </a:p>
+        </p:txBody>
+      </p:sp>
+      <p:sp>
+        <p:nvSpPr>
+          <p:cNvPr id="39" name="Freeform 145">
+            <a:extLst>
+              <a:ext uri="{FF2B5EF4-FFF2-40B4-BE49-F238E27FC236}">
+                <a16:creationId xmlns:a16="http://schemas.microsoft.com/office/drawing/2014/main" id="{BBED9F93-34EA-5241-8267-9E90C76EA849}"/>
+              </a:ext>
+            </a:extLst>
+          </p:cNvPr>
+          <p:cNvSpPr>
+            <a:spLocks noChangeArrowheads="1"/>
+          </p:cNvSpPr>
+          <p:nvPr/>
+        </p:nvSpPr>
+        <p:spPr bwMode="auto">
+          <a:xfrm flipH="1">
+            <a:off x="6974007" y="2055899"/>
+            <a:ext cx="160170" cy="80548"/>
+          </a:xfrm>
+          <a:custGeom>
+            <a:avLst/>
+            <a:gdLst>
+              <a:gd name="T0" fmla="*/ 381 w 763"/>
+              <a:gd name="T1" fmla="*/ 0 h 382"/>
+              <a:gd name="T2" fmla="*/ 381 w 763"/>
+              <a:gd name="T3" fmla="*/ 0 h 382"/>
+              <a:gd name="T4" fmla="*/ 0 w 763"/>
+              <a:gd name="T5" fmla="*/ 381 h 382"/>
+              <a:gd name="T6" fmla="*/ 762 w 763"/>
+              <a:gd name="T7" fmla="*/ 381 h 382"/>
+              <a:gd name="T8" fmla="*/ 381 w 763"/>
+              <a:gd name="T9" fmla="*/ 0 h 382"/>
+            </a:gdLst>
+            <a:ahLst/>
+            <a:cxnLst>
+              <a:cxn ang="0">
+                <a:pos x="T0" y="T1"/>
+              </a:cxn>
+              <a:cxn ang="0">
+                <a:pos x="T2" y="T3"/>
+              </a:cxn>
+              <a:cxn ang="0">
+                <a:pos x="T4" y="T5"/>
+              </a:cxn>
+              <a:cxn ang="0">
+                <a:pos x="T6" y="T7"/>
+              </a:cxn>
+              <a:cxn ang="0">
+                <a:pos x="T8" y="T9"/>
+              </a:cxn>
+            </a:cxnLst>
+            <a:rect l="0" t="0" r="r" b="b"/>
+            <a:pathLst>
+              <a:path w="763" h="382">
+                <a:moveTo>
+                  <a:pt x="381" y="0"/>
+                </a:moveTo>
+                <a:lnTo>
+                  <a:pt x="381" y="0"/>
+                </a:lnTo>
+                <a:cubicBezTo>
+                  <a:pt x="172" y="0"/>
+                  <a:pt x="0" y="170"/>
+                  <a:pt x="0" y="381"/>
+                </a:cubicBezTo>
+                <a:cubicBezTo>
+                  <a:pt x="762" y="381"/>
+                  <a:pt x="762" y="381"/>
+                  <a:pt x="762" y="381"/>
+                </a:cubicBezTo>
+                <a:cubicBezTo>
+                  <a:pt x="762" y="170"/>
+                  <a:pt x="592" y="0"/>
+                  <a:pt x="381" y="0"/>
+                </a:cubicBezTo>
+              </a:path>
+            </a:pathLst>
+          </a:custGeom>
+          <a:solidFill>
+            <a:schemeClr val="accent1">
+              <a:lumMod val="75000"/>
+            </a:schemeClr>
+          </a:solidFill>
+          <a:ln>
+            <a:noFill/>
+          </a:ln>
+          <a:effectLst/>
+        </p:spPr>
+        <p:txBody>
+          <a:bodyPr wrap="none" anchor="ctr"/>
+          <a:lstStyle/>
+          <a:p>
+            <a:endParaRPr lang="en-US" sz="3599"/>
+          </a:p>
+        </p:txBody>
+      </p:sp>
+      <p:sp>
+        <p:nvSpPr>
+          <p:cNvPr id="43" name="Freeform 146">
+            <a:extLst>
+              <a:ext uri="{FF2B5EF4-FFF2-40B4-BE49-F238E27FC236}">
+                <a16:creationId xmlns:a16="http://schemas.microsoft.com/office/drawing/2014/main" id="{807E331B-6170-7A4F-B63F-AB1372C01F29}"/>
+              </a:ext>
+            </a:extLst>
+          </p:cNvPr>
+          <p:cNvSpPr>
+            <a:spLocks noChangeArrowheads="1"/>
+          </p:cNvSpPr>
+          <p:nvPr/>
+        </p:nvSpPr>
+        <p:spPr bwMode="auto">
+          <a:xfrm>
+            <a:off x="10768658" y="2136447"/>
+            <a:ext cx="145664" cy="1106562"/>
+          </a:xfrm>
+          <a:custGeom>
+            <a:avLst/>
+            <a:gdLst>
+              <a:gd name="T0" fmla="*/ 253 w 526"/>
+              <a:gd name="T1" fmla="*/ 0 h 3985"/>
+              <a:gd name="T2" fmla="*/ 253 w 526"/>
+              <a:gd name="T3" fmla="*/ 0 h 3985"/>
+              <a:gd name="T4" fmla="*/ 0 w 526"/>
+              <a:gd name="T5" fmla="*/ 0 h 3985"/>
+              <a:gd name="T6" fmla="*/ 0 w 526"/>
+              <a:gd name="T7" fmla="*/ 3984 h 3985"/>
+              <a:gd name="T8" fmla="*/ 253 w 526"/>
+              <a:gd name="T9" fmla="*/ 3984 h 3985"/>
+              <a:gd name="T10" fmla="*/ 525 w 526"/>
+              <a:gd name="T11" fmla="*/ 3716 h 3985"/>
+              <a:gd name="T12" fmla="*/ 525 w 526"/>
+              <a:gd name="T13" fmla="*/ 268 h 3985"/>
+              <a:gd name="T14" fmla="*/ 253 w 526"/>
+              <a:gd name="T15" fmla="*/ 0 h 3985"/>
+            </a:gdLst>
+            <a:ahLst/>
+            <a:cxnLst>
+              <a:cxn ang="0">
+                <a:pos x="T0" y="T1"/>
+              </a:cxn>
+              <a:cxn ang="0">
+                <a:pos x="T2" y="T3"/>
+              </a:cxn>
+              <a:cxn ang="0">
+                <a:pos x="T4" y="T5"/>
+              </a:cxn>
+              <a:cxn ang="0">
+                <a:pos x="T6" y="T7"/>
+              </a:cxn>
+              <a:cxn ang="0">
+                <a:pos x="T8" y="T9"/>
+              </a:cxn>
+              <a:cxn ang="0">
+                <a:pos x="T10" y="T11"/>
+              </a:cxn>
+              <a:cxn ang="0">
+                <a:pos x="T12" y="T13"/>
+              </a:cxn>
+              <a:cxn ang="0">
+                <a:pos x="T14" y="T15"/>
+              </a:cxn>
+            </a:cxnLst>
+            <a:rect l="0" t="0" r="r" b="b"/>
+            <a:pathLst>
+              <a:path w="526" h="3985">
+                <a:moveTo>
+                  <a:pt x="253" y="0"/>
+                </a:moveTo>
+                <a:lnTo>
+                  <a:pt x="253" y="0"/>
+                </a:lnTo>
+                <a:cubicBezTo>
+                  <a:pt x="0" y="0"/>
+                  <a:pt x="0" y="0"/>
+                  <a:pt x="0" y="0"/>
+                </a:cubicBezTo>
+                <a:cubicBezTo>
+                  <a:pt x="0" y="3984"/>
+                  <a:pt x="0" y="3984"/>
+                  <a:pt x="0" y="3984"/>
+                </a:cubicBezTo>
+                <a:cubicBezTo>
+                  <a:pt x="253" y="3984"/>
+                  <a:pt x="253" y="3984"/>
+                  <a:pt x="253" y="3984"/>
+                </a:cubicBezTo>
+                <a:cubicBezTo>
+                  <a:pt x="404" y="3984"/>
+                  <a:pt x="525" y="3863"/>
+                  <a:pt x="525" y="3716"/>
+                </a:cubicBezTo>
+                <a:cubicBezTo>
+                  <a:pt x="525" y="268"/>
+                  <a:pt x="525" y="268"/>
+                  <a:pt x="525" y="268"/>
+                </a:cubicBezTo>
+                <a:cubicBezTo>
+                  <a:pt x="525" y="121"/>
+                  <a:pt x="404" y="0"/>
+                  <a:pt x="253" y="0"/>
+                </a:cubicBezTo>
+              </a:path>
+            </a:pathLst>
+          </a:custGeom>
+          <a:solidFill>
+            <a:schemeClr val="accent1"/>
+          </a:solidFill>
+          <a:ln>
+            <a:noFill/>
+          </a:ln>
+          <a:effectLst/>
+        </p:spPr>
+        <p:txBody>
+          <a:bodyPr wrap="none" anchor="ctr"/>
+          <a:lstStyle/>
+          <a:p>
+            <a:endParaRPr lang="en-US" sz="3599"/>
+          </a:p>
+        </p:txBody>
+      </p:sp>
+      <p:sp>
+        <p:nvSpPr>
+          <p:cNvPr id="44" name="TextBox 107">
+            <a:extLst>
+              <a:ext uri="{FF2B5EF4-FFF2-40B4-BE49-F238E27FC236}">
+                <a16:creationId xmlns:a16="http://schemas.microsoft.com/office/drawing/2014/main" id="{98915A8B-1F96-5142-97D1-DCC57BC0DADF}"/>
+              </a:ext>
+            </a:extLst>
+          </p:cNvPr>
+          <p:cNvSpPr txBox="1"/>
+          <p:nvPr/>
+        </p:nvSpPr>
+        <p:spPr>
+          <a:xfrm>
+            <a:off x="7260468" y="2151927"/>
+            <a:ext cx="593432" cy="292388"/>
+          </a:xfrm>
+          <a:prstGeom prst="rect">
+            <a:avLst/>
+          </a:prstGeom>
+          <a:noFill/>
+        </p:spPr>
+        <p:txBody>
+          <a:bodyPr wrap="none" rtlCol="0" anchor="ctr" anchorCtr="0">
+            <a:spAutoFit/>
+          </a:bodyPr>
+          <a:lstStyle/>
+          <a:p>
+            <a:pPr algn="ctr"/>
+            <a:r>
+              <a:rPr lang="en-US" sz="1300" b="1" dirty="0">
+                <a:solidFill>
+                  <a:schemeClr val="bg1"/>
+                </a:solidFill>
+                <a:latin typeface="Lato Black" charset="0"/>
+                <a:ea typeface="Lato Black" charset="0"/>
+                <a:cs typeface="Lato Black" charset="0"/>
+              </a:rPr>
+              <a:t>Phase</a:t>
+            </a:r>
+          </a:p>
+        </p:txBody>
+      </p:sp>
+      <p:sp>
+        <p:nvSpPr>
+          <p:cNvPr id="45" name="TextBox 108">
+            <a:extLst>
+              <a:ext uri="{FF2B5EF4-FFF2-40B4-BE49-F238E27FC236}">
+                <a16:creationId xmlns:a16="http://schemas.microsoft.com/office/drawing/2014/main" id="{200F488C-859C-834F-A69A-219BB090D82B}"/>
+              </a:ext>
+            </a:extLst>
+          </p:cNvPr>
+          <p:cNvSpPr txBox="1"/>
+          <p:nvPr/>
+        </p:nvSpPr>
+        <p:spPr>
+          <a:xfrm>
+            <a:off x="7230091" y="2337242"/>
+            <a:ext cx="650160" cy="707878"/>
+          </a:xfrm>
+          <a:prstGeom prst="rect">
+            <a:avLst/>
+          </a:prstGeom>
+          <a:noFill/>
+        </p:spPr>
+        <p:txBody>
+          <a:bodyPr wrap="none" lIns="45711" tIns="22856" rIns="45711" bIns="22856" rtlCol="0">
+            <a:spAutoFit/>
+          </a:bodyPr>
+          <a:lstStyle/>
+          <a:p>
+            <a:pPr algn="ctr"/>
+            <a:r>
+              <a:rPr lang="en-US" sz="4300" b="1" dirty="0">
+                <a:solidFill>
+                  <a:schemeClr val="bg1"/>
+                </a:solidFill>
+                <a:latin typeface="Lato" charset="0"/>
+                <a:ea typeface="Lato" charset="0"/>
+                <a:cs typeface="Lato" charset="0"/>
+              </a:rPr>
+              <a:t>02</a:t>
+            </a:r>
+            <a:endParaRPr lang="id-ID" sz="4300" b="1" dirty="0">
+              <a:solidFill>
+                <a:schemeClr val="bg1"/>
+              </a:solidFill>
+              <a:latin typeface="Lato" charset="0"/>
+              <a:ea typeface="Lato" charset="0"/>
+              <a:cs typeface="Lato" charset="0"/>
+            </a:endParaRPr>
+          </a:p>
+        </p:txBody>
+      </p:sp>
+      <p:sp>
+        <p:nvSpPr>
+          <p:cNvPr id="46" name="Subtitle 2">
+            <a:extLst>
+              <a:ext uri="{FF2B5EF4-FFF2-40B4-BE49-F238E27FC236}">
+                <a16:creationId xmlns:a16="http://schemas.microsoft.com/office/drawing/2014/main" id="{6BE44C3F-3202-5648-A1AB-BF55F2EB2F91}"/>
+              </a:ext>
+            </a:extLst>
+          </p:cNvPr>
+          <p:cNvSpPr txBox="1">
+            <a:spLocks/>
+          </p:cNvSpPr>
+          <p:nvPr/>
+        </p:nvSpPr>
+        <p:spPr>
+          <a:xfrm>
+            <a:off x="8057302" y="2451738"/>
+            <a:ext cx="2711356" cy="556084"/>
+          </a:xfrm>
+          <a:prstGeom prst="rect">
+            <a:avLst/>
+          </a:prstGeom>
+        </p:spPr>
+        <p:txBody>
+          <a:bodyPr vert="horz" wrap="square" lIns="108745" tIns="54373" rIns="108745" bIns="54373" rtlCol="0">
+            <a:spAutoFit/>
+          </a:bodyPr>
+          <a:lstStyle>
+            <a:lvl1pPr marL="0" indent="0" algn="ctr" defTabSz="1087636" rtl="0" eaLnBrk="1" latinLnBrk="0" hangingPunct="1">
+              <a:lnSpc>
+                <a:spcPct val="120000"/>
+              </a:lnSpc>
+              <a:spcBef>
+                <a:spcPct val="20000"/>
+              </a:spcBef>
+              <a:buFont typeface="Arial"/>
+              <a:buNone/>
+              <a:defRPr sz="2400" kern="1200">
+                <a:solidFill>
+                  <a:schemeClr val="tx2"/>
+                </a:solidFill>
+                <a:latin typeface="Open Sans Light"/>
+                <a:ea typeface="+mn-ea"/>
+                <a:cs typeface="Open Sans Light"/>
+              </a:defRPr>
+            </a:lvl1pPr>
+            <a:lvl2pPr marL="1087636" indent="0" algn="ctr" defTabSz="1087636" rtl="0" eaLnBrk="1" latinLnBrk="0" hangingPunct="1">
+              <a:lnSpc>
+                <a:spcPct val="130000"/>
+              </a:lnSpc>
+              <a:spcBef>
+                <a:spcPct val="20000"/>
+              </a:spcBef>
+              <a:buFont typeface="Arial"/>
+              <a:buNone/>
+              <a:defRPr sz="3200" kern="1200">
+                <a:solidFill>
+                  <a:schemeClr val="tx1">
+                    <a:tint val="75000"/>
+                  </a:schemeClr>
+                </a:solidFill>
+                <a:latin typeface="Open Sans"/>
+                <a:ea typeface="+mn-ea"/>
+                <a:cs typeface="Open Sans"/>
+              </a:defRPr>
+            </a:lvl2pPr>
+            <a:lvl3pPr marL="2175271" indent="0" algn="ctr" defTabSz="1087636" rtl="0" eaLnBrk="1" latinLnBrk="0" hangingPunct="1">
+              <a:lnSpc>
+                <a:spcPct val="130000"/>
+              </a:lnSpc>
+              <a:spcBef>
+                <a:spcPct val="20000"/>
+              </a:spcBef>
+              <a:buFont typeface="Arial"/>
+              <a:buNone/>
+              <a:defRPr sz="3200" kern="1200">
+                <a:solidFill>
+                  <a:schemeClr val="tx1">
+                    <a:tint val="75000"/>
+                  </a:schemeClr>
+                </a:solidFill>
+                <a:latin typeface="Open Sans"/>
+                <a:ea typeface="+mn-ea"/>
+                <a:cs typeface="Open Sans"/>
+              </a:defRPr>
+            </a:lvl3pPr>
+            <a:lvl4pPr marL="3262912" indent="0" algn="ctr" defTabSz="1087636" rtl="0" eaLnBrk="1" latinLnBrk="0" hangingPunct="1">
+              <a:lnSpc>
+                <a:spcPct val="130000"/>
+              </a:lnSpc>
+              <a:spcBef>
+                <a:spcPct val="20000"/>
+              </a:spcBef>
+              <a:buFont typeface="Arial"/>
+              <a:buNone/>
+              <a:defRPr sz="3200" kern="1200">
+                <a:solidFill>
+                  <a:schemeClr val="tx1">
+                    <a:tint val="75000"/>
+                  </a:schemeClr>
+                </a:solidFill>
+                <a:latin typeface="Open Sans"/>
+                <a:ea typeface="+mn-ea"/>
+                <a:cs typeface="Open Sans"/>
+              </a:defRPr>
+            </a:lvl4pPr>
+            <a:lvl5pPr marL="4350546" indent="0" algn="ctr" defTabSz="1087636" rtl="0" eaLnBrk="1" latinLnBrk="0" hangingPunct="1">
+              <a:lnSpc>
+                <a:spcPct val="130000"/>
+              </a:lnSpc>
+              <a:spcBef>
+                <a:spcPct val="20000"/>
+              </a:spcBef>
+              <a:buFont typeface="Arial"/>
+              <a:buNone/>
+              <a:defRPr sz="3200" kern="1200">
+                <a:solidFill>
+                  <a:schemeClr val="tx1">
+                    <a:tint val="75000"/>
+                  </a:schemeClr>
+                </a:solidFill>
+                <a:latin typeface="Open Sans"/>
+                <a:ea typeface="+mn-ea"/>
+                <a:cs typeface="Open Sans"/>
+              </a:defRPr>
+            </a:lvl5pPr>
+            <a:lvl6pPr marL="5438184" indent="0" algn="ctr" defTabSz="1087636" rtl="0" eaLnBrk="1" latinLnBrk="0" hangingPunct="1">
+              <a:spcBef>
+                <a:spcPct val="20000"/>
+              </a:spcBef>
+              <a:buFont typeface="Arial"/>
+              <a:buNone/>
+              <a:defRPr sz="4800" kern="1200">
+                <a:solidFill>
+                  <a:schemeClr val="tx1">
+                    <a:tint val="75000"/>
+                  </a:schemeClr>
+                </a:solidFill>
+                <a:latin typeface="+mn-lt"/>
+                <a:ea typeface="+mn-ea"/>
+                <a:cs typeface="+mn-cs"/>
+              </a:defRPr>
+            </a:lvl6pPr>
+            <a:lvl7pPr marL="6525820" indent="0" algn="ctr" defTabSz="1087636" rtl="0" eaLnBrk="1" latinLnBrk="0" hangingPunct="1">
+              <a:spcBef>
+                <a:spcPct val="20000"/>
+              </a:spcBef>
+              <a:buFont typeface="Arial"/>
+              <a:buNone/>
+              <a:defRPr sz="4800" kern="1200">
+                <a:solidFill>
+                  <a:schemeClr val="tx1">
+                    <a:tint val="75000"/>
+                  </a:schemeClr>
+                </a:solidFill>
+                <a:latin typeface="+mn-lt"/>
+                <a:ea typeface="+mn-ea"/>
+                <a:cs typeface="+mn-cs"/>
+              </a:defRPr>
+            </a:lvl7pPr>
+            <a:lvl8pPr marL="7613455" indent="0" algn="ctr" defTabSz="1087636" rtl="0" eaLnBrk="1" latinLnBrk="0" hangingPunct="1">
+              <a:spcBef>
+                <a:spcPct val="20000"/>
+              </a:spcBef>
+              <a:buFont typeface="Arial"/>
+              <a:buNone/>
+              <a:defRPr sz="4800" kern="1200">
+                <a:solidFill>
+                  <a:schemeClr val="tx1">
+                    <a:tint val="75000"/>
+                  </a:schemeClr>
+                </a:solidFill>
+                <a:latin typeface="+mn-lt"/>
+                <a:ea typeface="+mn-ea"/>
+                <a:cs typeface="+mn-cs"/>
+              </a:defRPr>
+            </a:lvl8pPr>
+            <a:lvl9pPr marL="8701091" indent="0" algn="ctr" defTabSz="1087636" rtl="0" eaLnBrk="1" latinLnBrk="0" hangingPunct="1">
+              <a:spcBef>
+                <a:spcPct val="20000"/>
+              </a:spcBef>
+              <a:buFont typeface="Arial"/>
+              <a:buNone/>
+              <a:defRPr sz="4800" kern="1200">
+                <a:solidFill>
+                  <a:schemeClr val="tx1">
+                    <a:tint val="75000"/>
+                  </a:schemeClr>
+                </a:solidFill>
+                <a:latin typeface="+mn-lt"/>
+                <a:ea typeface="+mn-ea"/>
+                <a:cs typeface="+mn-cs"/>
+              </a:defRPr>
+            </a:lvl9pPr>
+          </a:lstStyle>
+          <a:p>
+            <a:pPr algn="l">
+              <a:lnSpc>
+                <a:spcPts val="1820"/>
+              </a:lnSpc>
+            </a:pPr>
+            <a:r>
+              <a:rPr lang="en-US" sz="1250" dirty="0">
+                <a:solidFill>
+                  <a:schemeClr val="tx1"/>
+                </a:solidFill>
+                <a:latin typeface="Lato Light" charset="0"/>
+                <a:ea typeface="Lato Light" charset="0"/>
+                <a:cs typeface="Lato Light" charset="0"/>
+              </a:rPr>
+              <a:t>Install the Node Agent on each machine</a:t>
+            </a:r>
+          </a:p>
+        </p:txBody>
+      </p:sp>
+      <p:sp>
+        <p:nvSpPr>
+          <p:cNvPr id="47" name="Rectangle 111">
+            <a:extLst>
+              <a:ext uri="{FF2B5EF4-FFF2-40B4-BE49-F238E27FC236}">
+                <a16:creationId xmlns:a16="http://schemas.microsoft.com/office/drawing/2014/main" id="{5E9F10AD-E37F-794B-89E4-5327D6C52505}"/>
+              </a:ext>
+            </a:extLst>
+          </p:cNvPr>
+          <p:cNvSpPr>
+            <a:spLocks/>
+          </p:cNvSpPr>
+          <p:nvPr/>
+        </p:nvSpPr>
+        <p:spPr bwMode="auto">
+          <a:xfrm>
+            <a:off x="8166767" y="2171684"/>
+            <a:ext cx="2457146" cy="331116"/>
+          </a:xfrm>
+          <a:prstGeom prst="rect">
+            <a:avLst/>
+          </a:prstGeom>
+          <a:noFill/>
+          <a:ln>
+            <a:noFill/>
+          </a:ln>
+          <a:extLst>
+            <a:ext uri="{909E8E84-426E-40dd-AFC4-6F175D3DCCD1}">
+              <a14:hiddenFill xmlns:a14="http://schemas.microsoft.com/office/drawing/2010/main" xmlns="">
+                <a:solidFill>
+                  <a:srgbClr val="FFFFFF"/>
+                </a:solidFill>
+              </a14:hiddenFill>
+            </a:ext>
+            <a:ext uri="{91240B29-F687-4f45-9708-019B960494DF}">
+              <a14:hiddenLine xmlns:a14="http://schemas.microsoft.com/office/drawing/2010/main" xmlns="" w="12700">
+                <a:solidFill>
+                  <a:schemeClr val="tx1"/>
+                </a:solidFill>
+                <a:miter lim="800000"/>
+                <a:headEnd/>
+                <a:tailEnd/>
+              </a14:hiddenLine>
+            </a:ext>
+          </a:extLst>
+        </p:spPr>
+        <p:txBody>
+          <a:bodyPr vert="horz" wrap="square" lIns="0" tIns="0" rIns="0" bIns="0" anchor="ctr" anchorCtr="0">
+            <a:spAutoFit/>
+          </a:bodyPr>
+          <a:lstStyle/>
+          <a:p>
+            <a:pPr defTabSz="2286000">
+              <a:lnSpc>
+                <a:spcPct val="150000"/>
+              </a:lnSpc>
+            </a:pPr>
+            <a:r>
+              <a:rPr lang="en-US" sz="1600" b="1" dirty="0">
+                <a:latin typeface="Lato Black" charset="0"/>
+                <a:ea typeface="Lato Black" charset="0"/>
+                <a:cs typeface="Lato Black" charset="0"/>
+                <a:sym typeface="Bebas Neue" charset="0"/>
+              </a:rPr>
+              <a:t>Install Node Agent</a:t>
+            </a:r>
+          </a:p>
+        </p:txBody>
+      </p:sp>
+      <p:sp>
+        <p:nvSpPr>
+          <p:cNvPr id="88" name="Freeform 143">
+            <a:extLst>
+              <a:ext uri="{FF2B5EF4-FFF2-40B4-BE49-F238E27FC236}">
+                <a16:creationId xmlns:a16="http://schemas.microsoft.com/office/drawing/2014/main" id="{0516EA4C-76C9-4041-88D2-56056AADFA55}"/>
+              </a:ext>
+            </a:extLst>
+          </p:cNvPr>
+          <p:cNvSpPr>
+            <a:spLocks noChangeArrowheads="1"/>
+          </p:cNvSpPr>
+          <p:nvPr/>
+        </p:nvSpPr>
+        <p:spPr bwMode="auto">
+          <a:xfrm>
+            <a:off x="6756116" y="3510291"/>
+            <a:ext cx="4012542" cy="1109214"/>
+          </a:xfrm>
+          <a:custGeom>
+            <a:avLst/>
+            <a:gdLst>
+              <a:gd name="T0" fmla="*/ 283 w 15344"/>
+              <a:gd name="T1" fmla="*/ 0 h 4244"/>
+              <a:gd name="T2" fmla="*/ 283 w 15344"/>
+              <a:gd name="T3" fmla="*/ 0 h 4244"/>
+              <a:gd name="T4" fmla="*/ 0 w 15344"/>
+              <a:gd name="T5" fmla="*/ 282 h 4244"/>
+              <a:gd name="T6" fmla="*/ 0 w 15344"/>
+              <a:gd name="T7" fmla="*/ 3951 h 4244"/>
+              <a:gd name="T8" fmla="*/ 283 w 15344"/>
+              <a:gd name="T9" fmla="*/ 4243 h 4244"/>
+              <a:gd name="T10" fmla="*/ 15343 w 15344"/>
+              <a:gd name="T11" fmla="*/ 4243 h 4244"/>
+              <a:gd name="T12" fmla="*/ 15343 w 15344"/>
+              <a:gd name="T13" fmla="*/ 0 h 4244"/>
+              <a:gd name="T14" fmla="*/ 283 w 15344"/>
+              <a:gd name="T15" fmla="*/ 0 h 4244"/>
+            </a:gdLst>
+            <a:ahLst/>
+            <a:cxnLst>
+              <a:cxn ang="0">
+                <a:pos x="T0" y="T1"/>
+              </a:cxn>
+              <a:cxn ang="0">
+                <a:pos x="T2" y="T3"/>
+              </a:cxn>
+              <a:cxn ang="0">
+                <a:pos x="T4" y="T5"/>
+              </a:cxn>
+              <a:cxn ang="0">
+                <a:pos x="T6" y="T7"/>
+              </a:cxn>
+              <a:cxn ang="0">
+                <a:pos x="T8" y="T9"/>
+              </a:cxn>
+              <a:cxn ang="0">
+                <a:pos x="T10" y="T11"/>
+              </a:cxn>
+              <a:cxn ang="0">
+                <a:pos x="T12" y="T13"/>
+              </a:cxn>
+              <a:cxn ang="0">
+                <a:pos x="T14" y="T15"/>
+              </a:cxn>
+            </a:cxnLst>
+            <a:rect l="0" t="0" r="r" b="b"/>
+            <a:pathLst>
+              <a:path w="15344" h="4244">
+                <a:moveTo>
+                  <a:pt x="283" y="0"/>
+                </a:moveTo>
+                <a:lnTo>
+                  <a:pt x="283" y="0"/>
+                </a:lnTo>
+                <a:cubicBezTo>
+                  <a:pt x="129" y="0"/>
+                  <a:pt x="0" y="128"/>
+                  <a:pt x="0" y="282"/>
+                </a:cubicBezTo>
+                <a:cubicBezTo>
+                  <a:pt x="0" y="3951"/>
+                  <a:pt x="0" y="3951"/>
+                  <a:pt x="0" y="3951"/>
+                </a:cubicBezTo>
+                <a:cubicBezTo>
+                  <a:pt x="0" y="4114"/>
+                  <a:pt x="129" y="4243"/>
+                  <a:pt x="283" y="4243"/>
+                </a:cubicBezTo>
+                <a:cubicBezTo>
+                  <a:pt x="15343" y="4243"/>
+                  <a:pt x="15343" y="4243"/>
+                  <a:pt x="15343" y="4243"/>
+                </a:cubicBezTo>
+                <a:cubicBezTo>
+                  <a:pt x="15343" y="0"/>
+                  <a:pt x="15343" y="0"/>
+                  <a:pt x="15343" y="0"/>
+                </a:cubicBezTo>
+                <a:lnTo>
+                  <a:pt x="283" y="0"/>
+                </a:lnTo>
+              </a:path>
+            </a:pathLst>
+          </a:custGeom>
+          <a:solidFill>
+            <a:schemeClr val="bg1">
+              <a:lumMod val="95000"/>
+            </a:schemeClr>
+          </a:solidFill>
+          <a:ln>
+            <a:noFill/>
+          </a:ln>
+          <a:effectLst/>
+        </p:spPr>
+        <p:txBody>
+          <a:bodyPr wrap="none" anchor="ctr"/>
+          <a:lstStyle/>
+          <a:p>
+            <a:endParaRPr lang="en-US" sz="3599"/>
+          </a:p>
+        </p:txBody>
+      </p:sp>
+      <p:sp>
+        <p:nvSpPr>
+          <p:cNvPr id="90" name="Freeform 144">
+            <a:extLst>
+              <a:ext uri="{FF2B5EF4-FFF2-40B4-BE49-F238E27FC236}">
+                <a16:creationId xmlns:a16="http://schemas.microsoft.com/office/drawing/2014/main" id="{B9E60521-BC93-4748-8ACC-D245F659D350}"/>
+              </a:ext>
+            </a:extLst>
+          </p:cNvPr>
+          <p:cNvSpPr>
+            <a:spLocks noChangeArrowheads="1"/>
+          </p:cNvSpPr>
+          <p:nvPr/>
+        </p:nvSpPr>
+        <p:spPr bwMode="auto">
+          <a:xfrm>
+            <a:off x="7054330" y="3432395"/>
+            <a:ext cx="928189" cy="1013513"/>
+          </a:xfrm>
+          <a:custGeom>
+            <a:avLst/>
+            <a:gdLst>
+              <a:gd name="T0" fmla="*/ 3240 w 3550"/>
+              <a:gd name="T1" fmla="*/ 0 h 3876"/>
+              <a:gd name="T2" fmla="*/ 3240 w 3550"/>
+              <a:gd name="T3" fmla="*/ 0 h 3876"/>
+              <a:gd name="T4" fmla="*/ 300 w 3550"/>
+              <a:gd name="T5" fmla="*/ 0 h 3876"/>
+              <a:gd name="T6" fmla="*/ 0 w 3550"/>
+              <a:gd name="T7" fmla="*/ 0 h 3876"/>
+              <a:gd name="T8" fmla="*/ 300 w 3550"/>
+              <a:gd name="T9" fmla="*/ 300 h 3876"/>
+              <a:gd name="T10" fmla="*/ 300 w 3550"/>
+              <a:gd name="T11" fmla="*/ 3695 h 3876"/>
+              <a:gd name="T12" fmla="*/ 489 w 3550"/>
+              <a:gd name="T13" fmla="*/ 3875 h 3876"/>
+              <a:gd name="T14" fmla="*/ 3360 w 3550"/>
+              <a:gd name="T15" fmla="*/ 3875 h 3876"/>
+              <a:gd name="T16" fmla="*/ 3549 w 3550"/>
+              <a:gd name="T17" fmla="*/ 3695 h 3876"/>
+              <a:gd name="T18" fmla="*/ 3549 w 3550"/>
+              <a:gd name="T19" fmla="*/ 300 h 3876"/>
+              <a:gd name="T20" fmla="*/ 3240 w 3550"/>
+              <a:gd name="T21" fmla="*/ 0 h 3876"/>
+            </a:gdLst>
+            <a:ahLst/>
+            <a:cxnLst>
+              <a:cxn ang="0">
+                <a:pos x="T0" y="T1"/>
+              </a:cxn>
+              <a:cxn ang="0">
+                <a:pos x="T2" y="T3"/>
+              </a:cxn>
+              <a:cxn ang="0">
+                <a:pos x="T4" y="T5"/>
+              </a:cxn>
+              <a:cxn ang="0">
+                <a:pos x="T6" y="T7"/>
+              </a:cxn>
+              <a:cxn ang="0">
+                <a:pos x="T8" y="T9"/>
+              </a:cxn>
+              <a:cxn ang="0">
+                <a:pos x="T10" y="T11"/>
+              </a:cxn>
+              <a:cxn ang="0">
+                <a:pos x="T12" y="T13"/>
+              </a:cxn>
+              <a:cxn ang="0">
+                <a:pos x="T14" y="T15"/>
+              </a:cxn>
+              <a:cxn ang="0">
+                <a:pos x="T16" y="T17"/>
+              </a:cxn>
+              <a:cxn ang="0">
+                <a:pos x="T18" y="T19"/>
+              </a:cxn>
+              <a:cxn ang="0">
+                <a:pos x="T20" y="T21"/>
+              </a:cxn>
+            </a:cxnLst>
+            <a:rect l="0" t="0" r="r" b="b"/>
+            <a:pathLst>
+              <a:path w="3550" h="3876">
+                <a:moveTo>
+                  <a:pt x="3240" y="0"/>
+                </a:moveTo>
+                <a:lnTo>
+                  <a:pt x="3240" y="0"/>
+                </a:lnTo>
+                <a:cubicBezTo>
+                  <a:pt x="300" y="0"/>
+                  <a:pt x="300" y="0"/>
+                  <a:pt x="300" y="0"/>
+                </a:cubicBezTo>
+                <a:cubicBezTo>
+                  <a:pt x="0" y="0"/>
+                  <a:pt x="0" y="0"/>
+                  <a:pt x="0" y="0"/>
+                </a:cubicBezTo>
+                <a:cubicBezTo>
+                  <a:pt x="163" y="0"/>
+                  <a:pt x="300" y="137"/>
+                  <a:pt x="300" y="300"/>
+                </a:cubicBezTo>
+                <a:cubicBezTo>
+                  <a:pt x="300" y="3695"/>
+                  <a:pt x="300" y="3695"/>
+                  <a:pt x="300" y="3695"/>
+                </a:cubicBezTo>
+                <a:cubicBezTo>
+                  <a:pt x="300" y="3798"/>
+                  <a:pt x="386" y="3875"/>
+                  <a:pt x="489" y="3875"/>
+                </a:cubicBezTo>
+                <a:cubicBezTo>
+                  <a:pt x="3360" y="3875"/>
+                  <a:pt x="3360" y="3875"/>
+                  <a:pt x="3360" y="3875"/>
+                </a:cubicBezTo>
+                <a:cubicBezTo>
+                  <a:pt x="3463" y="3875"/>
+                  <a:pt x="3549" y="3798"/>
+                  <a:pt x="3549" y="3695"/>
+                </a:cubicBezTo>
+                <a:cubicBezTo>
+                  <a:pt x="3549" y="300"/>
+                  <a:pt x="3549" y="300"/>
+                  <a:pt x="3549" y="300"/>
+                </a:cubicBezTo>
+                <a:cubicBezTo>
+                  <a:pt x="3549" y="137"/>
+                  <a:pt x="3412" y="0"/>
+                  <a:pt x="3240" y="0"/>
+                </a:cubicBezTo>
+              </a:path>
+            </a:pathLst>
+          </a:custGeom>
+          <a:solidFill>
+            <a:schemeClr val="accent1"/>
+          </a:solidFill>
+          <a:ln>
+            <a:noFill/>
+          </a:ln>
+          <a:effectLst>
+            <a:outerShdw blurRad="165100" dist="127000" dir="5400000" sx="101000" sy="101000" algn="t" rotWithShape="0">
+              <a:prstClr val="black">
+                <a:alpha val="40000"/>
+              </a:prstClr>
+            </a:outerShdw>
+          </a:effectLst>
+        </p:spPr>
+        <p:txBody>
+          <a:bodyPr wrap="none" anchor="ctr"/>
+          <a:lstStyle/>
+          <a:p>
+            <a:endParaRPr lang="en-US" sz="3599"/>
+          </a:p>
+        </p:txBody>
+      </p:sp>
+      <p:sp>
+        <p:nvSpPr>
+          <p:cNvPr id="91" name="Freeform 145">
+            <a:extLst>
+              <a:ext uri="{FF2B5EF4-FFF2-40B4-BE49-F238E27FC236}">
+                <a16:creationId xmlns:a16="http://schemas.microsoft.com/office/drawing/2014/main" id="{E44A126E-0B6A-664B-B9BD-51C01A283A92}"/>
+              </a:ext>
+            </a:extLst>
+          </p:cNvPr>
+          <p:cNvSpPr>
+            <a:spLocks noChangeArrowheads="1"/>
+          </p:cNvSpPr>
+          <p:nvPr/>
+        </p:nvSpPr>
+        <p:spPr bwMode="auto">
+          <a:xfrm flipH="1">
+            <a:off x="6974007" y="3432395"/>
+            <a:ext cx="160170" cy="80548"/>
+          </a:xfrm>
+          <a:custGeom>
+            <a:avLst/>
+            <a:gdLst>
+              <a:gd name="T0" fmla="*/ 381 w 763"/>
+              <a:gd name="T1" fmla="*/ 0 h 382"/>
+              <a:gd name="T2" fmla="*/ 381 w 763"/>
+              <a:gd name="T3" fmla="*/ 0 h 382"/>
+              <a:gd name="T4" fmla="*/ 0 w 763"/>
+              <a:gd name="T5" fmla="*/ 381 h 382"/>
+              <a:gd name="T6" fmla="*/ 762 w 763"/>
+              <a:gd name="T7" fmla="*/ 381 h 382"/>
+              <a:gd name="T8" fmla="*/ 381 w 763"/>
+              <a:gd name="T9" fmla="*/ 0 h 382"/>
+            </a:gdLst>
+            <a:ahLst/>
+            <a:cxnLst>
+              <a:cxn ang="0">
+                <a:pos x="T0" y="T1"/>
+              </a:cxn>
+              <a:cxn ang="0">
+                <a:pos x="T2" y="T3"/>
+              </a:cxn>
+              <a:cxn ang="0">
+                <a:pos x="T4" y="T5"/>
+              </a:cxn>
+              <a:cxn ang="0">
+                <a:pos x="T6" y="T7"/>
+              </a:cxn>
+              <a:cxn ang="0">
+                <a:pos x="T8" y="T9"/>
+              </a:cxn>
+            </a:cxnLst>
+            <a:rect l="0" t="0" r="r" b="b"/>
+            <a:pathLst>
+              <a:path w="763" h="382">
+                <a:moveTo>
+                  <a:pt x="381" y="0"/>
+                </a:moveTo>
+                <a:lnTo>
+                  <a:pt x="381" y="0"/>
+                </a:lnTo>
+                <a:cubicBezTo>
+                  <a:pt x="172" y="0"/>
+                  <a:pt x="0" y="170"/>
+                  <a:pt x="0" y="381"/>
+                </a:cubicBezTo>
+                <a:cubicBezTo>
+                  <a:pt x="762" y="381"/>
+                  <a:pt x="762" y="381"/>
+                  <a:pt x="762" y="381"/>
+                </a:cubicBezTo>
+                <a:cubicBezTo>
+                  <a:pt x="762" y="170"/>
+                  <a:pt x="592" y="0"/>
+                  <a:pt x="381" y="0"/>
+                </a:cubicBezTo>
+              </a:path>
+            </a:pathLst>
+          </a:custGeom>
+          <a:solidFill>
+            <a:schemeClr val="accent1">
+              <a:lumMod val="75000"/>
+            </a:schemeClr>
+          </a:solidFill>
+          <a:ln>
+            <a:noFill/>
+          </a:ln>
+          <a:effectLst/>
+        </p:spPr>
+        <p:txBody>
+          <a:bodyPr wrap="none" anchor="ctr"/>
+          <a:lstStyle/>
+          <a:p>
+            <a:endParaRPr lang="en-US" sz="3599"/>
+          </a:p>
+        </p:txBody>
+      </p:sp>
+      <p:sp>
+        <p:nvSpPr>
+          <p:cNvPr id="92" name="Freeform 146">
+            <a:extLst>
+              <a:ext uri="{FF2B5EF4-FFF2-40B4-BE49-F238E27FC236}">
+                <a16:creationId xmlns:a16="http://schemas.microsoft.com/office/drawing/2014/main" id="{67CD81E5-49AA-EA46-B092-CDBEDAF98364}"/>
+              </a:ext>
+            </a:extLst>
+          </p:cNvPr>
+          <p:cNvSpPr>
+            <a:spLocks noChangeArrowheads="1"/>
+          </p:cNvSpPr>
+          <p:nvPr/>
+        </p:nvSpPr>
+        <p:spPr bwMode="auto">
+          <a:xfrm>
+            <a:off x="10768658" y="3512943"/>
+            <a:ext cx="145664" cy="1106562"/>
+          </a:xfrm>
+          <a:custGeom>
+            <a:avLst/>
+            <a:gdLst>
+              <a:gd name="T0" fmla="*/ 253 w 526"/>
+              <a:gd name="T1" fmla="*/ 0 h 3985"/>
+              <a:gd name="T2" fmla="*/ 253 w 526"/>
+              <a:gd name="T3" fmla="*/ 0 h 3985"/>
+              <a:gd name="T4" fmla="*/ 0 w 526"/>
+              <a:gd name="T5" fmla="*/ 0 h 3985"/>
+              <a:gd name="T6" fmla="*/ 0 w 526"/>
+              <a:gd name="T7" fmla="*/ 3984 h 3985"/>
+              <a:gd name="T8" fmla="*/ 253 w 526"/>
+              <a:gd name="T9" fmla="*/ 3984 h 3985"/>
+              <a:gd name="T10" fmla="*/ 525 w 526"/>
+              <a:gd name="T11" fmla="*/ 3716 h 3985"/>
+              <a:gd name="T12" fmla="*/ 525 w 526"/>
+              <a:gd name="T13" fmla="*/ 268 h 3985"/>
+              <a:gd name="T14" fmla="*/ 253 w 526"/>
+              <a:gd name="T15" fmla="*/ 0 h 3985"/>
+            </a:gdLst>
+            <a:ahLst/>
+            <a:cxnLst>
+              <a:cxn ang="0">
+                <a:pos x="T0" y="T1"/>
+              </a:cxn>
+              <a:cxn ang="0">
+                <a:pos x="T2" y="T3"/>
+              </a:cxn>
+              <a:cxn ang="0">
+                <a:pos x="T4" y="T5"/>
+              </a:cxn>
+              <a:cxn ang="0">
+                <a:pos x="T6" y="T7"/>
+              </a:cxn>
+              <a:cxn ang="0">
+                <a:pos x="T8" y="T9"/>
+              </a:cxn>
+              <a:cxn ang="0">
+                <a:pos x="T10" y="T11"/>
+              </a:cxn>
+              <a:cxn ang="0">
+                <a:pos x="T12" y="T13"/>
+              </a:cxn>
+              <a:cxn ang="0">
+                <a:pos x="T14" y="T15"/>
+              </a:cxn>
+            </a:cxnLst>
+            <a:rect l="0" t="0" r="r" b="b"/>
+            <a:pathLst>
+              <a:path w="526" h="3985">
+                <a:moveTo>
+                  <a:pt x="253" y="0"/>
+                </a:moveTo>
+                <a:lnTo>
+                  <a:pt x="253" y="0"/>
+                </a:lnTo>
+                <a:cubicBezTo>
+                  <a:pt x="0" y="0"/>
+                  <a:pt x="0" y="0"/>
+                  <a:pt x="0" y="0"/>
+                </a:cubicBezTo>
+                <a:cubicBezTo>
+                  <a:pt x="0" y="3984"/>
+                  <a:pt x="0" y="3984"/>
+                  <a:pt x="0" y="3984"/>
+                </a:cubicBezTo>
+                <a:cubicBezTo>
+                  <a:pt x="253" y="3984"/>
+                  <a:pt x="253" y="3984"/>
+                  <a:pt x="253" y="3984"/>
+                </a:cubicBezTo>
+                <a:cubicBezTo>
+                  <a:pt x="404" y="3984"/>
+                  <a:pt x="525" y="3863"/>
+                  <a:pt x="525" y="3716"/>
+                </a:cubicBezTo>
+                <a:cubicBezTo>
+                  <a:pt x="525" y="268"/>
+                  <a:pt x="525" y="268"/>
+                  <a:pt x="525" y="268"/>
+                </a:cubicBezTo>
+                <a:cubicBezTo>
+                  <a:pt x="525" y="121"/>
+                  <a:pt x="404" y="0"/>
+                  <a:pt x="253" y="0"/>
+                </a:cubicBezTo>
+              </a:path>
+            </a:pathLst>
+          </a:custGeom>
+          <a:solidFill>
+            <a:schemeClr val="accent1"/>
+          </a:solidFill>
+          <a:ln>
+            <a:noFill/>
+          </a:ln>
+          <a:effectLst/>
+        </p:spPr>
+        <p:txBody>
+          <a:bodyPr wrap="none" anchor="ctr"/>
+          <a:lstStyle/>
+          <a:p>
+            <a:endParaRPr lang="en-US" sz="3599"/>
+          </a:p>
+        </p:txBody>
+      </p:sp>
+      <p:sp>
+        <p:nvSpPr>
+          <p:cNvPr id="93" name="TextBox 107">
+            <a:extLst>
+              <a:ext uri="{FF2B5EF4-FFF2-40B4-BE49-F238E27FC236}">
+                <a16:creationId xmlns:a16="http://schemas.microsoft.com/office/drawing/2014/main" id="{3C37BF18-F680-474A-8755-6DB82B79113C}"/>
+              </a:ext>
+            </a:extLst>
+          </p:cNvPr>
+          <p:cNvSpPr txBox="1"/>
+          <p:nvPr/>
+        </p:nvSpPr>
+        <p:spPr>
+          <a:xfrm>
+            <a:off x="7260468" y="3528423"/>
+            <a:ext cx="593431" cy="292388"/>
+          </a:xfrm>
+          <a:prstGeom prst="rect">
+            <a:avLst/>
+          </a:prstGeom>
+          <a:noFill/>
+        </p:spPr>
+        <p:txBody>
+          <a:bodyPr wrap="none" rtlCol="0" anchor="ctr" anchorCtr="0">
+            <a:spAutoFit/>
+          </a:bodyPr>
+          <a:lstStyle/>
+          <a:p>
+            <a:pPr algn="ctr"/>
+            <a:r>
+              <a:rPr lang="en-US" sz="1300" b="1" dirty="0">
+                <a:solidFill>
+                  <a:schemeClr val="bg1"/>
+                </a:solidFill>
+                <a:latin typeface="Lato Black" charset="0"/>
+                <a:ea typeface="Lato Black" charset="0"/>
+                <a:cs typeface="Lato Black" charset="0"/>
+              </a:rPr>
+              <a:t>Phase</a:t>
+            </a:r>
+          </a:p>
+        </p:txBody>
+      </p:sp>
+      <p:sp>
+        <p:nvSpPr>
+          <p:cNvPr id="94" name="TextBox 108">
+            <a:extLst>
+              <a:ext uri="{FF2B5EF4-FFF2-40B4-BE49-F238E27FC236}">
+                <a16:creationId xmlns:a16="http://schemas.microsoft.com/office/drawing/2014/main" id="{71F943D4-CCAC-9C42-A529-EA2FFCD3F1CA}"/>
+              </a:ext>
+            </a:extLst>
+          </p:cNvPr>
+          <p:cNvSpPr txBox="1"/>
+          <p:nvPr/>
+        </p:nvSpPr>
+        <p:spPr>
+          <a:xfrm>
+            <a:off x="7230091" y="3713738"/>
+            <a:ext cx="650160" cy="707878"/>
+          </a:xfrm>
+          <a:prstGeom prst="rect">
+            <a:avLst/>
+          </a:prstGeom>
+          <a:noFill/>
+        </p:spPr>
+        <p:txBody>
+          <a:bodyPr wrap="none" lIns="45711" tIns="22856" rIns="45711" bIns="22856" rtlCol="0">
+            <a:spAutoFit/>
+          </a:bodyPr>
+          <a:lstStyle/>
+          <a:p>
+            <a:pPr algn="ctr"/>
+            <a:r>
+              <a:rPr lang="en-US" sz="4300" b="1" dirty="0">
+                <a:solidFill>
+                  <a:schemeClr val="bg1"/>
+                </a:solidFill>
+                <a:latin typeface="Lato" charset="0"/>
+                <a:ea typeface="Lato" charset="0"/>
+                <a:cs typeface="Lato" charset="0"/>
+              </a:rPr>
+              <a:t>04</a:t>
+            </a:r>
+            <a:endParaRPr lang="id-ID" sz="4300" b="1" dirty="0">
+              <a:solidFill>
+                <a:schemeClr val="bg1"/>
+              </a:solidFill>
+              <a:latin typeface="Lato" charset="0"/>
+              <a:ea typeface="Lato" charset="0"/>
+              <a:cs typeface="Lato" charset="0"/>
+            </a:endParaRPr>
+          </a:p>
+        </p:txBody>
+      </p:sp>
+      <p:sp>
+        <p:nvSpPr>
+          <p:cNvPr id="95" name="Subtitle 2">
+            <a:extLst>
+              <a:ext uri="{FF2B5EF4-FFF2-40B4-BE49-F238E27FC236}">
+                <a16:creationId xmlns:a16="http://schemas.microsoft.com/office/drawing/2014/main" id="{B6A657A6-2CF9-FE4E-BE97-4BD949D90DCE}"/>
+              </a:ext>
+            </a:extLst>
+          </p:cNvPr>
+          <p:cNvSpPr txBox="1">
+            <a:spLocks/>
+          </p:cNvSpPr>
+          <p:nvPr/>
+        </p:nvSpPr>
+        <p:spPr>
+          <a:xfrm>
+            <a:off x="8057302" y="3828234"/>
+            <a:ext cx="2711356" cy="786916"/>
+          </a:xfrm>
+          <a:prstGeom prst="rect">
+            <a:avLst/>
+          </a:prstGeom>
+        </p:spPr>
+        <p:txBody>
+          <a:bodyPr vert="horz" wrap="square" lIns="108745" tIns="54373" rIns="108745" bIns="54373" rtlCol="0">
+            <a:spAutoFit/>
+          </a:bodyPr>
+          <a:lstStyle>
+            <a:lvl1pPr marL="0" indent="0" algn="ctr" defTabSz="1087636" rtl="0" eaLnBrk="1" latinLnBrk="0" hangingPunct="1">
+              <a:lnSpc>
+                <a:spcPct val="120000"/>
+              </a:lnSpc>
+              <a:spcBef>
+                <a:spcPct val="20000"/>
+              </a:spcBef>
+              <a:buFont typeface="Arial"/>
+              <a:buNone/>
+              <a:defRPr sz="2400" kern="1200">
+                <a:solidFill>
+                  <a:schemeClr val="tx2"/>
+                </a:solidFill>
+                <a:latin typeface="Open Sans Light"/>
+                <a:ea typeface="+mn-ea"/>
+                <a:cs typeface="Open Sans Light"/>
+              </a:defRPr>
+            </a:lvl1pPr>
+            <a:lvl2pPr marL="1087636" indent="0" algn="ctr" defTabSz="1087636" rtl="0" eaLnBrk="1" latinLnBrk="0" hangingPunct="1">
+              <a:lnSpc>
+                <a:spcPct val="130000"/>
+              </a:lnSpc>
+              <a:spcBef>
+                <a:spcPct val="20000"/>
+              </a:spcBef>
+              <a:buFont typeface="Arial"/>
+              <a:buNone/>
+              <a:defRPr sz="3200" kern="1200">
+                <a:solidFill>
+                  <a:schemeClr val="tx1">
+                    <a:tint val="75000"/>
+                  </a:schemeClr>
+                </a:solidFill>
+                <a:latin typeface="Open Sans"/>
+                <a:ea typeface="+mn-ea"/>
+                <a:cs typeface="Open Sans"/>
+              </a:defRPr>
+            </a:lvl2pPr>
+            <a:lvl3pPr marL="2175271" indent="0" algn="ctr" defTabSz="1087636" rtl="0" eaLnBrk="1" latinLnBrk="0" hangingPunct="1">
+              <a:lnSpc>
+                <a:spcPct val="130000"/>
+              </a:lnSpc>
+              <a:spcBef>
+                <a:spcPct val="20000"/>
+              </a:spcBef>
+              <a:buFont typeface="Arial"/>
+              <a:buNone/>
+              <a:defRPr sz="3200" kern="1200">
+                <a:solidFill>
+                  <a:schemeClr val="tx1">
+                    <a:tint val="75000"/>
+                  </a:schemeClr>
+                </a:solidFill>
+                <a:latin typeface="Open Sans"/>
+                <a:ea typeface="+mn-ea"/>
+                <a:cs typeface="Open Sans"/>
+              </a:defRPr>
+            </a:lvl3pPr>
+            <a:lvl4pPr marL="3262912" indent="0" algn="ctr" defTabSz="1087636" rtl="0" eaLnBrk="1" latinLnBrk="0" hangingPunct="1">
+              <a:lnSpc>
+                <a:spcPct val="130000"/>
+              </a:lnSpc>
+              <a:spcBef>
+                <a:spcPct val="20000"/>
+              </a:spcBef>
+              <a:buFont typeface="Arial"/>
+              <a:buNone/>
+              <a:defRPr sz="3200" kern="1200">
+                <a:solidFill>
+                  <a:schemeClr val="tx1">
+                    <a:tint val="75000"/>
+                  </a:schemeClr>
+                </a:solidFill>
+                <a:latin typeface="Open Sans"/>
+                <a:ea typeface="+mn-ea"/>
+                <a:cs typeface="Open Sans"/>
+              </a:defRPr>
+            </a:lvl4pPr>
+            <a:lvl5pPr marL="4350546" indent="0" algn="ctr" defTabSz="1087636" rtl="0" eaLnBrk="1" latinLnBrk="0" hangingPunct="1">
+              <a:lnSpc>
+                <a:spcPct val="130000"/>
+              </a:lnSpc>
+              <a:spcBef>
+                <a:spcPct val="20000"/>
+              </a:spcBef>
+              <a:buFont typeface="Arial"/>
+              <a:buNone/>
+              <a:defRPr sz="3200" kern="1200">
+                <a:solidFill>
+                  <a:schemeClr val="tx1">
+                    <a:tint val="75000"/>
+                  </a:schemeClr>
+                </a:solidFill>
+                <a:latin typeface="Open Sans"/>
+                <a:ea typeface="+mn-ea"/>
+                <a:cs typeface="Open Sans"/>
+              </a:defRPr>
+            </a:lvl5pPr>
+            <a:lvl6pPr marL="5438184" indent="0" algn="ctr" defTabSz="1087636" rtl="0" eaLnBrk="1" latinLnBrk="0" hangingPunct="1">
+              <a:spcBef>
+                <a:spcPct val="20000"/>
+              </a:spcBef>
+              <a:buFont typeface="Arial"/>
+              <a:buNone/>
+              <a:defRPr sz="4800" kern="1200">
+                <a:solidFill>
+                  <a:schemeClr val="tx1">
+                    <a:tint val="75000"/>
+                  </a:schemeClr>
+                </a:solidFill>
+                <a:latin typeface="+mn-lt"/>
+                <a:ea typeface="+mn-ea"/>
+                <a:cs typeface="+mn-cs"/>
+              </a:defRPr>
+            </a:lvl6pPr>
+            <a:lvl7pPr marL="6525820" indent="0" algn="ctr" defTabSz="1087636" rtl="0" eaLnBrk="1" latinLnBrk="0" hangingPunct="1">
+              <a:spcBef>
+                <a:spcPct val="20000"/>
+              </a:spcBef>
+              <a:buFont typeface="Arial"/>
+              <a:buNone/>
+              <a:defRPr sz="4800" kern="1200">
+                <a:solidFill>
+                  <a:schemeClr val="tx1">
+                    <a:tint val="75000"/>
+                  </a:schemeClr>
+                </a:solidFill>
+                <a:latin typeface="+mn-lt"/>
+                <a:ea typeface="+mn-ea"/>
+                <a:cs typeface="+mn-cs"/>
+              </a:defRPr>
+            </a:lvl7pPr>
+            <a:lvl8pPr marL="7613455" indent="0" algn="ctr" defTabSz="1087636" rtl="0" eaLnBrk="1" latinLnBrk="0" hangingPunct="1">
+              <a:spcBef>
+                <a:spcPct val="20000"/>
+              </a:spcBef>
+              <a:buFont typeface="Arial"/>
+              <a:buNone/>
+              <a:defRPr sz="4800" kern="1200">
+                <a:solidFill>
+                  <a:schemeClr val="tx1">
+                    <a:tint val="75000"/>
+                  </a:schemeClr>
+                </a:solidFill>
+                <a:latin typeface="+mn-lt"/>
+                <a:ea typeface="+mn-ea"/>
+                <a:cs typeface="+mn-cs"/>
+              </a:defRPr>
+            </a:lvl8pPr>
+            <a:lvl9pPr marL="8701091" indent="0" algn="ctr" defTabSz="1087636" rtl="0" eaLnBrk="1" latinLnBrk="0" hangingPunct="1">
+              <a:spcBef>
+                <a:spcPct val="20000"/>
+              </a:spcBef>
+              <a:buFont typeface="Arial"/>
+              <a:buNone/>
+              <a:defRPr sz="4800" kern="1200">
+                <a:solidFill>
+                  <a:schemeClr val="tx1">
+                    <a:tint val="75000"/>
+                  </a:schemeClr>
+                </a:solidFill>
+                <a:latin typeface="+mn-lt"/>
+                <a:ea typeface="+mn-ea"/>
+                <a:cs typeface="+mn-cs"/>
+              </a:defRPr>
+            </a:lvl9pPr>
+          </a:lstStyle>
+          <a:p>
+            <a:pPr algn="l">
+              <a:lnSpc>
+                <a:spcPts val="1820"/>
+              </a:lnSpc>
+            </a:pPr>
+            <a:r>
+              <a:rPr lang="en-US" sz="1250" dirty="0">
+                <a:solidFill>
+                  <a:schemeClr val="tx1"/>
+                </a:solidFill>
+                <a:latin typeface="Lato Light" charset="0"/>
+                <a:ea typeface="Lato Light" charset="0"/>
+                <a:cs typeface="Lato Light" charset="0"/>
+              </a:rPr>
+              <a:t>Destroy AWS infrastructure and clean up all related cloud and local resources</a:t>
+            </a:r>
+          </a:p>
+        </p:txBody>
+      </p:sp>
+      <p:sp>
+        <p:nvSpPr>
+          <p:cNvPr id="96" name="Rectangle 111">
+            <a:extLst>
+              <a:ext uri="{FF2B5EF4-FFF2-40B4-BE49-F238E27FC236}">
+                <a16:creationId xmlns:a16="http://schemas.microsoft.com/office/drawing/2014/main" id="{DC88B852-65AB-2548-BF32-88D05F500675}"/>
+              </a:ext>
+            </a:extLst>
+          </p:cNvPr>
+          <p:cNvSpPr>
+            <a:spLocks/>
+          </p:cNvSpPr>
+          <p:nvPr/>
+        </p:nvSpPr>
+        <p:spPr bwMode="auto">
+          <a:xfrm>
+            <a:off x="8166767" y="3548180"/>
+            <a:ext cx="2457146" cy="331116"/>
+          </a:xfrm>
+          <a:prstGeom prst="rect">
+            <a:avLst/>
+          </a:prstGeom>
+          <a:noFill/>
+          <a:ln>
+            <a:noFill/>
+          </a:ln>
+          <a:extLst>
+            <a:ext uri="{909E8E84-426E-40dd-AFC4-6F175D3DCCD1}">
+              <a14:hiddenFill xmlns:a14="http://schemas.microsoft.com/office/drawing/2010/main" xmlns="">
+                <a:solidFill>
+                  <a:srgbClr val="FFFFFF"/>
+                </a:solidFill>
+              </a14:hiddenFill>
+            </a:ext>
+            <a:ext uri="{91240B29-F687-4f45-9708-019B960494DF}">
+              <a14:hiddenLine xmlns:a14="http://schemas.microsoft.com/office/drawing/2010/main" xmlns="" w="12700">
+                <a:solidFill>
+                  <a:schemeClr val="tx1"/>
+                </a:solidFill>
+                <a:miter lim="800000"/>
+                <a:headEnd/>
+                <a:tailEnd/>
+              </a14:hiddenLine>
+            </a:ext>
+          </a:extLst>
+        </p:spPr>
+        <p:txBody>
+          <a:bodyPr vert="horz" wrap="square" lIns="0" tIns="0" rIns="0" bIns="0" anchor="ctr" anchorCtr="0">
+            <a:spAutoFit/>
+          </a:bodyPr>
+          <a:lstStyle/>
+          <a:p>
+            <a:pPr defTabSz="2286000">
+              <a:lnSpc>
+                <a:spcPct val="150000"/>
+              </a:lnSpc>
+            </a:pPr>
+            <a:r>
+              <a:rPr lang="en-US" sz="1600" b="1" dirty="0">
+                <a:latin typeface="Lato Black" charset="0"/>
+                <a:ea typeface="Lato Black" charset="0"/>
+                <a:cs typeface="Lato Black" charset="0"/>
+                <a:sym typeface="Bebas Neue" charset="0"/>
+              </a:rPr>
+              <a:t>Destroy and Clean up</a:t>
+            </a:r>
+          </a:p>
+        </p:txBody>
+      </p:sp>
+      <p:sp>
+        <p:nvSpPr>
+          <p:cNvPr id="97" name="Freeform 143">
+            <a:extLst>
+              <a:ext uri="{FF2B5EF4-FFF2-40B4-BE49-F238E27FC236}">
+                <a16:creationId xmlns:a16="http://schemas.microsoft.com/office/drawing/2014/main" id="{29975D47-3FC1-4F4A-AC9C-854AA5E3BAE4}"/>
+              </a:ext>
+            </a:extLst>
+          </p:cNvPr>
+          <p:cNvSpPr>
+            <a:spLocks noChangeArrowheads="1"/>
+          </p:cNvSpPr>
+          <p:nvPr/>
+        </p:nvSpPr>
+        <p:spPr bwMode="auto">
+          <a:xfrm>
+            <a:off x="1277673" y="3510291"/>
+            <a:ext cx="4012542" cy="1109214"/>
+          </a:xfrm>
+          <a:custGeom>
+            <a:avLst/>
+            <a:gdLst>
+              <a:gd name="T0" fmla="*/ 283 w 15344"/>
+              <a:gd name="T1" fmla="*/ 0 h 4244"/>
+              <a:gd name="T2" fmla="*/ 283 w 15344"/>
+              <a:gd name="T3" fmla="*/ 0 h 4244"/>
+              <a:gd name="T4" fmla="*/ 0 w 15344"/>
+              <a:gd name="T5" fmla="*/ 282 h 4244"/>
+              <a:gd name="T6" fmla="*/ 0 w 15344"/>
+              <a:gd name="T7" fmla="*/ 3951 h 4244"/>
+              <a:gd name="T8" fmla="*/ 283 w 15344"/>
+              <a:gd name="T9" fmla="*/ 4243 h 4244"/>
+              <a:gd name="T10" fmla="*/ 15343 w 15344"/>
+              <a:gd name="T11" fmla="*/ 4243 h 4244"/>
+              <a:gd name="T12" fmla="*/ 15343 w 15344"/>
+              <a:gd name="T13" fmla="*/ 0 h 4244"/>
+              <a:gd name="T14" fmla="*/ 283 w 15344"/>
+              <a:gd name="T15" fmla="*/ 0 h 4244"/>
+            </a:gdLst>
+            <a:ahLst/>
+            <a:cxnLst>
+              <a:cxn ang="0">
+                <a:pos x="T0" y="T1"/>
+              </a:cxn>
+              <a:cxn ang="0">
+                <a:pos x="T2" y="T3"/>
+              </a:cxn>
+              <a:cxn ang="0">
+                <a:pos x="T4" y="T5"/>
+              </a:cxn>
+              <a:cxn ang="0">
+                <a:pos x="T6" y="T7"/>
+              </a:cxn>
+              <a:cxn ang="0">
+                <a:pos x="T8" y="T9"/>
+              </a:cxn>
+              <a:cxn ang="0">
+                <a:pos x="T10" y="T11"/>
+              </a:cxn>
+              <a:cxn ang="0">
+                <a:pos x="T12" y="T13"/>
+              </a:cxn>
+              <a:cxn ang="0">
+                <a:pos x="T14" y="T15"/>
+              </a:cxn>
+            </a:cxnLst>
+            <a:rect l="0" t="0" r="r" b="b"/>
+            <a:pathLst>
+              <a:path w="15344" h="4244">
+                <a:moveTo>
+                  <a:pt x="283" y="0"/>
+                </a:moveTo>
+                <a:lnTo>
+                  <a:pt x="283" y="0"/>
+                </a:lnTo>
+                <a:cubicBezTo>
+                  <a:pt x="129" y="0"/>
+                  <a:pt x="0" y="128"/>
+                  <a:pt x="0" y="282"/>
+                </a:cubicBezTo>
+                <a:cubicBezTo>
+                  <a:pt x="0" y="3951"/>
+                  <a:pt x="0" y="3951"/>
+                  <a:pt x="0" y="3951"/>
+                </a:cubicBezTo>
+                <a:cubicBezTo>
+                  <a:pt x="0" y="4114"/>
+                  <a:pt x="129" y="4243"/>
+                  <a:pt x="283" y="4243"/>
+                </a:cubicBezTo>
+                <a:cubicBezTo>
+                  <a:pt x="15343" y="4243"/>
+                  <a:pt x="15343" y="4243"/>
+                  <a:pt x="15343" y="4243"/>
+                </a:cubicBezTo>
+                <a:cubicBezTo>
+                  <a:pt x="15343" y="0"/>
+                  <a:pt x="15343" y="0"/>
+                  <a:pt x="15343" y="0"/>
+                </a:cubicBezTo>
+                <a:lnTo>
+                  <a:pt x="283" y="0"/>
+                </a:lnTo>
+              </a:path>
+            </a:pathLst>
+          </a:custGeom>
+          <a:solidFill>
+            <a:schemeClr val="bg1">
+              <a:lumMod val="95000"/>
+            </a:schemeClr>
+          </a:solidFill>
+          <a:ln>
+            <a:noFill/>
+          </a:ln>
+          <a:effectLst/>
+        </p:spPr>
+        <p:txBody>
+          <a:bodyPr wrap="none" anchor="ctr"/>
+          <a:lstStyle/>
+          <a:p>
+            <a:endParaRPr lang="en-US" sz="3599"/>
+          </a:p>
+        </p:txBody>
+      </p:sp>
+      <p:sp>
+        <p:nvSpPr>
+          <p:cNvPr id="101" name="Freeform 144">
+            <a:extLst>
+              <a:ext uri="{FF2B5EF4-FFF2-40B4-BE49-F238E27FC236}">
+                <a16:creationId xmlns:a16="http://schemas.microsoft.com/office/drawing/2014/main" id="{7330A366-F17A-374F-A44E-1F850A304214}"/>
+              </a:ext>
+            </a:extLst>
+          </p:cNvPr>
+          <p:cNvSpPr>
+            <a:spLocks noChangeArrowheads="1"/>
+          </p:cNvSpPr>
+          <p:nvPr/>
+        </p:nvSpPr>
+        <p:spPr bwMode="auto">
+          <a:xfrm>
+            <a:off x="1575887" y="3432395"/>
+            <a:ext cx="928189" cy="1013513"/>
+          </a:xfrm>
+          <a:custGeom>
+            <a:avLst/>
+            <a:gdLst>
+              <a:gd name="T0" fmla="*/ 3240 w 3550"/>
+              <a:gd name="T1" fmla="*/ 0 h 3876"/>
+              <a:gd name="T2" fmla="*/ 3240 w 3550"/>
+              <a:gd name="T3" fmla="*/ 0 h 3876"/>
+              <a:gd name="T4" fmla="*/ 300 w 3550"/>
+              <a:gd name="T5" fmla="*/ 0 h 3876"/>
+              <a:gd name="T6" fmla="*/ 0 w 3550"/>
+              <a:gd name="T7" fmla="*/ 0 h 3876"/>
+              <a:gd name="T8" fmla="*/ 300 w 3550"/>
+              <a:gd name="T9" fmla="*/ 300 h 3876"/>
+              <a:gd name="T10" fmla="*/ 300 w 3550"/>
+              <a:gd name="T11" fmla="*/ 3695 h 3876"/>
+              <a:gd name="T12" fmla="*/ 489 w 3550"/>
+              <a:gd name="T13" fmla="*/ 3875 h 3876"/>
+              <a:gd name="T14" fmla="*/ 3360 w 3550"/>
+              <a:gd name="T15" fmla="*/ 3875 h 3876"/>
+              <a:gd name="T16" fmla="*/ 3549 w 3550"/>
+              <a:gd name="T17" fmla="*/ 3695 h 3876"/>
+              <a:gd name="T18" fmla="*/ 3549 w 3550"/>
+              <a:gd name="T19" fmla="*/ 300 h 3876"/>
+              <a:gd name="T20" fmla="*/ 3240 w 3550"/>
+              <a:gd name="T21" fmla="*/ 0 h 3876"/>
+            </a:gdLst>
+            <a:ahLst/>
+            <a:cxnLst>
+              <a:cxn ang="0">
+                <a:pos x="T0" y="T1"/>
+              </a:cxn>
+              <a:cxn ang="0">
+                <a:pos x="T2" y="T3"/>
+              </a:cxn>
+              <a:cxn ang="0">
+                <a:pos x="T4" y="T5"/>
+              </a:cxn>
+              <a:cxn ang="0">
+                <a:pos x="T6" y="T7"/>
+              </a:cxn>
+              <a:cxn ang="0">
+                <a:pos x="T8" y="T9"/>
+              </a:cxn>
+              <a:cxn ang="0">
+                <a:pos x="T10" y="T11"/>
+              </a:cxn>
+              <a:cxn ang="0">
+                <a:pos x="T12" y="T13"/>
+              </a:cxn>
+              <a:cxn ang="0">
+                <a:pos x="T14" y="T15"/>
+              </a:cxn>
+              <a:cxn ang="0">
+                <a:pos x="T16" y="T17"/>
+              </a:cxn>
+              <a:cxn ang="0">
+                <a:pos x="T18" y="T19"/>
+              </a:cxn>
+              <a:cxn ang="0">
+                <a:pos x="T20" y="T21"/>
+              </a:cxn>
+            </a:cxnLst>
+            <a:rect l="0" t="0" r="r" b="b"/>
+            <a:pathLst>
+              <a:path w="3550" h="3876">
+                <a:moveTo>
+                  <a:pt x="3240" y="0"/>
+                </a:moveTo>
+                <a:lnTo>
+                  <a:pt x="3240" y="0"/>
+                </a:lnTo>
+                <a:cubicBezTo>
+                  <a:pt x="300" y="0"/>
+                  <a:pt x="300" y="0"/>
+                  <a:pt x="300" y="0"/>
+                </a:cubicBezTo>
+                <a:cubicBezTo>
+                  <a:pt x="0" y="0"/>
+                  <a:pt x="0" y="0"/>
+                  <a:pt x="0" y="0"/>
+                </a:cubicBezTo>
+                <a:cubicBezTo>
+                  <a:pt x="163" y="0"/>
+                  <a:pt x="300" y="137"/>
+                  <a:pt x="300" y="300"/>
+                </a:cubicBezTo>
+                <a:cubicBezTo>
+                  <a:pt x="300" y="3695"/>
+                  <a:pt x="300" y="3695"/>
+                  <a:pt x="300" y="3695"/>
+                </a:cubicBezTo>
+                <a:cubicBezTo>
+                  <a:pt x="300" y="3798"/>
+                  <a:pt x="386" y="3875"/>
+                  <a:pt x="489" y="3875"/>
+                </a:cubicBezTo>
+                <a:cubicBezTo>
+                  <a:pt x="3360" y="3875"/>
+                  <a:pt x="3360" y="3875"/>
+                  <a:pt x="3360" y="3875"/>
+                </a:cubicBezTo>
+                <a:cubicBezTo>
+                  <a:pt x="3463" y="3875"/>
+                  <a:pt x="3549" y="3798"/>
+                  <a:pt x="3549" y="3695"/>
+                </a:cubicBezTo>
+                <a:cubicBezTo>
+                  <a:pt x="3549" y="300"/>
+                  <a:pt x="3549" y="300"/>
+                  <a:pt x="3549" y="300"/>
+                </a:cubicBezTo>
+                <a:cubicBezTo>
+                  <a:pt x="3549" y="137"/>
+                  <a:pt x="3412" y="0"/>
+                  <a:pt x="3240" y="0"/>
+                </a:cubicBezTo>
+              </a:path>
+            </a:pathLst>
+          </a:custGeom>
+          <a:solidFill>
+            <a:schemeClr val="accent1"/>
+          </a:solidFill>
+          <a:ln>
+            <a:noFill/>
+          </a:ln>
+          <a:effectLst>
+            <a:outerShdw blurRad="165100" dist="127000" dir="5400000" sx="101000" sy="101000" algn="t" rotWithShape="0">
+              <a:prstClr val="black">
+                <a:alpha val="40000"/>
+              </a:prstClr>
+            </a:outerShdw>
+          </a:effectLst>
+        </p:spPr>
+        <p:txBody>
+          <a:bodyPr wrap="none" anchor="ctr"/>
+          <a:lstStyle/>
+          <a:p>
+            <a:endParaRPr lang="en-US" sz="3599"/>
+          </a:p>
+        </p:txBody>
+      </p:sp>
+      <p:sp>
+        <p:nvSpPr>
+          <p:cNvPr id="102" name="Freeform 145">
+            <a:extLst>
+              <a:ext uri="{FF2B5EF4-FFF2-40B4-BE49-F238E27FC236}">
+                <a16:creationId xmlns:a16="http://schemas.microsoft.com/office/drawing/2014/main" id="{77027C6A-5BDF-9C4B-82AF-0EDDEEC7EB16}"/>
+              </a:ext>
+            </a:extLst>
+          </p:cNvPr>
+          <p:cNvSpPr>
+            <a:spLocks noChangeArrowheads="1"/>
+          </p:cNvSpPr>
+          <p:nvPr/>
+        </p:nvSpPr>
+        <p:spPr bwMode="auto">
+          <a:xfrm flipH="1">
+            <a:off x="1495564" y="3432395"/>
+            <a:ext cx="160170" cy="80548"/>
+          </a:xfrm>
+          <a:custGeom>
+            <a:avLst/>
+            <a:gdLst>
+              <a:gd name="T0" fmla="*/ 381 w 763"/>
+              <a:gd name="T1" fmla="*/ 0 h 382"/>
+              <a:gd name="T2" fmla="*/ 381 w 763"/>
+              <a:gd name="T3" fmla="*/ 0 h 382"/>
+              <a:gd name="T4" fmla="*/ 0 w 763"/>
+              <a:gd name="T5" fmla="*/ 381 h 382"/>
+              <a:gd name="T6" fmla="*/ 762 w 763"/>
+              <a:gd name="T7" fmla="*/ 381 h 382"/>
+              <a:gd name="T8" fmla="*/ 381 w 763"/>
+              <a:gd name="T9" fmla="*/ 0 h 382"/>
+            </a:gdLst>
+            <a:ahLst/>
+            <a:cxnLst>
+              <a:cxn ang="0">
+                <a:pos x="T0" y="T1"/>
+              </a:cxn>
+              <a:cxn ang="0">
+                <a:pos x="T2" y="T3"/>
+              </a:cxn>
+              <a:cxn ang="0">
+                <a:pos x="T4" y="T5"/>
+              </a:cxn>
+              <a:cxn ang="0">
+                <a:pos x="T6" y="T7"/>
+              </a:cxn>
+              <a:cxn ang="0">
+                <a:pos x="T8" y="T9"/>
+              </a:cxn>
+            </a:cxnLst>
+            <a:rect l="0" t="0" r="r" b="b"/>
+            <a:pathLst>
+              <a:path w="763" h="382">
+                <a:moveTo>
+                  <a:pt x="381" y="0"/>
+                </a:moveTo>
+                <a:lnTo>
+                  <a:pt x="381" y="0"/>
+                </a:lnTo>
+                <a:cubicBezTo>
+                  <a:pt x="172" y="0"/>
+                  <a:pt x="0" y="170"/>
+                  <a:pt x="0" y="381"/>
+                </a:cubicBezTo>
+                <a:cubicBezTo>
+                  <a:pt x="762" y="381"/>
+                  <a:pt x="762" y="381"/>
+                  <a:pt x="762" y="381"/>
+                </a:cubicBezTo>
+                <a:cubicBezTo>
+                  <a:pt x="762" y="170"/>
+                  <a:pt x="592" y="0"/>
+                  <a:pt x="381" y="0"/>
+                </a:cubicBezTo>
+              </a:path>
+            </a:pathLst>
+          </a:custGeom>
+          <a:solidFill>
+            <a:schemeClr val="accent1">
+              <a:lumMod val="75000"/>
+            </a:schemeClr>
+          </a:solidFill>
+          <a:ln>
+            <a:noFill/>
+          </a:ln>
+          <a:effectLst/>
+        </p:spPr>
+        <p:txBody>
+          <a:bodyPr wrap="none" anchor="ctr"/>
+          <a:lstStyle/>
+          <a:p>
+            <a:endParaRPr lang="en-US" sz="3599"/>
+          </a:p>
+        </p:txBody>
+      </p:sp>
+      <p:sp>
+        <p:nvSpPr>
+          <p:cNvPr id="103" name="Freeform 146">
+            <a:extLst>
+              <a:ext uri="{FF2B5EF4-FFF2-40B4-BE49-F238E27FC236}">
+                <a16:creationId xmlns:a16="http://schemas.microsoft.com/office/drawing/2014/main" id="{DC873CD1-A5AB-C44C-BC5A-25E506A84408}"/>
+              </a:ext>
+            </a:extLst>
+          </p:cNvPr>
+          <p:cNvSpPr>
+            <a:spLocks noChangeArrowheads="1"/>
+          </p:cNvSpPr>
+          <p:nvPr/>
+        </p:nvSpPr>
+        <p:spPr bwMode="auto">
+          <a:xfrm>
+            <a:off x="5290215" y="3512943"/>
+            <a:ext cx="145664" cy="1106562"/>
+          </a:xfrm>
+          <a:custGeom>
+            <a:avLst/>
+            <a:gdLst>
+              <a:gd name="T0" fmla="*/ 253 w 526"/>
+              <a:gd name="T1" fmla="*/ 0 h 3985"/>
+              <a:gd name="T2" fmla="*/ 253 w 526"/>
+              <a:gd name="T3" fmla="*/ 0 h 3985"/>
+              <a:gd name="T4" fmla="*/ 0 w 526"/>
+              <a:gd name="T5" fmla="*/ 0 h 3985"/>
+              <a:gd name="T6" fmla="*/ 0 w 526"/>
+              <a:gd name="T7" fmla="*/ 3984 h 3985"/>
+              <a:gd name="T8" fmla="*/ 253 w 526"/>
+              <a:gd name="T9" fmla="*/ 3984 h 3985"/>
+              <a:gd name="T10" fmla="*/ 525 w 526"/>
+              <a:gd name="T11" fmla="*/ 3716 h 3985"/>
+              <a:gd name="T12" fmla="*/ 525 w 526"/>
+              <a:gd name="T13" fmla="*/ 268 h 3985"/>
+              <a:gd name="T14" fmla="*/ 253 w 526"/>
+              <a:gd name="T15" fmla="*/ 0 h 3985"/>
+            </a:gdLst>
+            <a:ahLst/>
+            <a:cxnLst>
+              <a:cxn ang="0">
+                <a:pos x="T0" y="T1"/>
+              </a:cxn>
+              <a:cxn ang="0">
+                <a:pos x="T2" y="T3"/>
+              </a:cxn>
+              <a:cxn ang="0">
+                <a:pos x="T4" y="T5"/>
+              </a:cxn>
+              <a:cxn ang="0">
+                <a:pos x="T6" y="T7"/>
+              </a:cxn>
+              <a:cxn ang="0">
+                <a:pos x="T8" y="T9"/>
+              </a:cxn>
+              <a:cxn ang="0">
+                <a:pos x="T10" y="T11"/>
+              </a:cxn>
+              <a:cxn ang="0">
+                <a:pos x="T12" y="T13"/>
+              </a:cxn>
+              <a:cxn ang="0">
+                <a:pos x="T14" y="T15"/>
+              </a:cxn>
+            </a:cxnLst>
+            <a:rect l="0" t="0" r="r" b="b"/>
+            <a:pathLst>
+              <a:path w="526" h="3985">
+                <a:moveTo>
+                  <a:pt x="253" y="0"/>
+                </a:moveTo>
+                <a:lnTo>
+                  <a:pt x="253" y="0"/>
+                </a:lnTo>
+                <a:cubicBezTo>
+                  <a:pt x="0" y="0"/>
+                  <a:pt x="0" y="0"/>
+                  <a:pt x="0" y="0"/>
+                </a:cubicBezTo>
+                <a:cubicBezTo>
+                  <a:pt x="0" y="3984"/>
+                  <a:pt x="0" y="3984"/>
+                  <a:pt x="0" y="3984"/>
+                </a:cubicBezTo>
+                <a:cubicBezTo>
+                  <a:pt x="253" y="3984"/>
+                  <a:pt x="253" y="3984"/>
+                  <a:pt x="253" y="3984"/>
+                </a:cubicBezTo>
+                <a:cubicBezTo>
+                  <a:pt x="404" y="3984"/>
+                  <a:pt x="525" y="3863"/>
+                  <a:pt x="525" y="3716"/>
+                </a:cubicBezTo>
+                <a:cubicBezTo>
+                  <a:pt x="525" y="268"/>
+                  <a:pt x="525" y="268"/>
+                  <a:pt x="525" y="268"/>
+                </a:cubicBezTo>
+                <a:cubicBezTo>
+                  <a:pt x="525" y="121"/>
+                  <a:pt x="404" y="0"/>
+                  <a:pt x="253" y="0"/>
+                </a:cubicBezTo>
+              </a:path>
+            </a:pathLst>
+          </a:custGeom>
+          <a:solidFill>
+            <a:schemeClr val="accent1"/>
+          </a:solidFill>
+          <a:ln>
+            <a:noFill/>
+          </a:ln>
+          <a:effectLst/>
+        </p:spPr>
+        <p:txBody>
+          <a:bodyPr wrap="none" anchor="ctr"/>
+          <a:lstStyle/>
+          <a:p>
+            <a:endParaRPr lang="en-US" sz="3599"/>
+          </a:p>
+        </p:txBody>
+      </p:sp>
+      <p:sp>
+        <p:nvSpPr>
+          <p:cNvPr id="104" name="TextBox 107">
+            <a:extLst>
+              <a:ext uri="{FF2B5EF4-FFF2-40B4-BE49-F238E27FC236}">
+                <a16:creationId xmlns:a16="http://schemas.microsoft.com/office/drawing/2014/main" id="{8A7BE02A-8348-FE41-B163-1CD4D8AD327D}"/>
+              </a:ext>
+            </a:extLst>
+          </p:cNvPr>
+          <p:cNvSpPr txBox="1"/>
+          <p:nvPr/>
+        </p:nvSpPr>
+        <p:spPr>
+          <a:xfrm>
+            <a:off x="1782025" y="3528423"/>
+            <a:ext cx="593432" cy="292388"/>
+          </a:xfrm>
+          <a:prstGeom prst="rect">
+            <a:avLst/>
+          </a:prstGeom>
+          <a:noFill/>
+        </p:spPr>
+        <p:txBody>
+          <a:bodyPr wrap="none" rtlCol="0" anchor="ctr" anchorCtr="0">
+            <a:spAutoFit/>
+          </a:bodyPr>
+          <a:lstStyle/>
+          <a:p>
+            <a:pPr algn="ctr"/>
+            <a:r>
+              <a:rPr lang="en-US" sz="1300" b="1" dirty="0">
+                <a:solidFill>
+                  <a:schemeClr val="bg1"/>
+                </a:solidFill>
+                <a:latin typeface="Lato Black" charset="0"/>
+                <a:ea typeface="Lato Black" charset="0"/>
+                <a:cs typeface="Lato Black" charset="0"/>
+              </a:rPr>
+              <a:t>Phase</a:t>
+            </a:r>
+          </a:p>
+        </p:txBody>
+      </p:sp>
+      <p:sp>
+        <p:nvSpPr>
+          <p:cNvPr id="105" name="TextBox 108">
+            <a:extLst>
+              <a:ext uri="{FF2B5EF4-FFF2-40B4-BE49-F238E27FC236}">
+                <a16:creationId xmlns:a16="http://schemas.microsoft.com/office/drawing/2014/main" id="{B5A64A33-A236-A047-9A2E-4177C9A6284F}"/>
+              </a:ext>
+            </a:extLst>
+          </p:cNvPr>
+          <p:cNvSpPr txBox="1"/>
+          <p:nvPr/>
+        </p:nvSpPr>
+        <p:spPr>
+          <a:xfrm>
+            <a:off x="1751648" y="3713738"/>
+            <a:ext cx="650160" cy="707878"/>
+          </a:xfrm>
+          <a:prstGeom prst="rect">
+            <a:avLst/>
+          </a:prstGeom>
+          <a:noFill/>
+        </p:spPr>
+        <p:txBody>
+          <a:bodyPr wrap="none" lIns="45711" tIns="22856" rIns="45711" bIns="22856" rtlCol="0">
+            <a:spAutoFit/>
+          </a:bodyPr>
+          <a:lstStyle/>
+          <a:p>
+            <a:pPr algn="ctr"/>
+            <a:r>
+              <a:rPr lang="en-US" sz="4300" b="1" dirty="0">
+                <a:solidFill>
+                  <a:schemeClr val="bg1"/>
+                </a:solidFill>
+                <a:latin typeface="Lato" charset="0"/>
+                <a:ea typeface="Lato" charset="0"/>
+                <a:cs typeface="Lato" charset="0"/>
+              </a:rPr>
+              <a:t>03</a:t>
+            </a:r>
+            <a:endParaRPr lang="id-ID" sz="4300" b="1" dirty="0">
+              <a:solidFill>
+                <a:schemeClr val="bg1"/>
+              </a:solidFill>
+              <a:latin typeface="Lato" charset="0"/>
+              <a:ea typeface="Lato" charset="0"/>
+              <a:cs typeface="Lato" charset="0"/>
+            </a:endParaRPr>
+          </a:p>
+        </p:txBody>
+      </p:sp>
+      <p:sp>
+        <p:nvSpPr>
+          <p:cNvPr id="106" name="Subtitle 2">
+            <a:extLst>
+              <a:ext uri="{FF2B5EF4-FFF2-40B4-BE49-F238E27FC236}">
+                <a16:creationId xmlns:a16="http://schemas.microsoft.com/office/drawing/2014/main" id="{63EAD000-A084-FB4B-81CF-27AE36CFBAE9}"/>
+              </a:ext>
+            </a:extLst>
+          </p:cNvPr>
+          <p:cNvSpPr txBox="1">
+            <a:spLocks/>
+          </p:cNvSpPr>
+          <p:nvPr/>
+        </p:nvSpPr>
+        <p:spPr>
+          <a:xfrm>
+            <a:off x="2578859" y="3828234"/>
+            <a:ext cx="2711356" cy="786916"/>
+          </a:xfrm>
+          <a:prstGeom prst="rect">
+            <a:avLst/>
+          </a:prstGeom>
+        </p:spPr>
+        <p:txBody>
+          <a:bodyPr vert="horz" wrap="square" lIns="108745" tIns="54373" rIns="108745" bIns="54373" rtlCol="0">
+            <a:spAutoFit/>
+          </a:bodyPr>
+          <a:lstStyle>
+            <a:lvl1pPr marL="0" indent="0" algn="ctr" defTabSz="1087636" rtl="0" eaLnBrk="1" latinLnBrk="0" hangingPunct="1">
+              <a:lnSpc>
+                <a:spcPct val="120000"/>
+              </a:lnSpc>
+              <a:spcBef>
+                <a:spcPct val="20000"/>
+              </a:spcBef>
+              <a:buFont typeface="Arial"/>
+              <a:buNone/>
+              <a:defRPr sz="2400" kern="1200">
+                <a:solidFill>
+                  <a:schemeClr val="tx2"/>
+                </a:solidFill>
+                <a:latin typeface="Open Sans Light"/>
+                <a:ea typeface="+mn-ea"/>
+                <a:cs typeface="Open Sans Light"/>
+              </a:defRPr>
+            </a:lvl1pPr>
+            <a:lvl2pPr marL="1087636" indent="0" algn="ctr" defTabSz="1087636" rtl="0" eaLnBrk="1" latinLnBrk="0" hangingPunct="1">
+              <a:lnSpc>
+                <a:spcPct val="130000"/>
+              </a:lnSpc>
+              <a:spcBef>
+                <a:spcPct val="20000"/>
+              </a:spcBef>
+              <a:buFont typeface="Arial"/>
+              <a:buNone/>
+              <a:defRPr sz="3200" kern="1200">
+                <a:solidFill>
+                  <a:schemeClr val="tx1">
+                    <a:tint val="75000"/>
+                  </a:schemeClr>
+                </a:solidFill>
+                <a:latin typeface="Open Sans"/>
+                <a:ea typeface="+mn-ea"/>
+                <a:cs typeface="Open Sans"/>
+              </a:defRPr>
+            </a:lvl2pPr>
+            <a:lvl3pPr marL="2175271" indent="0" algn="ctr" defTabSz="1087636" rtl="0" eaLnBrk="1" latinLnBrk="0" hangingPunct="1">
+              <a:lnSpc>
+                <a:spcPct val="130000"/>
+              </a:lnSpc>
+              <a:spcBef>
+                <a:spcPct val="20000"/>
+              </a:spcBef>
+              <a:buFont typeface="Arial"/>
+              <a:buNone/>
+              <a:defRPr sz="3200" kern="1200">
+                <a:solidFill>
+                  <a:schemeClr val="tx1">
+                    <a:tint val="75000"/>
+                  </a:schemeClr>
+                </a:solidFill>
+                <a:latin typeface="Open Sans"/>
+                <a:ea typeface="+mn-ea"/>
+                <a:cs typeface="Open Sans"/>
+              </a:defRPr>
+            </a:lvl3pPr>
+            <a:lvl4pPr marL="3262912" indent="0" algn="ctr" defTabSz="1087636" rtl="0" eaLnBrk="1" latinLnBrk="0" hangingPunct="1">
+              <a:lnSpc>
+                <a:spcPct val="130000"/>
+              </a:lnSpc>
+              <a:spcBef>
+                <a:spcPct val="20000"/>
+              </a:spcBef>
+              <a:buFont typeface="Arial"/>
+              <a:buNone/>
+              <a:defRPr sz="3200" kern="1200">
+                <a:solidFill>
+                  <a:schemeClr val="tx1">
+                    <a:tint val="75000"/>
+                  </a:schemeClr>
+                </a:solidFill>
+                <a:latin typeface="Open Sans"/>
+                <a:ea typeface="+mn-ea"/>
+                <a:cs typeface="Open Sans"/>
+              </a:defRPr>
+            </a:lvl4pPr>
+            <a:lvl5pPr marL="4350546" indent="0" algn="ctr" defTabSz="1087636" rtl="0" eaLnBrk="1" latinLnBrk="0" hangingPunct="1">
+              <a:lnSpc>
+                <a:spcPct val="130000"/>
+              </a:lnSpc>
+              <a:spcBef>
+                <a:spcPct val="20000"/>
+              </a:spcBef>
+              <a:buFont typeface="Arial"/>
+              <a:buNone/>
+              <a:defRPr sz="3200" kern="1200">
+                <a:solidFill>
+                  <a:schemeClr val="tx1">
+                    <a:tint val="75000"/>
+                  </a:schemeClr>
+                </a:solidFill>
+                <a:latin typeface="Open Sans"/>
+                <a:ea typeface="+mn-ea"/>
+                <a:cs typeface="Open Sans"/>
+              </a:defRPr>
+            </a:lvl5pPr>
+            <a:lvl6pPr marL="5438184" indent="0" algn="ctr" defTabSz="1087636" rtl="0" eaLnBrk="1" latinLnBrk="0" hangingPunct="1">
+              <a:spcBef>
+                <a:spcPct val="20000"/>
+              </a:spcBef>
+              <a:buFont typeface="Arial"/>
+              <a:buNone/>
+              <a:defRPr sz="4800" kern="1200">
+                <a:solidFill>
+                  <a:schemeClr val="tx1">
+                    <a:tint val="75000"/>
+                  </a:schemeClr>
+                </a:solidFill>
+                <a:latin typeface="+mn-lt"/>
+                <a:ea typeface="+mn-ea"/>
+                <a:cs typeface="+mn-cs"/>
+              </a:defRPr>
+            </a:lvl6pPr>
+            <a:lvl7pPr marL="6525820" indent="0" algn="ctr" defTabSz="1087636" rtl="0" eaLnBrk="1" latinLnBrk="0" hangingPunct="1">
+              <a:spcBef>
+                <a:spcPct val="20000"/>
+              </a:spcBef>
+              <a:buFont typeface="Arial"/>
+              <a:buNone/>
+              <a:defRPr sz="4800" kern="1200">
+                <a:solidFill>
+                  <a:schemeClr val="tx1">
+                    <a:tint val="75000"/>
+                  </a:schemeClr>
+                </a:solidFill>
+                <a:latin typeface="+mn-lt"/>
+                <a:ea typeface="+mn-ea"/>
+                <a:cs typeface="+mn-cs"/>
+              </a:defRPr>
+            </a:lvl7pPr>
+            <a:lvl8pPr marL="7613455" indent="0" algn="ctr" defTabSz="1087636" rtl="0" eaLnBrk="1" latinLnBrk="0" hangingPunct="1">
+              <a:spcBef>
+                <a:spcPct val="20000"/>
+              </a:spcBef>
+              <a:buFont typeface="Arial"/>
+              <a:buNone/>
+              <a:defRPr sz="4800" kern="1200">
+                <a:solidFill>
+                  <a:schemeClr val="tx1">
+                    <a:tint val="75000"/>
+                  </a:schemeClr>
+                </a:solidFill>
+                <a:latin typeface="+mn-lt"/>
+                <a:ea typeface="+mn-ea"/>
+                <a:cs typeface="+mn-cs"/>
+              </a:defRPr>
+            </a:lvl8pPr>
+            <a:lvl9pPr marL="8701091" indent="0" algn="ctr" defTabSz="1087636" rtl="0" eaLnBrk="1" latinLnBrk="0" hangingPunct="1">
+              <a:spcBef>
+                <a:spcPct val="20000"/>
+              </a:spcBef>
+              <a:buFont typeface="Arial"/>
+              <a:buNone/>
+              <a:defRPr sz="4800" kern="1200">
+                <a:solidFill>
+                  <a:schemeClr val="tx1">
+                    <a:tint val="75000"/>
+                  </a:schemeClr>
+                </a:solidFill>
+                <a:latin typeface="+mn-lt"/>
+                <a:ea typeface="+mn-ea"/>
+                <a:cs typeface="+mn-cs"/>
+              </a:defRPr>
+            </a:lvl9pPr>
+          </a:lstStyle>
+          <a:p>
+            <a:pPr algn="l">
+              <a:lnSpc>
+                <a:spcPts val="1820"/>
+              </a:lnSpc>
+            </a:pPr>
+            <a:r>
+              <a:rPr lang="en-US" sz="1250" dirty="0">
+                <a:solidFill>
+                  <a:schemeClr val="tx1"/>
+                </a:solidFill>
+                <a:latin typeface="Lato Light" charset="0"/>
+                <a:ea typeface="Lato Light" charset="0"/>
+                <a:cs typeface="Lato Light" charset="0"/>
+              </a:rPr>
+              <a:t>Apply the initial network and machines manipulations based on the supplied infrastructure definition</a:t>
+            </a:r>
+          </a:p>
+        </p:txBody>
+      </p:sp>
+      <p:sp>
+        <p:nvSpPr>
+          <p:cNvPr id="107" name="Rectangle 111">
+            <a:extLst>
+              <a:ext uri="{FF2B5EF4-FFF2-40B4-BE49-F238E27FC236}">
+                <a16:creationId xmlns:a16="http://schemas.microsoft.com/office/drawing/2014/main" id="{3C0039C1-962D-4A4E-822C-03F8818C6DCD}"/>
+              </a:ext>
+            </a:extLst>
+          </p:cNvPr>
+          <p:cNvSpPr>
+            <a:spLocks/>
+          </p:cNvSpPr>
+          <p:nvPr/>
+        </p:nvSpPr>
+        <p:spPr bwMode="auto">
+          <a:xfrm>
+            <a:off x="2688324" y="3548180"/>
+            <a:ext cx="2457146" cy="331116"/>
+          </a:xfrm>
+          <a:prstGeom prst="rect">
+            <a:avLst/>
+          </a:prstGeom>
+          <a:noFill/>
+          <a:ln>
+            <a:noFill/>
+          </a:ln>
+          <a:extLst>
+            <a:ext uri="{909E8E84-426E-40dd-AFC4-6F175D3DCCD1}">
+              <a14:hiddenFill xmlns:a14="http://schemas.microsoft.com/office/drawing/2010/main" xmlns="">
+                <a:solidFill>
+                  <a:srgbClr val="FFFFFF"/>
+                </a:solidFill>
+              </a14:hiddenFill>
+            </a:ext>
+            <a:ext uri="{91240B29-F687-4f45-9708-019B960494DF}">
+              <a14:hiddenLine xmlns:a14="http://schemas.microsoft.com/office/drawing/2010/main" xmlns="" w="12700">
+                <a:solidFill>
+                  <a:schemeClr val="tx1"/>
+                </a:solidFill>
+                <a:miter lim="800000"/>
+                <a:headEnd/>
+                <a:tailEnd/>
+              </a14:hiddenLine>
+            </a:ext>
+          </a:extLst>
+        </p:spPr>
+        <p:txBody>
+          <a:bodyPr vert="horz" wrap="square" lIns="0" tIns="0" rIns="0" bIns="0" anchor="ctr" anchorCtr="0">
+            <a:spAutoFit/>
+          </a:bodyPr>
+          <a:lstStyle/>
+          <a:p>
+            <a:pPr defTabSz="2286000">
+              <a:lnSpc>
+                <a:spcPct val="150000"/>
+              </a:lnSpc>
+            </a:pPr>
+            <a:r>
+              <a:rPr lang="en-US" sz="1600" b="1" dirty="0">
+                <a:latin typeface="Lato Black" charset="0"/>
+                <a:ea typeface="Lato Black" charset="0"/>
+                <a:cs typeface="Lato Black" charset="0"/>
+                <a:sym typeface="Bebas Neue" charset="0"/>
+              </a:rPr>
+              <a:t>Apply Manipulations</a:t>
+            </a:r>
+          </a:p>
+        </p:txBody>
+      </p:sp>
+    </p:spTree>
+    <p:extLst>
+      <p:ext uri="{BB962C8B-B14F-4D97-AF65-F5344CB8AC3E}">
+        <p14:creationId xmlns:p14="http://schemas.microsoft.com/office/powerpoint/2010/main" val="507364541"/>
+      </p:ext>
+    </p:extLst>
+  </p:cSld>
+  <p:clrMapOvr>
+    <a:masterClrMapping/>
+  </p:clrMapOvr>
+  <mc:AlternateContent xmlns:mc="http://schemas.openxmlformats.org/markup-compatibility/2006" xmlns:p14="http://schemas.microsoft.com/office/powerpoint/2010/main">
+    <mc:Choice Requires="p14">
+      <p:transition p14:dur="0" advClick="0"/>
+    </mc:Choice>
+    <mc:Fallback xmlns="">
+      <p:transition advClick="0"/>
+    </mc:Fallback>
+  </mc:AlternateContent>
+</p:sld>
+</file>
+
+<file path=ppt/slides/slide3.xml><?xml version="1.0" encoding="utf-8"?>
+<p:sld xmlns:a="http://schemas.openxmlformats.org/drawingml/2006/main" xmlns:r="http://schemas.openxmlformats.org/officeDocument/2006/relationships" xmlns:p="http://schemas.openxmlformats.org/presentationml/2006/main">
+  <p:cSld>
+    <p:spTree>
+      <p:nvGrpSpPr>
+        <p:cNvPr id="1" name=""/>
+        <p:cNvGrpSpPr/>
+        <p:nvPr/>
+      </p:nvGrpSpPr>
+      <p:grpSpPr>
+        <a:xfrm>
+          <a:off x="0" y="0"/>
+          <a:ext cx="0" cy="0"/>
+          <a:chOff x="0" y="0"/>
+          <a:chExt cx="0" cy="0"/>
+        </a:xfrm>
+      </p:grpSpPr>
       <p:grpSp>
         <p:nvGrpSpPr>
           <p:cNvPr id="2" name="Group 1"/>
@@ -11469,7 +15290,7 @@
 </p:sld>
 </file>
 
-<file path=ppt/slides/slide3.xml><?xml version="1.0" encoding="utf-8"?>
+<file path=ppt/slides/slide4.xml><?xml version="1.0" encoding="utf-8"?>
 <p:sld xmlns:a="http://schemas.openxmlformats.org/drawingml/2006/main" xmlns:r="http://schemas.openxmlformats.org/officeDocument/2006/relationships" xmlns:p="http://schemas.openxmlformats.org/presentationml/2006/main">
   <p:cSld>
     <p:spTree>
@@ -11518,7 +15339,7 @@
                 <a:ea typeface="Lato" charset="0"/>
                 <a:cs typeface="Lato" charset="0"/>
               </a:rPr>
-              <a:t>Phases in Stage 1</a:t>
+              <a:t>Phases in Stage 2</a:t>
             </a:r>
             <a:endParaRPr lang="id-ID" sz="4400" b="1" dirty="0">
               <a:solidFill>
@@ -11591,8 +15412,8 @@
         </p:nvSpPr>
         <p:spPr>
           <a:xfrm>
-            <a:off x="5010229" y="817417"/>
-            <a:ext cx="2192142" cy="376997"/>
+            <a:off x="4978913" y="817417"/>
+            <a:ext cx="2254787" cy="376997"/>
           </a:xfrm>
           <a:prstGeom prst="rect">
             <a:avLst/>
@@ -11774,19 +15595,25 @@
             <a:r>
               <a:rPr lang="en-US" sz="1550" dirty="0">
                 <a:solidFill>
-                  <a:schemeClr val="accent1"/>
+                  <a:schemeClr val="accent2"/>
                 </a:solidFill>
                 <a:latin typeface="Lato Light"/>
                 <a:cs typeface="Lato Light"/>
               </a:rPr>
-              <a:t>Infrastructure Emulation</a:t>
+              <a:t>Application Management</a:t>
             </a:r>
           </a:p>
         </p:txBody>
       </p:sp>
       <p:sp>
         <p:nvSpPr>
-          <p:cNvPr id="89" name="Freeform 143"/>
+          <p:cNvPr id="13" name="Freeform 143">
+            <a:extLst>
+              <a:ext uri="{FF2B5EF4-FFF2-40B4-BE49-F238E27FC236}">
+                <a16:creationId xmlns:a16="http://schemas.microsoft.com/office/drawing/2014/main" id="{2E6B8D87-DB76-4F43-B80A-8F1AF811E5B6}"/>
+              </a:ext>
+            </a:extLst>
+          </p:cNvPr>
           <p:cNvSpPr>
             <a:spLocks noChangeArrowheads="1"/>
           </p:cNvSpPr>
@@ -11904,7 +15731,13 @@
       </p:sp>
       <p:sp>
         <p:nvSpPr>
-          <p:cNvPr id="98" name="Freeform 144"/>
+          <p:cNvPr id="14" name="Freeform 144">
+            <a:extLst>
+              <a:ext uri="{FF2B5EF4-FFF2-40B4-BE49-F238E27FC236}">
+                <a16:creationId xmlns:a16="http://schemas.microsoft.com/office/drawing/2014/main" id="{5F89D1CD-6D1A-E240-AFDF-AEFFB2A01D62}"/>
+              </a:ext>
+            </a:extLst>
+          </p:cNvPr>
           <p:cNvSpPr>
             <a:spLocks noChangeArrowheads="1"/>
           </p:cNvSpPr>
@@ -12035,7 +15868,7 @@
             </a:pathLst>
           </a:custGeom>
           <a:solidFill>
-            <a:schemeClr val="accent1"/>
+            <a:schemeClr val="accent2"/>
           </a:solidFill>
           <a:ln>
             <a:noFill/>
@@ -12058,7 +15891,13 @@
       </p:sp>
       <p:sp>
         <p:nvSpPr>
-          <p:cNvPr id="99" name="Freeform 145"/>
+          <p:cNvPr id="15" name="Freeform 145">
+            <a:extLst>
+              <a:ext uri="{FF2B5EF4-FFF2-40B4-BE49-F238E27FC236}">
+                <a16:creationId xmlns:a16="http://schemas.microsoft.com/office/drawing/2014/main" id="{DC10A955-FBF1-2443-945E-58C59A7A98B1}"/>
+              </a:ext>
+            </a:extLst>
+          </p:cNvPr>
           <p:cNvSpPr>
             <a:spLocks noChangeArrowheads="1"/>
           </p:cNvSpPr>
@@ -12148,7 +15987,13 @@
       </p:sp>
       <p:sp>
         <p:nvSpPr>
-          <p:cNvPr id="100" name="Freeform 146"/>
+          <p:cNvPr id="16" name="Freeform 146">
+            <a:extLst>
+              <a:ext uri="{FF2B5EF4-FFF2-40B4-BE49-F238E27FC236}">
+                <a16:creationId xmlns:a16="http://schemas.microsoft.com/office/drawing/2014/main" id="{8FFB8CE2-D2FA-E74E-B6DB-8C4A273B2A4D}"/>
+              </a:ext>
+            </a:extLst>
+          </p:cNvPr>
           <p:cNvSpPr>
             <a:spLocks noChangeArrowheads="1"/>
           </p:cNvSpPr>
@@ -12249,7 +16094,7 @@
             </a:pathLst>
           </a:custGeom>
           <a:solidFill>
-            <a:schemeClr val="accent1"/>
+            <a:schemeClr val="accent2"/>
           </a:solidFill>
           <a:ln>
             <a:noFill/>
@@ -12266,7 +16111,13 @@
       </p:sp>
       <p:sp>
         <p:nvSpPr>
-          <p:cNvPr id="108" name="TextBox 107"/>
+          <p:cNvPr id="17" name="TextBox 107">
+            <a:extLst>
+              <a:ext uri="{FF2B5EF4-FFF2-40B4-BE49-F238E27FC236}">
+                <a16:creationId xmlns:a16="http://schemas.microsoft.com/office/drawing/2014/main" id="{5A0F7F77-B3DA-B848-BAF6-67177F50B496}"/>
+              </a:ext>
+            </a:extLst>
+          </p:cNvPr>
           <p:cNvSpPr txBox="1"/>
           <p:nvPr/>
         </p:nvSpPr>
@@ -12303,7 +16154,13 @@
       </p:sp>
       <p:sp>
         <p:nvSpPr>
-          <p:cNvPr id="109" name="TextBox 108"/>
+          <p:cNvPr id="18" name="TextBox 108">
+            <a:extLst>
+              <a:ext uri="{FF2B5EF4-FFF2-40B4-BE49-F238E27FC236}">
+                <a16:creationId xmlns:a16="http://schemas.microsoft.com/office/drawing/2014/main" id="{68BFA95F-BE6E-7D47-BA27-134A66040E67}"/>
+              </a:ext>
+            </a:extLst>
+          </p:cNvPr>
           <p:cNvSpPr txBox="1"/>
           <p:nvPr/>
         </p:nvSpPr>
@@ -12348,7 +16205,13 @@
       </p:sp>
       <p:sp>
         <p:nvSpPr>
-          <p:cNvPr id="110" name="Subtitle 2"/>
+          <p:cNvPr id="19" name="Subtitle 2">
+            <a:extLst>
+              <a:ext uri="{FF2B5EF4-FFF2-40B4-BE49-F238E27FC236}">
+                <a16:creationId xmlns:a16="http://schemas.microsoft.com/office/drawing/2014/main" id="{4F428030-1980-104C-ABBE-43E19AF07742}"/>
+              </a:ext>
+            </a:extLst>
+          </p:cNvPr>
           <p:cNvSpPr txBox="1">
             <a:spLocks/>
           </p:cNvSpPr>
@@ -12357,7 +16220,7 @@
         <p:spPr>
           <a:xfrm>
             <a:off x="2582053" y="2449711"/>
-            <a:ext cx="2711356" cy="786916"/>
+            <a:ext cx="2711356" cy="556084"/>
           </a:xfrm>
           <a:prstGeom prst="rect">
             <a:avLst/>
@@ -12550,14 +16413,20 @@
                 <a:ea typeface="Lato Light" charset="0"/>
                 <a:cs typeface="Lato Light" charset="0"/>
               </a:rPr>
-              <a:t>Bootstrap machines on AWS EC2 based on the supplied infrastructure definition</a:t>
+              <a:t>Pull required docker images on each host and prepare configuration files</a:t>
             </a:r>
           </a:p>
         </p:txBody>
       </p:sp>
       <p:sp>
         <p:nvSpPr>
-          <p:cNvPr id="112" name="Rectangle 111"/>
+          <p:cNvPr id="20" name="Rectangle 111">
+            <a:extLst>
+              <a:ext uri="{FF2B5EF4-FFF2-40B4-BE49-F238E27FC236}">
+                <a16:creationId xmlns:a16="http://schemas.microsoft.com/office/drawing/2014/main" id="{3A085F2C-B681-5642-B414-5D1D9EA81AC8}"/>
+              </a:ext>
+            </a:extLst>
+          </p:cNvPr>
           <p:cNvSpPr>
             <a:spLocks/>
           </p:cNvSpPr>
@@ -12577,14 +16446,14 @@
           </a:ln>
           <a:extLst>
             <a:ext uri="{909E8E84-426E-40dd-AFC4-6F175D3DCCD1}">
-              <a14:hiddenFill xmlns="" xmlns:a14="http://schemas.microsoft.com/office/drawing/2010/main">
+              <a14:hiddenFill xmlns:a14="http://schemas.microsoft.com/office/drawing/2010/main" xmlns="">
                 <a:solidFill>
                   <a:srgbClr val="FFFFFF"/>
                 </a:solidFill>
               </a14:hiddenFill>
             </a:ext>
             <a:ext uri="{91240B29-F687-4f45-9708-019B960494DF}">
-              <a14:hiddenLine xmlns="" xmlns:a14="http://schemas.microsoft.com/office/drawing/2010/main" w="12700">
+              <a14:hiddenLine xmlns:a14="http://schemas.microsoft.com/office/drawing/2010/main" xmlns="" w="12700">
                 <a:solidFill>
                   <a:schemeClr val="tx1"/>
                 </a:solidFill>
@@ -12613,17 +16482,17 @@
                 <a:cs typeface="Lato Black" charset="0"/>
                 <a:sym typeface="Bebas Neue" charset="0"/>
               </a:rPr>
-              <a:t>Bootstrap Machines</a:t>
+              <a:t>Prepare Files </a:t>
             </a:r>
           </a:p>
         </p:txBody>
       </p:sp>
       <p:sp>
         <p:nvSpPr>
-          <p:cNvPr id="37" name="Freeform 143">
+          <p:cNvPr id="21" name="Freeform 143">
             <a:extLst>
               <a:ext uri="{FF2B5EF4-FFF2-40B4-BE49-F238E27FC236}">
-                <a16:creationId xmlns:a16="http://schemas.microsoft.com/office/drawing/2014/main" id="{13C43D71-654E-774F-8131-8CE4276BFD02}"/>
+                <a16:creationId xmlns:a16="http://schemas.microsoft.com/office/drawing/2014/main" id="{8F910ADC-1C3E-B041-A733-C118FD64BE30}"/>
               </a:ext>
             </a:extLst>
           </p:cNvPr>
@@ -12744,10 +16613,10 @@
       </p:sp>
       <p:sp>
         <p:nvSpPr>
-          <p:cNvPr id="38" name="Freeform 144">
+          <p:cNvPr id="22" name="Freeform 144">
             <a:extLst>
               <a:ext uri="{FF2B5EF4-FFF2-40B4-BE49-F238E27FC236}">
-                <a16:creationId xmlns:a16="http://schemas.microsoft.com/office/drawing/2014/main" id="{E5157CF3-DE3C-C14D-B43F-B67276B4B3EA}"/>
+                <a16:creationId xmlns:a16="http://schemas.microsoft.com/office/drawing/2014/main" id="{7C09EC89-B7D3-854B-B91C-F72399C6F263}"/>
               </a:ext>
             </a:extLst>
           </p:cNvPr>
@@ -12881,7 +16750,7 @@
             </a:pathLst>
           </a:custGeom>
           <a:solidFill>
-            <a:schemeClr val="accent1"/>
+            <a:schemeClr val="accent2"/>
           </a:solidFill>
           <a:ln>
             <a:noFill/>
@@ -12904,10 +16773,10 @@
       </p:sp>
       <p:sp>
         <p:nvSpPr>
-          <p:cNvPr id="39" name="Freeform 145">
+          <p:cNvPr id="23" name="Freeform 145">
             <a:extLst>
               <a:ext uri="{FF2B5EF4-FFF2-40B4-BE49-F238E27FC236}">
-                <a16:creationId xmlns:a16="http://schemas.microsoft.com/office/drawing/2014/main" id="{BBED9F93-34EA-5241-8267-9E90C76EA849}"/>
+                <a16:creationId xmlns:a16="http://schemas.microsoft.com/office/drawing/2014/main" id="{C50F4BE9-C9CF-9649-BB28-0DCF74DD7625}"/>
               </a:ext>
             </a:extLst>
           </p:cNvPr>
@@ -13000,10 +16869,10 @@
       </p:sp>
       <p:sp>
         <p:nvSpPr>
-          <p:cNvPr id="43" name="Freeform 146">
+          <p:cNvPr id="24" name="Freeform 146">
             <a:extLst>
               <a:ext uri="{FF2B5EF4-FFF2-40B4-BE49-F238E27FC236}">
-                <a16:creationId xmlns:a16="http://schemas.microsoft.com/office/drawing/2014/main" id="{807E331B-6170-7A4F-B63F-AB1372C01F29}"/>
+                <a16:creationId xmlns:a16="http://schemas.microsoft.com/office/drawing/2014/main" id="{C882A495-413E-5D42-96AC-762C0CBBDEA2}"/>
               </a:ext>
             </a:extLst>
           </p:cNvPr>
@@ -13107,7 +16976,7 @@
             </a:pathLst>
           </a:custGeom>
           <a:solidFill>
-            <a:schemeClr val="accent1"/>
+            <a:schemeClr val="accent2"/>
           </a:solidFill>
           <a:ln>
             <a:noFill/>
@@ -13124,10 +16993,10 @@
       </p:sp>
       <p:sp>
         <p:nvSpPr>
-          <p:cNvPr id="44" name="TextBox 107">
+          <p:cNvPr id="25" name="TextBox 107">
             <a:extLst>
               <a:ext uri="{FF2B5EF4-FFF2-40B4-BE49-F238E27FC236}">
-                <a16:creationId xmlns:a16="http://schemas.microsoft.com/office/drawing/2014/main" id="{98915A8B-1F96-5142-97D1-DCC57BC0DADF}"/>
+                <a16:creationId xmlns:a16="http://schemas.microsoft.com/office/drawing/2014/main" id="{563AD4AF-F39F-C14F-9884-762F304E95E9}"/>
               </a:ext>
             </a:extLst>
           </p:cNvPr>
@@ -13167,10 +17036,10 @@
       </p:sp>
       <p:sp>
         <p:nvSpPr>
-          <p:cNvPr id="45" name="TextBox 108">
+          <p:cNvPr id="26" name="TextBox 108">
             <a:extLst>
               <a:ext uri="{FF2B5EF4-FFF2-40B4-BE49-F238E27FC236}">
-                <a16:creationId xmlns:a16="http://schemas.microsoft.com/office/drawing/2014/main" id="{200F488C-859C-834F-A69A-219BB090D82B}"/>
+                <a16:creationId xmlns:a16="http://schemas.microsoft.com/office/drawing/2014/main" id="{BAD3415C-3976-CD45-93B2-9FE5553B3C75}"/>
               </a:ext>
             </a:extLst>
           </p:cNvPr>
@@ -13218,10 +17087,10 @@
       </p:sp>
       <p:sp>
         <p:nvSpPr>
-          <p:cNvPr id="46" name="Subtitle 2">
+          <p:cNvPr id="27" name="Subtitle 2">
             <a:extLst>
               <a:ext uri="{FF2B5EF4-FFF2-40B4-BE49-F238E27FC236}">
-                <a16:creationId xmlns:a16="http://schemas.microsoft.com/office/drawing/2014/main" id="{6BE44C3F-3202-5648-A1AB-BF55F2EB2F91}"/>
+                <a16:creationId xmlns:a16="http://schemas.microsoft.com/office/drawing/2014/main" id="{C421F251-EE7B-8F4A-8E08-CA1844EC94A4}"/>
               </a:ext>
             </a:extLst>
           </p:cNvPr>
@@ -13233,7 +17102,7 @@
         <p:spPr>
           <a:xfrm>
             <a:off x="8057302" y="2451738"/>
-            <a:ext cx="2711356" cy="556084"/>
+            <a:ext cx="2711356" cy="325252"/>
           </a:xfrm>
           <a:prstGeom prst="rect">
             <a:avLst/>
@@ -13426,17 +17295,17 @@
                 <a:ea typeface="Lato Light" charset="0"/>
                 <a:cs typeface="Lato Light" charset="0"/>
               </a:rPr>
-              <a:t>Install the Node Agent on each machine</a:t>
+              <a:t>Start docker containers on each host</a:t>
             </a:r>
           </a:p>
         </p:txBody>
       </p:sp>
       <p:sp>
         <p:nvSpPr>
-          <p:cNvPr id="47" name="Rectangle 111">
+          <p:cNvPr id="28" name="Rectangle 111">
             <a:extLst>
               <a:ext uri="{FF2B5EF4-FFF2-40B4-BE49-F238E27FC236}">
-                <a16:creationId xmlns:a16="http://schemas.microsoft.com/office/drawing/2014/main" id="{5E9F10AD-E37F-794B-89E4-5327D6C52505}"/>
+                <a16:creationId xmlns:a16="http://schemas.microsoft.com/office/drawing/2014/main" id="{C14A016B-E582-334A-92EF-E960D61A3235}"/>
               </a:ext>
             </a:extLst>
           </p:cNvPr>
@@ -13459,14 +17328,14 @@
           </a:ln>
           <a:extLst>
             <a:ext uri="{909E8E84-426E-40dd-AFC4-6F175D3DCCD1}">
-              <a14:hiddenFill xmlns="" xmlns:a14="http://schemas.microsoft.com/office/drawing/2010/main">
+              <a14:hiddenFill xmlns:a14="http://schemas.microsoft.com/office/drawing/2010/main" xmlns="">
                 <a:solidFill>
                   <a:srgbClr val="FFFFFF"/>
                 </a:solidFill>
               </a14:hiddenFill>
             </a:ext>
             <a:ext uri="{91240B29-F687-4f45-9708-019B960494DF}">
-              <a14:hiddenLine xmlns="" xmlns:a14="http://schemas.microsoft.com/office/drawing/2010/main" w="12700">
+              <a14:hiddenLine xmlns:a14="http://schemas.microsoft.com/office/drawing/2010/main" xmlns="" w="12700">
                 <a:solidFill>
                   <a:schemeClr val="tx1"/>
                 </a:solidFill>
@@ -13495,17 +17364,17 @@
                 <a:cs typeface="Lato Black" charset="0"/>
                 <a:sym typeface="Bebas Neue" charset="0"/>
               </a:rPr>
-              <a:t>Install Node Agent</a:t>
+              <a:t>Start Containers</a:t>
             </a:r>
           </a:p>
         </p:txBody>
       </p:sp>
       <p:sp>
         <p:nvSpPr>
-          <p:cNvPr id="88" name="Freeform 143">
+          <p:cNvPr id="29" name="Freeform 143">
             <a:extLst>
               <a:ext uri="{FF2B5EF4-FFF2-40B4-BE49-F238E27FC236}">
-                <a16:creationId xmlns:a16="http://schemas.microsoft.com/office/drawing/2014/main" id="{0516EA4C-76C9-4041-88D2-56056AADFA55}"/>
+                <a16:creationId xmlns:a16="http://schemas.microsoft.com/office/drawing/2014/main" id="{57959AE1-AE2C-BC47-9366-1E2168654E2D}"/>
               </a:ext>
             </a:extLst>
           </p:cNvPr>
@@ -13626,10 +17495,10 @@
       </p:sp>
       <p:sp>
         <p:nvSpPr>
-          <p:cNvPr id="90" name="Freeform 144">
+          <p:cNvPr id="30" name="Freeform 144">
             <a:extLst>
               <a:ext uri="{FF2B5EF4-FFF2-40B4-BE49-F238E27FC236}">
-                <a16:creationId xmlns:a16="http://schemas.microsoft.com/office/drawing/2014/main" id="{B9E60521-BC93-4748-8ACC-D245F659D350}"/>
+                <a16:creationId xmlns:a16="http://schemas.microsoft.com/office/drawing/2014/main" id="{61CC237C-C58B-B94D-AE4E-CF3F718F5BC3}"/>
               </a:ext>
             </a:extLst>
           </p:cNvPr>
@@ -13763,7 +17632,7 @@
             </a:pathLst>
           </a:custGeom>
           <a:solidFill>
-            <a:schemeClr val="accent1"/>
+            <a:schemeClr val="accent2"/>
           </a:solidFill>
           <a:ln>
             <a:noFill/>
@@ -13786,10 +17655,10 @@
       </p:sp>
       <p:sp>
         <p:nvSpPr>
-          <p:cNvPr id="91" name="Freeform 145">
+          <p:cNvPr id="31" name="Freeform 145">
             <a:extLst>
               <a:ext uri="{FF2B5EF4-FFF2-40B4-BE49-F238E27FC236}">
-                <a16:creationId xmlns:a16="http://schemas.microsoft.com/office/drawing/2014/main" id="{E44A126E-0B6A-664B-B9BD-51C01A283A92}"/>
+                <a16:creationId xmlns:a16="http://schemas.microsoft.com/office/drawing/2014/main" id="{97509DF5-8D6D-0642-AE6A-1579FCDE631F}"/>
               </a:ext>
             </a:extLst>
           </p:cNvPr>
@@ -13882,10 +17751,10 @@
       </p:sp>
       <p:sp>
         <p:nvSpPr>
-          <p:cNvPr id="92" name="Freeform 146">
+          <p:cNvPr id="32" name="Freeform 146">
             <a:extLst>
               <a:ext uri="{FF2B5EF4-FFF2-40B4-BE49-F238E27FC236}">
-                <a16:creationId xmlns:a16="http://schemas.microsoft.com/office/drawing/2014/main" id="{67CD81E5-49AA-EA46-B092-CDBEDAF98364}"/>
+                <a16:creationId xmlns:a16="http://schemas.microsoft.com/office/drawing/2014/main" id="{879DCBC5-D210-2949-913C-439989920C2D}"/>
               </a:ext>
             </a:extLst>
           </p:cNvPr>
@@ -13989,7 +17858,7 @@
             </a:pathLst>
           </a:custGeom>
           <a:solidFill>
-            <a:schemeClr val="accent1"/>
+            <a:schemeClr val="accent2"/>
           </a:solidFill>
           <a:ln>
             <a:noFill/>
@@ -14006,10 +17875,10 @@
       </p:sp>
       <p:sp>
         <p:nvSpPr>
-          <p:cNvPr id="93" name="TextBox 107">
+          <p:cNvPr id="33" name="TextBox 107">
             <a:extLst>
               <a:ext uri="{FF2B5EF4-FFF2-40B4-BE49-F238E27FC236}">
-                <a16:creationId xmlns:a16="http://schemas.microsoft.com/office/drawing/2014/main" id="{3C37BF18-F680-474A-8755-6DB82B79113C}"/>
+                <a16:creationId xmlns:a16="http://schemas.microsoft.com/office/drawing/2014/main" id="{C32D8EAD-B80B-4A45-96AA-81EA56D63B17}"/>
               </a:ext>
             </a:extLst>
           </p:cNvPr>
@@ -14049,10 +17918,10 @@
       </p:sp>
       <p:sp>
         <p:nvSpPr>
-          <p:cNvPr id="94" name="TextBox 108">
+          <p:cNvPr id="34" name="TextBox 108">
             <a:extLst>
               <a:ext uri="{FF2B5EF4-FFF2-40B4-BE49-F238E27FC236}">
-                <a16:creationId xmlns:a16="http://schemas.microsoft.com/office/drawing/2014/main" id="{71F943D4-CCAC-9C42-A529-EA2FFCD3F1CA}"/>
+                <a16:creationId xmlns:a16="http://schemas.microsoft.com/office/drawing/2014/main" id="{524429C2-DFB3-4D43-B0F0-2AF522EBB7D9}"/>
               </a:ext>
             </a:extLst>
           </p:cNvPr>
@@ -14100,10 +17969,10 @@
       </p:sp>
       <p:sp>
         <p:nvSpPr>
-          <p:cNvPr id="95" name="Subtitle 2">
+          <p:cNvPr id="35" name="Subtitle 2">
             <a:extLst>
               <a:ext uri="{FF2B5EF4-FFF2-40B4-BE49-F238E27FC236}">
-                <a16:creationId xmlns:a16="http://schemas.microsoft.com/office/drawing/2014/main" id="{B6A657A6-2CF9-FE4E-BE97-4BD949D90DCE}"/>
+                <a16:creationId xmlns:a16="http://schemas.microsoft.com/office/drawing/2014/main" id="{FF9B28B9-FF83-924E-9405-5428A31B5ED3}"/>
               </a:ext>
             </a:extLst>
           </p:cNvPr>
@@ -14115,7 +17984,7 @@
         <p:spPr>
           <a:xfrm>
             <a:off x="8057302" y="3828234"/>
-            <a:ext cx="2711356" cy="786916"/>
+            <a:ext cx="2711356" cy="556084"/>
           </a:xfrm>
           <a:prstGeom prst="rect">
             <a:avLst/>
@@ -14308,17 +18177,17 @@
                 <a:ea typeface="Lato Light" charset="0"/>
                 <a:cs typeface="Lato Light" charset="0"/>
               </a:rPr>
-              <a:t>Destroy AWS infrastructure and clean up all related cloud and local resources</a:t>
+              <a:t>Collect logs and other outputted results</a:t>
             </a:r>
           </a:p>
         </p:txBody>
       </p:sp>
       <p:sp>
         <p:nvSpPr>
-          <p:cNvPr id="96" name="Rectangle 111">
+          <p:cNvPr id="36" name="Rectangle 111">
             <a:extLst>
               <a:ext uri="{FF2B5EF4-FFF2-40B4-BE49-F238E27FC236}">
-                <a16:creationId xmlns:a16="http://schemas.microsoft.com/office/drawing/2014/main" id="{DC88B852-65AB-2548-BF32-88D05F500675}"/>
+                <a16:creationId xmlns:a16="http://schemas.microsoft.com/office/drawing/2014/main" id="{4E9E360E-2555-1041-8118-C8296E07B022}"/>
               </a:ext>
             </a:extLst>
           </p:cNvPr>
@@ -14341,14 +18210,14 @@
           </a:ln>
           <a:extLst>
             <a:ext uri="{909E8E84-426E-40dd-AFC4-6F175D3DCCD1}">
-              <a14:hiddenFill xmlns="" xmlns:a14="http://schemas.microsoft.com/office/drawing/2010/main">
+              <a14:hiddenFill xmlns:a14="http://schemas.microsoft.com/office/drawing/2010/main" xmlns="">
                 <a:solidFill>
                   <a:srgbClr val="FFFFFF"/>
                 </a:solidFill>
               </a14:hiddenFill>
             </a:ext>
             <a:ext uri="{91240B29-F687-4f45-9708-019B960494DF}">
-              <a14:hiddenLine xmlns="" xmlns:a14="http://schemas.microsoft.com/office/drawing/2010/main" w="12700">
+              <a14:hiddenLine xmlns:a14="http://schemas.microsoft.com/office/drawing/2010/main" xmlns="" w="12700">
                 <a:solidFill>
                   <a:schemeClr val="tx1"/>
                 </a:solidFill>
@@ -14377,17 +18246,17 @@
                 <a:cs typeface="Lato Black" charset="0"/>
                 <a:sym typeface="Bebas Neue" charset="0"/>
               </a:rPr>
-              <a:t>Destroy and Clean up</a:t>
+              <a:t>Collect Results</a:t>
             </a:r>
           </a:p>
         </p:txBody>
       </p:sp>
       <p:sp>
         <p:nvSpPr>
-          <p:cNvPr id="97" name="Freeform 143">
+          <p:cNvPr id="37" name="Freeform 143">
             <a:extLst>
               <a:ext uri="{FF2B5EF4-FFF2-40B4-BE49-F238E27FC236}">
-                <a16:creationId xmlns:a16="http://schemas.microsoft.com/office/drawing/2014/main" id="{29975D47-3FC1-4F4A-AC9C-854AA5E3BAE4}"/>
+                <a16:creationId xmlns:a16="http://schemas.microsoft.com/office/drawing/2014/main" id="{CC678D38-BA18-9449-8CD4-6F4089AEADF6}"/>
               </a:ext>
             </a:extLst>
           </p:cNvPr>
@@ -14508,10 +18377,10 @@
       </p:sp>
       <p:sp>
         <p:nvSpPr>
-          <p:cNvPr id="101" name="Freeform 144">
+          <p:cNvPr id="38" name="Freeform 144">
             <a:extLst>
               <a:ext uri="{FF2B5EF4-FFF2-40B4-BE49-F238E27FC236}">
-                <a16:creationId xmlns:a16="http://schemas.microsoft.com/office/drawing/2014/main" id="{7330A366-F17A-374F-A44E-1F850A304214}"/>
+                <a16:creationId xmlns:a16="http://schemas.microsoft.com/office/drawing/2014/main" id="{3C0EB066-9130-AB46-AB18-115AFAA589AA}"/>
               </a:ext>
             </a:extLst>
           </p:cNvPr>
@@ -14645,7 +18514,7 @@
             </a:pathLst>
           </a:custGeom>
           <a:solidFill>
-            <a:schemeClr val="accent1"/>
+            <a:schemeClr val="accent2"/>
           </a:solidFill>
           <a:ln>
             <a:noFill/>
@@ -14668,10 +18537,10 @@
       </p:sp>
       <p:sp>
         <p:nvSpPr>
-          <p:cNvPr id="102" name="Freeform 145">
+          <p:cNvPr id="39" name="Freeform 145">
             <a:extLst>
               <a:ext uri="{FF2B5EF4-FFF2-40B4-BE49-F238E27FC236}">
-                <a16:creationId xmlns:a16="http://schemas.microsoft.com/office/drawing/2014/main" id="{77027C6A-5BDF-9C4B-82AF-0EDDEEC7EB16}"/>
+                <a16:creationId xmlns:a16="http://schemas.microsoft.com/office/drawing/2014/main" id="{91690985-F64E-4740-B187-F9901D1CD1BC}"/>
               </a:ext>
             </a:extLst>
           </p:cNvPr>
@@ -14764,10 +18633,10 @@
       </p:sp>
       <p:sp>
         <p:nvSpPr>
-          <p:cNvPr id="103" name="Freeform 146">
+          <p:cNvPr id="43" name="Freeform 146">
             <a:extLst>
               <a:ext uri="{FF2B5EF4-FFF2-40B4-BE49-F238E27FC236}">
-                <a16:creationId xmlns:a16="http://schemas.microsoft.com/office/drawing/2014/main" id="{DC873CD1-A5AB-C44C-BC5A-25E506A84408}"/>
+                <a16:creationId xmlns:a16="http://schemas.microsoft.com/office/drawing/2014/main" id="{4CF99059-418F-5042-9CAA-3973AA85A8BE}"/>
               </a:ext>
             </a:extLst>
           </p:cNvPr>
@@ -14871,7 +18740,7 @@
             </a:pathLst>
           </a:custGeom>
           <a:solidFill>
-            <a:schemeClr val="accent1"/>
+            <a:schemeClr val="accent2"/>
           </a:solidFill>
           <a:ln>
             <a:noFill/>
@@ -14888,10 +18757,10 @@
       </p:sp>
       <p:sp>
         <p:nvSpPr>
-          <p:cNvPr id="104" name="TextBox 107">
+          <p:cNvPr id="44" name="TextBox 107">
             <a:extLst>
               <a:ext uri="{FF2B5EF4-FFF2-40B4-BE49-F238E27FC236}">
-                <a16:creationId xmlns:a16="http://schemas.microsoft.com/office/drawing/2014/main" id="{8A7BE02A-8348-FE41-B163-1CD4D8AD327D}"/>
+                <a16:creationId xmlns:a16="http://schemas.microsoft.com/office/drawing/2014/main" id="{9B490573-99C9-E44B-BEB1-5A553DCE6A19}"/>
               </a:ext>
             </a:extLst>
           </p:cNvPr>
@@ -14931,10 +18800,10 @@
       </p:sp>
       <p:sp>
         <p:nvSpPr>
-          <p:cNvPr id="105" name="TextBox 108">
+          <p:cNvPr id="45" name="TextBox 108">
             <a:extLst>
               <a:ext uri="{FF2B5EF4-FFF2-40B4-BE49-F238E27FC236}">
-                <a16:creationId xmlns:a16="http://schemas.microsoft.com/office/drawing/2014/main" id="{B5A64A33-A236-A047-9A2E-4177C9A6284F}"/>
+                <a16:creationId xmlns:a16="http://schemas.microsoft.com/office/drawing/2014/main" id="{99E63A9F-0BCD-844E-96DF-4639CFF2F104}"/>
               </a:ext>
             </a:extLst>
           </p:cNvPr>
@@ -14982,10 +18851,10 @@
       </p:sp>
       <p:sp>
         <p:nvSpPr>
-          <p:cNvPr id="106" name="Subtitle 2">
+          <p:cNvPr id="46" name="Subtitle 2">
             <a:extLst>
               <a:ext uri="{FF2B5EF4-FFF2-40B4-BE49-F238E27FC236}">
-                <a16:creationId xmlns:a16="http://schemas.microsoft.com/office/drawing/2014/main" id="{63EAD000-A084-FB4B-81CF-27AE36CFBAE9}"/>
+                <a16:creationId xmlns:a16="http://schemas.microsoft.com/office/drawing/2014/main" id="{4C60129D-7B12-0541-8F29-3EA90CF3E46D}"/>
               </a:ext>
             </a:extLst>
           </p:cNvPr>
@@ -14997,7 +18866,7 @@
         <p:spPr>
           <a:xfrm>
             <a:off x="2578859" y="3828234"/>
-            <a:ext cx="2711356" cy="786916"/>
+            <a:ext cx="2711356" cy="325252"/>
           </a:xfrm>
           <a:prstGeom prst="rect">
             <a:avLst/>
@@ -15190,17 +19059,17 @@
                 <a:ea typeface="Lato Light" charset="0"/>
                 <a:cs typeface="Lato Light" charset="0"/>
               </a:rPr>
-              <a:t>Apply the initial network and machines manipulations based on the supplied infrastructure definition</a:t>
+              <a:t>Stop docker containers on each host</a:t>
             </a:r>
           </a:p>
         </p:txBody>
       </p:sp>
       <p:sp>
         <p:nvSpPr>
-          <p:cNvPr id="107" name="Rectangle 111">
+          <p:cNvPr id="47" name="Rectangle 111">
             <a:extLst>
               <a:ext uri="{FF2B5EF4-FFF2-40B4-BE49-F238E27FC236}">
-                <a16:creationId xmlns:a16="http://schemas.microsoft.com/office/drawing/2014/main" id="{3C0039C1-962D-4A4E-822C-03F8818C6DCD}"/>
+                <a16:creationId xmlns:a16="http://schemas.microsoft.com/office/drawing/2014/main" id="{470F8F0A-99B2-4B45-87BA-A0BF69279C3A}"/>
               </a:ext>
             </a:extLst>
           </p:cNvPr>
@@ -15223,14 +19092,14 @@
           </a:ln>
           <a:extLst>
             <a:ext uri="{909E8E84-426E-40dd-AFC4-6F175D3DCCD1}">
-              <a14:hiddenFill xmlns="" xmlns:a14="http://schemas.microsoft.com/office/drawing/2010/main">
+              <a14:hiddenFill xmlns:a14="http://schemas.microsoft.com/office/drawing/2010/main" xmlns="">
                 <a:solidFill>
                   <a:srgbClr val="FFFFFF"/>
                 </a:solidFill>
               </a14:hiddenFill>
             </a:ext>
             <a:ext uri="{91240B29-F687-4f45-9708-019B960494DF}">
-              <a14:hiddenLine xmlns="" xmlns:a14="http://schemas.microsoft.com/office/drawing/2010/main" w="12700">
+              <a14:hiddenLine xmlns:a14="http://schemas.microsoft.com/office/drawing/2010/main" xmlns="" w="12700">
                 <a:solidFill>
                   <a:schemeClr val="tx1"/>
                 </a:solidFill>
@@ -15259,1177 +19128,7 @@
                 <a:cs typeface="Lato Black" charset="0"/>
                 <a:sym typeface="Bebas Neue" charset="0"/>
               </a:rPr>
-              <a:t>Apply Manipulations</a:t>
-            </a:r>
-          </a:p>
-        </p:txBody>
-      </p:sp>
-    </p:spTree>
-    <p:extLst>
-      <p:ext uri="{BB962C8B-B14F-4D97-AF65-F5344CB8AC3E}">
-        <p14:creationId xmlns:p14="http://schemas.microsoft.com/office/powerpoint/2010/main" val="507364541"/>
-      </p:ext>
-    </p:extLst>
-  </p:cSld>
-  <p:clrMapOvr>
-    <a:masterClrMapping/>
-  </p:clrMapOvr>
-  <mc:AlternateContent xmlns:mc="http://schemas.openxmlformats.org/markup-compatibility/2006" xmlns:p14="http://schemas.microsoft.com/office/powerpoint/2010/main">
-    <mc:Choice Requires="p14">
-      <p:transition p14:dur="0" advClick="0"/>
-    </mc:Choice>
-    <mc:Fallback xmlns="">
-      <p:transition advClick="0"/>
-    </mc:Fallback>
-  </mc:AlternateContent>
-</p:sld>
-</file>
-
-<file path=ppt/slides/slide4.xml><?xml version="1.0" encoding="utf-8"?>
-<p:sld xmlns:a="http://schemas.openxmlformats.org/drawingml/2006/main" xmlns:r="http://schemas.openxmlformats.org/officeDocument/2006/relationships" xmlns:p="http://schemas.openxmlformats.org/presentationml/2006/main">
-  <p:cSld>
-    <p:spTree>
-      <p:nvGrpSpPr>
-        <p:cNvPr id="1" name=""/>
-        <p:cNvGrpSpPr/>
-        <p:nvPr/>
-      </p:nvGrpSpPr>
-      <p:grpSpPr>
-        <a:xfrm>
-          <a:off x="0" y="0"/>
-          <a:ext cx="0" cy="0"/>
-          <a:chOff x="0" y="0"/>
-          <a:chExt cx="0" cy="0"/>
-        </a:xfrm>
-      </p:grpSpPr>
-      <p:sp>
-        <p:nvSpPr>
-          <p:cNvPr id="40" name="TextBox 39"/>
-          <p:cNvSpPr txBox="1"/>
-          <p:nvPr/>
-        </p:nvSpPr>
-        <p:spPr>
-          <a:xfrm>
-            <a:off x="4047088" y="241509"/>
-            <a:ext cx="4097835" cy="723267"/>
-          </a:xfrm>
-          <a:prstGeom prst="rect">
-            <a:avLst/>
-          </a:prstGeom>
-          <a:noFill/>
-        </p:spPr>
-        <p:txBody>
-          <a:bodyPr wrap="none" lIns="45711" tIns="22856" rIns="45711" bIns="22856" rtlCol="0">
-            <a:spAutoFit/>
-          </a:bodyPr>
-          <a:lstStyle/>
-          <a:p>
-            <a:pPr algn="ctr"/>
-            <a:r>
-              <a:rPr lang="en-US" sz="4400" b="1" dirty="0">
-                <a:solidFill>
-                  <a:schemeClr val="tx2"/>
-                </a:solidFill>
-                <a:latin typeface="Lato" charset="0"/>
-                <a:ea typeface="Lato" charset="0"/>
-                <a:cs typeface="Lato" charset="0"/>
-              </a:rPr>
-              <a:t>Phases in Stage 2</a:t>
-            </a:r>
-            <a:endParaRPr lang="id-ID" sz="4400" b="1" dirty="0">
-              <a:solidFill>
-                <a:schemeClr val="tx2"/>
-              </a:solidFill>
-              <a:latin typeface="Lato" charset="0"/>
-              <a:ea typeface="Lato" charset="0"/>
-              <a:cs typeface="Lato" charset="0"/>
-            </a:endParaRPr>
-          </a:p>
-        </p:txBody>
-      </p:sp>
-      <p:sp>
-        <p:nvSpPr>
-          <p:cNvPr id="41" name="Rectangle 40"/>
-          <p:cNvSpPr/>
-          <p:nvPr/>
-        </p:nvSpPr>
-        <p:spPr>
-          <a:xfrm>
-            <a:off x="5718037" y="1235334"/>
-            <a:ext cx="776519" cy="45719"/>
-          </a:xfrm>
-          <a:prstGeom prst="rect">
-            <a:avLst/>
-          </a:prstGeom>
-          <a:solidFill>
-            <a:schemeClr val="tx2"/>
-          </a:solidFill>
-          <a:ln>
-            <a:noFill/>
-          </a:ln>
-          <a:effectLst/>
-        </p:spPr>
-        <p:style>
-          <a:lnRef idx="1">
-            <a:schemeClr val="accent1"/>
-          </a:lnRef>
-          <a:fillRef idx="3">
-            <a:schemeClr val="accent1"/>
-          </a:fillRef>
-          <a:effectRef idx="2">
-            <a:schemeClr val="accent1"/>
-          </a:effectRef>
-          <a:fontRef idx="minor">
-            <a:schemeClr val="lt1"/>
-          </a:fontRef>
-        </p:style>
-        <p:txBody>
-          <a:bodyPr lIns="45670" tIns="22836" rIns="45670" bIns="22836" rtlCol="0" anchor="ctr"/>
-          <a:lstStyle/>
-          <a:p>
-            <a:pPr algn="ctr"/>
-            <a:endParaRPr lang="en-US" sz="900" dirty="0">
-              <a:solidFill>
-                <a:schemeClr val="accent2"/>
-              </a:solidFill>
-              <a:latin typeface="Lato Light" charset="0"/>
-            </a:endParaRPr>
-          </a:p>
-        </p:txBody>
-      </p:sp>
-      <p:sp>
-        <p:nvSpPr>
-          <p:cNvPr id="42" name="Subtitle 2"/>
-          <p:cNvSpPr txBox="1">
-            <a:spLocks/>
-          </p:cNvSpPr>
-          <p:nvPr/>
-        </p:nvSpPr>
-        <p:spPr>
-          <a:xfrm>
-            <a:off x="4978913" y="817417"/>
-            <a:ext cx="2254787" cy="376997"/>
-          </a:xfrm>
-          <a:prstGeom prst="rect">
-            <a:avLst/>
-          </a:prstGeom>
-        </p:spPr>
-        <p:txBody>
-          <a:bodyPr vert="horz" wrap="none" lIns="108745" tIns="54373" rIns="108745" bIns="54373" rtlCol="0">
-            <a:spAutoFit/>
-          </a:bodyPr>
-          <a:lstStyle>
-            <a:lvl1pPr marL="0" indent="0" algn="ctr" defTabSz="1087636" rtl="0" eaLnBrk="1" latinLnBrk="0" hangingPunct="1">
-              <a:lnSpc>
-                <a:spcPct val="120000"/>
-              </a:lnSpc>
-              <a:spcBef>
-                <a:spcPct val="20000"/>
-              </a:spcBef>
-              <a:buFont typeface="Arial"/>
-              <a:buNone/>
-              <a:defRPr sz="2400" kern="1200">
-                <a:solidFill>
-                  <a:schemeClr val="tx2"/>
-                </a:solidFill>
-                <a:latin typeface="Open Sans Light"/>
-                <a:ea typeface="+mn-ea"/>
-                <a:cs typeface="Open Sans Light"/>
-              </a:defRPr>
-            </a:lvl1pPr>
-            <a:lvl2pPr marL="1087636" indent="0" algn="ctr" defTabSz="1087636" rtl="0" eaLnBrk="1" latinLnBrk="0" hangingPunct="1">
-              <a:lnSpc>
-                <a:spcPct val="130000"/>
-              </a:lnSpc>
-              <a:spcBef>
-                <a:spcPct val="20000"/>
-              </a:spcBef>
-              <a:buFont typeface="Arial"/>
-              <a:buNone/>
-              <a:defRPr sz="3200" kern="1200">
-                <a:solidFill>
-                  <a:schemeClr val="tx1">
-                    <a:tint val="75000"/>
-                  </a:schemeClr>
-                </a:solidFill>
-                <a:latin typeface="Open Sans"/>
-                <a:ea typeface="+mn-ea"/>
-                <a:cs typeface="Open Sans"/>
-              </a:defRPr>
-            </a:lvl2pPr>
-            <a:lvl3pPr marL="2175271" indent="0" algn="ctr" defTabSz="1087636" rtl="0" eaLnBrk="1" latinLnBrk="0" hangingPunct="1">
-              <a:lnSpc>
-                <a:spcPct val="130000"/>
-              </a:lnSpc>
-              <a:spcBef>
-                <a:spcPct val="20000"/>
-              </a:spcBef>
-              <a:buFont typeface="Arial"/>
-              <a:buNone/>
-              <a:defRPr sz="3200" kern="1200">
-                <a:solidFill>
-                  <a:schemeClr val="tx1">
-                    <a:tint val="75000"/>
-                  </a:schemeClr>
-                </a:solidFill>
-                <a:latin typeface="Open Sans"/>
-                <a:ea typeface="+mn-ea"/>
-                <a:cs typeface="Open Sans"/>
-              </a:defRPr>
-            </a:lvl3pPr>
-            <a:lvl4pPr marL="3262912" indent="0" algn="ctr" defTabSz="1087636" rtl="0" eaLnBrk="1" latinLnBrk="0" hangingPunct="1">
-              <a:lnSpc>
-                <a:spcPct val="130000"/>
-              </a:lnSpc>
-              <a:spcBef>
-                <a:spcPct val="20000"/>
-              </a:spcBef>
-              <a:buFont typeface="Arial"/>
-              <a:buNone/>
-              <a:defRPr sz="3200" kern="1200">
-                <a:solidFill>
-                  <a:schemeClr val="tx1">
-                    <a:tint val="75000"/>
-                  </a:schemeClr>
-                </a:solidFill>
-                <a:latin typeface="Open Sans"/>
-                <a:ea typeface="+mn-ea"/>
-                <a:cs typeface="Open Sans"/>
-              </a:defRPr>
-            </a:lvl4pPr>
-            <a:lvl5pPr marL="4350546" indent="0" algn="ctr" defTabSz="1087636" rtl="0" eaLnBrk="1" latinLnBrk="0" hangingPunct="1">
-              <a:lnSpc>
-                <a:spcPct val="130000"/>
-              </a:lnSpc>
-              <a:spcBef>
-                <a:spcPct val="20000"/>
-              </a:spcBef>
-              <a:buFont typeface="Arial"/>
-              <a:buNone/>
-              <a:defRPr sz="3200" kern="1200">
-                <a:solidFill>
-                  <a:schemeClr val="tx1">
-                    <a:tint val="75000"/>
-                  </a:schemeClr>
-                </a:solidFill>
-                <a:latin typeface="Open Sans"/>
-                <a:ea typeface="+mn-ea"/>
-                <a:cs typeface="Open Sans"/>
-              </a:defRPr>
-            </a:lvl5pPr>
-            <a:lvl6pPr marL="5438184" indent="0" algn="ctr" defTabSz="1087636" rtl="0" eaLnBrk="1" latinLnBrk="0" hangingPunct="1">
-              <a:spcBef>
-                <a:spcPct val="20000"/>
-              </a:spcBef>
-              <a:buFont typeface="Arial"/>
-              <a:buNone/>
-              <a:defRPr sz="4800" kern="1200">
-                <a:solidFill>
-                  <a:schemeClr val="tx1">
-                    <a:tint val="75000"/>
-                  </a:schemeClr>
-                </a:solidFill>
-                <a:latin typeface="+mn-lt"/>
-                <a:ea typeface="+mn-ea"/>
-                <a:cs typeface="+mn-cs"/>
-              </a:defRPr>
-            </a:lvl6pPr>
-            <a:lvl7pPr marL="6525820" indent="0" algn="ctr" defTabSz="1087636" rtl="0" eaLnBrk="1" latinLnBrk="0" hangingPunct="1">
-              <a:spcBef>
-                <a:spcPct val="20000"/>
-              </a:spcBef>
-              <a:buFont typeface="Arial"/>
-              <a:buNone/>
-              <a:defRPr sz="4800" kern="1200">
-                <a:solidFill>
-                  <a:schemeClr val="tx1">
-                    <a:tint val="75000"/>
-                  </a:schemeClr>
-                </a:solidFill>
-                <a:latin typeface="+mn-lt"/>
-                <a:ea typeface="+mn-ea"/>
-                <a:cs typeface="+mn-cs"/>
-              </a:defRPr>
-            </a:lvl7pPr>
-            <a:lvl8pPr marL="7613455" indent="0" algn="ctr" defTabSz="1087636" rtl="0" eaLnBrk="1" latinLnBrk="0" hangingPunct="1">
-              <a:spcBef>
-                <a:spcPct val="20000"/>
-              </a:spcBef>
-              <a:buFont typeface="Arial"/>
-              <a:buNone/>
-              <a:defRPr sz="4800" kern="1200">
-                <a:solidFill>
-                  <a:schemeClr val="tx1">
-                    <a:tint val="75000"/>
-                  </a:schemeClr>
-                </a:solidFill>
-                <a:latin typeface="+mn-lt"/>
-                <a:ea typeface="+mn-ea"/>
-                <a:cs typeface="+mn-cs"/>
-              </a:defRPr>
-            </a:lvl8pPr>
-            <a:lvl9pPr marL="8701091" indent="0" algn="ctr" defTabSz="1087636" rtl="0" eaLnBrk="1" latinLnBrk="0" hangingPunct="1">
-              <a:spcBef>
-                <a:spcPct val="20000"/>
-              </a:spcBef>
-              <a:buFont typeface="Arial"/>
-              <a:buNone/>
-              <a:defRPr sz="4800" kern="1200">
-                <a:solidFill>
-                  <a:schemeClr val="tx1">
-                    <a:tint val="75000"/>
-                  </a:schemeClr>
-                </a:solidFill>
-                <a:latin typeface="+mn-lt"/>
-                <a:ea typeface="+mn-ea"/>
-                <a:cs typeface="+mn-cs"/>
-              </a:defRPr>
-            </a:lvl9pPr>
-          </a:lstStyle>
-          <a:p>
-            <a:r>
-              <a:rPr lang="en-US" sz="1550" dirty="0">
-                <a:solidFill>
-                  <a:schemeClr val="accent2"/>
-                </a:solidFill>
-                <a:latin typeface="Lato Light"/>
-                <a:cs typeface="Lato Light"/>
-              </a:rPr>
-              <a:t>Application Management</a:t>
-            </a:r>
-          </a:p>
-        </p:txBody>
-      </p:sp>
-      <p:sp>
-        <p:nvSpPr>
-          <p:cNvPr id="72" name="Freeform 143"/>
-          <p:cNvSpPr>
-            <a:spLocks noChangeArrowheads="1"/>
-          </p:cNvSpPr>
-          <p:nvPr/>
-        </p:nvSpPr>
-        <p:spPr bwMode="auto">
-          <a:xfrm>
-            <a:off x="6756116" y="2131768"/>
-            <a:ext cx="4012542" cy="1109214"/>
-          </a:xfrm>
-          <a:custGeom>
-            <a:avLst/>
-            <a:gdLst>
-              <a:gd name="T0" fmla="*/ 283 w 15344"/>
-              <a:gd name="T1" fmla="*/ 0 h 4244"/>
-              <a:gd name="T2" fmla="*/ 283 w 15344"/>
-              <a:gd name="T3" fmla="*/ 0 h 4244"/>
-              <a:gd name="T4" fmla="*/ 0 w 15344"/>
-              <a:gd name="T5" fmla="*/ 282 h 4244"/>
-              <a:gd name="T6" fmla="*/ 0 w 15344"/>
-              <a:gd name="T7" fmla="*/ 3951 h 4244"/>
-              <a:gd name="T8" fmla="*/ 283 w 15344"/>
-              <a:gd name="T9" fmla="*/ 4243 h 4244"/>
-              <a:gd name="T10" fmla="*/ 15343 w 15344"/>
-              <a:gd name="T11" fmla="*/ 4243 h 4244"/>
-              <a:gd name="T12" fmla="*/ 15343 w 15344"/>
-              <a:gd name="T13" fmla="*/ 0 h 4244"/>
-              <a:gd name="T14" fmla="*/ 283 w 15344"/>
-              <a:gd name="T15" fmla="*/ 0 h 4244"/>
-            </a:gdLst>
-            <a:ahLst/>
-            <a:cxnLst>
-              <a:cxn ang="0">
-                <a:pos x="T0" y="T1"/>
-              </a:cxn>
-              <a:cxn ang="0">
-                <a:pos x="T2" y="T3"/>
-              </a:cxn>
-              <a:cxn ang="0">
-                <a:pos x="T4" y="T5"/>
-              </a:cxn>
-              <a:cxn ang="0">
-                <a:pos x="T6" y="T7"/>
-              </a:cxn>
-              <a:cxn ang="0">
-                <a:pos x="T8" y="T9"/>
-              </a:cxn>
-              <a:cxn ang="0">
-                <a:pos x="T10" y="T11"/>
-              </a:cxn>
-              <a:cxn ang="0">
-                <a:pos x="T12" y="T13"/>
-              </a:cxn>
-              <a:cxn ang="0">
-                <a:pos x="T14" y="T15"/>
-              </a:cxn>
-            </a:cxnLst>
-            <a:rect l="0" t="0" r="r" b="b"/>
-            <a:pathLst>
-              <a:path w="15344" h="4244">
-                <a:moveTo>
-                  <a:pt x="283" y="0"/>
-                </a:moveTo>
-                <a:lnTo>
-                  <a:pt x="283" y="0"/>
-                </a:lnTo>
-                <a:cubicBezTo>
-                  <a:pt x="129" y="0"/>
-                  <a:pt x="0" y="128"/>
-                  <a:pt x="0" y="282"/>
-                </a:cubicBezTo>
-                <a:cubicBezTo>
-                  <a:pt x="0" y="3951"/>
-                  <a:pt x="0" y="3951"/>
-                  <a:pt x="0" y="3951"/>
-                </a:cubicBezTo>
-                <a:cubicBezTo>
-                  <a:pt x="0" y="4114"/>
-                  <a:pt x="129" y="4243"/>
-                  <a:pt x="283" y="4243"/>
-                </a:cubicBezTo>
-                <a:cubicBezTo>
-                  <a:pt x="15343" y="4243"/>
-                  <a:pt x="15343" y="4243"/>
-                  <a:pt x="15343" y="4243"/>
-                </a:cubicBezTo>
-                <a:cubicBezTo>
-                  <a:pt x="15343" y="0"/>
-                  <a:pt x="15343" y="0"/>
-                  <a:pt x="15343" y="0"/>
-                </a:cubicBezTo>
-                <a:lnTo>
-                  <a:pt x="283" y="0"/>
-                </a:lnTo>
-              </a:path>
-            </a:pathLst>
-          </a:custGeom>
-          <a:solidFill>
-            <a:schemeClr val="bg1">
-              <a:lumMod val="95000"/>
-            </a:schemeClr>
-          </a:solidFill>
-          <a:ln>
-            <a:noFill/>
-          </a:ln>
-          <a:effectLst/>
-        </p:spPr>
-        <p:txBody>
-          <a:bodyPr wrap="none" anchor="ctr"/>
-          <a:lstStyle/>
-          <a:p>
-            <a:endParaRPr lang="en-US" sz="3599"/>
-          </a:p>
-        </p:txBody>
-      </p:sp>
-      <p:sp>
-        <p:nvSpPr>
-          <p:cNvPr id="73" name="Freeform 144"/>
-          <p:cNvSpPr>
-            <a:spLocks noChangeArrowheads="1"/>
-          </p:cNvSpPr>
-          <p:nvPr/>
-        </p:nvSpPr>
-        <p:spPr bwMode="auto">
-          <a:xfrm>
-            <a:off x="7054329" y="2053872"/>
-            <a:ext cx="928189" cy="1013513"/>
-          </a:xfrm>
-          <a:custGeom>
-            <a:avLst/>
-            <a:gdLst>
-              <a:gd name="T0" fmla="*/ 3240 w 3550"/>
-              <a:gd name="T1" fmla="*/ 0 h 3876"/>
-              <a:gd name="T2" fmla="*/ 3240 w 3550"/>
-              <a:gd name="T3" fmla="*/ 0 h 3876"/>
-              <a:gd name="T4" fmla="*/ 300 w 3550"/>
-              <a:gd name="T5" fmla="*/ 0 h 3876"/>
-              <a:gd name="T6" fmla="*/ 0 w 3550"/>
-              <a:gd name="T7" fmla="*/ 0 h 3876"/>
-              <a:gd name="T8" fmla="*/ 300 w 3550"/>
-              <a:gd name="T9" fmla="*/ 300 h 3876"/>
-              <a:gd name="T10" fmla="*/ 300 w 3550"/>
-              <a:gd name="T11" fmla="*/ 3695 h 3876"/>
-              <a:gd name="T12" fmla="*/ 489 w 3550"/>
-              <a:gd name="T13" fmla="*/ 3875 h 3876"/>
-              <a:gd name="T14" fmla="*/ 3360 w 3550"/>
-              <a:gd name="T15" fmla="*/ 3875 h 3876"/>
-              <a:gd name="T16" fmla="*/ 3549 w 3550"/>
-              <a:gd name="T17" fmla="*/ 3695 h 3876"/>
-              <a:gd name="T18" fmla="*/ 3549 w 3550"/>
-              <a:gd name="T19" fmla="*/ 300 h 3876"/>
-              <a:gd name="T20" fmla="*/ 3240 w 3550"/>
-              <a:gd name="T21" fmla="*/ 0 h 3876"/>
-            </a:gdLst>
-            <a:ahLst/>
-            <a:cxnLst>
-              <a:cxn ang="0">
-                <a:pos x="T0" y="T1"/>
-              </a:cxn>
-              <a:cxn ang="0">
-                <a:pos x="T2" y="T3"/>
-              </a:cxn>
-              <a:cxn ang="0">
-                <a:pos x="T4" y="T5"/>
-              </a:cxn>
-              <a:cxn ang="0">
-                <a:pos x="T6" y="T7"/>
-              </a:cxn>
-              <a:cxn ang="0">
-                <a:pos x="T8" y="T9"/>
-              </a:cxn>
-              <a:cxn ang="0">
-                <a:pos x="T10" y="T11"/>
-              </a:cxn>
-              <a:cxn ang="0">
-                <a:pos x="T12" y="T13"/>
-              </a:cxn>
-              <a:cxn ang="0">
-                <a:pos x="T14" y="T15"/>
-              </a:cxn>
-              <a:cxn ang="0">
-                <a:pos x="T16" y="T17"/>
-              </a:cxn>
-              <a:cxn ang="0">
-                <a:pos x="T18" y="T19"/>
-              </a:cxn>
-              <a:cxn ang="0">
-                <a:pos x="T20" y="T21"/>
-              </a:cxn>
-            </a:cxnLst>
-            <a:rect l="0" t="0" r="r" b="b"/>
-            <a:pathLst>
-              <a:path w="3550" h="3876">
-                <a:moveTo>
-                  <a:pt x="3240" y="0"/>
-                </a:moveTo>
-                <a:lnTo>
-                  <a:pt x="3240" y="0"/>
-                </a:lnTo>
-                <a:cubicBezTo>
-                  <a:pt x="300" y="0"/>
-                  <a:pt x="300" y="0"/>
-                  <a:pt x="300" y="0"/>
-                </a:cubicBezTo>
-                <a:cubicBezTo>
-                  <a:pt x="0" y="0"/>
-                  <a:pt x="0" y="0"/>
-                  <a:pt x="0" y="0"/>
-                </a:cubicBezTo>
-                <a:cubicBezTo>
-                  <a:pt x="163" y="0"/>
-                  <a:pt x="300" y="137"/>
-                  <a:pt x="300" y="300"/>
-                </a:cubicBezTo>
-                <a:cubicBezTo>
-                  <a:pt x="300" y="3695"/>
-                  <a:pt x="300" y="3695"/>
-                  <a:pt x="300" y="3695"/>
-                </a:cubicBezTo>
-                <a:cubicBezTo>
-                  <a:pt x="300" y="3798"/>
-                  <a:pt x="386" y="3875"/>
-                  <a:pt x="489" y="3875"/>
-                </a:cubicBezTo>
-                <a:cubicBezTo>
-                  <a:pt x="3360" y="3875"/>
-                  <a:pt x="3360" y="3875"/>
-                  <a:pt x="3360" y="3875"/>
-                </a:cubicBezTo>
-                <a:cubicBezTo>
-                  <a:pt x="3463" y="3875"/>
-                  <a:pt x="3549" y="3798"/>
-                  <a:pt x="3549" y="3695"/>
-                </a:cubicBezTo>
-                <a:cubicBezTo>
-                  <a:pt x="3549" y="300"/>
-                  <a:pt x="3549" y="300"/>
-                  <a:pt x="3549" y="300"/>
-                </a:cubicBezTo>
-                <a:cubicBezTo>
-                  <a:pt x="3549" y="137"/>
-                  <a:pt x="3412" y="0"/>
-                  <a:pt x="3240" y="0"/>
-                </a:cubicBezTo>
-              </a:path>
-            </a:pathLst>
-          </a:custGeom>
-          <a:solidFill>
-            <a:schemeClr val="accent2"/>
-          </a:solidFill>
-          <a:ln>
-            <a:noFill/>
-          </a:ln>
-          <a:effectLst>
-            <a:outerShdw blurRad="165100" dist="127000" dir="5400000" sx="101000" sy="101000" algn="t" rotWithShape="0">
-              <a:prstClr val="black">
-                <a:alpha val="40000"/>
-              </a:prstClr>
-            </a:outerShdw>
-          </a:effectLst>
-        </p:spPr>
-        <p:txBody>
-          <a:bodyPr wrap="none" anchor="ctr"/>
-          <a:lstStyle/>
-          <a:p>
-            <a:endParaRPr lang="en-US" sz="3599"/>
-          </a:p>
-        </p:txBody>
-      </p:sp>
-      <p:sp>
-        <p:nvSpPr>
-          <p:cNvPr id="74" name="Freeform 145"/>
-          <p:cNvSpPr>
-            <a:spLocks noChangeArrowheads="1"/>
-          </p:cNvSpPr>
-          <p:nvPr/>
-        </p:nvSpPr>
-        <p:spPr bwMode="auto">
-          <a:xfrm flipH="1">
-            <a:off x="6974006" y="2053872"/>
-            <a:ext cx="160170" cy="80548"/>
-          </a:xfrm>
-          <a:custGeom>
-            <a:avLst/>
-            <a:gdLst>
-              <a:gd name="T0" fmla="*/ 381 w 763"/>
-              <a:gd name="T1" fmla="*/ 0 h 382"/>
-              <a:gd name="T2" fmla="*/ 381 w 763"/>
-              <a:gd name="T3" fmla="*/ 0 h 382"/>
-              <a:gd name="T4" fmla="*/ 0 w 763"/>
-              <a:gd name="T5" fmla="*/ 381 h 382"/>
-              <a:gd name="T6" fmla="*/ 762 w 763"/>
-              <a:gd name="T7" fmla="*/ 381 h 382"/>
-              <a:gd name="T8" fmla="*/ 381 w 763"/>
-              <a:gd name="T9" fmla="*/ 0 h 382"/>
-            </a:gdLst>
-            <a:ahLst/>
-            <a:cxnLst>
-              <a:cxn ang="0">
-                <a:pos x="T0" y="T1"/>
-              </a:cxn>
-              <a:cxn ang="0">
-                <a:pos x="T2" y="T3"/>
-              </a:cxn>
-              <a:cxn ang="0">
-                <a:pos x="T4" y="T5"/>
-              </a:cxn>
-              <a:cxn ang="0">
-                <a:pos x="T6" y="T7"/>
-              </a:cxn>
-              <a:cxn ang="0">
-                <a:pos x="T8" y="T9"/>
-              </a:cxn>
-            </a:cxnLst>
-            <a:rect l="0" t="0" r="r" b="b"/>
-            <a:pathLst>
-              <a:path w="763" h="382">
-                <a:moveTo>
-                  <a:pt x="381" y="0"/>
-                </a:moveTo>
-                <a:lnTo>
-                  <a:pt x="381" y="0"/>
-                </a:lnTo>
-                <a:cubicBezTo>
-                  <a:pt x="172" y="0"/>
-                  <a:pt x="0" y="170"/>
-                  <a:pt x="0" y="381"/>
-                </a:cubicBezTo>
-                <a:cubicBezTo>
-                  <a:pt x="762" y="381"/>
-                  <a:pt x="762" y="381"/>
-                  <a:pt x="762" y="381"/>
-                </a:cubicBezTo>
-                <a:cubicBezTo>
-                  <a:pt x="762" y="170"/>
-                  <a:pt x="592" y="0"/>
-                  <a:pt x="381" y="0"/>
-                </a:cubicBezTo>
-              </a:path>
-            </a:pathLst>
-          </a:custGeom>
-          <a:solidFill>
-            <a:schemeClr val="accent2">
-              <a:lumMod val="75000"/>
-            </a:schemeClr>
-          </a:solidFill>
-          <a:ln>
-            <a:noFill/>
-          </a:ln>
-          <a:effectLst/>
-        </p:spPr>
-        <p:txBody>
-          <a:bodyPr wrap="none" anchor="ctr"/>
-          <a:lstStyle/>
-          <a:p>
-            <a:endParaRPr lang="en-US" sz="3599"/>
-          </a:p>
-        </p:txBody>
-      </p:sp>
-      <p:sp>
-        <p:nvSpPr>
-          <p:cNvPr id="75" name="Freeform 146"/>
-          <p:cNvSpPr>
-            <a:spLocks noChangeArrowheads="1"/>
-          </p:cNvSpPr>
-          <p:nvPr/>
-        </p:nvSpPr>
-        <p:spPr bwMode="auto">
-          <a:xfrm>
-            <a:off x="10768658" y="2134420"/>
-            <a:ext cx="145664" cy="1106562"/>
-          </a:xfrm>
-          <a:custGeom>
-            <a:avLst/>
-            <a:gdLst>
-              <a:gd name="T0" fmla="*/ 253 w 526"/>
-              <a:gd name="T1" fmla="*/ 0 h 3985"/>
-              <a:gd name="T2" fmla="*/ 253 w 526"/>
-              <a:gd name="T3" fmla="*/ 0 h 3985"/>
-              <a:gd name="T4" fmla="*/ 0 w 526"/>
-              <a:gd name="T5" fmla="*/ 0 h 3985"/>
-              <a:gd name="T6" fmla="*/ 0 w 526"/>
-              <a:gd name="T7" fmla="*/ 3984 h 3985"/>
-              <a:gd name="T8" fmla="*/ 253 w 526"/>
-              <a:gd name="T9" fmla="*/ 3984 h 3985"/>
-              <a:gd name="T10" fmla="*/ 525 w 526"/>
-              <a:gd name="T11" fmla="*/ 3716 h 3985"/>
-              <a:gd name="T12" fmla="*/ 525 w 526"/>
-              <a:gd name="T13" fmla="*/ 268 h 3985"/>
-              <a:gd name="T14" fmla="*/ 253 w 526"/>
-              <a:gd name="T15" fmla="*/ 0 h 3985"/>
-            </a:gdLst>
-            <a:ahLst/>
-            <a:cxnLst>
-              <a:cxn ang="0">
-                <a:pos x="T0" y="T1"/>
-              </a:cxn>
-              <a:cxn ang="0">
-                <a:pos x="T2" y="T3"/>
-              </a:cxn>
-              <a:cxn ang="0">
-                <a:pos x="T4" y="T5"/>
-              </a:cxn>
-              <a:cxn ang="0">
-                <a:pos x="T6" y="T7"/>
-              </a:cxn>
-              <a:cxn ang="0">
-                <a:pos x="T8" y="T9"/>
-              </a:cxn>
-              <a:cxn ang="0">
-                <a:pos x="T10" y="T11"/>
-              </a:cxn>
-              <a:cxn ang="0">
-                <a:pos x="T12" y="T13"/>
-              </a:cxn>
-              <a:cxn ang="0">
-                <a:pos x="T14" y="T15"/>
-              </a:cxn>
-            </a:cxnLst>
-            <a:rect l="0" t="0" r="r" b="b"/>
-            <a:pathLst>
-              <a:path w="526" h="3985">
-                <a:moveTo>
-                  <a:pt x="253" y="0"/>
-                </a:moveTo>
-                <a:lnTo>
-                  <a:pt x="253" y="0"/>
-                </a:lnTo>
-                <a:cubicBezTo>
-                  <a:pt x="0" y="0"/>
-                  <a:pt x="0" y="0"/>
-                  <a:pt x="0" y="0"/>
-                </a:cubicBezTo>
-                <a:cubicBezTo>
-                  <a:pt x="0" y="3984"/>
-                  <a:pt x="0" y="3984"/>
-                  <a:pt x="0" y="3984"/>
-                </a:cubicBezTo>
-                <a:cubicBezTo>
-                  <a:pt x="253" y="3984"/>
-                  <a:pt x="253" y="3984"/>
-                  <a:pt x="253" y="3984"/>
-                </a:cubicBezTo>
-                <a:cubicBezTo>
-                  <a:pt x="404" y="3984"/>
-                  <a:pt x="525" y="3863"/>
-                  <a:pt x="525" y="3716"/>
-                </a:cubicBezTo>
-                <a:cubicBezTo>
-                  <a:pt x="525" y="268"/>
-                  <a:pt x="525" y="268"/>
-                  <a:pt x="525" y="268"/>
-                </a:cubicBezTo>
-                <a:cubicBezTo>
-                  <a:pt x="525" y="121"/>
-                  <a:pt x="404" y="0"/>
-                  <a:pt x="253" y="0"/>
-                </a:cubicBezTo>
-              </a:path>
-            </a:pathLst>
-          </a:custGeom>
-          <a:solidFill>
-            <a:schemeClr val="accent2"/>
-          </a:solidFill>
-          <a:ln>
-            <a:noFill/>
-          </a:ln>
-          <a:effectLst/>
-        </p:spPr>
-        <p:txBody>
-          <a:bodyPr wrap="none" anchor="ctr"/>
-          <a:lstStyle/>
-          <a:p>
-            <a:endParaRPr lang="en-US" sz="3599"/>
-          </a:p>
-        </p:txBody>
-      </p:sp>
-      <p:sp>
-        <p:nvSpPr>
-          <p:cNvPr id="76" name="TextBox 75"/>
-          <p:cNvSpPr txBox="1"/>
-          <p:nvPr/>
-        </p:nvSpPr>
-        <p:spPr>
-          <a:xfrm>
-            <a:off x="7190191" y="2149900"/>
-            <a:ext cx="733983" cy="292388"/>
-          </a:xfrm>
-          <a:prstGeom prst="rect">
-            <a:avLst/>
-          </a:prstGeom>
-          <a:noFill/>
-        </p:spPr>
-        <p:txBody>
-          <a:bodyPr wrap="none" rtlCol="0" anchor="ctr" anchorCtr="0">
-            <a:spAutoFit/>
-          </a:bodyPr>
-          <a:lstStyle/>
-          <a:p>
-            <a:pPr algn="ctr"/>
-            <a:r>
-              <a:rPr lang="en-US" sz="1300" b="1" dirty="0">
-                <a:solidFill>
-                  <a:schemeClr val="bg1"/>
-                </a:solidFill>
-                <a:latin typeface="Lato Black" charset="0"/>
-                <a:ea typeface="Lato Black" charset="0"/>
-                <a:cs typeface="Lato Black" charset="0"/>
-              </a:rPr>
-              <a:t>OPTION</a:t>
-            </a:r>
-          </a:p>
-        </p:txBody>
-      </p:sp>
-      <p:sp>
-        <p:nvSpPr>
-          <p:cNvPr id="79" name="TextBox 78"/>
-          <p:cNvSpPr txBox="1"/>
-          <p:nvPr/>
-        </p:nvSpPr>
-        <p:spPr>
-          <a:xfrm>
-            <a:off x="7230091" y="2335215"/>
-            <a:ext cx="650160" cy="707878"/>
-          </a:xfrm>
-          <a:prstGeom prst="rect">
-            <a:avLst/>
-          </a:prstGeom>
-          <a:noFill/>
-        </p:spPr>
-        <p:txBody>
-          <a:bodyPr wrap="none" lIns="45711" tIns="22856" rIns="45711" bIns="22856" rtlCol="0">
-            <a:spAutoFit/>
-          </a:bodyPr>
-          <a:lstStyle/>
-          <a:p>
-            <a:pPr algn="ctr"/>
-            <a:r>
-              <a:rPr lang="en-US" sz="4300" b="1" dirty="0">
-                <a:solidFill>
-                  <a:schemeClr val="bg1"/>
-                </a:solidFill>
-                <a:latin typeface="Lato" charset="0"/>
-                <a:ea typeface="Lato" charset="0"/>
-                <a:cs typeface="Lato" charset="0"/>
-              </a:rPr>
-              <a:t>02</a:t>
-            </a:r>
-            <a:endParaRPr lang="id-ID" sz="4300" b="1" dirty="0">
-              <a:solidFill>
-                <a:schemeClr val="bg1"/>
-              </a:solidFill>
-              <a:latin typeface="Lato" charset="0"/>
-              <a:ea typeface="Lato" charset="0"/>
-              <a:cs typeface="Lato" charset="0"/>
-            </a:endParaRPr>
-          </a:p>
-        </p:txBody>
-      </p:sp>
-      <p:sp>
-        <p:nvSpPr>
-          <p:cNvPr id="80" name="Subtitle 2"/>
-          <p:cNvSpPr txBox="1">
-            <a:spLocks/>
-          </p:cNvSpPr>
-          <p:nvPr/>
-        </p:nvSpPr>
-        <p:spPr>
-          <a:xfrm>
-            <a:off x="8057302" y="2544961"/>
-            <a:ext cx="2711356" cy="556084"/>
-          </a:xfrm>
-          <a:prstGeom prst="rect">
-            <a:avLst/>
-          </a:prstGeom>
-        </p:spPr>
-        <p:txBody>
-          <a:bodyPr vert="horz" wrap="square" lIns="108745" tIns="54373" rIns="108745" bIns="54373" rtlCol="0">
-            <a:spAutoFit/>
-          </a:bodyPr>
-          <a:lstStyle>
-            <a:lvl1pPr marL="0" indent="0" algn="ctr" defTabSz="1087636" rtl="0" eaLnBrk="1" latinLnBrk="0" hangingPunct="1">
-              <a:lnSpc>
-                <a:spcPct val="120000"/>
-              </a:lnSpc>
-              <a:spcBef>
-                <a:spcPct val="20000"/>
-              </a:spcBef>
-              <a:buFont typeface="Arial"/>
-              <a:buNone/>
-              <a:defRPr sz="2400" kern="1200">
-                <a:solidFill>
-                  <a:schemeClr val="tx2"/>
-                </a:solidFill>
-                <a:latin typeface="Open Sans Light"/>
-                <a:ea typeface="+mn-ea"/>
-                <a:cs typeface="Open Sans Light"/>
-              </a:defRPr>
-            </a:lvl1pPr>
-            <a:lvl2pPr marL="1087636" indent="0" algn="ctr" defTabSz="1087636" rtl="0" eaLnBrk="1" latinLnBrk="0" hangingPunct="1">
-              <a:lnSpc>
-                <a:spcPct val="130000"/>
-              </a:lnSpc>
-              <a:spcBef>
-                <a:spcPct val="20000"/>
-              </a:spcBef>
-              <a:buFont typeface="Arial"/>
-              <a:buNone/>
-              <a:defRPr sz="3200" kern="1200">
-                <a:solidFill>
-                  <a:schemeClr val="tx1">
-                    <a:tint val="75000"/>
-                  </a:schemeClr>
-                </a:solidFill>
-                <a:latin typeface="Open Sans"/>
-                <a:ea typeface="+mn-ea"/>
-                <a:cs typeface="Open Sans"/>
-              </a:defRPr>
-            </a:lvl2pPr>
-            <a:lvl3pPr marL="2175271" indent="0" algn="ctr" defTabSz="1087636" rtl="0" eaLnBrk="1" latinLnBrk="0" hangingPunct="1">
-              <a:lnSpc>
-                <a:spcPct val="130000"/>
-              </a:lnSpc>
-              <a:spcBef>
-                <a:spcPct val="20000"/>
-              </a:spcBef>
-              <a:buFont typeface="Arial"/>
-              <a:buNone/>
-              <a:defRPr sz="3200" kern="1200">
-                <a:solidFill>
-                  <a:schemeClr val="tx1">
-                    <a:tint val="75000"/>
-                  </a:schemeClr>
-                </a:solidFill>
-                <a:latin typeface="Open Sans"/>
-                <a:ea typeface="+mn-ea"/>
-                <a:cs typeface="Open Sans"/>
-              </a:defRPr>
-            </a:lvl3pPr>
-            <a:lvl4pPr marL="3262912" indent="0" algn="ctr" defTabSz="1087636" rtl="0" eaLnBrk="1" latinLnBrk="0" hangingPunct="1">
-              <a:lnSpc>
-                <a:spcPct val="130000"/>
-              </a:lnSpc>
-              <a:spcBef>
-                <a:spcPct val="20000"/>
-              </a:spcBef>
-              <a:buFont typeface="Arial"/>
-              <a:buNone/>
-              <a:defRPr sz="3200" kern="1200">
-                <a:solidFill>
-                  <a:schemeClr val="tx1">
-                    <a:tint val="75000"/>
-                  </a:schemeClr>
-                </a:solidFill>
-                <a:latin typeface="Open Sans"/>
-                <a:ea typeface="+mn-ea"/>
-                <a:cs typeface="Open Sans"/>
-              </a:defRPr>
-            </a:lvl4pPr>
-            <a:lvl5pPr marL="4350546" indent="0" algn="ctr" defTabSz="1087636" rtl="0" eaLnBrk="1" latinLnBrk="0" hangingPunct="1">
-              <a:lnSpc>
-                <a:spcPct val="130000"/>
-              </a:lnSpc>
-              <a:spcBef>
-                <a:spcPct val="20000"/>
-              </a:spcBef>
-              <a:buFont typeface="Arial"/>
-              <a:buNone/>
-              <a:defRPr sz="3200" kern="1200">
-                <a:solidFill>
-                  <a:schemeClr val="tx1">
-                    <a:tint val="75000"/>
-                  </a:schemeClr>
-                </a:solidFill>
-                <a:latin typeface="Open Sans"/>
-                <a:ea typeface="+mn-ea"/>
-                <a:cs typeface="Open Sans"/>
-              </a:defRPr>
-            </a:lvl5pPr>
-            <a:lvl6pPr marL="5438184" indent="0" algn="ctr" defTabSz="1087636" rtl="0" eaLnBrk="1" latinLnBrk="0" hangingPunct="1">
-              <a:spcBef>
-                <a:spcPct val="20000"/>
-              </a:spcBef>
-              <a:buFont typeface="Arial"/>
-              <a:buNone/>
-              <a:defRPr sz="4800" kern="1200">
-                <a:solidFill>
-                  <a:schemeClr val="tx1">
-                    <a:tint val="75000"/>
-                  </a:schemeClr>
-                </a:solidFill>
-                <a:latin typeface="+mn-lt"/>
-                <a:ea typeface="+mn-ea"/>
-                <a:cs typeface="+mn-cs"/>
-              </a:defRPr>
-            </a:lvl6pPr>
-            <a:lvl7pPr marL="6525820" indent="0" algn="ctr" defTabSz="1087636" rtl="0" eaLnBrk="1" latinLnBrk="0" hangingPunct="1">
-              <a:spcBef>
-                <a:spcPct val="20000"/>
-              </a:spcBef>
-              <a:buFont typeface="Arial"/>
-              <a:buNone/>
-              <a:defRPr sz="4800" kern="1200">
-                <a:solidFill>
-                  <a:schemeClr val="tx1">
-                    <a:tint val="75000"/>
-                  </a:schemeClr>
-                </a:solidFill>
-                <a:latin typeface="+mn-lt"/>
-                <a:ea typeface="+mn-ea"/>
-                <a:cs typeface="+mn-cs"/>
-              </a:defRPr>
-            </a:lvl7pPr>
-            <a:lvl8pPr marL="7613455" indent="0" algn="ctr" defTabSz="1087636" rtl="0" eaLnBrk="1" latinLnBrk="0" hangingPunct="1">
-              <a:spcBef>
-                <a:spcPct val="20000"/>
-              </a:spcBef>
-              <a:buFont typeface="Arial"/>
-              <a:buNone/>
-              <a:defRPr sz="4800" kern="1200">
-                <a:solidFill>
-                  <a:schemeClr val="tx1">
-                    <a:tint val="75000"/>
-                  </a:schemeClr>
-                </a:solidFill>
-                <a:latin typeface="+mn-lt"/>
-                <a:ea typeface="+mn-ea"/>
-                <a:cs typeface="+mn-cs"/>
-              </a:defRPr>
-            </a:lvl8pPr>
-            <a:lvl9pPr marL="8701091" indent="0" algn="ctr" defTabSz="1087636" rtl="0" eaLnBrk="1" latinLnBrk="0" hangingPunct="1">
-              <a:spcBef>
-                <a:spcPct val="20000"/>
-              </a:spcBef>
-              <a:buFont typeface="Arial"/>
-              <a:buNone/>
-              <a:defRPr sz="4800" kern="1200">
-                <a:solidFill>
-                  <a:schemeClr val="tx1">
-                    <a:tint val="75000"/>
-                  </a:schemeClr>
-                </a:solidFill>
-                <a:latin typeface="+mn-lt"/>
-                <a:ea typeface="+mn-ea"/>
-                <a:cs typeface="+mn-cs"/>
-              </a:defRPr>
-            </a:lvl9pPr>
-          </a:lstStyle>
-          <a:p>
-            <a:pPr algn="l">
-              <a:lnSpc>
-                <a:spcPts val="1820"/>
-              </a:lnSpc>
-            </a:pPr>
-            <a:r>
-              <a:rPr lang="en-US" sz="1250" dirty="0">
-                <a:solidFill>
-                  <a:schemeClr val="tx1"/>
-                </a:solidFill>
-                <a:latin typeface="Lato Light" charset="0"/>
-                <a:ea typeface="Lato Light" charset="0"/>
-                <a:cs typeface="Lato Light" charset="0"/>
-              </a:rPr>
-              <a:t>Frequently, your initial font choice is taken out of your hands</a:t>
-            </a:r>
-          </a:p>
-        </p:txBody>
-      </p:sp>
-      <p:sp>
-        <p:nvSpPr>
-          <p:cNvPr id="81" name="Rectangle 80"/>
-          <p:cNvSpPr>
-            <a:spLocks/>
-          </p:cNvSpPr>
-          <p:nvPr/>
-        </p:nvSpPr>
-        <p:spPr bwMode="auto">
-          <a:xfrm>
-            <a:off x="8165848" y="2187163"/>
-            <a:ext cx="448841" cy="405560"/>
-          </a:xfrm>
-          <a:prstGeom prst="rect">
-            <a:avLst/>
-          </a:prstGeom>
-          <a:noFill/>
-          <a:ln>
-            <a:noFill/>
-          </a:ln>
-          <a:extLst>
-            <a:ext uri="{909E8E84-426E-40dd-AFC4-6F175D3DCCD1}">
-              <a14:hiddenFill xmlns="" xmlns:a14="http://schemas.microsoft.com/office/drawing/2010/main">
-                <a:solidFill>
-                  <a:srgbClr val="FFFFFF"/>
-                </a:solidFill>
-              </a14:hiddenFill>
-            </a:ext>
-            <a:ext uri="{91240B29-F687-4f45-9708-019B960494DF}">
-              <a14:hiddenLine xmlns="" xmlns:a14="http://schemas.microsoft.com/office/drawing/2010/main" w="12700">
-                <a:solidFill>
-                  <a:schemeClr val="tx1"/>
-                </a:solidFill>
-                <a:miter lim="800000"/>
-                <a:headEnd/>
-                <a:tailEnd/>
-              </a14:hiddenLine>
-            </a:ext>
-          </a:extLst>
-        </p:spPr>
-        <p:txBody>
-          <a:bodyPr vert="horz" wrap="none" lIns="0" tIns="0" rIns="0" bIns="0" anchor="ctr" anchorCtr="0">
-            <a:spAutoFit/>
-          </a:bodyPr>
-          <a:lstStyle/>
-          <a:p>
-            <a:pPr defTabSz="2286000">
-              <a:lnSpc>
-                <a:spcPts val="3870"/>
-              </a:lnSpc>
-            </a:pPr>
-            <a:r>
-              <a:rPr lang="en-US" sz="900" b="1" dirty="0">
-                <a:latin typeface="Lato Black" charset="0"/>
-                <a:ea typeface="Lato Black" charset="0"/>
-                <a:cs typeface="Lato Black" charset="0"/>
-                <a:sym typeface="Bebas Neue" charset="0"/>
-              </a:rPr>
-              <a:t>TITTLE 02</a:t>
+              <a:t>Stop Containers</a:t>
             </a:r>
           </a:p>
         </p:txBody>
@@ -17563,14 +20262,14 @@
           </a:ln>
           <a:extLst>
             <a:ext uri="{909E8E84-426E-40dd-AFC4-6F175D3DCCD1}">
-              <a14:hiddenFill xmlns="" xmlns:a14="http://schemas.microsoft.com/office/drawing/2010/main">
+              <a14:hiddenFill xmlns:a14="http://schemas.microsoft.com/office/drawing/2010/main" xmlns="">
                 <a:solidFill>
                   <a:srgbClr val="FFFFFF"/>
                 </a:solidFill>
               </a14:hiddenFill>
             </a:ext>
             <a:ext uri="{91240B29-F687-4f45-9708-019B960494DF}">
-              <a14:hiddenLine xmlns="" xmlns:a14="http://schemas.microsoft.com/office/drawing/2010/main" w="12700">
+              <a14:hiddenLine xmlns:a14="http://schemas.microsoft.com/office/drawing/2010/main" xmlns="" w="12700">
                 <a:solidFill>
                   <a:schemeClr val="tx1"/>
                 </a:solidFill>

--- a/misc/Figures.pptx
+++ b/misc/Figures.pptx
@@ -265,7 +265,7 @@
           <a:p>
             <a:fld id="{316A2214-5FFA-754C-901F-0917E1555ABA}" type="datetimeFigureOut">
               <a:rPr lang="en-US" smtClean="0"/>
-              <a:t>5/28/20</a:t>
+              <a:t>6/8/20</a:t>
             </a:fld>
             <a:endParaRPr lang="en-US"/>
           </a:p>
@@ -465,7 +465,7 @@
           <a:p>
             <a:fld id="{316A2214-5FFA-754C-901F-0917E1555ABA}" type="datetimeFigureOut">
               <a:rPr lang="en-US" smtClean="0"/>
-              <a:t>5/28/20</a:t>
+              <a:t>6/8/20</a:t>
             </a:fld>
             <a:endParaRPr lang="en-US"/>
           </a:p>
@@ -675,7 +675,7 @@
           <a:p>
             <a:fld id="{316A2214-5FFA-754C-901F-0917E1555ABA}" type="datetimeFigureOut">
               <a:rPr lang="en-US" smtClean="0"/>
-              <a:t>5/28/20</a:t>
+              <a:t>6/8/20</a:t>
             </a:fld>
             <a:endParaRPr lang="en-US"/>
           </a:p>
@@ -913,7 +913,7 @@
           <a:p>
             <a:fld id="{316A2214-5FFA-754C-901F-0917E1555ABA}" type="datetimeFigureOut">
               <a:rPr lang="en-US" smtClean="0"/>
-              <a:t>5/28/20</a:t>
+              <a:t>6/8/20</a:t>
             </a:fld>
             <a:endParaRPr lang="en-US"/>
           </a:p>
@@ -1189,7 +1189,7 @@
           <a:p>
             <a:fld id="{316A2214-5FFA-754C-901F-0917E1555ABA}" type="datetimeFigureOut">
               <a:rPr lang="en-US" smtClean="0"/>
-              <a:t>5/28/20</a:t>
+              <a:t>6/8/20</a:t>
             </a:fld>
             <a:endParaRPr lang="en-US"/>
           </a:p>
@@ -1457,7 +1457,7 @@
           <a:p>
             <a:fld id="{316A2214-5FFA-754C-901F-0917E1555ABA}" type="datetimeFigureOut">
               <a:rPr lang="en-US" smtClean="0"/>
-              <a:t>5/28/20</a:t>
+              <a:t>6/8/20</a:t>
             </a:fld>
             <a:endParaRPr lang="en-US"/>
           </a:p>
@@ -1872,7 +1872,7 @@
           <a:p>
             <a:fld id="{316A2214-5FFA-754C-901F-0917E1555ABA}" type="datetimeFigureOut">
               <a:rPr lang="en-US" smtClean="0"/>
-              <a:t>5/28/20</a:t>
+              <a:t>6/8/20</a:t>
             </a:fld>
             <a:endParaRPr lang="en-US"/>
           </a:p>
@@ -2014,7 +2014,7 @@
           <a:p>
             <a:fld id="{316A2214-5FFA-754C-901F-0917E1555ABA}" type="datetimeFigureOut">
               <a:rPr lang="en-US" smtClean="0"/>
-              <a:t>5/28/20</a:t>
+              <a:t>6/8/20</a:t>
             </a:fld>
             <a:endParaRPr lang="en-US"/>
           </a:p>
@@ -2127,7 +2127,7 @@
           <a:p>
             <a:fld id="{316A2214-5FFA-754C-901F-0917E1555ABA}" type="datetimeFigureOut">
               <a:rPr lang="en-US" smtClean="0"/>
-              <a:t>5/28/20</a:t>
+              <a:t>6/8/20</a:t>
             </a:fld>
             <a:endParaRPr lang="en-US"/>
           </a:p>
@@ -2440,7 +2440,7 @@
           <a:p>
             <a:fld id="{316A2214-5FFA-754C-901F-0917E1555ABA}" type="datetimeFigureOut">
               <a:rPr lang="en-US" smtClean="0"/>
-              <a:t>5/28/20</a:t>
+              <a:t>6/8/20</a:t>
             </a:fld>
             <a:endParaRPr lang="en-US"/>
           </a:p>
@@ -2729,7 +2729,7 @@
           <a:p>
             <a:fld id="{316A2214-5FFA-754C-901F-0917E1555ABA}" type="datetimeFigureOut">
               <a:rPr lang="en-US" smtClean="0"/>
-              <a:t>5/28/20</a:t>
+              <a:t>6/8/20</a:t>
             </a:fld>
             <a:endParaRPr lang="en-US"/>
           </a:p>
@@ -2972,7 +2972,7 @@
           <a:p>
             <a:fld id="{316A2214-5FFA-754C-901F-0917E1555ABA}" type="datetimeFigureOut">
               <a:rPr lang="en-US" smtClean="0"/>
-              <a:t>5/28/20</a:t>
+              <a:t>6/8/20</a:t>
             </a:fld>
             <a:endParaRPr lang="en-US"/>
           </a:p>
@@ -8929,14 +8929,14 @@
           </a:ln>
           <a:extLst>
             <a:ext uri="{909E8E84-426E-40dd-AFC4-6F175D3DCCD1}">
-              <a14:hiddenFill xmlns:a14="http://schemas.microsoft.com/office/drawing/2010/main" xmlns="">
+              <a14:hiddenFill xmlns="" xmlns:a14="http://schemas.microsoft.com/office/drawing/2010/main">
                 <a:solidFill>
                   <a:srgbClr val="FFFFFF"/>
                 </a:solidFill>
               </a14:hiddenFill>
             </a:ext>
             <a:ext uri="{91240B29-F687-4f45-9708-019B960494DF}">
-              <a14:hiddenLine xmlns:a14="http://schemas.microsoft.com/office/drawing/2010/main" xmlns="" w="12700">
+              <a14:hiddenLine xmlns="" xmlns:a14="http://schemas.microsoft.com/office/drawing/2010/main" w="12700">
                 <a:solidFill>
                   <a:schemeClr val="tx1"/>
                 </a:solidFill>
@@ -9811,14 +9811,14 @@
           </a:ln>
           <a:extLst>
             <a:ext uri="{909E8E84-426E-40dd-AFC4-6F175D3DCCD1}">
-              <a14:hiddenFill xmlns:a14="http://schemas.microsoft.com/office/drawing/2010/main" xmlns="">
+              <a14:hiddenFill xmlns="" xmlns:a14="http://schemas.microsoft.com/office/drawing/2010/main">
                 <a:solidFill>
                   <a:srgbClr val="FFFFFF"/>
                 </a:solidFill>
               </a14:hiddenFill>
             </a:ext>
             <a:ext uri="{91240B29-F687-4f45-9708-019B960494DF}">
-              <a14:hiddenLine xmlns:a14="http://schemas.microsoft.com/office/drawing/2010/main" xmlns="" w="12700">
+              <a14:hiddenLine xmlns="" xmlns:a14="http://schemas.microsoft.com/office/drawing/2010/main" w="12700">
                 <a:solidFill>
                   <a:schemeClr val="tx1"/>
                 </a:solidFill>
@@ -10693,14 +10693,14 @@
           </a:ln>
           <a:extLst>
             <a:ext uri="{909E8E84-426E-40dd-AFC4-6F175D3DCCD1}">
-              <a14:hiddenFill xmlns:a14="http://schemas.microsoft.com/office/drawing/2010/main" xmlns="">
+              <a14:hiddenFill xmlns="" xmlns:a14="http://schemas.microsoft.com/office/drawing/2010/main">
                 <a:solidFill>
                   <a:srgbClr val="FFFFFF"/>
                 </a:solidFill>
               </a14:hiddenFill>
             </a:ext>
             <a:ext uri="{91240B29-F687-4f45-9708-019B960494DF}">
-              <a14:hiddenLine xmlns:a14="http://schemas.microsoft.com/office/drawing/2010/main" xmlns="" w="12700">
+              <a14:hiddenLine xmlns="" xmlns:a14="http://schemas.microsoft.com/office/drawing/2010/main" w="12700">
                 <a:solidFill>
                   <a:schemeClr val="tx1"/>
                 </a:solidFill>
@@ -11575,14 +11575,14 @@
           </a:ln>
           <a:extLst>
             <a:ext uri="{909E8E84-426E-40dd-AFC4-6F175D3DCCD1}">
-              <a14:hiddenFill xmlns:a14="http://schemas.microsoft.com/office/drawing/2010/main" xmlns="">
+              <a14:hiddenFill xmlns="" xmlns:a14="http://schemas.microsoft.com/office/drawing/2010/main">
                 <a:solidFill>
                   <a:srgbClr val="FFFFFF"/>
                 </a:solidFill>
               </a14:hiddenFill>
             </a:ext>
             <a:ext uri="{91240B29-F687-4f45-9708-019B960494DF}">
-              <a14:hiddenLine xmlns:a14="http://schemas.microsoft.com/office/drawing/2010/main" xmlns="" w="12700">
+              <a14:hiddenLine xmlns="" xmlns:a14="http://schemas.microsoft.com/office/drawing/2010/main" w="12700">
                 <a:solidFill>
                   <a:schemeClr val="tx1"/>
                 </a:solidFill>
@@ -16446,14 +16446,14 @@
           </a:ln>
           <a:extLst>
             <a:ext uri="{909E8E84-426E-40dd-AFC4-6F175D3DCCD1}">
-              <a14:hiddenFill xmlns:a14="http://schemas.microsoft.com/office/drawing/2010/main" xmlns="">
+              <a14:hiddenFill xmlns="" xmlns:a14="http://schemas.microsoft.com/office/drawing/2010/main">
                 <a:solidFill>
                   <a:srgbClr val="FFFFFF"/>
                 </a:solidFill>
               </a14:hiddenFill>
             </a:ext>
             <a:ext uri="{91240B29-F687-4f45-9708-019B960494DF}">
-              <a14:hiddenLine xmlns:a14="http://schemas.microsoft.com/office/drawing/2010/main" xmlns="" w="12700">
+              <a14:hiddenLine xmlns="" xmlns:a14="http://schemas.microsoft.com/office/drawing/2010/main" w="12700">
                 <a:solidFill>
                   <a:schemeClr val="tx1"/>
                 </a:solidFill>
@@ -17328,14 +17328,14 @@
           </a:ln>
           <a:extLst>
             <a:ext uri="{909E8E84-426E-40dd-AFC4-6F175D3DCCD1}">
-              <a14:hiddenFill xmlns:a14="http://schemas.microsoft.com/office/drawing/2010/main" xmlns="">
+              <a14:hiddenFill xmlns="" xmlns:a14="http://schemas.microsoft.com/office/drawing/2010/main">
                 <a:solidFill>
                   <a:srgbClr val="FFFFFF"/>
                 </a:solidFill>
               </a14:hiddenFill>
             </a:ext>
             <a:ext uri="{91240B29-F687-4f45-9708-019B960494DF}">
-              <a14:hiddenLine xmlns:a14="http://schemas.microsoft.com/office/drawing/2010/main" xmlns="" w="12700">
+              <a14:hiddenLine xmlns="" xmlns:a14="http://schemas.microsoft.com/office/drawing/2010/main" w="12700">
                 <a:solidFill>
                   <a:schemeClr val="tx1"/>
                 </a:solidFill>
@@ -18210,14 +18210,14 @@
           </a:ln>
           <a:extLst>
             <a:ext uri="{909E8E84-426E-40dd-AFC4-6F175D3DCCD1}">
-              <a14:hiddenFill xmlns:a14="http://schemas.microsoft.com/office/drawing/2010/main" xmlns="">
+              <a14:hiddenFill xmlns="" xmlns:a14="http://schemas.microsoft.com/office/drawing/2010/main">
                 <a:solidFill>
                   <a:srgbClr val="FFFFFF"/>
                 </a:solidFill>
               </a14:hiddenFill>
             </a:ext>
             <a:ext uri="{91240B29-F687-4f45-9708-019B960494DF}">
-              <a14:hiddenLine xmlns:a14="http://schemas.microsoft.com/office/drawing/2010/main" xmlns="" w="12700">
+              <a14:hiddenLine xmlns="" xmlns:a14="http://schemas.microsoft.com/office/drawing/2010/main" w="12700">
                 <a:solidFill>
                   <a:schemeClr val="tx1"/>
                 </a:solidFill>
@@ -19092,14 +19092,14 @@
           </a:ln>
           <a:extLst>
             <a:ext uri="{909E8E84-426E-40dd-AFC4-6F175D3DCCD1}">
-              <a14:hiddenFill xmlns:a14="http://schemas.microsoft.com/office/drawing/2010/main" xmlns="">
+              <a14:hiddenFill xmlns="" xmlns:a14="http://schemas.microsoft.com/office/drawing/2010/main">
                 <a:solidFill>
                   <a:srgbClr val="FFFFFF"/>
                 </a:solidFill>
               </a14:hiddenFill>
             </a:ext>
             <a:ext uri="{91240B29-F687-4f45-9708-019B960494DF}">
-              <a14:hiddenLine xmlns:a14="http://schemas.microsoft.com/office/drawing/2010/main" xmlns="" w="12700">
+              <a14:hiddenLine xmlns="" xmlns:a14="http://schemas.microsoft.com/office/drawing/2010/main" w="12700">
                 <a:solidFill>
                   <a:schemeClr val="tx1"/>
                 </a:solidFill>
@@ -20262,14 +20262,14 @@
           </a:ln>
           <a:extLst>
             <a:ext uri="{909E8E84-426E-40dd-AFC4-6F175D3DCCD1}">
-              <a14:hiddenFill xmlns:a14="http://schemas.microsoft.com/office/drawing/2010/main" xmlns="">
+              <a14:hiddenFill xmlns="" xmlns:a14="http://schemas.microsoft.com/office/drawing/2010/main">
                 <a:solidFill>
                   <a:srgbClr val="FFFFFF"/>
                 </a:solidFill>
               </a14:hiddenFill>
             </a:ext>
             <a:ext uri="{91240B29-F687-4f45-9708-019B960494DF}">
-              <a14:hiddenLine xmlns:a14="http://schemas.microsoft.com/office/drawing/2010/main" xmlns="" w="12700">
+              <a14:hiddenLine xmlns="" xmlns:a14="http://schemas.microsoft.com/office/drawing/2010/main" w="12700">
                 <a:solidFill>
                   <a:schemeClr val="tx1"/>
                 </a:solidFill>

--- a/misc/Figures.pptx
+++ b/misc/Figures.pptx
@@ -10,6 +10,10 @@
     <p:sldId id="1225" r:id="rId4"/>
     <p:sldId id="1454" r:id="rId5"/>
     <p:sldId id="1455" r:id="rId6"/>
+    <p:sldId id="1458" r:id="rId7"/>
+    <p:sldId id="1456" r:id="rId8"/>
+    <p:sldId id="1457" r:id="rId9"/>
+    <p:sldId id="1459" r:id="rId10"/>
   </p:sldIdLst>
   <p:sldSz cx="12192000" cy="6858000"/>
   <p:notesSz cx="6858000" cy="9144000"/>
@@ -265,7 +269,7 @@
           <a:p>
             <a:fld id="{316A2214-5FFA-754C-901F-0917E1555ABA}" type="datetimeFigureOut">
               <a:rPr lang="en-US" smtClean="0"/>
-              <a:t>6/8/20</a:t>
+              <a:t>6/10/20</a:t>
             </a:fld>
             <a:endParaRPr lang="en-US"/>
           </a:p>
@@ -465,7 +469,7 @@
           <a:p>
             <a:fld id="{316A2214-5FFA-754C-901F-0917E1555ABA}" type="datetimeFigureOut">
               <a:rPr lang="en-US" smtClean="0"/>
-              <a:t>6/8/20</a:t>
+              <a:t>6/10/20</a:t>
             </a:fld>
             <a:endParaRPr lang="en-US"/>
           </a:p>
@@ -675,7 +679,7 @@
           <a:p>
             <a:fld id="{316A2214-5FFA-754C-901F-0917E1555ABA}" type="datetimeFigureOut">
               <a:rPr lang="en-US" smtClean="0"/>
-              <a:t>6/8/20</a:t>
+              <a:t>6/10/20</a:t>
             </a:fld>
             <a:endParaRPr lang="en-US"/>
           </a:p>
@@ -913,7 +917,7 @@
           <a:p>
             <a:fld id="{316A2214-5FFA-754C-901F-0917E1555ABA}" type="datetimeFigureOut">
               <a:rPr lang="en-US" smtClean="0"/>
-              <a:t>6/8/20</a:t>
+              <a:t>6/10/20</a:t>
             </a:fld>
             <a:endParaRPr lang="en-US"/>
           </a:p>
@@ -1189,7 +1193,7 @@
           <a:p>
             <a:fld id="{316A2214-5FFA-754C-901F-0917E1555ABA}" type="datetimeFigureOut">
               <a:rPr lang="en-US" smtClean="0"/>
-              <a:t>6/8/20</a:t>
+              <a:t>6/10/20</a:t>
             </a:fld>
             <a:endParaRPr lang="en-US"/>
           </a:p>
@@ -1457,7 +1461,7 @@
           <a:p>
             <a:fld id="{316A2214-5FFA-754C-901F-0917E1555ABA}" type="datetimeFigureOut">
               <a:rPr lang="en-US" smtClean="0"/>
-              <a:t>6/8/20</a:t>
+              <a:t>6/10/20</a:t>
             </a:fld>
             <a:endParaRPr lang="en-US"/>
           </a:p>
@@ -1872,7 +1876,7 @@
           <a:p>
             <a:fld id="{316A2214-5FFA-754C-901F-0917E1555ABA}" type="datetimeFigureOut">
               <a:rPr lang="en-US" smtClean="0"/>
-              <a:t>6/8/20</a:t>
+              <a:t>6/10/20</a:t>
             </a:fld>
             <a:endParaRPr lang="en-US"/>
           </a:p>
@@ -2014,7 +2018,7 @@
           <a:p>
             <a:fld id="{316A2214-5FFA-754C-901F-0917E1555ABA}" type="datetimeFigureOut">
               <a:rPr lang="en-US" smtClean="0"/>
-              <a:t>6/8/20</a:t>
+              <a:t>6/10/20</a:t>
             </a:fld>
             <a:endParaRPr lang="en-US"/>
           </a:p>
@@ -2127,7 +2131,7 @@
           <a:p>
             <a:fld id="{316A2214-5FFA-754C-901F-0917E1555ABA}" type="datetimeFigureOut">
               <a:rPr lang="en-US" smtClean="0"/>
-              <a:t>6/8/20</a:t>
+              <a:t>6/10/20</a:t>
             </a:fld>
             <a:endParaRPr lang="en-US"/>
           </a:p>
@@ -2440,7 +2444,7 @@
           <a:p>
             <a:fld id="{316A2214-5FFA-754C-901F-0917E1555ABA}" type="datetimeFigureOut">
               <a:rPr lang="en-US" smtClean="0"/>
-              <a:t>6/8/20</a:t>
+              <a:t>6/10/20</a:t>
             </a:fld>
             <a:endParaRPr lang="en-US"/>
           </a:p>
@@ -2729,7 +2733,7 @@
           <a:p>
             <a:fld id="{316A2214-5FFA-754C-901F-0917E1555ABA}" type="datetimeFigureOut">
               <a:rPr lang="en-US" smtClean="0"/>
-              <a:t>6/8/20</a:t>
+              <a:t>6/10/20</a:t>
             </a:fld>
             <a:endParaRPr lang="en-US"/>
           </a:p>
@@ -2972,7 +2976,7 @@
           <a:p>
             <a:fld id="{316A2214-5FFA-754C-901F-0917E1555ABA}" type="datetimeFigureOut">
               <a:rPr lang="en-US" smtClean="0"/>
-              <a:t>6/8/20</a:t>
+              <a:t>6/10/20</a:t>
             </a:fld>
             <a:endParaRPr lang="en-US"/>
           </a:p>
@@ -4428,7 +4432,7 @@
                 <a:ea typeface="Lato Light" charset="0"/>
                 <a:cs typeface="Lato Light" charset="0"/>
               </a:rPr>
-              <a:t>Run pre-defined workloads and update infrastructure at runtime</a:t>
+              <a:t>Execute a pre-defined schedule of infrastructure changes</a:t>
             </a:r>
           </a:p>
         </p:txBody>
@@ -8929,14 +8933,14 @@
           </a:ln>
           <a:extLst>
             <a:ext uri="{909E8E84-426E-40dd-AFC4-6F175D3DCCD1}">
-              <a14:hiddenFill xmlns="" xmlns:a14="http://schemas.microsoft.com/office/drawing/2010/main">
+              <a14:hiddenFill xmlns:a14="http://schemas.microsoft.com/office/drawing/2010/main" xmlns="">
                 <a:solidFill>
                   <a:srgbClr val="FFFFFF"/>
                 </a:solidFill>
               </a14:hiddenFill>
             </a:ext>
             <a:ext uri="{91240B29-F687-4f45-9708-019B960494DF}">
-              <a14:hiddenLine xmlns="" xmlns:a14="http://schemas.microsoft.com/office/drawing/2010/main" w="12700">
+              <a14:hiddenLine xmlns:a14="http://schemas.microsoft.com/office/drawing/2010/main" xmlns="" w="12700">
                 <a:solidFill>
                   <a:schemeClr val="tx1"/>
                 </a:solidFill>
@@ -9811,14 +9815,14 @@
           </a:ln>
           <a:extLst>
             <a:ext uri="{909E8E84-426E-40dd-AFC4-6F175D3DCCD1}">
-              <a14:hiddenFill xmlns="" xmlns:a14="http://schemas.microsoft.com/office/drawing/2010/main">
+              <a14:hiddenFill xmlns:a14="http://schemas.microsoft.com/office/drawing/2010/main" xmlns="">
                 <a:solidFill>
                   <a:srgbClr val="FFFFFF"/>
                 </a:solidFill>
               </a14:hiddenFill>
             </a:ext>
             <a:ext uri="{91240B29-F687-4f45-9708-019B960494DF}">
-              <a14:hiddenLine xmlns="" xmlns:a14="http://schemas.microsoft.com/office/drawing/2010/main" w="12700">
+              <a14:hiddenLine xmlns:a14="http://schemas.microsoft.com/office/drawing/2010/main" xmlns="" w="12700">
                 <a:solidFill>
                   <a:schemeClr val="tx1"/>
                 </a:solidFill>
@@ -10693,14 +10697,14 @@
           </a:ln>
           <a:extLst>
             <a:ext uri="{909E8E84-426E-40dd-AFC4-6F175D3DCCD1}">
-              <a14:hiddenFill xmlns="" xmlns:a14="http://schemas.microsoft.com/office/drawing/2010/main">
+              <a14:hiddenFill xmlns:a14="http://schemas.microsoft.com/office/drawing/2010/main" xmlns="">
                 <a:solidFill>
                   <a:srgbClr val="FFFFFF"/>
                 </a:solidFill>
               </a14:hiddenFill>
             </a:ext>
             <a:ext uri="{91240B29-F687-4f45-9708-019B960494DF}">
-              <a14:hiddenLine xmlns="" xmlns:a14="http://schemas.microsoft.com/office/drawing/2010/main" w="12700">
+              <a14:hiddenLine xmlns:a14="http://schemas.microsoft.com/office/drawing/2010/main" xmlns="" w="12700">
                 <a:solidFill>
                   <a:schemeClr val="tx1"/>
                 </a:solidFill>
@@ -11575,14 +11579,14 @@
           </a:ln>
           <a:extLst>
             <a:ext uri="{909E8E84-426E-40dd-AFC4-6F175D3DCCD1}">
-              <a14:hiddenFill xmlns="" xmlns:a14="http://schemas.microsoft.com/office/drawing/2010/main">
+              <a14:hiddenFill xmlns:a14="http://schemas.microsoft.com/office/drawing/2010/main" xmlns="">
                 <a:solidFill>
                   <a:srgbClr val="FFFFFF"/>
                 </a:solidFill>
               </a14:hiddenFill>
             </a:ext>
             <a:ext uri="{91240B29-F687-4f45-9708-019B960494DF}">
-              <a14:hiddenLine xmlns="" xmlns:a14="http://schemas.microsoft.com/office/drawing/2010/main" w="12700">
+              <a14:hiddenLine xmlns:a14="http://schemas.microsoft.com/office/drawing/2010/main" xmlns="" w="12700">
                 <a:solidFill>
                   <a:schemeClr val="tx1"/>
                 </a:solidFill>
@@ -16446,14 +16450,14 @@
           </a:ln>
           <a:extLst>
             <a:ext uri="{909E8E84-426E-40dd-AFC4-6F175D3DCCD1}">
-              <a14:hiddenFill xmlns="" xmlns:a14="http://schemas.microsoft.com/office/drawing/2010/main">
+              <a14:hiddenFill xmlns:a14="http://schemas.microsoft.com/office/drawing/2010/main" xmlns="">
                 <a:solidFill>
                   <a:srgbClr val="FFFFFF"/>
                 </a:solidFill>
               </a14:hiddenFill>
             </a:ext>
             <a:ext uri="{91240B29-F687-4f45-9708-019B960494DF}">
-              <a14:hiddenLine xmlns="" xmlns:a14="http://schemas.microsoft.com/office/drawing/2010/main" w="12700">
+              <a14:hiddenLine xmlns:a14="http://schemas.microsoft.com/office/drawing/2010/main" xmlns="" w="12700">
                 <a:solidFill>
                   <a:schemeClr val="tx1"/>
                 </a:solidFill>
@@ -17328,14 +17332,14 @@
           </a:ln>
           <a:extLst>
             <a:ext uri="{909E8E84-426E-40dd-AFC4-6F175D3DCCD1}">
-              <a14:hiddenFill xmlns="" xmlns:a14="http://schemas.microsoft.com/office/drawing/2010/main">
+              <a14:hiddenFill xmlns:a14="http://schemas.microsoft.com/office/drawing/2010/main" xmlns="">
                 <a:solidFill>
                   <a:srgbClr val="FFFFFF"/>
                 </a:solidFill>
               </a14:hiddenFill>
             </a:ext>
             <a:ext uri="{91240B29-F687-4f45-9708-019B960494DF}">
-              <a14:hiddenLine xmlns="" xmlns:a14="http://schemas.microsoft.com/office/drawing/2010/main" w="12700">
+              <a14:hiddenLine xmlns:a14="http://schemas.microsoft.com/office/drawing/2010/main" xmlns="" w="12700">
                 <a:solidFill>
                   <a:schemeClr val="tx1"/>
                 </a:solidFill>
@@ -18210,14 +18214,14 @@
           </a:ln>
           <a:extLst>
             <a:ext uri="{909E8E84-426E-40dd-AFC4-6F175D3DCCD1}">
-              <a14:hiddenFill xmlns="" xmlns:a14="http://schemas.microsoft.com/office/drawing/2010/main">
+              <a14:hiddenFill xmlns:a14="http://schemas.microsoft.com/office/drawing/2010/main" xmlns="">
                 <a:solidFill>
                   <a:srgbClr val="FFFFFF"/>
                 </a:solidFill>
               </a14:hiddenFill>
             </a:ext>
             <a:ext uri="{91240B29-F687-4f45-9708-019B960494DF}">
-              <a14:hiddenLine xmlns="" xmlns:a14="http://schemas.microsoft.com/office/drawing/2010/main" w="12700">
+              <a14:hiddenLine xmlns:a14="http://schemas.microsoft.com/office/drawing/2010/main" xmlns="" w="12700">
                 <a:solidFill>
                   <a:schemeClr val="tx1"/>
                 </a:solidFill>
@@ -19092,14 +19096,14 @@
           </a:ln>
           <a:extLst>
             <a:ext uri="{909E8E84-426E-40dd-AFC4-6F175D3DCCD1}">
-              <a14:hiddenFill xmlns="" xmlns:a14="http://schemas.microsoft.com/office/drawing/2010/main">
+              <a14:hiddenFill xmlns:a14="http://schemas.microsoft.com/office/drawing/2010/main" xmlns="">
                 <a:solidFill>
                   <a:srgbClr val="FFFFFF"/>
                 </a:solidFill>
               </a14:hiddenFill>
             </a:ext>
             <a:ext uri="{91240B29-F687-4f45-9708-019B960494DF}">
-              <a14:hiddenLine xmlns="" xmlns:a14="http://schemas.microsoft.com/office/drawing/2010/main" w="12700">
+              <a14:hiddenLine xmlns:a14="http://schemas.microsoft.com/office/drawing/2010/main" xmlns="" w="12700">
                 <a:solidFill>
                   <a:schemeClr val="tx1"/>
                 </a:solidFill>
@@ -19471,7 +19475,13 @@
       </p:sp>
       <p:sp>
         <p:nvSpPr>
-          <p:cNvPr id="63" name="Freeform 143"/>
+          <p:cNvPr id="13" name="Freeform 143">
+            <a:extLst>
+              <a:ext uri="{FF2B5EF4-FFF2-40B4-BE49-F238E27FC236}">
+                <a16:creationId xmlns:a16="http://schemas.microsoft.com/office/drawing/2014/main" id="{E95FF583-AD8D-DB4D-A398-5783EB609BA8}"/>
+              </a:ext>
+            </a:extLst>
+          </p:cNvPr>
           <p:cNvSpPr>
             <a:spLocks noChangeArrowheads="1"/>
           </p:cNvSpPr>
@@ -19479,7 +19489,7 @@
         </p:nvSpPr>
         <p:spPr bwMode="auto">
           <a:xfrm>
-            <a:off x="1280867" y="4250500"/>
+            <a:off x="1280867" y="2131768"/>
             <a:ext cx="4012542" cy="1109214"/>
           </a:xfrm>
           <a:custGeom>
@@ -19589,7 +19599,13 @@
       </p:sp>
       <p:sp>
         <p:nvSpPr>
-          <p:cNvPr id="64" name="Freeform 144"/>
+          <p:cNvPr id="14" name="Freeform 144">
+            <a:extLst>
+              <a:ext uri="{FF2B5EF4-FFF2-40B4-BE49-F238E27FC236}">
+                <a16:creationId xmlns:a16="http://schemas.microsoft.com/office/drawing/2014/main" id="{89CFE7DA-814B-E245-BCD5-165404725162}"/>
+              </a:ext>
+            </a:extLst>
+          </p:cNvPr>
           <p:cNvSpPr>
             <a:spLocks noChangeArrowheads="1"/>
           </p:cNvSpPr>
@@ -19597,7 +19613,7 @@
         </p:nvSpPr>
         <p:spPr bwMode="auto">
           <a:xfrm>
-            <a:off x="1579081" y="4172604"/>
+            <a:off x="1579081" y="2053872"/>
             <a:ext cx="928189" cy="1013513"/>
           </a:xfrm>
           <a:custGeom>
@@ -19743,7 +19759,13 @@
       </p:sp>
       <p:sp>
         <p:nvSpPr>
-          <p:cNvPr id="65" name="Freeform 145"/>
+          <p:cNvPr id="15" name="Freeform 145">
+            <a:extLst>
+              <a:ext uri="{FF2B5EF4-FFF2-40B4-BE49-F238E27FC236}">
+                <a16:creationId xmlns:a16="http://schemas.microsoft.com/office/drawing/2014/main" id="{F063EB69-87F9-704C-913F-5171EBF9BB13}"/>
+              </a:ext>
+            </a:extLst>
+          </p:cNvPr>
           <p:cNvSpPr>
             <a:spLocks noChangeArrowheads="1"/>
           </p:cNvSpPr>
@@ -19751,7 +19773,7 @@
         </p:nvSpPr>
         <p:spPr bwMode="auto">
           <a:xfrm flipH="1">
-            <a:off x="1498758" y="4172604"/>
+            <a:off x="1498758" y="2053872"/>
             <a:ext cx="160170" cy="80548"/>
           </a:xfrm>
           <a:custGeom>
@@ -19814,7 +19836,7 @@
             </a:pathLst>
           </a:custGeom>
           <a:solidFill>
-            <a:schemeClr val="accent3">
+            <a:schemeClr val="accent1">
               <a:lumMod val="75000"/>
             </a:schemeClr>
           </a:solidFill>
@@ -19833,7 +19855,13 @@
       </p:sp>
       <p:sp>
         <p:nvSpPr>
-          <p:cNvPr id="66" name="Freeform 146"/>
+          <p:cNvPr id="16" name="Freeform 146">
+            <a:extLst>
+              <a:ext uri="{FF2B5EF4-FFF2-40B4-BE49-F238E27FC236}">
+                <a16:creationId xmlns:a16="http://schemas.microsoft.com/office/drawing/2014/main" id="{C148D21F-4B79-CA47-AADF-BAC723F08CC1}"/>
+              </a:ext>
+            </a:extLst>
+          </p:cNvPr>
           <p:cNvSpPr>
             <a:spLocks noChangeArrowheads="1"/>
           </p:cNvSpPr>
@@ -19841,7 +19869,7 @@
         </p:nvSpPr>
         <p:spPr bwMode="auto">
           <a:xfrm>
-            <a:off x="5293409" y="4253152"/>
+            <a:off x="5293409" y="2134420"/>
             <a:ext cx="145664" cy="1106562"/>
           </a:xfrm>
           <a:custGeom>
@@ -19951,14 +19979,20 @@
       </p:sp>
       <p:sp>
         <p:nvSpPr>
-          <p:cNvPr id="67" name="TextBox 66"/>
+          <p:cNvPr id="17" name="TextBox 107">
+            <a:extLst>
+              <a:ext uri="{FF2B5EF4-FFF2-40B4-BE49-F238E27FC236}">
+                <a16:creationId xmlns:a16="http://schemas.microsoft.com/office/drawing/2014/main" id="{9D745E4F-E460-E141-AC76-3EB30EC7A831}"/>
+              </a:ext>
+            </a:extLst>
+          </p:cNvPr>
           <p:cNvSpPr txBox="1"/>
           <p:nvPr/>
         </p:nvSpPr>
         <p:spPr>
           <a:xfrm>
-            <a:off x="1714942" y="4268632"/>
-            <a:ext cx="733983" cy="292388"/>
+            <a:off x="1785219" y="2149900"/>
+            <a:ext cx="593432" cy="292388"/>
           </a:xfrm>
           <a:prstGeom prst="rect">
             <a:avLst/>
@@ -19981,20 +20015,26 @@
                 <a:ea typeface="Lato Black" charset="0"/>
                 <a:cs typeface="Lato Black" charset="0"/>
               </a:rPr>
-              <a:t>OPTION</a:t>
+              <a:t>Phase</a:t>
             </a:r>
           </a:p>
         </p:txBody>
       </p:sp>
       <p:sp>
         <p:nvSpPr>
-          <p:cNvPr id="68" name="TextBox 67"/>
+          <p:cNvPr id="18" name="TextBox 108">
+            <a:extLst>
+              <a:ext uri="{FF2B5EF4-FFF2-40B4-BE49-F238E27FC236}">
+                <a16:creationId xmlns:a16="http://schemas.microsoft.com/office/drawing/2014/main" id="{5F12CB14-80B4-A04C-AB25-0FF33B6D27DC}"/>
+              </a:ext>
+            </a:extLst>
+          </p:cNvPr>
           <p:cNvSpPr txBox="1"/>
           <p:nvPr/>
         </p:nvSpPr>
         <p:spPr>
           <a:xfrm>
-            <a:off x="1754842" y="4453947"/>
+            <a:off x="1754842" y="2335215"/>
             <a:ext cx="650160" cy="707878"/>
           </a:xfrm>
           <a:prstGeom prst="rect">
@@ -20018,7 +20058,7 @@
                 <a:ea typeface="Lato" charset="0"/>
                 <a:cs typeface="Lato" charset="0"/>
               </a:rPr>
-              <a:t>03</a:t>
+              <a:t>01</a:t>
             </a:r>
             <a:endParaRPr lang="id-ID" sz="4300" b="1" dirty="0">
               <a:solidFill>
@@ -20033,7 +20073,13 @@
       </p:sp>
       <p:sp>
         <p:nvSpPr>
-          <p:cNvPr id="69" name="Subtitle 2"/>
+          <p:cNvPr id="19" name="Subtitle 2">
+            <a:extLst>
+              <a:ext uri="{FF2B5EF4-FFF2-40B4-BE49-F238E27FC236}">
+                <a16:creationId xmlns:a16="http://schemas.microsoft.com/office/drawing/2014/main" id="{9B54BF63-959C-F944-B672-CDF85912F5D6}"/>
+              </a:ext>
+            </a:extLst>
+          </p:cNvPr>
           <p:cNvSpPr txBox="1">
             <a:spLocks/>
           </p:cNvSpPr>
@@ -20041,7 +20087,7 @@
         </p:nvSpPr>
         <p:spPr>
           <a:xfrm>
-            <a:off x="2582053" y="4663693"/>
+            <a:off x="2582053" y="2449711"/>
             <a:ext cx="2711356" cy="556084"/>
           </a:xfrm>
           <a:prstGeom prst="rect">
@@ -20235,14 +20281,20 @@
                 <a:ea typeface="Lato Light" charset="0"/>
                 <a:cs typeface="Lato Light" charset="0"/>
               </a:rPr>
-              <a:t>Frequently, your initial font choice is taken out of your hands</a:t>
+              <a:t>Notify Node Agents about upcoming infrastructure updates  </a:t>
             </a:r>
           </a:p>
         </p:txBody>
       </p:sp>
       <p:sp>
         <p:nvSpPr>
-          <p:cNvPr id="70" name="Rectangle 69"/>
+          <p:cNvPr id="20" name="Rectangle 111">
+            <a:extLst>
+              <a:ext uri="{FF2B5EF4-FFF2-40B4-BE49-F238E27FC236}">
+                <a16:creationId xmlns:a16="http://schemas.microsoft.com/office/drawing/2014/main" id="{D3DD84F1-7809-1E44-BC1F-BB06708E6F0C}"/>
+              </a:ext>
+            </a:extLst>
+          </p:cNvPr>
           <p:cNvSpPr>
             <a:spLocks/>
           </p:cNvSpPr>
@@ -20250,8 +20302,8 @@
         </p:nvSpPr>
         <p:spPr bwMode="auto">
           <a:xfrm>
-            <a:off x="2690599" y="4305894"/>
-            <a:ext cx="448841" cy="405560"/>
+            <a:off x="2691518" y="2169657"/>
+            <a:ext cx="2457146" cy="331116"/>
           </a:xfrm>
           <a:prstGeom prst="rect">
             <a:avLst/>
@@ -20262,14 +20314,14 @@
           </a:ln>
           <a:extLst>
             <a:ext uri="{909E8E84-426E-40dd-AFC4-6F175D3DCCD1}">
-              <a14:hiddenFill xmlns="" xmlns:a14="http://schemas.microsoft.com/office/drawing/2010/main">
+              <a14:hiddenFill xmlns:a14="http://schemas.microsoft.com/office/drawing/2010/main" xmlns="">
                 <a:solidFill>
                   <a:srgbClr val="FFFFFF"/>
                 </a:solidFill>
               </a14:hiddenFill>
             </a:ext>
             <a:ext uri="{91240B29-F687-4f45-9708-019B960494DF}">
-              <a14:hiddenLine xmlns="" xmlns:a14="http://schemas.microsoft.com/office/drawing/2010/main" w="12700">
+              <a14:hiddenLine xmlns:a14="http://schemas.microsoft.com/office/drawing/2010/main" xmlns="" w="12700">
                 <a:solidFill>
                   <a:schemeClr val="tx1"/>
                 </a:solidFill>
@@ -20281,24 +20333,906 @@
           </a:extLst>
         </p:spPr>
         <p:txBody>
-          <a:bodyPr vert="horz" wrap="none" lIns="0" tIns="0" rIns="0" bIns="0" anchor="ctr" anchorCtr="0">
+          <a:bodyPr vert="horz" wrap="square" lIns="0" tIns="0" rIns="0" bIns="0" anchor="ctr" anchorCtr="0">
             <a:spAutoFit/>
           </a:bodyPr>
           <a:lstStyle/>
           <a:p>
             <a:pPr defTabSz="2286000">
               <a:lnSpc>
-                <a:spcPts val="3870"/>
+                <a:spcPct val="150000"/>
               </a:lnSpc>
             </a:pPr>
             <a:r>
-              <a:rPr lang="en-US" sz="900" b="1" dirty="0">
+              <a:rPr lang="en-US" sz="1600" b="1" dirty="0">
                 <a:latin typeface="Lato Black" charset="0"/>
                 <a:ea typeface="Lato Black" charset="0"/>
                 <a:cs typeface="Lato Black" charset="0"/>
                 <a:sym typeface="Bebas Neue" charset="0"/>
               </a:rPr>
-              <a:t>TITTLE 03</a:t>
+              <a:t>Distribute Schedule</a:t>
+            </a:r>
+          </a:p>
+        </p:txBody>
+      </p:sp>
+      <p:sp>
+        <p:nvSpPr>
+          <p:cNvPr id="21" name="Freeform 143">
+            <a:extLst>
+              <a:ext uri="{FF2B5EF4-FFF2-40B4-BE49-F238E27FC236}">
+                <a16:creationId xmlns:a16="http://schemas.microsoft.com/office/drawing/2014/main" id="{77FE0730-797F-CE4C-861E-260CB3F51A83}"/>
+              </a:ext>
+            </a:extLst>
+          </p:cNvPr>
+          <p:cNvSpPr>
+            <a:spLocks noChangeArrowheads="1"/>
+          </p:cNvSpPr>
+          <p:nvPr/>
+        </p:nvSpPr>
+        <p:spPr bwMode="auto">
+          <a:xfrm>
+            <a:off x="6756116" y="2133795"/>
+            <a:ext cx="4012542" cy="1109214"/>
+          </a:xfrm>
+          <a:custGeom>
+            <a:avLst/>
+            <a:gdLst>
+              <a:gd name="T0" fmla="*/ 283 w 15344"/>
+              <a:gd name="T1" fmla="*/ 0 h 4244"/>
+              <a:gd name="T2" fmla="*/ 283 w 15344"/>
+              <a:gd name="T3" fmla="*/ 0 h 4244"/>
+              <a:gd name="T4" fmla="*/ 0 w 15344"/>
+              <a:gd name="T5" fmla="*/ 282 h 4244"/>
+              <a:gd name="T6" fmla="*/ 0 w 15344"/>
+              <a:gd name="T7" fmla="*/ 3951 h 4244"/>
+              <a:gd name="T8" fmla="*/ 283 w 15344"/>
+              <a:gd name="T9" fmla="*/ 4243 h 4244"/>
+              <a:gd name="T10" fmla="*/ 15343 w 15344"/>
+              <a:gd name="T11" fmla="*/ 4243 h 4244"/>
+              <a:gd name="T12" fmla="*/ 15343 w 15344"/>
+              <a:gd name="T13" fmla="*/ 0 h 4244"/>
+              <a:gd name="T14" fmla="*/ 283 w 15344"/>
+              <a:gd name="T15" fmla="*/ 0 h 4244"/>
+            </a:gdLst>
+            <a:ahLst/>
+            <a:cxnLst>
+              <a:cxn ang="0">
+                <a:pos x="T0" y="T1"/>
+              </a:cxn>
+              <a:cxn ang="0">
+                <a:pos x="T2" y="T3"/>
+              </a:cxn>
+              <a:cxn ang="0">
+                <a:pos x="T4" y="T5"/>
+              </a:cxn>
+              <a:cxn ang="0">
+                <a:pos x="T6" y="T7"/>
+              </a:cxn>
+              <a:cxn ang="0">
+                <a:pos x="T8" y="T9"/>
+              </a:cxn>
+              <a:cxn ang="0">
+                <a:pos x="T10" y="T11"/>
+              </a:cxn>
+              <a:cxn ang="0">
+                <a:pos x="T12" y="T13"/>
+              </a:cxn>
+              <a:cxn ang="0">
+                <a:pos x="T14" y="T15"/>
+              </a:cxn>
+            </a:cxnLst>
+            <a:rect l="0" t="0" r="r" b="b"/>
+            <a:pathLst>
+              <a:path w="15344" h="4244">
+                <a:moveTo>
+                  <a:pt x="283" y="0"/>
+                </a:moveTo>
+                <a:lnTo>
+                  <a:pt x="283" y="0"/>
+                </a:lnTo>
+                <a:cubicBezTo>
+                  <a:pt x="129" y="0"/>
+                  <a:pt x="0" y="128"/>
+                  <a:pt x="0" y="282"/>
+                </a:cubicBezTo>
+                <a:cubicBezTo>
+                  <a:pt x="0" y="3951"/>
+                  <a:pt x="0" y="3951"/>
+                  <a:pt x="0" y="3951"/>
+                </a:cubicBezTo>
+                <a:cubicBezTo>
+                  <a:pt x="0" y="4114"/>
+                  <a:pt x="129" y="4243"/>
+                  <a:pt x="283" y="4243"/>
+                </a:cubicBezTo>
+                <a:cubicBezTo>
+                  <a:pt x="15343" y="4243"/>
+                  <a:pt x="15343" y="4243"/>
+                  <a:pt x="15343" y="4243"/>
+                </a:cubicBezTo>
+                <a:cubicBezTo>
+                  <a:pt x="15343" y="0"/>
+                  <a:pt x="15343" y="0"/>
+                  <a:pt x="15343" y="0"/>
+                </a:cubicBezTo>
+                <a:lnTo>
+                  <a:pt x="283" y="0"/>
+                </a:lnTo>
+              </a:path>
+            </a:pathLst>
+          </a:custGeom>
+          <a:solidFill>
+            <a:schemeClr val="bg1">
+              <a:lumMod val="95000"/>
+            </a:schemeClr>
+          </a:solidFill>
+          <a:ln>
+            <a:noFill/>
+          </a:ln>
+          <a:effectLst/>
+        </p:spPr>
+        <p:txBody>
+          <a:bodyPr wrap="none" anchor="ctr"/>
+          <a:lstStyle/>
+          <a:p>
+            <a:endParaRPr lang="en-US" sz="3599"/>
+          </a:p>
+        </p:txBody>
+      </p:sp>
+      <p:sp>
+        <p:nvSpPr>
+          <p:cNvPr id="22" name="Freeform 144">
+            <a:extLst>
+              <a:ext uri="{FF2B5EF4-FFF2-40B4-BE49-F238E27FC236}">
+                <a16:creationId xmlns:a16="http://schemas.microsoft.com/office/drawing/2014/main" id="{02B5A49C-4B32-6141-8E51-6FF38DA98597}"/>
+              </a:ext>
+            </a:extLst>
+          </p:cNvPr>
+          <p:cNvSpPr>
+            <a:spLocks noChangeArrowheads="1"/>
+          </p:cNvSpPr>
+          <p:nvPr/>
+        </p:nvSpPr>
+        <p:spPr bwMode="auto">
+          <a:xfrm>
+            <a:off x="7054330" y="2055899"/>
+            <a:ext cx="928189" cy="1013513"/>
+          </a:xfrm>
+          <a:custGeom>
+            <a:avLst/>
+            <a:gdLst>
+              <a:gd name="T0" fmla="*/ 3240 w 3550"/>
+              <a:gd name="T1" fmla="*/ 0 h 3876"/>
+              <a:gd name="T2" fmla="*/ 3240 w 3550"/>
+              <a:gd name="T3" fmla="*/ 0 h 3876"/>
+              <a:gd name="T4" fmla="*/ 300 w 3550"/>
+              <a:gd name="T5" fmla="*/ 0 h 3876"/>
+              <a:gd name="T6" fmla="*/ 0 w 3550"/>
+              <a:gd name="T7" fmla="*/ 0 h 3876"/>
+              <a:gd name="T8" fmla="*/ 300 w 3550"/>
+              <a:gd name="T9" fmla="*/ 300 h 3876"/>
+              <a:gd name="T10" fmla="*/ 300 w 3550"/>
+              <a:gd name="T11" fmla="*/ 3695 h 3876"/>
+              <a:gd name="T12" fmla="*/ 489 w 3550"/>
+              <a:gd name="T13" fmla="*/ 3875 h 3876"/>
+              <a:gd name="T14" fmla="*/ 3360 w 3550"/>
+              <a:gd name="T15" fmla="*/ 3875 h 3876"/>
+              <a:gd name="T16" fmla="*/ 3549 w 3550"/>
+              <a:gd name="T17" fmla="*/ 3695 h 3876"/>
+              <a:gd name="T18" fmla="*/ 3549 w 3550"/>
+              <a:gd name="T19" fmla="*/ 300 h 3876"/>
+              <a:gd name="T20" fmla="*/ 3240 w 3550"/>
+              <a:gd name="T21" fmla="*/ 0 h 3876"/>
+            </a:gdLst>
+            <a:ahLst/>
+            <a:cxnLst>
+              <a:cxn ang="0">
+                <a:pos x="T0" y="T1"/>
+              </a:cxn>
+              <a:cxn ang="0">
+                <a:pos x="T2" y="T3"/>
+              </a:cxn>
+              <a:cxn ang="0">
+                <a:pos x="T4" y="T5"/>
+              </a:cxn>
+              <a:cxn ang="0">
+                <a:pos x="T6" y="T7"/>
+              </a:cxn>
+              <a:cxn ang="0">
+                <a:pos x="T8" y="T9"/>
+              </a:cxn>
+              <a:cxn ang="0">
+                <a:pos x="T10" y="T11"/>
+              </a:cxn>
+              <a:cxn ang="0">
+                <a:pos x="T12" y="T13"/>
+              </a:cxn>
+              <a:cxn ang="0">
+                <a:pos x="T14" y="T15"/>
+              </a:cxn>
+              <a:cxn ang="0">
+                <a:pos x="T16" y="T17"/>
+              </a:cxn>
+              <a:cxn ang="0">
+                <a:pos x="T18" y="T19"/>
+              </a:cxn>
+              <a:cxn ang="0">
+                <a:pos x="T20" y="T21"/>
+              </a:cxn>
+            </a:cxnLst>
+            <a:rect l="0" t="0" r="r" b="b"/>
+            <a:pathLst>
+              <a:path w="3550" h="3876">
+                <a:moveTo>
+                  <a:pt x="3240" y="0"/>
+                </a:moveTo>
+                <a:lnTo>
+                  <a:pt x="3240" y="0"/>
+                </a:lnTo>
+                <a:cubicBezTo>
+                  <a:pt x="300" y="0"/>
+                  <a:pt x="300" y="0"/>
+                  <a:pt x="300" y="0"/>
+                </a:cubicBezTo>
+                <a:cubicBezTo>
+                  <a:pt x="0" y="0"/>
+                  <a:pt x="0" y="0"/>
+                  <a:pt x="0" y="0"/>
+                </a:cubicBezTo>
+                <a:cubicBezTo>
+                  <a:pt x="163" y="0"/>
+                  <a:pt x="300" y="137"/>
+                  <a:pt x="300" y="300"/>
+                </a:cubicBezTo>
+                <a:cubicBezTo>
+                  <a:pt x="300" y="3695"/>
+                  <a:pt x="300" y="3695"/>
+                  <a:pt x="300" y="3695"/>
+                </a:cubicBezTo>
+                <a:cubicBezTo>
+                  <a:pt x="300" y="3798"/>
+                  <a:pt x="386" y="3875"/>
+                  <a:pt x="489" y="3875"/>
+                </a:cubicBezTo>
+                <a:cubicBezTo>
+                  <a:pt x="3360" y="3875"/>
+                  <a:pt x="3360" y="3875"/>
+                  <a:pt x="3360" y="3875"/>
+                </a:cubicBezTo>
+                <a:cubicBezTo>
+                  <a:pt x="3463" y="3875"/>
+                  <a:pt x="3549" y="3798"/>
+                  <a:pt x="3549" y="3695"/>
+                </a:cubicBezTo>
+                <a:cubicBezTo>
+                  <a:pt x="3549" y="300"/>
+                  <a:pt x="3549" y="300"/>
+                  <a:pt x="3549" y="300"/>
+                </a:cubicBezTo>
+                <a:cubicBezTo>
+                  <a:pt x="3549" y="137"/>
+                  <a:pt x="3412" y="0"/>
+                  <a:pt x="3240" y="0"/>
+                </a:cubicBezTo>
+              </a:path>
+            </a:pathLst>
+          </a:custGeom>
+          <a:solidFill>
+            <a:schemeClr val="accent3"/>
+          </a:solidFill>
+          <a:ln>
+            <a:noFill/>
+          </a:ln>
+          <a:effectLst>
+            <a:outerShdw blurRad="165100" dist="127000" dir="5400000" sx="101000" sy="101000" algn="t" rotWithShape="0">
+              <a:prstClr val="black">
+                <a:alpha val="40000"/>
+              </a:prstClr>
+            </a:outerShdw>
+          </a:effectLst>
+        </p:spPr>
+        <p:txBody>
+          <a:bodyPr wrap="none" anchor="ctr"/>
+          <a:lstStyle/>
+          <a:p>
+            <a:endParaRPr lang="en-US" sz="3599"/>
+          </a:p>
+        </p:txBody>
+      </p:sp>
+      <p:sp>
+        <p:nvSpPr>
+          <p:cNvPr id="23" name="Freeform 145">
+            <a:extLst>
+              <a:ext uri="{FF2B5EF4-FFF2-40B4-BE49-F238E27FC236}">
+                <a16:creationId xmlns:a16="http://schemas.microsoft.com/office/drawing/2014/main" id="{08D725B5-0EB3-F644-9015-C94349B720E6}"/>
+              </a:ext>
+            </a:extLst>
+          </p:cNvPr>
+          <p:cNvSpPr>
+            <a:spLocks noChangeArrowheads="1"/>
+          </p:cNvSpPr>
+          <p:nvPr/>
+        </p:nvSpPr>
+        <p:spPr bwMode="auto">
+          <a:xfrm flipH="1">
+            <a:off x="6974007" y="2055899"/>
+            <a:ext cx="160170" cy="80548"/>
+          </a:xfrm>
+          <a:custGeom>
+            <a:avLst/>
+            <a:gdLst>
+              <a:gd name="T0" fmla="*/ 381 w 763"/>
+              <a:gd name="T1" fmla="*/ 0 h 382"/>
+              <a:gd name="T2" fmla="*/ 381 w 763"/>
+              <a:gd name="T3" fmla="*/ 0 h 382"/>
+              <a:gd name="T4" fmla="*/ 0 w 763"/>
+              <a:gd name="T5" fmla="*/ 381 h 382"/>
+              <a:gd name="T6" fmla="*/ 762 w 763"/>
+              <a:gd name="T7" fmla="*/ 381 h 382"/>
+              <a:gd name="T8" fmla="*/ 381 w 763"/>
+              <a:gd name="T9" fmla="*/ 0 h 382"/>
+            </a:gdLst>
+            <a:ahLst/>
+            <a:cxnLst>
+              <a:cxn ang="0">
+                <a:pos x="T0" y="T1"/>
+              </a:cxn>
+              <a:cxn ang="0">
+                <a:pos x="T2" y="T3"/>
+              </a:cxn>
+              <a:cxn ang="0">
+                <a:pos x="T4" y="T5"/>
+              </a:cxn>
+              <a:cxn ang="0">
+                <a:pos x="T6" y="T7"/>
+              </a:cxn>
+              <a:cxn ang="0">
+                <a:pos x="T8" y="T9"/>
+              </a:cxn>
+            </a:cxnLst>
+            <a:rect l="0" t="0" r="r" b="b"/>
+            <a:pathLst>
+              <a:path w="763" h="382">
+                <a:moveTo>
+                  <a:pt x="381" y="0"/>
+                </a:moveTo>
+                <a:lnTo>
+                  <a:pt x="381" y="0"/>
+                </a:lnTo>
+                <a:cubicBezTo>
+                  <a:pt x="172" y="0"/>
+                  <a:pt x="0" y="170"/>
+                  <a:pt x="0" y="381"/>
+                </a:cubicBezTo>
+                <a:cubicBezTo>
+                  <a:pt x="762" y="381"/>
+                  <a:pt x="762" y="381"/>
+                  <a:pt x="762" y="381"/>
+                </a:cubicBezTo>
+                <a:cubicBezTo>
+                  <a:pt x="762" y="170"/>
+                  <a:pt x="592" y="0"/>
+                  <a:pt x="381" y="0"/>
+                </a:cubicBezTo>
+              </a:path>
+            </a:pathLst>
+          </a:custGeom>
+          <a:solidFill>
+            <a:schemeClr val="accent1">
+              <a:lumMod val="75000"/>
+            </a:schemeClr>
+          </a:solidFill>
+          <a:ln>
+            <a:noFill/>
+          </a:ln>
+          <a:effectLst/>
+        </p:spPr>
+        <p:txBody>
+          <a:bodyPr wrap="none" anchor="ctr"/>
+          <a:lstStyle/>
+          <a:p>
+            <a:endParaRPr lang="en-US" sz="3599"/>
+          </a:p>
+        </p:txBody>
+      </p:sp>
+      <p:sp>
+        <p:nvSpPr>
+          <p:cNvPr id="24" name="Freeform 146">
+            <a:extLst>
+              <a:ext uri="{FF2B5EF4-FFF2-40B4-BE49-F238E27FC236}">
+                <a16:creationId xmlns:a16="http://schemas.microsoft.com/office/drawing/2014/main" id="{645A0FAE-C84A-6547-970E-50B1DE03A11F}"/>
+              </a:ext>
+            </a:extLst>
+          </p:cNvPr>
+          <p:cNvSpPr>
+            <a:spLocks noChangeArrowheads="1"/>
+          </p:cNvSpPr>
+          <p:nvPr/>
+        </p:nvSpPr>
+        <p:spPr bwMode="auto">
+          <a:xfrm>
+            <a:off x="10768658" y="2136447"/>
+            <a:ext cx="145664" cy="1106562"/>
+          </a:xfrm>
+          <a:custGeom>
+            <a:avLst/>
+            <a:gdLst>
+              <a:gd name="T0" fmla="*/ 253 w 526"/>
+              <a:gd name="T1" fmla="*/ 0 h 3985"/>
+              <a:gd name="T2" fmla="*/ 253 w 526"/>
+              <a:gd name="T3" fmla="*/ 0 h 3985"/>
+              <a:gd name="T4" fmla="*/ 0 w 526"/>
+              <a:gd name="T5" fmla="*/ 0 h 3985"/>
+              <a:gd name="T6" fmla="*/ 0 w 526"/>
+              <a:gd name="T7" fmla="*/ 3984 h 3985"/>
+              <a:gd name="T8" fmla="*/ 253 w 526"/>
+              <a:gd name="T9" fmla="*/ 3984 h 3985"/>
+              <a:gd name="T10" fmla="*/ 525 w 526"/>
+              <a:gd name="T11" fmla="*/ 3716 h 3985"/>
+              <a:gd name="T12" fmla="*/ 525 w 526"/>
+              <a:gd name="T13" fmla="*/ 268 h 3985"/>
+              <a:gd name="T14" fmla="*/ 253 w 526"/>
+              <a:gd name="T15" fmla="*/ 0 h 3985"/>
+            </a:gdLst>
+            <a:ahLst/>
+            <a:cxnLst>
+              <a:cxn ang="0">
+                <a:pos x="T0" y="T1"/>
+              </a:cxn>
+              <a:cxn ang="0">
+                <a:pos x="T2" y="T3"/>
+              </a:cxn>
+              <a:cxn ang="0">
+                <a:pos x="T4" y="T5"/>
+              </a:cxn>
+              <a:cxn ang="0">
+                <a:pos x="T6" y="T7"/>
+              </a:cxn>
+              <a:cxn ang="0">
+                <a:pos x="T8" y="T9"/>
+              </a:cxn>
+              <a:cxn ang="0">
+                <a:pos x="T10" y="T11"/>
+              </a:cxn>
+              <a:cxn ang="0">
+                <a:pos x="T12" y="T13"/>
+              </a:cxn>
+              <a:cxn ang="0">
+                <a:pos x="T14" y="T15"/>
+              </a:cxn>
+            </a:cxnLst>
+            <a:rect l="0" t="0" r="r" b="b"/>
+            <a:pathLst>
+              <a:path w="526" h="3985">
+                <a:moveTo>
+                  <a:pt x="253" y="0"/>
+                </a:moveTo>
+                <a:lnTo>
+                  <a:pt x="253" y="0"/>
+                </a:lnTo>
+                <a:cubicBezTo>
+                  <a:pt x="0" y="0"/>
+                  <a:pt x="0" y="0"/>
+                  <a:pt x="0" y="0"/>
+                </a:cubicBezTo>
+                <a:cubicBezTo>
+                  <a:pt x="0" y="3984"/>
+                  <a:pt x="0" y="3984"/>
+                  <a:pt x="0" y="3984"/>
+                </a:cubicBezTo>
+                <a:cubicBezTo>
+                  <a:pt x="253" y="3984"/>
+                  <a:pt x="253" y="3984"/>
+                  <a:pt x="253" y="3984"/>
+                </a:cubicBezTo>
+                <a:cubicBezTo>
+                  <a:pt x="404" y="3984"/>
+                  <a:pt x="525" y="3863"/>
+                  <a:pt x="525" y="3716"/>
+                </a:cubicBezTo>
+                <a:cubicBezTo>
+                  <a:pt x="525" y="268"/>
+                  <a:pt x="525" y="268"/>
+                  <a:pt x="525" y="268"/>
+                </a:cubicBezTo>
+                <a:cubicBezTo>
+                  <a:pt x="525" y="121"/>
+                  <a:pt x="404" y="0"/>
+                  <a:pt x="253" y="0"/>
+                </a:cubicBezTo>
+              </a:path>
+            </a:pathLst>
+          </a:custGeom>
+          <a:solidFill>
+            <a:schemeClr val="accent3"/>
+          </a:solidFill>
+          <a:ln>
+            <a:noFill/>
+          </a:ln>
+          <a:effectLst/>
+        </p:spPr>
+        <p:txBody>
+          <a:bodyPr wrap="none" anchor="ctr"/>
+          <a:lstStyle/>
+          <a:p>
+            <a:endParaRPr lang="en-US" sz="3599"/>
+          </a:p>
+        </p:txBody>
+      </p:sp>
+      <p:sp>
+        <p:nvSpPr>
+          <p:cNvPr id="25" name="TextBox 107">
+            <a:extLst>
+              <a:ext uri="{FF2B5EF4-FFF2-40B4-BE49-F238E27FC236}">
+                <a16:creationId xmlns:a16="http://schemas.microsoft.com/office/drawing/2014/main" id="{7FDE631B-000A-C34E-82BD-97391448DB49}"/>
+              </a:ext>
+            </a:extLst>
+          </p:cNvPr>
+          <p:cNvSpPr txBox="1"/>
+          <p:nvPr/>
+        </p:nvSpPr>
+        <p:spPr>
+          <a:xfrm>
+            <a:off x="7260468" y="2151927"/>
+            <a:ext cx="593432" cy="292388"/>
+          </a:xfrm>
+          <a:prstGeom prst="rect">
+            <a:avLst/>
+          </a:prstGeom>
+          <a:noFill/>
+        </p:spPr>
+        <p:txBody>
+          <a:bodyPr wrap="none" rtlCol="0" anchor="ctr" anchorCtr="0">
+            <a:spAutoFit/>
+          </a:bodyPr>
+          <a:lstStyle/>
+          <a:p>
+            <a:pPr algn="ctr"/>
+            <a:r>
+              <a:rPr lang="en-US" sz="1300" b="1" dirty="0">
+                <a:solidFill>
+                  <a:schemeClr val="bg1"/>
+                </a:solidFill>
+                <a:latin typeface="Lato Black" charset="0"/>
+                <a:ea typeface="Lato Black" charset="0"/>
+                <a:cs typeface="Lato Black" charset="0"/>
+              </a:rPr>
+              <a:t>Phase</a:t>
+            </a:r>
+          </a:p>
+        </p:txBody>
+      </p:sp>
+      <p:sp>
+        <p:nvSpPr>
+          <p:cNvPr id="26" name="TextBox 108">
+            <a:extLst>
+              <a:ext uri="{FF2B5EF4-FFF2-40B4-BE49-F238E27FC236}">
+                <a16:creationId xmlns:a16="http://schemas.microsoft.com/office/drawing/2014/main" id="{E95FE7C0-C779-5E4F-AFB5-01225A4EC472}"/>
+              </a:ext>
+            </a:extLst>
+          </p:cNvPr>
+          <p:cNvSpPr txBox="1"/>
+          <p:nvPr/>
+        </p:nvSpPr>
+        <p:spPr>
+          <a:xfrm>
+            <a:off x="7230091" y="2337242"/>
+            <a:ext cx="650160" cy="707878"/>
+          </a:xfrm>
+          <a:prstGeom prst="rect">
+            <a:avLst/>
+          </a:prstGeom>
+          <a:noFill/>
+        </p:spPr>
+        <p:txBody>
+          <a:bodyPr wrap="none" lIns="45711" tIns="22856" rIns="45711" bIns="22856" rtlCol="0">
+            <a:spAutoFit/>
+          </a:bodyPr>
+          <a:lstStyle/>
+          <a:p>
+            <a:pPr algn="ctr"/>
+            <a:r>
+              <a:rPr lang="en-US" sz="4300" b="1" dirty="0">
+                <a:solidFill>
+                  <a:schemeClr val="bg1"/>
+                </a:solidFill>
+                <a:latin typeface="Lato" charset="0"/>
+                <a:ea typeface="Lato" charset="0"/>
+                <a:cs typeface="Lato" charset="0"/>
+              </a:rPr>
+              <a:t>02</a:t>
+            </a:r>
+            <a:endParaRPr lang="id-ID" sz="4300" b="1" dirty="0">
+              <a:solidFill>
+                <a:schemeClr val="bg1"/>
+              </a:solidFill>
+              <a:latin typeface="Lato" charset="0"/>
+              <a:ea typeface="Lato" charset="0"/>
+              <a:cs typeface="Lato" charset="0"/>
+            </a:endParaRPr>
+          </a:p>
+        </p:txBody>
+      </p:sp>
+      <p:sp>
+        <p:nvSpPr>
+          <p:cNvPr id="27" name="Subtitle 2">
+            <a:extLst>
+              <a:ext uri="{FF2B5EF4-FFF2-40B4-BE49-F238E27FC236}">
+                <a16:creationId xmlns:a16="http://schemas.microsoft.com/office/drawing/2014/main" id="{EFC99919-939F-364F-935E-9E7BBBEF7556}"/>
+              </a:ext>
+            </a:extLst>
+          </p:cNvPr>
+          <p:cNvSpPr txBox="1">
+            <a:spLocks/>
+          </p:cNvSpPr>
+          <p:nvPr/>
+        </p:nvSpPr>
+        <p:spPr>
+          <a:xfrm>
+            <a:off x="8057302" y="2451738"/>
+            <a:ext cx="2711356" cy="786916"/>
+          </a:xfrm>
+          <a:prstGeom prst="rect">
+            <a:avLst/>
+          </a:prstGeom>
+        </p:spPr>
+        <p:txBody>
+          <a:bodyPr vert="horz" wrap="square" lIns="108745" tIns="54373" rIns="108745" bIns="54373" rtlCol="0">
+            <a:spAutoFit/>
+          </a:bodyPr>
+          <a:lstStyle>
+            <a:lvl1pPr marL="0" indent="0" algn="ctr" defTabSz="1087636" rtl="0" eaLnBrk="1" latinLnBrk="0" hangingPunct="1">
+              <a:lnSpc>
+                <a:spcPct val="120000"/>
+              </a:lnSpc>
+              <a:spcBef>
+                <a:spcPct val="20000"/>
+              </a:spcBef>
+              <a:buFont typeface="Arial"/>
+              <a:buNone/>
+              <a:defRPr sz="2400" kern="1200">
+                <a:solidFill>
+                  <a:schemeClr val="tx2"/>
+                </a:solidFill>
+                <a:latin typeface="Open Sans Light"/>
+                <a:ea typeface="+mn-ea"/>
+                <a:cs typeface="Open Sans Light"/>
+              </a:defRPr>
+            </a:lvl1pPr>
+            <a:lvl2pPr marL="1087636" indent="0" algn="ctr" defTabSz="1087636" rtl="0" eaLnBrk="1" latinLnBrk="0" hangingPunct="1">
+              <a:lnSpc>
+                <a:spcPct val="130000"/>
+              </a:lnSpc>
+              <a:spcBef>
+                <a:spcPct val="20000"/>
+              </a:spcBef>
+              <a:buFont typeface="Arial"/>
+              <a:buNone/>
+              <a:defRPr sz="3200" kern="1200">
+                <a:solidFill>
+                  <a:schemeClr val="tx1">
+                    <a:tint val="75000"/>
+                  </a:schemeClr>
+                </a:solidFill>
+                <a:latin typeface="Open Sans"/>
+                <a:ea typeface="+mn-ea"/>
+                <a:cs typeface="Open Sans"/>
+              </a:defRPr>
+            </a:lvl2pPr>
+            <a:lvl3pPr marL="2175271" indent="0" algn="ctr" defTabSz="1087636" rtl="0" eaLnBrk="1" latinLnBrk="0" hangingPunct="1">
+              <a:lnSpc>
+                <a:spcPct val="130000"/>
+              </a:lnSpc>
+              <a:spcBef>
+                <a:spcPct val="20000"/>
+              </a:spcBef>
+              <a:buFont typeface="Arial"/>
+              <a:buNone/>
+              <a:defRPr sz="3200" kern="1200">
+                <a:solidFill>
+                  <a:schemeClr val="tx1">
+                    <a:tint val="75000"/>
+                  </a:schemeClr>
+                </a:solidFill>
+                <a:latin typeface="Open Sans"/>
+                <a:ea typeface="+mn-ea"/>
+                <a:cs typeface="Open Sans"/>
+              </a:defRPr>
+            </a:lvl3pPr>
+            <a:lvl4pPr marL="3262912" indent="0" algn="ctr" defTabSz="1087636" rtl="0" eaLnBrk="1" latinLnBrk="0" hangingPunct="1">
+              <a:lnSpc>
+                <a:spcPct val="130000"/>
+              </a:lnSpc>
+              <a:spcBef>
+                <a:spcPct val="20000"/>
+              </a:spcBef>
+              <a:buFont typeface="Arial"/>
+              <a:buNone/>
+              <a:defRPr sz="3200" kern="1200">
+                <a:solidFill>
+                  <a:schemeClr val="tx1">
+                    <a:tint val="75000"/>
+                  </a:schemeClr>
+                </a:solidFill>
+                <a:latin typeface="Open Sans"/>
+                <a:ea typeface="+mn-ea"/>
+                <a:cs typeface="Open Sans"/>
+              </a:defRPr>
+            </a:lvl4pPr>
+            <a:lvl5pPr marL="4350546" indent="0" algn="ctr" defTabSz="1087636" rtl="0" eaLnBrk="1" latinLnBrk="0" hangingPunct="1">
+              <a:lnSpc>
+                <a:spcPct val="130000"/>
+              </a:lnSpc>
+              <a:spcBef>
+                <a:spcPct val="20000"/>
+              </a:spcBef>
+              <a:buFont typeface="Arial"/>
+              <a:buNone/>
+              <a:defRPr sz="3200" kern="1200">
+                <a:solidFill>
+                  <a:schemeClr val="tx1">
+                    <a:tint val="75000"/>
+                  </a:schemeClr>
+                </a:solidFill>
+                <a:latin typeface="Open Sans"/>
+                <a:ea typeface="+mn-ea"/>
+                <a:cs typeface="Open Sans"/>
+              </a:defRPr>
+            </a:lvl5pPr>
+            <a:lvl6pPr marL="5438184" indent="0" algn="ctr" defTabSz="1087636" rtl="0" eaLnBrk="1" latinLnBrk="0" hangingPunct="1">
+              <a:spcBef>
+                <a:spcPct val="20000"/>
+              </a:spcBef>
+              <a:buFont typeface="Arial"/>
+              <a:buNone/>
+              <a:defRPr sz="4800" kern="1200">
+                <a:solidFill>
+                  <a:schemeClr val="tx1">
+                    <a:tint val="75000"/>
+                  </a:schemeClr>
+                </a:solidFill>
+                <a:latin typeface="+mn-lt"/>
+                <a:ea typeface="+mn-ea"/>
+                <a:cs typeface="+mn-cs"/>
+              </a:defRPr>
+            </a:lvl6pPr>
+            <a:lvl7pPr marL="6525820" indent="0" algn="ctr" defTabSz="1087636" rtl="0" eaLnBrk="1" latinLnBrk="0" hangingPunct="1">
+              <a:spcBef>
+                <a:spcPct val="20000"/>
+              </a:spcBef>
+              <a:buFont typeface="Arial"/>
+              <a:buNone/>
+              <a:defRPr sz="4800" kern="1200">
+                <a:solidFill>
+                  <a:schemeClr val="tx1">
+                    <a:tint val="75000"/>
+                  </a:schemeClr>
+                </a:solidFill>
+                <a:latin typeface="+mn-lt"/>
+                <a:ea typeface="+mn-ea"/>
+                <a:cs typeface="+mn-cs"/>
+              </a:defRPr>
+            </a:lvl7pPr>
+            <a:lvl8pPr marL="7613455" indent="0" algn="ctr" defTabSz="1087636" rtl="0" eaLnBrk="1" latinLnBrk="0" hangingPunct="1">
+              <a:spcBef>
+                <a:spcPct val="20000"/>
+              </a:spcBef>
+              <a:buFont typeface="Arial"/>
+              <a:buNone/>
+              <a:defRPr sz="4800" kern="1200">
+                <a:solidFill>
+                  <a:schemeClr val="tx1">
+                    <a:tint val="75000"/>
+                  </a:schemeClr>
+                </a:solidFill>
+                <a:latin typeface="+mn-lt"/>
+                <a:ea typeface="+mn-ea"/>
+                <a:cs typeface="+mn-cs"/>
+              </a:defRPr>
+            </a:lvl8pPr>
+            <a:lvl9pPr marL="8701091" indent="0" algn="ctr" defTabSz="1087636" rtl="0" eaLnBrk="1" latinLnBrk="0" hangingPunct="1">
+              <a:spcBef>
+                <a:spcPct val="20000"/>
+              </a:spcBef>
+              <a:buFont typeface="Arial"/>
+              <a:buNone/>
+              <a:defRPr sz="4800" kern="1200">
+                <a:solidFill>
+                  <a:schemeClr val="tx1">
+                    <a:tint val="75000"/>
+                  </a:schemeClr>
+                </a:solidFill>
+                <a:latin typeface="+mn-lt"/>
+                <a:ea typeface="+mn-ea"/>
+                <a:cs typeface="+mn-cs"/>
+              </a:defRPr>
+            </a:lvl9pPr>
+          </a:lstStyle>
+          <a:p>
+            <a:pPr algn="l">
+              <a:lnSpc>
+                <a:spcPts val="1820"/>
+              </a:lnSpc>
+            </a:pPr>
+            <a:r>
+              <a:rPr lang="en-US" sz="1250" dirty="0">
+                <a:solidFill>
+                  <a:schemeClr val="tx1"/>
+                </a:solidFill>
+                <a:latin typeface="Lato Light" charset="0"/>
+                <a:ea typeface="Lato Light" charset="0"/>
+                <a:cs typeface="Lato Light" charset="0"/>
+              </a:rPr>
+              <a:t>Let Node Agents apply the scheduled changes at pre-determined times and collect real-time reports</a:t>
+            </a:r>
+          </a:p>
+        </p:txBody>
+      </p:sp>
+      <p:sp>
+        <p:nvSpPr>
+          <p:cNvPr id="28" name="Rectangle 111">
+            <a:extLst>
+              <a:ext uri="{FF2B5EF4-FFF2-40B4-BE49-F238E27FC236}">
+                <a16:creationId xmlns:a16="http://schemas.microsoft.com/office/drawing/2014/main" id="{7AA4D7F7-475B-B047-AC92-9752256D2413}"/>
+              </a:ext>
+            </a:extLst>
+          </p:cNvPr>
+          <p:cNvSpPr>
+            <a:spLocks/>
+          </p:cNvSpPr>
+          <p:nvPr/>
+        </p:nvSpPr>
+        <p:spPr bwMode="auto">
+          <a:xfrm>
+            <a:off x="8166767" y="2171684"/>
+            <a:ext cx="2457146" cy="331116"/>
+          </a:xfrm>
+          <a:prstGeom prst="rect">
+            <a:avLst/>
+          </a:prstGeom>
+          <a:noFill/>
+          <a:ln>
+            <a:noFill/>
+          </a:ln>
+          <a:extLst>
+            <a:ext uri="{909E8E84-426E-40dd-AFC4-6F175D3DCCD1}">
+              <a14:hiddenFill xmlns:a14="http://schemas.microsoft.com/office/drawing/2010/main" xmlns="">
+                <a:solidFill>
+                  <a:srgbClr val="FFFFFF"/>
+                </a:solidFill>
+              </a14:hiddenFill>
+            </a:ext>
+            <a:ext uri="{91240B29-F687-4f45-9708-019B960494DF}">
+              <a14:hiddenLine xmlns:a14="http://schemas.microsoft.com/office/drawing/2010/main" xmlns="" w="12700">
+                <a:solidFill>
+                  <a:schemeClr val="tx1"/>
+                </a:solidFill>
+                <a:miter lim="800000"/>
+                <a:headEnd/>
+                <a:tailEnd/>
+              </a14:hiddenLine>
+            </a:ext>
+          </a:extLst>
+        </p:spPr>
+        <p:txBody>
+          <a:bodyPr vert="horz" wrap="square" lIns="0" tIns="0" rIns="0" bIns="0" anchor="ctr" anchorCtr="0">
+            <a:spAutoFit/>
+          </a:bodyPr>
+          <a:lstStyle/>
+          <a:p>
+            <a:pPr defTabSz="2286000">
+              <a:lnSpc>
+                <a:spcPct val="150000"/>
+              </a:lnSpc>
+            </a:pPr>
+            <a:r>
+              <a:rPr lang="en-US" sz="1600" b="1" dirty="0">
+                <a:latin typeface="Lato Black" charset="0"/>
+                <a:ea typeface="Lato Black" charset="0"/>
+                <a:cs typeface="Lato Black" charset="0"/>
+                <a:sym typeface="Bebas Neue" charset="0"/>
+              </a:rPr>
+              <a:t>Execute Schedule</a:t>
             </a:r>
           </a:p>
         </p:txBody>
@@ -20318,6 +21252,7338 @@
       <p:transition p14:dur="0" advClick="0"/>
     </mc:Choice>
     <mc:Fallback xmlns="">
+      <p:transition advClick="0"/>
+    </mc:Fallback>
+  </mc:AlternateContent>
+</p:sld>
+</file>
+
+<file path=ppt/slides/slide6.xml><?xml version="1.0" encoding="utf-8"?>
+<p:sld xmlns:a="http://schemas.openxmlformats.org/drawingml/2006/main" xmlns:r="http://schemas.openxmlformats.org/officeDocument/2006/relationships" xmlns:p="http://schemas.openxmlformats.org/presentationml/2006/main" show="0">
+  <p:cSld>
+    <p:spTree>
+      <p:nvGrpSpPr>
+        <p:cNvPr id="1" name=""/>
+        <p:cNvGrpSpPr/>
+        <p:nvPr/>
+      </p:nvGrpSpPr>
+      <p:grpSpPr>
+        <a:xfrm>
+          <a:off x="0" y="0"/>
+          <a:ext cx="0" cy="0"/>
+          <a:chOff x="0" y="0"/>
+          <a:chExt cx="0" cy="0"/>
+        </a:xfrm>
+      </p:grpSpPr>
+      <p:sp>
+        <p:nvSpPr>
+          <p:cNvPr id="40" name="TextBox 39"/>
+          <p:cNvSpPr txBox="1"/>
+          <p:nvPr/>
+        </p:nvSpPr>
+        <p:spPr>
+          <a:xfrm>
+            <a:off x="2505547" y="241509"/>
+            <a:ext cx="7180923" cy="723267"/>
+          </a:xfrm>
+          <a:prstGeom prst="rect">
+            <a:avLst/>
+          </a:prstGeom>
+          <a:noFill/>
+        </p:spPr>
+        <p:txBody>
+          <a:bodyPr wrap="none" lIns="45711" tIns="22856" rIns="45711" bIns="22856" rtlCol="0">
+            <a:spAutoFit/>
+          </a:bodyPr>
+          <a:lstStyle/>
+          <a:p>
+            <a:pPr algn="ctr"/>
+            <a:r>
+              <a:rPr lang="en-US" sz="4400" b="1" dirty="0">
+                <a:solidFill>
+                  <a:schemeClr val="tx2"/>
+                </a:solidFill>
+                <a:latin typeface="Lato" charset="0"/>
+                <a:ea typeface="Lato" charset="0"/>
+                <a:cs typeface="Lato" charset="0"/>
+              </a:rPr>
+              <a:t>Fixed Orchestration Schedule</a:t>
+            </a:r>
+            <a:endParaRPr lang="id-ID" sz="4400" b="1" dirty="0">
+              <a:solidFill>
+                <a:schemeClr val="tx2"/>
+              </a:solidFill>
+              <a:latin typeface="Lato" charset="0"/>
+              <a:ea typeface="Lato" charset="0"/>
+              <a:cs typeface="Lato" charset="0"/>
+            </a:endParaRPr>
+          </a:p>
+        </p:txBody>
+      </p:sp>
+      <p:sp>
+        <p:nvSpPr>
+          <p:cNvPr id="41" name="Rectangle 40"/>
+          <p:cNvSpPr/>
+          <p:nvPr/>
+        </p:nvSpPr>
+        <p:spPr>
+          <a:xfrm>
+            <a:off x="5718037" y="1235334"/>
+            <a:ext cx="776519" cy="45719"/>
+          </a:xfrm>
+          <a:prstGeom prst="rect">
+            <a:avLst/>
+          </a:prstGeom>
+          <a:solidFill>
+            <a:schemeClr val="tx2"/>
+          </a:solidFill>
+          <a:ln>
+            <a:noFill/>
+          </a:ln>
+          <a:effectLst/>
+        </p:spPr>
+        <p:style>
+          <a:lnRef idx="1">
+            <a:schemeClr val="accent1"/>
+          </a:lnRef>
+          <a:fillRef idx="3">
+            <a:schemeClr val="accent1"/>
+          </a:fillRef>
+          <a:effectRef idx="2">
+            <a:schemeClr val="accent1"/>
+          </a:effectRef>
+          <a:fontRef idx="minor">
+            <a:schemeClr val="lt1"/>
+          </a:fontRef>
+        </p:style>
+        <p:txBody>
+          <a:bodyPr lIns="45670" tIns="22836" rIns="45670" bIns="22836" rtlCol="0" anchor="ctr"/>
+          <a:lstStyle/>
+          <a:p>
+            <a:pPr algn="ctr"/>
+            <a:endParaRPr lang="en-US" sz="900" dirty="0">
+              <a:solidFill>
+                <a:schemeClr val="accent2"/>
+              </a:solidFill>
+              <a:latin typeface="Lato Light" charset="0"/>
+            </a:endParaRPr>
+          </a:p>
+        </p:txBody>
+      </p:sp>
+      <p:sp>
+        <p:nvSpPr>
+          <p:cNvPr id="42" name="Subtitle 2"/>
+          <p:cNvSpPr txBox="1">
+            <a:spLocks/>
+          </p:cNvSpPr>
+          <p:nvPr/>
+        </p:nvSpPr>
+        <p:spPr>
+          <a:xfrm>
+            <a:off x="4662375" y="817417"/>
+            <a:ext cx="2887909" cy="376997"/>
+          </a:xfrm>
+          <a:prstGeom prst="rect">
+            <a:avLst/>
+          </a:prstGeom>
+        </p:spPr>
+        <p:txBody>
+          <a:bodyPr vert="horz" wrap="none" lIns="108745" tIns="54373" rIns="108745" bIns="54373" rtlCol="0">
+            <a:spAutoFit/>
+          </a:bodyPr>
+          <a:lstStyle>
+            <a:lvl1pPr marL="0" indent="0" algn="ctr" defTabSz="1087636" rtl="0" eaLnBrk="1" latinLnBrk="0" hangingPunct="1">
+              <a:lnSpc>
+                <a:spcPct val="120000"/>
+              </a:lnSpc>
+              <a:spcBef>
+                <a:spcPct val="20000"/>
+              </a:spcBef>
+              <a:buFont typeface="Arial"/>
+              <a:buNone/>
+              <a:defRPr sz="2400" kern="1200">
+                <a:solidFill>
+                  <a:schemeClr val="tx2"/>
+                </a:solidFill>
+                <a:latin typeface="Open Sans Light"/>
+                <a:ea typeface="+mn-ea"/>
+                <a:cs typeface="Open Sans Light"/>
+              </a:defRPr>
+            </a:lvl1pPr>
+            <a:lvl2pPr marL="1087636" indent="0" algn="ctr" defTabSz="1087636" rtl="0" eaLnBrk="1" latinLnBrk="0" hangingPunct="1">
+              <a:lnSpc>
+                <a:spcPct val="130000"/>
+              </a:lnSpc>
+              <a:spcBef>
+                <a:spcPct val="20000"/>
+              </a:spcBef>
+              <a:buFont typeface="Arial"/>
+              <a:buNone/>
+              <a:defRPr sz="3200" kern="1200">
+                <a:solidFill>
+                  <a:schemeClr val="tx1">
+                    <a:tint val="75000"/>
+                  </a:schemeClr>
+                </a:solidFill>
+                <a:latin typeface="Open Sans"/>
+                <a:ea typeface="+mn-ea"/>
+                <a:cs typeface="Open Sans"/>
+              </a:defRPr>
+            </a:lvl2pPr>
+            <a:lvl3pPr marL="2175271" indent="0" algn="ctr" defTabSz="1087636" rtl="0" eaLnBrk="1" latinLnBrk="0" hangingPunct="1">
+              <a:lnSpc>
+                <a:spcPct val="130000"/>
+              </a:lnSpc>
+              <a:spcBef>
+                <a:spcPct val="20000"/>
+              </a:spcBef>
+              <a:buFont typeface="Arial"/>
+              <a:buNone/>
+              <a:defRPr sz="3200" kern="1200">
+                <a:solidFill>
+                  <a:schemeClr val="tx1">
+                    <a:tint val="75000"/>
+                  </a:schemeClr>
+                </a:solidFill>
+                <a:latin typeface="Open Sans"/>
+                <a:ea typeface="+mn-ea"/>
+                <a:cs typeface="Open Sans"/>
+              </a:defRPr>
+            </a:lvl3pPr>
+            <a:lvl4pPr marL="3262912" indent="0" algn="ctr" defTabSz="1087636" rtl="0" eaLnBrk="1" latinLnBrk="0" hangingPunct="1">
+              <a:lnSpc>
+                <a:spcPct val="130000"/>
+              </a:lnSpc>
+              <a:spcBef>
+                <a:spcPct val="20000"/>
+              </a:spcBef>
+              <a:buFont typeface="Arial"/>
+              <a:buNone/>
+              <a:defRPr sz="3200" kern="1200">
+                <a:solidFill>
+                  <a:schemeClr val="tx1">
+                    <a:tint val="75000"/>
+                  </a:schemeClr>
+                </a:solidFill>
+                <a:latin typeface="Open Sans"/>
+                <a:ea typeface="+mn-ea"/>
+                <a:cs typeface="Open Sans"/>
+              </a:defRPr>
+            </a:lvl4pPr>
+            <a:lvl5pPr marL="4350546" indent="0" algn="ctr" defTabSz="1087636" rtl="0" eaLnBrk="1" latinLnBrk="0" hangingPunct="1">
+              <a:lnSpc>
+                <a:spcPct val="130000"/>
+              </a:lnSpc>
+              <a:spcBef>
+                <a:spcPct val="20000"/>
+              </a:spcBef>
+              <a:buFont typeface="Arial"/>
+              <a:buNone/>
+              <a:defRPr sz="3200" kern="1200">
+                <a:solidFill>
+                  <a:schemeClr val="tx1">
+                    <a:tint val="75000"/>
+                  </a:schemeClr>
+                </a:solidFill>
+                <a:latin typeface="Open Sans"/>
+                <a:ea typeface="+mn-ea"/>
+                <a:cs typeface="Open Sans"/>
+              </a:defRPr>
+            </a:lvl5pPr>
+            <a:lvl6pPr marL="5438184" indent="0" algn="ctr" defTabSz="1087636" rtl="0" eaLnBrk="1" latinLnBrk="0" hangingPunct="1">
+              <a:spcBef>
+                <a:spcPct val="20000"/>
+              </a:spcBef>
+              <a:buFont typeface="Arial"/>
+              <a:buNone/>
+              <a:defRPr sz="4800" kern="1200">
+                <a:solidFill>
+                  <a:schemeClr val="tx1">
+                    <a:tint val="75000"/>
+                  </a:schemeClr>
+                </a:solidFill>
+                <a:latin typeface="+mn-lt"/>
+                <a:ea typeface="+mn-ea"/>
+                <a:cs typeface="+mn-cs"/>
+              </a:defRPr>
+            </a:lvl6pPr>
+            <a:lvl7pPr marL="6525820" indent="0" algn="ctr" defTabSz="1087636" rtl="0" eaLnBrk="1" latinLnBrk="0" hangingPunct="1">
+              <a:spcBef>
+                <a:spcPct val="20000"/>
+              </a:spcBef>
+              <a:buFont typeface="Arial"/>
+              <a:buNone/>
+              <a:defRPr sz="4800" kern="1200">
+                <a:solidFill>
+                  <a:schemeClr val="tx1">
+                    <a:tint val="75000"/>
+                  </a:schemeClr>
+                </a:solidFill>
+                <a:latin typeface="+mn-lt"/>
+                <a:ea typeface="+mn-ea"/>
+                <a:cs typeface="+mn-cs"/>
+              </a:defRPr>
+            </a:lvl7pPr>
+            <a:lvl8pPr marL="7613455" indent="0" algn="ctr" defTabSz="1087636" rtl="0" eaLnBrk="1" latinLnBrk="0" hangingPunct="1">
+              <a:spcBef>
+                <a:spcPct val="20000"/>
+              </a:spcBef>
+              <a:buFont typeface="Arial"/>
+              <a:buNone/>
+              <a:defRPr sz="4800" kern="1200">
+                <a:solidFill>
+                  <a:schemeClr val="tx1">
+                    <a:tint val="75000"/>
+                  </a:schemeClr>
+                </a:solidFill>
+                <a:latin typeface="+mn-lt"/>
+                <a:ea typeface="+mn-ea"/>
+                <a:cs typeface="+mn-cs"/>
+              </a:defRPr>
+            </a:lvl8pPr>
+            <a:lvl9pPr marL="8701091" indent="0" algn="ctr" defTabSz="1087636" rtl="0" eaLnBrk="1" latinLnBrk="0" hangingPunct="1">
+              <a:spcBef>
+                <a:spcPct val="20000"/>
+              </a:spcBef>
+              <a:buFont typeface="Arial"/>
+              <a:buNone/>
+              <a:defRPr sz="4800" kern="1200">
+                <a:solidFill>
+                  <a:schemeClr val="tx1">
+                    <a:tint val="75000"/>
+                  </a:schemeClr>
+                </a:solidFill>
+                <a:latin typeface="+mn-lt"/>
+                <a:ea typeface="+mn-ea"/>
+                <a:cs typeface="+mn-cs"/>
+              </a:defRPr>
+            </a:lvl9pPr>
+          </a:lstStyle>
+          <a:p>
+            <a:r>
+              <a:rPr lang="en-US" sz="1550" dirty="0">
+                <a:latin typeface="Lato Light"/>
+                <a:cs typeface="Lato Light"/>
+              </a:rPr>
+              <a:t>Transition time is chosen to small</a:t>
+            </a:r>
+          </a:p>
+        </p:txBody>
+      </p:sp>
+      <p:sp>
+        <p:nvSpPr>
+          <p:cNvPr id="2" name="Rechteck 1">
+            <a:extLst>
+              <a:ext uri="{FF2B5EF4-FFF2-40B4-BE49-F238E27FC236}">
+                <a16:creationId xmlns:a16="http://schemas.microsoft.com/office/drawing/2014/main" id="{77386B1F-6362-A943-8A1B-12EC9D2AD193}"/>
+              </a:ext>
+            </a:extLst>
+          </p:cNvPr>
+          <p:cNvSpPr/>
+          <p:nvPr/>
+        </p:nvSpPr>
+        <p:spPr>
+          <a:xfrm>
+            <a:off x="2084187" y="2915734"/>
+            <a:ext cx="2473945" cy="383458"/>
+          </a:xfrm>
+          <a:prstGeom prst="rect">
+            <a:avLst/>
+          </a:prstGeom>
+          <a:solidFill>
+            <a:schemeClr val="accent2"/>
+          </a:solidFill>
+          <a:ln>
+            <a:noFill/>
+          </a:ln>
+        </p:spPr>
+        <p:style>
+          <a:lnRef idx="0">
+            <a:scrgbClr r="0" g="0" b="0"/>
+          </a:lnRef>
+          <a:fillRef idx="0">
+            <a:scrgbClr r="0" g="0" b="0"/>
+          </a:fillRef>
+          <a:effectRef idx="0">
+            <a:scrgbClr r="0" g="0" b="0"/>
+          </a:effectRef>
+          <a:fontRef idx="minor">
+            <a:schemeClr val="lt1"/>
+          </a:fontRef>
+        </p:style>
+        <p:txBody>
+          <a:bodyPr rtlCol="0" anchor="ctr"/>
+          <a:lstStyle/>
+          <a:p>
+            <a:pPr algn="ctr"/>
+            <a:r>
+              <a:rPr lang="en-US" sz="1200" dirty="0"/>
+              <a:t>Transition</a:t>
+            </a:r>
+          </a:p>
+        </p:txBody>
+      </p:sp>
+      <p:sp>
+        <p:nvSpPr>
+          <p:cNvPr id="29" name="Rechteck 28">
+            <a:extLst>
+              <a:ext uri="{FF2B5EF4-FFF2-40B4-BE49-F238E27FC236}">
+                <a16:creationId xmlns:a16="http://schemas.microsoft.com/office/drawing/2014/main" id="{439CC0CD-85A2-5B44-A2BB-55D77CFE621D}"/>
+              </a:ext>
+            </a:extLst>
+          </p:cNvPr>
+          <p:cNvSpPr/>
+          <p:nvPr/>
+        </p:nvSpPr>
+        <p:spPr>
+          <a:xfrm>
+            <a:off x="4558133" y="2915734"/>
+            <a:ext cx="6189197" cy="383458"/>
+          </a:xfrm>
+          <a:prstGeom prst="rect">
+            <a:avLst/>
+          </a:prstGeom>
+          <a:solidFill>
+            <a:schemeClr val="accent1"/>
+          </a:solidFill>
+          <a:ln>
+            <a:noFill/>
+          </a:ln>
+        </p:spPr>
+        <p:style>
+          <a:lnRef idx="2">
+            <a:schemeClr val="accent1">
+              <a:shade val="50000"/>
+            </a:schemeClr>
+          </a:lnRef>
+          <a:fillRef idx="1">
+            <a:schemeClr val="accent1"/>
+          </a:fillRef>
+          <a:effectRef idx="0">
+            <a:schemeClr val="accent1"/>
+          </a:effectRef>
+          <a:fontRef idx="minor">
+            <a:schemeClr val="lt1"/>
+          </a:fontRef>
+        </p:style>
+        <p:txBody>
+          <a:bodyPr rtlCol="0" anchor="ctr"/>
+          <a:lstStyle/>
+          <a:p>
+            <a:pPr algn="ctr"/>
+            <a:r>
+              <a:rPr lang="en-US" sz="1200" dirty="0"/>
+              <a:t>State</a:t>
+            </a:r>
+          </a:p>
+        </p:txBody>
+      </p:sp>
+      <p:sp>
+        <p:nvSpPr>
+          <p:cNvPr id="30" name="TextBox 69">
+            <a:extLst>
+              <a:ext uri="{FF2B5EF4-FFF2-40B4-BE49-F238E27FC236}">
+                <a16:creationId xmlns:a16="http://schemas.microsoft.com/office/drawing/2014/main" id="{4367D4E3-F416-7347-9CEA-D694BD11EE3D}"/>
+              </a:ext>
+            </a:extLst>
+          </p:cNvPr>
+          <p:cNvSpPr txBox="1"/>
+          <p:nvPr/>
+        </p:nvSpPr>
+        <p:spPr>
+          <a:xfrm>
+            <a:off x="678338" y="2938186"/>
+            <a:ext cx="1335302" cy="338554"/>
+          </a:xfrm>
+          <a:prstGeom prst="rect">
+            <a:avLst/>
+          </a:prstGeom>
+          <a:noFill/>
+        </p:spPr>
+        <p:txBody>
+          <a:bodyPr wrap="none" rtlCol="0" anchor="ctr" anchorCtr="0">
+            <a:spAutoFit/>
+          </a:bodyPr>
+          <a:lstStyle/>
+          <a:p>
+            <a:pPr algn="ctr"/>
+            <a:r>
+              <a:rPr lang="en-US" sz="1600" b="1" dirty="0">
+                <a:solidFill>
+                  <a:schemeClr val="tx2"/>
+                </a:solidFill>
+                <a:latin typeface="Lato Bold" charset="0"/>
+                <a:ea typeface="Lato Bold" charset="0"/>
+                <a:cs typeface="Lato Bold" charset="0"/>
+              </a:rPr>
+              <a:t>Component 1</a:t>
+            </a:r>
+          </a:p>
+        </p:txBody>
+      </p:sp>
+      <p:sp>
+        <p:nvSpPr>
+          <p:cNvPr id="33" name="Subtitle 2">
+            <a:extLst>
+              <a:ext uri="{FF2B5EF4-FFF2-40B4-BE49-F238E27FC236}">
+                <a16:creationId xmlns:a16="http://schemas.microsoft.com/office/drawing/2014/main" id="{B05E51DD-22D1-A14B-9128-7EAD6EFDACA1}"/>
+              </a:ext>
+            </a:extLst>
+          </p:cNvPr>
+          <p:cNvSpPr txBox="1">
+            <a:spLocks/>
+          </p:cNvSpPr>
+          <p:nvPr/>
+        </p:nvSpPr>
+        <p:spPr>
+          <a:xfrm>
+            <a:off x="2997954" y="1691192"/>
+            <a:ext cx="3657553" cy="342820"/>
+          </a:xfrm>
+          <a:prstGeom prst="rect">
+            <a:avLst/>
+          </a:prstGeom>
+        </p:spPr>
+        <p:txBody>
+          <a:bodyPr vert="horz" wrap="square" lIns="108745" tIns="54373" rIns="108745" bIns="54373" rtlCol="0">
+            <a:spAutoFit/>
+          </a:bodyPr>
+          <a:lstStyle>
+            <a:lvl1pPr marL="0" indent="0" algn="ctr" defTabSz="1087636" rtl="0" eaLnBrk="1" latinLnBrk="0" hangingPunct="1">
+              <a:lnSpc>
+                <a:spcPct val="120000"/>
+              </a:lnSpc>
+              <a:spcBef>
+                <a:spcPct val="20000"/>
+              </a:spcBef>
+              <a:buFont typeface="Arial"/>
+              <a:buNone/>
+              <a:defRPr sz="2400" kern="1200">
+                <a:solidFill>
+                  <a:schemeClr val="tx2"/>
+                </a:solidFill>
+                <a:latin typeface="Open Sans Light"/>
+                <a:ea typeface="+mn-ea"/>
+                <a:cs typeface="Open Sans Light"/>
+              </a:defRPr>
+            </a:lvl1pPr>
+            <a:lvl2pPr marL="1087636" indent="0" algn="ctr" defTabSz="1087636" rtl="0" eaLnBrk="1" latinLnBrk="0" hangingPunct="1">
+              <a:lnSpc>
+                <a:spcPct val="130000"/>
+              </a:lnSpc>
+              <a:spcBef>
+                <a:spcPct val="20000"/>
+              </a:spcBef>
+              <a:buFont typeface="Arial"/>
+              <a:buNone/>
+              <a:defRPr sz="3200" kern="1200">
+                <a:solidFill>
+                  <a:schemeClr val="tx1">
+                    <a:tint val="75000"/>
+                  </a:schemeClr>
+                </a:solidFill>
+                <a:latin typeface="Open Sans"/>
+                <a:ea typeface="+mn-ea"/>
+                <a:cs typeface="Open Sans"/>
+              </a:defRPr>
+            </a:lvl2pPr>
+            <a:lvl3pPr marL="2175271" indent="0" algn="ctr" defTabSz="1087636" rtl="0" eaLnBrk="1" latinLnBrk="0" hangingPunct="1">
+              <a:lnSpc>
+                <a:spcPct val="130000"/>
+              </a:lnSpc>
+              <a:spcBef>
+                <a:spcPct val="20000"/>
+              </a:spcBef>
+              <a:buFont typeface="Arial"/>
+              <a:buNone/>
+              <a:defRPr sz="3200" kern="1200">
+                <a:solidFill>
+                  <a:schemeClr val="tx1">
+                    <a:tint val="75000"/>
+                  </a:schemeClr>
+                </a:solidFill>
+                <a:latin typeface="Open Sans"/>
+                <a:ea typeface="+mn-ea"/>
+                <a:cs typeface="Open Sans"/>
+              </a:defRPr>
+            </a:lvl3pPr>
+            <a:lvl4pPr marL="3262912" indent="0" algn="ctr" defTabSz="1087636" rtl="0" eaLnBrk="1" latinLnBrk="0" hangingPunct="1">
+              <a:lnSpc>
+                <a:spcPct val="130000"/>
+              </a:lnSpc>
+              <a:spcBef>
+                <a:spcPct val="20000"/>
+              </a:spcBef>
+              <a:buFont typeface="Arial"/>
+              <a:buNone/>
+              <a:defRPr sz="3200" kern="1200">
+                <a:solidFill>
+                  <a:schemeClr val="tx1">
+                    <a:tint val="75000"/>
+                  </a:schemeClr>
+                </a:solidFill>
+                <a:latin typeface="Open Sans"/>
+                <a:ea typeface="+mn-ea"/>
+                <a:cs typeface="Open Sans"/>
+              </a:defRPr>
+            </a:lvl4pPr>
+            <a:lvl5pPr marL="4350546" indent="0" algn="ctr" defTabSz="1087636" rtl="0" eaLnBrk="1" latinLnBrk="0" hangingPunct="1">
+              <a:lnSpc>
+                <a:spcPct val="130000"/>
+              </a:lnSpc>
+              <a:spcBef>
+                <a:spcPct val="20000"/>
+              </a:spcBef>
+              <a:buFont typeface="Arial"/>
+              <a:buNone/>
+              <a:defRPr sz="3200" kern="1200">
+                <a:solidFill>
+                  <a:schemeClr val="tx1">
+                    <a:tint val="75000"/>
+                  </a:schemeClr>
+                </a:solidFill>
+                <a:latin typeface="Open Sans"/>
+                <a:ea typeface="+mn-ea"/>
+                <a:cs typeface="Open Sans"/>
+              </a:defRPr>
+            </a:lvl5pPr>
+            <a:lvl6pPr marL="5438184" indent="0" algn="ctr" defTabSz="1087636" rtl="0" eaLnBrk="1" latinLnBrk="0" hangingPunct="1">
+              <a:spcBef>
+                <a:spcPct val="20000"/>
+              </a:spcBef>
+              <a:buFont typeface="Arial"/>
+              <a:buNone/>
+              <a:defRPr sz="4800" kern="1200">
+                <a:solidFill>
+                  <a:schemeClr val="tx1">
+                    <a:tint val="75000"/>
+                  </a:schemeClr>
+                </a:solidFill>
+                <a:latin typeface="+mn-lt"/>
+                <a:ea typeface="+mn-ea"/>
+                <a:cs typeface="+mn-cs"/>
+              </a:defRPr>
+            </a:lvl6pPr>
+            <a:lvl7pPr marL="6525820" indent="0" algn="ctr" defTabSz="1087636" rtl="0" eaLnBrk="1" latinLnBrk="0" hangingPunct="1">
+              <a:spcBef>
+                <a:spcPct val="20000"/>
+              </a:spcBef>
+              <a:buFont typeface="Arial"/>
+              <a:buNone/>
+              <a:defRPr sz="4800" kern="1200">
+                <a:solidFill>
+                  <a:schemeClr val="tx1">
+                    <a:tint val="75000"/>
+                  </a:schemeClr>
+                </a:solidFill>
+                <a:latin typeface="+mn-lt"/>
+                <a:ea typeface="+mn-ea"/>
+                <a:cs typeface="+mn-cs"/>
+              </a:defRPr>
+            </a:lvl7pPr>
+            <a:lvl8pPr marL="7613455" indent="0" algn="ctr" defTabSz="1087636" rtl="0" eaLnBrk="1" latinLnBrk="0" hangingPunct="1">
+              <a:spcBef>
+                <a:spcPct val="20000"/>
+              </a:spcBef>
+              <a:buFont typeface="Arial"/>
+              <a:buNone/>
+              <a:defRPr sz="4800" kern="1200">
+                <a:solidFill>
+                  <a:schemeClr val="tx1">
+                    <a:tint val="75000"/>
+                  </a:schemeClr>
+                </a:solidFill>
+                <a:latin typeface="+mn-lt"/>
+                <a:ea typeface="+mn-ea"/>
+                <a:cs typeface="+mn-cs"/>
+              </a:defRPr>
+            </a:lvl8pPr>
+            <a:lvl9pPr marL="8701091" indent="0" algn="ctr" defTabSz="1087636" rtl="0" eaLnBrk="1" latinLnBrk="0" hangingPunct="1">
+              <a:spcBef>
+                <a:spcPct val="20000"/>
+              </a:spcBef>
+              <a:buFont typeface="Arial"/>
+              <a:buNone/>
+              <a:defRPr sz="4800" kern="1200">
+                <a:solidFill>
+                  <a:schemeClr val="tx1">
+                    <a:tint val="75000"/>
+                  </a:schemeClr>
+                </a:solidFill>
+                <a:latin typeface="+mn-lt"/>
+                <a:ea typeface="+mn-ea"/>
+                <a:cs typeface="+mn-cs"/>
+              </a:defRPr>
+            </a:lvl9pPr>
+          </a:lstStyle>
+          <a:p>
+            <a:pPr>
+              <a:lnSpc>
+                <a:spcPts val="2020"/>
+              </a:lnSpc>
+            </a:pPr>
+            <a:r>
+              <a:rPr lang="en-US" sz="1200" dirty="0">
+                <a:solidFill>
+                  <a:schemeClr val="tx1"/>
+                </a:solidFill>
+                <a:latin typeface="Lato Light" charset="0"/>
+                <a:ea typeface="Lato Light" charset="0"/>
+                <a:cs typeface="Lato Light" charset="0"/>
+              </a:rPr>
+              <a:t>Node Manager start time</a:t>
+            </a:r>
+          </a:p>
+        </p:txBody>
+      </p:sp>
+      <p:cxnSp>
+        <p:nvCxnSpPr>
+          <p:cNvPr id="4" name="Gerade Verbindung mit Pfeil 3">
+            <a:extLst>
+              <a:ext uri="{FF2B5EF4-FFF2-40B4-BE49-F238E27FC236}">
+                <a16:creationId xmlns:a16="http://schemas.microsoft.com/office/drawing/2014/main" id="{C34AF94B-F2C7-8D4E-9B2F-292C425DA4F2}"/>
+              </a:ext>
+            </a:extLst>
+          </p:cNvPr>
+          <p:cNvCxnSpPr>
+            <a:cxnSpLocks/>
+          </p:cNvCxnSpPr>
+          <p:nvPr/>
+        </p:nvCxnSpPr>
+        <p:spPr>
+          <a:xfrm flipH="1">
+            <a:off x="4558131" y="2028669"/>
+            <a:ext cx="1" cy="830963"/>
+          </a:xfrm>
+          <a:prstGeom prst="straightConnector1">
+            <a:avLst/>
+          </a:prstGeom>
+          <a:ln w="38100">
+            <a:solidFill>
+              <a:schemeClr val="tx2"/>
+            </a:solidFill>
+            <a:prstDash val="solid"/>
+            <a:tailEnd type="triangle"/>
+          </a:ln>
+        </p:spPr>
+        <p:style>
+          <a:lnRef idx="1">
+            <a:schemeClr val="accent1"/>
+          </a:lnRef>
+          <a:fillRef idx="0">
+            <a:schemeClr val="accent1"/>
+          </a:fillRef>
+          <a:effectRef idx="0">
+            <a:schemeClr val="accent1"/>
+          </a:effectRef>
+          <a:fontRef idx="minor">
+            <a:schemeClr val="tx1"/>
+          </a:fontRef>
+        </p:style>
+      </p:cxnSp>
+      <p:sp>
+        <p:nvSpPr>
+          <p:cNvPr id="45" name="Rechteck 44">
+            <a:extLst>
+              <a:ext uri="{FF2B5EF4-FFF2-40B4-BE49-F238E27FC236}">
+                <a16:creationId xmlns:a16="http://schemas.microsoft.com/office/drawing/2014/main" id="{516BD986-DA09-9B4D-9B6C-D95E2D2F03E5}"/>
+              </a:ext>
+            </a:extLst>
+          </p:cNvPr>
+          <p:cNvSpPr/>
+          <p:nvPr/>
+        </p:nvSpPr>
+        <p:spPr>
+          <a:xfrm>
+            <a:off x="2084186" y="3652766"/>
+            <a:ext cx="2473945" cy="383458"/>
+          </a:xfrm>
+          <a:prstGeom prst="rect">
+            <a:avLst/>
+          </a:prstGeom>
+          <a:solidFill>
+            <a:schemeClr val="accent2"/>
+          </a:solidFill>
+          <a:ln>
+            <a:noFill/>
+          </a:ln>
+        </p:spPr>
+        <p:style>
+          <a:lnRef idx="0">
+            <a:scrgbClr r="0" g="0" b="0"/>
+          </a:lnRef>
+          <a:fillRef idx="0">
+            <a:scrgbClr r="0" g="0" b="0"/>
+          </a:fillRef>
+          <a:effectRef idx="0">
+            <a:scrgbClr r="0" g="0" b="0"/>
+          </a:effectRef>
+          <a:fontRef idx="minor">
+            <a:schemeClr val="lt1"/>
+          </a:fontRef>
+        </p:style>
+        <p:txBody>
+          <a:bodyPr rtlCol="0" anchor="ctr"/>
+          <a:lstStyle/>
+          <a:p>
+            <a:pPr algn="ctr"/>
+            <a:r>
+              <a:rPr lang="en-US" sz="1200" dirty="0"/>
+              <a:t>Transition</a:t>
+            </a:r>
+          </a:p>
+        </p:txBody>
+      </p:sp>
+      <p:sp>
+        <p:nvSpPr>
+          <p:cNvPr id="46" name="Rechteck 45">
+            <a:extLst>
+              <a:ext uri="{FF2B5EF4-FFF2-40B4-BE49-F238E27FC236}">
+                <a16:creationId xmlns:a16="http://schemas.microsoft.com/office/drawing/2014/main" id="{82BA3A11-A0CA-464D-8F7C-7F99706D9F95}"/>
+              </a:ext>
+            </a:extLst>
+          </p:cNvPr>
+          <p:cNvSpPr/>
+          <p:nvPr/>
+        </p:nvSpPr>
+        <p:spPr>
+          <a:xfrm>
+            <a:off x="5354878" y="3651056"/>
+            <a:ext cx="5392452" cy="383458"/>
+          </a:xfrm>
+          <a:prstGeom prst="rect">
+            <a:avLst/>
+          </a:prstGeom>
+          <a:solidFill>
+            <a:schemeClr val="accent1"/>
+          </a:solidFill>
+          <a:ln>
+            <a:noFill/>
+          </a:ln>
+        </p:spPr>
+        <p:style>
+          <a:lnRef idx="2">
+            <a:schemeClr val="accent1">
+              <a:shade val="50000"/>
+            </a:schemeClr>
+          </a:lnRef>
+          <a:fillRef idx="1">
+            <a:schemeClr val="accent1"/>
+          </a:fillRef>
+          <a:effectRef idx="0">
+            <a:schemeClr val="accent1"/>
+          </a:effectRef>
+          <a:fontRef idx="minor">
+            <a:schemeClr val="lt1"/>
+          </a:fontRef>
+        </p:style>
+        <p:txBody>
+          <a:bodyPr rtlCol="0" anchor="ctr"/>
+          <a:lstStyle/>
+          <a:p>
+            <a:pPr algn="ctr"/>
+            <a:r>
+              <a:rPr lang="en-US" sz="1200" dirty="0"/>
+              <a:t>(Reduced) State</a:t>
+            </a:r>
+          </a:p>
+        </p:txBody>
+      </p:sp>
+      <p:sp>
+        <p:nvSpPr>
+          <p:cNvPr id="47" name="TextBox 69">
+            <a:extLst>
+              <a:ext uri="{FF2B5EF4-FFF2-40B4-BE49-F238E27FC236}">
+                <a16:creationId xmlns:a16="http://schemas.microsoft.com/office/drawing/2014/main" id="{624A090F-A2DF-CF4D-846E-6246B1CBCE66}"/>
+              </a:ext>
+            </a:extLst>
+          </p:cNvPr>
+          <p:cNvSpPr txBox="1"/>
+          <p:nvPr/>
+        </p:nvSpPr>
+        <p:spPr>
+          <a:xfrm>
+            <a:off x="678338" y="3673508"/>
+            <a:ext cx="1335302" cy="338554"/>
+          </a:xfrm>
+          <a:prstGeom prst="rect">
+            <a:avLst/>
+          </a:prstGeom>
+          <a:noFill/>
+        </p:spPr>
+        <p:txBody>
+          <a:bodyPr wrap="none" rtlCol="0" anchor="ctr" anchorCtr="0">
+            <a:spAutoFit/>
+          </a:bodyPr>
+          <a:lstStyle/>
+          <a:p>
+            <a:pPr algn="ctr"/>
+            <a:r>
+              <a:rPr lang="en-US" sz="1600" b="1" dirty="0">
+                <a:solidFill>
+                  <a:schemeClr val="tx2"/>
+                </a:solidFill>
+                <a:latin typeface="Lato Bold" charset="0"/>
+                <a:ea typeface="Lato Bold" charset="0"/>
+                <a:cs typeface="Lato Bold" charset="0"/>
+              </a:rPr>
+              <a:t>Component 2</a:t>
+            </a:r>
+          </a:p>
+        </p:txBody>
+      </p:sp>
+      <p:sp>
+        <p:nvSpPr>
+          <p:cNvPr id="52" name="Rechteck 51">
+            <a:extLst>
+              <a:ext uri="{FF2B5EF4-FFF2-40B4-BE49-F238E27FC236}">
+                <a16:creationId xmlns:a16="http://schemas.microsoft.com/office/drawing/2014/main" id="{2DD928B5-6B8F-D240-A365-95C375837556}"/>
+              </a:ext>
+            </a:extLst>
+          </p:cNvPr>
+          <p:cNvSpPr/>
+          <p:nvPr/>
+        </p:nvSpPr>
+        <p:spPr>
+          <a:xfrm>
+            <a:off x="4558131" y="3651056"/>
+            <a:ext cx="796747" cy="383458"/>
+          </a:xfrm>
+          <a:prstGeom prst="rect">
+            <a:avLst/>
+          </a:prstGeom>
+          <a:solidFill>
+            <a:schemeClr val="accent4"/>
+          </a:solidFill>
+          <a:ln>
+            <a:noFill/>
+          </a:ln>
+        </p:spPr>
+        <p:style>
+          <a:lnRef idx="0">
+            <a:scrgbClr r="0" g="0" b="0"/>
+          </a:lnRef>
+          <a:fillRef idx="0">
+            <a:scrgbClr r="0" g="0" b="0"/>
+          </a:fillRef>
+          <a:effectRef idx="0">
+            <a:scrgbClr r="0" g="0" b="0"/>
+          </a:effectRef>
+          <a:fontRef idx="minor">
+            <a:schemeClr val="lt1"/>
+          </a:fontRef>
+        </p:style>
+        <p:txBody>
+          <a:bodyPr rtlCol="0" anchor="ctr"/>
+          <a:lstStyle/>
+          <a:p>
+            <a:pPr algn="ctr"/>
+            <a:r>
+              <a:rPr lang="en-US" sz="1200" dirty="0"/>
+              <a:t>Exceeded</a:t>
+            </a:r>
+          </a:p>
+        </p:txBody>
+      </p:sp>
+      <p:sp>
+        <p:nvSpPr>
+          <p:cNvPr id="53" name="Rechteck 52">
+            <a:extLst>
+              <a:ext uri="{FF2B5EF4-FFF2-40B4-BE49-F238E27FC236}">
+                <a16:creationId xmlns:a16="http://schemas.microsoft.com/office/drawing/2014/main" id="{9835A4E3-79B3-E040-8F0B-D34E5FE289D2}"/>
+              </a:ext>
+            </a:extLst>
+          </p:cNvPr>
+          <p:cNvSpPr/>
+          <p:nvPr/>
+        </p:nvSpPr>
+        <p:spPr>
+          <a:xfrm>
+            <a:off x="2082423" y="4372520"/>
+            <a:ext cx="1437391" cy="383458"/>
+          </a:xfrm>
+          <a:prstGeom prst="rect">
+            <a:avLst/>
+          </a:prstGeom>
+          <a:solidFill>
+            <a:schemeClr val="accent2"/>
+          </a:solidFill>
+          <a:ln>
+            <a:noFill/>
+          </a:ln>
+        </p:spPr>
+        <p:style>
+          <a:lnRef idx="0">
+            <a:scrgbClr r="0" g="0" b="0"/>
+          </a:lnRef>
+          <a:fillRef idx="0">
+            <a:scrgbClr r="0" g="0" b="0"/>
+          </a:fillRef>
+          <a:effectRef idx="0">
+            <a:scrgbClr r="0" g="0" b="0"/>
+          </a:effectRef>
+          <a:fontRef idx="minor">
+            <a:schemeClr val="lt1"/>
+          </a:fontRef>
+        </p:style>
+        <p:txBody>
+          <a:bodyPr rtlCol="0" anchor="ctr"/>
+          <a:lstStyle/>
+          <a:p>
+            <a:pPr algn="ctr"/>
+            <a:r>
+              <a:rPr lang="en-US" sz="1200" dirty="0"/>
+              <a:t>Transition</a:t>
+            </a:r>
+          </a:p>
+        </p:txBody>
+      </p:sp>
+      <p:sp>
+        <p:nvSpPr>
+          <p:cNvPr id="54" name="Rechteck 53">
+            <a:extLst>
+              <a:ext uri="{FF2B5EF4-FFF2-40B4-BE49-F238E27FC236}">
+                <a16:creationId xmlns:a16="http://schemas.microsoft.com/office/drawing/2014/main" id="{A29F217D-C782-F542-8EB2-4EEA3D3294E5}"/>
+              </a:ext>
+            </a:extLst>
+          </p:cNvPr>
+          <p:cNvSpPr/>
+          <p:nvPr/>
+        </p:nvSpPr>
+        <p:spPr>
+          <a:xfrm>
+            <a:off x="4558131" y="4370810"/>
+            <a:ext cx="6189199" cy="383458"/>
+          </a:xfrm>
+          <a:prstGeom prst="rect">
+            <a:avLst/>
+          </a:prstGeom>
+          <a:solidFill>
+            <a:schemeClr val="accent1"/>
+          </a:solidFill>
+          <a:ln>
+            <a:noFill/>
+          </a:ln>
+        </p:spPr>
+        <p:style>
+          <a:lnRef idx="2">
+            <a:schemeClr val="accent1">
+              <a:shade val="50000"/>
+            </a:schemeClr>
+          </a:lnRef>
+          <a:fillRef idx="1">
+            <a:schemeClr val="accent1"/>
+          </a:fillRef>
+          <a:effectRef idx="0">
+            <a:schemeClr val="accent1"/>
+          </a:effectRef>
+          <a:fontRef idx="minor">
+            <a:schemeClr val="lt1"/>
+          </a:fontRef>
+        </p:style>
+        <p:txBody>
+          <a:bodyPr rtlCol="0" anchor="ctr"/>
+          <a:lstStyle/>
+          <a:p>
+            <a:pPr algn="ctr"/>
+            <a:r>
+              <a:rPr lang="en-US" sz="1200" dirty="0"/>
+              <a:t>State</a:t>
+            </a:r>
+          </a:p>
+        </p:txBody>
+      </p:sp>
+      <p:sp>
+        <p:nvSpPr>
+          <p:cNvPr id="55" name="TextBox 69">
+            <a:extLst>
+              <a:ext uri="{FF2B5EF4-FFF2-40B4-BE49-F238E27FC236}">
+                <a16:creationId xmlns:a16="http://schemas.microsoft.com/office/drawing/2014/main" id="{329E1110-6604-634A-8719-192B277BAA78}"/>
+              </a:ext>
+            </a:extLst>
+          </p:cNvPr>
+          <p:cNvSpPr txBox="1"/>
+          <p:nvPr/>
+        </p:nvSpPr>
+        <p:spPr>
+          <a:xfrm>
+            <a:off x="676575" y="4393262"/>
+            <a:ext cx="1335302" cy="338554"/>
+          </a:xfrm>
+          <a:prstGeom prst="rect">
+            <a:avLst/>
+          </a:prstGeom>
+          <a:noFill/>
+        </p:spPr>
+        <p:txBody>
+          <a:bodyPr wrap="none" rtlCol="0" anchor="ctr" anchorCtr="0">
+            <a:spAutoFit/>
+          </a:bodyPr>
+          <a:lstStyle/>
+          <a:p>
+            <a:pPr algn="ctr"/>
+            <a:r>
+              <a:rPr lang="en-US" sz="1600" b="1" dirty="0">
+                <a:solidFill>
+                  <a:schemeClr val="tx2"/>
+                </a:solidFill>
+                <a:latin typeface="Lato Bold" charset="0"/>
+                <a:ea typeface="Lato Bold" charset="0"/>
+                <a:cs typeface="Lato Bold" charset="0"/>
+              </a:rPr>
+              <a:t>Component 2</a:t>
+            </a:r>
+          </a:p>
+        </p:txBody>
+      </p:sp>
+      <p:sp>
+        <p:nvSpPr>
+          <p:cNvPr id="56" name="Rechteck 55">
+            <a:extLst>
+              <a:ext uri="{FF2B5EF4-FFF2-40B4-BE49-F238E27FC236}">
+                <a16:creationId xmlns:a16="http://schemas.microsoft.com/office/drawing/2014/main" id="{34A396DF-1109-F44A-A288-BDDAA71DBBEF}"/>
+              </a:ext>
+            </a:extLst>
+          </p:cNvPr>
+          <p:cNvSpPr/>
+          <p:nvPr/>
+        </p:nvSpPr>
+        <p:spPr>
+          <a:xfrm>
+            <a:off x="3519814" y="4370810"/>
+            <a:ext cx="1038317" cy="383458"/>
+          </a:xfrm>
+          <a:prstGeom prst="rect">
+            <a:avLst/>
+          </a:prstGeom>
+          <a:solidFill>
+            <a:schemeClr val="accent4"/>
+          </a:solidFill>
+          <a:ln>
+            <a:noFill/>
+          </a:ln>
+        </p:spPr>
+        <p:style>
+          <a:lnRef idx="0">
+            <a:scrgbClr r="0" g="0" b="0"/>
+          </a:lnRef>
+          <a:fillRef idx="0">
+            <a:scrgbClr r="0" g="0" b="0"/>
+          </a:fillRef>
+          <a:effectRef idx="0">
+            <a:scrgbClr r="0" g="0" b="0"/>
+          </a:effectRef>
+          <a:fontRef idx="minor">
+            <a:schemeClr val="lt1"/>
+          </a:fontRef>
+        </p:style>
+        <p:txBody>
+          <a:bodyPr rtlCol="0" anchor="ctr"/>
+          <a:lstStyle/>
+          <a:p>
+            <a:pPr algn="ctr"/>
+            <a:r>
+              <a:rPr lang="en-US" sz="1200" dirty="0"/>
+              <a:t>Idle</a:t>
+            </a:r>
+          </a:p>
+        </p:txBody>
+      </p:sp>
+      <p:cxnSp>
+        <p:nvCxnSpPr>
+          <p:cNvPr id="57" name="Gerade Verbindung mit Pfeil 56">
+            <a:extLst>
+              <a:ext uri="{FF2B5EF4-FFF2-40B4-BE49-F238E27FC236}">
+                <a16:creationId xmlns:a16="http://schemas.microsoft.com/office/drawing/2014/main" id="{622581CD-3E25-E441-AD92-0525A9E603DF}"/>
+              </a:ext>
+            </a:extLst>
+          </p:cNvPr>
+          <p:cNvCxnSpPr>
+            <a:cxnSpLocks/>
+          </p:cNvCxnSpPr>
+          <p:nvPr/>
+        </p:nvCxnSpPr>
+        <p:spPr>
+          <a:xfrm flipH="1">
+            <a:off x="10747329" y="2038305"/>
+            <a:ext cx="1" cy="830963"/>
+          </a:xfrm>
+          <a:prstGeom prst="straightConnector1">
+            <a:avLst/>
+          </a:prstGeom>
+          <a:ln w="38100">
+            <a:solidFill>
+              <a:schemeClr val="tx2"/>
+            </a:solidFill>
+            <a:prstDash val="solid"/>
+            <a:tailEnd type="triangle"/>
+          </a:ln>
+        </p:spPr>
+        <p:style>
+          <a:lnRef idx="1">
+            <a:schemeClr val="accent1"/>
+          </a:lnRef>
+          <a:fillRef idx="0">
+            <a:schemeClr val="accent1"/>
+          </a:fillRef>
+          <a:effectRef idx="0">
+            <a:schemeClr val="accent1"/>
+          </a:effectRef>
+          <a:fontRef idx="minor">
+            <a:schemeClr val="tx1"/>
+          </a:fontRef>
+        </p:style>
+      </p:cxnSp>
+      <p:sp>
+        <p:nvSpPr>
+          <p:cNvPr id="58" name="Subtitle 2">
+            <a:extLst>
+              <a:ext uri="{FF2B5EF4-FFF2-40B4-BE49-F238E27FC236}">
+                <a16:creationId xmlns:a16="http://schemas.microsoft.com/office/drawing/2014/main" id="{B366C982-E8A5-A54E-A5C3-5B62C0D43BBB}"/>
+              </a:ext>
+            </a:extLst>
+          </p:cNvPr>
+          <p:cNvSpPr txBox="1">
+            <a:spLocks/>
+          </p:cNvSpPr>
+          <p:nvPr/>
+        </p:nvSpPr>
+        <p:spPr>
+          <a:xfrm>
+            <a:off x="8351778" y="1641987"/>
+            <a:ext cx="3657553" cy="342820"/>
+          </a:xfrm>
+          <a:prstGeom prst="rect">
+            <a:avLst/>
+          </a:prstGeom>
+        </p:spPr>
+        <p:txBody>
+          <a:bodyPr vert="horz" wrap="square" lIns="108745" tIns="54373" rIns="108745" bIns="54373" rtlCol="0">
+            <a:spAutoFit/>
+          </a:bodyPr>
+          <a:lstStyle>
+            <a:lvl1pPr marL="0" indent="0" algn="ctr" defTabSz="1087636" rtl="0" eaLnBrk="1" latinLnBrk="0" hangingPunct="1">
+              <a:lnSpc>
+                <a:spcPct val="120000"/>
+              </a:lnSpc>
+              <a:spcBef>
+                <a:spcPct val="20000"/>
+              </a:spcBef>
+              <a:buFont typeface="Arial"/>
+              <a:buNone/>
+              <a:defRPr sz="2400" kern="1200">
+                <a:solidFill>
+                  <a:schemeClr val="tx2"/>
+                </a:solidFill>
+                <a:latin typeface="Open Sans Light"/>
+                <a:ea typeface="+mn-ea"/>
+                <a:cs typeface="Open Sans Light"/>
+              </a:defRPr>
+            </a:lvl1pPr>
+            <a:lvl2pPr marL="1087636" indent="0" algn="ctr" defTabSz="1087636" rtl="0" eaLnBrk="1" latinLnBrk="0" hangingPunct="1">
+              <a:lnSpc>
+                <a:spcPct val="130000"/>
+              </a:lnSpc>
+              <a:spcBef>
+                <a:spcPct val="20000"/>
+              </a:spcBef>
+              <a:buFont typeface="Arial"/>
+              <a:buNone/>
+              <a:defRPr sz="3200" kern="1200">
+                <a:solidFill>
+                  <a:schemeClr val="tx1">
+                    <a:tint val="75000"/>
+                  </a:schemeClr>
+                </a:solidFill>
+                <a:latin typeface="Open Sans"/>
+                <a:ea typeface="+mn-ea"/>
+                <a:cs typeface="Open Sans"/>
+              </a:defRPr>
+            </a:lvl2pPr>
+            <a:lvl3pPr marL="2175271" indent="0" algn="ctr" defTabSz="1087636" rtl="0" eaLnBrk="1" latinLnBrk="0" hangingPunct="1">
+              <a:lnSpc>
+                <a:spcPct val="130000"/>
+              </a:lnSpc>
+              <a:spcBef>
+                <a:spcPct val="20000"/>
+              </a:spcBef>
+              <a:buFont typeface="Arial"/>
+              <a:buNone/>
+              <a:defRPr sz="3200" kern="1200">
+                <a:solidFill>
+                  <a:schemeClr val="tx1">
+                    <a:tint val="75000"/>
+                  </a:schemeClr>
+                </a:solidFill>
+                <a:latin typeface="Open Sans"/>
+                <a:ea typeface="+mn-ea"/>
+                <a:cs typeface="Open Sans"/>
+              </a:defRPr>
+            </a:lvl3pPr>
+            <a:lvl4pPr marL="3262912" indent="0" algn="ctr" defTabSz="1087636" rtl="0" eaLnBrk="1" latinLnBrk="0" hangingPunct="1">
+              <a:lnSpc>
+                <a:spcPct val="130000"/>
+              </a:lnSpc>
+              <a:spcBef>
+                <a:spcPct val="20000"/>
+              </a:spcBef>
+              <a:buFont typeface="Arial"/>
+              <a:buNone/>
+              <a:defRPr sz="3200" kern="1200">
+                <a:solidFill>
+                  <a:schemeClr val="tx1">
+                    <a:tint val="75000"/>
+                  </a:schemeClr>
+                </a:solidFill>
+                <a:latin typeface="Open Sans"/>
+                <a:ea typeface="+mn-ea"/>
+                <a:cs typeface="Open Sans"/>
+              </a:defRPr>
+            </a:lvl4pPr>
+            <a:lvl5pPr marL="4350546" indent="0" algn="ctr" defTabSz="1087636" rtl="0" eaLnBrk="1" latinLnBrk="0" hangingPunct="1">
+              <a:lnSpc>
+                <a:spcPct val="130000"/>
+              </a:lnSpc>
+              <a:spcBef>
+                <a:spcPct val="20000"/>
+              </a:spcBef>
+              <a:buFont typeface="Arial"/>
+              <a:buNone/>
+              <a:defRPr sz="3200" kern="1200">
+                <a:solidFill>
+                  <a:schemeClr val="tx1">
+                    <a:tint val="75000"/>
+                  </a:schemeClr>
+                </a:solidFill>
+                <a:latin typeface="Open Sans"/>
+                <a:ea typeface="+mn-ea"/>
+                <a:cs typeface="Open Sans"/>
+              </a:defRPr>
+            </a:lvl5pPr>
+            <a:lvl6pPr marL="5438184" indent="0" algn="ctr" defTabSz="1087636" rtl="0" eaLnBrk="1" latinLnBrk="0" hangingPunct="1">
+              <a:spcBef>
+                <a:spcPct val="20000"/>
+              </a:spcBef>
+              <a:buFont typeface="Arial"/>
+              <a:buNone/>
+              <a:defRPr sz="4800" kern="1200">
+                <a:solidFill>
+                  <a:schemeClr val="tx1">
+                    <a:tint val="75000"/>
+                  </a:schemeClr>
+                </a:solidFill>
+                <a:latin typeface="+mn-lt"/>
+                <a:ea typeface="+mn-ea"/>
+                <a:cs typeface="+mn-cs"/>
+              </a:defRPr>
+            </a:lvl6pPr>
+            <a:lvl7pPr marL="6525820" indent="0" algn="ctr" defTabSz="1087636" rtl="0" eaLnBrk="1" latinLnBrk="0" hangingPunct="1">
+              <a:spcBef>
+                <a:spcPct val="20000"/>
+              </a:spcBef>
+              <a:buFont typeface="Arial"/>
+              <a:buNone/>
+              <a:defRPr sz="4800" kern="1200">
+                <a:solidFill>
+                  <a:schemeClr val="tx1">
+                    <a:tint val="75000"/>
+                  </a:schemeClr>
+                </a:solidFill>
+                <a:latin typeface="+mn-lt"/>
+                <a:ea typeface="+mn-ea"/>
+                <a:cs typeface="+mn-cs"/>
+              </a:defRPr>
+            </a:lvl7pPr>
+            <a:lvl8pPr marL="7613455" indent="0" algn="ctr" defTabSz="1087636" rtl="0" eaLnBrk="1" latinLnBrk="0" hangingPunct="1">
+              <a:spcBef>
+                <a:spcPct val="20000"/>
+              </a:spcBef>
+              <a:buFont typeface="Arial"/>
+              <a:buNone/>
+              <a:defRPr sz="4800" kern="1200">
+                <a:solidFill>
+                  <a:schemeClr val="tx1">
+                    <a:tint val="75000"/>
+                  </a:schemeClr>
+                </a:solidFill>
+                <a:latin typeface="+mn-lt"/>
+                <a:ea typeface="+mn-ea"/>
+                <a:cs typeface="+mn-cs"/>
+              </a:defRPr>
+            </a:lvl8pPr>
+            <a:lvl9pPr marL="8701091" indent="0" algn="ctr" defTabSz="1087636" rtl="0" eaLnBrk="1" latinLnBrk="0" hangingPunct="1">
+              <a:spcBef>
+                <a:spcPct val="20000"/>
+              </a:spcBef>
+              <a:buFont typeface="Arial"/>
+              <a:buNone/>
+              <a:defRPr sz="4800" kern="1200">
+                <a:solidFill>
+                  <a:schemeClr val="tx1">
+                    <a:tint val="75000"/>
+                  </a:schemeClr>
+                </a:solidFill>
+                <a:latin typeface="+mn-lt"/>
+                <a:ea typeface="+mn-ea"/>
+                <a:cs typeface="+mn-cs"/>
+              </a:defRPr>
+            </a:lvl9pPr>
+          </a:lstStyle>
+          <a:p>
+            <a:pPr>
+              <a:lnSpc>
+                <a:spcPts val="2020"/>
+              </a:lnSpc>
+            </a:pPr>
+            <a:r>
+              <a:rPr lang="en-US" sz="1200" dirty="0">
+                <a:solidFill>
+                  <a:schemeClr val="tx1"/>
+                </a:solidFill>
+                <a:latin typeface="Lato Light" charset="0"/>
+                <a:ea typeface="Lato Light" charset="0"/>
+                <a:cs typeface="Lato Light" charset="0"/>
+              </a:rPr>
+              <a:t>Node Manager end time</a:t>
+            </a:r>
+          </a:p>
+        </p:txBody>
+      </p:sp>
+      <p:sp>
+        <p:nvSpPr>
+          <p:cNvPr id="20" name="Subtitle 2">
+            <a:extLst>
+              <a:ext uri="{FF2B5EF4-FFF2-40B4-BE49-F238E27FC236}">
+                <a16:creationId xmlns:a16="http://schemas.microsoft.com/office/drawing/2014/main" id="{6970934D-3B8B-DA49-9174-65C4F268FA44}"/>
+              </a:ext>
+            </a:extLst>
+          </p:cNvPr>
+          <p:cNvSpPr txBox="1">
+            <a:spLocks/>
+          </p:cNvSpPr>
+          <p:nvPr/>
+        </p:nvSpPr>
+        <p:spPr>
+          <a:xfrm>
+            <a:off x="8259383" y="5348237"/>
+            <a:ext cx="3657553" cy="599301"/>
+          </a:xfrm>
+          <a:prstGeom prst="rect">
+            <a:avLst/>
+          </a:prstGeom>
+        </p:spPr>
+        <p:txBody>
+          <a:bodyPr vert="horz" wrap="square" lIns="108745" tIns="54373" rIns="108745" bIns="54373" rtlCol="0">
+            <a:spAutoFit/>
+          </a:bodyPr>
+          <a:lstStyle>
+            <a:lvl1pPr marL="0" indent="0" algn="ctr" defTabSz="1087636" rtl="0" eaLnBrk="1" latinLnBrk="0" hangingPunct="1">
+              <a:lnSpc>
+                <a:spcPct val="120000"/>
+              </a:lnSpc>
+              <a:spcBef>
+                <a:spcPct val="20000"/>
+              </a:spcBef>
+              <a:buFont typeface="Arial"/>
+              <a:buNone/>
+              <a:defRPr sz="2400" kern="1200">
+                <a:solidFill>
+                  <a:schemeClr val="tx2"/>
+                </a:solidFill>
+                <a:latin typeface="Open Sans Light"/>
+                <a:ea typeface="+mn-ea"/>
+                <a:cs typeface="Open Sans Light"/>
+              </a:defRPr>
+            </a:lvl1pPr>
+            <a:lvl2pPr marL="1087636" indent="0" algn="ctr" defTabSz="1087636" rtl="0" eaLnBrk="1" latinLnBrk="0" hangingPunct="1">
+              <a:lnSpc>
+                <a:spcPct val="130000"/>
+              </a:lnSpc>
+              <a:spcBef>
+                <a:spcPct val="20000"/>
+              </a:spcBef>
+              <a:buFont typeface="Arial"/>
+              <a:buNone/>
+              <a:defRPr sz="3200" kern="1200">
+                <a:solidFill>
+                  <a:schemeClr val="tx1">
+                    <a:tint val="75000"/>
+                  </a:schemeClr>
+                </a:solidFill>
+                <a:latin typeface="Open Sans"/>
+                <a:ea typeface="+mn-ea"/>
+                <a:cs typeface="Open Sans"/>
+              </a:defRPr>
+            </a:lvl2pPr>
+            <a:lvl3pPr marL="2175271" indent="0" algn="ctr" defTabSz="1087636" rtl="0" eaLnBrk="1" latinLnBrk="0" hangingPunct="1">
+              <a:lnSpc>
+                <a:spcPct val="130000"/>
+              </a:lnSpc>
+              <a:spcBef>
+                <a:spcPct val="20000"/>
+              </a:spcBef>
+              <a:buFont typeface="Arial"/>
+              <a:buNone/>
+              <a:defRPr sz="3200" kern="1200">
+                <a:solidFill>
+                  <a:schemeClr val="tx1">
+                    <a:tint val="75000"/>
+                  </a:schemeClr>
+                </a:solidFill>
+                <a:latin typeface="Open Sans"/>
+                <a:ea typeface="+mn-ea"/>
+                <a:cs typeface="Open Sans"/>
+              </a:defRPr>
+            </a:lvl3pPr>
+            <a:lvl4pPr marL="3262912" indent="0" algn="ctr" defTabSz="1087636" rtl="0" eaLnBrk="1" latinLnBrk="0" hangingPunct="1">
+              <a:lnSpc>
+                <a:spcPct val="130000"/>
+              </a:lnSpc>
+              <a:spcBef>
+                <a:spcPct val="20000"/>
+              </a:spcBef>
+              <a:buFont typeface="Arial"/>
+              <a:buNone/>
+              <a:defRPr sz="3200" kern="1200">
+                <a:solidFill>
+                  <a:schemeClr val="tx1">
+                    <a:tint val="75000"/>
+                  </a:schemeClr>
+                </a:solidFill>
+                <a:latin typeface="Open Sans"/>
+                <a:ea typeface="+mn-ea"/>
+                <a:cs typeface="Open Sans"/>
+              </a:defRPr>
+            </a:lvl4pPr>
+            <a:lvl5pPr marL="4350546" indent="0" algn="ctr" defTabSz="1087636" rtl="0" eaLnBrk="1" latinLnBrk="0" hangingPunct="1">
+              <a:lnSpc>
+                <a:spcPct val="130000"/>
+              </a:lnSpc>
+              <a:spcBef>
+                <a:spcPct val="20000"/>
+              </a:spcBef>
+              <a:buFont typeface="Arial"/>
+              <a:buNone/>
+              <a:defRPr sz="3200" kern="1200">
+                <a:solidFill>
+                  <a:schemeClr val="tx1">
+                    <a:tint val="75000"/>
+                  </a:schemeClr>
+                </a:solidFill>
+                <a:latin typeface="Open Sans"/>
+                <a:ea typeface="+mn-ea"/>
+                <a:cs typeface="Open Sans"/>
+              </a:defRPr>
+            </a:lvl5pPr>
+            <a:lvl6pPr marL="5438184" indent="0" algn="ctr" defTabSz="1087636" rtl="0" eaLnBrk="1" latinLnBrk="0" hangingPunct="1">
+              <a:spcBef>
+                <a:spcPct val="20000"/>
+              </a:spcBef>
+              <a:buFont typeface="Arial"/>
+              <a:buNone/>
+              <a:defRPr sz="4800" kern="1200">
+                <a:solidFill>
+                  <a:schemeClr val="tx1">
+                    <a:tint val="75000"/>
+                  </a:schemeClr>
+                </a:solidFill>
+                <a:latin typeface="+mn-lt"/>
+                <a:ea typeface="+mn-ea"/>
+                <a:cs typeface="+mn-cs"/>
+              </a:defRPr>
+            </a:lvl6pPr>
+            <a:lvl7pPr marL="6525820" indent="0" algn="ctr" defTabSz="1087636" rtl="0" eaLnBrk="1" latinLnBrk="0" hangingPunct="1">
+              <a:spcBef>
+                <a:spcPct val="20000"/>
+              </a:spcBef>
+              <a:buFont typeface="Arial"/>
+              <a:buNone/>
+              <a:defRPr sz="4800" kern="1200">
+                <a:solidFill>
+                  <a:schemeClr val="tx1">
+                    <a:tint val="75000"/>
+                  </a:schemeClr>
+                </a:solidFill>
+                <a:latin typeface="+mn-lt"/>
+                <a:ea typeface="+mn-ea"/>
+                <a:cs typeface="+mn-cs"/>
+              </a:defRPr>
+            </a:lvl7pPr>
+            <a:lvl8pPr marL="7613455" indent="0" algn="ctr" defTabSz="1087636" rtl="0" eaLnBrk="1" latinLnBrk="0" hangingPunct="1">
+              <a:spcBef>
+                <a:spcPct val="20000"/>
+              </a:spcBef>
+              <a:buFont typeface="Arial"/>
+              <a:buNone/>
+              <a:defRPr sz="4800" kern="1200">
+                <a:solidFill>
+                  <a:schemeClr val="tx1">
+                    <a:tint val="75000"/>
+                  </a:schemeClr>
+                </a:solidFill>
+                <a:latin typeface="+mn-lt"/>
+                <a:ea typeface="+mn-ea"/>
+                <a:cs typeface="+mn-cs"/>
+              </a:defRPr>
+            </a:lvl8pPr>
+            <a:lvl9pPr marL="8701091" indent="0" algn="ctr" defTabSz="1087636" rtl="0" eaLnBrk="1" latinLnBrk="0" hangingPunct="1">
+              <a:spcBef>
+                <a:spcPct val="20000"/>
+              </a:spcBef>
+              <a:buFont typeface="Arial"/>
+              <a:buNone/>
+              <a:defRPr sz="4800" kern="1200">
+                <a:solidFill>
+                  <a:schemeClr val="tx1">
+                    <a:tint val="75000"/>
+                  </a:schemeClr>
+                </a:solidFill>
+                <a:latin typeface="+mn-lt"/>
+                <a:ea typeface="+mn-ea"/>
+                <a:cs typeface="+mn-cs"/>
+              </a:defRPr>
+            </a:lvl9pPr>
+          </a:lstStyle>
+          <a:p>
+            <a:pPr>
+              <a:lnSpc>
+                <a:spcPts val="2020"/>
+              </a:lnSpc>
+            </a:pPr>
+            <a:r>
+              <a:rPr lang="en-US" sz="1200" dirty="0">
+                <a:solidFill>
+                  <a:schemeClr val="tx1"/>
+                </a:solidFill>
+                <a:latin typeface="Lato Light" charset="0"/>
+                <a:ea typeface="Lato Light" charset="0"/>
+                <a:cs typeface="Lato Light" charset="0"/>
+              </a:rPr>
+              <a:t>This might affect all other components severely as infrastructure manipulations might not be applied, yet.</a:t>
+            </a:r>
+          </a:p>
+        </p:txBody>
+      </p:sp>
+      <p:cxnSp>
+        <p:nvCxnSpPr>
+          <p:cNvPr id="21" name="Gerade Verbindung mit Pfeil 20">
+            <a:extLst>
+              <a:ext uri="{FF2B5EF4-FFF2-40B4-BE49-F238E27FC236}">
+                <a16:creationId xmlns:a16="http://schemas.microsoft.com/office/drawing/2014/main" id="{681D432F-9964-C340-88DC-7DBE27B4F127}"/>
+              </a:ext>
+            </a:extLst>
+          </p:cNvPr>
+          <p:cNvCxnSpPr>
+            <a:cxnSpLocks/>
+          </p:cNvCxnSpPr>
+          <p:nvPr/>
+        </p:nvCxnSpPr>
+        <p:spPr>
+          <a:xfrm flipH="1" flipV="1">
+            <a:off x="10747330" y="4114801"/>
+            <a:ext cx="435927" cy="1284513"/>
+          </a:xfrm>
+          <a:prstGeom prst="straightConnector1">
+            <a:avLst/>
+          </a:prstGeom>
+          <a:ln>
+            <a:solidFill>
+              <a:schemeClr val="tx2"/>
+            </a:solidFill>
+            <a:prstDash val="sysDot"/>
+            <a:tailEnd type="triangle"/>
+          </a:ln>
+        </p:spPr>
+        <p:style>
+          <a:lnRef idx="1">
+            <a:schemeClr val="accent1"/>
+          </a:lnRef>
+          <a:fillRef idx="0">
+            <a:schemeClr val="accent1"/>
+          </a:fillRef>
+          <a:effectRef idx="0">
+            <a:schemeClr val="accent1"/>
+          </a:effectRef>
+          <a:fontRef idx="minor">
+            <a:schemeClr val="tx1"/>
+          </a:fontRef>
+        </p:style>
+      </p:cxnSp>
+    </p:spTree>
+    <p:extLst>
+      <p:ext uri="{BB962C8B-B14F-4D97-AF65-F5344CB8AC3E}">
+        <p14:creationId xmlns:p14="http://schemas.microsoft.com/office/powerpoint/2010/main" val="2341272962"/>
+      </p:ext>
+    </p:extLst>
+  </p:cSld>
+  <p:clrMapOvr>
+    <a:masterClrMapping/>
+  </p:clrMapOvr>
+  <mc:AlternateContent xmlns:mc="http://schemas.openxmlformats.org/markup-compatibility/2006">
+    <mc:Choice xmlns:p14="http://schemas.microsoft.com/office/powerpoint/2010/main" Requires="p14">
+      <p:transition p14:dur="0" advClick="0"/>
+    </mc:Choice>
+    <mc:Fallback>
+      <p:transition advClick="0"/>
+    </mc:Fallback>
+  </mc:AlternateContent>
+</p:sld>
+</file>
+
+<file path=ppt/slides/slide7.xml><?xml version="1.0" encoding="utf-8"?>
+<p:sld xmlns:a="http://schemas.openxmlformats.org/drawingml/2006/main" xmlns:r="http://schemas.openxmlformats.org/officeDocument/2006/relationships" xmlns:p="http://schemas.openxmlformats.org/presentationml/2006/main" show="0">
+  <p:cSld>
+    <p:spTree>
+      <p:nvGrpSpPr>
+        <p:cNvPr id="1" name=""/>
+        <p:cNvGrpSpPr/>
+        <p:nvPr/>
+      </p:nvGrpSpPr>
+      <p:grpSpPr>
+        <a:xfrm>
+          <a:off x="0" y="0"/>
+          <a:ext cx="0" cy="0"/>
+          <a:chOff x="0" y="0"/>
+          <a:chExt cx="0" cy="0"/>
+        </a:xfrm>
+      </p:grpSpPr>
+      <p:sp>
+        <p:nvSpPr>
+          <p:cNvPr id="40" name="TextBox 39"/>
+          <p:cNvSpPr txBox="1"/>
+          <p:nvPr/>
+        </p:nvSpPr>
+        <p:spPr>
+          <a:xfrm>
+            <a:off x="2505547" y="241509"/>
+            <a:ext cx="7180923" cy="723267"/>
+          </a:xfrm>
+          <a:prstGeom prst="rect">
+            <a:avLst/>
+          </a:prstGeom>
+          <a:noFill/>
+        </p:spPr>
+        <p:txBody>
+          <a:bodyPr wrap="none" lIns="45711" tIns="22856" rIns="45711" bIns="22856" rtlCol="0">
+            <a:spAutoFit/>
+          </a:bodyPr>
+          <a:lstStyle/>
+          <a:p>
+            <a:pPr algn="ctr"/>
+            <a:r>
+              <a:rPr lang="en-US" sz="4400" b="1" dirty="0">
+                <a:solidFill>
+                  <a:schemeClr val="tx2"/>
+                </a:solidFill>
+                <a:latin typeface="Lato" charset="0"/>
+                <a:ea typeface="Lato" charset="0"/>
+                <a:cs typeface="Lato" charset="0"/>
+              </a:rPr>
+              <a:t>Fixed Orchestration Schedule</a:t>
+            </a:r>
+            <a:endParaRPr lang="id-ID" sz="4400" b="1" dirty="0">
+              <a:solidFill>
+                <a:schemeClr val="tx2"/>
+              </a:solidFill>
+              <a:latin typeface="Lato" charset="0"/>
+              <a:ea typeface="Lato" charset="0"/>
+              <a:cs typeface="Lato" charset="0"/>
+            </a:endParaRPr>
+          </a:p>
+        </p:txBody>
+      </p:sp>
+      <p:sp>
+        <p:nvSpPr>
+          <p:cNvPr id="41" name="Rectangle 40"/>
+          <p:cNvSpPr/>
+          <p:nvPr/>
+        </p:nvSpPr>
+        <p:spPr>
+          <a:xfrm>
+            <a:off x="5718037" y="1235334"/>
+            <a:ext cx="776519" cy="45719"/>
+          </a:xfrm>
+          <a:prstGeom prst="rect">
+            <a:avLst/>
+          </a:prstGeom>
+          <a:solidFill>
+            <a:schemeClr val="tx2"/>
+          </a:solidFill>
+          <a:ln>
+            <a:noFill/>
+          </a:ln>
+          <a:effectLst/>
+        </p:spPr>
+        <p:style>
+          <a:lnRef idx="1">
+            <a:schemeClr val="accent1"/>
+          </a:lnRef>
+          <a:fillRef idx="3">
+            <a:schemeClr val="accent1"/>
+          </a:fillRef>
+          <a:effectRef idx="2">
+            <a:schemeClr val="accent1"/>
+          </a:effectRef>
+          <a:fontRef idx="minor">
+            <a:schemeClr val="lt1"/>
+          </a:fontRef>
+        </p:style>
+        <p:txBody>
+          <a:bodyPr lIns="45670" tIns="22836" rIns="45670" bIns="22836" rtlCol="0" anchor="ctr"/>
+          <a:lstStyle/>
+          <a:p>
+            <a:pPr algn="ctr"/>
+            <a:endParaRPr lang="en-US" sz="900" dirty="0">
+              <a:solidFill>
+                <a:schemeClr val="accent2"/>
+              </a:solidFill>
+              <a:latin typeface="Lato Light" charset="0"/>
+            </a:endParaRPr>
+          </a:p>
+        </p:txBody>
+      </p:sp>
+      <p:sp>
+        <p:nvSpPr>
+          <p:cNvPr id="42" name="Subtitle 2"/>
+          <p:cNvSpPr txBox="1">
+            <a:spLocks/>
+          </p:cNvSpPr>
+          <p:nvPr/>
+        </p:nvSpPr>
+        <p:spPr>
+          <a:xfrm>
+            <a:off x="4674165" y="817417"/>
+            <a:ext cx="2864312" cy="376997"/>
+          </a:xfrm>
+          <a:prstGeom prst="rect">
+            <a:avLst/>
+          </a:prstGeom>
+        </p:spPr>
+        <p:txBody>
+          <a:bodyPr vert="horz" wrap="none" lIns="108745" tIns="54373" rIns="108745" bIns="54373" rtlCol="0">
+            <a:spAutoFit/>
+          </a:bodyPr>
+          <a:lstStyle>
+            <a:lvl1pPr marL="0" indent="0" algn="ctr" defTabSz="1087636" rtl="0" eaLnBrk="1" latinLnBrk="0" hangingPunct="1">
+              <a:lnSpc>
+                <a:spcPct val="120000"/>
+              </a:lnSpc>
+              <a:spcBef>
+                <a:spcPct val="20000"/>
+              </a:spcBef>
+              <a:buFont typeface="Arial"/>
+              <a:buNone/>
+              <a:defRPr sz="2400" kern="1200">
+                <a:solidFill>
+                  <a:schemeClr val="tx2"/>
+                </a:solidFill>
+                <a:latin typeface="Open Sans Light"/>
+                <a:ea typeface="+mn-ea"/>
+                <a:cs typeface="Open Sans Light"/>
+              </a:defRPr>
+            </a:lvl1pPr>
+            <a:lvl2pPr marL="1087636" indent="0" algn="ctr" defTabSz="1087636" rtl="0" eaLnBrk="1" latinLnBrk="0" hangingPunct="1">
+              <a:lnSpc>
+                <a:spcPct val="130000"/>
+              </a:lnSpc>
+              <a:spcBef>
+                <a:spcPct val="20000"/>
+              </a:spcBef>
+              <a:buFont typeface="Arial"/>
+              <a:buNone/>
+              <a:defRPr sz="3200" kern="1200">
+                <a:solidFill>
+                  <a:schemeClr val="tx1">
+                    <a:tint val="75000"/>
+                  </a:schemeClr>
+                </a:solidFill>
+                <a:latin typeface="Open Sans"/>
+                <a:ea typeface="+mn-ea"/>
+                <a:cs typeface="Open Sans"/>
+              </a:defRPr>
+            </a:lvl2pPr>
+            <a:lvl3pPr marL="2175271" indent="0" algn="ctr" defTabSz="1087636" rtl="0" eaLnBrk="1" latinLnBrk="0" hangingPunct="1">
+              <a:lnSpc>
+                <a:spcPct val="130000"/>
+              </a:lnSpc>
+              <a:spcBef>
+                <a:spcPct val="20000"/>
+              </a:spcBef>
+              <a:buFont typeface="Arial"/>
+              <a:buNone/>
+              <a:defRPr sz="3200" kern="1200">
+                <a:solidFill>
+                  <a:schemeClr val="tx1">
+                    <a:tint val="75000"/>
+                  </a:schemeClr>
+                </a:solidFill>
+                <a:latin typeface="Open Sans"/>
+                <a:ea typeface="+mn-ea"/>
+                <a:cs typeface="Open Sans"/>
+              </a:defRPr>
+            </a:lvl3pPr>
+            <a:lvl4pPr marL="3262912" indent="0" algn="ctr" defTabSz="1087636" rtl="0" eaLnBrk="1" latinLnBrk="0" hangingPunct="1">
+              <a:lnSpc>
+                <a:spcPct val="130000"/>
+              </a:lnSpc>
+              <a:spcBef>
+                <a:spcPct val="20000"/>
+              </a:spcBef>
+              <a:buFont typeface="Arial"/>
+              <a:buNone/>
+              <a:defRPr sz="3200" kern="1200">
+                <a:solidFill>
+                  <a:schemeClr val="tx1">
+                    <a:tint val="75000"/>
+                  </a:schemeClr>
+                </a:solidFill>
+                <a:latin typeface="Open Sans"/>
+                <a:ea typeface="+mn-ea"/>
+                <a:cs typeface="Open Sans"/>
+              </a:defRPr>
+            </a:lvl4pPr>
+            <a:lvl5pPr marL="4350546" indent="0" algn="ctr" defTabSz="1087636" rtl="0" eaLnBrk="1" latinLnBrk="0" hangingPunct="1">
+              <a:lnSpc>
+                <a:spcPct val="130000"/>
+              </a:lnSpc>
+              <a:spcBef>
+                <a:spcPct val="20000"/>
+              </a:spcBef>
+              <a:buFont typeface="Arial"/>
+              <a:buNone/>
+              <a:defRPr sz="3200" kern="1200">
+                <a:solidFill>
+                  <a:schemeClr val="tx1">
+                    <a:tint val="75000"/>
+                  </a:schemeClr>
+                </a:solidFill>
+                <a:latin typeface="Open Sans"/>
+                <a:ea typeface="+mn-ea"/>
+                <a:cs typeface="Open Sans"/>
+              </a:defRPr>
+            </a:lvl5pPr>
+            <a:lvl6pPr marL="5438184" indent="0" algn="ctr" defTabSz="1087636" rtl="0" eaLnBrk="1" latinLnBrk="0" hangingPunct="1">
+              <a:spcBef>
+                <a:spcPct val="20000"/>
+              </a:spcBef>
+              <a:buFont typeface="Arial"/>
+              <a:buNone/>
+              <a:defRPr sz="4800" kern="1200">
+                <a:solidFill>
+                  <a:schemeClr val="tx1">
+                    <a:tint val="75000"/>
+                  </a:schemeClr>
+                </a:solidFill>
+                <a:latin typeface="+mn-lt"/>
+                <a:ea typeface="+mn-ea"/>
+                <a:cs typeface="+mn-cs"/>
+              </a:defRPr>
+            </a:lvl6pPr>
+            <a:lvl7pPr marL="6525820" indent="0" algn="ctr" defTabSz="1087636" rtl="0" eaLnBrk="1" latinLnBrk="0" hangingPunct="1">
+              <a:spcBef>
+                <a:spcPct val="20000"/>
+              </a:spcBef>
+              <a:buFont typeface="Arial"/>
+              <a:buNone/>
+              <a:defRPr sz="4800" kern="1200">
+                <a:solidFill>
+                  <a:schemeClr val="tx1">
+                    <a:tint val="75000"/>
+                  </a:schemeClr>
+                </a:solidFill>
+                <a:latin typeface="+mn-lt"/>
+                <a:ea typeface="+mn-ea"/>
+                <a:cs typeface="+mn-cs"/>
+              </a:defRPr>
+            </a:lvl7pPr>
+            <a:lvl8pPr marL="7613455" indent="0" algn="ctr" defTabSz="1087636" rtl="0" eaLnBrk="1" latinLnBrk="0" hangingPunct="1">
+              <a:spcBef>
+                <a:spcPct val="20000"/>
+              </a:spcBef>
+              <a:buFont typeface="Arial"/>
+              <a:buNone/>
+              <a:defRPr sz="4800" kern="1200">
+                <a:solidFill>
+                  <a:schemeClr val="tx1">
+                    <a:tint val="75000"/>
+                  </a:schemeClr>
+                </a:solidFill>
+                <a:latin typeface="+mn-lt"/>
+                <a:ea typeface="+mn-ea"/>
+                <a:cs typeface="+mn-cs"/>
+              </a:defRPr>
+            </a:lvl8pPr>
+            <a:lvl9pPr marL="8701091" indent="0" algn="ctr" defTabSz="1087636" rtl="0" eaLnBrk="1" latinLnBrk="0" hangingPunct="1">
+              <a:spcBef>
+                <a:spcPct val="20000"/>
+              </a:spcBef>
+              <a:buFont typeface="Arial"/>
+              <a:buNone/>
+              <a:defRPr sz="4800" kern="1200">
+                <a:solidFill>
+                  <a:schemeClr val="tx1">
+                    <a:tint val="75000"/>
+                  </a:schemeClr>
+                </a:solidFill>
+                <a:latin typeface="+mn-lt"/>
+                <a:ea typeface="+mn-ea"/>
+                <a:cs typeface="+mn-cs"/>
+              </a:defRPr>
+            </a:lvl9pPr>
+          </a:lstStyle>
+          <a:p>
+            <a:r>
+              <a:rPr lang="en-US" sz="1550" dirty="0">
+                <a:latin typeface="Lato Light"/>
+                <a:cs typeface="Lato Light"/>
+              </a:rPr>
+              <a:t>Transition time is chosen to large</a:t>
+            </a:r>
+          </a:p>
+        </p:txBody>
+      </p:sp>
+      <p:sp>
+        <p:nvSpPr>
+          <p:cNvPr id="2" name="Rechteck 1">
+            <a:extLst>
+              <a:ext uri="{FF2B5EF4-FFF2-40B4-BE49-F238E27FC236}">
+                <a16:creationId xmlns:a16="http://schemas.microsoft.com/office/drawing/2014/main" id="{77386B1F-6362-A943-8A1B-12EC9D2AD193}"/>
+              </a:ext>
+            </a:extLst>
+          </p:cNvPr>
+          <p:cNvSpPr/>
+          <p:nvPr/>
+        </p:nvSpPr>
+        <p:spPr>
+          <a:xfrm>
+            <a:off x="2084186" y="2915734"/>
+            <a:ext cx="3858813" cy="383458"/>
+          </a:xfrm>
+          <a:prstGeom prst="rect">
+            <a:avLst/>
+          </a:prstGeom>
+          <a:solidFill>
+            <a:schemeClr val="accent2"/>
+          </a:solidFill>
+          <a:ln>
+            <a:noFill/>
+          </a:ln>
+        </p:spPr>
+        <p:style>
+          <a:lnRef idx="0">
+            <a:scrgbClr r="0" g="0" b="0"/>
+          </a:lnRef>
+          <a:fillRef idx="0">
+            <a:scrgbClr r="0" g="0" b="0"/>
+          </a:fillRef>
+          <a:effectRef idx="0">
+            <a:scrgbClr r="0" g="0" b="0"/>
+          </a:effectRef>
+          <a:fontRef idx="minor">
+            <a:schemeClr val="lt1"/>
+          </a:fontRef>
+        </p:style>
+        <p:txBody>
+          <a:bodyPr rtlCol="0" anchor="ctr"/>
+          <a:lstStyle/>
+          <a:p>
+            <a:pPr algn="ctr"/>
+            <a:r>
+              <a:rPr lang="en-US" sz="1200" dirty="0"/>
+              <a:t>Transition</a:t>
+            </a:r>
+          </a:p>
+        </p:txBody>
+      </p:sp>
+      <p:sp>
+        <p:nvSpPr>
+          <p:cNvPr id="29" name="Rechteck 28">
+            <a:extLst>
+              <a:ext uri="{FF2B5EF4-FFF2-40B4-BE49-F238E27FC236}">
+                <a16:creationId xmlns:a16="http://schemas.microsoft.com/office/drawing/2014/main" id="{439CC0CD-85A2-5B44-A2BB-55D77CFE621D}"/>
+              </a:ext>
+            </a:extLst>
+          </p:cNvPr>
+          <p:cNvSpPr/>
+          <p:nvPr/>
+        </p:nvSpPr>
+        <p:spPr>
+          <a:xfrm>
+            <a:off x="5943008" y="2915734"/>
+            <a:ext cx="6189197" cy="383458"/>
+          </a:xfrm>
+          <a:prstGeom prst="rect">
+            <a:avLst/>
+          </a:prstGeom>
+          <a:solidFill>
+            <a:schemeClr val="accent1"/>
+          </a:solidFill>
+          <a:ln>
+            <a:noFill/>
+          </a:ln>
+        </p:spPr>
+        <p:style>
+          <a:lnRef idx="2">
+            <a:schemeClr val="accent1">
+              <a:shade val="50000"/>
+            </a:schemeClr>
+          </a:lnRef>
+          <a:fillRef idx="1">
+            <a:schemeClr val="accent1"/>
+          </a:fillRef>
+          <a:effectRef idx="0">
+            <a:schemeClr val="accent1"/>
+          </a:effectRef>
+          <a:fontRef idx="minor">
+            <a:schemeClr val="lt1"/>
+          </a:fontRef>
+        </p:style>
+        <p:txBody>
+          <a:bodyPr rtlCol="0" anchor="ctr"/>
+          <a:lstStyle/>
+          <a:p>
+            <a:pPr algn="ctr"/>
+            <a:r>
+              <a:rPr lang="en-US" sz="1200" dirty="0"/>
+              <a:t>State</a:t>
+            </a:r>
+          </a:p>
+        </p:txBody>
+      </p:sp>
+      <p:sp>
+        <p:nvSpPr>
+          <p:cNvPr id="30" name="TextBox 69">
+            <a:extLst>
+              <a:ext uri="{FF2B5EF4-FFF2-40B4-BE49-F238E27FC236}">
+                <a16:creationId xmlns:a16="http://schemas.microsoft.com/office/drawing/2014/main" id="{4367D4E3-F416-7347-9CEA-D694BD11EE3D}"/>
+              </a:ext>
+            </a:extLst>
+          </p:cNvPr>
+          <p:cNvSpPr txBox="1"/>
+          <p:nvPr/>
+        </p:nvSpPr>
+        <p:spPr>
+          <a:xfrm>
+            <a:off x="678338" y="2938186"/>
+            <a:ext cx="1335302" cy="338554"/>
+          </a:xfrm>
+          <a:prstGeom prst="rect">
+            <a:avLst/>
+          </a:prstGeom>
+          <a:noFill/>
+        </p:spPr>
+        <p:txBody>
+          <a:bodyPr wrap="none" rtlCol="0" anchor="ctr" anchorCtr="0">
+            <a:spAutoFit/>
+          </a:bodyPr>
+          <a:lstStyle/>
+          <a:p>
+            <a:pPr algn="ctr"/>
+            <a:r>
+              <a:rPr lang="en-US" sz="1600" b="1" dirty="0">
+                <a:solidFill>
+                  <a:schemeClr val="tx2"/>
+                </a:solidFill>
+                <a:latin typeface="Lato Bold" charset="0"/>
+                <a:ea typeface="Lato Bold" charset="0"/>
+                <a:cs typeface="Lato Bold" charset="0"/>
+              </a:rPr>
+              <a:t>Component 1</a:t>
+            </a:r>
+          </a:p>
+        </p:txBody>
+      </p:sp>
+      <p:sp>
+        <p:nvSpPr>
+          <p:cNvPr id="33" name="Subtitle 2">
+            <a:extLst>
+              <a:ext uri="{FF2B5EF4-FFF2-40B4-BE49-F238E27FC236}">
+                <a16:creationId xmlns:a16="http://schemas.microsoft.com/office/drawing/2014/main" id="{B05E51DD-22D1-A14B-9128-7EAD6EFDACA1}"/>
+              </a:ext>
+            </a:extLst>
+          </p:cNvPr>
+          <p:cNvSpPr txBox="1">
+            <a:spLocks/>
+          </p:cNvSpPr>
+          <p:nvPr/>
+        </p:nvSpPr>
+        <p:spPr>
+          <a:xfrm>
+            <a:off x="4382821" y="1713825"/>
+            <a:ext cx="3657553" cy="342820"/>
+          </a:xfrm>
+          <a:prstGeom prst="rect">
+            <a:avLst/>
+          </a:prstGeom>
+        </p:spPr>
+        <p:txBody>
+          <a:bodyPr vert="horz" wrap="square" lIns="108745" tIns="54373" rIns="108745" bIns="54373" rtlCol="0">
+            <a:spAutoFit/>
+          </a:bodyPr>
+          <a:lstStyle>
+            <a:lvl1pPr marL="0" indent="0" algn="ctr" defTabSz="1087636" rtl="0" eaLnBrk="1" latinLnBrk="0" hangingPunct="1">
+              <a:lnSpc>
+                <a:spcPct val="120000"/>
+              </a:lnSpc>
+              <a:spcBef>
+                <a:spcPct val="20000"/>
+              </a:spcBef>
+              <a:buFont typeface="Arial"/>
+              <a:buNone/>
+              <a:defRPr sz="2400" kern="1200">
+                <a:solidFill>
+                  <a:schemeClr val="tx2"/>
+                </a:solidFill>
+                <a:latin typeface="Open Sans Light"/>
+                <a:ea typeface="+mn-ea"/>
+                <a:cs typeface="Open Sans Light"/>
+              </a:defRPr>
+            </a:lvl1pPr>
+            <a:lvl2pPr marL="1087636" indent="0" algn="ctr" defTabSz="1087636" rtl="0" eaLnBrk="1" latinLnBrk="0" hangingPunct="1">
+              <a:lnSpc>
+                <a:spcPct val="130000"/>
+              </a:lnSpc>
+              <a:spcBef>
+                <a:spcPct val="20000"/>
+              </a:spcBef>
+              <a:buFont typeface="Arial"/>
+              <a:buNone/>
+              <a:defRPr sz="3200" kern="1200">
+                <a:solidFill>
+                  <a:schemeClr val="tx1">
+                    <a:tint val="75000"/>
+                  </a:schemeClr>
+                </a:solidFill>
+                <a:latin typeface="Open Sans"/>
+                <a:ea typeface="+mn-ea"/>
+                <a:cs typeface="Open Sans"/>
+              </a:defRPr>
+            </a:lvl2pPr>
+            <a:lvl3pPr marL="2175271" indent="0" algn="ctr" defTabSz="1087636" rtl="0" eaLnBrk="1" latinLnBrk="0" hangingPunct="1">
+              <a:lnSpc>
+                <a:spcPct val="130000"/>
+              </a:lnSpc>
+              <a:spcBef>
+                <a:spcPct val="20000"/>
+              </a:spcBef>
+              <a:buFont typeface="Arial"/>
+              <a:buNone/>
+              <a:defRPr sz="3200" kern="1200">
+                <a:solidFill>
+                  <a:schemeClr val="tx1">
+                    <a:tint val="75000"/>
+                  </a:schemeClr>
+                </a:solidFill>
+                <a:latin typeface="Open Sans"/>
+                <a:ea typeface="+mn-ea"/>
+                <a:cs typeface="Open Sans"/>
+              </a:defRPr>
+            </a:lvl3pPr>
+            <a:lvl4pPr marL="3262912" indent="0" algn="ctr" defTabSz="1087636" rtl="0" eaLnBrk="1" latinLnBrk="0" hangingPunct="1">
+              <a:lnSpc>
+                <a:spcPct val="130000"/>
+              </a:lnSpc>
+              <a:spcBef>
+                <a:spcPct val="20000"/>
+              </a:spcBef>
+              <a:buFont typeface="Arial"/>
+              <a:buNone/>
+              <a:defRPr sz="3200" kern="1200">
+                <a:solidFill>
+                  <a:schemeClr val="tx1">
+                    <a:tint val="75000"/>
+                  </a:schemeClr>
+                </a:solidFill>
+                <a:latin typeface="Open Sans"/>
+                <a:ea typeface="+mn-ea"/>
+                <a:cs typeface="Open Sans"/>
+              </a:defRPr>
+            </a:lvl4pPr>
+            <a:lvl5pPr marL="4350546" indent="0" algn="ctr" defTabSz="1087636" rtl="0" eaLnBrk="1" latinLnBrk="0" hangingPunct="1">
+              <a:lnSpc>
+                <a:spcPct val="130000"/>
+              </a:lnSpc>
+              <a:spcBef>
+                <a:spcPct val="20000"/>
+              </a:spcBef>
+              <a:buFont typeface="Arial"/>
+              <a:buNone/>
+              <a:defRPr sz="3200" kern="1200">
+                <a:solidFill>
+                  <a:schemeClr val="tx1">
+                    <a:tint val="75000"/>
+                  </a:schemeClr>
+                </a:solidFill>
+                <a:latin typeface="Open Sans"/>
+                <a:ea typeface="+mn-ea"/>
+                <a:cs typeface="Open Sans"/>
+              </a:defRPr>
+            </a:lvl5pPr>
+            <a:lvl6pPr marL="5438184" indent="0" algn="ctr" defTabSz="1087636" rtl="0" eaLnBrk="1" latinLnBrk="0" hangingPunct="1">
+              <a:spcBef>
+                <a:spcPct val="20000"/>
+              </a:spcBef>
+              <a:buFont typeface="Arial"/>
+              <a:buNone/>
+              <a:defRPr sz="4800" kern="1200">
+                <a:solidFill>
+                  <a:schemeClr val="tx1">
+                    <a:tint val="75000"/>
+                  </a:schemeClr>
+                </a:solidFill>
+                <a:latin typeface="+mn-lt"/>
+                <a:ea typeface="+mn-ea"/>
+                <a:cs typeface="+mn-cs"/>
+              </a:defRPr>
+            </a:lvl6pPr>
+            <a:lvl7pPr marL="6525820" indent="0" algn="ctr" defTabSz="1087636" rtl="0" eaLnBrk="1" latinLnBrk="0" hangingPunct="1">
+              <a:spcBef>
+                <a:spcPct val="20000"/>
+              </a:spcBef>
+              <a:buFont typeface="Arial"/>
+              <a:buNone/>
+              <a:defRPr sz="4800" kern="1200">
+                <a:solidFill>
+                  <a:schemeClr val="tx1">
+                    <a:tint val="75000"/>
+                  </a:schemeClr>
+                </a:solidFill>
+                <a:latin typeface="+mn-lt"/>
+                <a:ea typeface="+mn-ea"/>
+                <a:cs typeface="+mn-cs"/>
+              </a:defRPr>
+            </a:lvl7pPr>
+            <a:lvl8pPr marL="7613455" indent="0" algn="ctr" defTabSz="1087636" rtl="0" eaLnBrk="1" latinLnBrk="0" hangingPunct="1">
+              <a:spcBef>
+                <a:spcPct val="20000"/>
+              </a:spcBef>
+              <a:buFont typeface="Arial"/>
+              <a:buNone/>
+              <a:defRPr sz="4800" kern="1200">
+                <a:solidFill>
+                  <a:schemeClr val="tx1">
+                    <a:tint val="75000"/>
+                  </a:schemeClr>
+                </a:solidFill>
+                <a:latin typeface="+mn-lt"/>
+                <a:ea typeface="+mn-ea"/>
+                <a:cs typeface="+mn-cs"/>
+              </a:defRPr>
+            </a:lvl8pPr>
+            <a:lvl9pPr marL="8701091" indent="0" algn="ctr" defTabSz="1087636" rtl="0" eaLnBrk="1" latinLnBrk="0" hangingPunct="1">
+              <a:spcBef>
+                <a:spcPct val="20000"/>
+              </a:spcBef>
+              <a:buFont typeface="Arial"/>
+              <a:buNone/>
+              <a:defRPr sz="4800" kern="1200">
+                <a:solidFill>
+                  <a:schemeClr val="tx1">
+                    <a:tint val="75000"/>
+                  </a:schemeClr>
+                </a:solidFill>
+                <a:latin typeface="+mn-lt"/>
+                <a:ea typeface="+mn-ea"/>
+                <a:cs typeface="+mn-cs"/>
+              </a:defRPr>
+            </a:lvl9pPr>
+          </a:lstStyle>
+          <a:p>
+            <a:pPr>
+              <a:lnSpc>
+                <a:spcPts val="2020"/>
+              </a:lnSpc>
+            </a:pPr>
+            <a:r>
+              <a:rPr lang="en-US" sz="1200" dirty="0">
+                <a:solidFill>
+                  <a:schemeClr val="tx1"/>
+                </a:solidFill>
+                <a:latin typeface="Lato Light" charset="0"/>
+                <a:ea typeface="Lato Light" charset="0"/>
+                <a:cs typeface="Lato Light" charset="0"/>
+              </a:rPr>
+              <a:t>Node Manager start time</a:t>
+            </a:r>
+          </a:p>
+        </p:txBody>
+      </p:sp>
+      <p:cxnSp>
+        <p:nvCxnSpPr>
+          <p:cNvPr id="4" name="Gerade Verbindung mit Pfeil 3">
+            <a:extLst>
+              <a:ext uri="{FF2B5EF4-FFF2-40B4-BE49-F238E27FC236}">
+                <a16:creationId xmlns:a16="http://schemas.microsoft.com/office/drawing/2014/main" id="{C34AF94B-F2C7-8D4E-9B2F-292C425DA4F2}"/>
+              </a:ext>
+            </a:extLst>
+          </p:cNvPr>
+          <p:cNvCxnSpPr>
+            <a:cxnSpLocks/>
+          </p:cNvCxnSpPr>
+          <p:nvPr/>
+        </p:nvCxnSpPr>
+        <p:spPr>
+          <a:xfrm flipH="1">
+            <a:off x="5942998" y="2051302"/>
+            <a:ext cx="1" cy="830963"/>
+          </a:xfrm>
+          <a:prstGeom prst="straightConnector1">
+            <a:avLst/>
+          </a:prstGeom>
+          <a:ln w="38100">
+            <a:solidFill>
+              <a:schemeClr val="tx2"/>
+            </a:solidFill>
+            <a:prstDash val="solid"/>
+            <a:tailEnd type="triangle"/>
+          </a:ln>
+        </p:spPr>
+        <p:style>
+          <a:lnRef idx="1">
+            <a:schemeClr val="accent1"/>
+          </a:lnRef>
+          <a:fillRef idx="0">
+            <a:schemeClr val="accent1"/>
+          </a:fillRef>
+          <a:effectRef idx="0">
+            <a:schemeClr val="accent1"/>
+          </a:effectRef>
+          <a:fontRef idx="minor">
+            <a:schemeClr val="tx1"/>
+          </a:fontRef>
+        </p:style>
+      </p:cxnSp>
+      <p:sp>
+        <p:nvSpPr>
+          <p:cNvPr id="45" name="Rechteck 44">
+            <a:extLst>
+              <a:ext uri="{FF2B5EF4-FFF2-40B4-BE49-F238E27FC236}">
+                <a16:creationId xmlns:a16="http://schemas.microsoft.com/office/drawing/2014/main" id="{516BD986-DA09-9B4D-9B6C-D95E2D2F03E5}"/>
+              </a:ext>
+            </a:extLst>
+          </p:cNvPr>
+          <p:cNvSpPr/>
+          <p:nvPr/>
+        </p:nvSpPr>
+        <p:spPr>
+          <a:xfrm>
+            <a:off x="2084186" y="3652766"/>
+            <a:ext cx="3270692" cy="383458"/>
+          </a:xfrm>
+          <a:prstGeom prst="rect">
+            <a:avLst/>
+          </a:prstGeom>
+          <a:solidFill>
+            <a:schemeClr val="accent2"/>
+          </a:solidFill>
+          <a:ln>
+            <a:noFill/>
+          </a:ln>
+        </p:spPr>
+        <p:style>
+          <a:lnRef idx="0">
+            <a:scrgbClr r="0" g="0" b="0"/>
+          </a:lnRef>
+          <a:fillRef idx="0">
+            <a:scrgbClr r="0" g="0" b="0"/>
+          </a:fillRef>
+          <a:effectRef idx="0">
+            <a:scrgbClr r="0" g="0" b="0"/>
+          </a:effectRef>
+          <a:fontRef idx="minor">
+            <a:schemeClr val="lt1"/>
+          </a:fontRef>
+        </p:style>
+        <p:txBody>
+          <a:bodyPr rtlCol="0" anchor="ctr"/>
+          <a:lstStyle/>
+          <a:p>
+            <a:pPr algn="ctr"/>
+            <a:r>
+              <a:rPr lang="en-US" sz="1200" dirty="0"/>
+              <a:t>Transition</a:t>
+            </a:r>
+          </a:p>
+        </p:txBody>
+      </p:sp>
+      <p:sp>
+        <p:nvSpPr>
+          <p:cNvPr id="46" name="Rechteck 45">
+            <a:extLst>
+              <a:ext uri="{FF2B5EF4-FFF2-40B4-BE49-F238E27FC236}">
+                <a16:creationId xmlns:a16="http://schemas.microsoft.com/office/drawing/2014/main" id="{82BA3A11-A0CA-464D-8F7C-7F99706D9F95}"/>
+              </a:ext>
+            </a:extLst>
+          </p:cNvPr>
+          <p:cNvSpPr/>
+          <p:nvPr/>
+        </p:nvSpPr>
+        <p:spPr>
+          <a:xfrm>
+            <a:off x="5942997" y="3652766"/>
+            <a:ext cx="6189185" cy="383458"/>
+          </a:xfrm>
+          <a:prstGeom prst="rect">
+            <a:avLst/>
+          </a:prstGeom>
+          <a:solidFill>
+            <a:schemeClr val="accent1"/>
+          </a:solidFill>
+          <a:ln>
+            <a:noFill/>
+          </a:ln>
+        </p:spPr>
+        <p:style>
+          <a:lnRef idx="2">
+            <a:schemeClr val="accent1">
+              <a:shade val="50000"/>
+            </a:schemeClr>
+          </a:lnRef>
+          <a:fillRef idx="1">
+            <a:schemeClr val="accent1"/>
+          </a:fillRef>
+          <a:effectRef idx="0">
+            <a:schemeClr val="accent1"/>
+          </a:effectRef>
+          <a:fontRef idx="minor">
+            <a:schemeClr val="lt1"/>
+          </a:fontRef>
+        </p:style>
+        <p:txBody>
+          <a:bodyPr rtlCol="0" anchor="ctr"/>
+          <a:lstStyle/>
+          <a:p>
+            <a:pPr algn="ctr"/>
+            <a:r>
+              <a:rPr lang="en-US" sz="1200" dirty="0"/>
+              <a:t>State</a:t>
+            </a:r>
+          </a:p>
+        </p:txBody>
+      </p:sp>
+      <p:sp>
+        <p:nvSpPr>
+          <p:cNvPr id="47" name="TextBox 69">
+            <a:extLst>
+              <a:ext uri="{FF2B5EF4-FFF2-40B4-BE49-F238E27FC236}">
+                <a16:creationId xmlns:a16="http://schemas.microsoft.com/office/drawing/2014/main" id="{624A090F-A2DF-CF4D-846E-6246B1CBCE66}"/>
+              </a:ext>
+            </a:extLst>
+          </p:cNvPr>
+          <p:cNvSpPr txBox="1"/>
+          <p:nvPr/>
+        </p:nvSpPr>
+        <p:spPr>
+          <a:xfrm>
+            <a:off x="678338" y="3673508"/>
+            <a:ext cx="1335302" cy="338554"/>
+          </a:xfrm>
+          <a:prstGeom prst="rect">
+            <a:avLst/>
+          </a:prstGeom>
+          <a:noFill/>
+        </p:spPr>
+        <p:txBody>
+          <a:bodyPr wrap="none" rtlCol="0" anchor="ctr" anchorCtr="0">
+            <a:spAutoFit/>
+          </a:bodyPr>
+          <a:lstStyle/>
+          <a:p>
+            <a:pPr algn="ctr"/>
+            <a:r>
+              <a:rPr lang="en-US" sz="1600" b="1" dirty="0">
+                <a:solidFill>
+                  <a:schemeClr val="tx2"/>
+                </a:solidFill>
+                <a:latin typeface="Lato Bold" charset="0"/>
+                <a:ea typeface="Lato Bold" charset="0"/>
+                <a:cs typeface="Lato Bold" charset="0"/>
+              </a:rPr>
+              <a:t>Component 2</a:t>
+            </a:r>
+          </a:p>
+        </p:txBody>
+      </p:sp>
+      <p:sp>
+        <p:nvSpPr>
+          <p:cNvPr id="53" name="Rechteck 52">
+            <a:extLst>
+              <a:ext uri="{FF2B5EF4-FFF2-40B4-BE49-F238E27FC236}">
+                <a16:creationId xmlns:a16="http://schemas.microsoft.com/office/drawing/2014/main" id="{9835A4E3-79B3-E040-8F0B-D34E5FE289D2}"/>
+              </a:ext>
+            </a:extLst>
+          </p:cNvPr>
+          <p:cNvSpPr/>
+          <p:nvPr/>
+        </p:nvSpPr>
+        <p:spPr>
+          <a:xfrm>
+            <a:off x="2082423" y="4372520"/>
+            <a:ext cx="1437391" cy="383458"/>
+          </a:xfrm>
+          <a:prstGeom prst="rect">
+            <a:avLst/>
+          </a:prstGeom>
+          <a:solidFill>
+            <a:schemeClr val="accent2"/>
+          </a:solidFill>
+          <a:ln>
+            <a:noFill/>
+          </a:ln>
+        </p:spPr>
+        <p:style>
+          <a:lnRef idx="0">
+            <a:scrgbClr r="0" g="0" b="0"/>
+          </a:lnRef>
+          <a:fillRef idx="0">
+            <a:scrgbClr r="0" g="0" b="0"/>
+          </a:fillRef>
+          <a:effectRef idx="0">
+            <a:scrgbClr r="0" g="0" b="0"/>
+          </a:effectRef>
+          <a:fontRef idx="minor">
+            <a:schemeClr val="lt1"/>
+          </a:fontRef>
+        </p:style>
+        <p:txBody>
+          <a:bodyPr rtlCol="0" anchor="ctr"/>
+          <a:lstStyle/>
+          <a:p>
+            <a:pPr algn="ctr"/>
+            <a:r>
+              <a:rPr lang="en-US" sz="1200" dirty="0"/>
+              <a:t>Transition</a:t>
+            </a:r>
+          </a:p>
+        </p:txBody>
+      </p:sp>
+      <p:sp>
+        <p:nvSpPr>
+          <p:cNvPr id="54" name="Rechteck 53">
+            <a:extLst>
+              <a:ext uri="{FF2B5EF4-FFF2-40B4-BE49-F238E27FC236}">
+                <a16:creationId xmlns:a16="http://schemas.microsoft.com/office/drawing/2014/main" id="{A29F217D-C782-F542-8EB2-4EEA3D3294E5}"/>
+              </a:ext>
+            </a:extLst>
+          </p:cNvPr>
+          <p:cNvSpPr/>
+          <p:nvPr/>
+        </p:nvSpPr>
+        <p:spPr>
+          <a:xfrm>
+            <a:off x="5942983" y="4372520"/>
+            <a:ext cx="6189199" cy="383458"/>
+          </a:xfrm>
+          <a:prstGeom prst="rect">
+            <a:avLst/>
+          </a:prstGeom>
+          <a:solidFill>
+            <a:schemeClr val="accent1"/>
+          </a:solidFill>
+          <a:ln>
+            <a:noFill/>
+          </a:ln>
+        </p:spPr>
+        <p:style>
+          <a:lnRef idx="2">
+            <a:schemeClr val="accent1">
+              <a:shade val="50000"/>
+            </a:schemeClr>
+          </a:lnRef>
+          <a:fillRef idx="1">
+            <a:schemeClr val="accent1"/>
+          </a:fillRef>
+          <a:effectRef idx="0">
+            <a:schemeClr val="accent1"/>
+          </a:effectRef>
+          <a:fontRef idx="minor">
+            <a:schemeClr val="lt1"/>
+          </a:fontRef>
+        </p:style>
+        <p:txBody>
+          <a:bodyPr rtlCol="0" anchor="ctr"/>
+          <a:lstStyle/>
+          <a:p>
+            <a:pPr algn="ctr"/>
+            <a:r>
+              <a:rPr lang="en-US" sz="1200" dirty="0"/>
+              <a:t>State</a:t>
+            </a:r>
+          </a:p>
+        </p:txBody>
+      </p:sp>
+      <p:sp>
+        <p:nvSpPr>
+          <p:cNvPr id="55" name="TextBox 69">
+            <a:extLst>
+              <a:ext uri="{FF2B5EF4-FFF2-40B4-BE49-F238E27FC236}">
+                <a16:creationId xmlns:a16="http://schemas.microsoft.com/office/drawing/2014/main" id="{329E1110-6604-634A-8719-192B277BAA78}"/>
+              </a:ext>
+            </a:extLst>
+          </p:cNvPr>
+          <p:cNvSpPr txBox="1"/>
+          <p:nvPr/>
+        </p:nvSpPr>
+        <p:spPr>
+          <a:xfrm>
+            <a:off x="676575" y="4393262"/>
+            <a:ext cx="1335302" cy="338554"/>
+          </a:xfrm>
+          <a:prstGeom prst="rect">
+            <a:avLst/>
+          </a:prstGeom>
+          <a:noFill/>
+        </p:spPr>
+        <p:txBody>
+          <a:bodyPr wrap="none" rtlCol="0" anchor="ctr" anchorCtr="0">
+            <a:spAutoFit/>
+          </a:bodyPr>
+          <a:lstStyle/>
+          <a:p>
+            <a:pPr algn="ctr"/>
+            <a:r>
+              <a:rPr lang="en-US" sz="1600" b="1" dirty="0">
+                <a:solidFill>
+                  <a:schemeClr val="tx2"/>
+                </a:solidFill>
+                <a:latin typeface="Lato Bold" charset="0"/>
+                <a:ea typeface="Lato Bold" charset="0"/>
+                <a:cs typeface="Lato Bold" charset="0"/>
+              </a:rPr>
+              <a:t>Component 2</a:t>
+            </a:r>
+          </a:p>
+        </p:txBody>
+      </p:sp>
+      <p:sp>
+        <p:nvSpPr>
+          <p:cNvPr id="56" name="Rechteck 55">
+            <a:extLst>
+              <a:ext uri="{FF2B5EF4-FFF2-40B4-BE49-F238E27FC236}">
+                <a16:creationId xmlns:a16="http://schemas.microsoft.com/office/drawing/2014/main" id="{34A396DF-1109-F44A-A288-BDDAA71DBBEF}"/>
+              </a:ext>
+            </a:extLst>
+          </p:cNvPr>
+          <p:cNvSpPr/>
+          <p:nvPr/>
+        </p:nvSpPr>
+        <p:spPr>
+          <a:xfrm>
+            <a:off x="3519814" y="4372520"/>
+            <a:ext cx="2423169" cy="383458"/>
+          </a:xfrm>
+          <a:prstGeom prst="rect">
+            <a:avLst/>
+          </a:prstGeom>
+          <a:solidFill>
+            <a:schemeClr val="accent4"/>
+          </a:solidFill>
+          <a:ln>
+            <a:noFill/>
+          </a:ln>
+        </p:spPr>
+        <p:style>
+          <a:lnRef idx="0">
+            <a:scrgbClr r="0" g="0" b="0"/>
+          </a:lnRef>
+          <a:fillRef idx="0">
+            <a:scrgbClr r="0" g="0" b="0"/>
+          </a:fillRef>
+          <a:effectRef idx="0">
+            <a:scrgbClr r="0" g="0" b="0"/>
+          </a:effectRef>
+          <a:fontRef idx="minor">
+            <a:schemeClr val="lt1"/>
+          </a:fontRef>
+        </p:style>
+        <p:txBody>
+          <a:bodyPr rtlCol="0" anchor="ctr"/>
+          <a:lstStyle/>
+          <a:p>
+            <a:pPr algn="ctr"/>
+            <a:r>
+              <a:rPr lang="en-US" sz="1200" dirty="0"/>
+              <a:t>Idle</a:t>
+            </a:r>
+          </a:p>
+        </p:txBody>
+      </p:sp>
+      <p:cxnSp>
+        <p:nvCxnSpPr>
+          <p:cNvPr id="57" name="Gerade Verbindung mit Pfeil 56">
+            <a:extLst>
+              <a:ext uri="{FF2B5EF4-FFF2-40B4-BE49-F238E27FC236}">
+                <a16:creationId xmlns:a16="http://schemas.microsoft.com/office/drawing/2014/main" id="{622581CD-3E25-E441-AD92-0525A9E603DF}"/>
+              </a:ext>
+            </a:extLst>
+          </p:cNvPr>
+          <p:cNvCxnSpPr>
+            <a:cxnSpLocks/>
+          </p:cNvCxnSpPr>
+          <p:nvPr/>
+        </p:nvCxnSpPr>
+        <p:spPr>
+          <a:xfrm flipH="1">
+            <a:off x="12132181" y="2051302"/>
+            <a:ext cx="1" cy="830963"/>
+          </a:xfrm>
+          <a:prstGeom prst="straightConnector1">
+            <a:avLst/>
+          </a:prstGeom>
+          <a:ln w="38100">
+            <a:solidFill>
+              <a:schemeClr val="tx2"/>
+            </a:solidFill>
+            <a:prstDash val="solid"/>
+            <a:tailEnd type="triangle"/>
+          </a:ln>
+        </p:spPr>
+        <p:style>
+          <a:lnRef idx="1">
+            <a:schemeClr val="accent1"/>
+          </a:lnRef>
+          <a:fillRef idx="0">
+            <a:schemeClr val="accent1"/>
+          </a:fillRef>
+          <a:effectRef idx="0">
+            <a:schemeClr val="accent1"/>
+          </a:effectRef>
+          <a:fontRef idx="minor">
+            <a:schemeClr val="tx1"/>
+          </a:fontRef>
+        </p:style>
+      </p:cxnSp>
+      <p:sp>
+        <p:nvSpPr>
+          <p:cNvPr id="58" name="Subtitle 2">
+            <a:extLst>
+              <a:ext uri="{FF2B5EF4-FFF2-40B4-BE49-F238E27FC236}">
+                <a16:creationId xmlns:a16="http://schemas.microsoft.com/office/drawing/2014/main" id="{B366C982-E8A5-A54E-A5C3-5B62C0D43BBB}"/>
+              </a:ext>
+            </a:extLst>
+          </p:cNvPr>
+          <p:cNvSpPr txBox="1">
+            <a:spLocks/>
+          </p:cNvSpPr>
+          <p:nvPr/>
+        </p:nvSpPr>
+        <p:spPr>
+          <a:xfrm>
+            <a:off x="10433315" y="1711744"/>
+            <a:ext cx="1860285" cy="342820"/>
+          </a:xfrm>
+          <a:prstGeom prst="rect">
+            <a:avLst/>
+          </a:prstGeom>
+        </p:spPr>
+        <p:txBody>
+          <a:bodyPr vert="horz" wrap="square" lIns="108745" tIns="54373" rIns="108745" bIns="54373" rtlCol="0">
+            <a:spAutoFit/>
+          </a:bodyPr>
+          <a:lstStyle>
+            <a:lvl1pPr marL="0" indent="0" algn="ctr" defTabSz="1087636" rtl="0" eaLnBrk="1" latinLnBrk="0" hangingPunct="1">
+              <a:lnSpc>
+                <a:spcPct val="120000"/>
+              </a:lnSpc>
+              <a:spcBef>
+                <a:spcPct val="20000"/>
+              </a:spcBef>
+              <a:buFont typeface="Arial"/>
+              <a:buNone/>
+              <a:defRPr sz="2400" kern="1200">
+                <a:solidFill>
+                  <a:schemeClr val="tx2"/>
+                </a:solidFill>
+                <a:latin typeface="Open Sans Light"/>
+                <a:ea typeface="+mn-ea"/>
+                <a:cs typeface="Open Sans Light"/>
+              </a:defRPr>
+            </a:lvl1pPr>
+            <a:lvl2pPr marL="1087636" indent="0" algn="ctr" defTabSz="1087636" rtl="0" eaLnBrk="1" latinLnBrk="0" hangingPunct="1">
+              <a:lnSpc>
+                <a:spcPct val="130000"/>
+              </a:lnSpc>
+              <a:spcBef>
+                <a:spcPct val="20000"/>
+              </a:spcBef>
+              <a:buFont typeface="Arial"/>
+              <a:buNone/>
+              <a:defRPr sz="3200" kern="1200">
+                <a:solidFill>
+                  <a:schemeClr val="tx1">
+                    <a:tint val="75000"/>
+                  </a:schemeClr>
+                </a:solidFill>
+                <a:latin typeface="Open Sans"/>
+                <a:ea typeface="+mn-ea"/>
+                <a:cs typeface="Open Sans"/>
+              </a:defRPr>
+            </a:lvl2pPr>
+            <a:lvl3pPr marL="2175271" indent="0" algn="ctr" defTabSz="1087636" rtl="0" eaLnBrk="1" latinLnBrk="0" hangingPunct="1">
+              <a:lnSpc>
+                <a:spcPct val="130000"/>
+              </a:lnSpc>
+              <a:spcBef>
+                <a:spcPct val="20000"/>
+              </a:spcBef>
+              <a:buFont typeface="Arial"/>
+              <a:buNone/>
+              <a:defRPr sz="3200" kern="1200">
+                <a:solidFill>
+                  <a:schemeClr val="tx1">
+                    <a:tint val="75000"/>
+                  </a:schemeClr>
+                </a:solidFill>
+                <a:latin typeface="Open Sans"/>
+                <a:ea typeface="+mn-ea"/>
+                <a:cs typeface="Open Sans"/>
+              </a:defRPr>
+            </a:lvl3pPr>
+            <a:lvl4pPr marL="3262912" indent="0" algn="ctr" defTabSz="1087636" rtl="0" eaLnBrk="1" latinLnBrk="0" hangingPunct="1">
+              <a:lnSpc>
+                <a:spcPct val="130000"/>
+              </a:lnSpc>
+              <a:spcBef>
+                <a:spcPct val="20000"/>
+              </a:spcBef>
+              <a:buFont typeface="Arial"/>
+              <a:buNone/>
+              <a:defRPr sz="3200" kern="1200">
+                <a:solidFill>
+                  <a:schemeClr val="tx1">
+                    <a:tint val="75000"/>
+                  </a:schemeClr>
+                </a:solidFill>
+                <a:latin typeface="Open Sans"/>
+                <a:ea typeface="+mn-ea"/>
+                <a:cs typeface="Open Sans"/>
+              </a:defRPr>
+            </a:lvl4pPr>
+            <a:lvl5pPr marL="4350546" indent="0" algn="ctr" defTabSz="1087636" rtl="0" eaLnBrk="1" latinLnBrk="0" hangingPunct="1">
+              <a:lnSpc>
+                <a:spcPct val="130000"/>
+              </a:lnSpc>
+              <a:spcBef>
+                <a:spcPct val="20000"/>
+              </a:spcBef>
+              <a:buFont typeface="Arial"/>
+              <a:buNone/>
+              <a:defRPr sz="3200" kern="1200">
+                <a:solidFill>
+                  <a:schemeClr val="tx1">
+                    <a:tint val="75000"/>
+                  </a:schemeClr>
+                </a:solidFill>
+                <a:latin typeface="Open Sans"/>
+                <a:ea typeface="+mn-ea"/>
+                <a:cs typeface="Open Sans"/>
+              </a:defRPr>
+            </a:lvl5pPr>
+            <a:lvl6pPr marL="5438184" indent="0" algn="ctr" defTabSz="1087636" rtl="0" eaLnBrk="1" latinLnBrk="0" hangingPunct="1">
+              <a:spcBef>
+                <a:spcPct val="20000"/>
+              </a:spcBef>
+              <a:buFont typeface="Arial"/>
+              <a:buNone/>
+              <a:defRPr sz="4800" kern="1200">
+                <a:solidFill>
+                  <a:schemeClr val="tx1">
+                    <a:tint val="75000"/>
+                  </a:schemeClr>
+                </a:solidFill>
+                <a:latin typeface="+mn-lt"/>
+                <a:ea typeface="+mn-ea"/>
+                <a:cs typeface="+mn-cs"/>
+              </a:defRPr>
+            </a:lvl6pPr>
+            <a:lvl7pPr marL="6525820" indent="0" algn="ctr" defTabSz="1087636" rtl="0" eaLnBrk="1" latinLnBrk="0" hangingPunct="1">
+              <a:spcBef>
+                <a:spcPct val="20000"/>
+              </a:spcBef>
+              <a:buFont typeface="Arial"/>
+              <a:buNone/>
+              <a:defRPr sz="4800" kern="1200">
+                <a:solidFill>
+                  <a:schemeClr val="tx1">
+                    <a:tint val="75000"/>
+                  </a:schemeClr>
+                </a:solidFill>
+                <a:latin typeface="+mn-lt"/>
+                <a:ea typeface="+mn-ea"/>
+                <a:cs typeface="+mn-cs"/>
+              </a:defRPr>
+            </a:lvl7pPr>
+            <a:lvl8pPr marL="7613455" indent="0" algn="ctr" defTabSz="1087636" rtl="0" eaLnBrk="1" latinLnBrk="0" hangingPunct="1">
+              <a:spcBef>
+                <a:spcPct val="20000"/>
+              </a:spcBef>
+              <a:buFont typeface="Arial"/>
+              <a:buNone/>
+              <a:defRPr sz="4800" kern="1200">
+                <a:solidFill>
+                  <a:schemeClr val="tx1">
+                    <a:tint val="75000"/>
+                  </a:schemeClr>
+                </a:solidFill>
+                <a:latin typeface="+mn-lt"/>
+                <a:ea typeface="+mn-ea"/>
+                <a:cs typeface="+mn-cs"/>
+              </a:defRPr>
+            </a:lvl8pPr>
+            <a:lvl9pPr marL="8701091" indent="0" algn="ctr" defTabSz="1087636" rtl="0" eaLnBrk="1" latinLnBrk="0" hangingPunct="1">
+              <a:spcBef>
+                <a:spcPct val="20000"/>
+              </a:spcBef>
+              <a:buFont typeface="Arial"/>
+              <a:buNone/>
+              <a:defRPr sz="4800" kern="1200">
+                <a:solidFill>
+                  <a:schemeClr val="tx1">
+                    <a:tint val="75000"/>
+                  </a:schemeClr>
+                </a:solidFill>
+                <a:latin typeface="+mn-lt"/>
+                <a:ea typeface="+mn-ea"/>
+                <a:cs typeface="+mn-cs"/>
+              </a:defRPr>
+            </a:lvl9pPr>
+          </a:lstStyle>
+          <a:p>
+            <a:pPr>
+              <a:lnSpc>
+                <a:spcPts val="2020"/>
+              </a:lnSpc>
+            </a:pPr>
+            <a:r>
+              <a:rPr lang="en-US" sz="1200" dirty="0">
+                <a:solidFill>
+                  <a:schemeClr val="tx1"/>
+                </a:solidFill>
+                <a:latin typeface="Lato Light" charset="0"/>
+                <a:ea typeface="Lato Light" charset="0"/>
+                <a:cs typeface="Lato Light" charset="0"/>
+              </a:rPr>
+              <a:t>Node manager end time</a:t>
+            </a:r>
+          </a:p>
+        </p:txBody>
+      </p:sp>
+      <p:sp>
+        <p:nvSpPr>
+          <p:cNvPr id="60" name="Rechteck 59">
+            <a:extLst>
+              <a:ext uri="{FF2B5EF4-FFF2-40B4-BE49-F238E27FC236}">
+                <a16:creationId xmlns:a16="http://schemas.microsoft.com/office/drawing/2014/main" id="{F9E02F12-52A2-4D45-A5DA-F5FE23FCF265}"/>
+              </a:ext>
+            </a:extLst>
+          </p:cNvPr>
+          <p:cNvSpPr/>
+          <p:nvPr/>
+        </p:nvSpPr>
+        <p:spPr>
+          <a:xfrm>
+            <a:off x="5354879" y="3652766"/>
+            <a:ext cx="588104" cy="383458"/>
+          </a:xfrm>
+          <a:prstGeom prst="rect">
+            <a:avLst/>
+          </a:prstGeom>
+          <a:solidFill>
+            <a:schemeClr val="accent4"/>
+          </a:solidFill>
+          <a:ln>
+            <a:noFill/>
+          </a:ln>
+        </p:spPr>
+        <p:style>
+          <a:lnRef idx="0">
+            <a:scrgbClr r="0" g="0" b="0"/>
+          </a:lnRef>
+          <a:fillRef idx="0">
+            <a:scrgbClr r="0" g="0" b="0"/>
+          </a:fillRef>
+          <a:effectRef idx="0">
+            <a:scrgbClr r="0" g="0" b="0"/>
+          </a:effectRef>
+          <a:fontRef idx="minor">
+            <a:schemeClr val="lt1"/>
+          </a:fontRef>
+        </p:style>
+        <p:txBody>
+          <a:bodyPr rtlCol="0" anchor="ctr"/>
+          <a:lstStyle/>
+          <a:p>
+            <a:pPr algn="ctr"/>
+            <a:r>
+              <a:rPr lang="en-US" sz="1200" dirty="0"/>
+              <a:t>Idle</a:t>
+            </a:r>
+          </a:p>
+        </p:txBody>
+      </p:sp>
+    </p:spTree>
+    <p:extLst>
+      <p:ext uri="{BB962C8B-B14F-4D97-AF65-F5344CB8AC3E}">
+        <p14:creationId xmlns:p14="http://schemas.microsoft.com/office/powerpoint/2010/main" val="3863724708"/>
+      </p:ext>
+    </p:extLst>
+  </p:cSld>
+  <p:clrMapOvr>
+    <a:masterClrMapping/>
+  </p:clrMapOvr>
+  <mc:AlternateContent xmlns:mc="http://schemas.openxmlformats.org/markup-compatibility/2006">
+    <mc:Choice xmlns:p14="http://schemas.microsoft.com/office/powerpoint/2010/main" Requires="p14">
+      <p:transition p14:dur="0" advClick="0"/>
+    </mc:Choice>
+    <mc:Fallback>
+      <p:transition advClick="0"/>
+    </mc:Fallback>
+  </mc:AlternateContent>
+</p:sld>
+</file>
+
+<file path=ppt/slides/slide8.xml><?xml version="1.0" encoding="utf-8"?>
+<p:sld xmlns:a="http://schemas.openxmlformats.org/drawingml/2006/main" xmlns:r="http://schemas.openxmlformats.org/officeDocument/2006/relationships" xmlns:p="http://schemas.openxmlformats.org/presentationml/2006/main">
+  <p:cSld>
+    <p:spTree>
+      <p:nvGrpSpPr>
+        <p:cNvPr id="1" name=""/>
+        <p:cNvGrpSpPr/>
+        <p:nvPr/>
+      </p:nvGrpSpPr>
+      <p:grpSpPr>
+        <a:xfrm>
+          <a:off x="0" y="0"/>
+          <a:ext cx="0" cy="0"/>
+          <a:chOff x="0" y="0"/>
+          <a:chExt cx="0" cy="0"/>
+        </a:xfrm>
+      </p:grpSpPr>
+      <p:sp>
+        <p:nvSpPr>
+          <p:cNvPr id="40" name="TextBox 39"/>
+          <p:cNvSpPr txBox="1"/>
+          <p:nvPr/>
+        </p:nvSpPr>
+        <p:spPr>
+          <a:xfrm>
+            <a:off x="2264681" y="241509"/>
+            <a:ext cx="7662657" cy="723267"/>
+          </a:xfrm>
+          <a:prstGeom prst="rect">
+            <a:avLst/>
+          </a:prstGeom>
+          <a:noFill/>
+        </p:spPr>
+        <p:txBody>
+          <a:bodyPr wrap="none" lIns="45711" tIns="22856" rIns="45711" bIns="22856" rtlCol="0">
+            <a:spAutoFit/>
+          </a:bodyPr>
+          <a:lstStyle/>
+          <a:p>
+            <a:pPr algn="ctr"/>
+            <a:r>
+              <a:rPr lang="en-US" sz="4400" b="1" dirty="0">
+                <a:solidFill>
+                  <a:schemeClr val="tx2"/>
+                </a:solidFill>
+                <a:latin typeface="Lato" charset="0"/>
+                <a:ea typeface="Lato" charset="0"/>
+                <a:cs typeface="Lato" charset="0"/>
+              </a:rPr>
+              <a:t>Reactive Orchestration Schedule</a:t>
+            </a:r>
+            <a:endParaRPr lang="id-ID" sz="4400" b="1" dirty="0">
+              <a:solidFill>
+                <a:schemeClr val="tx2"/>
+              </a:solidFill>
+              <a:latin typeface="Lato" charset="0"/>
+              <a:ea typeface="Lato" charset="0"/>
+              <a:cs typeface="Lato" charset="0"/>
+            </a:endParaRPr>
+          </a:p>
+        </p:txBody>
+      </p:sp>
+      <p:sp>
+        <p:nvSpPr>
+          <p:cNvPr id="41" name="Rectangle 40"/>
+          <p:cNvSpPr/>
+          <p:nvPr/>
+        </p:nvSpPr>
+        <p:spPr>
+          <a:xfrm>
+            <a:off x="5718037" y="1235334"/>
+            <a:ext cx="776519" cy="45719"/>
+          </a:xfrm>
+          <a:prstGeom prst="rect">
+            <a:avLst/>
+          </a:prstGeom>
+          <a:solidFill>
+            <a:schemeClr val="tx2"/>
+          </a:solidFill>
+          <a:ln>
+            <a:noFill/>
+          </a:ln>
+          <a:effectLst/>
+        </p:spPr>
+        <p:style>
+          <a:lnRef idx="1">
+            <a:schemeClr val="accent1"/>
+          </a:lnRef>
+          <a:fillRef idx="3">
+            <a:schemeClr val="accent1"/>
+          </a:fillRef>
+          <a:effectRef idx="2">
+            <a:schemeClr val="accent1"/>
+          </a:effectRef>
+          <a:fontRef idx="minor">
+            <a:schemeClr val="lt1"/>
+          </a:fontRef>
+        </p:style>
+        <p:txBody>
+          <a:bodyPr lIns="45670" tIns="22836" rIns="45670" bIns="22836" rtlCol="0" anchor="ctr"/>
+          <a:lstStyle/>
+          <a:p>
+            <a:pPr algn="ctr"/>
+            <a:endParaRPr lang="en-US" sz="900" dirty="0">
+              <a:solidFill>
+                <a:schemeClr val="accent2"/>
+              </a:solidFill>
+              <a:latin typeface="Lato Light" charset="0"/>
+            </a:endParaRPr>
+          </a:p>
+        </p:txBody>
+      </p:sp>
+      <p:sp>
+        <p:nvSpPr>
+          <p:cNvPr id="42" name="Subtitle 2"/>
+          <p:cNvSpPr txBox="1">
+            <a:spLocks/>
+          </p:cNvSpPr>
+          <p:nvPr/>
+        </p:nvSpPr>
+        <p:spPr>
+          <a:xfrm>
+            <a:off x="2686770" y="817417"/>
+            <a:ext cx="6839118" cy="376997"/>
+          </a:xfrm>
+          <a:prstGeom prst="rect">
+            <a:avLst/>
+          </a:prstGeom>
+        </p:spPr>
+        <p:txBody>
+          <a:bodyPr vert="horz" wrap="none" lIns="108745" tIns="54373" rIns="108745" bIns="54373" rtlCol="0">
+            <a:spAutoFit/>
+          </a:bodyPr>
+          <a:lstStyle>
+            <a:lvl1pPr marL="0" indent="0" algn="ctr" defTabSz="1087636" rtl="0" eaLnBrk="1" latinLnBrk="0" hangingPunct="1">
+              <a:lnSpc>
+                <a:spcPct val="120000"/>
+              </a:lnSpc>
+              <a:spcBef>
+                <a:spcPct val="20000"/>
+              </a:spcBef>
+              <a:buFont typeface="Arial"/>
+              <a:buNone/>
+              <a:defRPr sz="2400" kern="1200">
+                <a:solidFill>
+                  <a:schemeClr val="tx2"/>
+                </a:solidFill>
+                <a:latin typeface="Open Sans Light"/>
+                <a:ea typeface="+mn-ea"/>
+                <a:cs typeface="Open Sans Light"/>
+              </a:defRPr>
+            </a:lvl1pPr>
+            <a:lvl2pPr marL="1087636" indent="0" algn="ctr" defTabSz="1087636" rtl="0" eaLnBrk="1" latinLnBrk="0" hangingPunct="1">
+              <a:lnSpc>
+                <a:spcPct val="130000"/>
+              </a:lnSpc>
+              <a:spcBef>
+                <a:spcPct val="20000"/>
+              </a:spcBef>
+              <a:buFont typeface="Arial"/>
+              <a:buNone/>
+              <a:defRPr sz="3200" kern="1200">
+                <a:solidFill>
+                  <a:schemeClr val="tx1">
+                    <a:tint val="75000"/>
+                  </a:schemeClr>
+                </a:solidFill>
+                <a:latin typeface="Open Sans"/>
+                <a:ea typeface="+mn-ea"/>
+                <a:cs typeface="Open Sans"/>
+              </a:defRPr>
+            </a:lvl2pPr>
+            <a:lvl3pPr marL="2175271" indent="0" algn="ctr" defTabSz="1087636" rtl="0" eaLnBrk="1" latinLnBrk="0" hangingPunct="1">
+              <a:lnSpc>
+                <a:spcPct val="130000"/>
+              </a:lnSpc>
+              <a:spcBef>
+                <a:spcPct val="20000"/>
+              </a:spcBef>
+              <a:buFont typeface="Arial"/>
+              <a:buNone/>
+              <a:defRPr sz="3200" kern="1200">
+                <a:solidFill>
+                  <a:schemeClr val="tx1">
+                    <a:tint val="75000"/>
+                  </a:schemeClr>
+                </a:solidFill>
+                <a:latin typeface="Open Sans"/>
+                <a:ea typeface="+mn-ea"/>
+                <a:cs typeface="Open Sans"/>
+              </a:defRPr>
+            </a:lvl3pPr>
+            <a:lvl4pPr marL="3262912" indent="0" algn="ctr" defTabSz="1087636" rtl="0" eaLnBrk="1" latinLnBrk="0" hangingPunct="1">
+              <a:lnSpc>
+                <a:spcPct val="130000"/>
+              </a:lnSpc>
+              <a:spcBef>
+                <a:spcPct val="20000"/>
+              </a:spcBef>
+              <a:buFont typeface="Arial"/>
+              <a:buNone/>
+              <a:defRPr sz="3200" kern="1200">
+                <a:solidFill>
+                  <a:schemeClr val="tx1">
+                    <a:tint val="75000"/>
+                  </a:schemeClr>
+                </a:solidFill>
+                <a:latin typeface="Open Sans"/>
+                <a:ea typeface="+mn-ea"/>
+                <a:cs typeface="Open Sans"/>
+              </a:defRPr>
+            </a:lvl4pPr>
+            <a:lvl5pPr marL="4350546" indent="0" algn="ctr" defTabSz="1087636" rtl="0" eaLnBrk="1" latinLnBrk="0" hangingPunct="1">
+              <a:lnSpc>
+                <a:spcPct val="130000"/>
+              </a:lnSpc>
+              <a:spcBef>
+                <a:spcPct val="20000"/>
+              </a:spcBef>
+              <a:buFont typeface="Arial"/>
+              <a:buNone/>
+              <a:defRPr sz="3200" kern="1200">
+                <a:solidFill>
+                  <a:schemeClr val="tx1">
+                    <a:tint val="75000"/>
+                  </a:schemeClr>
+                </a:solidFill>
+                <a:latin typeface="Open Sans"/>
+                <a:ea typeface="+mn-ea"/>
+                <a:cs typeface="Open Sans"/>
+              </a:defRPr>
+            </a:lvl5pPr>
+            <a:lvl6pPr marL="5438184" indent="0" algn="ctr" defTabSz="1087636" rtl="0" eaLnBrk="1" latinLnBrk="0" hangingPunct="1">
+              <a:spcBef>
+                <a:spcPct val="20000"/>
+              </a:spcBef>
+              <a:buFont typeface="Arial"/>
+              <a:buNone/>
+              <a:defRPr sz="4800" kern="1200">
+                <a:solidFill>
+                  <a:schemeClr val="tx1">
+                    <a:tint val="75000"/>
+                  </a:schemeClr>
+                </a:solidFill>
+                <a:latin typeface="+mn-lt"/>
+                <a:ea typeface="+mn-ea"/>
+                <a:cs typeface="+mn-cs"/>
+              </a:defRPr>
+            </a:lvl6pPr>
+            <a:lvl7pPr marL="6525820" indent="0" algn="ctr" defTabSz="1087636" rtl="0" eaLnBrk="1" latinLnBrk="0" hangingPunct="1">
+              <a:spcBef>
+                <a:spcPct val="20000"/>
+              </a:spcBef>
+              <a:buFont typeface="Arial"/>
+              <a:buNone/>
+              <a:defRPr sz="4800" kern="1200">
+                <a:solidFill>
+                  <a:schemeClr val="tx1">
+                    <a:tint val="75000"/>
+                  </a:schemeClr>
+                </a:solidFill>
+                <a:latin typeface="+mn-lt"/>
+                <a:ea typeface="+mn-ea"/>
+                <a:cs typeface="+mn-cs"/>
+              </a:defRPr>
+            </a:lvl7pPr>
+            <a:lvl8pPr marL="7613455" indent="0" algn="ctr" defTabSz="1087636" rtl="0" eaLnBrk="1" latinLnBrk="0" hangingPunct="1">
+              <a:spcBef>
+                <a:spcPct val="20000"/>
+              </a:spcBef>
+              <a:buFont typeface="Arial"/>
+              <a:buNone/>
+              <a:defRPr sz="4800" kern="1200">
+                <a:solidFill>
+                  <a:schemeClr val="tx1">
+                    <a:tint val="75000"/>
+                  </a:schemeClr>
+                </a:solidFill>
+                <a:latin typeface="+mn-lt"/>
+                <a:ea typeface="+mn-ea"/>
+                <a:cs typeface="+mn-cs"/>
+              </a:defRPr>
+            </a:lvl8pPr>
+            <a:lvl9pPr marL="8701091" indent="0" algn="ctr" defTabSz="1087636" rtl="0" eaLnBrk="1" latinLnBrk="0" hangingPunct="1">
+              <a:spcBef>
+                <a:spcPct val="20000"/>
+              </a:spcBef>
+              <a:buFont typeface="Arial"/>
+              <a:buNone/>
+              <a:defRPr sz="4800" kern="1200">
+                <a:solidFill>
+                  <a:schemeClr val="tx1">
+                    <a:tint val="75000"/>
+                  </a:schemeClr>
+                </a:solidFill>
+                <a:latin typeface="+mn-lt"/>
+                <a:ea typeface="+mn-ea"/>
+                <a:cs typeface="+mn-cs"/>
+              </a:defRPr>
+            </a:lvl9pPr>
+          </a:lstStyle>
+          <a:p>
+            <a:r>
+              <a:rPr lang="en-US" sz="1550" dirty="0">
+                <a:latin typeface="Lato Light"/>
+                <a:cs typeface="Lato Light"/>
+              </a:rPr>
+              <a:t>Components start as soon as they receive the notification form the Node Manager</a:t>
+            </a:r>
+          </a:p>
+        </p:txBody>
+      </p:sp>
+      <p:sp>
+        <p:nvSpPr>
+          <p:cNvPr id="55" name="Rechteck 54">
+            <a:extLst>
+              <a:ext uri="{FF2B5EF4-FFF2-40B4-BE49-F238E27FC236}">
+                <a16:creationId xmlns:a16="http://schemas.microsoft.com/office/drawing/2014/main" id="{FD2637BC-D434-EF43-8E59-3EF9AD1A2644}"/>
+              </a:ext>
+            </a:extLst>
+          </p:cNvPr>
+          <p:cNvSpPr/>
+          <p:nvPr/>
+        </p:nvSpPr>
+        <p:spPr>
+          <a:xfrm>
+            <a:off x="2084187" y="2917444"/>
+            <a:ext cx="2473945" cy="383458"/>
+          </a:xfrm>
+          <a:prstGeom prst="rect">
+            <a:avLst/>
+          </a:prstGeom>
+          <a:solidFill>
+            <a:schemeClr val="accent2"/>
+          </a:solidFill>
+          <a:ln>
+            <a:noFill/>
+          </a:ln>
+        </p:spPr>
+        <p:style>
+          <a:lnRef idx="0">
+            <a:scrgbClr r="0" g="0" b="0"/>
+          </a:lnRef>
+          <a:fillRef idx="0">
+            <a:scrgbClr r="0" g="0" b="0"/>
+          </a:fillRef>
+          <a:effectRef idx="0">
+            <a:scrgbClr r="0" g="0" b="0"/>
+          </a:effectRef>
+          <a:fontRef idx="minor">
+            <a:schemeClr val="lt1"/>
+          </a:fontRef>
+        </p:style>
+        <p:txBody>
+          <a:bodyPr rtlCol="0" anchor="ctr"/>
+          <a:lstStyle/>
+          <a:p>
+            <a:pPr algn="ctr"/>
+            <a:r>
+              <a:rPr lang="en-US" sz="1200" dirty="0"/>
+              <a:t>Transition</a:t>
+            </a:r>
+          </a:p>
+        </p:txBody>
+      </p:sp>
+      <p:sp>
+        <p:nvSpPr>
+          <p:cNvPr id="56" name="Rechteck 55">
+            <a:extLst>
+              <a:ext uri="{FF2B5EF4-FFF2-40B4-BE49-F238E27FC236}">
+                <a16:creationId xmlns:a16="http://schemas.microsoft.com/office/drawing/2014/main" id="{8EF9CC8F-05E7-7145-B8C7-BD34DCF4785F}"/>
+              </a:ext>
+            </a:extLst>
+          </p:cNvPr>
+          <p:cNvSpPr/>
+          <p:nvPr/>
+        </p:nvSpPr>
+        <p:spPr>
+          <a:xfrm>
+            <a:off x="5592474" y="2917444"/>
+            <a:ext cx="6189197" cy="383458"/>
+          </a:xfrm>
+          <a:prstGeom prst="rect">
+            <a:avLst/>
+          </a:prstGeom>
+          <a:solidFill>
+            <a:schemeClr val="accent1"/>
+          </a:solidFill>
+          <a:ln>
+            <a:noFill/>
+          </a:ln>
+        </p:spPr>
+        <p:style>
+          <a:lnRef idx="2">
+            <a:schemeClr val="accent1">
+              <a:shade val="50000"/>
+            </a:schemeClr>
+          </a:lnRef>
+          <a:fillRef idx="1">
+            <a:schemeClr val="accent1"/>
+          </a:fillRef>
+          <a:effectRef idx="0">
+            <a:schemeClr val="accent1"/>
+          </a:effectRef>
+          <a:fontRef idx="minor">
+            <a:schemeClr val="lt1"/>
+          </a:fontRef>
+        </p:style>
+        <p:txBody>
+          <a:bodyPr rtlCol="0" anchor="ctr"/>
+          <a:lstStyle/>
+          <a:p>
+            <a:pPr algn="ctr"/>
+            <a:r>
+              <a:rPr lang="en-US" sz="1200" dirty="0"/>
+              <a:t>(Reduced) State</a:t>
+            </a:r>
+          </a:p>
+        </p:txBody>
+      </p:sp>
+      <p:sp>
+        <p:nvSpPr>
+          <p:cNvPr id="57" name="TextBox 69">
+            <a:extLst>
+              <a:ext uri="{FF2B5EF4-FFF2-40B4-BE49-F238E27FC236}">
+                <a16:creationId xmlns:a16="http://schemas.microsoft.com/office/drawing/2014/main" id="{65673EAF-A53D-634A-BD14-EC64721D618B}"/>
+              </a:ext>
+            </a:extLst>
+          </p:cNvPr>
+          <p:cNvSpPr txBox="1"/>
+          <p:nvPr/>
+        </p:nvSpPr>
+        <p:spPr>
+          <a:xfrm>
+            <a:off x="678338" y="2938186"/>
+            <a:ext cx="1335302" cy="338554"/>
+          </a:xfrm>
+          <a:prstGeom prst="rect">
+            <a:avLst/>
+          </a:prstGeom>
+          <a:noFill/>
+        </p:spPr>
+        <p:txBody>
+          <a:bodyPr wrap="none" rtlCol="0" anchor="ctr" anchorCtr="0">
+            <a:spAutoFit/>
+          </a:bodyPr>
+          <a:lstStyle/>
+          <a:p>
+            <a:pPr algn="ctr"/>
+            <a:r>
+              <a:rPr lang="en-US" sz="1600" b="1" dirty="0">
+                <a:solidFill>
+                  <a:schemeClr val="tx2"/>
+                </a:solidFill>
+                <a:latin typeface="Lato Bold" charset="0"/>
+                <a:ea typeface="Lato Bold" charset="0"/>
+                <a:cs typeface="Lato Bold" charset="0"/>
+              </a:rPr>
+              <a:t>Component 1</a:t>
+            </a:r>
+          </a:p>
+        </p:txBody>
+      </p:sp>
+      <p:sp>
+        <p:nvSpPr>
+          <p:cNvPr id="60" name="Rechteck 59">
+            <a:extLst>
+              <a:ext uri="{FF2B5EF4-FFF2-40B4-BE49-F238E27FC236}">
+                <a16:creationId xmlns:a16="http://schemas.microsoft.com/office/drawing/2014/main" id="{9CA94DA2-DBFB-EC48-B6F3-E4B5D87F5E73}"/>
+              </a:ext>
+            </a:extLst>
+          </p:cNvPr>
+          <p:cNvSpPr/>
+          <p:nvPr/>
+        </p:nvSpPr>
+        <p:spPr>
+          <a:xfrm>
+            <a:off x="2084186" y="3654476"/>
+            <a:ext cx="3270689" cy="383458"/>
+          </a:xfrm>
+          <a:prstGeom prst="rect">
+            <a:avLst/>
+          </a:prstGeom>
+          <a:solidFill>
+            <a:schemeClr val="accent2"/>
+          </a:solidFill>
+          <a:ln>
+            <a:noFill/>
+          </a:ln>
+        </p:spPr>
+        <p:style>
+          <a:lnRef idx="0">
+            <a:scrgbClr r="0" g="0" b="0"/>
+          </a:lnRef>
+          <a:fillRef idx="0">
+            <a:scrgbClr r="0" g="0" b="0"/>
+          </a:fillRef>
+          <a:effectRef idx="0">
+            <a:scrgbClr r="0" g="0" b="0"/>
+          </a:effectRef>
+          <a:fontRef idx="minor">
+            <a:schemeClr val="lt1"/>
+          </a:fontRef>
+        </p:style>
+        <p:txBody>
+          <a:bodyPr rtlCol="0" anchor="ctr"/>
+          <a:lstStyle/>
+          <a:p>
+            <a:pPr algn="ctr"/>
+            <a:r>
+              <a:rPr lang="en-US" sz="1200" dirty="0"/>
+              <a:t>Transition</a:t>
+            </a:r>
+          </a:p>
+        </p:txBody>
+      </p:sp>
+      <p:sp>
+        <p:nvSpPr>
+          <p:cNvPr id="62" name="TextBox 69">
+            <a:extLst>
+              <a:ext uri="{FF2B5EF4-FFF2-40B4-BE49-F238E27FC236}">
+                <a16:creationId xmlns:a16="http://schemas.microsoft.com/office/drawing/2014/main" id="{298F88FB-6A0F-A54E-90F3-85A5B8A4B429}"/>
+              </a:ext>
+            </a:extLst>
+          </p:cNvPr>
+          <p:cNvSpPr txBox="1"/>
+          <p:nvPr/>
+        </p:nvSpPr>
+        <p:spPr>
+          <a:xfrm>
+            <a:off x="678338" y="3673508"/>
+            <a:ext cx="1335302" cy="338554"/>
+          </a:xfrm>
+          <a:prstGeom prst="rect">
+            <a:avLst/>
+          </a:prstGeom>
+          <a:noFill/>
+        </p:spPr>
+        <p:txBody>
+          <a:bodyPr wrap="none" rtlCol="0" anchor="ctr" anchorCtr="0">
+            <a:spAutoFit/>
+          </a:bodyPr>
+          <a:lstStyle/>
+          <a:p>
+            <a:pPr algn="ctr"/>
+            <a:r>
+              <a:rPr lang="en-US" sz="1600" b="1" dirty="0">
+                <a:solidFill>
+                  <a:schemeClr val="tx2"/>
+                </a:solidFill>
+                <a:latin typeface="Lato Bold" charset="0"/>
+                <a:ea typeface="Lato Bold" charset="0"/>
+                <a:cs typeface="Lato Bold" charset="0"/>
+              </a:rPr>
+              <a:t>Component 2</a:t>
+            </a:r>
+          </a:p>
+        </p:txBody>
+      </p:sp>
+      <p:sp>
+        <p:nvSpPr>
+          <p:cNvPr id="64" name="Rechteck 63">
+            <a:extLst>
+              <a:ext uri="{FF2B5EF4-FFF2-40B4-BE49-F238E27FC236}">
+                <a16:creationId xmlns:a16="http://schemas.microsoft.com/office/drawing/2014/main" id="{5944B044-011C-9443-8499-5882944DD0DF}"/>
+              </a:ext>
+            </a:extLst>
+          </p:cNvPr>
+          <p:cNvSpPr/>
+          <p:nvPr/>
+        </p:nvSpPr>
+        <p:spPr>
+          <a:xfrm>
+            <a:off x="2082423" y="4372520"/>
+            <a:ext cx="1437391" cy="383458"/>
+          </a:xfrm>
+          <a:prstGeom prst="rect">
+            <a:avLst/>
+          </a:prstGeom>
+          <a:solidFill>
+            <a:schemeClr val="accent2"/>
+          </a:solidFill>
+          <a:ln>
+            <a:noFill/>
+          </a:ln>
+        </p:spPr>
+        <p:style>
+          <a:lnRef idx="0">
+            <a:scrgbClr r="0" g="0" b="0"/>
+          </a:lnRef>
+          <a:fillRef idx="0">
+            <a:scrgbClr r="0" g="0" b="0"/>
+          </a:fillRef>
+          <a:effectRef idx="0">
+            <a:scrgbClr r="0" g="0" b="0"/>
+          </a:effectRef>
+          <a:fontRef idx="minor">
+            <a:schemeClr val="lt1"/>
+          </a:fontRef>
+        </p:style>
+        <p:txBody>
+          <a:bodyPr rtlCol="0" anchor="ctr"/>
+          <a:lstStyle/>
+          <a:p>
+            <a:pPr algn="ctr"/>
+            <a:r>
+              <a:rPr lang="en-US" sz="1200" dirty="0"/>
+              <a:t>Transition</a:t>
+            </a:r>
+          </a:p>
+        </p:txBody>
+      </p:sp>
+      <p:sp>
+        <p:nvSpPr>
+          <p:cNvPr id="66" name="TextBox 69">
+            <a:extLst>
+              <a:ext uri="{FF2B5EF4-FFF2-40B4-BE49-F238E27FC236}">
+                <a16:creationId xmlns:a16="http://schemas.microsoft.com/office/drawing/2014/main" id="{6863EF3F-8186-874F-AAF9-3E2B8536AF78}"/>
+              </a:ext>
+            </a:extLst>
+          </p:cNvPr>
+          <p:cNvSpPr txBox="1"/>
+          <p:nvPr/>
+        </p:nvSpPr>
+        <p:spPr>
+          <a:xfrm>
+            <a:off x="676575" y="4393262"/>
+            <a:ext cx="1335302" cy="338554"/>
+          </a:xfrm>
+          <a:prstGeom prst="rect">
+            <a:avLst/>
+          </a:prstGeom>
+          <a:noFill/>
+        </p:spPr>
+        <p:txBody>
+          <a:bodyPr wrap="none" rtlCol="0" anchor="ctr" anchorCtr="0">
+            <a:spAutoFit/>
+          </a:bodyPr>
+          <a:lstStyle/>
+          <a:p>
+            <a:pPr algn="ctr"/>
+            <a:r>
+              <a:rPr lang="en-US" sz="1600" b="1" dirty="0">
+                <a:solidFill>
+                  <a:schemeClr val="tx2"/>
+                </a:solidFill>
+                <a:latin typeface="Lato Bold" charset="0"/>
+                <a:ea typeface="Lato Bold" charset="0"/>
+                <a:cs typeface="Lato Bold" charset="0"/>
+              </a:rPr>
+              <a:t>Component 2</a:t>
+            </a:r>
+          </a:p>
+        </p:txBody>
+      </p:sp>
+      <p:sp>
+        <p:nvSpPr>
+          <p:cNvPr id="70" name="Rechteck 69">
+            <a:extLst>
+              <a:ext uri="{FF2B5EF4-FFF2-40B4-BE49-F238E27FC236}">
+                <a16:creationId xmlns:a16="http://schemas.microsoft.com/office/drawing/2014/main" id="{52F9831D-6F9F-9F44-AD1D-F7894D69A1B5}"/>
+              </a:ext>
+            </a:extLst>
+          </p:cNvPr>
+          <p:cNvSpPr/>
+          <p:nvPr/>
+        </p:nvSpPr>
+        <p:spPr>
+          <a:xfrm>
+            <a:off x="3519814" y="4372520"/>
+            <a:ext cx="118997" cy="383458"/>
+          </a:xfrm>
+          <a:prstGeom prst="rect">
+            <a:avLst/>
+          </a:prstGeom>
+          <a:solidFill>
+            <a:schemeClr val="accent3"/>
+          </a:solidFill>
+          <a:ln>
+            <a:noFill/>
+          </a:ln>
+        </p:spPr>
+        <p:style>
+          <a:lnRef idx="0">
+            <a:scrgbClr r="0" g="0" b="0"/>
+          </a:lnRef>
+          <a:fillRef idx="0">
+            <a:scrgbClr r="0" g="0" b="0"/>
+          </a:fillRef>
+          <a:effectRef idx="0">
+            <a:scrgbClr r="0" g="0" b="0"/>
+          </a:effectRef>
+          <a:fontRef idx="minor">
+            <a:schemeClr val="lt1"/>
+          </a:fontRef>
+        </p:style>
+        <p:txBody>
+          <a:bodyPr rtlCol="0" anchor="ctr"/>
+          <a:lstStyle/>
+          <a:p>
+            <a:pPr algn="ctr"/>
+            <a:r>
+              <a:rPr lang="en-US" sz="1200" dirty="0"/>
+              <a:t>ND</a:t>
+            </a:r>
+          </a:p>
+        </p:txBody>
+      </p:sp>
+      <p:sp>
+        <p:nvSpPr>
+          <p:cNvPr id="72" name="Rechteck 71">
+            <a:extLst>
+              <a:ext uri="{FF2B5EF4-FFF2-40B4-BE49-F238E27FC236}">
+                <a16:creationId xmlns:a16="http://schemas.microsoft.com/office/drawing/2014/main" id="{FDBF82DE-C4EF-2B46-8427-315C46B4E6AD}"/>
+              </a:ext>
+            </a:extLst>
+          </p:cNvPr>
+          <p:cNvSpPr/>
+          <p:nvPr/>
+        </p:nvSpPr>
+        <p:spPr>
+          <a:xfrm>
+            <a:off x="3638811" y="4372520"/>
+            <a:ext cx="1834666" cy="383458"/>
+          </a:xfrm>
+          <a:prstGeom prst="rect">
+            <a:avLst/>
+          </a:prstGeom>
+          <a:solidFill>
+            <a:schemeClr val="accent4"/>
+          </a:solidFill>
+          <a:ln>
+            <a:noFill/>
+          </a:ln>
+        </p:spPr>
+        <p:style>
+          <a:lnRef idx="0">
+            <a:scrgbClr r="0" g="0" b="0"/>
+          </a:lnRef>
+          <a:fillRef idx="0">
+            <a:scrgbClr r="0" g="0" b="0"/>
+          </a:fillRef>
+          <a:effectRef idx="0">
+            <a:scrgbClr r="0" g="0" b="0"/>
+          </a:effectRef>
+          <a:fontRef idx="minor">
+            <a:schemeClr val="lt1"/>
+          </a:fontRef>
+        </p:style>
+        <p:txBody>
+          <a:bodyPr rtlCol="0" anchor="ctr"/>
+          <a:lstStyle/>
+          <a:p>
+            <a:pPr algn="ctr"/>
+            <a:r>
+              <a:rPr lang="en-US" sz="1200" dirty="0"/>
+              <a:t>Idle</a:t>
+            </a:r>
+          </a:p>
+        </p:txBody>
+      </p:sp>
+      <p:sp>
+        <p:nvSpPr>
+          <p:cNvPr id="73" name="Rechteck 72">
+            <a:extLst>
+              <a:ext uri="{FF2B5EF4-FFF2-40B4-BE49-F238E27FC236}">
+                <a16:creationId xmlns:a16="http://schemas.microsoft.com/office/drawing/2014/main" id="{5113961A-60B9-C745-BB19-323255B689EB}"/>
+              </a:ext>
+            </a:extLst>
+          </p:cNvPr>
+          <p:cNvSpPr/>
+          <p:nvPr/>
+        </p:nvSpPr>
+        <p:spPr>
+          <a:xfrm>
+            <a:off x="5354874" y="3654476"/>
+            <a:ext cx="237600" cy="383458"/>
+          </a:xfrm>
+          <a:prstGeom prst="rect">
+            <a:avLst/>
+          </a:prstGeom>
+          <a:solidFill>
+            <a:schemeClr val="accent3"/>
+          </a:solidFill>
+          <a:ln>
+            <a:noFill/>
+          </a:ln>
+        </p:spPr>
+        <p:style>
+          <a:lnRef idx="0">
+            <a:scrgbClr r="0" g="0" b="0"/>
+          </a:lnRef>
+          <a:fillRef idx="0">
+            <a:scrgbClr r="0" g="0" b="0"/>
+          </a:fillRef>
+          <a:effectRef idx="0">
+            <a:scrgbClr r="0" g="0" b="0"/>
+          </a:effectRef>
+          <a:fontRef idx="minor">
+            <a:schemeClr val="lt1"/>
+          </a:fontRef>
+        </p:style>
+        <p:txBody>
+          <a:bodyPr rtlCol="0" anchor="ctr"/>
+          <a:lstStyle/>
+          <a:p>
+            <a:pPr algn="ctr"/>
+            <a:r>
+              <a:rPr lang="en-US" sz="1200" dirty="0"/>
+              <a:t>ND</a:t>
+            </a:r>
+          </a:p>
+        </p:txBody>
+      </p:sp>
+      <p:sp>
+        <p:nvSpPr>
+          <p:cNvPr id="75" name="Rechteck 74">
+            <a:extLst>
+              <a:ext uri="{FF2B5EF4-FFF2-40B4-BE49-F238E27FC236}">
+                <a16:creationId xmlns:a16="http://schemas.microsoft.com/office/drawing/2014/main" id="{82A62276-F81E-FC43-92C4-6D6D321C0D14}"/>
+              </a:ext>
+            </a:extLst>
+          </p:cNvPr>
+          <p:cNvSpPr/>
+          <p:nvPr/>
+        </p:nvSpPr>
+        <p:spPr>
+          <a:xfrm>
+            <a:off x="5473477" y="4372520"/>
+            <a:ext cx="118997" cy="383458"/>
+          </a:xfrm>
+          <a:prstGeom prst="rect">
+            <a:avLst/>
+          </a:prstGeom>
+          <a:solidFill>
+            <a:schemeClr val="accent3"/>
+          </a:solidFill>
+          <a:ln>
+            <a:noFill/>
+          </a:ln>
+        </p:spPr>
+        <p:style>
+          <a:lnRef idx="0">
+            <a:scrgbClr r="0" g="0" b="0"/>
+          </a:lnRef>
+          <a:fillRef idx="0">
+            <a:scrgbClr r="0" g="0" b="0"/>
+          </a:fillRef>
+          <a:effectRef idx="0">
+            <a:scrgbClr r="0" g="0" b="0"/>
+          </a:effectRef>
+          <a:fontRef idx="minor">
+            <a:schemeClr val="lt1"/>
+          </a:fontRef>
+        </p:style>
+        <p:txBody>
+          <a:bodyPr rtlCol="0" anchor="ctr"/>
+          <a:lstStyle/>
+          <a:p>
+            <a:pPr algn="ctr"/>
+            <a:r>
+              <a:rPr lang="en-US" sz="1200" dirty="0"/>
+              <a:t>ND</a:t>
+            </a:r>
+          </a:p>
+        </p:txBody>
+      </p:sp>
+      <p:sp>
+        <p:nvSpPr>
+          <p:cNvPr id="76" name="Rechteck 75">
+            <a:extLst>
+              <a:ext uri="{FF2B5EF4-FFF2-40B4-BE49-F238E27FC236}">
+                <a16:creationId xmlns:a16="http://schemas.microsoft.com/office/drawing/2014/main" id="{3F0DD71B-A635-0B4B-A84E-63A768A3914E}"/>
+              </a:ext>
+            </a:extLst>
+          </p:cNvPr>
+          <p:cNvSpPr/>
+          <p:nvPr/>
+        </p:nvSpPr>
+        <p:spPr>
+          <a:xfrm>
+            <a:off x="4558132" y="2917444"/>
+            <a:ext cx="118997" cy="383458"/>
+          </a:xfrm>
+          <a:prstGeom prst="rect">
+            <a:avLst/>
+          </a:prstGeom>
+          <a:solidFill>
+            <a:schemeClr val="accent3"/>
+          </a:solidFill>
+          <a:ln>
+            <a:noFill/>
+          </a:ln>
+        </p:spPr>
+        <p:style>
+          <a:lnRef idx="0">
+            <a:scrgbClr r="0" g="0" b="0"/>
+          </a:lnRef>
+          <a:fillRef idx="0">
+            <a:scrgbClr r="0" g="0" b="0"/>
+          </a:fillRef>
+          <a:effectRef idx="0">
+            <a:scrgbClr r="0" g="0" b="0"/>
+          </a:effectRef>
+          <a:fontRef idx="minor">
+            <a:schemeClr val="lt1"/>
+          </a:fontRef>
+        </p:style>
+        <p:txBody>
+          <a:bodyPr rtlCol="0" anchor="ctr"/>
+          <a:lstStyle/>
+          <a:p>
+            <a:pPr algn="ctr"/>
+            <a:r>
+              <a:rPr lang="en-US" sz="1200" dirty="0"/>
+              <a:t>ND</a:t>
+            </a:r>
+          </a:p>
+        </p:txBody>
+      </p:sp>
+      <p:sp>
+        <p:nvSpPr>
+          <p:cNvPr id="77" name="Rechteck 76">
+            <a:extLst>
+              <a:ext uri="{FF2B5EF4-FFF2-40B4-BE49-F238E27FC236}">
+                <a16:creationId xmlns:a16="http://schemas.microsoft.com/office/drawing/2014/main" id="{9B447EB9-CE27-694B-BEEA-59396EF3BA61}"/>
+              </a:ext>
+            </a:extLst>
+          </p:cNvPr>
+          <p:cNvSpPr/>
+          <p:nvPr/>
+        </p:nvSpPr>
+        <p:spPr>
+          <a:xfrm>
+            <a:off x="4677129" y="2917444"/>
+            <a:ext cx="796348" cy="383458"/>
+          </a:xfrm>
+          <a:prstGeom prst="rect">
+            <a:avLst/>
+          </a:prstGeom>
+          <a:solidFill>
+            <a:schemeClr val="accent4"/>
+          </a:solidFill>
+          <a:ln>
+            <a:noFill/>
+          </a:ln>
+        </p:spPr>
+        <p:style>
+          <a:lnRef idx="0">
+            <a:scrgbClr r="0" g="0" b="0"/>
+          </a:lnRef>
+          <a:fillRef idx="0">
+            <a:scrgbClr r="0" g="0" b="0"/>
+          </a:fillRef>
+          <a:effectRef idx="0">
+            <a:scrgbClr r="0" g="0" b="0"/>
+          </a:effectRef>
+          <a:fontRef idx="minor">
+            <a:schemeClr val="lt1"/>
+          </a:fontRef>
+        </p:style>
+        <p:txBody>
+          <a:bodyPr rtlCol="0" anchor="ctr"/>
+          <a:lstStyle/>
+          <a:p>
+            <a:pPr algn="ctr"/>
+            <a:r>
+              <a:rPr lang="en-US" sz="1200" dirty="0"/>
+              <a:t>Idle</a:t>
+            </a:r>
+          </a:p>
+        </p:txBody>
+      </p:sp>
+      <p:sp>
+        <p:nvSpPr>
+          <p:cNvPr id="78" name="Rechteck 77">
+            <a:extLst>
+              <a:ext uri="{FF2B5EF4-FFF2-40B4-BE49-F238E27FC236}">
+                <a16:creationId xmlns:a16="http://schemas.microsoft.com/office/drawing/2014/main" id="{ED2421B1-A537-ED42-AFEF-C408765C1FEA}"/>
+              </a:ext>
+            </a:extLst>
+          </p:cNvPr>
+          <p:cNvSpPr/>
+          <p:nvPr/>
+        </p:nvSpPr>
+        <p:spPr>
+          <a:xfrm>
+            <a:off x="5473477" y="2917444"/>
+            <a:ext cx="118997" cy="383458"/>
+          </a:xfrm>
+          <a:prstGeom prst="rect">
+            <a:avLst/>
+          </a:prstGeom>
+          <a:solidFill>
+            <a:schemeClr val="accent3"/>
+          </a:solidFill>
+          <a:ln>
+            <a:noFill/>
+          </a:ln>
+        </p:spPr>
+        <p:style>
+          <a:lnRef idx="0">
+            <a:scrgbClr r="0" g="0" b="0"/>
+          </a:lnRef>
+          <a:fillRef idx="0">
+            <a:scrgbClr r="0" g="0" b="0"/>
+          </a:fillRef>
+          <a:effectRef idx="0">
+            <a:scrgbClr r="0" g="0" b="0"/>
+          </a:effectRef>
+          <a:fontRef idx="minor">
+            <a:schemeClr val="lt1"/>
+          </a:fontRef>
+        </p:style>
+        <p:txBody>
+          <a:bodyPr rtlCol="0" anchor="ctr"/>
+          <a:lstStyle/>
+          <a:p>
+            <a:pPr algn="ctr"/>
+            <a:r>
+              <a:rPr lang="en-US" sz="1200" dirty="0"/>
+              <a:t>ND</a:t>
+            </a:r>
+          </a:p>
+        </p:txBody>
+      </p:sp>
+      <p:sp>
+        <p:nvSpPr>
+          <p:cNvPr id="79" name="Rechteck 78">
+            <a:extLst>
+              <a:ext uri="{FF2B5EF4-FFF2-40B4-BE49-F238E27FC236}">
+                <a16:creationId xmlns:a16="http://schemas.microsoft.com/office/drawing/2014/main" id="{45831228-68CB-F845-919F-A6599B7429B4}"/>
+              </a:ext>
+            </a:extLst>
+          </p:cNvPr>
+          <p:cNvSpPr/>
+          <p:nvPr/>
+        </p:nvSpPr>
+        <p:spPr>
+          <a:xfrm>
+            <a:off x="5592474" y="3654476"/>
+            <a:ext cx="6189197" cy="383458"/>
+          </a:xfrm>
+          <a:prstGeom prst="rect">
+            <a:avLst/>
+          </a:prstGeom>
+          <a:solidFill>
+            <a:schemeClr val="accent1"/>
+          </a:solidFill>
+          <a:ln>
+            <a:noFill/>
+          </a:ln>
+        </p:spPr>
+        <p:style>
+          <a:lnRef idx="2">
+            <a:schemeClr val="accent1">
+              <a:shade val="50000"/>
+            </a:schemeClr>
+          </a:lnRef>
+          <a:fillRef idx="1">
+            <a:schemeClr val="accent1"/>
+          </a:fillRef>
+          <a:effectRef idx="0">
+            <a:schemeClr val="accent1"/>
+          </a:effectRef>
+          <a:fontRef idx="minor">
+            <a:schemeClr val="lt1"/>
+          </a:fontRef>
+        </p:style>
+        <p:txBody>
+          <a:bodyPr rtlCol="0" anchor="ctr"/>
+          <a:lstStyle/>
+          <a:p>
+            <a:pPr algn="ctr"/>
+            <a:r>
+              <a:rPr lang="en-US" sz="1200" dirty="0"/>
+              <a:t>(Reduced) State</a:t>
+            </a:r>
+          </a:p>
+        </p:txBody>
+      </p:sp>
+      <p:sp>
+        <p:nvSpPr>
+          <p:cNvPr id="83" name="Rechteck 82">
+            <a:extLst>
+              <a:ext uri="{FF2B5EF4-FFF2-40B4-BE49-F238E27FC236}">
+                <a16:creationId xmlns:a16="http://schemas.microsoft.com/office/drawing/2014/main" id="{A2552F94-19EA-C54D-B6CB-1C2234C9C16C}"/>
+              </a:ext>
+            </a:extLst>
+          </p:cNvPr>
+          <p:cNvSpPr/>
+          <p:nvPr/>
+        </p:nvSpPr>
+        <p:spPr>
+          <a:xfrm>
+            <a:off x="5592474" y="4372520"/>
+            <a:ext cx="6189197" cy="383458"/>
+          </a:xfrm>
+          <a:prstGeom prst="rect">
+            <a:avLst/>
+          </a:prstGeom>
+          <a:solidFill>
+            <a:schemeClr val="accent1"/>
+          </a:solidFill>
+          <a:ln>
+            <a:noFill/>
+          </a:ln>
+        </p:spPr>
+        <p:style>
+          <a:lnRef idx="2">
+            <a:schemeClr val="accent1">
+              <a:shade val="50000"/>
+            </a:schemeClr>
+          </a:lnRef>
+          <a:fillRef idx="1">
+            <a:schemeClr val="accent1"/>
+          </a:fillRef>
+          <a:effectRef idx="0">
+            <a:schemeClr val="accent1"/>
+          </a:effectRef>
+          <a:fontRef idx="minor">
+            <a:schemeClr val="lt1"/>
+          </a:fontRef>
+        </p:style>
+        <p:txBody>
+          <a:bodyPr rtlCol="0" anchor="ctr"/>
+          <a:lstStyle/>
+          <a:p>
+            <a:pPr algn="ctr"/>
+            <a:r>
+              <a:rPr lang="en-US" sz="1200" dirty="0"/>
+              <a:t>(Reduced) State</a:t>
+            </a:r>
+          </a:p>
+        </p:txBody>
+      </p:sp>
+      <p:sp>
+        <p:nvSpPr>
+          <p:cNvPr id="86" name="Subtitle 2">
+            <a:extLst>
+              <a:ext uri="{FF2B5EF4-FFF2-40B4-BE49-F238E27FC236}">
+                <a16:creationId xmlns:a16="http://schemas.microsoft.com/office/drawing/2014/main" id="{79D10A08-BA08-B14B-B48C-00E2834F01C7}"/>
+              </a:ext>
+            </a:extLst>
+          </p:cNvPr>
+          <p:cNvSpPr txBox="1">
+            <a:spLocks/>
+          </p:cNvSpPr>
+          <p:nvPr/>
+        </p:nvSpPr>
+        <p:spPr>
+          <a:xfrm>
+            <a:off x="3913299" y="1715535"/>
+            <a:ext cx="3657553" cy="342820"/>
+          </a:xfrm>
+          <a:prstGeom prst="rect">
+            <a:avLst/>
+          </a:prstGeom>
+        </p:spPr>
+        <p:txBody>
+          <a:bodyPr vert="horz" wrap="square" lIns="108745" tIns="54373" rIns="108745" bIns="54373" rtlCol="0">
+            <a:spAutoFit/>
+          </a:bodyPr>
+          <a:lstStyle>
+            <a:lvl1pPr marL="0" indent="0" algn="ctr" defTabSz="1087636" rtl="0" eaLnBrk="1" latinLnBrk="0" hangingPunct="1">
+              <a:lnSpc>
+                <a:spcPct val="120000"/>
+              </a:lnSpc>
+              <a:spcBef>
+                <a:spcPct val="20000"/>
+              </a:spcBef>
+              <a:buFont typeface="Arial"/>
+              <a:buNone/>
+              <a:defRPr sz="2400" kern="1200">
+                <a:solidFill>
+                  <a:schemeClr val="tx2"/>
+                </a:solidFill>
+                <a:latin typeface="Open Sans Light"/>
+                <a:ea typeface="+mn-ea"/>
+                <a:cs typeface="Open Sans Light"/>
+              </a:defRPr>
+            </a:lvl1pPr>
+            <a:lvl2pPr marL="1087636" indent="0" algn="ctr" defTabSz="1087636" rtl="0" eaLnBrk="1" latinLnBrk="0" hangingPunct="1">
+              <a:lnSpc>
+                <a:spcPct val="130000"/>
+              </a:lnSpc>
+              <a:spcBef>
+                <a:spcPct val="20000"/>
+              </a:spcBef>
+              <a:buFont typeface="Arial"/>
+              <a:buNone/>
+              <a:defRPr sz="3200" kern="1200">
+                <a:solidFill>
+                  <a:schemeClr val="tx1">
+                    <a:tint val="75000"/>
+                  </a:schemeClr>
+                </a:solidFill>
+                <a:latin typeface="Open Sans"/>
+                <a:ea typeface="+mn-ea"/>
+                <a:cs typeface="Open Sans"/>
+              </a:defRPr>
+            </a:lvl2pPr>
+            <a:lvl3pPr marL="2175271" indent="0" algn="ctr" defTabSz="1087636" rtl="0" eaLnBrk="1" latinLnBrk="0" hangingPunct="1">
+              <a:lnSpc>
+                <a:spcPct val="130000"/>
+              </a:lnSpc>
+              <a:spcBef>
+                <a:spcPct val="20000"/>
+              </a:spcBef>
+              <a:buFont typeface="Arial"/>
+              <a:buNone/>
+              <a:defRPr sz="3200" kern="1200">
+                <a:solidFill>
+                  <a:schemeClr val="tx1">
+                    <a:tint val="75000"/>
+                  </a:schemeClr>
+                </a:solidFill>
+                <a:latin typeface="Open Sans"/>
+                <a:ea typeface="+mn-ea"/>
+                <a:cs typeface="Open Sans"/>
+              </a:defRPr>
+            </a:lvl3pPr>
+            <a:lvl4pPr marL="3262912" indent="0" algn="ctr" defTabSz="1087636" rtl="0" eaLnBrk="1" latinLnBrk="0" hangingPunct="1">
+              <a:lnSpc>
+                <a:spcPct val="130000"/>
+              </a:lnSpc>
+              <a:spcBef>
+                <a:spcPct val="20000"/>
+              </a:spcBef>
+              <a:buFont typeface="Arial"/>
+              <a:buNone/>
+              <a:defRPr sz="3200" kern="1200">
+                <a:solidFill>
+                  <a:schemeClr val="tx1">
+                    <a:tint val="75000"/>
+                  </a:schemeClr>
+                </a:solidFill>
+                <a:latin typeface="Open Sans"/>
+                <a:ea typeface="+mn-ea"/>
+                <a:cs typeface="Open Sans"/>
+              </a:defRPr>
+            </a:lvl4pPr>
+            <a:lvl5pPr marL="4350546" indent="0" algn="ctr" defTabSz="1087636" rtl="0" eaLnBrk="1" latinLnBrk="0" hangingPunct="1">
+              <a:lnSpc>
+                <a:spcPct val="130000"/>
+              </a:lnSpc>
+              <a:spcBef>
+                <a:spcPct val="20000"/>
+              </a:spcBef>
+              <a:buFont typeface="Arial"/>
+              <a:buNone/>
+              <a:defRPr sz="3200" kern="1200">
+                <a:solidFill>
+                  <a:schemeClr val="tx1">
+                    <a:tint val="75000"/>
+                  </a:schemeClr>
+                </a:solidFill>
+                <a:latin typeface="Open Sans"/>
+                <a:ea typeface="+mn-ea"/>
+                <a:cs typeface="Open Sans"/>
+              </a:defRPr>
+            </a:lvl5pPr>
+            <a:lvl6pPr marL="5438184" indent="0" algn="ctr" defTabSz="1087636" rtl="0" eaLnBrk="1" latinLnBrk="0" hangingPunct="1">
+              <a:spcBef>
+                <a:spcPct val="20000"/>
+              </a:spcBef>
+              <a:buFont typeface="Arial"/>
+              <a:buNone/>
+              <a:defRPr sz="4800" kern="1200">
+                <a:solidFill>
+                  <a:schemeClr val="tx1">
+                    <a:tint val="75000"/>
+                  </a:schemeClr>
+                </a:solidFill>
+                <a:latin typeface="+mn-lt"/>
+                <a:ea typeface="+mn-ea"/>
+                <a:cs typeface="+mn-cs"/>
+              </a:defRPr>
+            </a:lvl6pPr>
+            <a:lvl7pPr marL="6525820" indent="0" algn="ctr" defTabSz="1087636" rtl="0" eaLnBrk="1" latinLnBrk="0" hangingPunct="1">
+              <a:spcBef>
+                <a:spcPct val="20000"/>
+              </a:spcBef>
+              <a:buFont typeface="Arial"/>
+              <a:buNone/>
+              <a:defRPr sz="4800" kern="1200">
+                <a:solidFill>
+                  <a:schemeClr val="tx1">
+                    <a:tint val="75000"/>
+                  </a:schemeClr>
+                </a:solidFill>
+                <a:latin typeface="+mn-lt"/>
+                <a:ea typeface="+mn-ea"/>
+                <a:cs typeface="+mn-cs"/>
+              </a:defRPr>
+            </a:lvl7pPr>
+            <a:lvl8pPr marL="7613455" indent="0" algn="ctr" defTabSz="1087636" rtl="0" eaLnBrk="1" latinLnBrk="0" hangingPunct="1">
+              <a:spcBef>
+                <a:spcPct val="20000"/>
+              </a:spcBef>
+              <a:buFont typeface="Arial"/>
+              <a:buNone/>
+              <a:defRPr sz="4800" kern="1200">
+                <a:solidFill>
+                  <a:schemeClr val="tx1">
+                    <a:tint val="75000"/>
+                  </a:schemeClr>
+                </a:solidFill>
+                <a:latin typeface="+mn-lt"/>
+                <a:ea typeface="+mn-ea"/>
+                <a:cs typeface="+mn-cs"/>
+              </a:defRPr>
+            </a:lvl8pPr>
+            <a:lvl9pPr marL="8701091" indent="0" algn="ctr" defTabSz="1087636" rtl="0" eaLnBrk="1" latinLnBrk="0" hangingPunct="1">
+              <a:spcBef>
+                <a:spcPct val="20000"/>
+              </a:spcBef>
+              <a:buFont typeface="Arial"/>
+              <a:buNone/>
+              <a:defRPr sz="4800" kern="1200">
+                <a:solidFill>
+                  <a:schemeClr val="tx1">
+                    <a:tint val="75000"/>
+                  </a:schemeClr>
+                </a:solidFill>
+                <a:latin typeface="+mn-lt"/>
+                <a:ea typeface="+mn-ea"/>
+                <a:cs typeface="+mn-cs"/>
+              </a:defRPr>
+            </a:lvl9pPr>
+          </a:lstStyle>
+          <a:p>
+            <a:pPr>
+              <a:lnSpc>
+                <a:spcPts val="2020"/>
+              </a:lnSpc>
+            </a:pPr>
+            <a:r>
+              <a:rPr lang="en-US" sz="1200" dirty="0">
+                <a:solidFill>
+                  <a:schemeClr val="tx1"/>
+                </a:solidFill>
+                <a:latin typeface="Lato Light" charset="0"/>
+                <a:ea typeface="Lato Light" charset="0"/>
+                <a:cs typeface="Lato Light" charset="0"/>
+              </a:rPr>
+              <a:t>Node Manager start time</a:t>
+            </a:r>
+          </a:p>
+        </p:txBody>
+      </p:sp>
+      <p:cxnSp>
+        <p:nvCxnSpPr>
+          <p:cNvPr id="87" name="Gerade Verbindung mit Pfeil 86">
+            <a:extLst>
+              <a:ext uri="{FF2B5EF4-FFF2-40B4-BE49-F238E27FC236}">
+                <a16:creationId xmlns:a16="http://schemas.microsoft.com/office/drawing/2014/main" id="{50E27886-CBD4-EA4C-85EA-EEDEE3B9ED27}"/>
+              </a:ext>
+            </a:extLst>
+          </p:cNvPr>
+          <p:cNvCxnSpPr>
+            <a:cxnSpLocks/>
+          </p:cNvCxnSpPr>
+          <p:nvPr/>
+        </p:nvCxnSpPr>
+        <p:spPr>
+          <a:xfrm flipH="1">
+            <a:off x="5473476" y="2053012"/>
+            <a:ext cx="1" cy="830963"/>
+          </a:xfrm>
+          <a:prstGeom prst="straightConnector1">
+            <a:avLst/>
+          </a:prstGeom>
+          <a:ln w="38100">
+            <a:solidFill>
+              <a:schemeClr val="tx2"/>
+            </a:solidFill>
+            <a:prstDash val="solid"/>
+            <a:tailEnd type="triangle"/>
+          </a:ln>
+        </p:spPr>
+        <p:style>
+          <a:lnRef idx="1">
+            <a:schemeClr val="accent1"/>
+          </a:lnRef>
+          <a:fillRef idx="0">
+            <a:schemeClr val="accent1"/>
+          </a:fillRef>
+          <a:effectRef idx="0">
+            <a:schemeClr val="accent1"/>
+          </a:effectRef>
+          <a:fontRef idx="minor">
+            <a:schemeClr val="tx1"/>
+          </a:fontRef>
+        </p:style>
+      </p:cxnSp>
+      <p:sp>
+        <p:nvSpPr>
+          <p:cNvPr id="88" name="Subtitle 2">
+            <a:extLst>
+              <a:ext uri="{FF2B5EF4-FFF2-40B4-BE49-F238E27FC236}">
+                <a16:creationId xmlns:a16="http://schemas.microsoft.com/office/drawing/2014/main" id="{08B6B894-7861-2643-9F6E-31102807A35E}"/>
+              </a:ext>
+            </a:extLst>
+          </p:cNvPr>
+          <p:cNvSpPr txBox="1">
+            <a:spLocks/>
+          </p:cNvSpPr>
+          <p:nvPr/>
+        </p:nvSpPr>
+        <p:spPr>
+          <a:xfrm>
+            <a:off x="9147436" y="1708557"/>
+            <a:ext cx="3657553" cy="342820"/>
+          </a:xfrm>
+          <a:prstGeom prst="rect">
+            <a:avLst/>
+          </a:prstGeom>
+        </p:spPr>
+        <p:txBody>
+          <a:bodyPr vert="horz" wrap="square" lIns="108745" tIns="54373" rIns="108745" bIns="54373" rtlCol="0">
+            <a:spAutoFit/>
+          </a:bodyPr>
+          <a:lstStyle>
+            <a:lvl1pPr marL="0" indent="0" algn="ctr" defTabSz="1087636" rtl="0" eaLnBrk="1" latinLnBrk="0" hangingPunct="1">
+              <a:lnSpc>
+                <a:spcPct val="120000"/>
+              </a:lnSpc>
+              <a:spcBef>
+                <a:spcPct val="20000"/>
+              </a:spcBef>
+              <a:buFont typeface="Arial"/>
+              <a:buNone/>
+              <a:defRPr sz="2400" kern="1200">
+                <a:solidFill>
+                  <a:schemeClr val="tx2"/>
+                </a:solidFill>
+                <a:latin typeface="Open Sans Light"/>
+                <a:ea typeface="+mn-ea"/>
+                <a:cs typeface="Open Sans Light"/>
+              </a:defRPr>
+            </a:lvl1pPr>
+            <a:lvl2pPr marL="1087636" indent="0" algn="ctr" defTabSz="1087636" rtl="0" eaLnBrk="1" latinLnBrk="0" hangingPunct="1">
+              <a:lnSpc>
+                <a:spcPct val="130000"/>
+              </a:lnSpc>
+              <a:spcBef>
+                <a:spcPct val="20000"/>
+              </a:spcBef>
+              <a:buFont typeface="Arial"/>
+              <a:buNone/>
+              <a:defRPr sz="3200" kern="1200">
+                <a:solidFill>
+                  <a:schemeClr val="tx1">
+                    <a:tint val="75000"/>
+                  </a:schemeClr>
+                </a:solidFill>
+                <a:latin typeface="Open Sans"/>
+                <a:ea typeface="+mn-ea"/>
+                <a:cs typeface="Open Sans"/>
+              </a:defRPr>
+            </a:lvl2pPr>
+            <a:lvl3pPr marL="2175271" indent="0" algn="ctr" defTabSz="1087636" rtl="0" eaLnBrk="1" latinLnBrk="0" hangingPunct="1">
+              <a:lnSpc>
+                <a:spcPct val="130000"/>
+              </a:lnSpc>
+              <a:spcBef>
+                <a:spcPct val="20000"/>
+              </a:spcBef>
+              <a:buFont typeface="Arial"/>
+              <a:buNone/>
+              <a:defRPr sz="3200" kern="1200">
+                <a:solidFill>
+                  <a:schemeClr val="tx1">
+                    <a:tint val="75000"/>
+                  </a:schemeClr>
+                </a:solidFill>
+                <a:latin typeface="Open Sans"/>
+                <a:ea typeface="+mn-ea"/>
+                <a:cs typeface="Open Sans"/>
+              </a:defRPr>
+            </a:lvl3pPr>
+            <a:lvl4pPr marL="3262912" indent="0" algn="ctr" defTabSz="1087636" rtl="0" eaLnBrk="1" latinLnBrk="0" hangingPunct="1">
+              <a:lnSpc>
+                <a:spcPct val="130000"/>
+              </a:lnSpc>
+              <a:spcBef>
+                <a:spcPct val="20000"/>
+              </a:spcBef>
+              <a:buFont typeface="Arial"/>
+              <a:buNone/>
+              <a:defRPr sz="3200" kern="1200">
+                <a:solidFill>
+                  <a:schemeClr val="tx1">
+                    <a:tint val="75000"/>
+                  </a:schemeClr>
+                </a:solidFill>
+                <a:latin typeface="Open Sans"/>
+                <a:ea typeface="+mn-ea"/>
+                <a:cs typeface="Open Sans"/>
+              </a:defRPr>
+            </a:lvl4pPr>
+            <a:lvl5pPr marL="4350546" indent="0" algn="ctr" defTabSz="1087636" rtl="0" eaLnBrk="1" latinLnBrk="0" hangingPunct="1">
+              <a:lnSpc>
+                <a:spcPct val="130000"/>
+              </a:lnSpc>
+              <a:spcBef>
+                <a:spcPct val="20000"/>
+              </a:spcBef>
+              <a:buFont typeface="Arial"/>
+              <a:buNone/>
+              <a:defRPr sz="3200" kern="1200">
+                <a:solidFill>
+                  <a:schemeClr val="tx1">
+                    <a:tint val="75000"/>
+                  </a:schemeClr>
+                </a:solidFill>
+                <a:latin typeface="Open Sans"/>
+                <a:ea typeface="+mn-ea"/>
+                <a:cs typeface="Open Sans"/>
+              </a:defRPr>
+            </a:lvl5pPr>
+            <a:lvl6pPr marL="5438184" indent="0" algn="ctr" defTabSz="1087636" rtl="0" eaLnBrk="1" latinLnBrk="0" hangingPunct="1">
+              <a:spcBef>
+                <a:spcPct val="20000"/>
+              </a:spcBef>
+              <a:buFont typeface="Arial"/>
+              <a:buNone/>
+              <a:defRPr sz="4800" kern="1200">
+                <a:solidFill>
+                  <a:schemeClr val="tx1">
+                    <a:tint val="75000"/>
+                  </a:schemeClr>
+                </a:solidFill>
+                <a:latin typeface="+mn-lt"/>
+                <a:ea typeface="+mn-ea"/>
+                <a:cs typeface="+mn-cs"/>
+              </a:defRPr>
+            </a:lvl6pPr>
+            <a:lvl7pPr marL="6525820" indent="0" algn="ctr" defTabSz="1087636" rtl="0" eaLnBrk="1" latinLnBrk="0" hangingPunct="1">
+              <a:spcBef>
+                <a:spcPct val="20000"/>
+              </a:spcBef>
+              <a:buFont typeface="Arial"/>
+              <a:buNone/>
+              <a:defRPr sz="4800" kern="1200">
+                <a:solidFill>
+                  <a:schemeClr val="tx1">
+                    <a:tint val="75000"/>
+                  </a:schemeClr>
+                </a:solidFill>
+                <a:latin typeface="+mn-lt"/>
+                <a:ea typeface="+mn-ea"/>
+                <a:cs typeface="+mn-cs"/>
+              </a:defRPr>
+            </a:lvl7pPr>
+            <a:lvl8pPr marL="7613455" indent="0" algn="ctr" defTabSz="1087636" rtl="0" eaLnBrk="1" latinLnBrk="0" hangingPunct="1">
+              <a:spcBef>
+                <a:spcPct val="20000"/>
+              </a:spcBef>
+              <a:buFont typeface="Arial"/>
+              <a:buNone/>
+              <a:defRPr sz="4800" kern="1200">
+                <a:solidFill>
+                  <a:schemeClr val="tx1">
+                    <a:tint val="75000"/>
+                  </a:schemeClr>
+                </a:solidFill>
+                <a:latin typeface="+mn-lt"/>
+                <a:ea typeface="+mn-ea"/>
+                <a:cs typeface="+mn-cs"/>
+              </a:defRPr>
+            </a:lvl8pPr>
+            <a:lvl9pPr marL="8701091" indent="0" algn="ctr" defTabSz="1087636" rtl="0" eaLnBrk="1" latinLnBrk="0" hangingPunct="1">
+              <a:spcBef>
+                <a:spcPct val="20000"/>
+              </a:spcBef>
+              <a:buFont typeface="Arial"/>
+              <a:buNone/>
+              <a:defRPr sz="4800" kern="1200">
+                <a:solidFill>
+                  <a:schemeClr val="tx1">
+                    <a:tint val="75000"/>
+                  </a:schemeClr>
+                </a:solidFill>
+                <a:latin typeface="+mn-lt"/>
+                <a:ea typeface="+mn-ea"/>
+                <a:cs typeface="+mn-cs"/>
+              </a:defRPr>
+            </a:lvl9pPr>
+          </a:lstStyle>
+          <a:p>
+            <a:pPr>
+              <a:lnSpc>
+                <a:spcPts val="2020"/>
+              </a:lnSpc>
+            </a:pPr>
+            <a:r>
+              <a:rPr lang="en-US" sz="1200" dirty="0">
+                <a:solidFill>
+                  <a:schemeClr val="tx1"/>
+                </a:solidFill>
+                <a:latin typeface="Lato Light" charset="0"/>
+                <a:ea typeface="Lato Light" charset="0"/>
+                <a:cs typeface="Lato Light" charset="0"/>
+              </a:rPr>
+              <a:t>Node Manager end time</a:t>
+            </a:r>
+          </a:p>
+        </p:txBody>
+      </p:sp>
+      <p:cxnSp>
+        <p:nvCxnSpPr>
+          <p:cNvPr id="89" name="Gerade Verbindung mit Pfeil 88">
+            <a:extLst>
+              <a:ext uri="{FF2B5EF4-FFF2-40B4-BE49-F238E27FC236}">
+                <a16:creationId xmlns:a16="http://schemas.microsoft.com/office/drawing/2014/main" id="{F06B58CF-945C-2A44-A504-56FA78FDD47E}"/>
+              </a:ext>
+            </a:extLst>
+          </p:cNvPr>
+          <p:cNvCxnSpPr>
+            <a:cxnSpLocks/>
+          </p:cNvCxnSpPr>
+          <p:nvPr/>
+        </p:nvCxnSpPr>
+        <p:spPr>
+          <a:xfrm flipH="1">
+            <a:off x="11781670" y="2027174"/>
+            <a:ext cx="1" cy="830963"/>
+          </a:xfrm>
+          <a:prstGeom prst="straightConnector1">
+            <a:avLst/>
+          </a:prstGeom>
+          <a:ln w="38100">
+            <a:solidFill>
+              <a:schemeClr val="tx2"/>
+            </a:solidFill>
+            <a:prstDash val="solid"/>
+            <a:tailEnd type="triangle"/>
+          </a:ln>
+        </p:spPr>
+        <p:style>
+          <a:lnRef idx="1">
+            <a:schemeClr val="accent1"/>
+          </a:lnRef>
+          <a:fillRef idx="0">
+            <a:schemeClr val="accent1"/>
+          </a:fillRef>
+          <a:effectRef idx="0">
+            <a:schemeClr val="accent1"/>
+          </a:effectRef>
+          <a:fontRef idx="minor">
+            <a:schemeClr val="tx1"/>
+          </a:fontRef>
+        </p:style>
+      </p:cxnSp>
+      <p:sp>
+        <p:nvSpPr>
+          <p:cNvPr id="94" name="Subtitle 2">
+            <a:extLst>
+              <a:ext uri="{FF2B5EF4-FFF2-40B4-BE49-F238E27FC236}">
+                <a16:creationId xmlns:a16="http://schemas.microsoft.com/office/drawing/2014/main" id="{42A76729-FAF3-D142-9E4D-CBCB1B0DDF41}"/>
+              </a:ext>
+            </a:extLst>
+          </p:cNvPr>
+          <p:cNvSpPr txBox="1">
+            <a:spLocks/>
+          </p:cNvSpPr>
+          <p:nvPr/>
+        </p:nvSpPr>
+        <p:spPr>
+          <a:xfrm>
+            <a:off x="5718037" y="5400405"/>
+            <a:ext cx="3657553" cy="855781"/>
+          </a:xfrm>
+          <a:prstGeom prst="rect">
+            <a:avLst/>
+          </a:prstGeom>
+        </p:spPr>
+        <p:txBody>
+          <a:bodyPr vert="horz" wrap="square" lIns="108745" tIns="54373" rIns="108745" bIns="54373" rtlCol="0">
+            <a:spAutoFit/>
+          </a:bodyPr>
+          <a:lstStyle>
+            <a:lvl1pPr marL="0" indent="0" algn="ctr" defTabSz="1087636" rtl="0" eaLnBrk="1" latinLnBrk="0" hangingPunct="1">
+              <a:lnSpc>
+                <a:spcPct val="120000"/>
+              </a:lnSpc>
+              <a:spcBef>
+                <a:spcPct val="20000"/>
+              </a:spcBef>
+              <a:buFont typeface="Arial"/>
+              <a:buNone/>
+              <a:defRPr sz="2400" kern="1200">
+                <a:solidFill>
+                  <a:schemeClr val="tx2"/>
+                </a:solidFill>
+                <a:latin typeface="Open Sans Light"/>
+                <a:ea typeface="+mn-ea"/>
+                <a:cs typeface="Open Sans Light"/>
+              </a:defRPr>
+            </a:lvl1pPr>
+            <a:lvl2pPr marL="1087636" indent="0" algn="ctr" defTabSz="1087636" rtl="0" eaLnBrk="1" latinLnBrk="0" hangingPunct="1">
+              <a:lnSpc>
+                <a:spcPct val="130000"/>
+              </a:lnSpc>
+              <a:spcBef>
+                <a:spcPct val="20000"/>
+              </a:spcBef>
+              <a:buFont typeface="Arial"/>
+              <a:buNone/>
+              <a:defRPr sz="3200" kern="1200">
+                <a:solidFill>
+                  <a:schemeClr val="tx1">
+                    <a:tint val="75000"/>
+                  </a:schemeClr>
+                </a:solidFill>
+                <a:latin typeface="Open Sans"/>
+                <a:ea typeface="+mn-ea"/>
+                <a:cs typeface="Open Sans"/>
+              </a:defRPr>
+            </a:lvl2pPr>
+            <a:lvl3pPr marL="2175271" indent="0" algn="ctr" defTabSz="1087636" rtl="0" eaLnBrk="1" latinLnBrk="0" hangingPunct="1">
+              <a:lnSpc>
+                <a:spcPct val="130000"/>
+              </a:lnSpc>
+              <a:spcBef>
+                <a:spcPct val="20000"/>
+              </a:spcBef>
+              <a:buFont typeface="Arial"/>
+              <a:buNone/>
+              <a:defRPr sz="3200" kern="1200">
+                <a:solidFill>
+                  <a:schemeClr val="tx1">
+                    <a:tint val="75000"/>
+                  </a:schemeClr>
+                </a:solidFill>
+                <a:latin typeface="Open Sans"/>
+                <a:ea typeface="+mn-ea"/>
+                <a:cs typeface="Open Sans"/>
+              </a:defRPr>
+            </a:lvl3pPr>
+            <a:lvl4pPr marL="3262912" indent="0" algn="ctr" defTabSz="1087636" rtl="0" eaLnBrk="1" latinLnBrk="0" hangingPunct="1">
+              <a:lnSpc>
+                <a:spcPct val="130000"/>
+              </a:lnSpc>
+              <a:spcBef>
+                <a:spcPct val="20000"/>
+              </a:spcBef>
+              <a:buFont typeface="Arial"/>
+              <a:buNone/>
+              <a:defRPr sz="3200" kern="1200">
+                <a:solidFill>
+                  <a:schemeClr val="tx1">
+                    <a:tint val="75000"/>
+                  </a:schemeClr>
+                </a:solidFill>
+                <a:latin typeface="Open Sans"/>
+                <a:ea typeface="+mn-ea"/>
+                <a:cs typeface="Open Sans"/>
+              </a:defRPr>
+            </a:lvl4pPr>
+            <a:lvl5pPr marL="4350546" indent="0" algn="ctr" defTabSz="1087636" rtl="0" eaLnBrk="1" latinLnBrk="0" hangingPunct="1">
+              <a:lnSpc>
+                <a:spcPct val="130000"/>
+              </a:lnSpc>
+              <a:spcBef>
+                <a:spcPct val="20000"/>
+              </a:spcBef>
+              <a:buFont typeface="Arial"/>
+              <a:buNone/>
+              <a:defRPr sz="3200" kern="1200">
+                <a:solidFill>
+                  <a:schemeClr val="tx1">
+                    <a:tint val="75000"/>
+                  </a:schemeClr>
+                </a:solidFill>
+                <a:latin typeface="Open Sans"/>
+                <a:ea typeface="+mn-ea"/>
+                <a:cs typeface="Open Sans"/>
+              </a:defRPr>
+            </a:lvl5pPr>
+            <a:lvl6pPr marL="5438184" indent="0" algn="ctr" defTabSz="1087636" rtl="0" eaLnBrk="1" latinLnBrk="0" hangingPunct="1">
+              <a:spcBef>
+                <a:spcPct val="20000"/>
+              </a:spcBef>
+              <a:buFont typeface="Arial"/>
+              <a:buNone/>
+              <a:defRPr sz="4800" kern="1200">
+                <a:solidFill>
+                  <a:schemeClr val="tx1">
+                    <a:tint val="75000"/>
+                  </a:schemeClr>
+                </a:solidFill>
+                <a:latin typeface="+mn-lt"/>
+                <a:ea typeface="+mn-ea"/>
+                <a:cs typeface="+mn-cs"/>
+              </a:defRPr>
+            </a:lvl6pPr>
+            <a:lvl7pPr marL="6525820" indent="0" algn="ctr" defTabSz="1087636" rtl="0" eaLnBrk="1" latinLnBrk="0" hangingPunct="1">
+              <a:spcBef>
+                <a:spcPct val="20000"/>
+              </a:spcBef>
+              <a:buFont typeface="Arial"/>
+              <a:buNone/>
+              <a:defRPr sz="4800" kern="1200">
+                <a:solidFill>
+                  <a:schemeClr val="tx1">
+                    <a:tint val="75000"/>
+                  </a:schemeClr>
+                </a:solidFill>
+                <a:latin typeface="+mn-lt"/>
+                <a:ea typeface="+mn-ea"/>
+                <a:cs typeface="+mn-cs"/>
+              </a:defRPr>
+            </a:lvl7pPr>
+            <a:lvl8pPr marL="7613455" indent="0" algn="ctr" defTabSz="1087636" rtl="0" eaLnBrk="1" latinLnBrk="0" hangingPunct="1">
+              <a:spcBef>
+                <a:spcPct val="20000"/>
+              </a:spcBef>
+              <a:buFont typeface="Arial"/>
+              <a:buNone/>
+              <a:defRPr sz="4800" kern="1200">
+                <a:solidFill>
+                  <a:schemeClr val="tx1">
+                    <a:tint val="75000"/>
+                  </a:schemeClr>
+                </a:solidFill>
+                <a:latin typeface="+mn-lt"/>
+                <a:ea typeface="+mn-ea"/>
+                <a:cs typeface="+mn-cs"/>
+              </a:defRPr>
+            </a:lvl8pPr>
+            <a:lvl9pPr marL="8701091" indent="0" algn="ctr" defTabSz="1087636" rtl="0" eaLnBrk="1" latinLnBrk="0" hangingPunct="1">
+              <a:spcBef>
+                <a:spcPct val="20000"/>
+              </a:spcBef>
+              <a:buFont typeface="Arial"/>
+              <a:buNone/>
+              <a:defRPr sz="4800" kern="1200">
+                <a:solidFill>
+                  <a:schemeClr val="tx1">
+                    <a:tint val="75000"/>
+                  </a:schemeClr>
+                </a:solidFill>
+                <a:latin typeface="+mn-lt"/>
+                <a:ea typeface="+mn-ea"/>
+                <a:cs typeface="+mn-cs"/>
+              </a:defRPr>
+            </a:lvl9pPr>
+          </a:lstStyle>
+          <a:p>
+            <a:pPr>
+              <a:lnSpc>
+                <a:spcPts val="2020"/>
+              </a:lnSpc>
+            </a:pPr>
+            <a:r>
+              <a:rPr lang="en-US" sz="1200" dirty="0">
+                <a:solidFill>
+                  <a:schemeClr val="tx1"/>
+                </a:solidFill>
+                <a:latin typeface="Lato Light" charset="0"/>
+                <a:ea typeface="Lato Light" charset="0"/>
+                <a:cs typeface="Lato Light" charset="0"/>
+              </a:rPr>
+              <a:t>At this point, infrastructure manipulations are already applied -&gt; components are just doing their actions slightly shorter</a:t>
+            </a:r>
+          </a:p>
+        </p:txBody>
+      </p:sp>
+      <p:cxnSp>
+        <p:nvCxnSpPr>
+          <p:cNvPr id="96" name="Gerade Verbindung mit Pfeil 95">
+            <a:extLst>
+              <a:ext uri="{FF2B5EF4-FFF2-40B4-BE49-F238E27FC236}">
+                <a16:creationId xmlns:a16="http://schemas.microsoft.com/office/drawing/2014/main" id="{24CA1BA5-0AF3-1D40-B0B4-FE2A087F8E3E}"/>
+              </a:ext>
+            </a:extLst>
+          </p:cNvPr>
+          <p:cNvCxnSpPr>
+            <a:cxnSpLocks/>
+          </p:cNvCxnSpPr>
+          <p:nvPr/>
+        </p:nvCxnSpPr>
+        <p:spPr>
+          <a:xfrm flipV="1">
+            <a:off x="8236857" y="4810909"/>
+            <a:ext cx="450215" cy="625052"/>
+          </a:xfrm>
+          <a:prstGeom prst="straightConnector1">
+            <a:avLst/>
+          </a:prstGeom>
+          <a:ln>
+            <a:solidFill>
+              <a:schemeClr val="tx2"/>
+            </a:solidFill>
+            <a:prstDash val="sysDot"/>
+            <a:tailEnd type="triangle"/>
+          </a:ln>
+        </p:spPr>
+        <p:style>
+          <a:lnRef idx="1">
+            <a:schemeClr val="accent1"/>
+          </a:lnRef>
+          <a:fillRef idx="0">
+            <a:schemeClr val="accent1"/>
+          </a:fillRef>
+          <a:effectRef idx="0">
+            <a:schemeClr val="accent1"/>
+          </a:effectRef>
+          <a:fontRef idx="minor">
+            <a:schemeClr val="tx1"/>
+          </a:fontRef>
+        </p:style>
+      </p:cxnSp>
+      <p:sp>
+        <p:nvSpPr>
+          <p:cNvPr id="97" name="Subtitle 2">
+            <a:extLst>
+              <a:ext uri="{FF2B5EF4-FFF2-40B4-BE49-F238E27FC236}">
+                <a16:creationId xmlns:a16="http://schemas.microsoft.com/office/drawing/2014/main" id="{018317E9-2E3B-2643-A286-429EB9F52B9F}"/>
+              </a:ext>
+            </a:extLst>
+          </p:cNvPr>
+          <p:cNvSpPr txBox="1">
+            <a:spLocks/>
+          </p:cNvSpPr>
+          <p:nvPr/>
+        </p:nvSpPr>
+        <p:spPr>
+          <a:xfrm>
+            <a:off x="676575" y="5090564"/>
+            <a:ext cx="3657553" cy="855781"/>
+          </a:xfrm>
+          <a:prstGeom prst="rect">
+            <a:avLst/>
+          </a:prstGeom>
+        </p:spPr>
+        <p:txBody>
+          <a:bodyPr vert="horz" wrap="square" lIns="108745" tIns="54373" rIns="108745" bIns="54373" rtlCol="0">
+            <a:spAutoFit/>
+          </a:bodyPr>
+          <a:lstStyle>
+            <a:lvl1pPr marL="0" indent="0" algn="ctr" defTabSz="1087636" rtl="0" eaLnBrk="1" latinLnBrk="0" hangingPunct="1">
+              <a:lnSpc>
+                <a:spcPct val="120000"/>
+              </a:lnSpc>
+              <a:spcBef>
+                <a:spcPct val="20000"/>
+              </a:spcBef>
+              <a:buFont typeface="Arial"/>
+              <a:buNone/>
+              <a:defRPr sz="2400" kern="1200">
+                <a:solidFill>
+                  <a:schemeClr val="tx2"/>
+                </a:solidFill>
+                <a:latin typeface="Open Sans Light"/>
+                <a:ea typeface="+mn-ea"/>
+                <a:cs typeface="Open Sans Light"/>
+              </a:defRPr>
+            </a:lvl1pPr>
+            <a:lvl2pPr marL="1087636" indent="0" algn="ctr" defTabSz="1087636" rtl="0" eaLnBrk="1" latinLnBrk="0" hangingPunct="1">
+              <a:lnSpc>
+                <a:spcPct val="130000"/>
+              </a:lnSpc>
+              <a:spcBef>
+                <a:spcPct val="20000"/>
+              </a:spcBef>
+              <a:buFont typeface="Arial"/>
+              <a:buNone/>
+              <a:defRPr sz="3200" kern="1200">
+                <a:solidFill>
+                  <a:schemeClr val="tx1">
+                    <a:tint val="75000"/>
+                  </a:schemeClr>
+                </a:solidFill>
+                <a:latin typeface="Open Sans"/>
+                <a:ea typeface="+mn-ea"/>
+                <a:cs typeface="Open Sans"/>
+              </a:defRPr>
+            </a:lvl2pPr>
+            <a:lvl3pPr marL="2175271" indent="0" algn="ctr" defTabSz="1087636" rtl="0" eaLnBrk="1" latinLnBrk="0" hangingPunct="1">
+              <a:lnSpc>
+                <a:spcPct val="130000"/>
+              </a:lnSpc>
+              <a:spcBef>
+                <a:spcPct val="20000"/>
+              </a:spcBef>
+              <a:buFont typeface="Arial"/>
+              <a:buNone/>
+              <a:defRPr sz="3200" kern="1200">
+                <a:solidFill>
+                  <a:schemeClr val="tx1">
+                    <a:tint val="75000"/>
+                  </a:schemeClr>
+                </a:solidFill>
+                <a:latin typeface="Open Sans"/>
+                <a:ea typeface="+mn-ea"/>
+                <a:cs typeface="Open Sans"/>
+              </a:defRPr>
+            </a:lvl3pPr>
+            <a:lvl4pPr marL="3262912" indent="0" algn="ctr" defTabSz="1087636" rtl="0" eaLnBrk="1" latinLnBrk="0" hangingPunct="1">
+              <a:lnSpc>
+                <a:spcPct val="130000"/>
+              </a:lnSpc>
+              <a:spcBef>
+                <a:spcPct val="20000"/>
+              </a:spcBef>
+              <a:buFont typeface="Arial"/>
+              <a:buNone/>
+              <a:defRPr sz="3200" kern="1200">
+                <a:solidFill>
+                  <a:schemeClr val="tx1">
+                    <a:tint val="75000"/>
+                  </a:schemeClr>
+                </a:solidFill>
+                <a:latin typeface="Open Sans"/>
+                <a:ea typeface="+mn-ea"/>
+                <a:cs typeface="Open Sans"/>
+              </a:defRPr>
+            </a:lvl4pPr>
+            <a:lvl5pPr marL="4350546" indent="0" algn="ctr" defTabSz="1087636" rtl="0" eaLnBrk="1" latinLnBrk="0" hangingPunct="1">
+              <a:lnSpc>
+                <a:spcPct val="130000"/>
+              </a:lnSpc>
+              <a:spcBef>
+                <a:spcPct val="20000"/>
+              </a:spcBef>
+              <a:buFont typeface="Arial"/>
+              <a:buNone/>
+              <a:defRPr sz="3200" kern="1200">
+                <a:solidFill>
+                  <a:schemeClr val="tx1">
+                    <a:tint val="75000"/>
+                  </a:schemeClr>
+                </a:solidFill>
+                <a:latin typeface="Open Sans"/>
+                <a:ea typeface="+mn-ea"/>
+                <a:cs typeface="Open Sans"/>
+              </a:defRPr>
+            </a:lvl5pPr>
+            <a:lvl6pPr marL="5438184" indent="0" algn="ctr" defTabSz="1087636" rtl="0" eaLnBrk="1" latinLnBrk="0" hangingPunct="1">
+              <a:spcBef>
+                <a:spcPct val="20000"/>
+              </a:spcBef>
+              <a:buFont typeface="Arial"/>
+              <a:buNone/>
+              <a:defRPr sz="4800" kern="1200">
+                <a:solidFill>
+                  <a:schemeClr val="tx1">
+                    <a:tint val="75000"/>
+                  </a:schemeClr>
+                </a:solidFill>
+                <a:latin typeface="+mn-lt"/>
+                <a:ea typeface="+mn-ea"/>
+                <a:cs typeface="+mn-cs"/>
+              </a:defRPr>
+            </a:lvl6pPr>
+            <a:lvl7pPr marL="6525820" indent="0" algn="ctr" defTabSz="1087636" rtl="0" eaLnBrk="1" latinLnBrk="0" hangingPunct="1">
+              <a:spcBef>
+                <a:spcPct val="20000"/>
+              </a:spcBef>
+              <a:buFont typeface="Arial"/>
+              <a:buNone/>
+              <a:defRPr sz="4800" kern="1200">
+                <a:solidFill>
+                  <a:schemeClr val="tx1">
+                    <a:tint val="75000"/>
+                  </a:schemeClr>
+                </a:solidFill>
+                <a:latin typeface="+mn-lt"/>
+                <a:ea typeface="+mn-ea"/>
+                <a:cs typeface="+mn-cs"/>
+              </a:defRPr>
+            </a:lvl7pPr>
+            <a:lvl8pPr marL="7613455" indent="0" algn="ctr" defTabSz="1087636" rtl="0" eaLnBrk="1" latinLnBrk="0" hangingPunct="1">
+              <a:spcBef>
+                <a:spcPct val="20000"/>
+              </a:spcBef>
+              <a:buFont typeface="Arial"/>
+              <a:buNone/>
+              <a:defRPr sz="4800" kern="1200">
+                <a:solidFill>
+                  <a:schemeClr val="tx1">
+                    <a:tint val="75000"/>
+                  </a:schemeClr>
+                </a:solidFill>
+                <a:latin typeface="+mn-lt"/>
+                <a:ea typeface="+mn-ea"/>
+                <a:cs typeface="+mn-cs"/>
+              </a:defRPr>
+            </a:lvl8pPr>
+            <a:lvl9pPr marL="8701091" indent="0" algn="ctr" defTabSz="1087636" rtl="0" eaLnBrk="1" latinLnBrk="0" hangingPunct="1">
+              <a:spcBef>
+                <a:spcPct val="20000"/>
+              </a:spcBef>
+              <a:buFont typeface="Arial"/>
+              <a:buNone/>
+              <a:defRPr sz="4800" kern="1200">
+                <a:solidFill>
+                  <a:schemeClr val="tx1">
+                    <a:tint val="75000"/>
+                  </a:schemeClr>
+                </a:solidFill>
+                <a:latin typeface="+mn-lt"/>
+                <a:ea typeface="+mn-ea"/>
+                <a:cs typeface="+mn-cs"/>
+              </a:defRPr>
+            </a:lvl9pPr>
+          </a:lstStyle>
+          <a:p>
+            <a:pPr>
+              <a:lnSpc>
+                <a:spcPts val="2020"/>
+              </a:lnSpc>
+            </a:pPr>
+            <a:r>
+              <a:rPr lang="en-US" sz="1200" dirty="0">
+                <a:solidFill>
+                  <a:schemeClr val="tx1"/>
+                </a:solidFill>
+                <a:latin typeface="Lato Light" charset="0"/>
+                <a:ea typeface="Lato Light" charset="0"/>
+                <a:cs typeface="Lato Light" charset="0"/>
+              </a:rPr>
+              <a:t>Node Manager logs when it sent the first start notification and when it received the last acknowledgement -&gt; diff must be below threshold </a:t>
+            </a:r>
+          </a:p>
+        </p:txBody>
+      </p:sp>
+    </p:spTree>
+    <p:extLst>
+      <p:ext uri="{BB962C8B-B14F-4D97-AF65-F5344CB8AC3E}">
+        <p14:creationId xmlns:p14="http://schemas.microsoft.com/office/powerpoint/2010/main" val="594512766"/>
+      </p:ext>
+    </p:extLst>
+  </p:cSld>
+  <p:clrMapOvr>
+    <a:masterClrMapping/>
+  </p:clrMapOvr>
+  <mc:AlternateContent xmlns:mc="http://schemas.openxmlformats.org/markup-compatibility/2006" xmlns:p14="http://schemas.microsoft.com/office/powerpoint/2010/main">
+    <mc:Choice Requires="p14">
+      <p:transition p14:dur="0" advClick="0"/>
+    </mc:Choice>
+    <mc:Fallback xmlns="">
+      <p:transition advClick="0"/>
+    </mc:Fallback>
+  </mc:AlternateContent>
+</p:sld>
+</file>
+
+<file path=ppt/slides/slide9.xml><?xml version="1.0" encoding="utf-8"?>
+<p:sld xmlns:a="http://schemas.openxmlformats.org/drawingml/2006/main" xmlns:r="http://schemas.openxmlformats.org/officeDocument/2006/relationships" xmlns:p="http://schemas.openxmlformats.org/presentationml/2006/main" show="0">
+  <p:cSld>
+    <p:spTree>
+      <p:nvGrpSpPr>
+        <p:cNvPr id="1" name=""/>
+        <p:cNvGrpSpPr/>
+        <p:nvPr/>
+      </p:nvGrpSpPr>
+      <p:grpSpPr>
+        <a:xfrm>
+          <a:off x="0" y="0"/>
+          <a:ext cx="0" cy="0"/>
+          <a:chOff x="0" y="0"/>
+          <a:chExt cx="0" cy="0"/>
+        </a:xfrm>
+      </p:grpSpPr>
+      <p:sp>
+        <p:nvSpPr>
+          <p:cNvPr id="40" name="TextBox 39"/>
+          <p:cNvSpPr txBox="1"/>
+          <p:nvPr/>
+        </p:nvSpPr>
+        <p:spPr>
+          <a:xfrm>
+            <a:off x="2264681" y="241509"/>
+            <a:ext cx="7662657" cy="723267"/>
+          </a:xfrm>
+          <a:prstGeom prst="rect">
+            <a:avLst/>
+          </a:prstGeom>
+          <a:noFill/>
+        </p:spPr>
+        <p:txBody>
+          <a:bodyPr wrap="none" lIns="45711" tIns="22856" rIns="45711" bIns="22856" rtlCol="0">
+            <a:spAutoFit/>
+          </a:bodyPr>
+          <a:lstStyle/>
+          <a:p>
+            <a:pPr algn="ctr"/>
+            <a:r>
+              <a:rPr lang="en-US" sz="4400" b="1" dirty="0">
+                <a:solidFill>
+                  <a:schemeClr val="tx2"/>
+                </a:solidFill>
+                <a:latin typeface="Lato" charset="0"/>
+                <a:ea typeface="Lato" charset="0"/>
+                <a:cs typeface="Lato" charset="0"/>
+              </a:rPr>
+              <a:t>Reactive Orchestration Schedule</a:t>
+            </a:r>
+            <a:endParaRPr lang="id-ID" sz="4400" b="1" dirty="0">
+              <a:solidFill>
+                <a:schemeClr val="tx2"/>
+              </a:solidFill>
+              <a:latin typeface="Lato" charset="0"/>
+              <a:ea typeface="Lato" charset="0"/>
+              <a:cs typeface="Lato" charset="0"/>
+            </a:endParaRPr>
+          </a:p>
+        </p:txBody>
+      </p:sp>
+      <p:sp>
+        <p:nvSpPr>
+          <p:cNvPr id="41" name="Rectangle 40"/>
+          <p:cNvSpPr/>
+          <p:nvPr/>
+        </p:nvSpPr>
+        <p:spPr>
+          <a:xfrm>
+            <a:off x="5718037" y="1235334"/>
+            <a:ext cx="776519" cy="45719"/>
+          </a:xfrm>
+          <a:prstGeom prst="rect">
+            <a:avLst/>
+          </a:prstGeom>
+          <a:solidFill>
+            <a:schemeClr val="tx2"/>
+          </a:solidFill>
+          <a:ln>
+            <a:noFill/>
+          </a:ln>
+          <a:effectLst/>
+        </p:spPr>
+        <p:style>
+          <a:lnRef idx="1">
+            <a:schemeClr val="accent1"/>
+          </a:lnRef>
+          <a:fillRef idx="3">
+            <a:schemeClr val="accent1"/>
+          </a:fillRef>
+          <a:effectRef idx="2">
+            <a:schemeClr val="accent1"/>
+          </a:effectRef>
+          <a:fontRef idx="minor">
+            <a:schemeClr val="lt1"/>
+          </a:fontRef>
+        </p:style>
+        <p:txBody>
+          <a:bodyPr lIns="45670" tIns="22836" rIns="45670" bIns="22836" rtlCol="0" anchor="ctr"/>
+          <a:lstStyle/>
+          <a:p>
+            <a:pPr algn="ctr"/>
+            <a:endParaRPr lang="en-US" sz="900" dirty="0">
+              <a:solidFill>
+                <a:schemeClr val="accent2"/>
+              </a:solidFill>
+              <a:latin typeface="Lato Light" charset="0"/>
+            </a:endParaRPr>
+          </a:p>
+        </p:txBody>
+      </p:sp>
+      <p:sp>
+        <p:nvSpPr>
+          <p:cNvPr id="42" name="Subtitle 2"/>
+          <p:cNvSpPr txBox="1">
+            <a:spLocks/>
+          </p:cNvSpPr>
+          <p:nvPr/>
+        </p:nvSpPr>
+        <p:spPr>
+          <a:xfrm>
+            <a:off x="3529707" y="817417"/>
+            <a:ext cx="5153273" cy="376997"/>
+          </a:xfrm>
+          <a:prstGeom prst="rect">
+            <a:avLst/>
+          </a:prstGeom>
+        </p:spPr>
+        <p:txBody>
+          <a:bodyPr vert="horz" wrap="none" lIns="108745" tIns="54373" rIns="108745" bIns="54373" rtlCol="0">
+            <a:spAutoFit/>
+          </a:bodyPr>
+          <a:lstStyle>
+            <a:lvl1pPr marL="0" indent="0" algn="ctr" defTabSz="1087636" rtl="0" eaLnBrk="1" latinLnBrk="0" hangingPunct="1">
+              <a:lnSpc>
+                <a:spcPct val="120000"/>
+              </a:lnSpc>
+              <a:spcBef>
+                <a:spcPct val="20000"/>
+              </a:spcBef>
+              <a:buFont typeface="Arial"/>
+              <a:buNone/>
+              <a:defRPr sz="2400" kern="1200">
+                <a:solidFill>
+                  <a:schemeClr val="tx2"/>
+                </a:solidFill>
+                <a:latin typeface="Open Sans Light"/>
+                <a:ea typeface="+mn-ea"/>
+                <a:cs typeface="Open Sans Light"/>
+              </a:defRPr>
+            </a:lvl1pPr>
+            <a:lvl2pPr marL="1087636" indent="0" algn="ctr" defTabSz="1087636" rtl="0" eaLnBrk="1" latinLnBrk="0" hangingPunct="1">
+              <a:lnSpc>
+                <a:spcPct val="130000"/>
+              </a:lnSpc>
+              <a:spcBef>
+                <a:spcPct val="20000"/>
+              </a:spcBef>
+              <a:buFont typeface="Arial"/>
+              <a:buNone/>
+              <a:defRPr sz="3200" kern="1200">
+                <a:solidFill>
+                  <a:schemeClr val="tx1">
+                    <a:tint val="75000"/>
+                  </a:schemeClr>
+                </a:solidFill>
+                <a:latin typeface="Open Sans"/>
+                <a:ea typeface="+mn-ea"/>
+                <a:cs typeface="Open Sans"/>
+              </a:defRPr>
+            </a:lvl2pPr>
+            <a:lvl3pPr marL="2175271" indent="0" algn="ctr" defTabSz="1087636" rtl="0" eaLnBrk="1" latinLnBrk="0" hangingPunct="1">
+              <a:lnSpc>
+                <a:spcPct val="130000"/>
+              </a:lnSpc>
+              <a:spcBef>
+                <a:spcPct val="20000"/>
+              </a:spcBef>
+              <a:buFont typeface="Arial"/>
+              <a:buNone/>
+              <a:defRPr sz="3200" kern="1200">
+                <a:solidFill>
+                  <a:schemeClr val="tx1">
+                    <a:tint val="75000"/>
+                  </a:schemeClr>
+                </a:solidFill>
+                <a:latin typeface="Open Sans"/>
+                <a:ea typeface="+mn-ea"/>
+                <a:cs typeface="Open Sans"/>
+              </a:defRPr>
+            </a:lvl3pPr>
+            <a:lvl4pPr marL="3262912" indent="0" algn="ctr" defTabSz="1087636" rtl="0" eaLnBrk="1" latinLnBrk="0" hangingPunct="1">
+              <a:lnSpc>
+                <a:spcPct val="130000"/>
+              </a:lnSpc>
+              <a:spcBef>
+                <a:spcPct val="20000"/>
+              </a:spcBef>
+              <a:buFont typeface="Arial"/>
+              <a:buNone/>
+              <a:defRPr sz="3200" kern="1200">
+                <a:solidFill>
+                  <a:schemeClr val="tx1">
+                    <a:tint val="75000"/>
+                  </a:schemeClr>
+                </a:solidFill>
+                <a:latin typeface="Open Sans"/>
+                <a:ea typeface="+mn-ea"/>
+                <a:cs typeface="Open Sans"/>
+              </a:defRPr>
+            </a:lvl4pPr>
+            <a:lvl5pPr marL="4350546" indent="0" algn="ctr" defTabSz="1087636" rtl="0" eaLnBrk="1" latinLnBrk="0" hangingPunct="1">
+              <a:lnSpc>
+                <a:spcPct val="130000"/>
+              </a:lnSpc>
+              <a:spcBef>
+                <a:spcPct val="20000"/>
+              </a:spcBef>
+              <a:buFont typeface="Arial"/>
+              <a:buNone/>
+              <a:defRPr sz="3200" kern="1200">
+                <a:solidFill>
+                  <a:schemeClr val="tx1">
+                    <a:tint val="75000"/>
+                  </a:schemeClr>
+                </a:solidFill>
+                <a:latin typeface="Open Sans"/>
+                <a:ea typeface="+mn-ea"/>
+                <a:cs typeface="Open Sans"/>
+              </a:defRPr>
+            </a:lvl5pPr>
+            <a:lvl6pPr marL="5438184" indent="0" algn="ctr" defTabSz="1087636" rtl="0" eaLnBrk="1" latinLnBrk="0" hangingPunct="1">
+              <a:spcBef>
+                <a:spcPct val="20000"/>
+              </a:spcBef>
+              <a:buFont typeface="Arial"/>
+              <a:buNone/>
+              <a:defRPr sz="4800" kern="1200">
+                <a:solidFill>
+                  <a:schemeClr val="tx1">
+                    <a:tint val="75000"/>
+                  </a:schemeClr>
+                </a:solidFill>
+                <a:latin typeface="+mn-lt"/>
+                <a:ea typeface="+mn-ea"/>
+                <a:cs typeface="+mn-cs"/>
+              </a:defRPr>
+            </a:lvl6pPr>
+            <a:lvl7pPr marL="6525820" indent="0" algn="ctr" defTabSz="1087636" rtl="0" eaLnBrk="1" latinLnBrk="0" hangingPunct="1">
+              <a:spcBef>
+                <a:spcPct val="20000"/>
+              </a:spcBef>
+              <a:buFont typeface="Arial"/>
+              <a:buNone/>
+              <a:defRPr sz="4800" kern="1200">
+                <a:solidFill>
+                  <a:schemeClr val="tx1">
+                    <a:tint val="75000"/>
+                  </a:schemeClr>
+                </a:solidFill>
+                <a:latin typeface="+mn-lt"/>
+                <a:ea typeface="+mn-ea"/>
+                <a:cs typeface="+mn-cs"/>
+              </a:defRPr>
+            </a:lvl7pPr>
+            <a:lvl8pPr marL="7613455" indent="0" algn="ctr" defTabSz="1087636" rtl="0" eaLnBrk="1" latinLnBrk="0" hangingPunct="1">
+              <a:spcBef>
+                <a:spcPct val="20000"/>
+              </a:spcBef>
+              <a:buFont typeface="Arial"/>
+              <a:buNone/>
+              <a:defRPr sz="4800" kern="1200">
+                <a:solidFill>
+                  <a:schemeClr val="tx1">
+                    <a:tint val="75000"/>
+                  </a:schemeClr>
+                </a:solidFill>
+                <a:latin typeface="+mn-lt"/>
+                <a:ea typeface="+mn-ea"/>
+                <a:cs typeface="+mn-cs"/>
+              </a:defRPr>
+            </a:lvl8pPr>
+            <a:lvl9pPr marL="8701091" indent="0" algn="ctr" defTabSz="1087636" rtl="0" eaLnBrk="1" latinLnBrk="0" hangingPunct="1">
+              <a:spcBef>
+                <a:spcPct val="20000"/>
+              </a:spcBef>
+              <a:buFont typeface="Arial"/>
+              <a:buNone/>
+              <a:defRPr sz="4800" kern="1200">
+                <a:solidFill>
+                  <a:schemeClr val="tx1">
+                    <a:tint val="75000"/>
+                  </a:schemeClr>
+                </a:solidFill>
+                <a:latin typeface="+mn-lt"/>
+                <a:ea typeface="+mn-ea"/>
+                <a:cs typeface="+mn-cs"/>
+              </a:defRPr>
+            </a:lvl9pPr>
+          </a:lstStyle>
+          <a:p>
+            <a:r>
+              <a:rPr lang="en-US" sz="1550" dirty="0">
+                <a:latin typeface="Lato Light"/>
+                <a:cs typeface="Lato Light"/>
+              </a:rPr>
+              <a:t>The Node Manager instructs components to start a later time</a:t>
+            </a:r>
+          </a:p>
+        </p:txBody>
+      </p:sp>
+      <p:sp>
+        <p:nvSpPr>
+          <p:cNvPr id="55" name="Rechteck 54">
+            <a:extLst>
+              <a:ext uri="{FF2B5EF4-FFF2-40B4-BE49-F238E27FC236}">
+                <a16:creationId xmlns:a16="http://schemas.microsoft.com/office/drawing/2014/main" id="{FD2637BC-D434-EF43-8E59-3EF9AD1A2644}"/>
+              </a:ext>
+            </a:extLst>
+          </p:cNvPr>
+          <p:cNvSpPr/>
+          <p:nvPr/>
+        </p:nvSpPr>
+        <p:spPr>
+          <a:xfrm>
+            <a:off x="2084187" y="2917444"/>
+            <a:ext cx="2473945" cy="383458"/>
+          </a:xfrm>
+          <a:prstGeom prst="rect">
+            <a:avLst/>
+          </a:prstGeom>
+          <a:solidFill>
+            <a:schemeClr val="accent2"/>
+          </a:solidFill>
+          <a:ln>
+            <a:noFill/>
+          </a:ln>
+        </p:spPr>
+        <p:style>
+          <a:lnRef idx="0">
+            <a:scrgbClr r="0" g="0" b="0"/>
+          </a:lnRef>
+          <a:fillRef idx="0">
+            <a:scrgbClr r="0" g="0" b="0"/>
+          </a:fillRef>
+          <a:effectRef idx="0">
+            <a:scrgbClr r="0" g="0" b="0"/>
+          </a:effectRef>
+          <a:fontRef idx="minor">
+            <a:schemeClr val="lt1"/>
+          </a:fontRef>
+        </p:style>
+        <p:txBody>
+          <a:bodyPr rtlCol="0" anchor="ctr"/>
+          <a:lstStyle/>
+          <a:p>
+            <a:pPr algn="ctr"/>
+            <a:r>
+              <a:rPr lang="en-US" sz="1200" dirty="0"/>
+              <a:t>Transition</a:t>
+            </a:r>
+          </a:p>
+        </p:txBody>
+      </p:sp>
+      <p:sp>
+        <p:nvSpPr>
+          <p:cNvPr id="56" name="Rechteck 55">
+            <a:extLst>
+              <a:ext uri="{FF2B5EF4-FFF2-40B4-BE49-F238E27FC236}">
+                <a16:creationId xmlns:a16="http://schemas.microsoft.com/office/drawing/2014/main" id="{8EF9CC8F-05E7-7145-B8C7-BD34DCF4785F}"/>
+              </a:ext>
+            </a:extLst>
+          </p:cNvPr>
+          <p:cNvSpPr/>
+          <p:nvPr/>
+        </p:nvSpPr>
+        <p:spPr>
+          <a:xfrm>
+            <a:off x="5752128" y="2917444"/>
+            <a:ext cx="6189197" cy="383458"/>
+          </a:xfrm>
+          <a:prstGeom prst="rect">
+            <a:avLst/>
+          </a:prstGeom>
+          <a:solidFill>
+            <a:schemeClr val="accent1"/>
+          </a:solidFill>
+          <a:ln>
+            <a:noFill/>
+          </a:ln>
+        </p:spPr>
+        <p:style>
+          <a:lnRef idx="2">
+            <a:schemeClr val="accent1">
+              <a:shade val="50000"/>
+            </a:schemeClr>
+          </a:lnRef>
+          <a:fillRef idx="1">
+            <a:schemeClr val="accent1"/>
+          </a:fillRef>
+          <a:effectRef idx="0">
+            <a:schemeClr val="accent1"/>
+          </a:effectRef>
+          <a:fontRef idx="minor">
+            <a:schemeClr val="lt1"/>
+          </a:fontRef>
+        </p:style>
+        <p:txBody>
+          <a:bodyPr rtlCol="0" anchor="ctr"/>
+          <a:lstStyle/>
+          <a:p>
+            <a:pPr algn="ctr"/>
+            <a:r>
+              <a:rPr lang="en-US" sz="1200" dirty="0"/>
+              <a:t>State</a:t>
+            </a:r>
+          </a:p>
+        </p:txBody>
+      </p:sp>
+      <p:sp>
+        <p:nvSpPr>
+          <p:cNvPr id="57" name="TextBox 69">
+            <a:extLst>
+              <a:ext uri="{FF2B5EF4-FFF2-40B4-BE49-F238E27FC236}">
+                <a16:creationId xmlns:a16="http://schemas.microsoft.com/office/drawing/2014/main" id="{65673EAF-A53D-634A-BD14-EC64721D618B}"/>
+              </a:ext>
+            </a:extLst>
+          </p:cNvPr>
+          <p:cNvSpPr txBox="1"/>
+          <p:nvPr/>
+        </p:nvSpPr>
+        <p:spPr>
+          <a:xfrm>
+            <a:off x="678338" y="2938186"/>
+            <a:ext cx="1335302" cy="338554"/>
+          </a:xfrm>
+          <a:prstGeom prst="rect">
+            <a:avLst/>
+          </a:prstGeom>
+          <a:noFill/>
+        </p:spPr>
+        <p:txBody>
+          <a:bodyPr wrap="none" rtlCol="0" anchor="ctr" anchorCtr="0">
+            <a:spAutoFit/>
+          </a:bodyPr>
+          <a:lstStyle/>
+          <a:p>
+            <a:pPr algn="ctr"/>
+            <a:r>
+              <a:rPr lang="en-US" sz="1600" b="1" dirty="0">
+                <a:solidFill>
+                  <a:schemeClr val="tx2"/>
+                </a:solidFill>
+                <a:latin typeface="Lato Bold" charset="0"/>
+                <a:ea typeface="Lato Bold" charset="0"/>
+                <a:cs typeface="Lato Bold" charset="0"/>
+              </a:rPr>
+              <a:t>Component 1</a:t>
+            </a:r>
+          </a:p>
+        </p:txBody>
+      </p:sp>
+      <p:sp>
+        <p:nvSpPr>
+          <p:cNvPr id="60" name="Rechteck 59">
+            <a:extLst>
+              <a:ext uri="{FF2B5EF4-FFF2-40B4-BE49-F238E27FC236}">
+                <a16:creationId xmlns:a16="http://schemas.microsoft.com/office/drawing/2014/main" id="{9CA94DA2-DBFB-EC48-B6F3-E4B5D87F5E73}"/>
+              </a:ext>
+            </a:extLst>
+          </p:cNvPr>
+          <p:cNvSpPr/>
+          <p:nvPr/>
+        </p:nvSpPr>
+        <p:spPr>
+          <a:xfrm>
+            <a:off x="2084186" y="3654476"/>
+            <a:ext cx="3270689" cy="383458"/>
+          </a:xfrm>
+          <a:prstGeom prst="rect">
+            <a:avLst/>
+          </a:prstGeom>
+          <a:solidFill>
+            <a:schemeClr val="accent2"/>
+          </a:solidFill>
+          <a:ln>
+            <a:noFill/>
+          </a:ln>
+        </p:spPr>
+        <p:style>
+          <a:lnRef idx="0">
+            <a:scrgbClr r="0" g="0" b="0"/>
+          </a:lnRef>
+          <a:fillRef idx="0">
+            <a:scrgbClr r="0" g="0" b="0"/>
+          </a:fillRef>
+          <a:effectRef idx="0">
+            <a:scrgbClr r="0" g="0" b="0"/>
+          </a:effectRef>
+          <a:fontRef idx="minor">
+            <a:schemeClr val="lt1"/>
+          </a:fontRef>
+        </p:style>
+        <p:txBody>
+          <a:bodyPr rtlCol="0" anchor="ctr"/>
+          <a:lstStyle/>
+          <a:p>
+            <a:pPr algn="ctr"/>
+            <a:r>
+              <a:rPr lang="en-US" sz="1200" dirty="0"/>
+              <a:t>Transition</a:t>
+            </a:r>
+          </a:p>
+        </p:txBody>
+      </p:sp>
+      <p:sp>
+        <p:nvSpPr>
+          <p:cNvPr id="62" name="TextBox 69">
+            <a:extLst>
+              <a:ext uri="{FF2B5EF4-FFF2-40B4-BE49-F238E27FC236}">
+                <a16:creationId xmlns:a16="http://schemas.microsoft.com/office/drawing/2014/main" id="{298F88FB-6A0F-A54E-90F3-85A5B8A4B429}"/>
+              </a:ext>
+            </a:extLst>
+          </p:cNvPr>
+          <p:cNvSpPr txBox="1"/>
+          <p:nvPr/>
+        </p:nvSpPr>
+        <p:spPr>
+          <a:xfrm>
+            <a:off x="678338" y="3673508"/>
+            <a:ext cx="1335302" cy="338554"/>
+          </a:xfrm>
+          <a:prstGeom prst="rect">
+            <a:avLst/>
+          </a:prstGeom>
+          <a:noFill/>
+        </p:spPr>
+        <p:txBody>
+          <a:bodyPr wrap="none" rtlCol="0" anchor="ctr" anchorCtr="0">
+            <a:spAutoFit/>
+          </a:bodyPr>
+          <a:lstStyle/>
+          <a:p>
+            <a:pPr algn="ctr"/>
+            <a:r>
+              <a:rPr lang="en-US" sz="1600" b="1" dirty="0">
+                <a:solidFill>
+                  <a:schemeClr val="tx2"/>
+                </a:solidFill>
+                <a:latin typeface="Lato Bold" charset="0"/>
+                <a:ea typeface="Lato Bold" charset="0"/>
+                <a:cs typeface="Lato Bold" charset="0"/>
+              </a:rPr>
+              <a:t>Component 2</a:t>
+            </a:r>
+          </a:p>
+        </p:txBody>
+      </p:sp>
+      <p:sp>
+        <p:nvSpPr>
+          <p:cNvPr id="64" name="Rechteck 63">
+            <a:extLst>
+              <a:ext uri="{FF2B5EF4-FFF2-40B4-BE49-F238E27FC236}">
+                <a16:creationId xmlns:a16="http://schemas.microsoft.com/office/drawing/2014/main" id="{5944B044-011C-9443-8499-5882944DD0DF}"/>
+              </a:ext>
+            </a:extLst>
+          </p:cNvPr>
+          <p:cNvSpPr/>
+          <p:nvPr/>
+        </p:nvSpPr>
+        <p:spPr>
+          <a:xfrm>
+            <a:off x="2082423" y="4372520"/>
+            <a:ext cx="1437391" cy="383458"/>
+          </a:xfrm>
+          <a:prstGeom prst="rect">
+            <a:avLst/>
+          </a:prstGeom>
+          <a:solidFill>
+            <a:schemeClr val="accent2"/>
+          </a:solidFill>
+          <a:ln>
+            <a:noFill/>
+          </a:ln>
+        </p:spPr>
+        <p:style>
+          <a:lnRef idx="0">
+            <a:scrgbClr r="0" g="0" b="0"/>
+          </a:lnRef>
+          <a:fillRef idx="0">
+            <a:scrgbClr r="0" g="0" b="0"/>
+          </a:fillRef>
+          <a:effectRef idx="0">
+            <a:scrgbClr r="0" g="0" b="0"/>
+          </a:effectRef>
+          <a:fontRef idx="minor">
+            <a:schemeClr val="lt1"/>
+          </a:fontRef>
+        </p:style>
+        <p:txBody>
+          <a:bodyPr rtlCol="0" anchor="ctr"/>
+          <a:lstStyle/>
+          <a:p>
+            <a:pPr algn="ctr"/>
+            <a:r>
+              <a:rPr lang="en-US" sz="1200" dirty="0"/>
+              <a:t>Transition</a:t>
+            </a:r>
+          </a:p>
+        </p:txBody>
+      </p:sp>
+      <p:sp>
+        <p:nvSpPr>
+          <p:cNvPr id="66" name="TextBox 69">
+            <a:extLst>
+              <a:ext uri="{FF2B5EF4-FFF2-40B4-BE49-F238E27FC236}">
+                <a16:creationId xmlns:a16="http://schemas.microsoft.com/office/drawing/2014/main" id="{6863EF3F-8186-874F-AAF9-3E2B8536AF78}"/>
+              </a:ext>
+            </a:extLst>
+          </p:cNvPr>
+          <p:cNvSpPr txBox="1"/>
+          <p:nvPr/>
+        </p:nvSpPr>
+        <p:spPr>
+          <a:xfrm>
+            <a:off x="676575" y="4393262"/>
+            <a:ext cx="1335302" cy="338554"/>
+          </a:xfrm>
+          <a:prstGeom prst="rect">
+            <a:avLst/>
+          </a:prstGeom>
+          <a:noFill/>
+        </p:spPr>
+        <p:txBody>
+          <a:bodyPr wrap="none" rtlCol="0" anchor="ctr" anchorCtr="0">
+            <a:spAutoFit/>
+          </a:bodyPr>
+          <a:lstStyle/>
+          <a:p>
+            <a:pPr algn="ctr"/>
+            <a:r>
+              <a:rPr lang="en-US" sz="1600" b="1" dirty="0">
+                <a:solidFill>
+                  <a:schemeClr val="tx2"/>
+                </a:solidFill>
+                <a:latin typeface="Lato Bold" charset="0"/>
+                <a:ea typeface="Lato Bold" charset="0"/>
+                <a:cs typeface="Lato Bold" charset="0"/>
+              </a:rPr>
+              <a:t>Component 2</a:t>
+            </a:r>
+          </a:p>
+        </p:txBody>
+      </p:sp>
+      <p:sp>
+        <p:nvSpPr>
+          <p:cNvPr id="70" name="Rechteck 69">
+            <a:extLst>
+              <a:ext uri="{FF2B5EF4-FFF2-40B4-BE49-F238E27FC236}">
+                <a16:creationId xmlns:a16="http://schemas.microsoft.com/office/drawing/2014/main" id="{52F9831D-6F9F-9F44-AD1D-F7894D69A1B5}"/>
+              </a:ext>
+            </a:extLst>
+          </p:cNvPr>
+          <p:cNvSpPr/>
+          <p:nvPr/>
+        </p:nvSpPr>
+        <p:spPr>
+          <a:xfrm>
+            <a:off x="3519814" y="4372520"/>
+            <a:ext cx="118997" cy="383458"/>
+          </a:xfrm>
+          <a:prstGeom prst="rect">
+            <a:avLst/>
+          </a:prstGeom>
+          <a:solidFill>
+            <a:schemeClr val="accent3"/>
+          </a:solidFill>
+          <a:ln>
+            <a:noFill/>
+          </a:ln>
+        </p:spPr>
+        <p:style>
+          <a:lnRef idx="0">
+            <a:scrgbClr r="0" g="0" b="0"/>
+          </a:lnRef>
+          <a:fillRef idx="0">
+            <a:scrgbClr r="0" g="0" b="0"/>
+          </a:fillRef>
+          <a:effectRef idx="0">
+            <a:scrgbClr r="0" g="0" b="0"/>
+          </a:effectRef>
+          <a:fontRef idx="minor">
+            <a:schemeClr val="lt1"/>
+          </a:fontRef>
+        </p:style>
+        <p:txBody>
+          <a:bodyPr rtlCol="0" anchor="ctr"/>
+          <a:lstStyle/>
+          <a:p>
+            <a:pPr algn="ctr"/>
+            <a:r>
+              <a:rPr lang="en-US" sz="1200" dirty="0"/>
+              <a:t>ND</a:t>
+            </a:r>
+          </a:p>
+        </p:txBody>
+      </p:sp>
+      <p:sp>
+        <p:nvSpPr>
+          <p:cNvPr id="72" name="Rechteck 71">
+            <a:extLst>
+              <a:ext uri="{FF2B5EF4-FFF2-40B4-BE49-F238E27FC236}">
+                <a16:creationId xmlns:a16="http://schemas.microsoft.com/office/drawing/2014/main" id="{FDBF82DE-C4EF-2B46-8427-315C46B4E6AD}"/>
+              </a:ext>
+            </a:extLst>
+          </p:cNvPr>
+          <p:cNvSpPr/>
+          <p:nvPr/>
+        </p:nvSpPr>
+        <p:spPr>
+          <a:xfrm>
+            <a:off x="3638811" y="4372520"/>
+            <a:ext cx="1834666" cy="383458"/>
+          </a:xfrm>
+          <a:prstGeom prst="rect">
+            <a:avLst/>
+          </a:prstGeom>
+          <a:solidFill>
+            <a:schemeClr val="accent4"/>
+          </a:solidFill>
+          <a:ln>
+            <a:noFill/>
+          </a:ln>
+        </p:spPr>
+        <p:style>
+          <a:lnRef idx="0">
+            <a:scrgbClr r="0" g="0" b="0"/>
+          </a:lnRef>
+          <a:fillRef idx="0">
+            <a:scrgbClr r="0" g="0" b="0"/>
+          </a:fillRef>
+          <a:effectRef idx="0">
+            <a:scrgbClr r="0" g="0" b="0"/>
+          </a:effectRef>
+          <a:fontRef idx="minor">
+            <a:schemeClr val="lt1"/>
+          </a:fontRef>
+        </p:style>
+        <p:txBody>
+          <a:bodyPr rtlCol="0" anchor="ctr"/>
+          <a:lstStyle/>
+          <a:p>
+            <a:pPr algn="ctr"/>
+            <a:r>
+              <a:rPr lang="en-US" sz="1200" dirty="0"/>
+              <a:t>Idle</a:t>
+            </a:r>
+          </a:p>
+        </p:txBody>
+      </p:sp>
+      <p:sp>
+        <p:nvSpPr>
+          <p:cNvPr id="73" name="Rechteck 72">
+            <a:extLst>
+              <a:ext uri="{FF2B5EF4-FFF2-40B4-BE49-F238E27FC236}">
+                <a16:creationId xmlns:a16="http://schemas.microsoft.com/office/drawing/2014/main" id="{5113961A-60B9-C745-BB19-323255B689EB}"/>
+              </a:ext>
+            </a:extLst>
+          </p:cNvPr>
+          <p:cNvSpPr/>
+          <p:nvPr/>
+        </p:nvSpPr>
+        <p:spPr>
+          <a:xfrm>
+            <a:off x="5354874" y="3654476"/>
+            <a:ext cx="237600" cy="383458"/>
+          </a:xfrm>
+          <a:prstGeom prst="rect">
+            <a:avLst/>
+          </a:prstGeom>
+          <a:solidFill>
+            <a:schemeClr val="accent3"/>
+          </a:solidFill>
+          <a:ln>
+            <a:noFill/>
+          </a:ln>
+        </p:spPr>
+        <p:style>
+          <a:lnRef idx="0">
+            <a:scrgbClr r="0" g="0" b="0"/>
+          </a:lnRef>
+          <a:fillRef idx="0">
+            <a:scrgbClr r="0" g="0" b="0"/>
+          </a:fillRef>
+          <a:effectRef idx="0">
+            <a:scrgbClr r="0" g="0" b="0"/>
+          </a:effectRef>
+          <a:fontRef idx="minor">
+            <a:schemeClr val="lt1"/>
+          </a:fontRef>
+        </p:style>
+        <p:txBody>
+          <a:bodyPr rtlCol="0" anchor="ctr"/>
+          <a:lstStyle/>
+          <a:p>
+            <a:pPr algn="ctr"/>
+            <a:r>
+              <a:rPr lang="en-US" sz="1200" dirty="0"/>
+              <a:t>ND</a:t>
+            </a:r>
+          </a:p>
+        </p:txBody>
+      </p:sp>
+      <p:sp>
+        <p:nvSpPr>
+          <p:cNvPr id="75" name="Rechteck 74">
+            <a:extLst>
+              <a:ext uri="{FF2B5EF4-FFF2-40B4-BE49-F238E27FC236}">
+                <a16:creationId xmlns:a16="http://schemas.microsoft.com/office/drawing/2014/main" id="{82A62276-F81E-FC43-92C4-6D6D321C0D14}"/>
+              </a:ext>
+            </a:extLst>
+          </p:cNvPr>
+          <p:cNvSpPr/>
+          <p:nvPr/>
+        </p:nvSpPr>
+        <p:spPr>
+          <a:xfrm>
+            <a:off x="5473477" y="4372520"/>
+            <a:ext cx="118997" cy="383458"/>
+          </a:xfrm>
+          <a:prstGeom prst="rect">
+            <a:avLst/>
+          </a:prstGeom>
+          <a:solidFill>
+            <a:schemeClr val="accent3"/>
+          </a:solidFill>
+          <a:ln>
+            <a:noFill/>
+          </a:ln>
+        </p:spPr>
+        <p:style>
+          <a:lnRef idx="0">
+            <a:scrgbClr r="0" g="0" b="0"/>
+          </a:lnRef>
+          <a:fillRef idx="0">
+            <a:scrgbClr r="0" g="0" b="0"/>
+          </a:fillRef>
+          <a:effectRef idx="0">
+            <a:scrgbClr r="0" g="0" b="0"/>
+          </a:effectRef>
+          <a:fontRef idx="minor">
+            <a:schemeClr val="lt1"/>
+          </a:fontRef>
+        </p:style>
+        <p:txBody>
+          <a:bodyPr rtlCol="0" anchor="ctr"/>
+          <a:lstStyle/>
+          <a:p>
+            <a:pPr algn="ctr"/>
+            <a:r>
+              <a:rPr lang="en-US" sz="1200" dirty="0"/>
+              <a:t>ND</a:t>
+            </a:r>
+          </a:p>
+        </p:txBody>
+      </p:sp>
+      <p:sp>
+        <p:nvSpPr>
+          <p:cNvPr id="76" name="Rechteck 75">
+            <a:extLst>
+              <a:ext uri="{FF2B5EF4-FFF2-40B4-BE49-F238E27FC236}">
+                <a16:creationId xmlns:a16="http://schemas.microsoft.com/office/drawing/2014/main" id="{3F0DD71B-A635-0B4B-A84E-63A768A3914E}"/>
+              </a:ext>
+            </a:extLst>
+          </p:cNvPr>
+          <p:cNvSpPr/>
+          <p:nvPr/>
+        </p:nvSpPr>
+        <p:spPr>
+          <a:xfrm>
+            <a:off x="4558132" y="2917444"/>
+            <a:ext cx="118997" cy="383458"/>
+          </a:xfrm>
+          <a:prstGeom prst="rect">
+            <a:avLst/>
+          </a:prstGeom>
+          <a:solidFill>
+            <a:schemeClr val="accent3"/>
+          </a:solidFill>
+          <a:ln>
+            <a:noFill/>
+          </a:ln>
+        </p:spPr>
+        <p:style>
+          <a:lnRef idx="0">
+            <a:scrgbClr r="0" g="0" b="0"/>
+          </a:lnRef>
+          <a:fillRef idx="0">
+            <a:scrgbClr r="0" g="0" b="0"/>
+          </a:fillRef>
+          <a:effectRef idx="0">
+            <a:scrgbClr r="0" g="0" b="0"/>
+          </a:effectRef>
+          <a:fontRef idx="minor">
+            <a:schemeClr val="lt1"/>
+          </a:fontRef>
+        </p:style>
+        <p:txBody>
+          <a:bodyPr rtlCol="0" anchor="ctr"/>
+          <a:lstStyle/>
+          <a:p>
+            <a:pPr algn="ctr"/>
+            <a:r>
+              <a:rPr lang="en-US" sz="1200" dirty="0"/>
+              <a:t>ND</a:t>
+            </a:r>
+          </a:p>
+        </p:txBody>
+      </p:sp>
+      <p:sp>
+        <p:nvSpPr>
+          <p:cNvPr id="77" name="Rechteck 76">
+            <a:extLst>
+              <a:ext uri="{FF2B5EF4-FFF2-40B4-BE49-F238E27FC236}">
+                <a16:creationId xmlns:a16="http://schemas.microsoft.com/office/drawing/2014/main" id="{9B447EB9-CE27-694B-BEEA-59396EF3BA61}"/>
+              </a:ext>
+            </a:extLst>
+          </p:cNvPr>
+          <p:cNvSpPr/>
+          <p:nvPr/>
+        </p:nvSpPr>
+        <p:spPr>
+          <a:xfrm>
+            <a:off x="4677129" y="2917444"/>
+            <a:ext cx="796348" cy="383458"/>
+          </a:xfrm>
+          <a:prstGeom prst="rect">
+            <a:avLst/>
+          </a:prstGeom>
+          <a:solidFill>
+            <a:schemeClr val="accent4"/>
+          </a:solidFill>
+          <a:ln>
+            <a:noFill/>
+          </a:ln>
+        </p:spPr>
+        <p:style>
+          <a:lnRef idx="0">
+            <a:scrgbClr r="0" g="0" b="0"/>
+          </a:lnRef>
+          <a:fillRef idx="0">
+            <a:scrgbClr r="0" g="0" b="0"/>
+          </a:fillRef>
+          <a:effectRef idx="0">
+            <a:scrgbClr r="0" g="0" b="0"/>
+          </a:effectRef>
+          <a:fontRef idx="minor">
+            <a:schemeClr val="lt1"/>
+          </a:fontRef>
+        </p:style>
+        <p:txBody>
+          <a:bodyPr rtlCol="0" anchor="ctr"/>
+          <a:lstStyle/>
+          <a:p>
+            <a:pPr algn="ctr"/>
+            <a:r>
+              <a:rPr lang="en-US" sz="1200" dirty="0"/>
+              <a:t>Idle</a:t>
+            </a:r>
+          </a:p>
+        </p:txBody>
+      </p:sp>
+      <p:sp>
+        <p:nvSpPr>
+          <p:cNvPr id="78" name="Rechteck 77">
+            <a:extLst>
+              <a:ext uri="{FF2B5EF4-FFF2-40B4-BE49-F238E27FC236}">
+                <a16:creationId xmlns:a16="http://schemas.microsoft.com/office/drawing/2014/main" id="{ED2421B1-A537-ED42-AFEF-C408765C1FEA}"/>
+              </a:ext>
+            </a:extLst>
+          </p:cNvPr>
+          <p:cNvSpPr/>
+          <p:nvPr/>
+        </p:nvSpPr>
+        <p:spPr>
+          <a:xfrm>
+            <a:off x="5473477" y="2917444"/>
+            <a:ext cx="118997" cy="383458"/>
+          </a:xfrm>
+          <a:prstGeom prst="rect">
+            <a:avLst/>
+          </a:prstGeom>
+          <a:solidFill>
+            <a:schemeClr val="accent3"/>
+          </a:solidFill>
+          <a:ln>
+            <a:noFill/>
+          </a:ln>
+        </p:spPr>
+        <p:style>
+          <a:lnRef idx="0">
+            <a:scrgbClr r="0" g="0" b="0"/>
+          </a:lnRef>
+          <a:fillRef idx="0">
+            <a:scrgbClr r="0" g="0" b="0"/>
+          </a:fillRef>
+          <a:effectRef idx="0">
+            <a:scrgbClr r="0" g="0" b="0"/>
+          </a:effectRef>
+          <a:fontRef idx="minor">
+            <a:schemeClr val="lt1"/>
+          </a:fontRef>
+        </p:style>
+        <p:txBody>
+          <a:bodyPr rtlCol="0" anchor="ctr"/>
+          <a:lstStyle/>
+          <a:p>
+            <a:pPr algn="ctr"/>
+            <a:r>
+              <a:rPr lang="en-US" sz="1200" dirty="0"/>
+              <a:t>ND</a:t>
+            </a:r>
+          </a:p>
+        </p:txBody>
+      </p:sp>
+      <p:sp>
+        <p:nvSpPr>
+          <p:cNvPr id="79" name="Rechteck 78">
+            <a:extLst>
+              <a:ext uri="{FF2B5EF4-FFF2-40B4-BE49-F238E27FC236}">
+                <a16:creationId xmlns:a16="http://schemas.microsoft.com/office/drawing/2014/main" id="{45831228-68CB-F845-919F-A6599B7429B4}"/>
+              </a:ext>
+            </a:extLst>
+          </p:cNvPr>
+          <p:cNvSpPr/>
+          <p:nvPr/>
+        </p:nvSpPr>
+        <p:spPr>
+          <a:xfrm>
+            <a:off x="5752128" y="3654476"/>
+            <a:ext cx="6189197" cy="383458"/>
+          </a:xfrm>
+          <a:prstGeom prst="rect">
+            <a:avLst/>
+          </a:prstGeom>
+          <a:solidFill>
+            <a:schemeClr val="accent1"/>
+          </a:solidFill>
+          <a:ln>
+            <a:noFill/>
+          </a:ln>
+        </p:spPr>
+        <p:style>
+          <a:lnRef idx="2">
+            <a:schemeClr val="accent1">
+              <a:shade val="50000"/>
+            </a:schemeClr>
+          </a:lnRef>
+          <a:fillRef idx="1">
+            <a:schemeClr val="accent1"/>
+          </a:fillRef>
+          <a:effectRef idx="0">
+            <a:schemeClr val="accent1"/>
+          </a:effectRef>
+          <a:fontRef idx="minor">
+            <a:schemeClr val="lt1"/>
+          </a:fontRef>
+        </p:style>
+        <p:txBody>
+          <a:bodyPr rtlCol="0" anchor="ctr"/>
+          <a:lstStyle/>
+          <a:p>
+            <a:pPr algn="ctr"/>
+            <a:r>
+              <a:rPr lang="en-US" sz="1200" dirty="0"/>
+              <a:t>State</a:t>
+            </a:r>
+          </a:p>
+        </p:txBody>
+      </p:sp>
+      <p:sp>
+        <p:nvSpPr>
+          <p:cNvPr id="83" name="Rechteck 82">
+            <a:extLst>
+              <a:ext uri="{FF2B5EF4-FFF2-40B4-BE49-F238E27FC236}">
+                <a16:creationId xmlns:a16="http://schemas.microsoft.com/office/drawing/2014/main" id="{A2552F94-19EA-C54D-B6CB-1C2234C9C16C}"/>
+              </a:ext>
+            </a:extLst>
+          </p:cNvPr>
+          <p:cNvSpPr/>
+          <p:nvPr/>
+        </p:nvSpPr>
+        <p:spPr>
+          <a:xfrm>
+            <a:off x="5752128" y="4373371"/>
+            <a:ext cx="6189197" cy="383458"/>
+          </a:xfrm>
+          <a:prstGeom prst="rect">
+            <a:avLst/>
+          </a:prstGeom>
+          <a:solidFill>
+            <a:schemeClr val="accent1"/>
+          </a:solidFill>
+          <a:ln>
+            <a:noFill/>
+          </a:ln>
+        </p:spPr>
+        <p:style>
+          <a:lnRef idx="2">
+            <a:schemeClr val="accent1">
+              <a:shade val="50000"/>
+            </a:schemeClr>
+          </a:lnRef>
+          <a:fillRef idx="1">
+            <a:schemeClr val="accent1"/>
+          </a:fillRef>
+          <a:effectRef idx="0">
+            <a:schemeClr val="accent1"/>
+          </a:effectRef>
+          <a:fontRef idx="minor">
+            <a:schemeClr val="lt1"/>
+          </a:fontRef>
+        </p:style>
+        <p:txBody>
+          <a:bodyPr rtlCol="0" anchor="ctr"/>
+          <a:lstStyle/>
+          <a:p>
+            <a:pPr algn="ctr"/>
+            <a:r>
+              <a:rPr lang="en-US" sz="1200" dirty="0"/>
+              <a:t>State</a:t>
+            </a:r>
+          </a:p>
+        </p:txBody>
+      </p:sp>
+      <p:sp>
+        <p:nvSpPr>
+          <p:cNvPr id="86" name="Subtitle 2">
+            <a:extLst>
+              <a:ext uri="{FF2B5EF4-FFF2-40B4-BE49-F238E27FC236}">
+                <a16:creationId xmlns:a16="http://schemas.microsoft.com/office/drawing/2014/main" id="{79D10A08-BA08-B14B-B48C-00E2834F01C7}"/>
+              </a:ext>
+            </a:extLst>
+          </p:cNvPr>
+          <p:cNvSpPr txBox="1">
+            <a:spLocks/>
+          </p:cNvSpPr>
+          <p:nvPr/>
+        </p:nvSpPr>
+        <p:spPr>
+          <a:xfrm>
+            <a:off x="4187280" y="1715377"/>
+            <a:ext cx="3657553" cy="342820"/>
+          </a:xfrm>
+          <a:prstGeom prst="rect">
+            <a:avLst/>
+          </a:prstGeom>
+        </p:spPr>
+        <p:txBody>
+          <a:bodyPr vert="horz" wrap="square" lIns="108745" tIns="54373" rIns="108745" bIns="54373" rtlCol="0">
+            <a:spAutoFit/>
+          </a:bodyPr>
+          <a:lstStyle>
+            <a:lvl1pPr marL="0" indent="0" algn="ctr" defTabSz="1087636" rtl="0" eaLnBrk="1" latinLnBrk="0" hangingPunct="1">
+              <a:lnSpc>
+                <a:spcPct val="120000"/>
+              </a:lnSpc>
+              <a:spcBef>
+                <a:spcPct val="20000"/>
+              </a:spcBef>
+              <a:buFont typeface="Arial"/>
+              <a:buNone/>
+              <a:defRPr sz="2400" kern="1200">
+                <a:solidFill>
+                  <a:schemeClr val="tx2"/>
+                </a:solidFill>
+                <a:latin typeface="Open Sans Light"/>
+                <a:ea typeface="+mn-ea"/>
+                <a:cs typeface="Open Sans Light"/>
+              </a:defRPr>
+            </a:lvl1pPr>
+            <a:lvl2pPr marL="1087636" indent="0" algn="ctr" defTabSz="1087636" rtl="0" eaLnBrk="1" latinLnBrk="0" hangingPunct="1">
+              <a:lnSpc>
+                <a:spcPct val="130000"/>
+              </a:lnSpc>
+              <a:spcBef>
+                <a:spcPct val="20000"/>
+              </a:spcBef>
+              <a:buFont typeface="Arial"/>
+              <a:buNone/>
+              <a:defRPr sz="3200" kern="1200">
+                <a:solidFill>
+                  <a:schemeClr val="tx1">
+                    <a:tint val="75000"/>
+                  </a:schemeClr>
+                </a:solidFill>
+                <a:latin typeface="Open Sans"/>
+                <a:ea typeface="+mn-ea"/>
+                <a:cs typeface="Open Sans"/>
+              </a:defRPr>
+            </a:lvl2pPr>
+            <a:lvl3pPr marL="2175271" indent="0" algn="ctr" defTabSz="1087636" rtl="0" eaLnBrk="1" latinLnBrk="0" hangingPunct="1">
+              <a:lnSpc>
+                <a:spcPct val="130000"/>
+              </a:lnSpc>
+              <a:spcBef>
+                <a:spcPct val="20000"/>
+              </a:spcBef>
+              <a:buFont typeface="Arial"/>
+              <a:buNone/>
+              <a:defRPr sz="3200" kern="1200">
+                <a:solidFill>
+                  <a:schemeClr val="tx1">
+                    <a:tint val="75000"/>
+                  </a:schemeClr>
+                </a:solidFill>
+                <a:latin typeface="Open Sans"/>
+                <a:ea typeface="+mn-ea"/>
+                <a:cs typeface="Open Sans"/>
+              </a:defRPr>
+            </a:lvl3pPr>
+            <a:lvl4pPr marL="3262912" indent="0" algn="ctr" defTabSz="1087636" rtl="0" eaLnBrk="1" latinLnBrk="0" hangingPunct="1">
+              <a:lnSpc>
+                <a:spcPct val="130000"/>
+              </a:lnSpc>
+              <a:spcBef>
+                <a:spcPct val="20000"/>
+              </a:spcBef>
+              <a:buFont typeface="Arial"/>
+              <a:buNone/>
+              <a:defRPr sz="3200" kern="1200">
+                <a:solidFill>
+                  <a:schemeClr val="tx1">
+                    <a:tint val="75000"/>
+                  </a:schemeClr>
+                </a:solidFill>
+                <a:latin typeface="Open Sans"/>
+                <a:ea typeface="+mn-ea"/>
+                <a:cs typeface="Open Sans"/>
+              </a:defRPr>
+            </a:lvl4pPr>
+            <a:lvl5pPr marL="4350546" indent="0" algn="ctr" defTabSz="1087636" rtl="0" eaLnBrk="1" latinLnBrk="0" hangingPunct="1">
+              <a:lnSpc>
+                <a:spcPct val="130000"/>
+              </a:lnSpc>
+              <a:spcBef>
+                <a:spcPct val="20000"/>
+              </a:spcBef>
+              <a:buFont typeface="Arial"/>
+              <a:buNone/>
+              <a:defRPr sz="3200" kern="1200">
+                <a:solidFill>
+                  <a:schemeClr val="tx1">
+                    <a:tint val="75000"/>
+                  </a:schemeClr>
+                </a:solidFill>
+                <a:latin typeface="Open Sans"/>
+                <a:ea typeface="+mn-ea"/>
+                <a:cs typeface="Open Sans"/>
+              </a:defRPr>
+            </a:lvl5pPr>
+            <a:lvl6pPr marL="5438184" indent="0" algn="ctr" defTabSz="1087636" rtl="0" eaLnBrk="1" latinLnBrk="0" hangingPunct="1">
+              <a:spcBef>
+                <a:spcPct val="20000"/>
+              </a:spcBef>
+              <a:buFont typeface="Arial"/>
+              <a:buNone/>
+              <a:defRPr sz="4800" kern="1200">
+                <a:solidFill>
+                  <a:schemeClr val="tx1">
+                    <a:tint val="75000"/>
+                  </a:schemeClr>
+                </a:solidFill>
+                <a:latin typeface="+mn-lt"/>
+                <a:ea typeface="+mn-ea"/>
+                <a:cs typeface="+mn-cs"/>
+              </a:defRPr>
+            </a:lvl6pPr>
+            <a:lvl7pPr marL="6525820" indent="0" algn="ctr" defTabSz="1087636" rtl="0" eaLnBrk="1" latinLnBrk="0" hangingPunct="1">
+              <a:spcBef>
+                <a:spcPct val="20000"/>
+              </a:spcBef>
+              <a:buFont typeface="Arial"/>
+              <a:buNone/>
+              <a:defRPr sz="4800" kern="1200">
+                <a:solidFill>
+                  <a:schemeClr val="tx1">
+                    <a:tint val="75000"/>
+                  </a:schemeClr>
+                </a:solidFill>
+                <a:latin typeface="+mn-lt"/>
+                <a:ea typeface="+mn-ea"/>
+                <a:cs typeface="+mn-cs"/>
+              </a:defRPr>
+            </a:lvl7pPr>
+            <a:lvl8pPr marL="7613455" indent="0" algn="ctr" defTabSz="1087636" rtl="0" eaLnBrk="1" latinLnBrk="0" hangingPunct="1">
+              <a:spcBef>
+                <a:spcPct val="20000"/>
+              </a:spcBef>
+              <a:buFont typeface="Arial"/>
+              <a:buNone/>
+              <a:defRPr sz="4800" kern="1200">
+                <a:solidFill>
+                  <a:schemeClr val="tx1">
+                    <a:tint val="75000"/>
+                  </a:schemeClr>
+                </a:solidFill>
+                <a:latin typeface="+mn-lt"/>
+                <a:ea typeface="+mn-ea"/>
+                <a:cs typeface="+mn-cs"/>
+              </a:defRPr>
+            </a:lvl8pPr>
+            <a:lvl9pPr marL="8701091" indent="0" algn="ctr" defTabSz="1087636" rtl="0" eaLnBrk="1" latinLnBrk="0" hangingPunct="1">
+              <a:spcBef>
+                <a:spcPct val="20000"/>
+              </a:spcBef>
+              <a:buFont typeface="Arial"/>
+              <a:buNone/>
+              <a:defRPr sz="4800" kern="1200">
+                <a:solidFill>
+                  <a:schemeClr val="tx1">
+                    <a:tint val="75000"/>
+                  </a:schemeClr>
+                </a:solidFill>
+                <a:latin typeface="+mn-lt"/>
+                <a:ea typeface="+mn-ea"/>
+                <a:cs typeface="+mn-cs"/>
+              </a:defRPr>
+            </a:lvl9pPr>
+          </a:lstStyle>
+          <a:p>
+            <a:pPr>
+              <a:lnSpc>
+                <a:spcPts val="2020"/>
+              </a:lnSpc>
+            </a:pPr>
+            <a:r>
+              <a:rPr lang="en-US" sz="1200" dirty="0">
+                <a:solidFill>
+                  <a:schemeClr val="tx1"/>
+                </a:solidFill>
+                <a:latin typeface="Lato Light" charset="0"/>
+                <a:ea typeface="Lato Light" charset="0"/>
+                <a:cs typeface="Lato Light" charset="0"/>
+              </a:rPr>
+              <a:t>Node Manager start time</a:t>
+            </a:r>
+          </a:p>
+        </p:txBody>
+      </p:sp>
+      <p:cxnSp>
+        <p:nvCxnSpPr>
+          <p:cNvPr id="87" name="Gerade Verbindung mit Pfeil 86">
+            <a:extLst>
+              <a:ext uri="{FF2B5EF4-FFF2-40B4-BE49-F238E27FC236}">
+                <a16:creationId xmlns:a16="http://schemas.microsoft.com/office/drawing/2014/main" id="{50E27886-CBD4-EA4C-85EA-EEDEE3B9ED27}"/>
+              </a:ext>
+            </a:extLst>
+          </p:cNvPr>
+          <p:cNvCxnSpPr>
+            <a:cxnSpLocks/>
+          </p:cNvCxnSpPr>
+          <p:nvPr/>
+        </p:nvCxnSpPr>
+        <p:spPr>
+          <a:xfrm flipH="1">
+            <a:off x="5747457" y="2052854"/>
+            <a:ext cx="1" cy="830963"/>
+          </a:xfrm>
+          <a:prstGeom prst="straightConnector1">
+            <a:avLst/>
+          </a:prstGeom>
+          <a:ln w="38100">
+            <a:solidFill>
+              <a:schemeClr val="tx2"/>
+            </a:solidFill>
+            <a:prstDash val="solid"/>
+            <a:tailEnd type="triangle"/>
+          </a:ln>
+        </p:spPr>
+        <p:style>
+          <a:lnRef idx="1">
+            <a:schemeClr val="accent1"/>
+          </a:lnRef>
+          <a:fillRef idx="0">
+            <a:schemeClr val="accent1"/>
+          </a:fillRef>
+          <a:effectRef idx="0">
+            <a:schemeClr val="accent1"/>
+          </a:effectRef>
+          <a:fontRef idx="minor">
+            <a:schemeClr val="tx1"/>
+          </a:fontRef>
+        </p:style>
+      </p:cxnSp>
+      <p:sp>
+        <p:nvSpPr>
+          <p:cNvPr id="88" name="Subtitle 2">
+            <a:extLst>
+              <a:ext uri="{FF2B5EF4-FFF2-40B4-BE49-F238E27FC236}">
+                <a16:creationId xmlns:a16="http://schemas.microsoft.com/office/drawing/2014/main" id="{08B6B894-7861-2643-9F6E-31102807A35E}"/>
+              </a:ext>
+            </a:extLst>
+          </p:cNvPr>
+          <p:cNvSpPr txBox="1">
+            <a:spLocks/>
+          </p:cNvSpPr>
+          <p:nvPr/>
+        </p:nvSpPr>
+        <p:spPr>
+          <a:xfrm>
+            <a:off x="9285319" y="1708557"/>
+            <a:ext cx="3657553" cy="342820"/>
+          </a:xfrm>
+          <a:prstGeom prst="rect">
+            <a:avLst/>
+          </a:prstGeom>
+        </p:spPr>
+        <p:txBody>
+          <a:bodyPr vert="horz" wrap="square" lIns="108745" tIns="54373" rIns="108745" bIns="54373" rtlCol="0">
+            <a:spAutoFit/>
+          </a:bodyPr>
+          <a:lstStyle>
+            <a:lvl1pPr marL="0" indent="0" algn="ctr" defTabSz="1087636" rtl="0" eaLnBrk="1" latinLnBrk="0" hangingPunct="1">
+              <a:lnSpc>
+                <a:spcPct val="120000"/>
+              </a:lnSpc>
+              <a:spcBef>
+                <a:spcPct val="20000"/>
+              </a:spcBef>
+              <a:buFont typeface="Arial"/>
+              <a:buNone/>
+              <a:defRPr sz="2400" kern="1200">
+                <a:solidFill>
+                  <a:schemeClr val="tx2"/>
+                </a:solidFill>
+                <a:latin typeface="Open Sans Light"/>
+                <a:ea typeface="+mn-ea"/>
+                <a:cs typeface="Open Sans Light"/>
+              </a:defRPr>
+            </a:lvl1pPr>
+            <a:lvl2pPr marL="1087636" indent="0" algn="ctr" defTabSz="1087636" rtl="0" eaLnBrk="1" latinLnBrk="0" hangingPunct="1">
+              <a:lnSpc>
+                <a:spcPct val="130000"/>
+              </a:lnSpc>
+              <a:spcBef>
+                <a:spcPct val="20000"/>
+              </a:spcBef>
+              <a:buFont typeface="Arial"/>
+              <a:buNone/>
+              <a:defRPr sz="3200" kern="1200">
+                <a:solidFill>
+                  <a:schemeClr val="tx1">
+                    <a:tint val="75000"/>
+                  </a:schemeClr>
+                </a:solidFill>
+                <a:latin typeface="Open Sans"/>
+                <a:ea typeface="+mn-ea"/>
+                <a:cs typeface="Open Sans"/>
+              </a:defRPr>
+            </a:lvl2pPr>
+            <a:lvl3pPr marL="2175271" indent="0" algn="ctr" defTabSz="1087636" rtl="0" eaLnBrk="1" latinLnBrk="0" hangingPunct="1">
+              <a:lnSpc>
+                <a:spcPct val="130000"/>
+              </a:lnSpc>
+              <a:spcBef>
+                <a:spcPct val="20000"/>
+              </a:spcBef>
+              <a:buFont typeface="Arial"/>
+              <a:buNone/>
+              <a:defRPr sz="3200" kern="1200">
+                <a:solidFill>
+                  <a:schemeClr val="tx1">
+                    <a:tint val="75000"/>
+                  </a:schemeClr>
+                </a:solidFill>
+                <a:latin typeface="Open Sans"/>
+                <a:ea typeface="+mn-ea"/>
+                <a:cs typeface="Open Sans"/>
+              </a:defRPr>
+            </a:lvl3pPr>
+            <a:lvl4pPr marL="3262912" indent="0" algn="ctr" defTabSz="1087636" rtl="0" eaLnBrk="1" latinLnBrk="0" hangingPunct="1">
+              <a:lnSpc>
+                <a:spcPct val="130000"/>
+              </a:lnSpc>
+              <a:spcBef>
+                <a:spcPct val="20000"/>
+              </a:spcBef>
+              <a:buFont typeface="Arial"/>
+              <a:buNone/>
+              <a:defRPr sz="3200" kern="1200">
+                <a:solidFill>
+                  <a:schemeClr val="tx1">
+                    <a:tint val="75000"/>
+                  </a:schemeClr>
+                </a:solidFill>
+                <a:latin typeface="Open Sans"/>
+                <a:ea typeface="+mn-ea"/>
+                <a:cs typeface="Open Sans"/>
+              </a:defRPr>
+            </a:lvl4pPr>
+            <a:lvl5pPr marL="4350546" indent="0" algn="ctr" defTabSz="1087636" rtl="0" eaLnBrk="1" latinLnBrk="0" hangingPunct="1">
+              <a:lnSpc>
+                <a:spcPct val="130000"/>
+              </a:lnSpc>
+              <a:spcBef>
+                <a:spcPct val="20000"/>
+              </a:spcBef>
+              <a:buFont typeface="Arial"/>
+              <a:buNone/>
+              <a:defRPr sz="3200" kern="1200">
+                <a:solidFill>
+                  <a:schemeClr val="tx1">
+                    <a:tint val="75000"/>
+                  </a:schemeClr>
+                </a:solidFill>
+                <a:latin typeface="Open Sans"/>
+                <a:ea typeface="+mn-ea"/>
+                <a:cs typeface="Open Sans"/>
+              </a:defRPr>
+            </a:lvl5pPr>
+            <a:lvl6pPr marL="5438184" indent="0" algn="ctr" defTabSz="1087636" rtl="0" eaLnBrk="1" latinLnBrk="0" hangingPunct="1">
+              <a:spcBef>
+                <a:spcPct val="20000"/>
+              </a:spcBef>
+              <a:buFont typeface="Arial"/>
+              <a:buNone/>
+              <a:defRPr sz="4800" kern="1200">
+                <a:solidFill>
+                  <a:schemeClr val="tx1">
+                    <a:tint val="75000"/>
+                  </a:schemeClr>
+                </a:solidFill>
+                <a:latin typeface="+mn-lt"/>
+                <a:ea typeface="+mn-ea"/>
+                <a:cs typeface="+mn-cs"/>
+              </a:defRPr>
+            </a:lvl6pPr>
+            <a:lvl7pPr marL="6525820" indent="0" algn="ctr" defTabSz="1087636" rtl="0" eaLnBrk="1" latinLnBrk="0" hangingPunct="1">
+              <a:spcBef>
+                <a:spcPct val="20000"/>
+              </a:spcBef>
+              <a:buFont typeface="Arial"/>
+              <a:buNone/>
+              <a:defRPr sz="4800" kern="1200">
+                <a:solidFill>
+                  <a:schemeClr val="tx1">
+                    <a:tint val="75000"/>
+                  </a:schemeClr>
+                </a:solidFill>
+                <a:latin typeface="+mn-lt"/>
+                <a:ea typeface="+mn-ea"/>
+                <a:cs typeface="+mn-cs"/>
+              </a:defRPr>
+            </a:lvl7pPr>
+            <a:lvl8pPr marL="7613455" indent="0" algn="ctr" defTabSz="1087636" rtl="0" eaLnBrk="1" latinLnBrk="0" hangingPunct="1">
+              <a:spcBef>
+                <a:spcPct val="20000"/>
+              </a:spcBef>
+              <a:buFont typeface="Arial"/>
+              <a:buNone/>
+              <a:defRPr sz="4800" kern="1200">
+                <a:solidFill>
+                  <a:schemeClr val="tx1">
+                    <a:tint val="75000"/>
+                  </a:schemeClr>
+                </a:solidFill>
+                <a:latin typeface="+mn-lt"/>
+                <a:ea typeface="+mn-ea"/>
+                <a:cs typeface="+mn-cs"/>
+              </a:defRPr>
+            </a:lvl8pPr>
+            <a:lvl9pPr marL="8701091" indent="0" algn="ctr" defTabSz="1087636" rtl="0" eaLnBrk="1" latinLnBrk="0" hangingPunct="1">
+              <a:spcBef>
+                <a:spcPct val="20000"/>
+              </a:spcBef>
+              <a:buFont typeface="Arial"/>
+              <a:buNone/>
+              <a:defRPr sz="4800" kern="1200">
+                <a:solidFill>
+                  <a:schemeClr val="tx1">
+                    <a:tint val="75000"/>
+                  </a:schemeClr>
+                </a:solidFill>
+                <a:latin typeface="+mn-lt"/>
+                <a:ea typeface="+mn-ea"/>
+                <a:cs typeface="+mn-cs"/>
+              </a:defRPr>
+            </a:lvl9pPr>
+          </a:lstStyle>
+          <a:p>
+            <a:pPr>
+              <a:lnSpc>
+                <a:spcPts val="2020"/>
+              </a:lnSpc>
+            </a:pPr>
+            <a:r>
+              <a:rPr lang="en-US" sz="1200" dirty="0">
+                <a:solidFill>
+                  <a:schemeClr val="tx1"/>
+                </a:solidFill>
+                <a:latin typeface="Lato Light" charset="0"/>
+                <a:ea typeface="Lato Light" charset="0"/>
+                <a:cs typeface="Lato Light" charset="0"/>
+              </a:rPr>
+              <a:t>Node Manager end time</a:t>
+            </a:r>
+          </a:p>
+        </p:txBody>
+      </p:sp>
+      <p:cxnSp>
+        <p:nvCxnSpPr>
+          <p:cNvPr id="89" name="Gerade Verbindung mit Pfeil 88">
+            <a:extLst>
+              <a:ext uri="{FF2B5EF4-FFF2-40B4-BE49-F238E27FC236}">
+                <a16:creationId xmlns:a16="http://schemas.microsoft.com/office/drawing/2014/main" id="{F06B58CF-945C-2A44-A504-56FA78FDD47E}"/>
+              </a:ext>
+            </a:extLst>
+          </p:cNvPr>
+          <p:cNvCxnSpPr>
+            <a:cxnSpLocks/>
+          </p:cNvCxnSpPr>
+          <p:nvPr/>
+        </p:nvCxnSpPr>
+        <p:spPr>
+          <a:xfrm flipH="1">
+            <a:off x="11919553" y="2027174"/>
+            <a:ext cx="1" cy="830963"/>
+          </a:xfrm>
+          <a:prstGeom prst="straightConnector1">
+            <a:avLst/>
+          </a:prstGeom>
+          <a:ln w="38100">
+            <a:solidFill>
+              <a:schemeClr val="tx2"/>
+            </a:solidFill>
+            <a:prstDash val="solid"/>
+            <a:tailEnd type="triangle"/>
+          </a:ln>
+        </p:spPr>
+        <p:style>
+          <a:lnRef idx="1">
+            <a:schemeClr val="accent1"/>
+          </a:lnRef>
+          <a:fillRef idx="0">
+            <a:schemeClr val="accent1"/>
+          </a:fillRef>
+          <a:effectRef idx="0">
+            <a:schemeClr val="accent1"/>
+          </a:effectRef>
+          <a:fontRef idx="minor">
+            <a:schemeClr val="tx1"/>
+          </a:fontRef>
+        </p:style>
+      </p:cxnSp>
+      <p:sp>
+        <p:nvSpPr>
+          <p:cNvPr id="94" name="Subtitle 2">
+            <a:extLst>
+              <a:ext uri="{FF2B5EF4-FFF2-40B4-BE49-F238E27FC236}">
+                <a16:creationId xmlns:a16="http://schemas.microsoft.com/office/drawing/2014/main" id="{42A76729-FAF3-D142-9E4D-CBCB1B0DDF41}"/>
+              </a:ext>
+            </a:extLst>
+          </p:cNvPr>
+          <p:cNvSpPr txBox="1">
+            <a:spLocks/>
+          </p:cNvSpPr>
+          <p:nvPr/>
+        </p:nvSpPr>
+        <p:spPr>
+          <a:xfrm>
+            <a:off x="2838522" y="5419048"/>
+            <a:ext cx="3657553" cy="599301"/>
+          </a:xfrm>
+          <a:prstGeom prst="rect">
+            <a:avLst/>
+          </a:prstGeom>
+        </p:spPr>
+        <p:txBody>
+          <a:bodyPr vert="horz" wrap="square" lIns="108745" tIns="54373" rIns="108745" bIns="54373" rtlCol="0">
+            <a:spAutoFit/>
+          </a:bodyPr>
+          <a:lstStyle>
+            <a:lvl1pPr marL="0" indent="0" algn="ctr" defTabSz="1087636" rtl="0" eaLnBrk="1" latinLnBrk="0" hangingPunct="1">
+              <a:lnSpc>
+                <a:spcPct val="120000"/>
+              </a:lnSpc>
+              <a:spcBef>
+                <a:spcPct val="20000"/>
+              </a:spcBef>
+              <a:buFont typeface="Arial"/>
+              <a:buNone/>
+              <a:defRPr sz="2400" kern="1200">
+                <a:solidFill>
+                  <a:schemeClr val="tx2"/>
+                </a:solidFill>
+                <a:latin typeface="Open Sans Light"/>
+                <a:ea typeface="+mn-ea"/>
+                <a:cs typeface="Open Sans Light"/>
+              </a:defRPr>
+            </a:lvl1pPr>
+            <a:lvl2pPr marL="1087636" indent="0" algn="ctr" defTabSz="1087636" rtl="0" eaLnBrk="1" latinLnBrk="0" hangingPunct="1">
+              <a:lnSpc>
+                <a:spcPct val="130000"/>
+              </a:lnSpc>
+              <a:spcBef>
+                <a:spcPct val="20000"/>
+              </a:spcBef>
+              <a:buFont typeface="Arial"/>
+              <a:buNone/>
+              <a:defRPr sz="3200" kern="1200">
+                <a:solidFill>
+                  <a:schemeClr val="tx1">
+                    <a:tint val="75000"/>
+                  </a:schemeClr>
+                </a:solidFill>
+                <a:latin typeface="Open Sans"/>
+                <a:ea typeface="+mn-ea"/>
+                <a:cs typeface="Open Sans"/>
+              </a:defRPr>
+            </a:lvl2pPr>
+            <a:lvl3pPr marL="2175271" indent="0" algn="ctr" defTabSz="1087636" rtl="0" eaLnBrk="1" latinLnBrk="0" hangingPunct="1">
+              <a:lnSpc>
+                <a:spcPct val="130000"/>
+              </a:lnSpc>
+              <a:spcBef>
+                <a:spcPct val="20000"/>
+              </a:spcBef>
+              <a:buFont typeface="Arial"/>
+              <a:buNone/>
+              <a:defRPr sz="3200" kern="1200">
+                <a:solidFill>
+                  <a:schemeClr val="tx1">
+                    <a:tint val="75000"/>
+                  </a:schemeClr>
+                </a:solidFill>
+                <a:latin typeface="Open Sans"/>
+                <a:ea typeface="+mn-ea"/>
+                <a:cs typeface="Open Sans"/>
+              </a:defRPr>
+            </a:lvl3pPr>
+            <a:lvl4pPr marL="3262912" indent="0" algn="ctr" defTabSz="1087636" rtl="0" eaLnBrk="1" latinLnBrk="0" hangingPunct="1">
+              <a:lnSpc>
+                <a:spcPct val="130000"/>
+              </a:lnSpc>
+              <a:spcBef>
+                <a:spcPct val="20000"/>
+              </a:spcBef>
+              <a:buFont typeface="Arial"/>
+              <a:buNone/>
+              <a:defRPr sz="3200" kern="1200">
+                <a:solidFill>
+                  <a:schemeClr val="tx1">
+                    <a:tint val="75000"/>
+                  </a:schemeClr>
+                </a:solidFill>
+                <a:latin typeface="Open Sans"/>
+                <a:ea typeface="+mn-ea"/>
+                <a:cs typeface="Open Sans"/>
+              </a:defRPr>
+            </a:lvl4pPr>
+            <a:lvl5pPr marL="4350546" indent="0" algn="ctr" defTabSz="1087636" rtl="0" eaLnBrk="1" latinLnBrk="0" hangingPunct="1">
+              <a:lnSpc>
+                <a:spcPct val="130000"/>
+              </a:lnSpc>
+              <a:spcBef>
+                <a:spcPct val="20000"/>
+              </a:spcBef>
+              <a:buFont typeface="Arial"/>
+              <a:buNone/>
+              <a:defRPr sz="3200" kern="1200">
+                <a:solidFill>
+                  <a:schemeClr val="tx1">
+                    <a:tint val="75000"/>
+                  </a:schemeClr>
+                </a:solidFill>
+                <a:latin typeface="Open Sans"/>
+                <a:ea typeface="+mn-ea"/>
+                <a:cs typeface="Open Sans"/>
+              </a:defRPr>
+            </a:lvl5pPr>
+            <a:lvl6pPr marL="5438184" indent="0" algn="ctr" defTabSz="1087636" rtl="0" eaLnBrk="1" latinLnBrk="0" hangingPunct="1">
+              <a:spcBef>
+                <a:spcPct val="20000"/>
+              </a:spcBef>
+              <a:buFont typeface="Arial"/>
+              <a:buNone/>
+              <a:defRPr sz="4800" kern="1200">
+                <a:solidFill>
+                  <a:schemeClr val="tx1">
+                    <a:tint val="75000"/>
+                  </a:schemeClr>
+                </a:solidFill>
+                <a:latin typeface="+mn-lt"/>
+                <a:ea typeface="+mn-ea"/>
+                <a:cs typeface="+mn-cs"/>
+              </a:defRPr>
+            </a:lvl6pPr>
+            <a:lvl7pPr marL="6525820" indent="0" algn="ctr" defTabSz="1087636" rtl="0" eaLnBrk="1" latinLnBrk="0" hangingPunct="1">
+              <a:spcBef>
+                <a:spcPct val="20000"/>
+              </a:spcBef>
+              <a:buFont typeface="Arial"/>
+              <a:buNone/>
+              <a:defRPr sz="4800" kern="1200">
+                <a:solidFill>
+                  <a:schemeClr val="tx1">
+                    <a:tint val="75000"/>
+                  </a:schemeClr>
+                </a:solidFill>
+                <a:latin typeface="+mn-lt"/>
+                <a:ea typeface="+mn-ea"/>
+                <a:cs typeface="+mn-cs"/>
+              </a:defRPr>
+            </a:lvl7pPr>
+            <a:lvl8pPr marL="7613455" indent="0" algn="ctr" defTabSz="1087636" rtl="0" eaLnBrk="1" latinLnBrk="0" hangingPunct="1">
+              <a:spcBef>
+                <a:spcPct val="20000"/>
+              </a:spcBef>
+              <a:buFont typeface="Arial"/>
+              <a:buNone/>
+              <a:defRPr sz="4800" kern="1200">
+                <a:solidFill>
+                  <a:schemeClr val="tx1">
+                    <a:tint val="75000"/>
+                  </a:schemeClr>
+                </a:solidFill>
+                <a:latin typeface="+mn-lt"/>
+                <a:ea typeface="+mn-ea"/>
+                <a:cs typeface="+mn-cs"/>
+              </a:defRPr>
+            </a:lvl8pPr>
+            <a:lvl9pPr marL="8701091" indent="0" algn="ctr" defTabSz="1087636" rtl="0" eaLnBrk="1" latinLnBrk="0" hangingPunct="1">
+              <a:spcBef>
+                <a:spcPct val="20000"/>
+              </a:spcBef>
+              <a:buFont typeface="Arial"/>
+              <a:buNone/>
+              <a:defRPr sz="4800" kern="1200">
+                <a:solidFill>
+                  <a:schemeClr val="tx1">
+                    <a:tint val="75000"/>
+                  </a:schemeClr>
+                </a:solidFill>
+                <a:latin typeface="+mn-lt"/>
+                <a:ea typeface="+mn-ea"/>
+                <a:cs typeface="+mn-cs"/>
+              </a:defRPr>
+            </a:lvl9pPr>
+          </a:lstStyle>
+          <a:p>
+            <a:pPr>
+              <a:lnSpc>
+                <a:spcPts val="2020"/>
+              </a:lnSpc>
+            </a:pPr>
+            <a:r>
+              <a:rPr lang="en-US" sz="1200" dirty="0">
+                <a:solidFill>
+                  <a:schemeClr val="tx1"/>
+                </a:solidFill>
+                <a:latin typeface="Lato Light" charset="0"/>
+                <a:ea typeface="Lato Light" charset="0"/>
+                <a:cs typeface="Lato Light" charset="0"/>
+              </a:rPr>
+              <a:t>Choosing this time has the same problems as found in the fixed orchestration schedule</a:t>
+            </a:r>
+          </a:p>
+        </p:txBody>
+      </p:sp>
+      <p:cxnSp>
+        <p:nvCxnSpPr>
+          <p:cNvPr id="95" name="Gerade Verbindung mit Pfeil 94">
+            <a:extLst>
+              <a:ext uri="{FF2B5EF4-FFF2-40B4-BE49-F238E27FC236}">
+                <a16:creationId xmlns:a16="http://schemas.microsoft.com/office/drawing/2014/main" id="{DDCA16F0-5783-F648-98E9-0FF267AC8048}"/>
+              </a:ext>
+            </a:extLst>
+          </p:cNvPr>
+          <p:cNvCxnSpPr>
+            <a:cxnSpLocks/>
+          </p:cNvCxnSpPr>
+          <p:nvPr/>
+        </p:nvCxnSpPr>
+        <p:spPr>
+          <a:xfrm flipV="1">
+            <a:off x="5145314" y="4774622"/>
+            <a:ext cx="528363" cy="733549"/>
+          </a:xfrm>
+          <a:prstGeom prst="straightConnector1">
+            <a:avLst/>
+          </a:prstGeom>
+          <a:ln>
+            <a:solidFill>
+              <a:schemeClr val="tx2"/>
+            </a:solidFill>
+            <a:prstDash val="sysDot"/>
+            <a:tailEnd type="triangle"/>
+          </a:ln>
+        </p:spPr>
+        <p:style>
+          <a:lnRef idx="1">
+            <a:schemeClr val="accent1"/>
+          </a:lnRef>
+          <a:fillRef idx="0">
+            <a:schemeClr val="accent1"/>
+          </a:fillRef>
+          <a:effectRef idx="0">
+            <a:schemeClr val="accent1"/>
+          </a:effectRef>
+          <a:fontRef idx="minor">
+            <a:schemeClr val="tx1"/>
+          </a:fontRef>
+        </p:style>
+      </p:cxnSp>
+      <p:sp>
+        <p:nvSpPr>
+          <p:cNvPr id="29" name="Rechteck 28">
+            <a:extLst>
+              <a:ext uri="{FF2B5EF4-FFF2-40B4-BE49-F238E27FC236}">
+                <a16:creationId xmlns:a16="http://schemas.microsoft.com/office/drawing/2014/main" id="{B438B615-9840-F846-AAE6-EC8D99767320}"/>
+              </a:ext>
+            </a:extLst>
+          </p:cNvPr>
+          <p:cNvSpPr/>
+          <p:nvPr/>
+        </p:nvSpPr>
+        <p:spPr>
+          <a:xfrm>
+            <a:off x="5592474" y="2917444"/>
+            <a:ext cx="159654" cy="383458"/>
+          </a:xfrm>
+          <a:prstGeom prst="rect">
+            <a:avLst/>
+          </a:prstGeom>
+          <a:solidFill>
+            <a:schemeClr val="accent4"/>
+          </a:solidFill>
+          <a:ln>
+            <a:noFill/>
+          </a:ln>
+        </p:spPr>
+        <p:style>
+          <a:lnRef idx="0">
+            <a:scrgbClr r="0" g="0" b="0"/>
+          </a:lnRef>
+          <a:fillRef idx="0">
+            <a:scrgbClr r="0" g="0" b="0"/>
+          </a:fillRef>
+          <a:effectRef idx="0">
+            <a:scrgbClr r="0" g="0" b="0"/>
+          </a:effectRef>
+          <a:fontRef idx="minor">
+            <a:schemeClr val="lt1"/>
+          </a:fontRef>
+        </p:style>
+        <p:txBody>
+          <a:bodyPr rtlCol="0" anchor="ctr"/>
+          <a:lstStyle/>
+          <a:p>
+            <a:pPr algn="ctr"/>
+            <a:r>
+              <a:rPr lang="en-US" sz="600" dirty="0"/>
+              <a:t>Idle</a:t>
+            </a:r>
+          </a:p>
+        </p:txBody>
+      </p:sp>
+      <p:sp>
+        <p:nvSpPr>
+          <p:cNvPr id="30" name="Rechteck 29">
+            <a:extLst>
+              <a:ext uri="{FF2B5EF4-FFF2-40B4-BE49-F238E27FC236}">
+                <a16:creationId xmlns:a16="http://schemas.microsoft.com/office/drawing/2014/main" id="{4939D49C-CDBC-BA4A-A4ED-9AEA6D4BA36E}"/>
+              </a:ext>
+            </a:extLst>
+          </p:cNvPr>
+          <p:cNvSpPr/>
+          <p:nvPr/>
+        </p:nvSpPr>
+        <p:spPr>
+          <a:xfrm>
+            <a:off x="5592474" y="3654476"/>
+            <a:ext cx="159654" cy="383458"/>
+          </a:xfrm>
+          <a:prstGeom prst="rect">
+            <a:avLst/>
+          </a:prstGeom>
+          <a:solidFill>
+            <a:schemeClr val="accent4"/>
+          </a:solidFill>
+          <a:ln>
+            <a:noFill/>
+          </a:ln>
+        </p:spPr>
+        <p:style>
+          <a:lnRef idx="0">
+            <a:scrgbClr r="0" g="0" b="0"/>
+          </a:lnRef>
+          <a:fillRef idx="0">
+            <a:scrgbClr r="0" g="0" b="0"/>
+          </a:fillRef>
+          <a:effectRef idx="0">
+            <a:scrgbClr r="0" g="0" b="0"/>
+          </a:effectRef>
+          <a:fontRef idx="minor">
+            <a:schemeClr val="lt1"/>
+          </a:fontRef>
+        </p:style>
+        <p:txBody>
+          <a:bodyPr rtlCol="0" anchor="ctr"/>
+          <a:lstStyle/>
+          <a:p>
+            <a:pPr algn="ctr"/>
+            <a:r>
+              <a:rPr lang="en-US" sz="600" dirty="0"/>
+              <a:t>Idle</a:t>
+            </a:r>
+          </a:p>
+        </p:txBody>
+      </p:sp>
+      <p:sp>
+        <p:nvSpPr>
+          <p:cNvPr id="31" name="Rechteck 30">
+            <a:extLst>
+              <a:ext uri="{FF2B5EF4-FFF2-40B4-BE49-F238E27FC236}">
+                <a16:creationId xmlns:a16="http://schemas.microsoft.com/office/drawing/2014/main" id="{E949392F-D125-854C-B340-84EDD574808B}"/>
+              </a:ext>
+            </a:extLst>
+          </p:cNvPr>
+          <p:cNvSpPr/>
+          <p:nvPr/>
+        </p:nvSpPr>
+        <p:spPr>
+          <a:xfrm>
+            <a:off x="5592474" y="4373371"/>
+            <a:ext cx="159654" cy="383458"/>
+          </a:xfrm>
+          <a:prstGeom prst="rect">
+            <a:avLst/>
+          </a:prstGeom>
+          <a:solidFill>
+            <a:schemeClr val="accent4"/>
+          </a:solidFill>
+          <a:ln>
+            <a:noFill/>
+          </a:ln>
+        </p:spPr>
+        <p:style>
+          <a:lnRef idx="0">
+            <a:scrgbClr r="0" g="0" b="0"/>
+          </a:lnRef>
+          <a:fillRef idx="0">
+            <a:scrgbClr r="0" g="0" b="0"/>
+          </a:fillRef>
+          <a:effectRef idx="0">
+            <a:scrgbClr r="0" g="0" b="0"/>
+          </a:effectRef>
+          <a:fontRef idx="minor">
+            <a:schemeClr val="lt1"/>
+          </a:fontRef>
+        </p:style>
+        <p:txBody>
+          <a:bodyPr rtlCol="0" anchor="ctr"/>
+          <a:lstStyle/>
+          <a:p>
+            <a:pPr algn="ctr"/>
+            <a:r>
+              <a:rPr lang="en-US" sz="600" dirty="0"/>
+              <a:t>Idle</a:t>
+            </a:r>
+          </a:p>
+        </p:txBody>
+      </p:sp>
+    </p:spTree>
+    <p:extLst>
+      <p:ext uri="{BB962C8B-B14F-4D97-AF65-F5344CB8AC3E}">
+        <p14:creationId xmlns:p14="http://schemas.microsoft.com/office/powerpoint/2010/main" val="376724744"/>
+      </p:ext>
+    </p:extLst>
+  </p:cSld>
+  <p:clrMapOvr>
+    <a:masterClrMapping/>
+  </p:clrMapOvr>
+  <mc:AlternateContent xmlns:mc="http://schemas.openxmlformats.org/markup-compatibility/2006">
+    <mc:Choice xmlns:p14="http://schemas.microsoft.com/office/powerpoint/2010/main" Requires="p14">
+      <p:transition p14:dur="0" advClick="0"/>
+    </mc:Choice>
+    <mc:Fallback>
       <p:transition advClick="0"/>
     </mc:Fallback>
   </mc:AlternateContent>

--- a/misc/Figures.pptx
+++ b/misc/Figures.pptx
@@ -269,7 +269,7 @@
           <a:p>
             <a:fld id="{316A2214-5FFA-754C-901F-0917E1555ABA}" type="datetimeFigureOut">
               <a:rPr lang="en-US" smtClean="0"/>
-              <a:t>6/10/20</a:t>
+              <a:t>6/12/20</a:t>
             </a:fld>
             <a:endParaRPr lang="en-US"/>
           </a:p>
@@ -469,7 +469,7 @@
           <a:p>
             <a:fld id="{316A2214-5FFA-754C-901F-0917E1555ABA}" type="datetimeFigureOut">
               <a:rPr lang="en-US" smtClean="0"/>
-              <a:t>6/10/20</a:t>
+              <a:t>6/12/20</a:t>
             </a:fld>
             <a:endParaRPr lang="en-US"/>
           </a:p>
@@ -679,7 +679,7 @@
           <a:p>
             <a:fld id="{316A2214-5FFA-754C-901F-0917E1555ABA}" type="datetimeFigureOut">
               <a:rPr lang="en-US" smtClean="0"/>
-              <a:t>6/10/20</a:t>
+              <a:t>6/12/20</a:t>
             </a:fld>
             <a:endParaRPr lang="en-US"/>
           </a:p>
@@ -917,7 +917,7 @@
           <a:p>
             <a:fld id="{316A2214-5FFA-754C-901F-0917E1555ABA}" type="datetimeFigureOut">
               <a:rPr lang="en-US" smtClean="0"/>
-              <a:t>6/10/20</a:t>
+              <a:t>6/12/20</a:t>
             </a:fld>
             <a:endParaRPr lang="en-US"/>
           </a:p>
@@ -1193,7 +1193,7 @@
           <a:p>
             <a:fld id="{316A2214-5FFA-754C-901F-0917E1555ABA}" type="datetimeFigureOut">
               <a:rPr lang="en-US" smtClean="0"/>
-              <a:t>6/10/20</a:t>
+              <a:t>6/12/20</a:t>
             </a:fld>
             <a:endParaRPr lang="en-US"/>
           </a:p>
@@ -1461,7 +1461,7 @@
           <a:p>
             <a:fld id="{316A2214-5FFA-754C-901F-0917E1555ABA}" type="datetimeFigureOut">
               <a:rPr lang="en-US" smtClean="0"/>
-              <a:t>6/10/20</a:t>
+              <a:t>6/12/20</a:t>
             </a:fld>
             <a:endParaRPr lang="en-US"/>
           </a:p>
@@ -1876,7 +1876,7 @@
           <a:p>
             <a:fld id="{316A2214-5FFA-754C-901F-0917E1555ABA}" type="datetimeFigureOut">
               <a:rPr lang="en-US" smtClean="0"/>
-              <a:t>6/10/20</a:t>
+              <a:t>6/12/20</a:t>
             </a:fld>
             <a:endParaRPr lang="en-US"/>
           </a:p>
@@ -2018,7 +2018,7 @@
           <a:p>
             <a:fld id="{316A2214-5FFA-754C-901F-0917E1555ABA}" type="datetimeFigureOut">
               <a:rPr lang="en-US" smtClean="0"/>
-              <a:t>6/10/20</a:t>
+              <a:t>6/12/20</a:t>
             </a:fld>
             <a:endParaRPr lang="en-US"/>
           </a:p>
@@ -2131,7 +2131,7 @@
           <a:p>
             <a:fld id="{316A2214-5FFA-754C-901F-0917E1555ABA}" type="datetimeFigureOut">
               <a:rPr lang="en-US" smtClean="0"/>
-              <a:t>6/10/20</a:t>
+              <a:t>6/12/20</a:t>
             </a:fld>
             <a:endParaRPr lang="en-US"/>
           </a:p>
@@ -2444,7 +2444,7 @@
           <a:p>
             <a:fld id="{316A2214-5FFA-754C-901F-0917E1555ABA}" type="datetimeFigureOut">
               <a:rPr lang="en-US" smtClean="0"/>
-              <a:t>6/10/20</a:t>
+              <a:t>6/12/20</a:t>
             </a:fld>
             <a:endParaRPr lang="en-US"/>
           </a:p>
@@ -2733,7 +2733,7 @@
           <a:p>
             <a:fld id="{316A2214-5FFA-754C-901F-0917E1555ABA}" type="datetimeFigureOut">
               <a:rPr lang="en-US" smtClean="0"/>
-              <a:t>6/10/20</a:t>
+              <a:t>6/12/20</a:t>
             </a:fld>
             <a:endParaRPr lang="en-US"/>
           </a:p>
@@ -2976,7 +2976,7 @@
           <a:p>
             <a:fld id="{316A2214-5FFA-754C-901F-0917E1555ABA}" type="datetimeFigureOut">
               <a:rPr lang="en-US" smtClean="0"/>
-              <a:t>6/10/20</a:t>
+              <a:t>6/12/20</a:t>
             </a:fld>
             <a:endParaRPr lang="en-US"/>
           </a:p>
@@ -8933,14 +8933,14 @@
           </a:ln>
           <a:extLst>
             <a:ext uri="{909E8E84-426E-40dd-AFC4-6F175D3DCCD1}">
-              <a14:hiddenFill xmlns:a14="http://schemas.microsoft.com/office/drawing/2010/main" xmlns="">
+              <a14:hiddenFill xmlns="" xmlns:a14="http://schemas.microsoft.com/office/drawing/2010/main">
                 <a:solidFill>
                   <a:srgbClr val="FFFFFF"/>
                 </a:solidFill>
               </a14:hiddenFill>
             </a:ext>
             <a:ext uri="{91240B29-F687-4f45-9708-019B960494DF}">
-              <a14:hiddenLine xmlns:a14="http://schemas.microsoft.com/office/drawing/2010/main" xmlns="" w="12700">
+              <a14:hiddenLine xmlns="" xmlns:a14="http://schemas.microsoft.com/office/drawing/2010/main" w="12700">
                 <a:solidFill>
                   <a:schemeClr val="tx1"/>
                 </a:solidFill>
@@ -9815,14 +9815,14 @@
           </a:ln>
           <a:extLst>
             <a:ext uri="{909E8E84-426E-40dd-AFC4-6F175D3DCCD1}">
-              <a14:hiddenFill xmlns:a14="http://schemas.microsoft.com/office/drawing/2010/main" xmlns="">
+              <a14:hiddenFill xmlns="" xmlns:a14="http://schemas.microsoft.com/office/drawing/2010/main">
                 <a:solidFill>
                   <a:srgbClr val="FFFFFF"/>
                 </a:solidFill>
               </a14:hiddenFill>
             </a:ext>
             <a:ext uri="{91240B29-F687-4f45-9708-019B960494DF}">
-              <a14:hiddenLine xmlns:a14="http://schemas.microsoft.com/office/drawing/2010/main" xmlns="" w="12700">
+              <a14:hiddenLine xmlns="" xmlns:a14="http://schemas.microsoft.com/office/drawing/2010/main" w="12700">
                 <a:solidFill>
                   <a:schemeClr val="tx1"/>
                 </a:solidFill>
@@ -10697,14 +10697,14 @@
           </a:ln>
           <a:extLst>
             <a:ext uri="{909E8E84-426E-40dd-AFC4-6F175D3DCCD1}">
-              <a14:hiddenFill xmlns:a14="http://schemas.microsoft.com/office/drawing/2010/main" xmlns="">
+              <a14:hiddenFill xmlns="" xmlns:a14="http://schemas.microsoft.com/office/drawing/2010/main">
                 <a:solidFill>
                   <a:srgbClr val="FFFFFF"/>
                 </a:solidFill>
               </a14:hiddenFill>
             </a:ext>
             <a:ext uri="{91240B29-F687-4f45-9708-019B960494DF}">
-              <a14:hiddenLine xmlns:a14="http://schemas.microsoft.com/office/drawing/2010/main" xmlns="" w="12700">
+              <a14:hiddenLine xmlns="" xmlns:a14="http://schemas.microsoft.com/office/drawing/2010/main" w="12700">
                 <a:solidFill>
                   <a:schemeClr val="tx1"/>
                 </a:solidFill>
@@ -11579,14 +11579,14 @@
           </a:ln>
           <a:extLst>
             <a:ext uri="{909E8E84-426E-40dd-AFC4-6F175D3DCCD1}">
-              <a14:hiddenFill xmlns:a14="http://schemas.microsoft.com/office/drawing/2010/main" xmlns="">
+              <a14:hiddenFill xmlns="" xmlns:a14="http://schemas.microsoft.com/office/drawing/2010/main">
                 <a:solidFill>
                   <a:srgbClr val="FFFFFF"/>
                 </a:solidFill>
               </a14:hiddenFill>
             </a:ext>
             <a:ext uri="{91240B29-F687-4f45-9708-019B960494DF}">
-              <a14:hiddenLine xmlns:a14="http://schemas.microsoft.com/office/drawing/2010/main" xmlns="" w="12700">
+              <a14:hiddenLine xmlns="" xmlns:a14="http://schemas.microsoft.com/office/drawing/2010/main" w="12700">
                 <a:solidFill>
                   <a:schemeClr val="tx1"/>
                 </a:solidFill>
@@ -16450,14 +16450,14 @@
           </a:ln>
           <a:extLst>
             <a:ext uri="{909E8E84-426E-40dd-AFC4-6F175D3DCCD1}">
-              <a14:hiddenFill xmlns:a14="http://schemas.microsoft.com/office/drawing/2010/main" xmlns="">
+              <a14:hiddenFill xmlns="" xmlns:a14="http://schemas.microsoft.com/office/drawing/2010/main">
                 <a:solidFill>
                   <a:srgbClr val="FFFFFF"/>
                 </a:solidFill>
               </a14:hiddenFill>
             </a:ext>
             <a:ext uri="{91240B29-F687-4f45-9708-019B960494DF}">
-              <a14:hiddenLine xmlns:a14="http://schemas.microsoft.com/office/drawing/2010/main" xmlns="" w="12700">
+              <a14:hiddenLine xmlns="" xmlns:a14="http://schemas.microsoft.com/office/drawing/2010/main" w="12700">
                 <a:solidFill>
                   <a:schemeClr val="tx1"/>
                 </a:solidFill>
@@ -17332,14 +17332,14 @@
           </a:ln>
           <a:extLst>
             <a:ext uri="{909E8E84-426E-40dd-AFC4-6F175D3DCCD1}">
-              <a14:hiddenFill xmlns:a14="http://schemas.microsoft.com/office/drawing/2010/main" xmlns="">
+              <a14:hiddenFill xmlns="" xmlns:a14="http://schemas.microsoft.com/office/drawing/2010/main">
                 <a:solidFill>
                   <a:srgbClr val="FFFFFF"/>
                 </a:solidFill>
               </a14:hiddenFill>
             </a:ext>
             <a:ext uri="{91240B29-F687-4f45-9708-019B960494DF}">
-              <a14:hiddenLine xmlns:a14="http://schemas.microsoft.com/office/drawing/2010/main" xmlns="" w="12700">
+              <a14:hiddenLine xmlns="" xmlns:a14="http://schemas.microsoft.com/office/drawing/2010/main" w="12700">
                 <a:solidFill>
                   <a:schemeClr val="tx1"/>
                 </a:solidFill>
@@ -18214,14 +18214,14 @@
           </a:ln>
           <a:extLst>
             <a:ext uri="{909E8E84-426E-40dd-AFC4-6F175D3DCCD1}">
-              <a14:hiddenFill xmlns:a14="http://schemas.microsoft.com/office/drawing/2010/main" xmlns="">
+              <a14:hiddenFill xmlns="" xmlns:a14="http://schemas.microsoft.com/office/drawing/2010/main">
                 <a:solidFill>
                   <a:srgbClr val="FFFFFF"/>
                 </a:solidFill>
               </a14:hiddenFill>
             </a:ext>
             <a:ext uri="{91240B29-F687-4f45-9708-019B960494DF}">
-              <a14:hiddenLine xmlns:a14="http://schemas.microsoft.com/office/drawing/2010/main" xmlns="" w="12700">
+              <a14:hiddenLine xmlns="" xmlns:a14="http://schemas.microsoft.com/office/drawing/2010/main" w="12700">
                 <a:solidFill>
                   <a:schemeClr val="tx1"/>
                 </a:solidFill>
@@ -19096,14 +19096,14 @@
           </a:ln>
           <a:extLst>
             <a:ext uri="{909E8E84-426E-40dd-AFC4-6F175D3DCCD1}">
-              <a14:hiddenFill xmlns:a14="http://schemas.microsoft.com/office/drawing/2010/main" xmlns="">
+              <a14:hiddenFill xmlns="" xmlns:a14="http://schemas.microsoft.com/office/drawing/2010/main">
                 <a:solidFill>
                   <a:srgbClr val="FFFFFF"/>
                 </a:solidFill>
               </a14:hiddenFill>
             </a:ext>
             <a:ext uri="{91240B29-F687-4f45-9708-019B960494DF}">
-              <a14:hiddenLine xmlns:a14="http://schemas.microsoft.com/office/drawing/2010/main" xmlns="" w="12700">
+              <a14:hiddenLine xmlns="" xmlns:a14="http://schemas.microsoft.com/office/drawing/2010/main" w="12700">
                 <a:solidFill>
                   <a:schemeClr val="tx1"/>
                 </a:solidFill>
@@ -19159,7 +19159,7 @@
 </file>
 
 <file path=ppt/slides/slide5.xml><?xml version="1.0" encoding="utf-8"?>
-<p:sld xmlns:a="http://schemas.openxmlformats.org/drawingml/2006/main" xmlns:r="http://schemas.openxmlformats.org/officeDocument/2006/relationships" xmlns:p="http://schemas.openxmlformats.org/presentationml/2006/main">
+<p:sld xmlns:a="http://schemas.openxmlformats.org/drawingml/2006/main" xmlns:r="http://schemas.openxmlformats.org/officeDocument/2006/relationships" xmlns:p="http://schemas.openxmlformats.org/presentationml/2006/main" show="0">
   <p:cSld>
     <p:spTree>
       <p:nvGrpSpPr>
@@ -20088,7 +20088,7 @@
         <p:spPr>
           <a:xfrm>
             <a:off x="2582053" y="2449711"/>
-            <a:ext cx="2711356" cy="556084"/>
+            <a:ext cx="2711356" cy="786916"/>
           </a:xfrm>
           <a:prstGeom prst="rect">
             <a:avLst/>
@@ -20281,7 +20281,7 @@
                 <a:ea typeface="Lato Light" charset="0"/>
                 <a:cs typeface="Lato Light" charset="0"/>
               </a:rPr>
-              <a:t>Notify Node Agents about upcoming infrastructure updates  </a:t>
+              <a:t>Notify Node Agents and applications about upcoming infrastructure updates  </a:t>
             </a:r>
           </a:p>
         </p:txBody>
@@ -20314,14 +20314,14 @@
           </a:ln>
           <a:extLst>
             <a:ext uri="{909E8E84-426E-40dd-AFC4-6F175D3DCCD1}">
-              <a14:hiddenFill xmlns:a14="http://schemas.microsoft.com/office/drawing/2010/main" xmlns="">
+              <a14:hiddenFill xmlns="" xmlns:a14="http://schemas.microsoft.com/office/drawing/2010/main">
                 <a:solidFill>
                   <a:srgbClr val="FFFFFF"/>
                 </a:solidFill>
               </a14:hiddenFill>
             </a:ext>
             <a:ext uri="{91240B29-F687-4f45-9708-019B960494DF}">
-              <a14:hiddenLine xmlns:a14="http://schemas.microsoft.com/office/drawing/2010/main" xmlns="" w="12700">
+              <a14:hiddenLine xmlns="" xmlns:a14="http://schemas.microsoft.com/office/drawing/2010/main" w="12700">
                 <a:solidFill>
                   <a:schemeClr val="tx1"/>
                 </a:solidFill>
@@ -21163,7 +21163,7 @@
                 <a:ea typeface="Lato Light" charset="0"/>
                 <a:cs typeface="Lato Light" charset="0"/>
               </a:rPr>
-              <a:t>Let Node Agents apply the scheduled changes at pre-determined times and collect real-time reports</a:t>
+              <a:t>Let Node Agents and application apply the scheduled changes at pre-determined times and collect reports</a:t>
             </a:r>
           </a:p>
         </p:txBody>
@@ -21196,14 +21196,14 @@
           </a:ln>
           <a:extLst>
             <a:ext uri="{909E8E84-426E-40dd-AFC4-6F175D3DCCD1}">
-              <a14:hiddenFill xmlns:a14="http://schemas.microsoft.com/office/drawing/2010/main" xmlns="">
+              <a14:hiddenFill xmlns="" xmlns:a14="http://schemas.microsoft.com/office/drawing/2010/main">
                 <a:solidFill>
                   <a:srgbClr val="FFFFFF"/>
                 </a:solidFill>
               </a14:hiddenFill>
             </a:ext>
             <a:ext uri="{91240B29-F687-4f45-9708-019B960494DF}">
-              <a14:hiddenLine xmlns:a14="http://schemas.microsoft.com/office/drawing/2010/main" xmlns="" w="12700">
+              <a14:hiddenLine xmlns="" xmlns:a14="http://schemas.microsoft.com/office/drawing/2010/main" w="12700">
                 <a:solidFill>
                   <a:schemeClr val="tx1"/>
                 </a:solidFill>
@@ -21247,11 +21247,11 @@
   <p:clrMapOvr>
     <a:masterClrMapping/>
   </p:clrMapOvr>
-  <mc:AlternateContent xmlns:mc="http://schemas.openxmlformats.org/markup-compatibility/2006" xmlns:p14="http://schemas.microsoft.com/office/powerpoint/2010/main">
-    <mc:Choice Requires="p14">
+  <mc:AlternateContent xmlns:mc="http://schemas.openxmlformats.org/markup-compatibility/2006">
+    <mc:Choice xmlns:p14="http://schemas.microsoft.com/office/powerpoint/2010/main" Requires="p14">
       <p:transition p14:dur="0" advClick="0"/>
     </mc:Choice>
-    <mc:Fallback xmlns="">
+    <mc:Fallback>
       <p:transition advClick="0"/>
     </mc:Fallback>
   </mc:AlternateContent>
@@ -22919,11 +22919,11 @@
   <p:clrMapOvr>
     <a:masterClrMapping/>
   </p:clrMapOvr>
-  <mc:AlternateContent xmlns:mc="http://schemas.openxmlformats.org/markup-compatibility/2006">
-    <mc:Choice xmlns:p14="http://schemas.microsoft.com/office/powerpoint/2010/main" Requires="p14">
+  <mc:AlternateContent xmlns:mc="http://schemas.openxmlformats.org/markup-compatibility/2006" xmlns:p14="http://schemas.microsoft.com/office/powerpoint/2010/main">
+    <mc:Choice Requires="p14">
       <p:transition p14:dur="0" advClick="0"/>
     </mc:Choice>
-    <mc:Fallback>
+    <mc:Fallback xmlns="">
       <p:transition advClick="0"/>
     </mc:Fallback>
   </mc:AlternateContent>
@@ -24331,11 +24331,11 @@
   <p:clrMapOvr>
     <a:masterClrMapping/>
   </p:clrMapOvr>
-  <mc:AlternateContent xmlns:mc="http://schemas.openxmlformats.org/markup-compatibility/2006">
-    <mc:Choice xmlns:p14="http://schemas.microsoft.com/office/powerpoint/2010/main" Requires="p14">
+  <mc:AlternateContent xmlns:mc="http://schemas.openxmlformats.org/markup-compatibility/2006" xmlns:p14="http://schemas.microsoft.com/office/powerpoint/2010/main">
+    <mc:Choice Requires="p14">
       <p:transition p14:dur="0" advClick="0"/>
     </mc:Choice>
-    <mc:Fallback>
+    <mc:Fallback xmlns="">
       <p:transition advClick="0"/>
     </mc:Fallback>
   </mc:AlternateContent>
@@ -28579,11 +28579,11 @@
   <p:clrMapOvr>
     <a:masterClrMapping/>
   </p:clrMapOvr>
-  <mc:AlternateContent xmlns:mc="http://schemas.openxmlformats.org/markup-compatibility/2006">
-    <mc:Choice xmlns:p14="http://schemas.microsoft.com/office/powerpoint/2010/main" Requires="p14">
+  <mc:AlternateContent xmlns:mc="http://schemas.openxmlformats.org/markup-compatibility/2006" xmlns:p14="http://schemas.microsoft.com/office/powerpoint/2010/main">
+    <mc:Choice Requires="p14">
       <p:transition p14:dur="0" advClick="0"/>
     </mc:Choice>
-    <mc:Fallback>
+    <mc:Fallback xmlns="">
       <p:transition advClick="0"/>
     </mc:Fallback>
   </mc:AlternateContent>

--- a/misc/Figures.pptx
+++ b/misc/Figures.pptx
@@ -14,6 +14,10 @@
     <p:sldId id="1456" r:id="rId8"/>
     <p:sldId id="1457" r:id="rId9"/>
     <p:sldId id="1459" r:id="rId10"/>
+    <p:sldId id="1461" r:id="rId11"/>
+    <p:sldId id="1462" r:id="rId12"/>
+    <p:sldId id="1463" r:id="rId13"/>
+    <p:sldId id="1464" r:id="rId14"/>
   </p:sldIdLst>
   <p:sldSz cx="12192000" cy="6858000"/>
   <p:notesSz cx="6858000" cy="9144000"/>
@@ -269,7 +273,7 @@
           <a:p>
             <a:fld id="{316A2214-5FFA-754C-901F-0917E1555ABA}" type="datetimeFigureOut">
               <a:rPr lang="en-US" smtClean="0"/>
-              <a:t>6/12/20</a:t>
+              <a:t>6/18/20</a:t>
             </a:fld>
             <a:endParaRPr lang="en-US"/>
           </a:p>
@@ -469,7 +473,7 @@
           <a:p>
             <a:fld id="{316A2214-5FFA-754C-901F-0917E1555ABA}" type="datetimeFigureOut">
               <a:rPr lang="en-US" smtClean="0"/>
-              <a:t>6/12/20</a:t>
+              <a:t>6/18/20</a:t>
             </a:fld>
             <a:endParaRPr lang="en-US"/>
           </a:p>
@@ -679,7 +683,7 @@
           <a:p>
             <a:fld id="{316A2214-5FFA-754C-901F-0917E1555ABA}" type="datetimeFigureOut">
               <a:rPr lang="en-US" smtClean="0"/>
-              <a:t>6/12/20</a:t>
+              <a:t>6/18/20</a:t>
             </a:fld>
             <a:endParaRPr lang="en-US"/>
           </a:p>
@@ -917,7 +921,7 @@
           <a:p>
             <a:fld id="{316A2214-5FFA-754C-901F-0917E1555ABA}" type="datetimeFigureOut">
               <a:rPr lang="en-US" smtClean="0"/>
-              <a:t>6/12/20</a:t>
+              <a:t>6/18/20</a:t>
             </a:fld>
             <a:endParaRPr lang="en-US"/>
           </a:p>
@@ -1193,7 +1197,7 @@
           <a:p>
             <a:fld id="{316A2214-5FFA-754C-901F-0917E1555ABA}" type="datetimeFigureOut">
               <a:rPr lang="en-US" smtClean="0"/>
-              <a:t>6/12/20</a:t>
+              <a:t>6/18/20</a:t>
             </a:fld>
             <a:endParaRPr lang="en-US"/>
           </a:p>
@@ -1461,7 +1465,7 @@
           <a:p>
             <a:fld id="{316A2214-5FFA-754C-901F-0917E1555ABA}" type="datetimeFigureOut">
               <a:rPr lang="en-US" smtClean="0"/>
-              <a:t>6/12/20</a:t>
+              <a:t>6/18/20</a:t>
             </a:fld>
             <a:endParaRPr lang="en-US"/>
           </a:p>
@@ -1876,7 +1880,7 @@
           <a:p>
             <a:fld id="{316A2214-5FFA-754C-901F-0917E1555ABA}" type="datetimeFigureOut">
               <a:rPr lang="en-US" smtClean="0"/>
-              <a:t>6/12/20</a:t>
+              <a:t>6/18/20</a:t>
             </a:fld>
             <a:endParaRPr lang="en-US"/>
           </a:p>
@@ -2018,7 +2022,7 @@
           <a:p>
             <a:fld id="{316A2214-5FFA-754C-901F-0917E1555ABA}" type="datetimeFigureOut">
               <a:rPr lang="en-US" smtClean="0"/>
-              <a:t>6/12/20</a:t>
+              <a:t>6/18/20</a:t>
             </a:fld>
             <a:endParaRPr lang="en-US"/>
           </a:p>
@@ -2131,7 +2135,7 @@
           <a:p>
             <a:fld id="{316A2214-5FFA-754C-901F-0917E1555ABA}" type="datetimeFigureOut">
               <a:rPr lang="en-US" smtClean="0"/>
-              <a:t>6/12/20</a:t>
+              <a:t>6/18/20</a:t>
             </a:fld>
             <a:endParaRPr lang="en-US"/>
           </a:p>
@@ -2444,7 +2448,7 @@
           <a:p>
             <a:fld id="{316A2214-5FFA-754C-901F-0917E1555ABA}" type="datetimeFigureOut">
               <a:rPr lang="en-US" smtClean="0"/>
-              <a:t>6/12/20</a:t>
+              <a:t>6/18/20</a:t>
             </a:fld>
             <a:endParaRPr lang="en-US"/>
           </a:p>
@@ -2733,7 +2737,7 @@
           <a:p>
             <a:fld id="{316A2214-5FFA-754C-901F-0917E1555ABA}" type="datetimeFigureOut">
               <a:rPr lang="en-US" smtClean="0"/>
-              <a:t>6/12/20</a:t>
+              <a:t>6/18/20</a:t>
             </a:fld>
             <a:endParaRPr lang="en-US"/>
           </a:p>
@@ -2976,7 +2980,7 @@
           <a:p>
             <a:fld id="{316A2214-5FFA-754C-901F-0917E1555ABA}" type="datetimeFigureOut">
               <a:rPr lang="en-US" smtClean="0"/>
-              <a:t>6/12/20</a:t>
+              <a:t>6/18/20</a:t>
             </a:fld>
             <a:endParaRPr lang="en-US"/>
           </a:p>
@@ -7825,6 +7829,5490 @@
 </p:sld>
 </file>
 
+<file path=ppt/slides/slide10.xml><?xml version="1.0" encoding="utf-8"?>
+<p:sld xmlns:a="http://schemas.openxmlformats.org/drawingml/2006/main" xmlns:r="http://schemas.openxmlformats.org/officeDocument/2006/relationships" xmlns:p="http://schemas.openxmlformats.org/presentationml/2006/main" show="0">
+  <p:cSld>
+    <p:spTree>
+      <p:nvGrpSpPr>
+        <p:cNvPr id="1" name=""/>
+        <p:cNvGrpSpPr/>
+        <p:nvPr/>
+      </p:nvGrpSpPr>
+      <p:grpSpPr>
+        <a:xfrm>
+          <a:off x="0" y="0"/>
+          <a:ext cx="0" cy="0"/>
+          <a:chOff x="0" y="0"/>
+          <a:chExt cx="0" cy="0"/>
+        </a:xfrm>
+      </p:grpSpPr>
+      <p:sp>
+        <p:nvSpPr>
+          <p:cNvPr id="2" name="Rechteck 1">
+            <a:extLst>
+              <a:ext uri="{FF2B5EF4-FFF2-40B4-BE49-F238E27FC236}">
+                <a16:creationId xmlns:a16="http://schemas.microsoft.com/office/drawing/2014/main" id="{7CEEBDF9-2BD1-9843-B8D7-B9F483EB363E}"/>
+              </a:ext>
+            </a:extLst>
+          </p:cNvPr>
+          <p:cNvSpPr/>
+          <p:nvPr/>
+        </p:nvSpPr>
+        <p:spPr>
+          <a:xfrm>
+            <a:off x="2555777" y="5543193"/>
+            <a:ext cx="920079" cy="533873"/>
+          </a:xfrm>
+          <a:prstGeom prst="rect">
+            <a:avLst/>
+          </a:prstGeom>
+          <a:solidFill>
+            <a:schemeClr val="accent2"/>
+          </a:solidFill>
+          <a:ln w="28575">
+            <a:solidFill>
+              <a:schemeClr val="tx1"/>
+            </a:solidFill>
+          </a:ln>
+        </p:spPr>
+        <p:style>
+          <a:lnRef idx="0">
+            <a:scrgbClr r="0" g="0" b="0"/>
+          </a:lnRef>
+          <a:fillRef idx="0">
+            <a:scrgbClr r="0" g="0" b="0"/>
+          </a:fillRef>
+          <a:effectRef idx="0">
+            <a:scrgbClr r="0" g="0" b="0"/>
+          </a:effectRef>
+          <a:fontRef idx="minor">
+            <a:schemeClr val="lt1"/>
+          </a:fontRef>
+        </p:style>
+        <p:txBody>
+          <a:bodyPr rtlCol="0" anchor="ctr"/>
+          <a:lstStyle/>
+          <a:p>
+            <a:pPr algn="ctr"/>
+            <a:r>
+              <a:rPr lang="en-US" sz="1600" b="1" dirty="0">
+                <a:solidFill>
+                  <a:schemeClr val="bg2"/>
+                </a:solidFill>
+                <a:latin typeface="Lato Bold" charset="0"/>
+              </a:rPr>
+              <a:t>A1</a:t>
+            </a:r>
+          </a:p>
+        </p:txBody>
+      </p:sp>
+      <p:sp>
+        <p:nvSpPr>
+          <p:cNvPr id="3" name="Rechteck 2">
+            <a:extLst>
+              <a:ext uri="{FF2B5EF4-FFF2-40B4-BE49-F238E27FC236}">
+                <a16:creationId xmlns:a16="http://schemas.microsoft.com/office/drawing/2014/main" id="{44FF70C4-912A-0B4B-A59D-83DD6B683F7C}"/>
+              </a:ext>
+            </a:extLst>
+          </p:cNvPr>
+          <p:cNvSpPr/>
+          <p:nvPr/>
+        </p:nvSpPr>
+        <p:spPr>
+          <a:xfrm>
+            <a:off x="4837991" y="5583897"/>
+            <a:ext cx="920079" cy="533873"/>
+          </a:xfrm>
+          <a:prstGeom prst="rect">
+            <a:avLst/>
+          </a:prstGeom>
+          <a:solidFill>
+            <a:schemeClr val="accent2"/>
+          </a:solidFill>
+          <a:ln w="28575">
+            <a:solidFill>
+              <a:schemeClr val="tx1"/>
+            </a:solidFill>
+          </a:ln>
+        </p:spPr>
+        <p:style>
+          <a:lnRef idx="0">
+            <a:scrgbClr r="0" g="0" b="0"/>
+          </a:lnRef>
+          <a:fillRef idx="0">
+            <a:scrgbClr r="0" g="0" b="0"/>
+          </a:fillRef>
+          <a:effectRef idx="0">
+            <a:scrgbClr r="0" g="0" b="0"/>
+          </a:effectRef>
+          <a:fontRef idx="minor">
+            <a:schemeClr val="lt1"/>
+          </a:fontRef>
+        </p:style>
+        <p:txBody>
+          <a:bodyPr rtlCol="0" anchor="ctr"/>
+          <a:lstStyle/>
+          <a:p>
+            <a:pPr algn="ctr"/>
+            <a:r>
+              <a:rPr lang="en-US" sz="1600" b="1" dirty="0">
+                <a:solidFill>
+                  <a:schemeClr val="bg2"/>
+                </a:solidFill>
+                <a:latin typeface="Lato Bold" charset="0"/>
+              </a:rPr>
+              <a:t>A1</a:t>
+            </a:r>
+          </a:p>
+        </p:txBody>
+      </p:sp>
+      <p:sp>
+        <p:nvSpPr>
+          <p:cNvPr id="4" name="Rechteck 3">
+            <a:extLst>
+              <a:ext uri="{FF2B5EF4-FFF2-40B4-BE49-F238E27FC236}">
+                <a16:creationId xmlns:a16="http://schemas.microsoft.com/office/drawing/2014/main" id="{9E6B8B62-7927-A443-877F-FDAC552A27CF}"/>
+              </a:ext>
+            </a:extLst>
+          </p:cNvPr>
+          <p:cNvSpPr/>
+          <p:nvPr/>
+        </p:nvSpPr>
+        <p:spPr>
+          <a:xfrm>
+            <a:off x="8040285" y="5543193"/>
+            <a:ext cx="920079" cy="533873"/>
+          </a:xfrm>
+          <a:prstGeom prst="rect">
+            <a:avLst/>
+          </a:prstGeom>
+          <a:solidFill>
+            <a:schemeClr val="accent2"/>
+          </a:solidFill>
+          <a:ln w="28575">
+            <a:solidFill>
+              <a:schemeClr val="tx1"/>
+            </a:solidFill>
+          </a:ln>
+        </p:spPr>
+        <p:style>
+          <a:lnRef idx="0">
+            <a:scrgbClr r="0" g="0" b="0"/>
+          </a:lnRef>
+          <a:fillRef idx="0">
+            <a:scrgbClr r="0" g="0" b="0"/>
+          </a:fillRef>
+          <a:effectRef idx="0">
+            <a:scrgbClr r="0" g="0" b="0"/>
+          </a:effectRef>
+          <a:fontRef idx="minor">
+            <a:schemeClr val="lt1"/>
+          </a:fontRef>
+        </p:style>
+        <p:txBody>
+          <a:bodyPr rtlCol="0" anchor="ctr"/>
+          <a:lstStyle/>
+          <a:p>
+            <a:pPr algn="ctr"/>
+            <a:r>
+              <a:rPr lang="en-US" sz="1600" b="1" dirty="0">
+                <a:solidFill>
+                  <a:schemeClr val="bg2"/>
+                </a:solidFill>
+                <a:latin typeface="Lato Bold" charset="0"/>
+              </a:rPr>
+              <a:t>A2</a:t>
+            </a:r>
+          </a:p>
+        </p:txBody>
+      </p:sp>
+      <p:sp>
+        <p:nvSpPr>
+          <p:cNvPr id="5" name="Rechteck 4">
+            <a:extLst>
+              <a:ext uri="{FF2B5EF4-FFF2-40B4-BE49-F238E27FC236}">
+                <a16:creationId xmlns:a16="http://schemas.microsoft.com/office/drawing/2014/main" id="{FAB4DBA7-0A90-1543-80D1-13A28364E86F}"/>
+              </a:ext>
+            </a:extLst>
+          </p:cNvPr>
+          <p:cNvSpPr/>
+          <p:nvPr/>
+        </p:nvSpPr>
+        <p:spPr>
+          <a:xfrm>
+            <a:off x="3926904" y="3809998"/>
+            <a:ext cx="920079" cy="533873"/>
+          </a:xfrm>
+          <a:prstGeom prst="rect">
+            <a:avLst/>
+          </a:prstGeom>
+          <a:solidFill>
+            <a:schemeClr val="accent3"/>
+          </a:solidFill>
+          <a:ln w="28575">
+            <a:solidFill>
+              <a:schemeClr val="tx1"/>
+            </a:solidFill>
+          </a:ln>
+        </p:spPr>
+        <p:style>
+          <a:lnRef idx="0">
+            <a:scrgbClr r="0" g="0" b="0"/>
+          </a:lnRef>
+          <a:fillRef idx="0">
+            <a:scrgbClr r="0" g="0" b="0"/>
+          </a:fillRef>
+          <a:effectRef idx="0">
+            <a:scrgbClr r="0" g="0" b="0"/>
+          </a:effectRef>
+          <a:fontRef idx="minor">
+            <a:schemeClr val="lt1"/>
+          </a:fontRef>
+        </p:style>
+        <p:txBody>
+          <a:bodyPr rtlCol="0" anchor="ctr"/>
+          <a:lstStyle/>
+          <a:p>
+            <a:pPr algn="ctr"/>
+            <a:r>
+              <a:rPr lang="en-US" sz="1600" b="1" dirty="0">
+                <a:solidFill>
+                  <a:schemeClr val="bg2"/>
+                </a:solidFill>
+                <a:latin typeface="Lato Bold" charset="0"/>
+              </a:rPr>
+              <a:t>A3</a:t>
+            </a:r>
+            <a:endParaRPr lang="en-US" sz="1600" dirty="0"/>
+          </a:p>
+        </p:txBody>
+      </p:sp>
+      <p:sp>
+        <p:nvSpPr>
+          <p:cNvPr id="6" name="Rechteck 5">
+            <a:extLst>
+              <a:ext uri="{FF2B5EF4-FFF2-40B4-BE49-F238E27FC236}">
+                <a16:creationId xmlns:a16="http://schemas.microsoft.com/office/drawing/2014/main" id="{A3936D1A-7BA8-9445-BFAA-C91AEA20D0DC}"/>
+              </a:ext>
+            </a:extLst>
+          </p:cNvPr>
+          <p:cNvSpPr/>
+          <p:nvPr/>
+        </p:nvSpPr>
+        <p:spPr>
+          <a:xfrm>
+            <a:off x="6669158" y="3809998"/>
+            <a:ext cx="920079" cy="533873"/>
+          </a:xfrm>
+          <a:prstGeom prst="rect">
+            <a:avLst/>
+          </a:prstGeom>
+          <a:solidFill>
+            <a:schemeClr val="accent3"/>
+          </a:solidFill>
+          <a:ln w="28575">
+            <a:solidFill>
+              <a:schemeClr val="tx1"/>
+            </a:solidFill>
+          </a:ln>
+        </p:spPr>
+        <p:style>
+          <a:lnRef idx="0">
+            <a:scrgbClr r="0" g="0" b="0"/>
+          </a:lnRef>
+          <a:fillRef idx="0">
+            <a:scrgbClr r="0" g="0" b="0"/>
+          </a:fillRef>
+          <a:effectRef idx="0">
+            <a:scrgbClr r="0" g="0" b="0"/>
+          </a:effectRef>
+          <a:fontRef idx="minor">
+            <a:schemeClr val="lt1"/>
+          </a:fontRef>
+        </p:style>
+        <p:txBody>
+          <a:bodyPr rtlCol="0" anchor="ctr"/>
+          <a:lstStyle/>
+          <a:p>
+            <a:pPr algn="ctr"/>
+            <a:r>
+              <a:rPr lang="en-US" sz="1600" b="1" dirty="0">
+                <a:solidFill>
+                  <a:schemeClr val="bg2"/>
+                </a:solidFill>
+                <a:latin typeface="Lato Bold" charset="0"/>
+              </a:rPr>
+              <a:t>A3</a:t>
+            </a:r>
+          </a:p>
+        </p:txBody>
+      </p:sp>
+      <p:sp>
+        <p:nvSpPr>
+          <p:cNvPr id="8" name="Rechteck 7">
+            <a:extLst>
+              <a:ext uri="{FF2B5EF4-FFF2-40B4-BE49-F238E27FC236}">
+                <a16:creationId xmlns:a16="http://schemas.microsoft.com/office/drawing/2014/main" id="{EEBEBDF2-AA89-244F-9251-6369386DA7BB}"/>
+              </a:ext>
+            </a:extLst>
+          </p:cNvPr>
+          <p:cNvSpPr/>
+          <p:nvPr/>
+        </p:nvSpPr>
+        <p:spPr>
+          <a:xfrm>
+            <a:off x="5298031" y="2076803"/>
+            <a:ext cx="920079" cy="533873"/>
+          </a:xfrm>
+          <a:prstGeom prst="rect">
+            <a:avLst/>
+          </a:prstGeom>
+          <a:solidFill>
+            <a:schemeClr val="accent4"/>
+          </a:solidFill>
+          <a:ln w="28575">
+            <a:solidFill>
+              <a:schemeClr val="tx1"/>
+            </a:solidFill>
+          </a:ln>
+        </p:spPr>
+        <p:style>
+          <a:lnRef idx="0">
+            <a:scrgbClr r="0" g="0" b="0"/>
+          </a:lnRef>
+          <a:fillRef idx="0">
+            <a:scrgbClr r="0" g="0" b="0"/>
+          </a:fillRef>
+          <a:effectRef idx="0">
+            <a:scrgbClr r="0" g="0" b="0"/>
+          </a:effectRef>
+          <a:fontRef idx="minor">
+            <a:schemeClr val="lt1"/>
+          </a:fontRef>
+        </p:style>
+        <p:txBody>
+          <a:bodyPr rtlCol="0" anchor="ctr"/>
+          <a:lstStyle/>
+          <a:p>
+            <a:pPr algn="ctr"/>
+            <a:r>
+              <a:rPr lang="en-US" sz="1600" b="1" dirty="0">
+                <a:solidFill>
+                  <a:schemeClr val="bg2"/>
+                </a:solidFill>
+                <a:latin typeface="Lato Bold" charset="0"/>
+              </a:rPr>
+              <a:t>A4</a:t>
+            </a:r>
+            <a:endParaRPr lang="en-US" sz="1600" dirty="0"/>
+          </a:p>
+        </p:txBody>
+      </p:sp>
+      <p:cxnSp>
+        <p:nvCxnSpPr>
+          <p:cNvPr id="15" name="Gerade Verbindung mit Pfeil 14">
+            <a:extLst>
+              <a:ext uri="{FF2B5EF4-FFF2-40B4-BE49-F238E27FC236}">
+                <a16:creationId xmlns:a16="http://schemas.microsoft.com/office/drawing/2014/main" id="{71C28ADC-0C54-7141-BE14-B45C966BE4CE}"/>
+              </a:ext>
+            </a:extLst>
+          </p:cNvPr>
+          <p:cNvCxnSpPr>
+            <a:cxnSpLocks/>
+          </p:cNvCxnSpPr>
+          <p:nvPr/>
+        </p:nvCxnSpPr>
+        <p:spPr>
+          <a:xfrm flipH="1" flipV="1">
+            <a:off x="4765174" y="4392375"/>
+            <a:ext cx="992896" cy="1094025"/>
+          </a:xfrm>
+          <a:prstGeom prst="straightConnector1">
+            <a:avLst/>
+          </a:prstGeom>
+          <a:ln w="19050">
+            <a:solidFill>
+              <a:schemeClr val="tx2"/>
+            </a:solidFill>
+            <a:tailEnd type="triangle"/>
+          </a:ln>
+        </p:spPr>
+        <p:style>
+          <a:lnRef idx="1">
+            <a:schemeClr val="accent1"/>
+          </a:lnRef>
+          <a:fillRef idx="0">
+            <a:schemeClr val="accent1"/>
+          </a:fillRef>
+          <a:effectRef idx="0">
+            <a:schemeClr val="accent1"/>
+          </a:effectRef>
+          <a:fontRef idx="minor">
+            <a:schemeClr val="tx1"/>
+          </a:fontRef>
+        </p:style>
+      </p:cxnSp>
+      <p:cxnSp>
+        <p:nvCxnSpPr>
+          <p:cNvPr id="24" name="Gerade Verbindung mit Pfeil 23">
+            <a:extLst>
+              <a:ext uri="{FF2B5EF4-FFF2-40B4-BE49-F238E27FC236}">
+                <a16:creationId xmlns:a16="http://schemas.microsoft.com/office/drawing/2014/main" id="{27EFDEFD-7DA3-5E43-AA2B-4ECD4C4A34BD}"/>
+              </a:ext>
+            </a:extLst>
+          </p:cNvPr>
+          <p:cNvCxnSpPr>
+            <a:cxnSpLocks/>
+          </p:cNvCxnSpPr>
+          <p:nvPr/>
+        </p:nvCxnSpPr>
+        <p:spPr>
+          <a:xfrm flipV="1">
+            <a:off x="3106210" y="4400664"/>
+            <a:ext cx="899120" cy="1085736"/>
+          </a:xfrm>
+          <a:prstGeom prst="straightConnector1">
+            <a:avLst/>
+          </a:prstGeom>
+          <a:ln w="19050">
+            <a:solidFill>
+              <a:schemeClr val="tx2"/>
+            </a:solidFill>
+            <a:tailEnd type="triangle"/>
+          </a:ln>
+        </p:spPr>
+        <p:style>
+          <a:lnRef idx="1">
+            <a:schemeClr val="accent1"/>
+          </a:lnRef>
+          <a:fillRef idx="0">
+            <a:schemeClr val="accent1"/>
+          </a:fillRef>
+          <a:effectRef idx="0">
+            <a:schemeClr val="accent1"/>
+          </a:effectRef>
+          <a:fontRef idx="minor">
+            <a:schemeClr val="tx1"/>
+          </a:fontRef>
+        </p:style>
+      </p:cxnSp>
+      <p:cxnSp>
+        <p:nvCxnSpPr>
+          <p:cNvPr id="25" name="Gerade Verbindung mit Pfeil 24">
+            <a:extLst>
+              <a:ext uri="{FF2B5EF4-FFF2-40B4-BE49-F238E27FC236}">
+                <a16:creationId xmlns:a16="http://schemas.microsoft.com/office/drawing/2014/main" id="{D18E8DB8-CCC6-6D4D-951D-82FA050035D6}"/>
+              </a:ext>
+            </a:extLst>
+          </p:cNvPr>
+          <p:cNvCxnSpPr>
+            <a:cxnSpLocks/>
+          </p:cNvCxnSpPr>
+          <p:nvPr/>
+        </p:nvCxnSpPr>
+        <p:spPr>
+          <a:xfrm flipH="1" flipV="1">
+            <a:off x="7501944" y="4384576"/>
+            <a:ext cx="886497" cy="1101824"/>
+          </a:xfrm>
+          <a:prstGeom prst="straightConnector1">
+            <a:avLst/>
+          </a:prstGeom>
+          <a:ln w="19050">
+            <a:solidFill>
+              <a:schemeClr val="tx2"/>
+            </a:solidFill>
+            <a:tailEnd type="triangle"/>
+          </a:ln>
+        </p:spPr>
+        <p:style>
+          <a:lnRef idx="1">
+            <a:schemeClr val="accent1"/>
+          </a:lnRef>
+          <a:fillRef idx="0">
+            <a:schemeClr val="accent1"/>
+          </a:fillRef>
+          <a:effectRef idx="0">
+            <a:schemeClr val="accent1"/>
+          </a:effectRef>
+          <a:fontRef idx="minor">
+            <a:schemeClr val="tx1"/>
+          </a:fontRef>
+        </p:style>
+      </p:cxnSp>
+      <p:cxnSp>
+        <p:nvCxnSpPr>
+          <p:cNvPr id="29" name="Gerade Verbindung mit Pfeil 28">
+            <a:extLst>
+              <a:ext uri="{FF2B5EF4-FFF2-40B4-BE49-F238E27FC236}">
+                <a16:creationId xmlns:a16="http://schemas.microsoft.com/office/drawing/2014/main" id="{EBF0A071-0B46-304A-8525-FD22D6586E7B}"/>
+              </a:ext>
+            </a:extLst>
+          </p:cNvPr>
+          <p:cNvCxnSpPr>
+            <a:cxnSpLocks/>
+          </p:cNvCxnSpPr>
+          <p:nvPr/>
+        </p:nvCxnSpPr>
+        <p:spPr>
+          <a:xfrm>
+            <a:off x="4931192" y="4088065"/>
+            <a:ext cx="1675670" cy="0"/>
+          </a:xfrm>
+          <a:prstGeom prst="straightConnector1">
+            <a:avLst/>
+          </a:prstGeom>
+          <a:ln w="19050">
+            <a:solidFill>
+              <a:schemeClr val="tx2"/>
+            </a:solidFill>
+            <a:headEnd type="triangle" w="med" len="med"/>
+            <a:tailEnd type="triangle" w="med" len="med"/>
+          </a:ln>
+        </p:spPr>
+        <p:style>
+          <a:lnRef idx="1">
+            <a:schemeClr val="accent1"/>
+          </a:lnRef>
+          <a:fillRef idx="0">
+            <a:schemeClr val="accent1"/>
+          </a:fillRef>
+          <a:effectRef idx="0">
+            <a:schemeClr val="accent1"/>
+          </a:effectRef>
+          <a:fontRef idx="minor">
+            <a:schemeClr val="tx1"/>
+          </a:fontRef>
+        </p:style>
+      </p:cxnSp>
+      <p:cxnSp>
+        <p:nvCxnSpPr>
+          <p:cNvPr id="32" name="Gerade Verbindung mit Pfeil 31">
+            <a:extLst>
+              <a:ext uri="{FF2B5EF4-FFF2-40B4-BE49-F238E27FC236}">
+                <a16:creationId xmlns:a16="http://schemas.microsoft.com/office/drawing/2014/main" id="{E9388547-B88C-714F-BE4C-A6C32A82B2AB}"/>
+              </a:ext>
+            </a:extLst>
+          </p:cNvPr>
+          <p:cNvCxnSpPr>
+            <a:cxnSpLocks/>
+          </p:cNvCxnSpPr>
+          <p:nvPr/>
+        </p:nvCxnSpPr>
+        <p:spPr>
+          <a:xfrm flipH="1" flipV="1">
+            <a:off x="6168980" y="2659179"/>
+            <a:ext cx="886497" cy="1102316"/>
+          </a:xfrm>
+          <a:prstGeom prst="straightConnector1">
+            <a:avLst/>
+          </a:prstGeom>
+          <a:ln w="19050">
+            <a:solidFill>
+              <a:schemeClr val="tx2"/>
+            </a:solidFill>
+            <a:tailEnd type="triangle"/>
+          </a:ln>
+        </p:spPr>
+        <p:style>
+          <a:lnRef idx="1">
+            <a:schemeClr val="accent1"/>
+          </a:lnRef>
+          <a:fillRef idx="0">
+            <a:schemeClr val="accent1"/>
+          </a:fillRef>
+          <a:effectRef idx="0">
+            <a:schemeClr val="accent1"/>
+          </a:effectRef>
+          <a:fontRef idx="minor">
+            <a:schemeClr val="tx1"/>
+          </a:fontRef>
+        </p:style>
+      </p:cxnSp>
+      <p:cxnSp>
+        <p:nvCxnSpPr>
+          <p:cNvPr id="33" name="Gerade Verbindung mit Pfeil 32">
+            <a:extLst>
+              <a:ext uri="{FF2B5EF4-FFF2-40B4-BE49-F238E27FC236}">
+                <a16:creationId xmlns:a16="http://schemas.microsoft.com/office/drawing/2014/main" id="{BC46B446-1C5B-C34E-9D28-36B665C39889}"/>
+              </a:ext>
+            </a:extLst>
+          </p:cNvPr>
+          <p:cNvCxnSpPr>
+            <a:cxnSpLocks/>
+          </p:cNvCxnSpPr>
+          <p:nvPr/>
+        </p:nvCxnSpPr>
+        <p:spPr>
+          <a:xfrm flipV="1">
+            <a:off x="4482103" y="2659180"/>
+            <a:ext cx="881948" cy="1102315"/>
+          </a:xfrm>
+          <a:prstGeom prst="straightConnector1">
+            <a:avLst/>
+          </a:prstGeom>
+          <a:ln w="19050">
+            <a:solidFill>
+              <a:schemeClr val="tx2"/>
+            </a:solidFill>
+            <a:tailEnd type="triangle"/>
+          </a:ln>
+        </p:spPr>
+        <p:style>
+          <a:lnRef idx="1">
+            <a:schemeClr val="accent1"/>
+          </a:lnRef>
+          <a:fillRef idx="0">
+            <a:schemeClr val="accent1"/>
+          </a:fillRef>
+          <a:effectRef idx="0">
+            <a:schemeClr val="accent1"/>
+          </a:effectRef>
+          <a:fontRef idx="minor">
+            <a:schemeClr val="tx1"/>
+          </a:fontRef>
+        </p:style>
+      </p:cxnSp>
+      <p:sp>
+        <p:nvSpPr>
+          <p:cNvPr id="34" name="Abgerundete rechteckige Legende 33">
+            <a:extLst>
+              <a:ext uri="{FF2B5EF4-FFF2-40B4-BE49-F238E27FC236}">
+                <a16:creationId xmlns:a16="http://schemas.microsoft.com/office/drawing/2014/main" id="{821FEDCC-669E-A043-AADF-A559F9CADD83}"/>
+              </a:ext>
+            </a:extLst>
+          </p:cNvPr>
+          <p:cNvSpPr/>
+          <p:nvPr/>
+        </p:nvSpPr>
+        <p:spPr>
+          <a:xfrm>
+            <a:off x="940158" y="4954904"/>
+            <a:ext cx="1615619" cy="476519"/>
+          </a:xfrm>
+          <a:prstGeom prst="wedgeRoundRectCallout">
+            <a:avLst>
+              <a:gd name="adj1" fmla="val 44603"/>
+              <a:gd name="adj2" fmla="val 76199"/>
+              <a:gd name="adj3" fmla="val 16667"/>
+            </a:avLst>
+          </a:prstGeom>
+          <a:solidFill>
+            <a:schemeClr val="bg1"/>
+          </a:solidFill>
+          <a:ln>
+            <a:solidFill>
+              <a:schemeClr val="tx1"/>
+            </a:solidFill>
+          </a:ln>
+        </p:spPr>
+        <p:style>
+          <a:lnRef idx="2">
+            <a:schemeClr val="accent1">
+              <a:shade val="50000"/>
+            </a:schemeClr>
+          </a:lnRef>
+          <a:fillRef idx="1">
+            <a:schemeClr val="accent1"/>
+          </a:fillRef>
+          <a:effectRef idx="0">
+            <a:schemeClr val="accent1"/>
+          </a:effectRef>
+          <a:fontRef idx="minor">
+            <a:schemeClr val="lt1"/>
+          </a:fontRef>
+        </p:style>
+        <p:txBody>
+          <a:bodyPr rtlCol="0" anchor="ctr"/>
+          <a:lstStyle/>
+          <a:p>
+            <a:pPr algn="ctr"/>
+            <a:r>
+              <a:rPr lang="en-US" sz="1200" dirty="0">
+                <a:solidFill>
+                  <a:schemeClr val="tx1"/>
+                </a:solidFill>
+                <a:latin typeface="Lato Light" charset="0"/>
+              </a:rPr>
+              <a:t>/config/frequency</a:t>
+            </a:r>
+          </a:p>
+        </p:txBody>
+      </p:sp>
+      <p:sp>
+        <p:nvSpPr>
+          <p:cNvPr id="35" name="Abgerundete rechteckige Legende 34">
+            <a:extLst>
+              <a:ext uri="{FF2B5EF4-FFF2-40B4-BE49-F238E27FC236}">
+                <a16:creationId xmlns:a16="http://schemas.microsoft.com/office/drawing/2014/main" id="{2B51614F-6B66-9C4E-BD3B-BEA644A7265D}"/>
+              </a:ext>
+            </a:extLst>
+          </p:cNvPr>
+          <p:cNvSpPr/>
+          <p:nvPr/>
+        </p:nvSpPr>
+        <p:spPr>
+          <a:xfrm>
+            <a:off x="2311285" y="3120981"/>
+            <a:ext cx="1615619" cy="476519"/>
+          </a:xfrm>
+          <a:prstGeom prst="wedgeRoundRectCallout">
+            <a:avLst>
+              <a:gd name="adj1" fmla="val 46197"/>
+              <a:gd name="adj2" fmla="val 84307"/>
+              <a:gd name="adj3" fmla="val 16667"/>
+            </a:avLst>
+          </a:prstGeom>
+          <a:solidFill>
+            <a:schemeClr val="bg1"/>
+          </a:solidFill>
+          <a:ln>
+            <a:solidFill>
+              <a:schemeClr val="tx1"/>
+            </a:solidFill>
+          </a:ln>
+        </p:spPr>
+        <p:style>
+          <a:lnRef idx="2">
+            <a:schemeClr val="accent1">
+              <a:shade val="50000"/>
+            </a:schemeClr>
+          </a:lnRef>
+          <a:fillRef idx="1">
+            <a:schemeClr val="accent1"/>
+          </a:fillRef>
+          <a:effectRef idx="0">
+            <a:schemeClr val="accent1"/>
+          </a:effectRef>
+          <a:fontRef idx="minor">
+            <a:schemeClr val="lt1"/>
+          </a:fontRef>
+        </p:style>
+        <p:txBody>
+          <a:bodyPr rtlCol="0" anchor="ctr"/>
+          <a:lstStyle/>
+          <a:p>
+            <a:pPr algn="ctr"/>
+            <a:r>
+              <a:rPr lang="en-US" sz="1200" dirty="0">
+                <a:solidFill>
+                  <a:schemeClr val="tx1"/>
+                </a:solidFill>
+                <a:latin typeface="Lato Light" charset="0"/>
+              </a:rPr>
+              <a:t>/config/</a:t>
+            </a:r>
+            <a:r>
+              <a:rPr lang="en-US" sz="1200" dirty="0" err="1">
+                <a:solidFill>
+                  <a:schemeClr val="tx1"/>
+                </a:solidFill>
+                <a:latin typeface="Lato Light" charset="0"/>
+              </a:rPr>
+              <a:t>bucketSize</a:t>
+            </a:r>
+            <a:endParaRPr lang="en-US" sz="1200" dirty="0">
+              <a:solidFill>
+                <a:schemeClr val="tx1"/>
+              </a:solidFill>
+              <a:latin typeface="Lato Light" charset="0"/>
+            </a:endParaRPr>
+          </a:p>
+          <a:p>
+            <a:pPr algn="ctr"/>
+            <a:r>
+              <a:rPr lang="en-US" sz="1200" dirty="0">
+                <a:solidFill>
+                  <a:schemeClr val="tx1"/>
+                </a:solidFill>
+                <a:latin typeface="Lato Light" charset="0"/>
+              </a:rPr>
+              <a:t>/config/threshold</a:t>
+            </a:r>
+          </a:p>
+        </p:txBody>
+      </p:sp>
+      <p:sp>
+        <p:nvSpPr>
+          <p:cNvPr id="36" name="Rechteck 35">
+            <a:extLst>
+              <a:ext uri="{FF2B5EF4-FFF2-40B4-BE49-F238E27FC236}">
+                <a16:creationId xmlns:a16="http://schemas.microsoft.com/office/drawing/2014/main" id="{D48DF390-78A8-0D41-AF0A-0A979C035697}"/>
+              </a:ext>
+            </a:extLst>
+          </p:cNvPr>
+          <p:cNvSpPr/>
+          <p:nvPr/>
+        </p:nvSpPr>
+        <p:spPr>
+          <a:xfrm>
+            <a:off x="5758070" y="5583897"/>
+            <a:ext cx="920079" cy="533873"/>
+          </a:xfrm>
+          <a:prstGeom prst="rect">
+            <a:avLst/>
+          </a:prstGeom>
+          <a:solidFill>
+            <a:schemeClr val="accent2"/>
+          </a:solidFill>
+          <a:ln w="28575">
+            <a:solidFill>
+              <a:schemeClr val="tx1"/>
+            </a:solidFill>
+          </a:ln>
+        </p:spPr>
+        <p:style>
+          <a:lnRef idx="0">
+            <a:scrgbClr r="0" g="0" b="0"/>
+          </a:lnRef>
+          <a:fillRef idx="0">
+            <a:scrgbClr r="0" g="0" b="0"/>
+          </a:fillRef>
+          <a:effectRef idx="0">
+            <a:scrgbClr r="0" g="0" b="0"/>
+          </a:effectRef>
+          <a:fontRef idx="minor">
+            <a:schemeClr val="lt1"/>
+          </a:fontRef>
+        </p:style>
+        <p:txBody>
+          <a:bodyPr rtlCol="0" anchor="ctr"/>
+          <a:lstStyle/>
+          <a:p>
+            <a:pPr algn="ctr"/>
+            <a:r>
+              <a:rPr lang="en-US" sz="1600" b="1" dirty="0">
+                <a:solidFill>
+                  <a:schemeClr val="bg2"/>
+                </a:solidFill>
+                <a:latin typeface="Lato Bold" charset="0"/>
+              </a:rPr>
+              <a:t>A2</a:t>
+            </a:r>
+          </a:p>
+        </p:txBody>
+      </p:sp>
+      <p:cxnSp>
+        <p:nvCxnSpPr>
+          <p:cNvPr id="41" name="Gerade Verbindung mit Pfeil 40">
+            <a:extLst>
+              <a:ext uri="{FF2B5EF4-FFF2-40B4-BE49-F238E27FC236}">
+                <a16:creationId xmlns:a16="http://schemas.microsoft.com/office/drawing/2014/main" id="{0AE9D5BD-2935-EF40-B5FF-413671474F82}"/>
+              </a:ext>
+            </a:extLst>
+          </p:cNvPr>
+          <p:cNvCxnSpPr>
+            <a:cxnSpLocks/>
+          </p:cNvCxnSpPr>
+          <p:nvPr/>
+        </p:nvCxnSpPr>
+        <p:spPr>
+          <a:xfrm flipV="1">
+            <a:off x="5758070" y="4392375"/>
+            <a:ext cx="977581" cy="1094025"/>
+          </a:xfrm>
+          <a:prstGeom prst="straightConnector1">
+            <a:avLst/>
+          </a:prstGeom>
+          <a:ln w="19050">
+            <a:solidFill>
+              <a:schemeClr val="tx2"/>
+            </a:solidFill>
+            <a:tailEnd type="triangle"/>
+          </a:ln>
+        </p:spPr>
+        <p:style>
+          <a:lnRef idx="1">
+            <a:schemeClr val="accent1"/>
+          </a:lnRef>
+          <a:fillRef idx="0">
+            <a:schemeClr val="accent1"/>
+          </a:fillRef>
+          <a:effectRef idx="0">
+            <a:schemeClr val="accent1"/>
+          </a:effectRef>
+          <a:fontRef idx="minor">
+            <a:schemeClr val="tx1"/>
+          </a:fontRef>
+        </p:style>
+      </p:cxnSp>
+      <p:sp>
+        <p:nvSpPr>
+          <p:cNvPr id="55" name="Abgerundete rechteckige Legende 54">
+            <a:extLst>
+              <a:ext uri="{FF2B5EF4-FFF2-40B4-BE49-F238E27FC236}">
+                <a16:creationId xmlns:a16="http://schemas.microsoft.com/office/drawing/2014/main" id="{1B42448C-68DF-4F4D-AB0E-607DBD7FAEF5}"/>
+              </a:ext>
+            </a:extLst>
+          </p:cNvPr>
+          <p:cNvSpPr/>
+          <p:nvPr/>
+        </p:nvSpPr>
+        <p:spPr>
+          <a:xfrm>
+            <a:off x="9064581" y="5042079"/>
+            <a:ext cx="1615619" cy="389344"/>
+          </a:xfrm>
+          <a:prstGeom prst="wedgeRoundRectCallout">
+            <a:avLst>
+              <a:gd name="adj1" fmla="val -52250"/>
+              <a:gd name="adj2" fmla="val 82815"/>
+              <a:gd name="adj3" fmla="val 16667"/>
+            </a:avLst>
+          </a:prstGeom>
+          <a:solidFill>
+            <a:schemeClr val="bg1"/>
+          </a:solidFill>
+          <a:ln>
+            <a:solidFill>
+              <a:schemeClr val="tx1"/>
+            </a:solidFill>
+          </a:ln>
+        </p:spPr>
+        <p:style>
+          <a:lnRef idx="2">
+            <a:schemeClr val="accent1">
+              <a:shade val="50000"/>
+            </a:schemeClr>
+          </a:lnRef>
+          <a:fillRef idx="1">
+            <a:schemeClr val="accent1"/>
+          </a:fillRef>
+          <a:effectRef idx="0">
+            <a:schemeClr val="accent1"/>
+          </a:effectRef>
+          <a:fontRef idx="minor">
+            <a:schemeClr val="lt1"/>
+          </a:fontRef>
+        </p:style>
+        <p:txBody>
+          <a:bodyPr rtlCol="0" anchor="ctr"/>
+          <a:lstStyle/>
+          <a:p>
+            <a:pPr algn="ctr"/>
+            <a:r>
+              <a:rPr lang="en-US" sz="1200" dirty="0">
+                <a:solidFill>
+                  <a:schemeClr val="tx1"/>
+                </a:solidFill>
+                <a:latin typeface="Lato Light" charset="0"/>
+              </a:rPr>
+              <a:t>/config/size</a:t>
+            </a:r>
+          </a:p>
+        </p:txBody>
+      </p:sp>
+      <p:sp>
+        <p:nvSpPr>
+          <p:cNvPr id="56" name="Subtitle 2">
+            <a:extLst>
+              <a:ext uri="{FF2B5EF4-FFF2-40B4-BE49-F238E27FC236}">
+                <a16:creationId xmlns:a16="http://schemas.microsoft.com/office/drawing/2014/main" id="{996C6E24-FC5F-1F4C-938D-42DA0BB0D97B}"/>
+              </a:ext>
+            </a:extLst>
+          </p:cNvPr>
+          <p:cNvSpPr txBox="1">
+            <a:spLocks/>
+          </p:cNvSpPr>
+          <p:nvPr/>
+        </p:nvSpPr>
+        <p:spPr>
+          <a:xfrm>
+            <a:off x="7129197" y="528261"/>
+            <a:ext cx="4526183" cy="3092291"/>
+          </a:xfrm>
+          <a:prstGeom prst="rect">
+            <a:avLst/>
+          </a:prstGeom>
+        </p:spPr>
+        <p:txBody>
+          <a:bodyPr vert="horz" wrap="square" lIns="108745" tIns="54373" rIns="108745" bIns="54373" rtlCol="0">
+            <a:spAutoFit/>
+          </a:bodyPr>
+          <a:lstStyle>
+            <a:lvl1pPr marL="0" indent="0" algn="ctr" defTabSz="1087636" rtl="0" eaLnBrk="1" latinLnBrk="0" hangingPunct="1">
+              <a:lnSpc>
+                <a:spcPct val="120000"/>
+              </a:lnSpc>
+              <a:spcBef>
+                <a:spcPct val="20000"/>
+              </a:spcBef>
+              <a:buFont typeface="Arial"/>
+              <a:buNone/>
+              <a:defRPr sz="2400" kern="1200">
+                <a:solidFill>
+                  <a:schemeClr val="tx2"/>
+                </a:solidFill>
+                <a:latin typeface="Open Sans Light"/>
+                <a:ea typeface="+mn-ea"/>
+                <a:cs typeface="Open Sans Light"/>
+              </a:defRPr>
+            </a:lvl1pPr>
+            <a:lvl2pPr marL="1087636" indent="0" algn="ctr" defTabSz="1087636" rtl="0" eaLnBrk="1" latinLnBrk="0" hangingPunct="1">
+              <a:lnSpc>
+                <a:spcPct val="130000"/>
+              </a:lnSpc>
+              <a:spcBef>
+                <a:spcPct val="20000"/>
+              </a:spcBef>
+              <a:buFont typeface="Arial"/>
+              <a:buNone/>
+              <a:defRPr sz="3200" kern="1200">
+                <a:solidFill>
+                  <a:schemeClr val="tx1">
+                    <a:tint val="75000"/>
+                  </a:schemeClr>
+                </a:solidFill>
+                <a:latin typeface="Open Sans"/>
+                <a:ea typeface="+mn-ea"/>
+                <a:cs typeface="Open Sans"/>
+              </a:defRPr>
+            </a:lvl2pPr>
+            <a:lvl3pPr marL="2175271" indent="0" algn="ctr" defTabSz="1087636" rtl="0" eaLnBrk="1" latinLnBrk="0" hangingPunct="1">
+              <a:lnSpc>
+                <a:spcPct val="130000"/>
+              </a:lnSpc>
+              <a:spcBef>
+                <a:spcPct val="20000"/>
+              </a:spcBef>
+              <a:buFont typeface="Arial"/>
+              <a:buNone/>
+              <a:defRPr sz="3200" kern="1200">
+                <a:solidFill>
+                  <a:schemeClr val="tx1">
+                    <a:tint val="75000"/>
+                  </a:schemeClr>
+                </a:solidFill>
+                <a:latin typeface="Open Sans"/>
+                <a:ea typeface="+mn-ea"/>
+                <a:cs typeface="Open Sans"/>
+              </a:defRPr>
+            </a:lvl3pPr>
+            <a:lvl4pPr marL="3262912" indent="0" algn="ctr" defTabSz="1087636" rtl="0" eaLnBrk="1" latinLnBrk="0" hangingPunct="1">
+              <a:lnSpc>
+                <a:spcPct val="130000"/>
+              </a:lnSpc>
+              <a:spcBef>
+                <a:spcPct val="20000"/>
+              </a:spcBef>
+              <a:buFont typeface="Arial"/>
+              <a:buNone/>
+              <a:defRPr sz="3200" kern="1200">
+                <a:solidFill>
+                  <a:schemeClr val="tx1">
+                    <a:tint val="75000"/>
+                  </a:schemeClr>
+                </a:solidFill>
+                <a:latin typeface="Open Sans"/>
+                <a:ea typeface="+mn-ea"/>
+                <a:cs typeface="Open Sans"/>
+              </a:defRPr>
+            </a:lvl4pPr>
+            <a:lvl5pPr marL="4350546" indent="0" algn="ctr" defTabSz="1087636" rtl="0" eaLnBrk="1" latinLnBrk="0" hangingPunct="1">
+              <a:lnSpc>
+                <a:spcPct val="130000"/>
+              </a:lnSpc>
+              <a:spcBef>
+                <a:spcPct val="20000"/>
+              </a:spcBef>
+              <a:buFont typeface="Arial"/>
+              <a:buNone/>
+              <a:defRPr sz="3200" kern="1200">
+                <a:solidFill>
+                  <a:schemeClr val="tx1">
+                    <a:tint val="75000"/>
+                  </a:schemeClr>
+                </a:solidFill>
+                <a:latin typeface="Open Sans"/>
+                <a:ea typeface="+mn-ea"/>
+                <a:cs typeface="Open Sans"/>
+              </a:defRPr>
+            </a:lvl5pPr>
+            <a:lvl6pPr marL="5438184" indent="0" algn="ctr" defTabSz="1087636" rtl="0" eaLnBrk="1" latinLnBrk="0" hangingPunct="1">
+              <a:spcBef>
+                <a:spcPct val="20000"/>
+              </a:spcBef>
+              <a:buFont typeface="Arial"/>
+              <a:buNone/>
+              <a:defRPr sz="4800" kern="1200">
+                <a:solidFill>
+                  <a:schemeClr val="tx1">
+                    <a:tint val="75000"/>
+                  </a:schemeClr>
+                </a:solidFill>
+                <a:latin typeface="+mn-lt"/>
+                <a:ea typeface="+mn-ea"/>
+                <a:cs typeface="+mn-cs"/>
+              </a:defRPr>
+            </a:lvl6pPr>
+            <a:lvl7pPr marL="6525820" indent="0" algn="ctr" defTabSz="1087636" rtl="0" eaLnBrk="1" latinLnBrk="0" hangingPunct="1">
+              <a:spcBef>
+                <a:spcPct val="20000"/>
+              </a:spcBef>
+              <a:buFont typeface="Arial"/>
+              <a:buNone/>
+              <a:defRPr sz="4800" kern="1200">
+                <a:solidFill>
+                  <a:schemeClr val="tx1">
+                    <a:tint val="75000"/>
+                  </a:schemeClr>
+                </a:solidFill>
+                <a:latin typeface="+mn-lt"/>
+                <a:ea typeface="+mn-ea"/>
+                <a:cs typeface="+mn-cs"/>
+              </a:defRPr>
+            </a:lvl7pPr>
+            <a:lvl8pPr marL="7613455" indent="0" algn="ctr" defTabSz="1087636" rtl="0" eaLnBrk="1" latinLnBrk="0" hangingPunct="1">
+              <a:spcBef>
+                <a:spcPct val="20000"/>
+              </a:spcBef>
+              <a:buFont typeface="Arial"/>
+              <a:buNone/>
+              <a:defRPr sz="4800" kern="1200">
+                <a:solidFill>
+                  <a:schemeClr val="tx1">
+                    <a:tint val="75000"/>
+                  </a:schemeClr>
+                </a:solidFill>
+                <a:latin typeface="+mn-lt"/>
+                <a:ea typeface="+mn-ea"/>
+                <a:cs typeface="+mn-cs"/>
+              </a:defRPr>
+            </a:lvl8pPr>
+            <a:lvl9pPr marL="8701091" indent="0" algn="ctr" defTabSz="1087636" rtl="0" eaLnBrk="1" latinLnBrk="0" hangingPunct="1">
+              <a:spcBef>
+                <a:spcPct val="20000"/>
+              </a:spcBef>
+              <a:buFont typeface="Arial"/>
+              <a:buNone/>
+              <a:defRPr sz="4800" kern="1200">
+                <a:solidFill>
+                  <a:schemeClr val="tx1">
+                    <a:tint val="75000"/>
+                  </a:schemeClr>
+                </a:solidFill>
+                <a:latin typeface="+mn-lt"/>
+                <a:ea typeface="+mn-ea"/>
+                <a:cs typeface="+mn-cs"/>
+              </a:defRPr>
+            </a:lvl9pPr>
+          </a:lstStyle>
+          <a:p>
+            <a:pPr algn="just">
+              <a:lnSpc>
+                <a:spcPts val="2020"/>
+              </a:lnSpc>
+            </a:pPr>
+            <a:r>
+              <a:rPr lang="en-US" sz="1200" dirty="0">
+                <a:solidFill>
+                  <a:schemeClr val="tx1"/>
+                </a:solidFill>
+                <a:latin typeface="Lato Light" charset="0"/>
+                <a:ea typeface="Lato Light" charset="0"/>
+                <a:cs typeface="Lato Light" charset="0"/>
+              </a:rPr>
+              <a:t>A1s continuously send messages with the configured frequency to A3s.  </a:t>
+            </a:r>
+          </a:p>
+          <a:p>
+            <a:pPr algn="just">
+              <a:lnSpc>
+                <a:spcPts val="2020"/>
+              </a:lnSpc>
+            </a:pPr>
+            <a:r>
+              <a:rPr lang="en-US" sz="1200" dirty="0">
+                <a:solidFill>
+                  <a:schemeClr val="tx1"/>
+                </a:solidFill>
+                <a:latin typeface="Lato Light" charset="0"/>
+                <a:ea typeface="Lato Light" charset="0"/>
+                <a:cs typeface="Lato Light" charset="0"/>
+              </a:rPr>
+              <a:t>A2s continuously send messages with a fixed frequency to A3s; messages have the configured size.</a:t>
+            </a:r>
+          </a:p>
+          <a:p>
+            <a:pPr algn="just">
+              <a:lnSpc>
+                <a:spcPts val="2020"/>
+              </a:lnSpc>
+            </a:pPr>
+            <a:r>
+              <a:rPr lang="en-US" sz="1200" dirty="0">
+                <a:solidFill>
+                  <a:schemeClr val="tx1"/>
+                </a:solidFill>
+                <a:latin typeface="Lato Light" charset="0"/>
+                <a:ea typeface="Lato Light" charset="0"/>
+                <a:cs typeface="Lato Light" charset="0"/>
+              </a:rPr>
+              <a:t>A3s put received messages in buckets of the configured size (i.e., number of messages); when a bucket is full, all messages are aggregated and the result is sent to A4.</a:t>
+            </a:r>
+          </a:p>
+          <a:p>
+            <a:pPr algn="just">
+              <a:lnSpc>
+                <a:spcPts val="2020"/>
+              </a:lnSpc>
+            </a:pPr>
+            <a:r>
+              <a:rPr lang="en-US" sz="1200" dirty="0">
+                <a:solidFill>
+                  <a:schemeClr val="tx1"/>
+                </a:solidFill>
+                <a:latin typeface="Lato Light" charset="0"/>
+                <a:ea typeface="Lato Light" charset="0"/>
+                <a:cs typeface="Lato Light" charset="0"/>
+              </a:rPr>
+              <a:t>Furthermore, when A3s receive a message with a value above a defined threshold, the message is forwarded to all other A3s.</a:t>
+            </a:r>
+          </a:p>
+          <a:p>
+            <a:pPr algn="just">
+              <a:lnSpc>
+                <a:spcPts val="2020"/>
+              </a:lnSpc>
+            </a:pPr>
+            <a:r>
+              <a:rPr lang="en-US" sz="1200" dirty="0">
+                <a:solidFill>
+                  <a:schemeClr val="tx1"/>
+                </a:solidFill>
+                <a:latin typeface="Lato Light" charset="0"/>
+                <a:ea typeface="Lato Light" charset="0"/>
+                <a:cs typeface="Lato Light" charset="0"/>
+              </a:rPr>
+              <a:t>A4 has the capability to report that it has received the configured </a:t>
+            </a:r>
+          </a:p>
+          <a:p>
+            <a:pPr algn="just">
+              <a:lnSpc>
+                <a:spcPts val="2020"/>
+              </a:lnSpc>
+            </a:pPr>
+            <a:endParaRPr lang="en-US" sz="1200" dirty="0">
+              <a:solidFill>
+                <a:schemeClr val="tx1"/>
+              </a:solidFill>
+              <a:latin typeface="Lato Light" charset="0"/>
+              <a:ea typeface="Lato Light" charset="0"/>
+              <a:cs typeface="Lato Light" charset="0"/>
+            </a:endParaRPr>
+          </a:p>
+        </p:txBody>
+      </p:sp>
+      <p:sp>
+        <p:nvSpPr>
+          <p:cNvPr id="57" name="TextBox 69">
+            <a:extLst>
+              <a:ext uri="{FF2B5EF4-FFF2-40B4-BE49-F238E27FC236}">
+                <a16:creationId xmlns:a16="http://schemas.microsoft.com/office/drawing/2014/main" id="{577540BF-12AA-CF49-8228-A386403A569E}"/>
+              </a:ext>
+            </a:extLst>
+          </p:cNvPr>
+          <p:cNvSpPr txBox="1"/>
+          <p:nvPr/>
+        </p:nvSpPr>
+        <p:spPr>
+          <a:xfrm>
+            <a:off x="9084351" y="302191"/>
+            <a:ext cx="615874" cy="338554"/>
+          </a:xfrm>
+          <a:prstGeom prst="rect">
+            <a:avLst/>
+          </a:prstGeom>
+          <a:noFill/>
+        </p:spPr>
+        <p:txBody>
+          <a:bodyPr wrap="none" rtlCol="0" anchor="ctr" anchorCtr="0">
+            <a:spAutoFit/>
+          </a:bodyPr>
+          <a:lstStyle/>
+          <a:p>
+            <a:pPr algn="ctr"/>
+            <a:r>
+              <a:rPr lang="en-US" sz="1600" b="1" dirty="0">
+                <a:solidFill>
+                  <a:schemeClr val="tx2"/>
+                </a:solidFill>
+                <a:latin typeface="Lato Bold" charset="0"/>
+                <a:ea typeface="Lato Bold" charset="0"/>
+                <a:cs typeface="Lato Bold" charset="0"/>
+              </a:rPr>
+              <a:t>Logic</a:t>
+            </a:r>
+          </a:p>
+        </p:txBody>
+      </p:sp>
+      <p:sp>
+        <p:nvSpPr>
+          <p:cNvPr id="22" name="Abgerundete rechteckige Legende 21">
+            <a:extLst>
+              <a:ext uri="{FF2B5EF4-FFF2-40B4-BE49-F238E27FC236}">
+                <a16:creationId xmlns:a16="http://schemas.microsoft.com/office/drawing/2014/main" id="{81E0BC33-BF1E-C140-A83F-A6C420464CDE}"/>
+              </a:ext>
+            </a:extLst>
+          </p:cNvPr>
+          <p:cNvSpPr/>
+          <p:nvPr/>
+        </p:nvSpPr>
+        <p:spPr>
+          <a:xfrm>
+            <a:off x="3674293" y="1451180"/>
+            <a:ext cx="1615619" cy="476519"/>
+          </a:xfrm>
+          <a:prstGeom prst="wedgeRoundRectCallout">
+            <a:avLst>
+              <a:gd name="adj1" fmla="val 44603"/>
+              <a:gd name="adj2" fmla="val 76199"/>
+              <a:gd name="adj3" fmla="val 16667"/>
+            </a:avLst>
+          </a:prstGeom>
+          <a:solidFill>
+            <a:schemeClr val="bg1"/>
+          </a:solidFill>
+          <a:ln>
+            <a:solidFill>
+              <a:schemeClr val="tx1"/>
+            </a:solidFill>
+          </a:ln>
+        </p:spPr>
+        <p:style>
+          <a:lnRef idx="2">
+            <a:schemeClr val="accent1">
+              <a:shade val="50000"/>
+            </a:schemeClr>
+          </a:lnRef>
+          <a:fillRef idx="1">
+            <a:schemeClr val="accent1"/>
+          </a:fillRef>
+          <a:effectRef idx="0">
+            <a:schemeClr val="accent1"/>
+          </a:effectRef>
+          <a:fontRef idx="minor">
+            <a:schemeClr val="lt1"/>
+          </a:fontRef>
+        </p:style>
+        <p:txBody>
+          <a:bodyPr rtlCol="0" anchor="ctr"/>
+          <a:lstStyle/>
+          <a:p>
+            <a:pPr algn="ctr"/>
+            <a:r>
+              <a:rPr lang="en-US" sz="1200" dirty="0">
+                <a:solidFill>
+                  <a:schemeClr val="tx1"/>
+                </a:solidFill>
+                <a:latin typeface="Lato Light" charset="0"/>
+              </a:rPr>
+              <a:t>/config/amount</a:t>
+            </a:r>
+          </a:p>
+        </p:txBody>
+      </p:sp>
+    </p:spTree>
+    <p:extLst>
+      <p:ext uri="{BB962C8B-B14F-4D97-AF65-F5344CB8AC3E}">
+        <p14:creationId xmlns:p14="http://schemas.microsoft.com/office/powerpoint/2010/main" val="1628619557"/>
+      </p:ext>
+    </p:extLst>
+  </p:cSld>
+  <p:clrMapOvr>
+    <a:masterClrMapping/>
+  </p:clrMapOvr>
+  <mc:AlternateContent xmlns:mc="http://schemas.openxmlformats.org/markup-compatibility/2006">
+    <mc:Choice xmlns:p14="http://schemas.microsoft.com/office/powerpoint/2010/main" Requires="p14">
+      <p:transition p14:dur="0" advClick="0"/>
+    </mc:Choice>
+    <mc:Fallback>
+      <p:transition advClick="0"/>
+    </mc:Fallback>
+  </mc:AlternateContent>
+</p:sld>
+</file>
+
+<file path=ppt/slides/slide11.xml><?xml version="1.0" encoding="utf-8"?>
+<p:sld xmlns:a="http://schemas.openxmlformats.org/drawingml/2006/main" xmlns:r="http://schemas.openxmlformats.org/officeDocument/2006/relationships" xmlns:p="http://schemas.openxmlformats.org/presentationml/2006/main" show="0">
+  <p:cSld>
+    <p:spTree>
+      <p:nvGrpSpPr>
+        <p:cNvPr id="1" name=""/>
+        <p:cNvGrpSpPr/>
+        <p:nvPr/>
+      </p:nvGrpSpPr>
+      <p:grpSpPr>
+        <a:xfrm>
+          <a:off x="0" y="0"/>
+          <a:ext cx="0" cy="0"/>
+          <a:chOff x="0" y="0"/>
+          <a:chExt cx="0" cy="0"/>
+        </a:xfrm>
+      </p:grpSpPr>
+      <p:sp>
+        <p:nvSpPr>
+          <p:cNvPr id="2" name="Rechteck 1">
+            <a:extLst>
+              <a:ext uri="{FF2B5EF4-FFF2-40B4-BE49-F238E27FC236}">
+                <a16:creationId xmlns:a16="http://schemas.microsoft.com/office/drawing/2014/main" id="{7CEEBDF9-2BD1-9843-B8D7-B9F483EB363E}"/>
+              </a:ext>
+            </a:extLst>
+          </p:cNvPr>
+          <p:cNvSpPr/>
+          <p:nvPr/>
+        </p:nvSpPr>
+        <p:spPr>
+          <a:xfrm>
+            <a:off x="2555777" y="5543193"/>
+            <a:ext cx="920079" cy="533873"/>
+          </a:xfrm>
+          <a:prstGeom prst="rect">
+            <a:avLst/>
+          </a:prstGeom>
+          <a:solidFill>
+            <a:schemeClr val="accent2"/>
+          </a:solidFill>
+          <a:ln w="28575">
+            <a:solidFill>
+              <a:schemeClr val="tx1"/>
+            </a:solidFill>
+          </a:ln>
+        </p:spPr>
+        <p:style>
+          <a:lnRef idx="0">
+            <a:scrgbClr r="0" g="0" b="0"/>
+          </a:lnRef>
+          <a:fillRef idx="0">
+            <a:scrgbClr r="0" g="0" b="0"/>
+          </a:fillRef>
+          <a:effectRef idx="0">
+            <a:scrgbClr r="0" g="0" b="0"/>
+          </a:effectRef>
+          <a:fontRef idx="minor">
+            <a:schemeClr val="lt1"/>
+          </a:fontRef>
+        </p:style>
+        <p:txBody>
+          <a:bodyPr rtlCol="0" anchor="ctr"/>
+          <a:lstStyle/>
+          <a:p>
+            <a:pPr algn="ctr"/>
+            <a:r>
+              <a:rPr lang="en-US" sz="1200" b="1" dirty="0">
+                <a:solidFill>
+                  <a:schemeClr val="bg2"/>
+                </a:solidFill>
+                <a:latin typeface="Lato Bold" charset="0"/>
+              </a:rPr>
+              <a:t>Pressure-Sensor</a:t>
+            </a:r>
+          </a:p>
+        </p:txBody>
+      </p:sp>
+      <p:sp>
+        <p:nvSpPr>
+          <p:cNvPr id="3" name="Rechteck 2">
+            <a:extLst>
+              <a:ext uri="{FF2B5EF4-FFF2-40B4-BE49-F238E27FC236}">
+                <a16:creationId xmlns:a16="http://schemas.microsoft.com/office/drawing/2014/main" id="{44FF70C4-912A-0B4B-A59D-83DD6B683F7C}"/>
+              </a:ext>
+            </a:extLst>
+          </p:cNvPr>
+          <p:cNvSpPr/>
+          <p:nvPr/>
+        </p:nvSpPr>
+        <p:spPr>
+          <a:xfrm>
+            <a:off x="4837991" y="5583897"/>
+            <a:ext cx="920079" cy="533873"/>
+          </a:xfrm>
+          <a:prstGeom prst="rect">
+            <a:avLst/>
+          </a:prstGeom>
+          <a:solidFill>
+            <a:schemeClr val="accent2"/>
+          </a:solidFill>
+          <a:ln w="28575">
+            <a:solidFill>
+              <a:schemeClr val="tx1"/>
+            </a:solidFill>
+          </a:ln>
+        </p:spPr>
+        <p:style>
+          <a:lnRef idx="0">
+            <a:scrgbClr r="0" g="0" b="0"/>
+          </a:lnRef>
+          <a:fillRef idx="0">
+            <a:scrgbClr r="0" g="0" b="0"/>
+          </a:fillRef>
+          <a:effectRef idx="0">
+            <a:scrgbClr r="0" g="0" b="0"/>
+          </a:effectRef>
+          <a:fontRef idx="minor">
+            <a:schemeClr val="lt1"/>
+          </a:fontRef>
+        </p:style>
+        <p:txBody>
+          <a:bodyPr rtlCol="0" anchor="ctr"/>
+          <a:lstStyle/>
+          <a:p>
+            <a:pPr algn="ctr"/>
+            <a:r>
+              <a:rPr lang="en-US" sz="1200" b="1" dirty="0">
+                <a:solidFill>
+                  <a:schemeClr val="bg2"/>
+                </a:solidFill>
+                <a:latin typeface="Lato Bold" charset="0"/>
+              </a:rPr>
+              <a:t>Camera</a:t>
+            </a:r>
+          </a:p>
+        </p:txBody>
+      </p:sp>
+      <p:sp>
+        <p:nvSpPr>
+          <p:cNvPr id="4" name="Rechteck 3">
+            <a:extLst>
+              <a:ext uri="{FF2B5EF4-FFF2-40B4-BE49-F238E27FC236}">
+                <a16:creationId xmlns:a16="http://schemas.microsoft.com/office/drawing/2014/main" id="{9E6B8B62-7927-A443-877F-FDAC552A27CF}"/>
+              </a:ext>
+            </a:extLst>
+          </p:cNvPr>
+          <p:cNvSpPr/>
+          <p:nvPr/>
+        </p:nvSpPr>
+        <p:spPr>
+          <a:xfrm>
+            <a:off x="8040285" y="5543193"/>
+            <a:ext cx="920079" cy="533873"/>
+          </a:xfrm>
+          <a:prstGeom prst="rect">
+            <a:avLst/>
+          </a:prstGeom>
+          <a:solidFill>
+            <a:schemeClr val="accent2"/>
+          </a:solidFill>
+          <a:ln w="28575">
+            <a:solidFill>
+              <a:schemeClr val="tx1"/>
+            </a:solidFill>
+          </a:ln>
+        </p:spPr>
+        <p:style>
+          <a:lnRef idx="0">
+            <a:scrgbClr r="0" g="0" b="0"/>
+          </a:lnRef>
+          <a:fillRef idx="0">
+            <a:scrgbClr r="0" g="0" b="0"/>
+          </a:fillRef>
+          <a:effectRef idx="0">
+            <a:scrgbClr r="0" g="0" b="0"/>
+          </a:effectRef>
+          <a:fontRef idx="minor">
+            <a:schemeClr val="lt1"/>
+          </a:fontRef>
+        </p:style>
+        <p:txBody>
+          <a:bodyPr rtlCol="0" anchor="ctr"/>
+          <a:lstStyle/>
+          <a:p>
+            <a:pPr algn="ctr"/>
+            <a:r>
+              <a:rPr lang="en-US" sz="1200" b="1" dirty="0">
+                <a:solidFill>
+                  <a:schemeClr val="bg2"/>
+                </a:solidFill>
+                <a:latin typeface="Lato Bold" charset="0"/>
+              </a:rPr>
+              <a:t>Camera</a:t>
+            </a:r>
+          </a:p>
+        </p:txBody>
+      </p:sp>
+      <p:sp>
+        <p:nvSpPr>
+          <p:cNvPr id="5" name="Rechteck 4">
+            <a:extLst>
+              <a:ext uri="{FF2B5EF4-FFF2-40B4-BE49-F238E27FC236}">
+                <a16:creationId xmlns:a16="http://schemas.microsoft.com/office/drawing/2014/main" id="{FAB4DBA7-0A90-1543-80D1-13A28364E86F}"/>
+              </a:ext>
+            </a:extLst>
+          </p:cNvPr>
+          <p:cNvSpPr/>
+          <p:nvPr/>
+        </p:nvSpPr>
+        <p:spPr>
+          <a:xfrm>
+            <a:off x="3926904" y="3809998"/>
+            <a:ext cx="920079" cy="533873"/>
+          </a:xfrm>
+          <a:prstGeom prst="rect">
+            <a:avLst/>
+          </a:prstGeom>
+          <a:solidFill>
+            <a:schemeClr val="accent3"/>
+          </a:solidFill>
+          <a:ln w="28575">
+            <a:solidFill>
+              <a:schemeClr val="tx1"/>
+            </a:solidFill>
+          </a:ln>
+        </p:spPr>
+        <p:style>
+          <a:lnRef idx="0">
+            <a:scrgbClr r="0" g="0" b="0"/>
+          </a:lnRef>
+          <a:fillRef idx="0">
+            <a:scrgbClr r="0" g="0" b="0"/>
+          </a:fillRef>
+          <a:effectRef idx="0">
+            <a:scrgbClr r="0" g="0" b="0"/>
+          </a:effectRef>
+          <a:fontRef idx="minor">
+            <a:schemeClr val="lt1"/>
+          </a:fontRef>
+        </p:style>
+        <p:txBody>
+          <a:bodyPr rtlCol="0" anchor="ctr"/>
+          <a:lstStyle/>
+          <a:p>
+            <a:pPr algn="ctr"/>
+            <a:r>
+              <a:rPr lang="en-US" sz="1200" b="1" dirty="0">
+                <a:solidFill>
+                  <a:schemeClr val="bg2"/>
+                </a:solidFill>
+                <a:latin typeface="Lato Bold" charset="0"/>
+              </a:rPr>
+              <a:t>Monitoring</a:t>
+            </a:r>
+            <a:endParaRPr lang="en-US" sz="1200" dirty="0"/>
+          </a:p>
+        </p:txBody>
+      </p:sp>
+      <p:sp>
+        <p:nvSpPr>
+          <p:cNvPr id="6" name="Rechteck 5">
+            <a:extLst>
+              <a:ext uri="{FF2B5EF4-FFF2-40B4-BE49-F238E27FC236}">
+                <a16:creationId xmlns:a16="http://schemas.microsoft.com/office/drawing/2014/main" id="{A3936D1A-7BA8-9445-BFAA-C91AEA20D0DC}"/>
+              </a:ext>
+            </a:extLst>
+          </p:cNvPr>
+          <p:cNvSpPr/>
+          <p:nvPr/>
+        </p:nvSpPr>
+        <p:spPr>
+          <a:xfrm>
+            <a:off x="6669158" y="3809998"/>
+            <a:ext cx="920079" cy="533873"/>
+          </a:xfrm>
+          <a:prstGeom prst="rect">
+            <a:avLst/>
+          </a:prstGeom>
+          <a:solidFill>
+            <a:schemeClr val="accent3"/>
+          </a:solidFill>
+          <a:ln w="28575">
+            <a:solidFill>
+              <a:schemeClr val="tx1"/>
+            </a:solidFill>
+          </a:ln>
+        </p:spPr>
+        <p:style>
+          <a:lnRef idx="0">
+            <a:scrgbClr r="0" g="0" b="0"/>
+          </a:lnRef>
+          <a:fillRef idx="0">
+            <a:scrgbClr r="0" g="0" b="0"/>
+          </a:fillRef>
+          <a:effectRef idx="0">
+            <a:scrgbClr r="0" g="0" b="0"/>
+          </a:effectRef>
+          <a:fontRef idx="minor">
+            <a:schemeClr val="lt1"/>
+          </a:fontRef>
+        </p:style>
+        <p:txBody>
+          <a:bodyPr rtlCol="0" anchor="ctr"/>
+          <a:lstStyle/>
+          <a:p>
+            <a:pPr algn="ctr"/>
+            <a:r>
+              <a:rPr lang="en-US" sz="1200" b="1" dirty="0">
+                <a:solidFill>
+                  <a:schemeClr val="bg2"/>
+                </a:solidFill>
+                <a:latin typeface="Lato Bold" charset="0"/>
+              </a:rPr>
+              <a:t>Monitoring</a:t>
+            </a:r>
+            <a:endParaRPr lang="en-US" sz="1200" dirty="0"/>
+          </a:p>
+        </p:txBody>
+      </p:sp>
+      <p:sp>
+        <p:nvSpPr>
+          <p:cNvPr id="8" name="Rechteck 7">
+            <a:extLst>
+              <a:ext uri="{FF2B5EF4-FFF2-40B4-BE49-F238E27FC236}">
+                <a16:creationId xmlns:a16="http://schemas.microsoft.com/office/drawing/2014/main" id="{EEBEBDF2-AA89-244F-9251-6369386DA7BB}"/>
+              </a:ext>
+            </a:extLst>
+          </p:cNvPr>
+          <p:cNvSpPr/>
+          <p:nvPr/>
+        </p:nvSpPr>
+        <p:spPr>
+          <a:xfrm>
+            <a:off x="5298031" y="2076803"/>
+            <a:ext cx="920079" cy="533873"/>
+          </a:xfrm>
+          <a:prstGeom prst="rect">
+            <a:avLst/>
+          </a:prstGeom>
+          <a:solidFill>
+            <a:schemeClr val="accent4"/>
+          </a:solidFill>
+          <a:ln w="28575">
+            <a:solidFill>
+              <a:schemeClr val="tx1"/>
+            </a:solidFill>
+          </a:ln>
+        </p:spPr>
+        <p:style>
+          <a:lnRef idx="0">
+            <a:scrgbClr r="0" g="0" b="0"/>
+          </a:lnRef>
+          <a:fillRef idx="0">
+            <a:scrgbClr r="0" g="0" b="0"/>
+          </a:fillRef>
+          <a:effectRef idx="0">
+            <a:scrgbClr r="0" g="0" b="0"/>
+          </a:effectRef>
+          <a:fontRef idx="minor">
+            <a:schemeClr val="lt1"/>
+          </a:fontRef>
+        </p:style>
+        <p:txBody>
+          <a:bodyPr rtlCol="0" anchor="ctr"/>
+          <a:lstStyle/>
+          <a:p>
+            <a:pPr algn="ctr"/>
+            <a:r>
+              <a:rPr lang="en-US" sz="1200" b="1" dirty="0">
+                <a:solidFill>
+                  <a:schemeClr val="bg2"/>
+                </a:solidFill>
+                <a:latin typeface="Lato Bold" charset="0"/>
+              </a:rPr>
+              <a:t>Dashboard</a:t>
+            </a:r>
+            <a:endParaRPr lang="en-US" sz="1200" dirty="0"/>
+          </a:p>
+        </p:txBody>
+      </p:sp>
+      <p:cxnSp>
+        <p:nvCxnSpPr>
+          <p:cNvPr id="15" name="Gerade Verbindung mit Pfeil 14">
+            <a:extLst>
+              <a:ext uri="{FF2B5EF4-FFF2-40B4-BE49-F238E27FC236}">
+                <a16:creationId xmlns:a16="http://schemas.microsoft.com/office/drawing/2014/main" id="{71C28ADC-0C54-7141-BE14-B45C966BE4CE}"/>
+              </a:ext>
+            </a:extLst>
+          </p:cNvPr>
+          <p:cNvCxnSpPr>
+            <a:cxnSpLocks/>
+          </p:cNvCxnSpPr>
+          <p:nvPr/>
+        </p:nvCxnSpPr>
+        <p:spPr>
+          <a:xfrm flipH="1" flipV="1">
+            <a:off x="4765174" y="4392375"/>
+            <a:ext cx="992896" cy="1094025"/>
+          </a:xfrm>
+          <a:prstGeom prst="straightConnector1">
+            <a:avLst/>
+          </a:prstGeom>
+          <a:ln w="19050">
+            <a:solidFill>
+              <a:schemeClr val="tx2"/>
+            </a:solidFill>
+            <a:tailEnd type="triangle"/>
+          </a:ln>
+        </p:spPr>
+        <p:style>
+          <a:lnRef idx="1">
+            <a:schemeClr val="accent1"/>
+          </a:lnRef>
+          <a:fillRef idx="0">
+            <a:schemeClr val="accent1"/>
+          </a:fillRef>
+          <a:effectRef idx="0">
+            <a:schemeClr val="accent1"/>
+          </a:effectRef>
+          <a:fontRef idx="minor">
+            <a:schemeClr val="tx1"/>
+          </a:fontRef>
+        </p:style>
+      </p:cxnSp>
+      <p:cxnSp>
+        <p:nvCxnSpPr>
+          <p:cNvPr id="24" name="Gerade Verbindung mit Pfeil 23">
+            <a:extLst>
+              <a:ext uri="{FF2B5EF4-FFF2-40B4-BE49-F238E27FC236}">
+                <a16:creationId xmlns:a16="http://schemas.microsoft.com/office/drawing/2014/main" id="{27EFDEFD-7DA3-5E43-AA2B-4ECD4C4A34BD}"/>
+              </a:ext>
+            </a:extLst>
+          </p:cNvPr>
+          <p:cNvCxnSpPr>
+            <a:cxnSpLocks/>
+          </p:cNvCxnSpPr>
+          <p:nvPr/>
+        </p:nvCxnSpPr>
+        <p:spPr>
+          <a:xfrm flipV="1">
+            <a:off x="3106210" y="4400664"/>
+            <a:ext cx="899120" cy="1085736"/>
+          </a:xfrm>
+          <a:prstGeom prst="straightConnector1">
+            <a:avLst/>
+          </a:prstGeom>
+          <a:ln w="19050">
+            <a:solidFill>
+              <a:schemeClr val="tx2"/>
+            </a:solidFill>
+            <a:tailEnd type="triangle"/>
+          </a:ln>
+        </p:spPr>
+        <p:style>
+          <a:lnRef idx="1">
+            <a:schemeClr val="accent1"/>
+          </a:lnRef>
+          <a:fillRef idx="0">
+            <a:schemeClr val="accent1"/>
+          </a:fillRef>
+          <a:effectRef idx="0">
+            <a:schemeClr val="accent1"/>
+          </a:effectRef>
+          <a:fontRef idx="minor">
+            <a:schemeClr val="tx1"/>
+          </a:fontRef>
+        </p:style>
+      </p:cxnSp>
+      <p:cxnSp>
+        <p:nvCxnSpPr>
+          <p:cNvPr id="25" name="Gerade Verbindung mit Pfeil 24">
+            <a:extLst>
+              <a:ext uri="{FF2B5EF4-FFF2-40B4-BE49-F238E27FC236}">
+                <a16:creationId xmlns:a16="http://schemas.microsoft.com/office/drawing/2014/main" id="{D18E8DB8-CCC6-6D4D-951D-82FA050035D6}"/>
+              </a:ext>
+            </a:extLst>
+          </p:cNvPr>
+          <p:cNvCxnSpPr>
+            <a:cxnSpLocks/>
+          </p:cNvCxnSpPr>
+          <p:nvPr/>
+        </p:nvCxnSpPr>
+        <p:spPr>
+          <a:xfrm flipH="1" flipV="1">
+            <a:off x="7501944" y="4384576"/>
+            <a:ext cx="886497" cy="1101824"/>
+          </a:xfrm>
+          <a:prstGeom prst="straightConnector1">
+            <a:avLst/>
+          </a:prstGeom>
+          <a:ln w="19050">
+            <a:solidFill>
+              <a:schemeClr val="tx2"/>
+            </a:solidFill>
+            <a:tailEnd type="triangle"/>
+          </a:ln>
+        </p:spPr>
+        <p:style>
+          <a:lnRef idx="1">
+            <a:schemeClr val="accent1"/>
+          </a:lnRef>
+          <a:fillRef idx="0">
+            <a:schemeClr val="accent1"/>
+          </a:fillRef>
+          <a:effectRef idx="0">
+            <a:schemeClr val="accent1"/>
+          </a:effectRef>
+          <a:fontRef idx="minor">
+            <a:schemeClr val="tx1"/>
+          </a:fontRef>
+        </p:style>
+      </p:cxnSp>
+      <p:cxnSp>
+        <p:nvCxnSpPr>
+          <p:cNvPr id="29" name="Gerade Verbindung mit Pfeil 28">
+            <a:extLst>
+              <a:ext uri="{FF2B5EF4-FFF2-40B4-BE49-F238E27FC236}">
+                <a16:creationId xmlns:a16="http://schemas.microsoft.com/office/drawing/2014/main" id="{EBF0A071-0B46-304A-8525-FD22D6586E7B}"/>
+              </a:ext>
+            </a:extLst>
+          </p:cNvPr>
+          <p:cNvCxnSpPr>
+            <a:cxnSpLocks/>
+          </p:cNvCxnSpPr>
+          <p:nvPr/>
+        </p:nvCxnSpPr>
+        <p:spPr>
+          <a:xfrm>
+            <a:off x="4931192" y="4088065"/>
+            <a:ext cx="1675670" cy="0"/>
+          </a:xfrm>
+          <a:prstGeom prst="straightConnector1">
+            <a:avLst/>
+          </a:prstGeom>
+          <a:ln w="19050">
+            <a:solidFill>
+              <a:schemeClr val="tx2"/>
+            </a:solidFill>
+            <a:headEnd type="triangle" w="med" len="med"/>
+            <a:tailEnd type="triangle" w="med" len="med"/>
+          </a:ln>
+        </p:spPr>
+        <p:style>
+          <a:lnRef idx="1">
+            <a:schemeClr val="accent1"/>
+          </a:lnRef>
+          <a:fillRef idx="0">
+            <a:schemeClr val="accent1"/>
+          </a:fillRef>
+          <a:effectRef idx="0">
+            <a:schemeClr val="accent1"/>
+          </a:effectRef>
+          <a:fontRef idx="minor">
+            <a:schemeClr val="tx1"/>
+          </a:fontRef>
+        </p:style>
+      </p:cxnSp>
+      <p:cxnSp>
+        <p:nvCxnSpPr>
+          <p:cNvPr id="32" name="Gerade Verbindung mit Pfeil 31">
+            <a:extLst>
+              <a:ext uri="{FF2B5EF4-FFF2-40B4-BE49-F238E27FC236}">
+                <a16:creationId xmlns:a16="http://schemas.microsoft.com/office/drawing/2014/main" id="{E9388547-B88C-714F-BE4C-A6C32A82B2AB}"/>
+              </a:ext>
+            </a:extLst>
+          </p:cNvPr>
+          <p:cNvCxnSpPr>
+            <a:cxnSpLocks/>
+          </p:cNvCxnSpPr>
+          <p:nvPr/>
+        </p:nvCxnSpPr>
+        <p:spPr>
+          <a:xfrm flipH="1" flipV="1">
+            <a:off x="6168980" y="2659179"/>
+            <a:ext cx="886497" cy="1102316"/>
+          </a:xfrm>
+          <a:prstGeom prst="straightConnector1">
+            <a:avLst/>
+          </a:prstGeom>
+          <a:ln w="19050">
+            <a:solidFill>
+              <a:schemeClr val="tx2"/>
+            </a:solidFill>
+            <a:tailEnd type="triangle"/>
+          </a:ln>
+        </p:spPr>
+        <p:style>
+          <a:lnRef idx="1">
+            <a:schemeClr val="accent1"/>
+          </a:lnRef>
+          <a:fillRef idx="0">
+            <a:schemeClr val="accent1"/>
+          </a:fillRef>
+          <a:effectRef idx="0">
+            <a:schemeClr val="accent1"/>
+          </a:effectRef>
+          <a:fontRef idx="minor">
+            <a:schemeClr val="tx1"/>
+          </a:fontRef>
+        </p:style>
+      </p:cxnSp>
+      <p:cxnSp>
+        <p:nvCxnSpPr>
+          <p:cNvPr id="33" name="Gerade Verbindung mit Pfeil 32">
+            <a:extLst>
+              <a:ext uri="{FF2B5EF4-FFF2-40B4-BE49-F238E27FC236}">
+                <a16:creationId xmlns:a16="http://schemas.microsoft.com/office/drawing/2014/main" id="{BC46B446-1C5B-C34E-9D28-36B665C39889}"/>
+              </a:ext>
+            </a:extLst>
+          </p:cNvPr>
+          <p:cNvCxnSpPr>
+            <a:cxnSpLocks/>
+          </p:cNvCxnSpPr>
+          <p:nvPr/>
+        </p:nvCxnSpPr>
+        <p:spPr>
+          <a:xfrm flipV="1">
+            <a:off x="4482103" y="2659180"/>
+            <a:ext cx="881948" cy="1102315"/>
+          </a:xfrm>
+          <a:prstGeom prst="straightConnector1">
+            <a:avLst/>
+          </a:prstGeom>
+          <a:ln w="19050">
+            <a:solidFill>
+              <a:schemeClr val="tx2"/>
+            </a:solidFill>
+            <a:tailEnd type="triangle"/>
+          </a:ln>
+        </p:spPr>
+        <p:style>
+          <a:lnRef idx="1">
+            <a:schemeClr val="accent1"/>
+          </a:lnRef>
+          <a:fillRef idx="0">
+            <a:schemeClr val="accent1"/>
+          </a:fillRef>
+          <a:effectRef idx="0">
+            <a:schemeClr val="accent1"/>
+          </a:effectRef>
+          <a:fontRef idx="minor">
+            <a:schemeClr val="tx1"/>
+          </a:fontRef>
+        </p:style>
+      </p:cxnSp>
+      <p:sp>
+        <p:nvSpPr>
+          <p:cNvPr id="34" name="Abgerundete rechteckige Legende 33">
+            <a:extLst>
+              <a:ext uri="{FF2B5EF4-FFF2-40B4-BE49-F238E27FC236}">
+                <a16:creationId xmlns:a16="http://schemas.microsoft.com/office/drawing/2014/main" id="{821FEDCC-669E-A043-AADF-A559F9CADD83}"/>
+              </a:ext>
+            </a:extLst>
+          </p:cNvPr>
+          <p:cNvSpPr/>
+          <p:nvPr/>
+        </p:nvSpPr>
+        <p:spPr>
+          <a:xfrm>
+            <a:off x="940158" y="4954904"/>
+            <a:ext cx="1615619" cy="476519"/>
+          </a:xfrm>
+          <a:prstGeom prst="wedgeRoundRectCallout">
+            <a:avLst>
+              <a:gd name="adj1" fmla="val 44603"/>
+              <a:gd name="adj2" fmla="val 76199"/>
+              <a:gd name="adj3" fmla="val 16667"/>
+            </a:avLst>
+          </a:prstGeom>
+          <a:solidFill>
+            <a:schemeClr val="bg1"/>
+          </a:solidFill>
+          <a:ln>
+            <a:solidFill>
+              <a:schemeClr val="tx1"/>
+            </a:solidFill>
+          </a:ln>
+        </p:spPr>
+        <p:style>
+          <a:lnRef idx="2">
+            <a:schemeClr val="accent1">
+              <a:shade val="50000"/>
+            </a:schemeClr>
+          </a:lnRef>
+          <a:fillRef idx="1">
+            <a:schemeClr val="accent1"/>
+          </a:fillRef>
+          <a:effectRef idx="0">
+            <a:schemeClr val="accent1"/>
+          </a:effectRef>
+          <a:fontRef idx="minor">
+            <a:schemeClr val="lt1"/>
+          </a:fontRef>
+        </p:style>
+        <p:txBody>
+          <a:bodyPr rtlCol="0" anchor="ctr"/>
+          <a:lstStyle/>
+          <a:p>
+            <a:pPr algn="ctr"/>
+            <a:r>
+              <a:rPr lang="en-US" sz="1200" dirty="0">
+                <a:solidFill>
+                  <a:schemeClr val="tx1"/>
+                </a:solidFill>
+                <a:latin typeface="Lato Light" charset="0"/>
+              </a:rPr>
+              <a:t>/config/frequency</a:t>
+            </a:r>
+          </a:p>
+        </p:txBody>
+      </p:sp>
+      <p:sp>
+        <p:nvSpPr>
+          <p:cNvPr id="35" name="Abgerundete rechteckige Legende 34">
+            <a:extLst>
+              <a:ext uri="{FF2B5EF4-FFF2-40B4-BE49-F238E27FC236}">
+                <a16:creationId xmlns:a16="http://schemas.microsoft.com/office/drawing/2014/main" id="{2B51614F-6B66-9C4E-BD3B-BEA644A7265D}"/>
+              </a:ext>
+            </a:extLst>
+          </p:cNvPr>
+          <p:cNvSpPr/>
+          <p:nvPr/>
+        </p:nvSpPr>
+        <p:spPr>
+          <a:xfrm>
+            <a:off x="2002665" y="2929945"/>
+            <a:ext cx="1924239" cy="667556"/>
+          </a:xfrm>
+          <a:prstGeom prst="wedgeRoundRectCallout">
+            <a:avLst>
+              <a:gd name="adj1" fmla="val 46197"/>
+              <a:gd name="adj2" fmla="val 84307"/>
+              <a:gd name="adj3" fmla="val 16667"/>
+            </a:avLst>
+          </a:prstGeom>
+          <a:solidFill>
+            <a:schemeClr val="bg1"/>
+          </a:solidFill>
+          <a:ln>
+            <a:solidFill>
+              <a:schemeClr val="tx1"/>
+            </a:solidFill>
+          </a:ln>
+        </p:spPr>
+        <p:style>
+          <a:lnRef idx="2">
+            <a:schemeClr val="accent1">
+              <a:shade val="50000"/>
+            </a:schemeClr>
+          </a:lnRef>
+          <a:fillRef idx="1">
+            <a:schemeClr val="accent1"/>
+          </a:fillRef>
+          <a:effectRef idx="0">
+            <a:schemeClr val="accent1"/>
+          </a:effectRef>
+          <a:fontRef idx="minor">
+            <a:schemeClr val="lt1"/>
+          </a:fontRef>
+        </p:style>
+        <p:txBody>
+          <a:bodyPr rtlCol="0" anchor="ctr"/>
+          <a:lstStyle/>
+          <a:p>
+            <a:pPr algn="ctr"/>
+            <a:r>
+              <a:rPr lang="en-US" sz="1200" dirty="0">
+                <a:solidFill>
+                  <a:schemeClr val="tx1"/>
+                </a:solidFill>
+                <a:latin typeface="Lato Light" charset="0"/>
+              </a:rPr>
+              <a:t>/config/</a:t>
+            </a:r>
+            <a:r>
+              <a:rPr lang="en-US" sz="1200" dirty="0" err="1">
+                <a:solidFill>
+                  <a:schemeClr val="tx1"/>
+                </a:solidFill>
+                <a:latin typeface="Lato Light" charset="0"/>
+              </a:rPr>
+              <a:t>imageBucketSize</a:t>
+            </a:r>
+            <a:endParaRPr lang="en-US" sz="1200" dirty="0">
+              <a:solidFill>
+                <a:schemeClr val="tx1"/>
+              </a:solidFill>
+              <a:latin typeface="Lato Light" charset="0"/>
+            </a:endParaRPr>
+          </a:p>
+          <a:p>
+            <a:pPr algn="ctr"/>
+            <a:r>
+              <a:rPr lang="en-US" sz="1200" dirty="0">
+                <a:solidFill>
+                  <a:schemeClr val="tx1"/>
+                </a:solidFill>
+                <a:latin typeface="Lato Light" charset="0"/>
+              </a:rPr>
+              <a:t>/config/</a:t>
+            </a:r>
+            <a:r>
+              <a:rPr lang="en-US" sz="1200" dirty="0" err="1">
+                <a:solidFill>
+                  <a:schemeClr val="tx1"/>
+                </a:solidFill>
+                <a:latin typeface="Lato Light" charset="0"/>
+              </a:rPr>
+              <a:t>pressureThreshold</a:t>
+            </a:r>
+            <a:endParaRPr lang="en-US" sz="1200" dirty="0">
+              <a:solidFill>
+                <a:schemeClr val="tx1"/>
+              </a:solidFill>
+              <a:latin typeface="Lato Light" charset="0"/>
+            </a:endParaRPr>
+          </a:p>
+          <a:p>
+            <a:pPr algn="ctr"/>
+            <a:r>
+              <a:rPr lang="en-US" sz="1200" dirty="0">
+                <a:solidFill>
+                  <a:schemeClr val="tx1"/>
+                </a:solidFill>
+                <a:latin typeface="Lato Light" charset="0"/>
+              </a:rPr>
+              <a:t>/config/</a:t>
+            </a:r>
+            <a:r>
+              <a:rPr lang="en-US" sz="1200" dirty="0" err="1">
+                <a:solidFill>
+                  <a:schemeClr val="tx1"/>
+                </a:solidFill>
+                <a:latin typeface="Lato Light" charset="0"/>
+              </a:rPr>
+              <a:t>maxPressure</a:t>
+            </a:r>
+            <a:endParaRPr lang="en-US" sz="1200" dirty="0">
+              <a:solidFill>
+                <a:schemeClr val="tx1"/>
+              </a:solidFill>
+              <a:latin typeface="Lato Light" charset="0"/>
+            </a:endParaRPr>
+          </a:p>
+        </p:txBody>
+      </p:sp>
+      <p:sp>
+        <p:nvSpPr>
+          <p:cNvPr id="36" name="Rechteck 35">
+            <a:extLst>
+              <a:ext uri="{FF2B5EF4-FFF2-40B4-BE49-F238E27FC236}">
+                <a16:creationId xmlns:a16="http://schemas.microsoft.com/office/drawing/2014/main" id="{D48DF390-78A8-0D41-AF0A-0A979C035697}"/>
+              </a:ext>
+            </a:extLst>
+          </p:cNvPr>
+          <p:cNvSpPr/>
+          <p:nvPr/>
+        </p:nvSpPr>
+        <p:spPr>
+          <a:xfrm>
+            <a:off x="5758070" y="5583897"/>
+            <a:ext cx="920079" cy="533873"/>
+          </a:xfrm>
+          <a:prstGeom prst="rect">
+            <a:avLst/>
+          </a:prstGeom>
+          <a:solidFill>
+            <a:schemeClr val="accent2"/>
+          </a:solidFill>
+          <a:ln w="28575">
+            <a:solidFill>
+              <a:schemeClr val="tx1"/>
+            </a:solidFill>
+          </a:ln>
+        </p:spPr>
+        <p:style>
+          <a:lnRef idx="0">
+            <a:scrgbClr r="0" g="0" b="0"/>
+          </a:lnRef>
+          <a:fillRef idx="0">
+            <a:scrgbClr r="0" g="0" b="0"/>
+          </a:fillRef>
+          <a:effectRef idx="0">
+            <a:scrgbClr r="0" g="0" b="0"/>
+          </a:effectRef>
+          <a:fontRef idx="minor">
+            <a:schemeClr val="lt1"/>
+          </a:fontRef>
+        </p:style>
+        <p:txBody>
+          <a:bodyPr rtlCol="0" anchor="ctr"/>
+          <a:lstStyle/>
+          <a:p>
+            <a:pPr algn="ctr"/>
+            <a:r>
+              <a:rPr lang="en-US" sz="1200" b="1" dirty="0">
+                <a:solidFill>
+                  <a:schemeClr val="bg2"/>
+                </a:solidFill>
+                <a:latin typeface="Lato Bold" charset="0"/>
+              </a:rPr>
+              <a:t>Pressure-Sensor</a:t>
+            </a:r>
+          </a:p>
+        </p:txBody>
+      </p:sp>
+      <p:cxnSp>
+        <p:nvCxnSpPr>
+          <p:cNvPr id="41" name="Gerade Verbindung mit Pfeil 40">
+            <a:extLst>
+              <a:ext uri="{FF2B5EF4-FFF2-40B4-BE49-F238E27FC236}">
+                <a16:creationId xmlns:a16="http://schemas.microsoft.com/office/drawing/2014/main" id="{0AE9D5BD-2935-EF40-B5FF-413671474F82}"/>
+              </a:ext>
+            </a:extLst>
+          </p:cNvPr>
+          <p:cNvCxnSpPr>
+            <a:cxnSpLocks/>
+          </p:cNvCxnSpPr>
+          <p:nvPr/>
+        </p:nvCxnSpPr>
+        <p:spPr>
+          <a:xfrm flipV="1">
+            <a:off x="5758070" y="4392375"/>
+            <a:ext cx="977581" cy="1094025"/>
+          </a:xfrm>
+          <a:prstGeom prst="straightConnector1">
+            <a:avLst/>
+          </a:prstGeom>
+          <a:ln w="19050">
+            <a:solidFill>
+              <a:schemeClr val="tx2"/>
+            </a:solidFill>
+            <a:tailEnd type="triangle"/>
+          </a:ln>
+        </p:spPr>
+        <p:style>
+          <a:lnRef idx="1">
+            <a:schemeClr val="accent1"/>
+          </a:lnRef>
+          <a:fillRef idx="0">
+            <a:schemeClr val="accent1"/>
+          </a:fillRef>
+          <a:effectRef idx="0">
+            <a:schemeClr val="accent1"/>
+          </a:effectRef>
+          <a:fontRef idx="minor">
+            <a:schemeClr val="tx1"/>
+          </a:fontRef>
+        </p:style>
+      </p:cxnSp>
+      <p:sp>
+        <p:nvSpPr>
+          <p:cNvPr id="55" name="Abgerundete rechteckige Legende 54">
+            <a:extLst>
+              <a:ext uri="{FF2B5EF4-FFF2-40B4-BE49-F238E27FC236}">
+                <a16:creationId xmlns:a16="http://schemas.microsoft.com/office/drawing/2014/main" id="{1B42448C-68DF-4F4D-AB0E-607DBD7FAEF5}"/>
+              </a:ext>
+            </a:extLst>
+          </p:cNvPr>
+          <p:cNvSpPr/>
+          <p:nvPr/>
+        </p:nvSpPr>
+        <p:spPr>
+          <a:xfrm>
+            <a:off x="9064581" y="5042079"/>
+            <a:ext cx="1615619" cy="389344"/>
+          </a:xfrm>
+          <a:prstGeom prst="wedgeRoundRectCallout">
+            <a:avLst>
+              <a:gd name="adj1" fmla="val -52250"/>
+              <a:gd name="adj2" fmla="val 82815"/>
+              <a:gd name="adj3" fmla="val 16667"/>
+            </a:avLst>
+          </a:prstGeom>
+          <a:solidFill>
+            <a:schemeClr val="bg1"/>
+          </a:solidFill>
+          <a:ln>
+            <a:solidFill>
+              <a:schemeClr val="tx1"/>
+            </a:solidFill>
+          </a:ln>
+        </p:spPr>
+        <p:style>
+          <a:lnRef idx="2">
+            <a:schemeClr val="accent1">
+              <a:shade val="50000"/>
+            </a:schemeClr>
+          </a:lnRef>
+          <a:fillRef idx="1">
+            <a:schemeClr val="accent1"/>
+          </a:fillRef>
+          <a:effectRef idx="0">
+            <a:schemeClr val="accent1"/>
+          </a:effectRef>
+          <a:fontRef idx="minor">
+            <a:schemeClr val="lt1"/>
+          </a:fontRef>
+        </p:style>
+        <p:txBody>
+          <a:bodyPr rtlCol="0" anchor="ctr"/>
+          <a:lstStyle/>
+          <a:p>
+            <a:pPr algn="ctr"/>
+            <a:r>
+              <a:rPr lang="en-US" sz="1200" dirty="0">
+                <a:solidFill>
+                  <a:schemeClr val="tx1"/>
+                </a:solidFill>
+                <a:latin typeface="Lato Light" charset="0"/>
+              </a:rPr>
+              <a:t>/config/size</a:t>
+            </a:r>
+          </a:p>
+        </p:txBody>
+      </p:sp>
+      <p:sp>
+        <p:nvSpPr>
+          <p:cNvPr id="56" name="Subtitle 2">
+            <a:extLst>
+              <a:ext uri="{FF2B5EF4-FFF2-40B4-BE49-F238E27FC236}">
+                <a16:creationId xmlns:a16="http://schemas.microsoft.com/office/drawing/2014/main" id="{996C6E24-FC5F-1F4C-938D-42DA0BB0D97B}"/>
+              </a:ext>
+            </a:extLst>
+          </p:cNvPr>
+          <p:cNvSpPr txBox="1">
+            <a:spLocks/>
+          </p:cNvSpPr>
+          <p:nvPr/>
+        </p:nvSpPr>
+        <p:spPr>
+          <a:xfrm>
+            <a:off x="7129197" y="528261"/>
+            <a:ext cx="4526183" cy="3092291"/>
+          </a:xfrm>
+          <a:prstGeom prst="rect">
+            <a:avLst/>
+          </a:prstGeom>
+        </p:spPr>
+        <p:txBody>
+          <a:bodyPr vert="horz" wrap="square" lIns="108745" tIns="54373" rIns="108745" bIns="54373" rtlCol="0">
+            <a:spAutoFit/>
+          </a:bodyPr>
+          <a:lstStyle>
+            <a:lvl1pPr marL="0" indent="0" algn="ctr" defTabSz="1087636" rtl="0" eaLnBrk="1" latinLnBrk="0" hangingPunct="1">
+              <a:lnSpc>
+                <a:spcPct val="120000"/>
+              </a:lnSpc>
+              <a:spcBef>
+                <a:spcPct val="20000"/>
+              </a:spcBef>
+              <a:buFont typeface="Arial"/>
+              <a:buNone/>
+              <a:defRPr sz="2400" kern="1200">
+                <a:solidFill>
+                  <a:schemeClr val="tx2"/>
+                </a:solidFill>
+                <a:latin typeface="Open Sans Light"/>
+                <a:ea typeface="+mn-ea"/>
+                <a:cs typeface="Open Sans Light"/>
+              </a:defRPr>
+            </a:lvl1pPr>
+            <a:lvl2pPr marL="1087636" indent="0" algn="ctr" defTabSz="1087636" rtl="0" eaLnBrk="1" latinLnBrk="0" hangingPunct="1">
+              <a:lnSpc>
+                <a:spcPct val="130000"/>
+              </a:lnSpc>
+              <a:spcBef>
+                <a:spcPct val="20000"/>
+              </a:spcBef>
+              <a:buFont typeface="Arial"/>
+              <a:buNone/>
+              <a:defRPr sz="3200" kern="1200">
+                <a:solidFill>
+                  <a:schemeClr val="tx1">
+                    <a:tint val="75000"/>
+                  </a:schemeClr>
+                </a:solidFill>
+                <a:latin typeface="Open Sans"/>
+                <a:ea typeface="+mn-ea"/>
+                <a:cs typeface="Open Sans"/>
+              </a:defRPr>
+            </a:lvl2pPr>
+            <a:lvl3pPr marL="2175271" indent="0" algn="ctr" defTabSz="1087636" rtl="0" eaLnBrk="1" latinLnBrk="0" hangingPunct="1">
+              <a:lnSpc>
+                <a:spcPct val="130000"/>
+              </a:lnSpc>
+              <a:spcBef>
+                <a:spcPct val="20000"/>
+              </a:spcBef>
+              <a:buFont typeface="Arial"/>
+              <a:buNone/>
+              <a:defRPr sz="3200" kern="1200">
+                <a:solidFill>
+                  <a:schemeClr val="tx1">
+                    <a:tint val="75000"/>
+                  </a:schemeClr>
+                </a:solidFill>
+                <a:latin typeface="Open Sans"/>
+                <a:ea typeface="+mn-ea"/>
+                <a:cs typeface="Open Sans"/>
+              </a:defRPr>
+            </a:lvl3pPr>
+            <a:lvl4pPr marL="3262912" indent="0" algn="ctr" defTabSz="1087636" rtl="0" eaLnBrk="1" latinLnBrk="0" hangingPunct="1">
+              <a:lnSpc>
+                <a:spcPct val="130000"/>
+              </a:lnSpc>
+              <a:spcBef>
+                <a:spcPct val="20000"/>
+              </a:spcBef>
+              <a:buFont typeface="Arial"/>
+              <a:buNone/>
+              <a:defRPr sz="3200" kern="1200">
+                <a:solidFill>
+                  <a:schemeClr val="tx1">
+                    <a:tint val="75000"/>
+                  </a:schemeClr>
+                </a:solidFill>
+                <a:latin typeface="Open Sans"/>
+                <a:ea typeface="+mn-ea"/>
+                <a:cs typeface="Open Sans"/>
+              </a:defRPr>
+            </a:lvl4pPr>
+            <a:lvl5pPr marL="4350546" indent="0" algn="ctr" defTabSz="1087636" rtl="0" eaLnBrk="1" latinLnBrk="0" hangingPunct="1">
+              <a:lnSpc>
+                <a:spcPct val="130000"/>
+              </a:lnSpc>
+              <a:spcBef>
+                <a:spcPct val="20000"/>
+              </a:spcBef>
+              <a:buFont typeface="Arial"/>
+              <a:buNone/>
+              <a:defRPr sz="3200" kern="1200">
+                <a:solidFill>
+                  <a:schemeClr val="tx1">
+                    <a:tint val="75000"/>
+                  </a:schemeClr>
+                </a:solidFill>
+                <a:latin typeface="Open Sans"/>
+                <a:ea typeface="+mn-ea"/>
+                <a:cs typeface="Open Sans"/>
+              </a:defRPr>
+            </a:lvl5pPr>
+            <a:lvl6pPr marL="5438184" indent="0" algn="ctr" defTabSz="1087636" rtl="0" eaLnBrk="1" latinLnBrk="0" hangingPunct="1">
+              <a:spcBef>
+                <a:spcPct val="20000"/>
+              </a:spcBef>
+              <a:buFont typeface="Arial"/>
+              <a:buNone/>
+              <a:defRPr sz="4800" kern="1200">
+                <a:solidFill>
+                  <a:schemeClr val="tx1">
+                    <a:tint val="75000"/>
+                  </a:schemeClr>
+                </a:solidFill>
+                <a:latin typeface="+mn-lt"/>
+                <a:ea typeface="+mn-ea"/>
+                <a:cs typeface="+mn-cs"/>
+              </a:defRPr>
+            </a:lvl6pPr>
+            <a:lvl7pPr marL="6525820" indent="0" algn="ctr" defTabSz="1087636" rtl="0" eaLnBrk="1" latinLnBrk="0" hangingPunct="1">
+              <a:spcBef>
+                <a:spcPct val="20000"/>
+              </a:spcBef>
+              <a:buFont typeface="Arial"/>
+              <a:buNone/>
+              <a:defRPr sz="4800" kern="1200">
+                <a:solidFill>
+                  <a:schemeClr val="tx1">
+                    <a:tint val="75000"/>
+                  </a:schemeClr>
+                </a:solidFill>
+                <a:latin typeface="+mn-lt"/>
+                <a:ea typeface="+mn-ea"/>
+                <a:cs typeface="+mn-cs"/>
+              </a:defRPr>
+            </a:lvl7pPr>
+            <a:lvl8pPr marL="7613455" indent="0" algn="ctr" defTabSz="1087636" rtl="0" eaLnBrk="1" latinLnBrk="0" hangingPunct="1">
+              <a:spcBef>
+                <a:spcPct val="20000"/>
+              </a:spcBef>
+              <a:buFont typeface="Arial"/>
+              <a:buNone/>
+              <a:defRPr sz="4800" kern="1200">
+                <a:solidFill>
+                  <a:schemeClr val="tx1">
+                    <a:tint val="75000"/>
+                  </a:schemeClr>
+                </a:solidFill>
+                <a:latin typeface="+mn-lt"/>
+                <a:ea typeface="+mn-ea"/>
+                <a:cs typeface="+mn-cs"/>
+              </a:defRPr>
+            </a:lvl8pPr>
+            <a:lvl9pPr marL="8701091" indent="0" algn="ctr" defTabSz="1087636" rtl="0" eaLnBrk="1" latinLnBrk="0" hangingPunct="1">
+              <a:spcBef>
+                <a:spcPct val="20000"/>
+              </a:spcBef>
+              <a:buFont typeface="Arial"/>
+              <a:buNone/>
+              <a:defRPr sz="4800" kern="1200">
+                <a:solidFill>
+                  <a:schemeClr val="tx1">
+                    <a:tint val="75000"/>
+                  </a:schemeClr>
+                </a:solidFill>
+                <a:latin typeface="+mn-lt"/>
+                <a:ea typeface="+mn-ea"/>
+                <a:cs typeface="+mn-cs"/>
+              </a:defRPr>
+            </a:lvl9pPr>
+          </a:lstStyle>
+          <a:p>
+            <a:pPr algn="just">
+              <a:lnSpc>
+                <a:spcPts val="2020"/>
+              </a:lnSpc>
+            </a:pPr>
+            <a:r>
+              <a:rPr lang="en-US" sz="1200" dirty="0">
+                <a:solidFill>
+                  <a:schemeClr val="tx1"/>
+                </a:solidFill>
+                <a:latin typeface="Lato Light" charset="0"/>
+                <a:ea typeface="Lato Light" charset="0"/>
+                <a:cs typeface="Lato Light" charset="0"/>
+              </a:rPr>
+              <a:t>A1s continuously send messages with the configured frequency to A3s.  </a:t>
+            </a:r>
+          </a:p>
+          <a:p>
+            <a:pPr algn="just">
+              <a:lnSpc>
+                <a:spcPts val="2020"/>
+              </a:lnSpc>
+            </a:pPr>
+            <a:r>
+              <a:rPr lang="en-US" sz="1200" dirty="0">
+                <a:solidFill>
+                  <a:schemeClr val="tx1"/>
+                </a:solidFill>
+                <a:latin typeface="Lato Light" charset="0"/>
+                <a:ea typeface="Lato Light" charset="0"/>
+                <a:cs typeface="Lato Light" charset="0"/>
+              </a:rPr>
+              <a:t>A2s continuously send messages with a fixed frequency to A3s; messages have the configured size.</a:t>
+            </a:r>
+          </a:p>
+          <a:p>
+            <a:pPr algn="just">
+              <a:lnSpc>
+                <a:spcPts val="2020"/>
+              </a:lnSpc>
+            </a:pPr>
+            <a:r>
+              <a:rPr lang="en-US" sz="1200" dirty="0">
+                <a:solidFill>
+                  <a:schemeClr val="tx1"/>
+                </a:solidFill>
+                <a:latin typeface="Lato Light" charset="0"/>
+                <a:ea typeface="Lato Light" charset="0"/>
+                <a:cs typeface="Lato Light" charset="0"/>
+              </a:rPr>
+              <a:t>A3s put received messages in buckets of the configured size (i.e., number of messages); when a bucket is full, all messages are aggregated and the result is sent to A4.</a:t>
+            </a:r>
+          </a:p>
+          <a:p>
+            <a:pPr algn="just">
+              <a:lnSpc>
+                <a:spcPts val="2020"/>
+              </a:lnSpc>
+            </a:pPr>
+            <a:r>
+              <a:rPr lang="en-US" sz="1200" dirty="0">
+                <a:solidFill>
+                  <a:schemeClr val="tx1"/>
+                </a:solidFill>
+                <a:latin typeface="Lato Light" charset="0"/>
+                <a:ea typeface="Lato Light" charset="0"/>
+                <a:cs typeface="Lato Light" charset="0"/>
+              </a:rPr>
+              <a:t>Furthermore, when A3s receive a message with a value above a defined threshold, the message is forwarded to all other A3s.</a:t>
+            </a:r>
+          </a:p>
+          <a:p>
+            <a:pPr algn="just">
+              <a:lnSpc>
+                <a:spcPts val="2020"/>
+              </a:lnSpc>
+            </a:pPr>
+            <a:r>
+              <a:rPr lang="en-US" sz="1200" dirty="0">
+                <a:solidFill>
+                  <a:schemeClr val="tx1"/>
+                </a:solidFill>
+                <a:latin typeface="Lato Light" charset="0"/>
+                <a:ea typeface="Lato Light" charset="0"/>
+                <a:cs typeface="Lato Light" charset="0"/>
+              </a:rPr>
+              <a:t>A4 has the capability to report that it has received the configured </a:t>
+            </a:r>
+          </a:p>
+          <a:p>
+            <a:pPr algn="just">
+              <a:lnSpc>
+                <a:spcPts val="2020"/>
+              </a:lnSpc>
+            </a:pPr>
+            <a:endParaRPr lang="en-US" sz="1200" dirty="0">
+              <a:solidFill>
+                <a:schemeClr val="tx1"/>
+              </a:solidFill>
+              <a:latin typeface="Lato Light" charset="0"/>
+              <a:ea typeface="Lato Light" charset="0"/>
+              <a:cs typeface="Lato Light" charset="0"/>
+            </a:endParaRPr>
+          </a:p>
+        </p:txBody>
+      </p:sp>
+      <p:sp>
+        <p:nvSpPr>
+          <p:cNvPr id="57" name="TextBox 69">
+            <a:extLst>
+              <a:ext uri="{FF2B5EF4-FFF2-40B4-BE49-F238E27FC236}">
+                <a16:creationId xmlns:a16="http://schemas.microsoft.com/office/drawing/2014/main" id="{577540BF-12AA-CF49-8228-A386403A569E}"/>
+              </a:ext>
+            </a:extLst>
+          </p:cNvPr>
+          <p:cNvSpPr txBox="1"/>
+          <p:nvPr/>
+        </p:nvSpPr>
+        <p:spPr>
+          <a:xfrm>
+            <a:off x="9084351" y="302191"/>
+            <a:ext cx="615874" cy="338554"/>
+          </a:xfrm>
+          <a:prstGeom prst="rect">
+            <a:avLst/>
+          </a:prstGeom>
+          <a:noFill/>
+        </p:spPr>
+        <p:txBody>
+          <a:bodyPr wrap="none" rtlCol="0" anchor="ctr" anchorCtr="0">
+            <a:spAutoFit/>
+          </a:bodyPr>
+          <a:lstStyle/>
+          <a:p>
+            <a:pPr algn="ctr"/>
+            <a:r>
+              <a:rPr lang="en-US" sz="1600" b="1" dirty="0">
+                <a:solidFill>
+                  <a:schemeClr val="tx2"/>
+                </a:solidFill>
+                <a:latin typeface="Lato Bold" charset="0"/>
+                <a:ea typeface="Lato Bold" charset="0"/>
+                <a:cs typeface="Lato Bold" charset="0"/>
+              </a:rPr>
+              <a:t>Logic</a:t>
+            </a:r>
+          </a:p>
+        </p:txBody>
+      </p:sp>
+      <p:sp>
+        <p:nvSpPr>
+          <p:cNvPr id="22" name="Abgerundete rechteckige Legende 21">
+            <a:extLst>
+              <a:ext uri="{FF2B5EF4-FFF2-40B4-BE49-F238E27FC236}">
+                <a16:creationId xmlns:a16="http://schemas.microsoft.com/office/drawing/2014/main" id="{81E0BC33-BF1E-C140-A83F-A6C420464CDE}"/>
+              </a:ext>
+            </a:extLst>
+          </p:cNvPr>
+          <p:cNvSpPr/>
+          <p:nvPr/>
+        </p:nvSpPr>
+        <p:spPr>
+          <a:xfrm>
+            <a:off x="3674293" y="1451180"/>
+            <a:ext cx="1615619" cy="476519"/>
+          </a:xfrm>
+          <a:prstGeom prst="wedgeRoundRectCallout">
+            <a:avLst>
+              <a:gd name="adj1" fmla="val 44603"/>
+              <a:gd name="adj2" fmla="val 76199"/>
+              <a:gd name="adj3" fmla="val 16667"/>
+            </a:avLst>
+          </a:prstGeom>
+          <a:solidFill>
+            <a:schemeClr val="bg1"/>
+          </a:solidFill>
+          <a:ln>
+            <a:solidFill>
+              <a:schemeClr val="tx1"/>
+            </a:solidFill>
+          </a:ln>
+        </p:spPr>
+        <p:style>
+          <a:lnRef idx="2">
+            <a:schemeClr val="accent1">
+              <a:shade val="50000"/>
+            </a:schemeClr>
+          </a:lnRef>
+          <a:fillRef idx="1">
+            <a:schemeClr val="accent1"/>
+          </a:fillRef>
+          <a:effectRef idx="0">
+            <a:schemeClr val="accent1"/>
+          </a:effectRef>
+          <a:fontRef idx="minor">
+            <a:schemeClr val="lt1"/>
+          </a:fontRef>
+        </p:style>
+        <p:txBody>
+          <a:bodyPr rtlCol="0" anchor="ctr"/>
+          <a:lstStyle/>
+          <a:p>
+            <a:pPr algn="ctr"/>
+            <a:r>
+              <a:rPr lang="en-US" sz="1200" dirty="0">
+                <a:solidFill>
+                  <a:schemeClr val="tx1"/>
+                </a:solidFill>
+                <a:latin typeface="Lato Light" charset="0"/>
+              </a:rPr>
+              <a:t>/config/amount</a:t>
+            </a:r>
+          </a:p>
+        </p:txBody>
+      </p:sp>
+    </p:spTree>
+    <p:extLst>
+      <p:ext uri="{BB962C8B-B14F-4D97-AF65-F5344CB8AC3E}">
+        <p14:creationId xmlns:p14="http://schemas.microsoft.com/office/powerpoint/2010/main" val="1176618652"/>
+      </p:ext>
+    </p:extLst>
+  </p:cSld>
+  <p:clrMapOvr>
+    <a:masterClrMapping/>
+  </p:clrMapOvr>
+  <mc:AlternateContent xmlns:mc="http://schemas.openxmlformats.org/markup-compatibility/2006">
+    <mc:Choice xmlns:p14="http://schemas.microsoft.com/office/powerpoint/2010/main" Requires="p14">
+      <p:transition p14:dur="0" advClick="0"/>
+    </mc:Choice>
+    <mc:Fallback>
+      <p:transition advClick="0"/>
+    </mc:Fallback>
+  </mc:AlternateContent>
+</p:sld>
+</file>
+
+<file path=ppt/slides/slide12.xml><?xml version="1.0" encoding="utf-8"?>
+<p:sld xmlns:a="http://schemas.openxmlformats.org/drawingml/2006/main" xmlns:r="http://schemas.openxmlformats.org/officeDocument/2006/relationships" xmlns:p="http://schemas.openxmlformats.org/presentationml/2006/main">
+  <p:cSld>
+    <p:spTree>
+      <p:nvGrpSpPr>
+        <p:cNvPr id="1" name=""/>
+        <p:cNvGrpSpPr/>
+        <p:nvPr/>
+      </p:nvGrpSpPr>
+      <p:grpSpPr>
+        <a:xfrm>
+          <a:off x="0" y="0"/>
+          <a:ext cx="0" cy="0"/>
+          <a:chOff x="0" y="0"/>
+          <a:chExt cx="0" cy="0"/>
+        </a:xfrm>
+      </p:grpSpPr>
+      <p:sp>
+        <p:nvSpPr>
+          <p:cNvPr id="2" name="Rechteck 1">
+            <a:extLst>
+              <a:ext uri="{FF2B5EF4-FFF2-40B4-BE49-F238E27FC236}">
+                <a16:creationId xmlns:a16="http://schemas.microsoft.com/office/drawing/2014/main" id="{AC44D731-AFEB-BA4E-8E5C-0E4CF591336D}"/>
+              </a:ext>
+            </a:extLst>
+          </p:cNvPr>
+          <p:cNvSpPr/>
+          <p:nvPr/>
+        </p:nvSpPr>
+        <p:spPr>
+          <a:xfrm>
+            <a:off x="1627925" y="3864452"/>
+            <a:ext cx="920079" cy="533873"/>
+          </a:xfrm>
+          <a:prstGeom prst="rect">
+            <a:avLst/>
+          </a:prstGeom>
+          <a:solidFill>
+            <a:schemeClr val="accent2"/>
+          </a:solidFill>
+          <a:ln>
+            <a:noFill/>
+          </a:ln>
+        </p:spPr>
+        <p:style>
+          <a:lnRef idx="0">
+            <a:scrgbClr r="0" g="0" b="0"/>
+          </a:lnRef>
+          <a:fillRef idx="0">
+            <a:scrgbClr r="0" g="0" b="0"/>
+          </a:fillRef>
+          <a:effectRef idx="0">
+            <a:scrgbClr r="0" g="0" b="0"/>
+          </a:effectRef>
+          <a:fontRef idx="minor">
+            <a:schemeClr val="lt1"/>
+          </a:fontRef>
+        </p:style>
+        <p:txBody>
+          <a:bodyPr rtlCol="0" anchor="ctr"/>
+          <a:lstStyle/>
+          <a:p>
+            <a:pPr algn="ctr"/>
+            <a:r>
+              <a:rPr lang="en-US" sz="1200" b="1" dirty="0">
+                <a:solidFill>
+                  <a:schemeClr val="bg2"/>
+                </a:solidFill>
+                <a:latin typeface="Lato Bold" charset="0"/>
+              </a:rPr>
+              <a:t>Camera</a:t>
+            </a:r>
+          </a:p>
+        </p:txBody>
+      </p:sp>
+      <p:sp>
+        <p:nvSpPr>
+          <p:cNvPr id="3" name="Rechteck 2">
+            <a:extLst>
+              <a:ext uri="{FF2B5EF4-FFF2-40B4-BE49-F238E27FC236}">
+                <a16:creationId xmlns:a16="http://schemas.microsoft.com/office/drawing/2014/main" id="{90C32F19-964A-C64E-94F5-7CFAE07F6B54}"/>
+              </a:ext>
+            </a:extLst>
+          </p:cNvPr>
+          <p:cNvSpPr/>
+          <p:nvPr/>
+        </p:nvSpPr>
+        <p:spPr>
+          <a:xfrm>
+            <a:off x="3201148" y="3864451"/>
+            <a:ext cx="920079" cy="533873"/>
+          </a:xfrm>
+          <a:prstGeom prst="rect">
+            <a:avLst/>
+          </a:prstGeom>
+          <a:solidFill>
+            <a:schemeClr val="accent1"/>
+          </a:solidFill>
+          <a:ln w="28575">
+            <a:noFill/>
+          </a:ln>
+        </p:spPr>
+        <p:style>
+          <a:lnRef idx="0">
+            <a:scrgbClr r="0" g="0" b="0"/>
+          </a:lnRef>
+          <a:fillRef idx="0">
+            <a:scrgbClr r="0" g="0" b="0"/>
+          </a:fillRef>
+          <a:effectRef idx="0">
+            <a:scrgbClr r="0" g="0" b="0"/>
+          </a:effectRef>
+          <a:fontRef idx="minor">
+            <a:schemeClr val="lt1"/>
+          </a:fontRef>
+        </p:style>
+        <p:txBody>
+          <a:bodyPr rtlCol="0" anchor="ctr"/>
+          <a:lstStyle/>
+          <a:p>
+            <a:pPr algn="ctr"/>
+            <a:r>
+              <a:rPr lang="en-US" sz="1200" b="1" dirty="0">
+                <a:solidFill>
+                  <a:schemeClr val="bg2"/>
+                </a:solidFill>
+                <a:latin typeface="Lato Bold" charset="0"/>
+              </a:rPr>
+              <a:t>Check for Defects</a:t>
+            </a:r>
+          </a:p>
+        </p:txBody>
+      </p:sp>
+      <p:cxnSp>
+        <p:nvCxnSpPr>
+          <p:cNvPr id="5" name="Gerade Verbindung mit Pfeil 4">
+            <a:extLst>
+              <a:ext uri="{FF2B5EF4-FFF2-40B4-BE49-F238E27FC236}">
+                <a16:creationId xmlns:a16="http://schemas.microsoft.com/office/drawing/2014/main" id="{96F8CDC8-A663-7A45-9DBF-B31FB67D7A98}"/>
+              </a:ext>
+            </a:extLst>
+          </p:cNvPr>
+          <p:cNvCxnSpPr>
+            <a:stCxn id="2" idx="3"/>
+            <a:endCxn id="3" idx="1"/>
+          </p:cNvCxnSpPr>
+          <p:nvPr/>
+        </p:nvCxnSpPr>
+        <p:spPr>
+          <a:xfrm flipV="1">
+            <a:off x="2548004" y="4131388"/>
+            <a:ext cx="653144" cy="1"/>
+          </a:xfrm>
+          <a:prstGeom prst="straightConnector1">
+            <a:avLst/>
+          </a:prstGeom>
+          <a:ln w="19050">
+            <a:solidFill>
+              <a:schemeClr val="tx1"/>
+            </a:solidFill>
+            <a:tailEnd type="triangle"/>
+          </a:ln>
+        </p:spPr>
+        <p:style>
+          <a:lnRef idx="1">
+            <a:schemeClr val="accent1"/>
+          </a:lnRef>
+          <a:fillRef idx="0">
+            <a:schemeClr val="accent1"/>
+          </a:fillRef>
+          <a:effectRef idx="0">
+            <a:schemeClr val="accent1"/>
+          </a:effectRef>
+          <a:fontRef idx="minor">
+            <a:schemeClr val="tx1"/>
+          </a:fontRef>
+        </p:style>
+      </p:cxnSp>
+      <p:sp>
+        <p:nvSpPr>
+          <p:cNvPr id="7" name="Rechteck 6">
+            <a:extLst>
+              <a:ext uri="{FF2B5EF4-FFF2-40B4-BE49-F238E27FC236}">
+                <a16:creationId xmlns:a16="http://schemas.microsoft.com/office/drawing/2014/main" id="{446A0A6E-C1ED-7141-929B-7829E0CCB0F1}"/>
+              </a:ext>
+            </a:extLst>
+          </p:cNvPr>
+          <p:cNvSpPr/>
+          <p:nvPr/>
+        </p:nvSpPr>
+        <p:spPr>
+          <a:xfrm>
+            <a:off x="4774371" y="3864450"/>
+            <a:ext cx="920079" cy="533873"/>
+          </a:xfrm>
+          <a:prstGeom prst="rect">
+            <a:avLst/>
+          </a:prstGeom>
+          <a:solidFill>
+            <a:schemeClr val="accent1"/>
+          </a:solidFill>
+          <a:ln w="28575">
+            <a:noFill/>
+          </a:ln>
+        </p:spPr>
+        <p:style>
+          <a:lnRef idx="0">
+            <a:scrgbClr r="0" g="0" b="0"/>
+          </a:lnRef>
+          <a:fillRef idx="0">
+            <a:scrgbClr r="0" g="0" b="0"/>
+          </a:fillRef>
+          <a:effectRef idx="0">
+            <a:scrgbClr r="0" g="0" b="0"/>
+          </a:effectRef>
+          <a:fontRef idx="minor">
+            <a:schemeClr val="lt1"/>
+          </a:fontRef>
+        </p:style>
+        <p:txBody>
+          <a:bodyPr rtlCol="0" anchor="ctr"/>
+          <a:lstStyle/>
+          <a:p>
+            <a:pPr algn="ctr"/>
+            <a:r>
+              <a:rPr lang="en-US" sz="1200" b="1" dirty="0">
+                <a:solidFill>
+                  <a:schemeClr val="bg2"/>
+                </a:solidFill>
+                <a:latin typeface="Lato Bold" charset="0"/>
+              </a:rPr>
+              <a:t>Production Controller</a:t>
+            </a:r>
+          </a:p>
+        </p:txBody>
+      </p:sp>
+      <p:cxnSp>
+        <p:nvCxnSpPr>
+          <p:cNvPr id="8" name="Gerade Verbindung mit Pfeil 7">
+            <a:extLst>
+              <a:ext uri="{FF2B5EF4-FFF2-40B4-BE49-F238E27FC236}">
+                <a16:creationId xmlns:a16="http://schemas.microsoft.com/office/drawing/2014/main" id="{7A13BDD3-20CF-F541-8CFD-449C18890C19}"/>
+              </a:ext>
+            </a:extLst>
+          </p:cNvPr>
+          <p:cNvCxnSpPr>
+            <a:cxnSpLocks/>
+            <a:stCxn id="3" idx="3"/>
+            <a:endCxn id="7" idx="1"/>
+          </p:cNvCxnSpPr>
+          <p:nvPr/>
+        </p:nvCxnSpPr>
+        <p:spPr>
+          <a:xfrm flipV="1">
+            <a:off x="4121227" y="4131387"/>
+            <a:ext cx="653144" cy="1"/>
+          </a:xfrm>
+          <a:prstGeom prst="straightConnector1">
+            <a:avLst/>
+          </a:prstGeom>
+          <a:ln w="19050">
+            <a:solidFill>
+              <a:schemeClr val="tx1"/>
+            </a:solidFill>
+            <a:tailEnd type="triangle"/>
+          </a:ln>
+        </p:spPr>
+        <p:style>
+          <a:lnRef idx="1">
+            <a:schemeClr val="accent1"/>
+          </a:lnRef>
+          <a:fillRef idx="0">
+            <a:schemeClr val="accent1"/>
+          </a:fillRef>
+          <a:effectRef idx="0">
+            <a:schemeClr val="accent1"/>
+          </a:effectRef>
+          <a:fontRef idx="minor">
+            <a:schemeClr val="tx1"/>
+          </a:fontRef>
+        </p:style>
+      </p:cxnSp>
+      <p:sp>
+        <p:nvSpPr>
+          <p:cNvPr id="11" name="Rechteck 10">
+            <a:extLst>
+              <a:ext uri="{FF2B5EF4-FFF2-40B4-BE49-F238E27FC236}">
+                <a16:creationId xmlns:a16="http://schemas.microsoft.com/office/drawing/2014/main" id="{1CC1DC93-4132-9D4C-AFCD-DCE02CCBE13A}"/>
+              </a:ext>
+            </a:extLst>
+          </p:cNvPr>
+          <p:cNvSpPr/>
+          <p:nvPr/>
+        </p:nvSpPr>
+        <p:spPr>
+          <a:xfrm>
+            <a:off x="6347593" y="4665258"/>
+            <a:ext cx="920079" cy="533873"/>
+          </a:xfrm>
+          <a:prstGeom prst="rect">
+            <a:avLst/>
+          </a:prstGeom>
+          <a:solidFill>
+            <a:schemeClr val="accent2"/>
+          </a:solidFill>
+          <a:ln>
+            <a:noFill/>
+          </a:ln>
+        </p:spPr>
+        <p:style>
+          <a:lnRef idx="0">
+            <a:scrgbClr r="0" g="0" b="0"/>
+          </a:lnRef>
+          <a:fillRef idx="0">
+            <a:scrgbClr r="0" g="0" b="0"/>
+          </a:fillRef>
+          <a:effectRef idx="0">
+            <a:scrgbClr r="0" g="0" b="0"/>
+          </a:effectRef>
+          <a:fontRef idx="minor">
+            <a:schemeClr val="lt1"/>
+          </a:fontRef>
+        </p:style>
+        <p:txBody>
+          <a:bodyPr rtlCol="0" anchor="ctr"/>
+          <a:lstStyle/>
+          <a:p>
+            <a:pPr algn="ctr"/>
+            <a:r>
+              <a:rPr lang="en-US" sz="1050" b="1" dirty="0">
+                <a:solidFill>
+                  <a:schemeClr val="bg2"/>
+                </a:solidFill>
+                <a:latin typeface="Lato Bold" charset="0"/>
+              </a:rPr>
+              <a:t>Temperature</a:t>
+            </a:r>
+            <a:r>
+              <a:rPr lang="en-US" sz="1200" b="1" dirty="0">
+                <a:solidFill>
+                  <a:schemeClr val="bg2"/>
+                </a:solidFill>
+                <a:latin typeface="Lato Bold" charset="0"/>
+              </a:rPr>
+              <a:t> </a:t>
+            </a:r>
+            <a:r>
+              <a:rPr lang="en-US" sz="1050" b="1" dirty="0">
+                <a:solidFill>
+                  <a:schemeClr val="bg2"/>
+                </a:solidFill>
+                <a:latin typeface="Lato Bold" charset="0"/>
+              </a:rPr>
+              <a:t>Sensor</a:t>
+            </a:r>
+            <a:endParaRPr lang="en-US" sz="1200" b="1" dirty="0">
+              <a:solidFill>
+                <a:schemeClr val="bg2"/>
+              </a:solidFill>
+              <a:latin typeface="Lato Bold" charset="0"/>
+            </a:endParaRPr>
+          </a:p>
+        </p:txBody>
+      </p:sp>
+      <p:sp>
+        <p:nvSpPr>
+          <p:cNvPr id="15" name="Rechteck 14">
+            <a:extLst>
+              <a:ext uri="{FF2B5EF4-FFF2-40B4-BE49-F238E27FC236}">
+                <a16:creationId xmlns:a16="http://schemas.microsoft.com/office/drawing/2014/main" id="{ED6FA80F-BD55-BE4B-B976-4B8460658A41}"/>
+              </a:ext>
+            </a:extLst>
+          </p:cNvPr>
+          <p:cNvSpPr/>
+          <p:nvPr/>
+        </p:nvSpPr>
+        <p:spPr>
+          <a:xfrm>
+            <a:off x="6347594" y="3864450"/>
+            <a:ext cx="920079" cy="533873"/>
+          </a:xfrm>
+          <a:prstGeom prst="rect">
+            <a:avLst/>
+          </a:prstGeom>
+          <a:solidFill>
+            <a:schemeClr val="accent1"/>
+          </a:solidFill>
+          <a:ln w="28575">
+            <a:noFill/>
+          </a:ln>
+        </p:spPr>
+        <p:style>
+          <a:lnRef idx="0">
+            <a:scrgbClr r="0" g="0" b="0"/>
+          </a:lnRef>
+          <a:fillRef idx="0">
+            <a:scrgbClr r="0" g="0" b="0"/>
+          </a:fillRef>
+          <a:effectRef idx="0">
+            <a:scrgbClr r="0" g="0" b="0"/>
+          </a:effectRef>
+          <a:fontRef idx="minor">
+            <a:schemeClr val="lt1"/>
+          </a:fontRef>
+        </p:style>
+        <p:txBody>
+          <a:bodyPr rtlCol="0" anchor="ctr"/>
+          <a:lstStyle/>
+          <a:p>
+            <a:pPr algn="ctr"/>
+            <a:r>
+              <a:rPr lang="en-US" sz="1200" b="1" dirty="0">
+                <a:solidFill>
+                  <a:schemeClr val="bg2"/>
+                </a:solidFill>
+                <a:latin typeface="Lato Bold" charset="0"/>
+              </a:rPr>
+              <a:t>Adapt Machine</a:t>
+            </a:r>
+          </a:p>
+        </p:txBody>
+      </p:sp>
+      <p:cxnSp>
+        <p:nvCxnSpPr>
+          <p:cNvPr id="18" name="Gerade Verbindung mit Pfeil 17">
+            <a:extLst>
+              <a:ext uri="{FF2B5EF4-FFF2-40B4-BE49-F238E27FC236}">
+                <a16:creationId xmlns:a16="http://schemas.microsoft.com/office/drawing/2014/main" id="{034A7E14-0EBE-C147-A653-A72D8B21F22A}"/>
+              </a:ext>
+            </a:extLst>
+          </p:cNvPr>
+          <p:cNvCxnSpPr>
+            <a:cxnSpLocks/>
+            <a:stCxn id="7" idx="3"/>
+            <a:endCxn id="15" idx="1"/>
+          </p:cNvCxnSpPr>
+          <p:nvPr/>
+        </p:nvCxnSpPr>
+        <p:spPr>
+          <a:xfrm>
+            <a:off x="5694450" y="4131387"/>
+            <a:ext cx="653144" cy="0"/>
+          </a:xfrm>
+          <a:prstGeom prst="straightConnector1">
+            <a:avLst/>
+          </a:prstGeom>
+          <a:ln w="19050">
+            <a:solidFill>
+              <a:schemeClr val="tx1"/>
+            </a:solidFill>
+            <a:tailEnd type="triangle"/>
+          </a:ln>
+        </p:spPr>
+        <p:style>
+          <a:lnRef idx="1">
+            <a:schemeClr val="accent1"/>
+          </a:lnRef>
+          <a:fillRef idx="0">
+            <a:schemeClr val="accent1"/>
+          </a:fillRef>
+          <a:effectRef idx="0">
+            <a:schemeClr val="accent1"/>
+          </a:effectRef>
+          <a:fontRef idx="minor">
+            <a:schemeClr val="tx1"/>
+          </a:fontRef>
+        </p:style>
+      </p:cxnSp>
+      <p:sp>
+        <p:nvSpPr>
+          <p:cNvPr id="21" name="Rechteck 20">
+            <a:extLst>
+              <a:ext uri="{FF2B5EF4-FFF2-40B4-BE49-F238E27FC236}">
+                <a16:creationId xmlns:a16="http://schemas.microsoft.com/office/drawing/2014/main" id="{11CD4661-CEA0-A540-B475-890A9B305A6D}"/>
+              </a:ext>
+            </a:extLst>
+          </p:cNvPr>
+          <p:cNvSpPr/>
+          <p:nvPr/>
+        </p:nvSpPr>
+        <p:spPr>
+          <a:xfrm>
+            <a:off x="7920817" y="3864449"/>
+            <a:ext cx="920079" cy="533873"/>
+          </a:xfrm>
+          <a:prstGeom prst="rect">
+            <a:avLst/>
+          </a:prstGeom>
+          <a:solidFill>
+            <a:schemeClr val="accent1"/>
+          </a:solidFill>
+          <a:ln w="28575">
+            <a:noFill/>
+          </a:ln>
+        </p:spPr>
+        <p:style>
+          <a:lnRef idx="0">
+            <a:scrgbClr r="0" g="0" b="0"/>
+          </a:lnRef>
+          <a:fillRef idx="0">
+            <a:scrgbClr r="0" g="0" b="0"/>
+          </a:fillRef>
+          <a:effectRef idx="0">
+            <a:scrgbClr r="0" g="0" b="0"/>
+          </a:effectRef>
+          <a:fontRef idx="minor">
+            <a:schemeClr val="lt1"/>
+          </a:fontRef>
+        </p:style>
+        <p:txBody>
+          <a:bodyPr rtlCol="0" anchor="ctr"/>
+          <a:lstStyle/>
+          <a:p>
+            <a:pPr algn="ctr"/>
+            <a:r>
+              <a:rPr lang="en-US" sz="1200" b="1" dirty="0">
+                <a:solidFill>
+                  <a:schemeClr val="bg2"/>
+                </a:solidFill>
+                <a:latin typeface="Lato Bold" charset="0"/>
+              </a:rPr>
+              <a:t>Packaging Controller</a:t>
+            </a:r>
+          </a:p>
+        </p:txBody>
+      </p:sp>
+      <p:cxnSp>
+        <p:nvCxnSpPr>
+          <p:cNvPr id="22" name="Gerade Verbindung mit Pfeil 21">
+            <a:extLst>
+              <a:ext uri="{FF2B5EF4-FFF2-40B4-BE49-F238E27FC236}">
+                <a16:creationId xmlns:a16="http://schemas.microsoft.com/office/drawing/2014/main" id="{9B45149D-A162-C14C-847B-742B3EA1D614}"/>
+              </a:ext>
+            </a:extLst>
+          </p:cNvPr>
+          <p:cNvCxnSpPr>
+            <a:cxnSpLocks/>
+            <a:stCxn id="15" idx="3"/>
+            <a:endCxn id="21" idx="1"/>
+          </p:cNvCxnSpPr>
+          <p:nvPr/>
+        </p:nvCxnSpPr>
+        <p:spPr>
+          <a:xfrm flipV="1">
+            <a:off x="7267673" y="4131386"/>
+            <a:ext cx="653144" cy="1"/>
+          </a:xfrm>
+          <a:prstGeom prst="straightConnector1">
+            <a:avLst/>
+          </a:prstGeom>
+          <a:ln w="19050">
+            <a:solidFill>
+              <a:schemeClr val="tx1"/>
+            </a:solidFill>
+            <a:tailEnd type="triangle"/>
+          </a:ln>
+        </p:spPr>
+        <p:style>
+          <a:lnRef idx="1">
+            <a:schemeClr val="accent1"/>
+          </a:lnRef>
+          <a:fillRef idx="0">
+            <a:schemeClr val="accent1"/>
+          </a:fillRef>
+          <a:effectRef idx="0">
+            <a:schemeClr val="accent1"/>
+          </a:effectRef>
+          <a:fontRef idx="minor">
+            <a:schemeClr val="tx1"/>
+          </a:fontRef>
+        </p:style>
+      </p:cxnSp>
+      <p:sp>
+        <p:nvSpPr>
+          <p:cNvPr id="26" name="Rechteck 25">
+            <a:extLst>
+              <a:ext uri="{FF2B5EF4-FFF2-40B4-BE49-F238E27FC236}">
+                <a16:creationId xmlns:a16="http://schemas.microsoft.com/office/drawing/2014/main" id="{17F55CC3-48FD-654C-BC73-B055BF85BED7}"/>
+              </a:ext>
+            </a:extLst>
+          </p:cNvPr>
+          <p:cNvSpPr/>
+          <p:nvPr/>
+        </p:nvSpPr>
+        <p:spPr>
+          <a:xfrm>
+            <a:off x="7920816" y="3063641"/>
+            <a:ext cx="920079" cy="533873"/>
+          </a:xfrm>
+          <a:prstGeom prst="rect">
+            <a:avLst/>
+          </a:prstGeom>
+          <a:solidFill>
+            <a:schemeClr val="accent1"/>
+          </a:solidFill>
+          <a:ln w="28575">
+            <a:noFill/>
+          </a:ln>
+        </p:spPr>
+        <p:style>
+          <a:lnRef idx="0">
+            <a:scrgbClr r="0" g="0" b="0"/>
+          </a:lnRef>
+          <a:fillRef idx="0">
+            <a:scrgbClr r="0" g="0" b="0"/>
+          </a:fillRef>
+          <a:effectRef idx="0">
+            <a:scrgbClr r="0" g="0" b="0"/>
+          </a:effectRef>
+          <a:fontRef idx="minor">
+            <a:schemeClr val="lt1"/>
+          </a:fontRef>
+        </p:style>
+        <p:txBody>
+          <a:bodyPr rtlCol="0" anchor="ctr"/>
+          <a:lstStyle/>
+          <a:p>
+            <a:pPr algn="ctr"/>
+            <a:r>
+              <a:rPr lang="en-US" sz="1200" b="1" dirty="0">
+                <a:solidFill>
+                  <a:schemeClr val="bg2"/>
+                </a:solidFill>
+                <a:latin typeface="Lato Bold" charset="0"/>
+              </a:rPr>
+              <a:t>Predict Pickup</a:t>
+            </a:r>
+          </a:p>
+        </p:txBody>
+      </p:sp>
+      <p:cxnSp>
+        <p:nvCxnSpPr>
+          <p:cNvPr id="27" name="Gerade Verbindung mit Pfeil 26">
+            <a:extLst>
+              <a:ext uri="{FF2B5EF4-FFF2-40B4-BE49-F238E27FC236}">
+                <a16:creationId xmlns:a16="http://schemas.microsoft.com/office/drawing/2014/main" id="{723D9856-5DB7-4C4A-BB44-2FC30BD0B9E1}"/>
+              </a:ext>
+            </a:extLst>
+          </p:cNvPr>
+          <p:cNvCxnSpPr>
+            <a:cxnSpLocks/>
+            <a:stCxn id="21" idx="0"/>
+            <a:endCxn id="26" idx="2"/>
+          </p:cNvCxnSpPr>
+          <p:nvPr/>
+        </p:nvCxnSpPr>
+        <p:spPr>
+          <a:xfrm flipH="1" flipV="1">
+            <a:off x="8380856" y="3597514"/>
+            <a:ext cx="1" cy="266935"/>
+          </a:xfrm>
+          <a:prstGeom prst="straightConnector1">
+            <a:avLst/>
+          </a:prstGeom>
+          <a:ln w="19050">
+            <a:solidFill>
+              <a:schemeClr val="tx1"/>
+            </a:solidFill>
+            <a:tailEnd type="triangle"/>
+          </a:ln>
+        </p:spPr>
+        <p:style>
+          <a:lnRef idx="1">
+            <a:schemeClr val="accent1"/>
+          </a:lnRef>
+          <a:fillRef idx="0">
+            <a:schemeClr val="accent1"/>
+          </a:fillRef>
+          <a:effectRef idx="0">
+            <a:schemeClr val="accent1"/>
+          </a:effectRef>
+          <a:fontRef idx="minor">
+            <a:schemeClr val="tx1"/>
+          </a:fontRef>
+        </p:style>
+      </p:cxnSp>
+      <p:sp>
+        <p:nvSpPr>
+          <p:cNvPr id="30" name="Rechteck 29">
+            <a:extLst>
+              <a:ext uri="{FF2B5EF4-FFF2-40B4-BE49-F238E27FC236}">
+                <a16:creationId xmlns:a16="http://schemas.microsoft.com/office/drawing/2014/main" id="{8C5FE700-9BE6-C84E-BD10-B8072B283E98}"/>
+              </a:ext>
+            </a:extLst>
+          </p:cNvPr>
+          <p:cNvSpPr/>
+          <p:nvPr/>
+        </p:nvSpPr>
+        <p:spPr>
+          <a:xfrm>
+            <a:off x="7920816" y="2267093"/>
+            <a:ext cx="920079" cy="533873"/>
+          </a:xfrm>
+          <a:prstGeom prst="rect">
+            <a:avLst/>
+          </a:prstGeom>
+          <a:solidFill>
+            <a:schemeClr val="accent4"/>
+          </a:solidFill>
+          <a:ln>
+            <a:noFill/>
+          </a:ln>
+        </p:spPr>
+        <p:style>
+          <a:lnRef idx="0">
+            <a:scrgbClr r="0" g="0" b="0"/>
+          </a:lnRef>
+          <a:fillRef idx="0">
+            <a:scrgbClr r="0" g="0" b="0"/>
+          </a:fillRef>
+          <a:effectRef idx="0">
+            <a:scrgbClr r="0" g="0" b="0"/>
+          </a:effectRef>
+          <a:fontRef idx="minor">
+            <a:schemeClr val="lt1"/>
+          </a:fontRef>
+        </p:style>
+        <p:txBody>
+          <a:bodyPr rtlCol="0" anchor="ctr"/>
+          <a:lstStyle/>
+          <a:p>
+            <a:pPr algn="ctr"/>
+            <a:r>
+              <a:rPr lang="en-US" sz="1200" b="1" dirty="0">
+                <a:solidFill>
+                  <a:schemeClr val="bg2"/>
+                </a:solidFill>
+                <a:latin typeface="Lato Bold" charset="0"/>
+              </a:rPr>
+              <a:t>Logistics Prognosis</a:t>
+            </a:r>
+          </a:p>
+        </p:txBody>
+      </p:sp>
+      <p:cxnSp>
+        <p:nvCxnSpPr>
+          <p:cNvPr id="31" name="Gerade Verbindung mit Pfeil 30">
+            <a:extLst>
+              <a:ext uri="{FF2B5EF4-FFF2-40B4-BE49-F238E27FC236}">
+                <a16:creationId xmlns:a16="http://schemas.microsoft.com/office/drawing/2014/main" id="{CE9388FB-290F-0B48-BFEF-2D02E472DFE9}"/>
+              </a:ext>
+            </a:extLst>
+          </p:cNvPr>
+          <p:cNvCxnSpPr>
+            <a:cxnSpLocks/>
+            <a:stCxn id="26" idx="0"/>
+            <a:endCxn id="30" idx="2"/>
+          </p:cNvCxnSpPr>
+          <p:nvPr/>
+        </p:nvCxnSpPr>
+        <p:spPr>
+          <a:xfrm flipV="1">
+            <a:off x="8380856" y="2800966"/>
+            <a:ext cx="0" cy="262675"/>
+          </a:xfrm>
+          <a:prstGeom prst="straightConnector1">
+            <a:avLst/>
+          </a:prstGeom>
+          <a:ln w="19050">
+            <a:solidFill>
+              <a:schemeClr val="tx1"/>
+            </a:solidFill>
+            <a:tailEnd type="triangle"/>
+          </a:ln>
+        </p:spPr>
+        <p:style>
+          <a:lnRef idx="1">
+            <a:schemeClr val="accent1"/>
+          </a:lnRef>
+          <a:fillRef idx="0">
+            <a:schemeClr val="accent1"/>
+          </a:fillRef>
+          <a:effectRef idx="0">
+            <a:schemeClr val="accent1"/>
+          </a:effectRef>
+          <a:fontRef idx="minor">
+            <a:schemeClr val="tx1"/>
+          </a:fontRef>
+        </p:style>
+      </p:cxnSp>
+      <p:cxnSp>
+        <p:nvCxnSpPr>
+          <p:cNvPr id="34" name="Gerade Verbindung mit Pfeil 33">
+            <a:extLst>
+              <a:ext uri="{FF2B5EF4-FFF2-40B4-BE49-F238E27FC236}">
+                <a16:creationId xmlns:a16="http://schemas.microsoft.com/office/drawing/2014/main" id="{1F60FE65-ADA2-5243-9166-CCE4251C24BF}"/>
+              </a:ext>
+            </a:extLst>
+          </p:cNvPr>
+          <p:cNvCxnSpPr>
+            <a:cxnSpLocks/>
+            <a:stCxn id="21" idx="3"/>
+            <a:endCxn id="37" idx="1"/>
+          </p:cNvCxnSpPr>
+          <p:nvPr/>
+        </p:nvCxnSpPr>
+        <p:spPr>
+          <a:xfrm>
+            <a:off x="8840896" y="4131386"/>
+            <a:ext cx="460039" cy="0"/>
+          </a:xfrm>
+          <a:prstGeom prst="straightConnector1">
+            <a:avLst/>
+          </a:prstGeom>
+          <a:ln w="19050">
+            <a:solidFill>
+              <a:schemeClr val="tx1"/>
+            </a:solidFill>
+            <a:tailEnd type="triangle"/>
+          </a:ln>
+        </p:spPr>
+        <p:style>
+          <a:lnRef idx="1">
+            <a:schemeClr val="accent1"/>
+          </a:lnRef>
+          <a:fillRef idx="0">
+            <a:schemeClr val="accent1"/>
+          </a:fillRef>
+          <a:effectRef idx="0">
+            <a:schemeClr val="accent1"/>
+          </a:effectRef>
+          <a:fontRef idx="minor">
+            <a:schemeClr val="tx1"/>
+          </a:fontRef>
+        </p:style>
+      </p:cxnSp>
+      <p:sp>
+        <p:nvSpPr>
+          <p:cNvPr id="37" name="Rechteck 36">
+            <a:extLst>
+              <a:ext uri="{FF2B5EF4-FFF2-40B4-BE49-F238E27FC236}">
+                <a16:creationId xmlns:a16="http://schemas.microsoft.com/office/drawing/2014/main" id="{FBC99236-8066-7E4B-AE7F-B4F4A6E05703}"/>
+              </a:ext>
+            </a:extLst>
+          </p:cNvPr>
+          <p:cNvSpPr/>
+          <p:nvPr/>
+        </p:nvSpPr>
+        <p:spPr>
+          <a:xfrm>
+            <a:off x="9300935" y="3864449"/>
+            <a:ext cx="920079" cy="533873"/>
+          </a:xfrm>
+          <a:prstGeom prst="rect">
+            <a:avLst/>
+          </a:prstGeom>
+          <a:solidFill>
+            <a:schemeClr val="accent1"/>
+          </a:solidFill>
+          <a:ln w="28575">
+            <a:noFill/>
+          </a:ln>
+        </p:spPr>
+        <p:style>
+          <a:lnRef idx="0">
+            <a:scrgbClr r="0" g="0" b="0"/>
+          </a:lnRef>
+          <a:fillRef idx="0">
+            <a:scrgbClr r="0" g="0" b="0"/>
+          </a:fillRef>
+          <a:effectRef idx="0">
+            <a:scrgbClr r="0" g="0" b="0"/>
+          </a:effectRef>
+          <a:fontRef idx="minor">
+            <a:schemeClr val="lt1"/>
+          </a:fontRef>
+        </p:style>
+        <p:txBody>
+          <a:bodyPr rtlCol="0" anchor="ctr"/>
+          <a:lstStyle/>
+          <a:p>
+            <a:pPr algn="ctr"/>
+            <a:r>
+              <a:rPr lang="en-US" sz="1200" b="1" dirty="0">
+                <a:solidFill>
+                  <a:schemeClr val="bg2"/>
+                </a:solidFill>
+                <a:latin typeface="Lato Bold" charset="0"/>
+              </a:rPr>
+              <a:t>Aggregate</a:t>
+            </a:r>
+          </a:p>
+        </p:txBody>
+      </p:sp>
+      <p:sp>
+        <p:nvSpPr>
+          <p:cNvPr id="39" name="Rechteck 38">
+            <a:extLst>
+              <a:ext uri="{FF2B5EF4-FFF2-40B4-BE49-F238E27FC236}">
+                <a16:creationId xmlns:a16="http://schemas.microsoft.com/office/drawing/2014/main" id="{E5B4233C-2216-0B47-BA57-62DE63BD9C99}"/>
+              </a:ext>
+            </a:extLst>
+          </p:cNvPr>
+          <p:cNvSpPr/>
+          <p:nvPr/>
+        </p:nvSpPr>
+        <p:spPr>
+          <a:xfrm>
+            <a:off x="9300934" y="3063640"/>
+            <a:ext cx="920079" cy="533873"/>
+          </a:xfrm>
+          <a:prstGeom prst="rect">
+            <a:avLst/>
+          </a:prstGeom>
+          <a:solidFill>
+            <a:schemeClr val="accent1"/>
+          </a:solidFill>
+          <a:ln w="28575">
+            <a:noFill/>
+          </a:ln>
+        </p:spPr>
+        <p:style>
+          <a:lnRef idx="0">
+            <a:scrgbClr r="0" g="0" b="0"/>
+          </a:lnRef>
+          <a:fillRef idx="0">
+            <a:scrgbClr r="0" g="0" b="0"/>
+          </a:fillRef>
+          <a:effectRef idx="0">
+            <a:scrgbClr r="0" g="0" b="0"/>
+          </a:effectRef>
+          <a:fontRef idx="minor">
+            <a:schemeClr val="lt1"/>
+          </a:fontRef>
+        </p:style>
+        <p:txBody>
+          <a:bodyPr rtlCol="0" anchor="ctr"/>
+          <a:lstStyle/>
+          <a:p>
+            <a:pPr algn="ctr"/>
+            <a:r>
+              <a:rPr lang="en-US" sz="1200" b="1" dirty="0">
+                <a:solidFill>
+                  <a:schemeClr val="bg2"/>
+                </a:solidFill>
+                <a:latin typeface="Lato Bold" charset="0"/>
+              </a:rPr>
+              <a:t>Generate Dashboard</a:t>
+            </a:r>
+          </a:p>
+        </p:txBody>
+      </p:sp>
+      <p:cxnSp>
+        <p:nvCxnSpPr>
+          <p:cNvPr id="40" name="Gerade Verbindung mit Pfeil 39">
+            <a:extLst>
+              <a:ext uri="{FF2B5EF4-FFF2-40B4-BE49-F238E27FC236}">
+                <a16:creationId xmlns:a16="http://schemas.microsoft.com/office/drawing/2014/main" id="{3FC203FC-F987-614C-A031-ECAFFE14B215}"/>
+              </a:ext>
+            </a:extLst>
+          </p:cNvPr>
+          <p:cNvCxnSpPr>
+            <a:cxnSpLocks/>
+            <a:stCxn id="37" idx="0"/>
+            <a:endCxn id="39" idx="2"/>
+          </p:cNvCxnSpPr>
+          <p:nvPr/>
+        </p:nvCxnSpPr>
+        <p:spPr>
+          <a:xfrm flipH="1" flipV="1">
+            <a:off x="9760974" y="3597513"/>
+            <a:ext cx="1" cy="266936"/>
+          </a:xfrm>
+          <a:prstGeom prst="straightConnector1">
+            <a:avLst/>
+          </a:prstGeom>
+          <a:ln w="19050">
+            <a:solidFill>
+              <a:schemeClr val="tx1"/>
+            </a:solidFill>
+            <a:tailEnd type="triangle"/>
+          </a:ln>
+        </p:spPr>
+        <p:style>
+          <a:lnRef idx="1">
+            <a:schemeClr val="accent1"/>
+          </a:lnRef>
+          <a:fillRef idx="0">
+            <a:schemeClr val="accent1"/>
+          </a:fillRef>
+          <a:effectRef idx="0">
+            <a:schemeClr val="accent1"/>
+          </a:effectRef>
+          <a:fontRef idx="minor">
+            <a:schemeClr val="tx1"/>
+          </a:fontRef>
+        </p:style>
+      </p:cxnSp>
+      <p:sp>
+        <p:nvSpPr>
+          <p:cNvPr id="43" name="Rechteck 42">
+            <a:extLst>
+              <a:ext uri="{FF2B5EF4-FFF2-40B4-BE49-F238E27FC236}">
+                <a16:creationId xmlns:a16="http://schemas.microsoft.com/office/drawing/2014/main" id="{70A9DD13-F91F-C84B-AEA2-CD83494BC705}"/>
+              </a:ext>
+            </a:extLst>
+          </p:cNvPr>
+          <p:cNvSpPr/>
+          <p:nvPr/>
+        </p:nvSpPr>
+        <p:spPr>
+          <a:xfrm>
+            <a:off x="9300933" y="2262830"/>
+            <a:ext cx="920079" cy="533873"/>
+          </a:xfrm>
+          <a:prstGeom prst="rect">
+            <a:avLst/>
+          </a:prstGeom>
+          <a:solidFill>
+            <a:schemeClr val="accent4"/>
+          </a:solidFill>
+          <a:ln>
+            <a:noFill/>
+          </a:ln>
+        </p:spPr>
+        <p:style>
+          <a:lnRef idx="0">
+            <a:scrgbClr r="0" g="0" b="0"/>
+          </a:lnRef>
+          <a:fillRef idx="0">
+            <a:scrgbClr r="0" g="0" b="0"/>
+          </a:fillRef>
+          <a:effectRef idx="0">
+            <a:scrgbClr r="0" g="0" b="0"/>
+          </a:effectRef>
+          <a:fontRef idx="minor">
+            <a:schemeClr val="lt1"/>
+          </a:fontRef>
+        </p:style>
+        <p:txBody>
+          <a:bodyPr rtlCol="0" anchor="ctr"/>
+          <a:lstStyle/>
+          <a:p>
+            <a:pPr algn="ctr"/>
+            <a:r>
+              <a:rPr lang="en-US" sz="1200" b="1" dirty="0">
+                <a:solidFill>
+                  <a:schemeClr val="bg2"/>
+                </a:solidFill>
+                <a:latin typeface="Lato Bold" charset="0"/>
+              </a:rPr>
+              <a:t>Central Office Dashboard</a:t>
+            </a:r>
+          </a:p>
+        </p:txBody>
+      </p:sp>
+      <p:cxnSp>
+        <p:nvCxnSpPr>
+          <p:cNvPr id="44" name="Gerade Verbindung mit Pfeil 43">
+            <a:extLst>
+              <a:ext uri="{FF2B5EF4-FFF2-40B4-BE49-F238E27FC236}">
+                <a16:creationId xmlns:a16="http://schemas.microsoft.com/office/drawing/2014/main" id="{17A2DFAA-3873-394B-BA6E-6D0E44121AA2}"/>
+              </a:ext>
+            </a:extLst>
+          </p:cNvPr>
+          <p:cNvCxnSpPr>
+            <a:cxnSpLocks/>
+            <a:stCxn id="39" idx="0"/>
+            <a:endCxn id="43" idx="2"/>
+          </p:cNvCxnSpPr>
+          <p:nvPr/>
+        </p:nvCxnSpPr>
+        <p:spPr>
+          <a:xfrm flipH="1" flipV="1">
+            <a:off x="9760973" y="2796703"/>
+            <a:ext cx="1" cy="266937"/>
+          </a:xfrm>
+          <a:prstGeom prst="straightConnector1">
+            <a:avLst/>
+          </a:prstGeom>
+          <a:ln w="19050">
+            <a:solidFill>
+              <a:schemeClr val="tx1"/>
+            </a:solidFill>
+            <a:tailEnd type="triangle"/>
+          </a:ln>
+        </p:spPr>
+        <p:style>
+          <a:lnRef idx="1">
+            <a:schemeClr val="accent1"/>
+          </a:lnRef>
+          <a:fillRef idx="0">
+            <a:schemeClr val="accent1"/>
+          </a:fillRef>
+          <a:effectRef idx="0">
+            <a:schemeClr val="accent1"/>
+          </a:effectRef>
+          <a:fontRef idx="minor">
+            <a:schemeClr val="tx1"/>
+          </a:fontRef>
+        </p:style>
+      </p:cxnSp>
+      <p:cxnSp>
+        <p:nvCxnSpPr>
+          <p:cNvPr id="49" name="Gerade Verbindung mit Pfeil 48">
+            <a:extLst>
+              <a:ext uri="{FF2B5EF4-FFF2-40B4-BE49-F238E27FC236}">
+                <a16:creationId xmlns:a16="http://schemas.microsoft.com/office/drawing/2014/main" id="{5B800C93-62BE-4B44-9A1A-88E98FD40095}"/>
+              </a:ext>
+            </a:extLst>
+          </p:cNvPr>
+          <p:cNvCxnSpPr>
+            <a:cxnSpLocks/>
+            <a:stCxn id="11" idx="0"/>
+            <a:endCxn id="15" idx="2"/>
+          </p:cNvCxnSpPr>
+          <p:nvPr/>
+        </p:nvCxnSpPr>
+        <p:spPr>
+          <a:xfrm flipV="1">
+            <a:off x="6807633" y="4398323"/>
+            <a:ext cx="1" cy="266935"/>
+          </a:xfrm>
+          <a:prstGeom prst="straightConnector1">
+            <a:avLst/>
+          </a:prstGeom>
+          <a:ln w="19050">
+            <a:solidFill>
+              <a:schemeClr val="tx1"/>
+            </a:solidFill>
+            <a:tailEnd type="triangle"/>
+          </a:ln>
+        </p:spPr>
+        <p:style>
+          <a:lnRef idx="1">
+            <a:schemeClr val="accent1"/>
+          </a:lnRef>
+          <a:fillRef idx="0">
+            <a:schemeClr val="accent1"/>
+          </a:fillRef>
+          <a:effectRef idx="0">
+            <a:schemeClr val="accent1"/>
+          </a:effectRef>
+          <a:fontRef idx="minor">
+            <a:schemeClr val="tx1"/>
+          </a:fontRef>
+        </p:style>
+      </p:cxnSp>
+      <p:sp>
+        <p:nvSpPr>
+          <p:cNvPr id="58" name="TextBox 39">
+            <a:extLst>
+              <a:ext uri="{FF2B5EF4-FFF2-40B4-BE49-F238E27FC236}">
+                <a16:creationId xmlns:a16="http://schemas.microsoft.com/office/drawing/2014/main" id="{0278D2CF-BC22-ED4D-A8B2-1400F8C1EB6C}"/>
+              </a:ext>
+            </a:extLst>
+          </p:cNvPr>
+          <p:cNvSpPr txBox="1"/>
+          <p:nvPr/>
+        </p:nvSpPr>
+        <p:spPr>
+          <a:xfrm>
+            <a:off x="4715643" y="241509"/>
+            <a:ext cx="2760738" cy="723267"/>
+          </a:xfrm>
+          <a:prstGeom prst="rect">
+            <a:avLst/>
+          </a:prstGeom>
+          <a:noFill/>
+        </p:spPr>
+        <p:txBody>
+          <a:bodyPr wrap="none" lIns="45711" tIns="22856" rIns="45711" bIns="22856" rtlCol="0">
+            <a:spAutoFit/>
+          </a:bodyPr>
+          <a:lstStyle/>
+          <a:p>
+            <a:pPr algn="ctr"/>
+            <a:r>
+              <a:rPr lang="en-US" sz="4400" b="1" dirty="0">
+                <a:solidFill>
+                  <a:schemeClr val="tx2"/>
+                </a:solidFill>
+                <a:latin typeface="Lato" charset="0"/>
+                <a:ea typeface="Lato" charset="0"/>
+                <a:cs typeface="Lato" charset="0"/>
+              </a:rPr>
+              <a:t>Application</a:t>
+            </a:r>
+            <a:endParaRPr lang="id-ID" sz="4400" b="1" dirty="0">
+              <a:solidFill>
+                <a:schemeClr val="tx2"/>
+              </a:solidFill>
+              <a:latin typeface="Lato" charset="0"/>
+              <a:ea typeface="Lato" charset="0"/>
+              <a:cs typeface="Lato" charset="0"/>
+            </a:endParaRPr>
+          </a:p>
+        </p:txBody>
+      </p:sp>
+      <p:sp>
+        <p:nvSpPr>
+          <p:cNvPr id="59" name="Rectangle 40">
+            <a:extLst>
+              <a:ext uri="{FF2B5EF4-FFF2-40B4-BE49-F238E27FC236}">
+                <a16:creationId xmlns:a16="http://schemas.microsoft.com/office/drawing/2014/main" id="{DCF1191F-9ADA-EC49-B22E-FB7EF4D77533}"/>
+              </a:ext>
+            </a:extLst>
+          </p:cNvPr>
+          <p:cNvSpPr/>
+          <p:nvPr/>
+        </p:nvSpPr>
+        <p:spPr>
+          <a:xfrm>
+            <a:off x="5718037" y="1235334"/>
+            <a:ext cx="776519" cy="45719"/>
+          </a:xfrm>
+          <a:prstGeom prst="rect">
+            <a:avLst/>
+          </a:prstGeom>
+          <a:solidFill>
+            <a:schemeClr val="tx2"/>
+          </a:solidFill>
+          <a:ln>
+            <a:noFill/>
+          </a:ln>
+          <a:effectLst/>
+        </p:spPr>
+        <p:style>
+          <a:lnRef idx="1">
+            <a:schemeClr val="accent1"/>
+          </a:lnRef>
+          <a:fillRef idx="3">
+            <a:schemeClr val="accent1"/>
+          </a:fillRef>
+          <a:effectRef idx="2">
+            <a:schemeClr val="accent1"/>
+          </a:effectRef>
+          <a:fontRef idx="minor">
+            <a:schemeClr val="lt1"/>
+          </a:fontRef>
+        </p:style>
+        <p:txBody>
+          <a:bodyPr lIns="45670" tIns="22836" rIns="45670" bIns="22836" rtlCol="0" anchor="ctr"/>
+          <a:lstStyle/>
+          <a:p>
+            <a:pPr algn="ctr"/>
+            <a:endParaRPr lang="en-US" sz="900" dirty="0">
+              <a:solidFill>
+                <a:schemeClr val="accent2"/>
+              </a:solidFill>
+              <a:latin typeface="Lato Light" charset="0"/>
+            </a:endParaRPr>
+          </a:p>
+        </p:txBody>
+      </p:sp>
+      <p:sp>
+        <p:nvSpPr>
+          <p:cNvPr id="60" name="Subtitle 2">
+            <a:extLst>
+              <a:ext uri="{FF2B5EF4-FFF2-40B4-BE49-F238E27FC236}">
+                <a16:creationId xmlns:a16="http://schemas.microsoft.com/office/drawing/2014/main" id="{BBBD0670-007B-E142-94C8-1DED431A4510}"/>
+              </a:ext>
+            </a:extLst>
+          </p:cNvPr>
+          <p:cNvSpPr txBox="1">
+            <a:spLocks/>
+          </p:cNvSpPr>
+          <p:nvPr/>
+        </p:nvSpPr>
+        <p:spPr>
+          <a:xfrm>
+            <a:off x="5069126" y="817417"/>
+            <a:ext cx="2074417" cy="376997"/>
+          </a:xfrm>
+          <a:prstGeom prst="rect">
+            <a:avLst/>
+          </a:prstGeom>
+        </p:spPr>
+        <p:txBody>
+          <a:bodyPr vert="horz" wrap="none" lIns="108745" tIns="54373" rIns="108745" bIns="54373" rtlCol="0">
+            <a:spAutoFit/>
+          </a:bodyPr>
+          <a:lstStyle>
+            <a:lvl1pPr marL="0" indent="0" algn="ctr" defTabSz="1087636" rtl="0" eaLnBrk="1" latinLnBrk="0" hangingPunct="1">
+              <a:lnSpc>
+                <a:spcPct val="120000"/>
+              </a:lnSpc>
+              <a:spcBef>
+                <a:spcPct val="20000"/>
+              </a:spcBef>
+              <a:buFont typeface="Arial"/>
+              <a:buNone/>
+              <a:defRPr sz="2400" kern="1200">
+                <a:solidFill>
+                  <a:schemeClr val="tx2"/>
+                </a:solidFill>
+                <a:latin typeface="Open Sans Light"/>
+                <a:ea typeface="+mn-ea"/>
+                <a:cs typeface="Open Sans Light"/>
+              </a:defRPr>
+            </a:lvl1pPr>
+            <a:lvl2pPr marL="1087636" indent="0" algn="ctr" defTabSz="1087636" rtl="0" eaLnBrk="1" latinLnBrk="0" hangingPunct="1">
+              <a:lnSpc>
+                <a:spcPct val="130000"/>
+              </a:lnSpc>
+              <a:spcBef>
+                <a:spcPct val="20000"/>
+              </a:spcBef>
+              <a:buFont typeface="Arial"/>
+              <a:buNone/>
+              <a:defRPr sz="3200" kern="1200">
+                <a:solidFill>
+                  <a:schemeClr val="tx1">
+                    <a:tint val="75000"/>
+                  </a:schemeClr>
+                </a:solidFill>
+                <a:latin typeface="Open Sans"/>
+                <a:ea typeface="+mn-ea"/>
+                <a:cs typeface="Open Sans"/>
+              </a:defRPr>
+            </a:lvl2pPr>
+            <a:lvl3pPr marL="2175271" indent="0" algn="ctr" defTabSz="1087636" rtl="0" eaLnBrk="1" latinLnBrk="0" hangingPunct="1">
+              <a:lnSpc>
+                <a:spcPct val="130000"/>
+              </a:lnSpc>
+              <a:spcBef>
+                <a:spcPct val="20000"/>
+              </a:spcBef>
+              <a:buFont typeface="Arial"/>
+              <a:buNone/>
+              <a:defRPr sz="3200" kern="1200">
+                <a:solidFill>
+                  <a:schemeClr val="tx1">
+                    <a:tint val="75000"/>
+                  </a:schemeClr>
+                </a:solidFill>
+                <a:latin typeface="Open Sans"/>
+                <a:ea typeface="+mn-ea"/>
+                <a:cs typeface="Open Sans"/>
+              </a:defRPr>
+            </a:lvl3pPr>
+            <a:lvl4pPr marL="3262912" indent="0" algn="ctr" defTabSz="1087636" rtl="0" eaLnBrk="1" latinLnBrk="0" hangingPunct="1">
+              <a:lnSpc>
+                <a:spcPct val="130000"/>
+              </a:lnSpc>
+              <a:spcBef>
+                <a:spcPct val="20000"/>
+              </a:spcBef>
+              <a:buFont typeface="Arial"/>
+              <a:buNone/>
+              <a:defRPr sz="3200" kern="1200">
+                <a:solidFill>
+                  <a:schemeClr val="tx1">
+                    <a:tint val="75000"/>
+                  </a:schemeClr>
+                </a:solidFill>
+                <a:latin typeface="Open Sans"/>
+                <a:ea typeface="+mn-ea"/>
+                <a:cs typeface="Open Sans"/>
+              </a:defRPr>
+            </a:lvl4pPr>
+            <a:lvl5pPr marL="4350546" indent="0" algn="ctr" defTabSz="1087636" rtl="0" eaLnBrk="1" latinLnBrk="0" hangingPunct="1">
+              <a:lnSpc>
+                <a:spcPct val="130000"/>
+              </a:lnSpc>
+              <a:spcBef>
+                <a:spcPct val="20000"/>
+              </a:spcBef>
+              <a:buFont typeface="Arial"/>
+              <a:buNone/>
+              <a:defRPr sz="3200" kern="1200">
+                <a:solidFill>
+                  <a:schemeClr val="tx1">
+                    <a:tint val="75000"/>
+                  </a:schemeClr>
+                </a:solidFill>
+                <a:latin typeface="Open Sans"/>
+                <a:ea typeface="+mn-ea"/>
+                <a:cs typeface="Open Sans"/>
+              </a:defRPr>
+            </a:lvl5pPr>
+            <a:lvl6pPr marL="5438184" indent="0" algn="ctr" defTabSz="1087636" rtl="0" eaLnBrk="1" latinLnBrk="0" hangingPunct="1">
+              <a:spcBef>
+                <a:spcPct val="20000"/>
+              </a:spcBef>
+              <a:buFont typeface="Arial"/>
+              <a:buNone/>
+              <a:defRPr sz="4800" kern="1200">
+                <a:solidFill>
+                  <a:schemeClr val="tx1">
+                    <a:tint val="75000"/>
+                  </a:schemeClr>
+                </a:solidFill>
+                <a:latin typeface="+mn-lt"/>
+                <a:ea typeface="+mn-ea"/>
+                <a:cs typeface="+mn-cs"/>
+              </a:defRPr>
+            </a:lvl6pPr>
+            <a:lvl7pPr marL="6525820" indent="0" algn="ctr" defTabSz="1087636" rtl="0" eaLnBrk="1" latinLnBrk="0" hangingPunct="1">
+              <a:spcBef>
+                <a:spcPct val="20000"/>
+              </a:spcBef>
+              <a:buFont typeface="Arial"/>
+              <a:buNone/>
+              <a:defRPr sz="4800" kern="1200">
+                <a:solidFill>
+                  <a:schemeClr val="tx1">
+                    <a:tint val="75000"/>
+                  </a:schemeClr>
+                </a:solidFill>
+                <a:latin typeface="+mn-lt"/>
+                <a:ea typeface="+mn-ea"/>
+                <a:cs typeface="+mn-cs"/>
+              </a:defRPr>
+            </a:lvl7pPr>
+            <a:lvl8pPr marL="7613455" indent="0" algn="ctr" defTabSz="1087636" rtl="0" eaLnBrk="1" latinLnBrk="0" hangingPunct="1">
+              <a:spcBef>
+                <a:spcPct val="20000"/>
+              </a:spcBef>
+              <a:buFont typeface="Arial"/>
+              <a:buNone/>
+              <a:defRPr sz="4800" kern="1200">
+                <a:solidFill>
+                  <a:schemeClr val="tx1">
+                    <a:tint val="75000"/>
+                  </a:schemeClr>
+                </a:solidFill>
+                <a:latin typeface="+mn-lt"/>
+                <a:ea typeface="+mn-ea"/>
+                <a:cs typeface="+mn-cs"/>
+              </a:defRPr>
+            </a:lvl8pPr>
+            <a:lvl9pPr marL="8701091" indent="0" algn="ctr" defTabSz="1087636" rtl="0" eaLnBrk="1" latinLnBrk="0" hangingPunct="1">
+              <a:spcBef>
+                <a:spcPct val="20000"/>
+              </a:spcBef>
+              <a:buFont typeface="Arial"/>
+              <a:buNone/>
+              <a:defRPr sz="4800" kern="1200">
+                <a:solidFill>
+                  <a:schemeClr val="tx1">
+                    <a:tint val="75000"/>
+                  </a:schemeClr>
+                </a:solidFill>
+                <a:latin typeface="+mn-lt"/>
+                <a:ea typeface="+mn-ea"/>
+                <a:cs typeface="+mn-cs"/>
+              </a:defRPr>
+            </a:lvl9pPr>
+          </a:lstStyle>
+          <a:p>
+            <a:r>
+              <a:rPr lang="en-US" sz="1550" dirty="0">
+                <a:latin typeface="Lato Light"/>
+                <a:cs typeface="Lato Light"/>
+              </a:rPr>
+              <a:t>Smart Factory Scenario</a:t>
+            </a:r>
+          </a:p>
+        </p:txBody>
+      </p:sp>
+    </p:spTree>
+    <p:extLst>
+      <p:ext uri="{BB962C8B-B14F-4D97-AF65-F5344CB8AC3E}">
+        <p14:creationId xmlns:p14="http://schemas.microsoft.com/office/powerpoint/2010/main" val="98146879"/>
+      </p:ext>
+    </p:extLst>
+  </p:cSld>
+  <p:clrMapOvr>
+    <a:masterClrMapping/>
+  </p:clrMapOvr>
+  <mc:AlternateContent xmlns:mc="http://schemas.openxmlformats.org/markup-compatibility/2006" xmlns:p14="http://schemas.microsoft.com/office/powerpoint/2010/main">
+    <mc:Choice Requires="p14">
+      <p:transition p14:dur="0" advClick="0"/>
+    </mc:Choice>
+    <mc:Fallback xmlns="">
+      <p:transition advClick="0"/>
+    </mc:Fallback>
+  </mc:AlternateContent>
+</p:sld>
+</file>
+
+<file path=ppt/slides/slide13.xml><?xml version="1.0" encoding="utf-8"?>
+<p:sld xmlns:a="http://schemas.openxmlformats.org/drawingml/2006/main" xmlns:r="http://schemas.openxmlformats.org/officeDocument/2006/relationships" xmlns:p="http://schemas.openxmlformats.org/presentationml/2006/main">
+  <p:cSld>
+    <p:spTree>
+      <p:nvGrpSpPr>
+        <p:cNvPr id="1" name=""/>
+        <p:cNvGrpSpPr/>
+        <p:nvPr/>
+      </p:nvGrpSpPr>
+      <p:grpSpPr>
+        <a:xfrm>
+          <a:off x="0" y="0"/>
+          <a:ext cx="0" cy="0"/>
+          <a:chOff x="0" y="0"/>
+          <a:chExt cx="0" cy="0"/>
+        </a:xfrm>
+      </p:grpSpPr>
+      <p:sp>
+        <p:nvSpPr>
+          <p:cNvPr id="2" name="Rechteck 1">
+            <a:extLst>
+              <a:ext uri="{FF2B5EF4-FFF2-40B4-BE49-F238E27FC236}">
+                <a16:creationId xmlns:a16="http://schemas.microsoft.com/office/drawing/2014/main" id="{AC44D731-AFEB-BA4E-8E5C-0E4CF591336D}"/>
+              </a:ext>
+            </a:extLst>
+          </p:cNvPr>
+          <p:cNvSpPr/>
+          <p:nvPr/>
+        </p:nvSpPr>
+        <p:spPr>
+          <a:xfrm>
+            <a:off x="1627925" y="3864452"/>
+            <a:ext cx="920079" cy="533873"/>
+          </a:xfrm>
+          <a:prstGeom prst="rect">
+            <a:avLst/>
+          </a:prstGeom>
+          <a:solidFill>
+            <a:schemeClr val="accent2"/>
+          </a:solidFill>
+          <a:ln>
+            <a:noFill/>
+          </a:ln>
+        </p:spPr>
+        <p:style>
+          <a:lnRef idx="0">
+            <a:scrgbClr r="0" g="0" b="0"/>
+          </a:lnRef>
+          <a:fillRef idx="0">
+            <a:scrgbClr r="0" g="0" b="0"/>
+          </a:fillRef>
+          <a:effectRef idx="0">
+            <a:scrgbClr r="0" g="0" b="0"/>
+          </a:effectRef>
+          <a:fontRef idx="minor">
+            <a:schemeClr val="lt1"/>
+          </a:fontRef>
+        </p:style>
+        <p:txBody>
+          <a:bodyPr rtlCol="0" anchor="ctr"/>
+          <a:lstStyle/>
+          <a:p>
+            <a:pPr algn="ctr"/>
+            <a:r>
+              <a:rPr lang="en-US" sz="1200" b="1" dirty="0">
+                <a:solidFill>
+                  <a:schemeClr val="bg2"/>
+                </a:solidFill>
+                <a:latin typeface="Lato Bold" charset="0"/>
+              </a:rPr>
+              <a:t>Camera</a:t>
+            </a:r>
+          </a:p>
+        </p:txBody>
+      </p:sp>
+      <p:sp>
+        <p:nvSpPr>
+          <p:cNvPr id="3" name="Rechteck 2">
+            <a:extLst>
+              <a:ext uri="{FF2B5EF4-FFF2-40B4-BE49-F238E27FC236}">
+                <a16:creationId xmlns:a16="http://schemas.microsoft.com/office/drawing/2014/main" id="{90C32F19-964A-C64E-94F5-7CFAE07F6B54}"/>
+              </a:ext>
+            </a:extLst>
+          </p:cNvPr>
+          <p:cNvSpPr/>
+          <p:nvPr/>
+        </p:nvSpPr>
+        <p:spPr>
+          <a:xfrm>
+            <a:off x="3201148" y="3864451"/>
+            <a:ext cx="920079" cy="533873"/>
+          </a:xfrm>
+          <a:prstGeom prst="rect">
+            <a:avLst/>
+          </a:prstGeom>
+          <a:solidFill>
+            <a:schemeClr val="accent2"/>
+          </a:solidFill>
+          <a:ln>
+            <a:noFill/>
+          </a:ln>
+        </p:spPr>
+        <p:style>
+          <a:lnRef idx="0">
+            <a:scrgbClr r="0" g="0" b="0"/>
+          </a:lnRef>
+          <a:fillRef idx="0">
+            <a:scrgbClr r="0" g="0" b="0"/>
+          </a:fillRef>
+          <a:effectRef idx="0">
+            <a:scrgbClr r="0" g="0" b="0"/>
+          </a:effectRef>
+          <a:fontRef idx="minor">
+            <a:schemeClr val="lt1"/>
+          </a:fontRef>
+        </p:style>
+        <p:txBody>
+          <a:bodyPr rtlCol="0" anchor="ctr"/>
+          <a:lstStyle/>
+          <a:p>
+            <a:pPr algn="ctr"/>
+            <a:r>
+              <a:rPr lang="en-US" sz="1200" b="1" dirty="0">
+                <a:solidFill>
+                  <a:schemeClr val="bg2"/>
+                </a:solidFill>
+                <a:latin typeface="Lato Bold" charset="0"/>
+              </a:rPr>
+              <a:t>Production Controller</a:t>
+            </a:r>
+          </a:p>
+        </p:txBody>
+      </p:sp>
+      <p:cxnSp>
+        <p:nvCxnSpPr>
+          <p:cNvPr id="5" name="Gerade Verbindung mit Pfeil 4">
+            <a:extLst>
+              <a:ext uri="{FF2B5EF4-FFF2-40B4-BE49-F238E27FC236}">
+                <a16:creationId xmlns:a16="http://schemas.microsoft.com/office/drawing/2014/main" id="{96F8CDC8-A663-7A45-9DBF-B31FB67D7A98}"/>
+              </a:ext>
+            </a:extLst>
+          </p:cNvPr>
+          <p:cNvCxnSpPr>
+            <a:stCxn id="2" idx="3"/>
+            <a:endCxn id="3" idx="1"/>
+          </p:cNvCxnSpPr>
+          <p:nvPr/>
+        </p:nvCxnSpPr>
+        <p:spPr>
+          <a:xfrm flipV="1">
+            <a:off x="2548004" y="4131388"/>
+            <a:ext cx="653144" cy="1"/>
+          </a:xfrm>
+          <a:prstGeom prst="straightConnector1">
+            <a:avLst/>
+          </a:prstGeom>
+          <a:ln w="19050">
+            <a:solidFill>
+              <a:schemeClr val="tx1"/>
+            </a:solidFill>
+            <a:tailEnd type="triangle"/>
+          </a:ln>
+        </p:spPr>
+        <p:style>
+          <a:lnRef idx="1">
+            <a:schemeClr val="accent1"/>
+          </a:lnRef>
+          <a:fillRef idx="0">
+            <a:schemeClr val="accent1"/>
+          </a:fillRef>
+          <a:effectRef idx="0">
+            <a:schemeClr val="accent1"/>
+          </a:effectRef>
+          <a:fontRef idx="minor">
+            <a:schemeClr val="tx1"/>
+          </a:fontRef>
+        </p:style>
+      </p:cxnSp>
+      <p:sp>
+        <p:nvSpPr>
+          <p:cNvPr id="7" name="Rechteck 6">
+            <a:extLst>
+              <a:ext uri="{FF2B5EF4-FFF2-40B4-BE49-F238E27FC236}">
+                <a16:creationId xmlns:a16="http://schemas.microsoft.com/office/drawing/2014/main" id="{446A0A6E-C1ED-7141-929B-7829E0CCB0F1}"/>
+              </a:ext>
+            </a:extLst>
+          </p:cNvPr>
+          <p:cNvSpPr/>
+          <p:nvPr/>
+        </p:nvSpPr>
+        <p:spPr>
+          <a:xfrm>
+            <a:off x="4783461" y="3464044"/>
+            <a:ext cx="920079" cy="533873"/>
+          </a:xfrm>
+          <a:prstGeom prst="rect">
+            <a:avLst/>
+          </a:prstGeom>
+          <a:solidFill>
+            <a:schemeClr val="accent3"/>
+          </a:solidFill>
+          <a:ln>
+            <a:noFill/>
+          </a:ln>
+        </p:spPr>
+        <p:style>
+          <a:lnRef idx="0">
+            <a:scrgbClr r="0" g="0" b="0"/>
+          </a:lnRef>
+          <a:fillRef idx="0">
+            <a:scrgbClr r="0" g="0" b="0"/>
+          </a:fillRef>
+          <a:effectRef idx="0">
+            <a:scrgbClr r="0" g="0" b="0"/>
+          </a:effectRef>
+          <a:fontRef idx="minor">
+            <a:schemeClr val="lt1"/>
+          </a:fontRef>
+        </p:style>
+        <p:txBody>
+          <a:bodyPr rtlCol="0" anchor="ctr"/>
+          <a:lstStyle/>
+          <a:p>
+            <a:pPr algn="ctr"/>
+            <a:r>
+              <a:rPr lang="en-US" sz="1200" b="1" dirty="0">
+                <a:solidFill>
+                  <a:schemeClr val="bg2"/>
+                </a:solidFill>
+                <a:latin typeface="Lato Bold" charset="0"/>
+              </a:rPr>
+              <a:t>Wireless Gateway</a:t>
+            </a:r>
+          </a:p>
+        </p:txBody>
+      </p:sp>
+      <p:cxnSp>
+        <p:nvCxnSpPr>
+          <p:cNvPr id="8" name="Gerade Verbindung mit Pfeil 7">
+            <a:extLst>
+              <a:ext uri="{FF2B5EF4-FFF2-40B4-BE49-F238E27FC236}">
+                <a16:creationId xmlns:a16="http://schemas.microsoft.com/office/drawing/2014/main" id="{7A13BDD3-20CF-F541-8CFD-449C18890C19}"/>
+              </a:ext>
+            </a:extLst>
+          </p:cNvPr>
+          <p:cNvCxnSpPr>
+            <a:cxnSpLocks/>
+            <a:stCxn id="3" idx="3"/>
+            <a:endCxn id="7" idx="1"/>
+          </p:cNvCxnSpPr>
+          <p:nvPr/>
+        </p:nvCxnSpPr>
+        <p:spPr>
+          <a:xfrm flipV="1">
+            <a:off x="4121227" y="3730981"/>
+            <a:ext cx="662234" cy="400407"/>
+          </a:xfrm>
+          <a:prstGeom prst="straightConnector1">
+            <a:avLst/>
+          </a:prstGeom>
+          <a:ln w="19050">
+            <a:solidFill>
+              <a:schemeClr val="tx1"/>
+            </a:solidFill>
+            <a:tailEnd type="triangle"/>
+          </a:ln>
+        </p:spPr>
+        <p:style>
+          <a:lnRef idx="1">
+            <a:schemeClr val="accent1"/>
+          </a:lnRef>
+          <a:fillRef idx="0">
+            <a:schemeClr val="accent1"/>
+          </a:fillRef>
+          <a:effectRef idx="0">
+            <a:schemeClr val="accent1"/>
+          </a:effectRef>
+          <a:fontRef idx="minor">
+            <a:schemeClr val="tx1"/>
+          </a:fontRef>
+        </p:style>
+      </p:cxnSp>
+      <p:sp>
+        <p:nvSpPr>
+          <p:cNvPr id="15" name="Rechteck 14">
+            <a:extLst>
+              <a:ext uri="{FF2B5EF4-FFF2-40B4-BE49-F238E27FC236}">
+                <a16:creationId xmlns:a16="http://schemas.microsoft.com/office/drawing/2014/main" id="{ED6FA80F-BD55-BE4B-B976-4B8460658A41}"/>
+              </a:ext>
+            </a:extLst>
+          </p:cNvPr>
+          <p:cNvSpPr/>
+          <p:nvPr/>
+        </p:nvSpPr>
+        <p:spPr>
+          <a:xfrm>
+            <a:off x="6365774" y="3469121"/>
+            <a:ext cx="920079" cy="533873"/>
+          </a:xfrm>
+          <a:prstGeom prst="rect">
+            <a:avLst/>
+          </a:prstGeom>
+          <a:solidFill>
+            <a:schemeClr val="accent3"/>
+          </a:solidFill>
+          <a:ln>
+            <a:noFill/>
+          </a:ln>
+        </p:spPr>
+        <p:style>
+          <a:lnRef idx="0">
+            <a:scrgbClr r="0" g="0" b="0"/>
+          </a:lnRef>
+          <a:fillRef idx="0">
+            <a:scrgbClr r="0" g="0" b="0"/>
+          </a:fillRef>
+          <a:effectRef idx="0">
+            <a:scrgbClr r="0" g="0" b="0"/>
+          </a:effectRef>
+          <a:fontRef idx="minor">
+            <a:schemeClr val="lt1"/>
+          </a:fontRef>
+        </p:style>
+        <p:txBody>
+          <a:bodyPr rtlCol="0" anchor="ctr"/>
+          <a:lstStyle/>
+          <a:p>
+            <a:pPr algn="ctr"/>
+            <a:r>
+              <a:rPr lang="en-US" sz="1200" b="1" dirty="0">
+                <a:solidFill>
+                  <a:schemeClr val="bg2"/>
+                </a:solidFill>
+                <a:latin typeface="Lato Bold" charset="0"/>
+              </a:rPr>
+              <a:t>Factory</a:t>
+            </a:r>
+          </a:p>
+          <a:p>
+            <a:pPr algn="ctr"/>
+            <a:r>
+              <a:rPr lang="en-US" sz="1200" b="1" dirty="0">
+                <a:solidFill>
+                  <a:schemeClr val="bg2"/>
+                </a:solidFill>
+                <a:latin typeface="Lato Bold" charset="0"/>
+              </a:rPr>
+              <a:t>Cluster</a:t>
+            </a:r>
+          </a:p>
+        </p:txBody>
+      </p:sp>
+      <p:cxnSp>
+        <p:nvCxnSpPr>
+          <p:cNvPr id="18" name="Gerade Verbindung mit Pfeil 17">
+            <a:extLst>
+              <a:ext uri="{FF2B5EF4-FFF2-40B4-BE49-F238E27FC236}">
+                <a16:creationId xmlns:a16="http://schemas.microsoft.com/office/drawing/2014/main" id="{034A7E14-0EBE-C147-A653-A72D8B21F22A}"/>
+              </a:ext>
+            </a:extLst>
+          </p:cNvPr>
+          <p:cNvCxnSpPr>
+            <a:cxnSpLocks/>
+            <a:stCxn id="7" idx="3"/>
+            <a:endCxn id="15" idx="1"/>
+          </p:cNvCxnSpPr>
+          <p:nvPr/>
+        </p:nvCxnSpPr>
+        <p:spPr>
+          <a:xfrm>
+            <a:off x="5703540" y="3730981"/>
+            <a:ext cx="662234" cy="5077"/>
+          </a:xfrm>
+          <a:prstGeom prst="straightConnector1">
+            <a:avLst/>
+          </a:prstGeom>
+          <a:ln w="19050">
+            <a:solidFill>
+              <a:schemeClr val="tx1"/>
+            </a:solidFill>
+            <a:tailEnd type="triangle"/>
+          </a:ln>
+        </p:spPr>
+        <p:style>
+          <a:lnRef idx="1">
+            <a:schemeClr val="accent1"/>
+          </a:lnRef>
+          <a:fillRef idx="0">
+            <a:schemeClr val="accent1"/>
+          </a:fillRef>
+          <a:effectRef idx="0">
+            <a:schemeClr val="accent1"/>
+          </a:effectRef>
+          <a:fontRef idx="minor">
+            <a:schemeClr val="tx1"/>
+          </a:fontRef>
+        </p:style>
+      </p:cxnSp>
+      <p:sp>
+        <p:nvSpPr>
+          <p:cNvPr id="21" name="Rechteck 20">
+            <a:extLst>
+              <a:ext uri="{FF2B5EF4-FFF2-40B4-BE49-F238E27FC236}">
+                <a16:creationId xmlns:a16="http://schemas.microsoft.com/office/drawing/2014/main" id="{11CD4661-CEA0-A540-B475-890A9B305A6D}"/>
+              </a:ext>
+            </a:extLst>
+          </p:cNvPr>
+          <p:cNvSpPr/>
+          <p:nvPr/>
+        </p:nvSpPr>
+        <p:spPr>
+          <a:xfrm>
+            <a:off x="7917081" y="3464044"/>
+            <a:ext cx="920079" cy="533873"/>
+          </a:xfrm>
+          <a:prstGeom prst="rect">
+            <a:avLst/>
+          </a:prstGeom>
+          <a:solidFill>
+            <a:schemeClr val="accent3"/>
+          </a:solidFill>
+          <a:ln>
+            <a:noFill/>
+          </a:ln>
+        </p:spPr>
+        <p:style>
+          <a:lnRef idx="0">
+            <a:scrgbClr r="0" g="0" b="0"/>
+          </a:lnRef>
+          <a:fillRef idx="0">
+            <a:scrgbClr r="0" g="0" b="0"/>
+          </a:fillRef>
+          <a:effectRef idx="0">
+            <a:scrgbClr r="0" g="0" b="0"/>
+          </a:effectRef>
+          <a:fontRef idx="minor">
+            <a:schemeClr val="lt1"/>
+          </a:fontRef>
+        </p:style>
+        <p:txBody>
+          <a:bodyPr rtlCol="0" anchor="ctr"/>
+          <a:lstStyle/>
+          <a:p>
+            <a:pPr algn="ctr"/>
+            <a:r>
+              <a:rPr lang="en-US" sz="1200" b="1" dirty="0">
+                <a:solidFill>
+                  <a:schemeClr val="bg2"/>
+                </a:solidFill>
+                <a:latin typeface="Lato Bold" charset="0"/>
+              </a:rPr>
+              <a:t>Central Office</a:t>
+            </a:r>
+          </a:p>
+          <a:p>
+            <a:pPr algn="ctr"/>
+            <a:r>
+              <a:rPr lang="en-US" sz="1200" b="1" dirty="0">
+                <a:solidFill>
+                  <a:schemeClr val="bg2"/>
+                </a:solidFill>
+                <a:latin typeface="Lato Bold" charset="0"/>
+              </a:rPr>
+              <a:t>Cluster</a:t>
+            </a:r>
+          </a:p>
+        </p:txBody>
+      </p:sp>
+      <p:cxnSp>
+        <p:nvCxnSpPr>
+          <p:cNvPr id="22" name="Gerade Verbindung mit Pfeil 21">
+            <a:extLst>
+              <a:ext uri="{FF2B5EF4-FFF2-40B4-BE49-F238E27FC236}">
+                <a16:creationId xmlns:a16="http://schemas.microsoft.com/office/drawing/2014/main" id="{9B45149D-A162-C14C-847B-742B3EA1D614}"/>
+              </a:ext>
+            </a:extLst>
+          </p:cNvPr>
+          <p:cNvCxnSpPr>
+            <a:cxnSpLocks/>
+            <a:stCxn id="15" idx="3"/>
+            <a:endCxn id="21" idx="1"/>
+          </p:cNvCxnSpPr>
+          <p:nvPr/>
+        </p:nvCxnSpPr>
+        <p:spPr>
+          <a:xfrm flipV="1">
+            <a:off x="7285853" y="3730981"/>
+            <a:ext cx="631228" cy="5077"/>
+          </a:xfrm>
+          <a:prstGeom prst="straightConnector1">
+            <a:avLst/>
+          </a:prstGeom>
+          <a:ln w="19050">
+            <a:solidFill>
+              <a:schemeClr val="tx1"/>
+            </a:solidFill>
+            <a:tailEnd type="triangle"/>
+          </a:ln>
+        </p:spPr>
+        <p:style>
+          <a:lnRef idx="1">
+            <a:schemeClr val="accent1"/>
+          </a:lnRef>
+          <a:fillRef idx="0">
+            <a:schemeClr val="accent1"/>
+          </a:fillRef>
+          <a:effectRef idx="0">
+            <a:schemeClr val="accent1"/>
+          </a:effectRef>
+          <a:fontRef idx="minor">
+            <a:schemeClr val="tx1"/>
+          </a:fontRef>
+        </p:style>
+      </p:cxnSp>
+      <p:cxnSp>
+        <p:nvCxnSpPr>
+          <p:cNvPr id="34" name="Gerade Verbindung mit Pfeil 33">
+            <a:extLst>
+              <a:ext uri="{FF2B5EF4-FFF2-40B4-BE49-F238E27FC236}">
+                <a16:creationId xmlns:a16="http://schemas.microsoft.com/office/drawing/2014/main" id="{1F60FE65-ADA2-5243-9166-CCE4251C24BF}"/>
+              </a:ext>
+            </a:extLst>
+          </p:cNvPr>
+          <p:cNvCxnSpPr>
+            <a:cxnSpLocks/>
+            <a:stCxn id="21" idx="3"/>
+            <a:endCxn id="37" idx="1"/>
+          </p:cNvCxnSpPr>
+          <p:nvPr/>
+        </p:nvCxnSpPr>
+        <p:spPr>
+          <a:xfrm flipV="1">
+            <a:off x="8837160" y="3730980"/>
+            <a:ext cx="629335" cy="1"/>
+          </a:xfrm>
+          <a:prstGeom prst="straightConnector1">
+            <a:avLst/>
+          </a:prstGeom>
+          <a:ln w="19050">
+            <a:solidFill>
+              <a:schemeClr val="tx1"/>
+            </a:solidFill>
+            <a:tailEnd type="triangle"/>
+          </a:ln>
+        </p:spPr>
+        <p:style>
+          <a:lnRef idx="1">
+            <a:schemeClr val="accent1"/>
+          </a:lnRef>
+          <a:fillRef idx="0">
+            <a:schemeClr val="accent1"/>
+          </a:fillRef>
+          <a:effectRef idx="0">
+            <a:schemeClr val="accent1"/>
+          </a:effectRef>
+          <a:fontRef idx="minor">
+            <a:schemeClr val="tx1"/>
+          </a:fontRef>
+        </p:style>
+      </p:cxnSp>
+      <p:sp>
+        <p:nvSpPr>
+          <p:cNvPr id="37" name="Rechteck 36">
+            <a:extLst>
+              <a:ext uri="{FF2B5EF4-FFF2-40B4-BE49-F238E27FC236}">
+                <a16:creationId xmlns:a16="http://schemas.microsoft.com/office/drawing/2014/main" id="{FBC99236-8066-7E4B-AE7F-B4F4A6E05703}"/>
+              </a:ext>
+            </a:extLst>
+          </p:cNvPr>
+          <p:cNvSpPr/>
+          <p:nvPr/>
+        </p:nvSpPr>
+        <p:spPr>
+          <a:xfrm>
+            <a:off x="9466495" y="3464043"/>
+            <a:ext cx="920079" cy="533873"/>
+          </a:xfrm>
+          <a:prstGeom prst="rect">
+            <a:avLst/>
+          </a:prstGeom>
+          <a:solidFill>
+            <a:schemeClr val="accent4"/>
+          </a:solidFill>
+          <a:ln>
+            <a:noFill/>
+          </a:ln>
+        </p:spPr>
+        <p:style>
+          <a:lnRef idx="0">
+            <a:scrgbClr r="0" g="0" b="0"/>
+          </a:lnRef>
+          <a:fillRef idx="0">
+            <a:scrgbClr r="0" g="0" b="0"/>
+          </a:fillRef>
+          <a:effectRef idx="0">
+            <a:scrgbClr r="0" g="0" b="0"/>
+          </a:effectRef>
+          <a:fontRef idx="minor">
+            <a:schemeClr val="lt1"/>
+          </a:fontRef>
+        </p:style>
+        <p:txBody>
+          <a:bodyPr rtlCol="0" anchor="ctr"/>
+          <a:lstStyle/>
+          <a:p>
+            <a:pPr algn="ctr"/>
+            <a:r>
+              <a:rPr lang="en-US" sz="1200" b="1" dirty="0">
+                <a:solidFill>
+                  <a:schemeClr val="bg2"/>
+                </a:solidFill>
+                <a:latin typeface="Lato Bold" charset="0"/>
+              </a:rPr>
+              <a:t>Cloud</a:t>
+            </a:r>
+          </a:p>
+        </p:txBody>
+      </p:sp>
+      <p:sp>
+        <p:nvSpPr>
+          <p:cNvPr id="58" name="TextBox 39">
+            <a:extLst>
+              <a:ext uri="{FF2B5EF4-FFF2-40B4-BE49-F238E27FC236}">
+                <a16:creationId xmlns:a16="http://schemas.microsoft.com/office/drawing/2014/main" id="{0278D2CF-BC22-ED4D-A8B2-1400F8C1EB6C}"/>
+              </a:ext>
+            </a:extLst>
+          </p:cNvPr>
+          <p:cNvSpPr txBox="1"/>
+          <p:nvPr/>
+        </p:nvSpPr>
+        <p:spPr>
+          <a:xfrm>
+            <a:off x="4437651" y="241509"/>
+            <a:ext cx="3316724" cy="723267"/>
+          </a:xfrm>
+          <a:prstGeom prst="rect">
+            <a:avLst/>
+          </a:prstGeom>
+          <a:noFill/>
+        </p:spPr>
+        <p:txBody>
+          <a:bodyPr wrap="none" lIns="45711" tIns="22856" rIns="45711" bIns="22856" rtlCol="0">
+            <a:spAutoFit/>
+          </a:bodyPr>
+          <a:lstStyle/>
+          <a:p>
+            <a:pPr algn="ctr"/>
+            <a:r>
+              <a:rPr lang="en-US" sz="4400" b="1" dirty="0">
+                <a:solidFill>
+                  <a:schemeClr val="tx2"/>
+                </a:solidFill>
+                <a:latin typeface="Lato" charset="0"/>
+                <a:ea typeface="Lato" charset="0"/>
+                <a:cs typeface="Lato" charset="0"/>
+              </a:rPr>
+              <a:t>Infrastructure</a:t>
+            </a:r>
+            <a:endParaRPr lang="id-ID" sz="4400" b="1" dirty="0">
+              <a:solidFill>
+                <a:schemeClr val="tx2"/>
+              </a:solidFill>
+              <a:latin typeface="Lato" charset="0"/>
+              <a:ea typeface="Lato" charset="0"/>
+              <a:cs typeface="Lato" charset="0"/>
+            </a:endParaRPr>
+          </a:p>
+        </p:txBody>
+      </p:sp>
+      <p:sp>
+        <p:nvSpPr>
+          <p:cNvPr id="59" name="Rectangle 40">
+            <a:extLst>
+              <a:ext uri="{FF2B5EF4-FFF2-40B4-BE49-F238E27FC236}">
+                <a16:creationId xmlns:a16="http://schemas.microsoft.com/office/drawing/2014/main" id="{DCF1191F-9ADA-EC49-B22E-FB7EF4D77533}"/>
+              </a:ext>
+            </a:extLst>
+          </p:cNvPr>
+          <p:cNvSpPr/>
+          <p:nvPr/>
+        </p:nvSpPr>
+        <p:spPr>
+          <a:xfrm>
+            <a:off x="5718037" y="1235334"/>
+            <a:ext cx="776519" cy="45719"/>
+          </a:xfrm>
+          <a:prstGeom prst="rect">
+            <a:avLst/>
+          </a:prstGeom>
+          <a:solidFill>
+            <a:schemeClr val="tx2"/>
+          </a:solidFill>
+          <a:ln>
+            <a:noFill/>
+          </a:ln>
+          <a:effectLst/>
+        </p:spPr>
+        <p:style>
+          <a:lnRef idx="1">
+            <a:schemeClr val="accent1"/>
+          </a:lnRef>
+          <a:fillRef idx="3">
+            <a:schemeClr val="accent1"/>
+          </a:fillRef>
+          <a:effectRef idx="2">
+            <a:schemeClr val="accent1"/>
+          </a:effectRef>
+          <a:fontRef idx="minor">
+            <a:schemeClr val="lt1"/>
+          </a:fontRef>
+        </p:style>
+        <p:txBody>
+          <a:bodyPr lIns="45670" tIns="22836" rIns="45670" bIns="22836" rtlCol="0" anchor="ctr"/>
+          <a:lstStyle/>
+          <a:p>
+            <a:pPr algn="ctr"/>
+            <a:endParaRPr lang="en-US" sz="900" dirty="0">
+              <a:solidFill>
+                <a:schemeClr val="accent2"/>
+              </a:solidFill>
+              <a:latin typeface="Lato Light" charset="0"/>
+            </a:endParaRPr>
+          </a:p>
+        </p:txBody>
+      </p:sp>
+      <p:sp>
+        <p:nvSpPr>
+          <p:cNvPr id="60" name="Subtitle 2">
+            <a:extLst>
+              <a:ext uri="{FF2B5EF4-FFF2-40B4-BE49-F238E27FC236}">
+                <a16:creationId xmlns:a16="http://schemas.microsoft.com/office/drawing/2014/main" id="{BBBD0670-007B-E142-94C8-1DED431A4510}"/>
+              </a:ext>
+            </a:extLst>
+          </p:cNvPr>
+          <p:cNvSpPr txBox="1">
+            <a:spLocks/>
+          </p:cNvSpPr>
+          <p:nvPr/>
+        </p:nvSpPr>
+        <p:spPr>
+          <a:xfrm>
+            <a:off x="5069126" y="817417"/>
+            <a:ext cx="2074417" cy="376997"/>
+          </a:xfrm>
+          <a:prstGeom prst="rect">
+            <a:avLst/>
+          </a:prstGeom>
+        </p:spPr>
+        <p:txBody>
+          <a:bodyPr vert="horz" wrap="none" lIns="108745" tIns="54373" rIns="108745" bIns="54373" rtlCol="0">
+            <a:spAutoFit/>
+          </a:bodyPr>
+          <a:lstStyle>
+            <a:lvl1pPr marL="0" indent="0" algn="ctr" defTabSz="1087636" rtl="0" eaLnBrk="1" latinLnBrk="0" hangingPunct="1">
+              <a:lnSpc>
+                <a:spcPct val="120000"/>
+              </a:lnSpc>
+              <a:spcBef>
+                <a:spcPct val="20000"/>
+              </a:spcBef>
+              <a:buFont typeface="Arial"/>
+              <a:buNone/>
+              <a:defRPr sz="2400" kern="1200">
+                <a:solidFill>
+                  <a:schemeClr val="tx2"/>
+                </a:solidFill>
+                <a:latin typeface="Open Sans Light"/>
+                <a:ea typeface="+mn-ea"/>
+                <a:cs typeface="Open Sans Light"/>
+              </a:defRPr>
+            </a:lvl1pPr>
+            <a:lvl2pPr marL="1087636" indent="0" algn="ctr" defTabSz="1087636" rtl="0" eaLnBrk="1" latinLnBrk="0" hangingPunct="1">
+              <a:lnSpc>
+                <a:spcPct val="130000"/>
+              </a:lnSpc>
+              <a:spcBef>
+                <a:spcPct val="20000"/>
+              </a:spcBef>
+              <a:buFont typeface="Arial"/>
+              <a:buNone/>
+              <a:defRPr sz="3200" kern="1200">
+                <a:solidFill>
+                  <a:schemeClr val="tx1">
+                    <a:tint val="75000"/>
+                  </a:schemeClr>
+                </a:solidFill>
+                <a:latin typeface="Open Sans"/>
+                <a:ea typeface="+mn-ea"/>
+                <a:cs typeface="Open Sans"/>
+              </a:defRPr>
+            </a:lvl2pPr>
+            <a:lvl3pPr marL="2175271" indent="0" algn="ctr" defTabSz="1087636" rtl="0" eaLnBrk="1" latinLnBrk="0" hangingPunct="1">
+              <a:lnSpc>
+                <a:spcPct val="130000"/>
+              </a:lnSpc>
+              <a:spcBef>
+                <a:spcPct val="20000"/>
+              </a:spcBef>
+              <a:buFont typeface="Arial"/>
+              <a:buNone/>
+              <a:defRPr sz="3200" kern="1200">
+                <a:solidFill>
+                  <a:schemeClr val="tx1">
+                    <a:tint val="75000"/>
+                  </a:schemeClr>
+                </a:solidFill>
+                <a:latin typeface="Open Sans"/>
+                <a:ea typeface="+mn-ea"/>
+                <a:cs typeface="Open Sans"/>
+              </a:defRPr>
+            </a:lvl3pPr>
+            <a:lvl4pPr marL="3262912" indent="0" algn="ctr" defTabSz="1087636" rtl="0" eaLnBrk="1" latinLnBrk="0" hangingPunct="1">
+              <a:lnSpc>
+                <a:spcPct val="130000"/>
+              </a:lnSpc>
+              <a:spcBef>
+                <a:spcPct val="20000"/>
+              </a:spcBef>
+              <a:buFont typeface="Arial"/>
+              <a:buNone/>
+              <a:defRPr sz="3200" kern="1200">
+                <a:solidFill>
+                  <a:schemeClr val="tx1">
+                    <a:tint val="75000"/>
+                  </a:schemeClr>
+                </a:solidFill>
+                <a:latin typeface="Open Sans"/>
+                <a:ea typeface="+mn-ea"/>
+                <a:cs typeface="Open Sans"/>
+              </a:defRPr>
+            </a:lvl4pPr>
+            <a:lvl5pPr marL="4350546" indent="0" algn="ctr" defTabSz="1087636" rtl="0" eaLnBrk="1" latinLnBrk="0" hangingPunct="1">
+              <a:lnSpc>
+                <a:spcPct val="130000"/>
+              </a:lnSpc>
+              <a:spcBef>
+                <a:spcPct val="20000"/>
+              </a:spcBef>
+              <a:buFont typeface="Arial"/>
+              <a:buNone/>
+              <a:defRPr sz="3200" kern="1200">
+                <a:solidFill>
+                  <a:schemeClr val="tx1">
+                    <a:tint val="75000"/>
+                  </a:schemeClr>
+                </a:solidFill>
+                <a:latin typeface="Open Sans"/>
+                <a:ea typeface="+mn-ea"/>
+                <a:cs typeface="Open Sans"/>
+              </a:defRPr>
+            </a:lvl5pPr>
+            <a:lvl6pPr marL="5438184" indent="0" algn="ctr" defTabSz="1087636" rtl="0" eaLnBrk="1" latinLnBrk="0" hangingPunct="1">
+              <a:spcBef>
+                <a:spcPct val="20000"/>
+              </a:spcBef>
+              <a:buFont typeface="Arial"/>
+              <a:buNone/>
+              <a:defRPr sz="4800" kern="1200">
+                <a:solidFill>
+                  <a:schemeClr val="tx1">
+                    <a:tint val="75000"/>
+                  </a:schemeClr>
+                </a:solidFill>
+                <a:latin typeface="+mn-lt"/>
+                <a:ea typeface="+mn-ea"/>
+                <a:cs typeface="+mn-cs"/>
+              </a:defRPr>
+            </a:lvl6pPr>
+            <a:lvl7pPr marL="6525820" indent="0" algn="ctr" defTabSz="1087636" rtl="0" eaLnBrk="1" latinLnBrk="0" hangingPunct="1">
+              <a:spcBef>
+                <a:spcPct val="20000"/>
+              </a:spcBef>
+              <a:buFont typeface="Arial"/>
+              <a:buNone/>
+              <a:defRPr sz="4800" kern="1200">
+                <a:solidFill>
+                  <a:schemeClr val="tx1">
+                    <a:tint val="75000"/>
+                  </a:schemeClr>
+                </a:solidFill>
+                <a:latin typeface="+mn-lt"/>
+                <a:ea typeface="+mn-ea"/>
+                <a:cs typeface="+mn-cs"/>
+              </a:defRPr>
+            </a:lvl7pPr>
+            <a:lvl8pPr marL="7613455" indent="0" algn="ctr" defTabSz="1087636" rtl="0" eaLnBrk="1" latinLnBrk="0" hangingPunct="1">
+              <a:spcBef>
+                <a:spcPct val="20000"/>
+              </a:spcBef>
+              <a:buFont typeface="Arial"/>
+              <a:buNone/>
+              <a:defRPr sz="4800" kern="1200">
+                <a:solidFill>
+                  <a:schemeClr val="tx1">
+                    <a:tint val="75000"/>
+                  </a:schemeClr>
+                </a:solidFill>
+                <a:latin typeface="+mn-lt"/>
+                <a:ea typeface="+mn-ea"/>
+                <a:cs typeface="+mn-cs"/>
+              </a:defRPr>
+            </a:lvl8pPr>
+            <a:lvl9pPr marL="8701091" indent="0" algn="ctr" defTabSz="1087636" rtl="0" eaLnBrk="1" latinLnBrk="0" hangingPunct="1">
+              <a:spcBef>
+                <a:spcPct val="20000"/>
+              </a:spcBef>
+              <a:buFont typeface="Arial"/>
+              <a:buNone/>
+              <a:defRPr sz="4800" kern="1200">
+                <a:solidFill>
+                  <a:schemeClr val="tx1">
+                    <a:tint val="75000"/>
+                  </a:schemeClr>
+                </a:solidFill>
+                <a:latin typeface="+mn-lt"/>
+                <a:ea typeface="+mn-ea"/>
+                <a:cs typeface="+mn-cs"/>
+              </a:defRPr>
+            </a:lvl9pPr>
+          </a:lstStyle>
+          <a:p>
+            <a:r>
+              <a:rPr lang="en-US" sz="1550" dirty="0">
+                <a:latin typeface="Lato Light"/>
+                <a:cs typeface="Lato Light"/>
+              </a:rPr>
+              <a:t>Smart Factory Scenario</a:t>
+            </a:r>
+          </a:p>
+        </p:txBody>
+      </p:sp>
+      <p:sp>
+        <p:nvSpPr>
+          <p:cNvPr id="28" name="Rechteck 27">
+            <a:extLst>
+              <a:ext uri="{FF2B5EF4-FFF2-40B4-BE49-F238E27FC236}">
+                <a16:creationId xmlns:a16="http://schemas.microsoft.com/office/drawing/2014/main" id="{14D84087-EC4E-624C-AFA1-3D7F0516EEB2}"/>
+              </a:ext>
+            </a:extLst>
+          </p:cNvPr>
+          <p:cNvSpPr/>
+          <p:nvPr/>
+        </p:nvSpPr>
+        <p:spPr>
+          <a:xfrm>
+            <a:off x="1627925" y="2993549"/>
+            <a:ext cx="920079" cy="533873"/>
+          </a:xfrm>
+          <a:prstGeom prst="rect">
+            <a:avLst/>
+          </a:prstGeom>
+          <a:solidFill>
+            <a:schemeClr val="accent2"/>
+          </a:solidFill>
+          <a:ln>
+            <a:noFill/>
+          </a:ln>
+        </p:spPr>
+        <p:style>
+          <a:lnRef idx="0">
+            <a:scrgbClr r="0" g="0" b="0"/>
+          </a:lnRef>
+          <a:fillRef idx="0">
+            <a:scrgbClr r="0" g="0" b="0"/>
+          </a:fillRef>
+          <a:effectRef idx="0">
+            <a:scrgbClr r="0" g="0" b="0"/>
+          </a:effectRef>
+          <a:fontRef idx="minor">
+            <a:schemeClr val="lt1"/>
+          </a:fontRef>
+        </p:style>
+        <p:txBody>
+          <a:bodyPr rtlCol="0" anchor="ctr"/>
+          <a:lstStyle/>
+          <a:p>
+            <a:pPr algn="ctr"/>
+            <a:r>
+              <a:rPr lang="en-US" sz="1050" b="1" dirty="0">
+                <a:solidFill>
+                  <a:schemeClr val="bg2"/>
+                </a:solidFill>
+                <a:latin typeface="Lato Bold" charset="0"/>
+              </a:rPr>
+              <a:t>Temperature Sensor</a:t>
+            </a:r>
+          </a:p>
+        </p:txBody>
+      </p:sp>
+      <p:sp>
+        <p:nvSpPr>
+          <p:cNvPr id="29" name="Rechteck 28">
+            <a:extLst>
+              <a:ext uri="{FF2B5EF4-FFF2-40B4-BE49-F238E27FC236}">
+                <a16:creationId xmlns:a16="http://schemas.microsoft.com/office/drawing/2014/main" id="{71FD419D-49F9-694A-A767-0DEA6D45DBB4}"/>
+              </a:ext>
+            </a:extLst>
+          </p:cNvPr>
+          <p:cNvSpPr/>
+          <p:nvPr/>
+        </p:nvSpPr>
+        <p:spPr>
+          <a:xfrm>
+            <a:off x="3201148" y="2993548"/>
+            <a:ext cx="920079" cy="533873"/>
+          </a:xfrm>
+          <a:prstGeom prst="rect">
+            <a:avLst/>
+          </a:prstGeom>
+          <a:solidFill>
+            <a:schemeClr val="accent2"/>
+          </a:solidFill>
+          <a:ln>
+            <a:noFill/>
+          </a:ln>
+        </p:spPr>
+        <p:style>
+          <a:lnRef idx="0">
+            <a:scrgbClr r="0" g="0" b="0"/>
+          </a:lnRef>
+          <a:fillRef idx="0">
+            <a:scrgbClr r="0" g="0" b="0"/>
+          </a:fillRef>
+          <a:effectRef idx="0">
+            <a:scrgbClr r="0" g="0" b="0"/>
+          </a:effectRef>
+          <a:fontRef idx="minor">
+            <a:schemeClr val="lt1"/>
+          </a:fontRef>
+        </p:style>
+        <p:txBody>
+          <a:bodyPr rtlCol="0" anchor="ctr"/>
+          <a:lstStyle/>
+          <a:p>
+            <a:pPr algn="ctr"/>
+            <a:r>
+              <a:rPr lang="en-US" sz="1200" b="1" dirty="0">
+                <a:solidFill>
+                  <a:schemeClr val="bg2"/>
+                </a:solidFill>
+                <a:latin typeface="Lato Bold" charset="0"/>
+              </a:rPr>
+              <a:t>Packaging Controller</a:t>
+            </a:r>
+          </a:p>
+        </p:txBody>
+      </p:sp>
+      <p:cxnSp>
+        <p:nvCxnSpPr>
+          <p:cNvPr id="32" name="Gerade Verbindung mit Pfeil 31">
+            <a:extLst>
+              <a:ext uri="{FF2B5EF4-FFF2-40B4-BE49-F238E27FC236}">
+                <a16:creationId xmlns:a16="http://schemas.microsoft.com/office/drawing/2014/main" id="{49CA48A8-3C4A-A946-BE22-8BBF16B499C3}"/>
+              </a:ext>
+            </a:extLst>
+          </p:cNvPr>
+          <p:cNvCxnSpPr>
+            <a:stCxn id="28" idx="3"/>
+            <a:endCxn id="29" idx="1"/>
+          </p:cNvCxnSpPr>
+          <p:nvPr/>
+        </p:nvCxnSpPr>
+        <p:spPr>
+          <a:xfrm flipV="1">
+            <a:off x="2548004" y="3260485"/>
+            <a:ext cx="653144" cy="1"/>
+          </a:xfrm>
+          <a:prstGeom prst="straightConnector1">
+            <a:avLst/>
+          </a:prstGeom>
+          <a:ln w="19050">
+            <a:solidFill>
+              <a:schemeClr val="tx1"/>
+            </a:solidFill>
+            <a:tailEnd type="triangle"/>
+          </a:ln>
+        </p:spPr>
+        <p:style>
+          <a:lnRef idx="1">
+            <a:schemeClr val="accent1"/>
+          </a:lnRef>
+          <a:fillRef idx="0">
+            <a:schemeClr val="accent1"/>
+          </a:fillRef>
+          <a:effectRef idx="0">
+            <a:schemeClr val="accent1"/>
+          </a:effectRef>
+          <a:fontRef idx="minor">
+            <a:schemeClr val="tx1"/>
+          </a:fontRef>
+        </p:style>
+      </p:cxnSp>
+      <p:cxnSp>
+        <p:nvCxnSpPr>
+          <p:cNvPr id="33" name="Gerade Verbindung mit Pfeil 32">
+            <a:extLst>
+              <a:ext uri="{FF2B5EF4-FFF2-40B4-BE49-F238E27FC236}">
+                <a16:creationId xmlns:a16="http://schemas.microsoft.com/office/drawing/2014/main" id="{4940D1EC-8290-CA4E-B89F-BD1A57E7F097}"/>
+              </a:ext>
+            </a:extLst>
+          </p:cNvPr>
+          <p:cNvCxnSpPr>
+            <a:cxnSpLocks/>
+            <a:stCxn id="29" idx="3"/>
+            <a:endCxn id="7" idx="1"/>
+          </p:cNvCxnSpPr>
+          <p:nvPr/>
+        </p:nvCxnSpPr>
+        <p:spPr>
+          <a:xfrm>
+            <a:off x="4121227" y="3260485"/>
+            <a:ext cx="662234" cy="470496"/>
+          </a:xfrm>
+          <a:prstGeom prst="straightConnector1">
+            <a:avLst/>
+          </a:prstGeom>
+          <a:ln w="19050">
+            <a:solidFill>
+              <a:schemeClr val="tx1"/>
+            </a:solidFill>
+            <a:tailEnd type="triangle"/>
+          </a:ln>
+        </p:spPr>
+        <p:style>
+          <a:lnRef idx="1">
+            <a:schemeClr val="accent1"/>
+          </a:lnRef>
+          <a:fillRef idx="0">
+            <a:schemeClr val="accent1"/>
+          </a:fillRef>
+          <a:effectRef idx="0">
+            <a:schemeClr val="accent1"/>
+          </a:effectRef>
+          <a:fontRef idx="minor">
+            <a:schemeClr val="tx1"/>
+          </a:fontRef>
+        </p:style>
+      </p:cxnSp>
+    </p:spTree>
+    <p:extLst>
+      <p:ext uri="{BB962C8B-B14F-4D97-AF65-F5344CB8AC3E}">
+        <p14:creationId xmlns:p14="http://schemas.microsoft.com/office/powerpoint/2010/main" val="2638338619"/>
+      </p:ext>
+    </p:extLst>
+  </p:cSld>
+  <p:clrMapOvr>
+    <a:masterClrMapping/>
+  </p:clrMapOvr>
+  <mc:AlternateContent xmlns:mc="http://schemas.openxmlformats.org/markup-compatibility/2006" xmlns:p14="http://schemas.microsoft.com/office/powerpoint/2010/main">
+    <mc:Choice Requires="p14">
+      <p:transition p14:dur="0" advClick="0"/>
+    </mc:Choice>
+    <mc:Fallback xmlns="">
+      <p:transition advClick="0"/>
+    </mc:Fallback>
+  </mc:AlternateContent>
+</p:sld>
+</file>
+
 <file path=ppt/slides/slide2.xml><?xml version="1.0" encoding="utf-8"?>
 <p:sld xmlns:a="http://schemas.openxmlformats.org/drawingml/2006/main" xmlns:r="http://schemas.openxmlformats.org/officeDocument/2006/relationships" xmlns:p="http://schemas.openxmlformats.org/presentationml/2006/main">
   <p:cSld>
@@ -21247,11 +26735,11 @@
   <p:clrMapOvr>
     <a:masterClrMapping/>
   </p:clrMapOvr>
-  <mc:AlternateContent xmlns:mc="http://schemas.openxmlformats.org/markup-compatibility/2006">
-    <mc:Choice xmlns:p14="http://schemas.microsoft.com/office/powerpoint/2010/main" Requires="p14">
+  <mc:AlternateContent xmlns:mc="http://schemas.openxmlformats.org/markup-compatibility/2006" xmlns:p14="http://schemas.microsoft.com/office/powerpoint/2010/main">
+    <mc:Choice Requires="p14">
       <p:transition p14:dur="0" advClick="0"/>
     </mc:Choice>
-    <mc:Fallback>
+    <mc:Fallback xmlns="">
       <p:transition advClick="0"/>
     </mc:Fallback>
   </mc:AlternateContent>

--- a/misc/Figures.pptx
+++ b/misc/Figures.pptx
@@ -9223,11 +9223,11 @@
   <p:clrMapOvr>
     <a:masterClrMapping/>
   </p:clrMapOvr>
-  <mc:AlternateContent xmlns:mc="http://schemas.openxmlformats.org/markup-compatibility/2006">
-    <mc:Choice xmlns:p14="http://schemas.microsoft.com/office/powerpoint/2010/main" Requires="p14">
+  <mc:AlternateContent xmlns:mc="http://schemas.openxmlformats.org/markup-compatibility/2006" xmlns:p14="http://schemas.microsoft.com/office/powerpoint/2010/main">
+    <mc:Choice Requires="p14">
       <p:transition p14:dur="0" advClick="0"/>
     </mc:Choice>
-    <mc:Fallback>
+    <mc:Fallback xmlns="">
       <p:transition advClick="0"/>
     </mc:Fallback>
   </mc:AlternateContent>
@@ -10671,11 +10671,11 @@
   <p:clrMapOvr>
     <a:masterClrMapping/>
   </p:clrMapOvr>
-  <mc:AlternateContent xmlns:mc="http://schemas.openxmlformats.org/markup-compatibility/2006">
-    <mc:Choice xmlns:p14="http://schemas.microsoft.com/office/powerpoint/2010/main" Requires="p14">
+  <mc:AlternateContent xmlns:mc="http://schemas.openxmlformats.org/markup-compatibility/2006" xmlns:p14="http://schemas.microsoft.com/office/powerpoint/2010/main">
+    <mc:Choice Requires="p14">
       <p:transition p14:dur="0" advClick="0"/>
     </mc:Choice>
-    <mc:Fallback>
+    <mc:Fallback xmlns="">
       <p:transition advClick="0"/>
     </mc:Fallback>
   </mc:AlternateContent>
@@ -10913,7 +10913,7 @@
                 </a:solidFill>
                 <a:latin typeface="Lato Bold" charset="0"/>
               </a:rPr>
-              <a:t>Production Controller</a:t>
+              <a:t>Production Control</a:t>
             </a:r>
           </a:p>
         </p:txBody>
@@ -11099,7 +11099,7 @@
                 </a:solidFill>
                 <a:latin typeface="Lato Bold" charset="0"/>
               </a:rPr>
-              <a:t>Adapt Machine</a:t>
+              <a:t>Adapt Packaging</a:t>
             </a:r>
           </a:p>
         </p:txBody>
@@ -11203,7 +11203,7 @@
                 </a:solidFill>
                 <a:latin typeface="Lato Bold" charset="0"/>
               </a:rPr>
-              <a:t>Packaging Controller</a:t>
+              <a:t>Packaging Control</a:t>
             </a:r>
           </a:p>
         </p:txBody>
@@ -12173,10 +12173,10 @@
       </p:grpSpPr>
       <p:sp>
         <p:nvSpPr>
-          <p:cNvPr id="2" name="Rechteck 1">
+          <p:cNvPr id="3" name="Rechteck 2">
             <a:extLst>
               <a:ext uri="{FF2B5EF4-FFF2-40B4-BE49-F238E27FC236}">
-                <a16:creationId xmlns:a16="http://schemas.microsoft.com/office/drawing/2014/main" id="{AC44D731-AFEB-BA4E-8E5C-0E4CF591336D}"/>
+                <a16:creationId xmlns:a16="http://schemas.microsoft.com/office/drawing/2014/main" id="{90C32F19-964A-C64E-94F5-7CFAE07F6B54}"/>
               </a:ext>
             </a:extLst>
           </p:cNvPr>
@@ -12185,7 +12185,7 @@
         </p:nvSpPr>
         <p:spPr>
           <a:xfrm>
-            <a:off x="1627925" y="3864452"/>
+            <a:off x="3201148" y="3864451"/>
             <a:ext cx="920079" cy="533873"/>
           </a:xfrm>
           <a:prstGeom prst="rect">
@@ -12224,114 +12224,11 @@
                 </a:solidFill>
                 <a:latin typeface="Lato Bold" charset="0"/>
               </a:rPr>
-              <a:t>Camera</a:t>
+              <a:t>Production Machine</a:t>
             </a:r>
           </a:p>
         </p:txBody>
       </p:sp>
-      <p:sp>
-        <p:nvSpPr>
-          <p:cNvPr id="3" name="Rechteck 2">
-            <a:extLst>
-              <a:ext uri="{FF2B5EF4-FFF2-40B4-BE49-F238E27FC236}">
-                <a16:creationId xmlns:a16="http://schemas.microsoft.com/office/drawing/2014/main" id="{90C32F19-964A-C64E-94F5-7CFAE07F6B54}"/>
-              </a:ext>
-            </a:extLst>
-          </p:cNvPr>
-          <p:cNvSpPr/>
-          <p:nvPr/>
-        </p:nvSpPr>
-        <p:spPr>
-          <a:xfrm>
-            <a:off x="3201148" y="3864451"/>
-            <a:ext cx="920079" cy="533873"/>
-          </a:xfrm>
-          <a:prstGeom prst="rect">
-            <a:avLst/>
-          </a:prstGeom>
-          <a:solidFill>
-            <a:schemeClr val="accent2"/>
-          </a:solidFill>
-          <a:ln>
-            <a:noFill/>
-          </a:ln>
-        </p:spPr>
-        <p:style>
-          <a:lnRef idx="0">
-            <a:scrgbClr r="0" g="0" b="0"/>
-          </a:lnRef>
-          <a:fillRef idx="0">
-            <a:scrgbClr r="0" g="0" b="0"/>
-          </a:fillRef>
-          <a:effectRef idx="0">
-            <a:scrgbClr r="0" g="0" b="0"/>
-          </a:effectRef>
-          <a:fontRef idx="minor">
-            <a:schemeClr val="lt1"/>
-          </a:fontRef>
-        </p:style>
-        <p:txBody>
-          <a:bodyPr rtlCol="0" anchor="ctr"/>
-          <a:lstStyle/>
-          <a:p>
-            <a:pPr algn="ctr"/>
-            <a:r>
-              <a:rPr lang="en-US" sz="1200" b="1" dirty="0">
-                <a:solidFill>
-                  <a:schemeClr val="bg2"/>
-                </a:solidFill>
-                <a:latin typeface="Lato Bold" charset="0"/>
-              </a:rPr>
-              <a:t>Production Controller</a:t>
-            </a:r>
-          </a:p>
-        </p:txBody>
-      </p:sp>
-      <p:cxnSp>
-        <p:nvCxnSpPr>
-          <p:cNvPr id="5" name="Gerade Verbindung mit Pfeil 4">
-            <a:extLst>
-              <a:ext uri="{FF2B5EF4-FFF2-40B4-BE49-F238E27FC236}">
-                <a16:creationId xmlns:a16="http://schemas.microsoft.com/office/drawing/2014/main" id="{96F8CDC8-A663-7A45-9DBF-B31FB67D7A98}"/>
-              </a:ext>
-            </a:extLst>
-          </p:cNvPr>
-          <p:cNvCxnSpPr>
-            <a:stCxn id="2" idx="3"/>
-            <a:endCxn id="3" idx="1"/>
-          </p:cNvCxnSpPr>
-          <p:nvPr/>
-        </p:nvCxnSpPr>
-        <p:spPr>
-          <a:xfrm flipV="1">
-            <a:off x="2548004" y="4131388"/>
-            <a:ext cx="653144" cy="1"/>
-          </a:xfrm>
-          <a:prstGeom prst="straightConnector1">
-            <a:avLst/>
-          </a:prstGeom>
-          <a:ln w="19050">
-            <a:solidFill>
-              <a:schemeClr val="tx1"/>
-            </a:solidFill>
-            <a:tailEnd type="triangle"/>
-          </a:ln>
-        </p:spPr>
-        <p:style>
-          <a:lnRef idx="1">
-            <a:schemeClr val="accent1"/>
-          </a:lnRef>
-          <a:fillRef idx="0">
-            <a:schemeClr val="accent1"/>
-          </a:fillRef>
-          <a:effectRef idx="0">
-            <a:schemeClr val="accent1"/>
-          </a:effectRef>
-          <a:fontRef idx="minor">
-            <a:schemeClr val="tx1"/>
-          </a:fontRef>
-        </p:style>
-      </p:cxnSp>
       <p:sp>
         <p:nvSpPr>
           <p:cNvPr id="7" name="Rechteck 6">
@@ -12418,7 +12315,8 @@
             <a:solidFill>
               <a:schemeClr val="tx1"/>
             </a:solidFill>
-            <a:tailEnd type="triangle"/>
+            <a:headEnd type="triangle" w="med" len="med"/>
+            <a:tailEnd type="triangle" w="med" len="med"/>
           </a:ln>
         </p:spPr>
         <p:style>
@@ -12501,7 +12399,7 @@
                 </a:solidFill>
                 <a:latin typeface="Lato Bold" charset="0"/>
               </a:rPr>
-              <a:t>Cluster</a:t>
+              <a:t>Server</a:t>
             </a:r>
           </a:p>
         </p:txBody>
@@ -12534,7 +12432,8 @@
             <a:solidFill>
               <a:schemeClr val="tx1"/>
             </a:solidFill>
-            <a:tailEnd type="triangle"/>
+            <a:headEnd type="triangle" w="med" len="med"/>
+            <a:tailEnd type="triangle" w="med" len="med"/>
           </a:ln>
         </p:spPr>
         <p:style>
@@ -12566,7 +12465,7 @@
         </p:nvSpPr>
         <p:spPr>
           <a:xfrm>
-            <a:off x="7917081" y="3464044"/>
+            <a:off x="7948087" y="2993548"/>
             <a:ext cx="920079" cy="533873"/>
           </a:xfrm>
           <a:prstGeom prst="rect">
@@ -12617,7 +12516,7 @@
                 </a:solidFill>
                 <a:latin typeface="Lato Bold" charset="0"/>
               </a:rPr>
-              <a:t>Cluster</a:t>
+              <a:t>Server</a:t>
             </a:r>
           </a:p>
         </p:txBody>
@@ -12640,8 +12539,8 @@
         </p:nvCxnSpPr>
         <p:spPr>
           <a:xfrm flipV="1">
-            <a:off x="7285853" y="3730981"/>
-            <a:ext cx="631228" cy="5077"/>
+            <a:off x="7285853" y="3260485"/>
+            <a:ext cx="662234" cy="475573"/>
           </a:xfrm>
           <a:prstGeom prst="straightConnector1">
             <a:avLst/>
@@ -12650,7 +12549,8 @@
             <a:solidFill>
               <a:schemeClr val="tx1"/>
             </a:solidFill>
-            <a:tailEnd type="triangle"/>
+            <a:headEnd type="triangle" w="med" len="med"/>
+            <a:tailEnd type="triangle" w="med" len="med"/>
           </a:ln>
         </p:spPr>
         <p:style>
@@ -12679,15 +12579,15 @@
           </p:cNvPr>
           <p:cNvCxnSpPr>
             <a:cxnSpLocks/>
-            <a:stCxn id="21" idx="3"/>
+            <a:stCxn id="15" idx="3"/>
             <a:endCxn id="37" idx="1"/>
           </p:cNvCxnSpPr>
           <p:nvPr/>
         </p:nvCxnSpPr>
         <p:spPr>
-          <a:xfrm flipV="1">
-            <a:off x="8837160" y="3730980"/>
-            <a:ext cx="629335" cy="1"/>
+          <a:xfrm>
+            <a:off x="7285853" y="3736058"/>
+            <a:ext cx="662234" cy="395330"/>
           </a:xfrm>
           <a:prstGeom prst="straightConnector1">
             <a:avLst/>
@@ -12696,7 +12596,8 @@
             <a:solidFill>
               <a:schemeClr val="tx1"/>
             </a:solidFill>
-            <a:tailEnd type="triangle"/>
+            <a:headEnd type="triangle" w="med" len="med"/>
+            <a:tailEnd type="triangle" w="med" len="med"/>
           </a:ln>
         </p:spPr>
         <p:style>
@@ -12728,7 +12629,7 @@
         </p:nvSpPr>
         <p:spPr>
           <a:xfrm>
-            <a:off x="9466495" y="3464043"/>
+            <a:off x="7948087" y="3864451"/>
             <a:ext cx="920079" cy="533873"/>
           </a:xfrm>
           <a:prstGeom prst="rect">
@@ -13087,10 +12988,10 @@
       </p:sp>
       <p:sp>
         <p:nvSpPr>
-          <p:cNvPr id="28" name="Rechteck 27">
+          <p:cNvPr id="29" name="Rechteck 28">
             <a:extLst>
               <a:ext uri="{FF2B5EF4-FFF2-40B4-BE49-F238E27FC236}">
-                <a16:creationId xmlns:a16="http://schemas.microsoft.com/office/drawing/2014/main" id="{14D84087-EC4E-624C-AFA1-3D7F0516EEB2}"/>
+                <a16:creationId xmlns:a16="http://schemas.microsoft.com/office/drawing/2014/main" id="{71FD419D-49F9-694A-A767-0DEA6D45DBB4}"/>
               </a:ext>
             </a:extLst>
           </p:cNvPr>
@@ -13099,7 +13000,7 @@
         </p:nvSpPr>
         <p:spPr>
           <a:xfrm>
-            <a:off x="1627925" y="2993549"/>
+            <a:off x="3201148" y="2993548"/>
             <a:ext cx="920079" cy="533873"/>
           </a:xfrm>
           <a:prstGeom prst="rect">
@@ -13132,120 +13033,17 @@
           <a:p>
             <a:pPr algn="ctr"/>
             <a:r>
-              <a:rPr lang="en-US" sz="1050" b="1" dirty="0">
+              <a:rPr lang="en-US" sz="1200" b="1" dirty="0">
                 <a:solidFill>
                   <a:schemeClr val="bg2"/>
                 </a:solidFill>
                 <a:latin typeface="Lato Bold" charset="0"/>
               </a:rPr>
-              <a:t>Temperature Sensor</a:t>
+              <a:t>Packaging Machine</a:t>
             </a:r>
           </a:p>
         </p:txBody>
       </p:sp>
-      <p:sp>
-        <p:nvSpPr>
-          <p:cNvPr id="29" name="Rechteck 28">
-            <a:extLst>
-              <a:ext uri="{FF2B5EF4-FFF2-40B4-BE49-F238E27FC236}">
-                <a16:creationId xmlns:a16="http://schemas.microsoft.com/office/drawing/2014/main" id="{71FD419D-49F9-694A-A767-0DEA6D45DBB4}"/>
-              </a:ext>
-            </a:extLst>
-          </p:cNvPr>
-          <p:cNvSpPr/>
-          <p:nvPr/>
-        </p:nvSpPr>
-        <p:spPr>
-          <a:xfrm>
-            <a:off x="3201148" y="2993548"/>
-            <a:ext cx="920079" cy="533873"/>
-          </a:xfrm>
-          <a:prstGeom prst="rect">
-            <a:avLst/>
-          </a:prstGeom>
-          <a:solidFill>
-            <a:schemeClr val="accent2"/>
-          </a:solidFill>
-          <a:ln>
-            <a:noFill/>
-          </a:ln>
-        </p:spPr>
-        <p:style>
-          <a:lnRef idx="0">
-            <a:scrgbClr r="0" g="0" b="0"/>
-          </a:lnRef>
-          <a:fillRef idx="0">
-            <a:scrgbClr r="0" g="0" b="0"/>
-          </a:fillRef>
-          <a:effectRef idx="0">
-            <a:scrgbClr r="0" g="0" b="0"/>
-          </a:effectRef>
-          <a:fontRef idx="minor">
-            <a:schemeClr val="lt1"/>
-          </a:fontRef>
-        </p:style>
-        <p:txBody>
-          <a:bodyPr rtlCol="0" anchor="ctr"/>
-          <a:lstStyle/>
-          <a:p>
-            <a:pPr algn="ctr"/>
-            <a:r>
-              <a:rPr lang="en-US" sz="1200" b="1" dirty="0">
-                <a:solidFill>
-                  <a:schemeClr val="bg2"/>
-                </a:solidFill>
-                <a:latin typeface="Lato Bold" charset="0"/>
-              </a:rPr>
-              <a:t>Packaging Controller</a:t>
-            </a:r>
-          </a:p>
-        </p:txBody>
-      </p:sp>
-      <p:cxnSp>
-        <p:nvCxnSpPr>
-          <p:cNvPr id="32" name="Gerade Verbindung mit Pfeil 31">
-            <a:extLst>
-              <a:ext uri="{FF2B5EF4-FFF2-40B4-BE49-F238E27FC236}">
-                <a16:creationId xmlns:a16="http://schemas.microsoft.com/office/drawing/2014/main" id="{49CA48A8-3C4A-A946-BE22-8BBF16B499C3}"/>
-              </a:ext>
-            </a:extLst>
-          </p:cNvPr>
-          <p:cNvCxnSpPr>
-            <a:stCxn id="28" idx="3"/>
-            <a:endCxn id="29" idx="1"/>
-          </p:cNvCxnSpPr>
-          <p:nvPr/>
-        </p:nvCxnSpPr>
-        <p:spPr>
-          <a:xfrm flipV="1">
-            <a:off x="2548004" y="3260485"/>
-            <a:ext cx="653144" cy="1"/>
-          </a:xfrm>
-          <a:prstGeom prst="straightConnector1">
-            <a:avLst/>
-          </a:prstGeom>
-          <a:ln w="19050">
-            <a:solidFill>
-              <a:schemeClr val="tx1"/>
-            </a:solidFill>
-            <a:tailEnd type="triangle"/>
-          </a:ln>
-        </p:spPr>
-        <p:style>
-          <a:lnRef idx="1">
-            <a:schemeClr val="accent1"/>
-          </a:lnRef>
-          <a:fillRef idx="0">
-            <a:schemeClr val="accent1"/>
-          </a:fillRef>
-          <a:effectRef idx="0">
-            <a:schemeClr val="accent1"/>
-          </a:effectRef>
-          <a:fontRef idx="minor">
-            <a:schemeClr val="tx1"/>
-          </a:fontRef>
-        </p:style>
-      </p:cxnSp>
       <p:cxnSp>
         <p:nvCxnSpPr>
           <p:cNvPr id="33" name="Gerade Verbindung mit Pfeil 32">
@@ -13274,7 +13072,8 @@
             <a:solidFill>
               <a:schemeClr val="tx1"/>
             </a:solidFill>
-            <a:tailEnd type="triangle"/>
+            <a:headEnd type="triangle" w="med" len="med"/>
+            <a:tailEnd type="triangle" w="med" len="med"/>
           </a:ln>
         </p:spPr>
         <p:style>
@@ -13292,6 +13091,287 @@
           </a:fontRef>
         </p:style>
       </p:cxnSp>
+      <p:cxnSp>
+        <p:nvCxnSpPr>
+          <p:cNvPr id="23" name="Gerade Verbindung mit Pfeil 22">
+            <a:extLst>
+              <a:ext uri="{FF2B5EF4-FFF2-40B4-BE49-F238E27FC236}">
+                <a16:creationId xmlns:a16="http://schemas.microsoft.com/office/drawing/2014/main" id="{0126AB01-3C92-704D-93D4-4F282D604D49}"/>
+              </a:ext>
+            </a:extLst>
+          </p:cNvPr>
+          <p:cNvCxnSpPr>
+            <a:cxnSpLocks/>
+            <a:stCxn id="21" idx="2"/>
+            <a:endCxn id="37" idx="0"/>
+          </p:cNvCxnSpPr>
+          <p:nvPr/>
+        </p:nvCxnSpPr>
+        <p:spPr>
+          <a:xfrm>
+            <a:off x="8408127" y="3527421"/>
+            <a:ext cx="0" cy="337030"/>
+          </a:xfrm>
+          <a:prstGeom prst="straightConnector1">
+            <a:avLst/>
+          </a:prstGeom>
+          <a:ln w="19050">
+            <a:solidFill>
+              <a:schemeClr val="tx1"/>
+            </a:solidFill>
+            <a:headEnd type="triangle" w="med" len="med"/>
+            <a:tailEnd type="triangle" w="med" len="med"/>
+          </a:ln>
+        </p:spPr>
+        <p:style>
+          <a:lnRef idx="1">
+            <a:schemeClr val="accent1"/>
+          </a:lnRef>
+          <a:fillRef idx="0">
+            <a:schemeClr val="accent1"/>
+          </a:fillRef>
+          <a:effectRef idx="0">
+            <a:schemeClr val="accent1"/>
+          </a:effectRef>
+          <a:fontRef idx="minor">
+            <a:schemeClr val="tx1"/>
+          </a:fontRef>
+        </p:style>
+      </p:cxnSp>
+      <p:sp>
+        <p:nvSpPr>
+          <p:cNvPr id="14" name="Rechteck 13">
+            <a:extLst>
+              <a:ext uri="{FF2B5EF4-FFF2-40B4-BE49-F238E27FC236}">
+                <a16:creationId xmlns:a16="http://schemas.microsoft.com/office/drawing/2014/main" id="{DFD316DD-EC26-774B-B856-A0315E9D2A4C}"/>
+              </a:ext>
+            </a:extLst>
+          </p:cNvPr>
+          <p:cNvSpPr/>
+          <p:nvPr/>
+        </p:nvSpPr>
+        <p:spPr>
+          <a:xfrm>
+            <a:off x="8387301" y="3565131"/>
+            <a:ext cx="495649" cy="261610"/>
+          </a:xfrm>
+          <a:prstGeom prst="rect">
+            <a:avLst/>
+          </a:prstGeom>
+        </p:spPr>
+        <p:txBody>
+          <a:bodyPr wrap="none">
+            <a:spAutoFit/>
+          </a:bodyPr>
+          <a:lstStyle/>
+          <a:p>
+            <a:r>
+              <a:rPr lang="en-US" sz="1100" dirty="0">
+                <a:latin typeface="Lato Light" charset="0"/>
+                <a:ea typeface="Lato Light" charset="0"/>
+                <a:cs typeface="Lato Light" charset="0"/>
+              </a:rPr>
+              <a:t>20ms</a:t>
+            </a:r>
+            <a:endParaRPr lang="en-US" sz="1050" dirty="0"/>
+          </a:p>
+        </p:txBody>
+      </p:sp>
+      <p:sp>
+        <p:nvSpPr>
+          <p:cNvPr id="28" name="Rechteck 27">
+            <a:extLst>
+              <a:ext uri="{FF2B5EF4-FFF2-40B4-BE49-F238E27FC236}">
+                <a16:creationId xmlns:a16="http://schemas.microsoft.com/office/drawing/2014/main" id="{27A7881E-799E-D24B-9403-FE88F143C3E1}"/>
+              </a:ext>
+            </a:extLst>
+          </p:cNvPr>
+          <p:cNvSpPr/>
+          <p:nvPr/>
+        </p:nvSpPr>
+        <p:spPr>
+          <a:xfrm>
+            <a:off x="7369145" y="3944695"/>
+            <a:ext cx="495649" cy="261610"/>
+          </a:xfrm>
+          <a:prstGeom prst="rect">
+            <a:avLst/>
+          </a:prstGeom>
+        </p:spPr>
+        <p:txBody>
+          <a:bodyPr wrap="none">
+            <a:spAutoFit/>
+          </a:bodyPr>
+          <a:lstStyle/>
+          <a:p>
+            <a:r>
+              <a:rPr lang="en-US" sz="1100" dirty="0">
+                <a:latin typeface="Lato Light" charset="0"/>
+                <a:ea typeface="Lato Light" charset="0"/>
+                <a:cs typeface="Lato Light" charset="0"/>
+              </a:rPr>
+              <a:t>24ms</a:t>
+            </a:r>
+            <a:endParaRPr lang="en-US" sz="1050" dirty="0"/>
+          </a:p>
+        </p:txBody>
+      </p:sp>
+      <p:sp>
+        <p:nvSpPr>
+          <p:cNvPr id="30" name="Rechteck 29">
+            <a:extLst>
+              <a:ext uri="{FF2B5EF4-FFF2-40B4-BE49-F238E27FC236}">
+                <a16:creationId xmlns:a16="http://schemas.microsoft.com/office/drawing/2014/main" id="{C23F53E6-6716-5448-9081-2012ECBE9C0D}"/>
+              </a:ext>
+            </a:extLst>
+          </p:cNvPr>
+          <p:cNvSpPr/>
+          <p:nvPr/>
+        </p:nvSpPr>
+        <p:spPr>
+          <a:xfrm>
+            <a:off x="7369144" y="3197992"/>
+            <a:ext cx="495649" cy="261610"/>
+          </a:xfrm>
+          <a:prstGeom prst="rect">
+            <a:avLst/>
+          </a:prstGeom>
+        </p:spPr>
+        <p:txBody>
+          <a:bodyPr wrap="none">
+            <a:spAutoFit/>
+          </a:bodyPr>
+          <a:lstStyle/>
+          <a:p>
+            <a:r>
+              <a:rPr lang="en-US" sz="1100" dirty="0">
+                <a:latin typeface="Lato Light" charset="0"/>
+                <a:ea typeface="Lato Light" charset="0"/>
+                <a:cs typeface="Lato Light" charset="0"/>
+              </a:rPr>
+              <a:t>16ms</a:t>
+            </a:r>
+            <a:endParaRPr lang="en-US" sz="1050" dirty="0"/>
+          </a:p>
+        </p:txBody>
+      </p:sp>
+      <p:sp>
+        <p:nvSpPr>
+          <p:cNvPr id="31" name="Rechteck 30">
+            <a:extLst>
+              <a:ext uri="{FF2B5EF4-FFF2-40B4-BE49-F238E27FC236}">
+                <a16:creationId xmlns:a16="http://schemas.microsoft.com/office/drawing/2014/main" id="{9C628710-E702-9A45-9504-54B5C5934479}"/>
+              </a:ext>
+            </a:extLst>
+          </p:cNvPr>
+          <p:cNvSpPr/>
+          <p:nvPr/>
+        </p:nvSpPr>
+        <p:spPr>
+          <a:xfrm>
+            <a:off x="5819114" y="3495733"/>
+            <a:ext cx="423514" cy="261610"/>
+          </a:xfrm>
+          <a:prstGeom prst="rect">
+            <a:avLst/>
+          </a:prstGeom>
+        </p:spPr>
+        <p:txBody>
+          <a:bodyPr wrap="none">
+            <a:spAutoFit/>
+          </a:bodyPr>
+          <a:lstStyle/>
+          <a:p>
+            <a:r>
+              <a:rPr lang="en-US" sz="1100" dirty="0">
+                <a:latin typeface="Lato Light" charset="0"/>
+                <a:ea typeface="Lato Light" charset="0"/>
+                <a:cs typeface="Lato Light" charset="0"/>
+              </a:rPr>
+              <a:t>2ms</a:t>
+            </a:r>
+            <a:endParaRPr lang="en-US" sz="1050" dirty="0"/>
+          </a:p>
+        </p:txBody>
+      </p:sp>
+      <p:sp>
+        <p:nvSpPr>
+          <p:cNvPr id="32" name="Rechteck 31">
+            <a:extLst>
+              <a:ext uri="{FF2B5EF4-FFF2-40B4-BE49-F238E27FC236}">
+                <a16:creationId xmlns:a16="http://schemas.microsoft.com/office/drawing/2014/main" id="{2ADDCF5A-8470-8A41-BB1D-382F723CDCB3}"/>
+              </a:ext>
+            </a:extLst>
+          </p:cNvPr>
+          <p:cNvSpPr/>
+          <p:nvPr/>
+        </p:nvSpPr>
+        <p:spPr>
+          <a:xfrm>
+            <a:off x="4298374" y="3246108"/>
+            <a:ext cx="423514" cy="261610"/>
+          </a:xfrm>
+          <a:prstGeom prst="rect">
+            <a:avLst/>
+          </a:prstGeom>
+        </p:spPr>
+        <p:txBody>
+          <a:bodyPr wrap="none">
+            <a:spAutoFit/>
+          </a:bodyPr>
+          <a:lstStyle/>
+          <a:p>
+            <a:r>
+              <a:rPr lang="en-US" sz="1100" dirty="0">
+                <a:latin typeface="Lato Light" charset="0"/>
+                <a:ea typeface="Lato Light" charset="0"/>
+                <a:cs typeface="Lato Light" charset="0"/>
+              </a:rPr>
+              <a:t>4ms</a:t>
+            </a:r>
+            <a:endParaRPr lang="en-US" sz="1050" dirty="0"/>
+          </a:p>
+        </p:txBody>
+      </p:sp>
+      <p:sp>
+        <p:nvSpPr>
+          <p:cNvPr id="35" name="Rechteck 34">
+            <a:extLst>
+              <a:ext uri="{FF2B5EF4-FFF2-40B4-BE49-F238E27FC236}">
+                <a16:creationId xmlns:a16="http://schemas.microsoft.com/office/drawing/2014/main" id="{FF26BE58-8DF2-9641-8D04-71C683611024}"/>
+              </a:ext>
+            </a:extLst>
+          </p:cNvPr>
+          <p:cNvSpPr/>
+          <p:nvPr/>
+        </p:nvSpPr>
+        <p:spPr>
+          <a:xfrm>
+            <a:off x="4298374" y="3923456"/>
+            <a:ext cx="423514" cy="261610"/>
+          </a:xfrm>
+          <a:prstGeom prst="rect">
+            <a:avLst/>
+          </a:prstGeom>
+        </p:spPr>
+        <p:txBody>
+          <a:bodyPr wrap="none">
+            <a:spAutoFit/>
+          </a:bodyPr>
+          <a:lstStyle/>
+          <a:p>
+            <a:r>
+              <a:rPr lang="en-US" sz="1100" dirty="0">
+                <a:latin typeface="Lato Light" charset="0"/>
+                <a:ea typeface="Lato Light" charset="0"/>
+                <a:cs typeface="Lato Light" charset="0"/>
+              </a:rPr>
+              <a:t>4ms</a:t>
+            </a:r>
+            <a:endParaRPr lang="en-US" sz="1050" dirty="0"/>
+          </a:p>
+        </p:txBody>
+      </p:sp>
     </p:spTree>
     <p:extLst>
       <p:ext uri="{BB962C8B-B14F-4D97-AF65-F5344CB8AC3E}">

--- a/misc/Figures.pptx
+++ b/misc/Figures.pptx
@@ -14,6 +14,10 @@
     <p:sldId id="1456" r:id="rId8"/>
     <p:sldId id="1457" r:id="rId9"/>
     <p:sldId id="1459" r:id="rId10"/>
+    <p:sldId id="1461" r:id="rId11"/>
+    <p:sldId id="1462" r:id="rId12"/>
+    <p:sldId id="1463" r:id="rId13"/>
+    <p:sldId id="1464" r:id="rId14"/>
   </p:sldIdLst>
   <p:sldSz cx="12192000" cy="6858000"/>
   <p:notesSz cx="6858000" cy="9144000"/>
@@ -269,7 +273,7 @@
           <a:p>
             <a:fld id="{316A2214-5FFA-754C-901F-0917E1555ABA}" type="datetimeFigureOut">
               <a:rPr lang="en-US" smtClean="0"/>
-              <a:t>6/12/20</a:t>
+              <a:t>6/18/20</a:t>
             </a:fld>
             <a:endParaRPr lang="en-US"/>
           </a:p>
@@ -469,7 +473,7 @@
           <a:p>
             <a:fld id="{316A2214-5FFA-754C-901F-0917E1555ABA}" type="datetimeFigureOut">
               <a:rPr lang="en-US" smtClean="0"/>
-              <a:t>6/12/20</a:t>
+              <a:t>6/18/20</a:t>
             </a:fld>
             <a:endParaRPr lang="en-US"/>
           </a:p>
@@ -679,7 +683,7 @@
           <a:p>
             <a:fld id="{316A2214-5FFA-754C-901F-0917E1555ABA}" type="datetimeFigureOut">
               <a:rPr lang="en-US" smtClean="0"/>
-              <a:t>6/12/20</a:t>
+              <a:t>6/18/20</a:t>
             </a:fld>
             <a:endParaRPr lang="en-US"/>
           </a:p>
@@ -917,7 +921,7 @@
           <a:p>
             <a:fld id="{316A2214-5FFA-754C-901F-0917E1555ABA}" type="datetimeFigureOut">
               <a:rPr lang="en-US" smtClean="0"/>
-              <a:t>6/12/20</a:t>
+              <a:t>6/18/20</a:t>
             </a:fld>
             <a:endParaRPr lang="en-US"/>
           </a:p>
@@ -1193,7 +1197,7 @@
           <a:p>
             <a:fld id="{316A2214-5FFA-754C-901F-0917E1555ABA}" type="datetimeFigureOut">
               <a:rPr lang="en-US" smtClean="0"/>
-              <a:t>6/12/20</a:t>
+              <a:t>6/18/20</a:t>
             </a:fld>
             <a:endParaRPr lang="en-US"/>
           </a:p>
@@ -1461,7 +1465,7 @@
           <a:p>
             <a:fld id="{316A2214-5FFA-754C-901F-0917E1555ABA}" type="datetimeFigureOut">
               <a:rPr lang="en-US" smtClean="0"/>
-              <a:t>6/12/20</a:t>
+              <a:t>6/18/20</a:t>
             </a:fld>
             <a:endParaRPr lang="en-US"/>
           </a:p>
@@ -1876,7 +1880,7 @@
           <a:p>
             <a:fld id="{316A2214-5FFA-754C-901F-0917E1555ABA}" type="datetimeFigureOut">
               <a:rPr lang="en-US" smtClean="0"/>
-              <a:t>6/12/20</a:t>
+              <a:t>6/18/20</a:t>
             </a:fld>
             <a:endParaRPr lang="en-US"/>
           </a:p>
@@ -2018,7 +2022,7 @@
           <a:p>
             <a:fld id="{316A2214-5FFA-754C-901F-0917E1555ABA}" type="datetimeFigureOut">
               <a:rPr lang="en-US" smtClean="0"/>
-              <a:t>6/12/20</a:t>
+              <a:t>6/18/20</a:t>
             </a:fld>
             <a:endParaRPr lang="en-US"/>
           </a:p>
@@ -2131,7 +2135,7 @@
           <a:p>
             <a:fld id="{316A2214-5FFA-754C-901F-0917E1555ABA}" type="datetimeFigureOut">
               <a:rPr lang="en-US" smtClean="0"/>
-              <a:t>6/12/20</a:t>
+              <a:t>6/18/20</a:t>
             </a:fld>
             <a:endParaRPr lang="en-US"/>
           </a:p>
@@ -2444,7 +2448,7 @@
           <a:p>
             <a:fld id="{316A2214-5FFA-754C-901F-0917E1555ABA}" type="datetimeFigureOut">
               <a:rPr lang="en-US" smtClean="0"/>
-              <a:t>6/12/20</a:t>
+              <a:t>6/18/20</a:t>
             </a:fld>
             <a:endParaRPr lang="en-US"/>
           </a:p>
@@ -2733,7 +2737,7 @@
           <a:p>
             <a:fld id="{316A2214-5FFA-754C-901F-0917E1555ABA}" type="datetimeFigureOut">
               <a:rPr lang="en-US" smtClean="0"/>
-              <a:t>6/12/20</a:t>
+              <a:t>6/18/20</a:t>
             </a:fld>
             <a:endParaRPr lang="en-US"/>
           </a:p>
@@ -2976,7 +2980,7 @@
           <a:p>
             <a:fld id="{316A2214-5FFA-754C-901F-0917E1555ABA}" type="datetimeFigureOut">
               <a:rPr lang="en-US" smtClean="0"/>
-              <a:t>6/12/20</a:t>
+              <a:t>6/18/20</a:t>
             </a:fld>
             <a:endParaRPr lang="en-US"/>
           </a:p>
@@ -7825,6 +7829,5570 @@
 </p:sld>
 </file>
 
+<file path=ppt/slides/slide10.xml><?xml version="1.0" encoding="utf-8"?>
+<p:sld xmlns:a="http://schemas.openxmlformats.org/drawingml/2006/main" xmlns:r="http://schemas.openxmlformats.org/officeDocument/2006/relationships" xmlns:p="http://schemas.openxmlformats.org/presentationml/2006/main" show="0">
+  <p:cSld>
+    <p:spTree>
+      <p:nvGrpSpPr>
+        <p:cNvPr id="1" name=""/>
+        <p:cNvGrpSpPr/>
+        <p:nvPr/>
+      </p:nvGrpSpPr>
+      <p:grpSpPr>
+        <a:xfrm>
+          <a:off x="0" y="0"/>
+          <a:ext cx="0" cy="0"/>
+          <a:chOff x="0" y="0"/>
+          <a:chExt cx="0" cy="0"/>
+        </a:xfrm>
+      </p:grpSpPr>
+      <p:sp>
+        <p:nvSpPr>
+          <p:cNvPr id="2" name="Rechteck 1">
+            <a:extLst>
+              <a:ext uri="{FF2B5EF4-FFF2-40B4-BE49-F238E27FC236}">
+                <a16:creationId xmlns:a16="http://schemas.microsoft.com/office/drawing/2014/main" id="{7CEEBDF9-2BD1-9843-B8D7-B9F483EB363E}"/>
+              </a:ext>
+            </a:extLst>
+          </p:cNvPr>
+          <p:cNvSpPr/>
+          <p:nvPr/>
+        </p:nvSpPr>
+        <p:spPr>
+          <a:xfrm>
+            <a:off x="2555777" y="5543193"/>
+            <a:ext cx="920079" cy="533873"/>
+          </a:xfrm>
+          <a:prstGeom prst="rect">
+            <a:avLst/>
+          </a:prstGeom>
+          <a:solidFill>
+            <a:schemeClr val="accent2"/>
+          </a:solidFill>
+          <a:ln w="28575">
+            <a:solidFill>
+              <a:schemeClr val="tx1"/>
+            </a:solidFill>
+          </a:ln>
+        </p:spPr>
+        <p:style>
+          <a:lnRef idx="0">
+            <a:scrgbClr r="0" g="0" b="0"/>
+          </a:lnRef>
+          <a:fillRef idx="0">
+            <a:scrgbClr r="0" g="0" b="0"/>
+          </a:fillRef>
+          <a:effectRef idx="0">
+            <a:scrgbClr r="0" g="0" b="0"/>
+          </a:effectRef>
+          <a:fontRef idx="minor">
+            <a:schemeClr val="lt1"/>
+          </a:fontRef>
+        </p:style>
+        <p:txBody>
+          <a:bodyPr rtlCol="0" anchor="ctr"/>
+          <a:lstStyle/>
+          <a:p>
+            <a:pPr algn="ctr"/>
+            <a:r>
+              <a:rPr lang="en-US" sz="1600" b="1" dirty="0">
+                <a:solidFill>
+                  <a:schemeClr val="bg2"/>
+                </a:solidFill>
+                <a:latin typeface="Lato Bold" charset="0"/>
+              </a:rPr>
+              <a:t>A1</a:t>
+            </a:r>
+          </a:p>
+        </p:txBody>
+      </p:sp>
+      <p:sp>
+        <p:nvSpPr>
+          <p:cNvPr id="3" name="Rechteck 2">
+            <a:extLst>
+              <a:ext uri="{FF2B5EF4-FFF2-40B4-BE49-F238E27FC236}">
+                <a16:creationId xmlns:a16="http://schemas.microsoft.com/office/drawing/2014/main" id="{44FF70C4-912A-0B4B-A59D-83DD6B683F7C}"/>
+              </a:ext>
+            </a:extLst>
+          </p:cNvPr>
+          <p:cNvSpPr/>
+          <p:nvPr/>
+        </p:nvSpPr>
+        <p:spPr>
+          <a:xfrm>
+            <a:off x="4837991" y="5583897"/>
+            <a:ext cx="920079" cy="533873"/>
+          </a:xfrm>
+          <a:prstGeom prst="rect">
+            <a:avLst/>
+          </a:prstGeom>
+          <a:solidFill>
+            <a:schemeClr val="accent2"/>
+          </a:solidFill>
+          <a:ln w="28575">
+            <a:solidFill>
+              <a:schemeClr val="tx1"/>
+            </a:solidFill>
+          </a:ln>
+        </p:spPr>
+        <p:style>
+          <a:lnRef idx="0">
+            <a:scrgbClr r="0" g="0" b="0"/>
+          </a:lnRef>
+          <a:fillRef idx="0">
+            <a:scrgbClr r="0" g="0" b="0"/>
+          </a:fillRef>
+          <a:effectRef idx="0">
+            <a:scrgbClr r="0" g="0" b="0"/>
+          </a:effectRef>
+          <a:fontRef idx="minor">
+            <a:schemeClr val="lt1"/>
+          </a:fontRef>
+        </p:style>
+        <p:txBody>
+          <a:bodyPr rtlCol="0" anchor="ctr"/>
+          <a:lstStyle/>
+          <a:p>
+            <a:pPr algn="ctr"/>
+            <a:r>
+              <a:rPr lang="en-US" sz="1600" b="1" dirty="0">
+                <a:solidFill>
+                  <a:schemeClr val="bg2"/>
+                </a:solidFill>
+                <a:latin typeface="Lato Bold" charset="0"/>
+              </a:rPr>
+              <a:t>A1</a:t>
+            </a:r>
+          </a:p>
+        </p:txBody>
+      </p:sp>
+      <p:sp>
+        <p:nvSpPr>
+          <p:cNvPr id="4" name="Rechteck 3">
+            <a:extLst>
+              <a:ext uri="{FF2B5EF4-FFF2-40B4-BE49-F238E27FC236}">
+                <a16:creationId xmlns:a16="http://schemas.microsoft.com/office/drawing/2014/main" id="{9E6B8B62-7927-A443-877F-FDAC552A27CF}"/>
+              </a:ext>
+            </a:extLst>
+          </p:cNvPr>
+          <p:cNvSpPr/>
+          <p:nvPr/>
+        </p:nvSpPr>
+        <p:spPr>
+          <a:xfrm>
+            <a:off x="8040285" y="5543193"/>
+            <a:ext cx="920079" cy="533873"/>
+          </a:xfrm>
+          <a:prstGeom prst="rect">
+            <a:avLst/>
+          </a:prstGeom>
+          <a:solidFill>
+            <a:schemeClr val="accent2"/>
+          </a:solidFill>
+          <a:ln w="28575">
+            <a:solidFill>
+              <a:schemeClr val="tx1"/>
+            </a:solidFill>
+          </a:ln>
+        </p:spPr>
+        <p:style>
+          <a:lnRef idx="0">
+            <a:scrgbClr r="0" g="0" b="0"/>
+          </a:lnRef>
+          <a:fillRef idx="0">
+            <a:scrgbClr r="0" g="0" b="0"/>
+          </a:fillRef>
+          <a:effectRef idx="0">
+            <a:scrgbClr r="0" g="0" b="0"/>
+          </a:effectRef>
+          <a:fontRef idx="minor">
+            <a:schemeClr val="lt1"/>
+          </a:fontRef>
+        </p:style>
+        <p:txBody>
+          <a:bodyPr rtlCol="0" anchor="ctr"/>
+          <a:lstStyle/>
+          <a:p>
+            <a:pPr algn="ctr"/>
+            <a:r>
+              <a:rPr lang="en-US" sz="1600" b="1" dirty="0">
+                <a:solidFill>
+                  <a:schemeClr val="bg2"/>
+                </a:solidFill>
+                <a:latin typeface="Lato Bold" charset="0"/>
+              </a:rPr>
+              <a:t>A2</a:t>
+            </a:r>
+          </a:p>
+        </p:txBody>
+      </p:sp>
+      <p:sp>
+        <p:nvSpPr>
+          <p:cNvPr id="5" name="Rechteck 4">
+            <a:extLst>
+              <a:ext uri="{FF2B5EF4-FFF2-40B4-BE49-F238E27FC236}">
+                <a16:creationId xmlns:a16="http://schemas.microsoft.com/office/drawing/2014/main" id="{FAB4DBA7-0A90-1543-80D1-13A28364E86F}"/>
+              </a:ext>
+            </a:extLst>
+          </p:cNvPr>
+          <p:cNvSpPr/>
+          <p:nvPr/>
+        </p:nvSpPr>
+        <p:spPr>
+          <a:xfrm>
+            <a:off x="3926904" y="3809998"/>
+            <a:ext cx="920079" cy="533873"/>
+          </a:xfrm>
+          <a:prstGeom prst="rect">
+            <a:avLst/>
+          </a:prstGeom>
+          <a:solidFill>
+            <a:schemeClr val="accent3"/>
+          </a:solidFill>
+          <a:ln w="28575">
+            <a:solidFill>
+              <a:schemeClr val="tx1"/>
+            </a:solidFill>
+          </a:ln>
+        </p:spPr>
+        <p:style>
+          <a:lnRef idx="0">
+            <a:scrgbClr r="0" g="0" b="0"/>
+          </a:lnRef>
+          <a:fillRef idx="0">
+            <a:scrgbClr r="0" g="0" b="0"/>
+          </a:fillRef>
+          <a:effectRef idx="0">
+            <a:scrgbClr r="0" g="0" b="0"/>
+          </a:effectRef>
+          <a:fontRef idx="minor">
+            <a:schemeClr val="lt1"/>
+          </a:fontRef>
+        </p:style>
+        <p:txBody>
+          <a:bodyPr rtlCol="0" anchor="ctr"/>
+          <a:lstStyle/>
+          <a:p>
+            <a:pPr algn="ctr"/>
+            <a:r>
+              <a:rPr lang="en-US" sz="1600" b="1" dirty="0">
+                <a:solidFill>
+                  <a:schemeClr val="bg2"/>
+                </a:solidFill>
+                <a:latin typeface="Lato Bold" charset="0"/>
+              </a:rPr>
+              <a:t>A3</a:t>
+            </a:r>
+            <a:endParaRPr lang="en-US" sz="1600" dirty="0"/>
+          </a:p>
+        </p:txBody>
+      </p:sp>
+      <p:sp>
+        <p:nvSpPr>
+          <p:cNvPr id="6" name="Rechteck 5">
+            <a:extLst>
+              <a:ext uri="{FF2B5EF4-FFF2-40B4-BE49-F238E27FC236}">
+                <a16:creationId xmlns:a16="http://schemas.microsoft.com/office/drawing/2014/main" id="{A3936D1A-7BA8-9445-BFAA-C91AEA20D0DC}"/>
+              </a:ext>
+            </a:extLst>
+          </p:cNvPr>
+          <p:cNvSpPr/>
+          <p:nvPr/>
+        </p:nvSpPr>
+        <p:spPr>
+          <a:xfrm>
+            <a:off x="6669158" y="3809998"/>
+            <a:ext cx="920079" cy="533873"/>
+          </a:xfrm>
+          <a:prstGeom prst="rect">
+            <a:avLst/>
+          </a:prstGeom>
+          <a:solidFill>
+            <a:schemeClr val="accent3"/>
+          </a:solidFill>
+          <a:ln w="28575">
+            <a:solidFill>
+              <a:schemeClr val="tx1"/>
+            </a:solidFill>
+          </a:ln>
+        </p:spPr>
+        <p:style>
+          <a:lnRef idx="0">
+            <a:scrgbClr r="0" g="0" b="0"/>
+          </a:lnRef>
+          <a:fillRef idx="0">
+            <a:scrgbClr r="0" g="0" b="0"/>
+          </a:fillRef>
+          <a:effectRef idx="0">
+            <a:scrgbClr r="0" g="0" b="0"/>
+          </a:effectRef>
+          <a:fontRef idx="minor">
+            <a:schemeClr val="lt1"/>
+          </a:fontRef>
+        </p:style>
+        <p:txBody>
+          <a:bodyPr rtlCol="0" anchor="ctr"/>
+          <a:lstStyle/>
+          <a:p>
+            <a:pPr algn="ctr"/>
+            <a:r>
+              <a:rPr lang="en-US" sz="1600" b="1" dirty="0">
+                <a:solidFill>
+                  <a:schemeClr val="bg2"/>
+                </a:solidFill>
+                <a:latin typeface="Lato Bold" charset="0"/>
+              </a:rPr>
+              <a:t>A3</a:t>
+            </a:r>
+          </a:p>
+        </p:txBody>
+      </p:sp>
+      <p:sp>
+        <p:nvSpPr>
+          <p:cNvPr id="8" name="Rechteck 7">
+            <a:extLst>
+              <a:ext uri="{FF2B5EF4-FFF2-40B4-BE49-F238E27FC236}">
+                <a16:creationId xmlns:a16="http://schemas.microsoft.com/office/drawing/2014/main" id="{EEBEBDF2-AA89-244F-9251-6369386DA7BB}"/>
+              </a:ext>
+            </a:extLst>
+          </p:cNvPr>
+          <p:cNvSpPr/>
+          <p:nvPr/>
+        </p:nvSpPr>
+        <p:spPr>
+          <a:xfrm>
+            <a:off x="5298031" y="2076803"/>
+            <a:ext cx="920079" cy="533873"/>
+          </a:xfrm>
+          <a:prstGeom prst="rect">
+            <a:avLst/>
+          </a:prstGeom>
+          <a:solidFill>
+            <a:schemeClr val="accent4"/>
+          </a:solidFill>
+          <a:ln w="28575">
+            <a:solidFill>
+              <a:schemeClr val="tx1"/>
+            </a:solidFill>
+          </a:ln>
+        </p:spPr>
+        <p:style>
+          <a:lnRef idx="0">
+            <a:scrgbClr r="0" g="0" b="0"/>
+          </a:lnRef>
+          <a:fillRef idx="0">
+            <a:scrgbClr r="0" g="0" b="0"/>
+          </a:fillRef>
+          <a:effectRef idx="0">
+            <a:scrgbClr r="0" g="0" b="0"/>
+          </a:effectRef>
+          <a:fontRef idx="minor">
+            <a:schemeClr val="lt1"/>
+          </a:fontRef>
+        </p:style>
+        <p:txBody>
+          <a:bodyPr rtlCol="0" anchor="ctr"/>
+          <a:lstStyle/>
+          <a:p>
+            <a:pPr algn="ctr"/>
+            <a:r>
+              <a:rPr lang="en-US" sz="1600" b="1" dirty="0">
+                <a:solidFill>
+                  <a:schemeClr val="bg2"/>
+                </a:solidFill>
+                <a:latin typeface="Lato Bold" charset="0"/>
+              </a:rPr>
+              <a:t>A4</a:t>
+            </a:r>
+            <a:endParaRPr lang="en-US" sz="1600" dirty="0"/>
+          </a:p>
+        </p:txBody>
+      </p:sp>
+      <p:cxnSp>
+        <p:nvCxnSpPr>
+          <p:cNvPr id="15" name="Gerade Verbindung mit Pfeil 14">
+            <a:extLst>
+              <a:ext uri="{FF2B5EF4-FFF2-40B4-BE49-F238E27FC236}">
+                <a16:creationId xmlns:a16="http://schemas.microsoft.com/office/drawing/2014/main" id="{71C28ADC-0C54-7141-BE14-B45C966BE4CE}"/>
+              </a:ext>
+            </a:extLst>
+          </p:cNvPr>
+          <p:cNvCxnSpPr>
+            <a:cxnSpLocks/>
+          </p:cNvCxnSpPr>
+          <p:nvPr/>
+        </p:nvCxnSpPr>
+        <p:spPr>
+          <a:xfrm flipH="1" flipV="1">
+            <a:off x="4765174" y="4392375"/>
+            <a:ext cx="992896" cy="1094025"/>
+          </a:xfrm>
+          <a:prstGeom prst="straightConnector1">
+            <a:avLst/>
+          </a:prstGeom>
+          <a:ln w="19050">
+            <a:solidFill>
+              <a:schemeClr val="tx2"/>
+            </a:solidFill>
+            <a:tailEnd type="triangle"/>
+          </a:ln>
+        </p:spPr>
+        <p:style>
+          <a:lnRef idx="1">
+            <a:schemeClr val="accent1"/>
+          </a:lnRef>
+          <a:fillRef idx="0">
+            <a:schemeClr val="accent1"/>
+          </a:fillRef>
+          <a:effectRef idx="0">
+            <a:schemeClr val="accent1"/>
+          </a:effectRef>
+          <a:fontRef idx="minor">
+            <a:schemeClr val="tx1"/>
+          </a:fontRef>
+        </p:style>
+      </p:cxnSp>
+      <p:cxnSp>
+        <p:nvCxnSpPr>
+          <p:cNvPr id="24" name="Gerade Verbindung mit Pfeil 23">
+            <a:extLst>
+              <a:ext uri="{FF2B5EF4-FFF2-40B4-BE49-F238E27FC236}">
+                <a16:creationId xmlns:a16="http://schemas.microsoft.com/office/drawing/2014/main" id="{27EFDEFD-7DA3-5E43-AA2B-4ECD4C4A34BD}"/>
+              </a:ext>
+            </a:extLst>
+          </p:cNvPr>
+          <p:cNvCxnSpPr>
+            <a:cxnSpLocks/>
+          </p:cNvCxnSpPr>
+          <p:nvPr/>
+        </p:nvCxnSpPr>
+        <p:spPr>
+          <a:xfrm flipV="1">
+            <a:off x="3106210" y="4400664"/>
+            <a:ext cx="899120" cy="1085736"/>
+          </a:xfrm>
+          <a:prstGeom prst="straightConnector1">
+            <a:avLst/>
+          </a:prstGeom>
+          <a:ln w="19050">
+            <a:solidFill>
+              <a:schemeClr val="tx2"/>
+            </a:solidFill>
+            <a:tailEnd type="triangle"/>
+          </a:ln>
+        </p:spPr>
+        <p:style>
+          <a:lnRef idx="1">
+            <a:schemeClr val="accent1"/>
+          </a:lnRef>
+          <a:fillRef idx="0">
+            <a:schemeClr val="accent1"/>
+          </a:fillRef>
+          <a:effectRef idx="0">
+            <a:schemeClr val="accent1"/>
+          </a:effectRef>
+          <a:fontRef idx="minor">
+            <a:schemeClr val="tx1"/>
+          </a:fontRef>
+        </p:style>
+      </p:cxnSp>
+      <p:cxnSp>
+        <p:nvCxnSpPr>
+          <p:cNvPr id="25" name="Gerade Verbindung mit Pfeil 24">
+            <a:extLst>
+              <a:ext uri="{FF2B5EF4-FFF2-40B4-BE49-F238E27FC236}">
+                <a16:creationId xmlns:a16="http://schemas.microsoft.com/office/drawing/2014/main" id="{D18E8DB8-CCC6-6D4D-951D-82FA050035D6}"/>
+              </a:ext>
+            </a:extLst>
+          </p:cNvPr>
+          <p:cNvCxnSpPr>
+            <a:cxnSpLocks/>
+          </p:cNvCxnSpPr>
+          <p:nvPr/>
+        </p:nvCxnSpPr>
+        <p:spPr>
+          <a:xfrm flipH="1" flipV="1">
+            <a:off x="7501944" y="4384576"/>
+            <a:ext cx="886497" cy="1101824"/>
+          </a:xfrm>
+          <a:prstGeom prst="straightConnector1">
+            <a:avLst/>
+          </a:prstGeom>
+          <a:ln w="19050">
+            <a:solidFill>
+              <a:schemeClr val="tx2"/>
+            </a:solidFill>
+            <a:tailEnd type="triangle"/>
+          </a:ln>
+        </p:spPr>
+        <p:style>
+          <a:lnRef idx="1">
+            <a:schemeClr val="accent1"/>
+          </a:lnRef>
+          <a:fillRef idx="0">
+            <a:schemeClr val="accent1"/>
+          </a:fillRef>
+          <a:effectRef idx="0">
+            <a:schemeClr val="accent1"/>
+          </a:effectRef>
+          <a:fontRef idx="minor">
+            <a:schemeClr val="tx1"/>
+          </a:fontRef>
+        </p:style>
+      </p:cxnSp>
+      <p:cxnSp>
+        <p:nvCxnSpPr>
+          <p:cNvPr id="29" name="Gerade Verbindung mit Pfeil 28">
+            <a:extLst>
+              <a:ext uri="{FF2B5EF4-FFF2-40B4-BE49-F238E27FC236}">
+                <a16:creationId xmlns:a16="http://schemas.microsoft.com/office/drawing/2014/main" id="{EBF0A071-0B46-304A-8525-FD22D6586E7B}"/>
+              </a:ext>
+            </a:extLst>
+          </p:cNvPr>
+          <p:cNvCxnSpPr>
+            <a:cxnSpLocks/>
+          </p:cNvCxnSpPr>
+          <p:nvPr/>
+        </p:nvCxnSpPr>
+        <p:spPr>
+          <a:xfrm>
+            <a:off x="4931192" y="4088065"/>
+            <a:ext cx="1675670" cy="0"/>
+          </a:xfrm>
+          <a:prstGeom prst="straightConnector1">
+            <a:avLst/>
+          </a:prstGeom>
+          <a:ln w="19050">
+            <a:solidFill>
+              <a:schemeClr val="tx2"/>
+            </a:solidFill>
+            <a:headEnd type="triangle" w="med" len="med"/>
+            <a:tailEnd type="triangle" w="med" len="med"/>
+          </a:ln>
+        </p:spPr>
+        <p:style>
+          <a:lnRef idx="1">
+            <a:schemeClr val="accent1"/>
+          </a:lnRef>
+          <a:fillRef idx="0">
+            <a:schemeClr val="accent1"/>
+          </a:fillRef>
+          <a:effectRef idx="0">
+            <a:schemeClr val="accent1"/>
+          </a:effectRef>
+          <a:fontRef idx="minor">
+            <a:schemeClr val="tx1"/>
+          </a:fontRef>
+        </p:style>
+      </p:cxnSp>
+      <p:cxnSp>
+        <p:nvCxnSpPr>
+          <p:cNvPr id="32" name="Gerade Verbindung mit Pfeil 31">
+            <a:extLst>
+              <a:ext uri="{FF2B5EF4-FFF2-40B4-BE49-F238E27FC236}">
+                <a16:creationId xmlns:a16="http://schemas.microsoft.com/office/drawing/2014/main" id="{E9388547-B88C-714F-BE4C-A6C32A82B2AB}"/>
+              </a:ext>
+            </a:extLst>
+          </p:cNvPr>
+          <p:cNvCxnSpPr>
+            <a:cxnSpLocks/>
+          </p:cNvCxnSpPr>
+          <p:nvPr/>
+        </p:nvCxnSpPr>
+        <p:spPr>
+          <a:xfrm flipH="1" flipV="1">
+            <a:off x="6168980" y="2659179"/>
+            <a:ext cx="886497" cy="1102316"/>
+          </a:xfrm>
+          <a:prstGeom prst="straightConnector1">
+            <a:avLst/>
+          </a:prstGeom>
+          <a:ln w="19050">
+            <a:solidFill>
+              <a:schemeClr val="tx2"/>
+            </a:solidFill>
+            <a:tailEnd type="triangle"/>
+          </a:ln>
+        </p:spPr>
+        <p:style>
+          <a:lnRef idx="1">
+            <a:schemeClr val="accent1"/>
+          </a:lnRef>
+          <a:fillRef idx="0">
+            <a:schemeClr val="accent1"/>
+          </a:fillRef>
+          <a:effectRef idx="0">
+            <a:schemeClr val="accent1"/>
+          </a:effectRef>
+          <a:fontRef idx="minor">
+            <a:schemeClr val="tx1"/>
+          </a:fontRef>
+        </p:style>
+      </p:cxnSp>
+      <p:cxnSp>
+        <p:nvCxnSpPr>
+          <p:cNvPr id="33" name="Gerade Verbindung mit Pfeil 32">
+            <a:extLst>
+              <a:ext uri="{FF2B5EF4-FFF2-40B4-BE49-F238E27FC236}">
+                <a16:creationId xmlns:a16="http://schemas.microsoft.com/office/drawing/2014/main" id="{BC46B446-1C5B-C34E-9D28-36B665C39889}"/>
+              </a:ext>
+            </a:extLst>
+          </p:cNvPr>
+          <p:cNvCxnSpPr>
+            <a:cxnSpLocks/>
+          </p:cNvCxnSpPr>
+          <p:nvPr/>
+        </p:nvCxnSpPr>
+        <p:spPr>
+          <a:xfrm flipV="1">
+            <a:off x="4482103" y="2659180"/>
+            <a:ext cx="881948" cy="1102315"/>
+          </a:xfrm>
+          <a:prstGeom prst="straightConnector1">
+            <a:avLst/>
+          </a:prstGeom>
+          <a:ln w="19050">
+            <a:solidFill>
+              <a:schemeClr val="tx2"/>
+            </a:solidFill>
+            <a:tailEnd type="triangle"/>
+          </a:ln>
+        </p:spPr>
+        <p:style>
+          <a:lnRef idx="1">
+            <a:schemeClr val="accent1"/>
+          </a:lnRef>
+          <a:fillRef idx="0">
+            <a:schemeClr val="accent1"/>
+          </a:fillRef>
+          <a:effectRef idx="0">
+            <a:schemeClr val="accent1"/>
+          </a:effectRef>
+          <a:fontRef idx="minor">
+            <a:schemeClr val="tx1"/>
+          </a:fontRef>
+        </p:style>
+      </p:cxnSp>
+      <p:sp>
+        <p:nvSpPr>
+          <p:cNvPr id="34" name="Abgerundete rechteckige Legende 33">
+            <a:extLst>
+              <a:ext uri="{FF2B5EF4-FFF2-40B4-BE49-F238E27FC236}">
+                <a16:creationId xmlns:a16="http://schemas.microsoft.com/office/drawing/2014/main" id="{821FEDCC-669E-A043-AADF-A559F9CADD83}"/>
+              </a:ext>
+            </a:extLst>
+          </p:cNvPr>
+          <p:cNvSpPr/>
+          <p:nvPr/>
+        </p:nvSpPr>
+        <p:spPr>
+          <a:xfrm>
+            <a:off x="940158" y="4954904"/>
+            <a:ext cx="1615619" cy="476519"/>
+          </a:xfrm>
+          <a:prstGeom prst="wedgeRoundRectCallout">
+            <a:avLst>
+              <a:gd name="adj1" fmla="val 44603"/>
+              <a:gd name="adj2" fmla="val 76199"/>
+              <a:gd name="adj3" fmla="val 16667"/>
+            </a:avLst>
+          </a:prstGeom>
+          <a:solidFill>
+            <a:schemeClr val="bg1"/>
+          </a:solidFill>
+          <a:ln>
+            <a:solidFill>
+              <a:schemeClr val="tx1"/>
+            </a:solidFill>
+          </a:ln>
+        </p:spPr>
+        <p:style>
+          <a:lnRef idx="2">
+            <a:schemeClr val="accent1">
+              <a:shade val="50000"/>
+            </a:schemeClr>
+          </a:lnRef>
+          <a:fillRef idx="1">
+            <a:schemeClr val="accent1"/>
+          </a:fillRef>
+          <a:effectRef idx="0">
+            <a:schemeClr val="accent1"/>
+          </a:effectRef>
+          <a:fontRef idx="minor">
+            <a:schemeClr val="lt1"/>
+          </a:fontRef>
+        </p:style>
+        <p:txBody>
+          <a:bodyPr rtlCol="0" anchor="ctr"/>
+          <a:lstStyle/>
+          <a:p>
+            <a:pPr algn="ctr"/>
+            <a:r>
+              <a:rPr lang="en-US" sz="1200" dirty="0">
+                <a:solidFill>
+                  <a:schemeClr val="tx1"/>
+                </a:solidFill>
+                <a:latin typeface="Lato Light" charset="0"/>
+              </a:rPr>
+              <a:t>/config/frequency</a:t>
+            </a:r>
+          </a:p>
+        </p:txBody>
+      </p:sp>
+      <p:sp>
+        <p:nvSpPr>
+          <p:cNvPr id="35" name="Abgerundete rechteckige Legende 34">
+            <a:extLst>
+              <a:ext uri="{FF2B5EF4-FFF2-40B4-BE49-F238E27FC236}">
+                <a16:creationId xmlns:a16="http://schemas.microsoft.com/office/drawing/2014/main" id="{2B51614F-6B66-9C4E-BD3B-BEA644A7265D}"/>
+              </a:ext>
+            </a:extLst>
+          </p:cNvPr>
+          <p:cNvSpPr/>
+          <p:nvPr/>
+        </p:nvSpPr>
+        <p:spPr>
+          <a:xfrm>
+            <a:off x="2311285" y="3120981"/>
+            <a:ext cx="1615619" cy="476519"/>
+          </a:xfrm>
+          <a:prstGeom prst="wedgeRoundRectCallout">
+            <a:avLst>
+              <a:gd name="adj1" fmla="val 46197"/>
+              <a:gd name="adj2" fmla="val 84307"/>
+              <a:gd name="adj3" fmla="val 16667"/>
+            </a:avLst>
+          </a:prstGeom>
+          <a:solidFill>
+            <a:schemeClr val="bg1"/>
+          </a:solidFill>
+          <a:ln>
+            <a:solidFill>
+              <a:schemeClr val="tx1"/>
+            </a:solidFill>
+          </a:ln>
+        </p:spPr>
+        <p:style>
+          <a:lnRef idx="2">
+            <a:schemeClr val="accent1">
+              <a:shade val="50000"/>
+            </a:schemeClr>
+          </a:lnRef>
+          <a:fillRef idx="1">
+            <a:schemeClr val="accent1"/>
+          </a:fillRef>
+          <a:effectRef idx="0">
+            <a:schemeClr val="accent1"/>
+          </a:effectRef>
+          <a:fontRef idx="minor">
+            <a:schemeClr val="lt1"/>
+          </a:fontRef>
+        </p:style>
+        <p:txBody>
+          <a:bodyPr rtlCol="0" anchor="ctr"/>
+          <a:lstStyle/>
+          <a:p>
+            <a:pPr algn="ctr"/>
+            <a:r>
+              <a:rPr lang="en-US" sz="1200" dirty="0">
+                <a:solidFill>
+                  <a:schemeClr val="tx1"/>
+                </a:solidFill>
+                <a:latin typeface="Lato Light" charset="0"/>
+              </a:rPr>
+              <a:t>/config/</a:t>
+            </a:r>
+            <a:r>
+              <a:rPr lang="en-US" sz="1200" dirty="0" err="1">
+                <a:solidFill>
+                  <a:schemeClr val="tx1"/>
+                </a:solidFill>
+                <a:latin typeface="Lato Light" charset="0"/>
+              </a:rPr>
+              <a:t>bucketSize</a:t>
+            </a:r>
+            <a:endParaRPr lang="en-US" sz="1200" dirty="0">
+              <a:solidFill>
+                <a:schemeClr val="tx1"/>
+              </a:solidFill>
+              <a:latin typeface="Lato Light" charset="0"/>
+            </a:endParaRPr>
+          </a:p>
+          <a:p>
+            <a:pPr algn="ctr"/>
+            <a:r>
+              <a:rPr lang="en-US" sz="1200" dirty="0">
+                <a:solidFill>
+                  <a:schemeClr val="tx1"/>
+                </a:solidFill>
+                <a:latin typeface="Lato Light" charset="0"/>
+              </a:rPr>
+              <a:t>/config/threshold</a:t>
+            </a:r>
+          </a:p>
+        </p:txBody>
+      </p:sp>
+      <p:sp>
+        <p:nvSpPr>
+          <p:cNvPr id="36" name="Rechteck 35">
+            <a:extLst>
+              <a:ext uri="{FF2B5EF4-FFF2-40B4-BE49-F238E27FC236}">
+                <a16:creationId xmlns:a16="http://schemas.microsoft.com/office/drawing/2014/main" id="{D48DF390-78A8-0D41-AF0A-0A979C035697}"/>
+              </a:ext>
+            </a:extLst>
+          </p:cNvPr>
+          <p:cNvSpPr/>
+          <p:nvPr/>
+        </p:nvSpPr>
+        <p:spPr>
+          <a:xfrm>
+            <a:off x="5758070" y="5583897"/>
+            <a:ext cx="920079" cy="533873"/>
+          </a:xfrm>
+          <a:prstGeom prst="rect">
+            <a:avLst/>
+          </a:prstGeom>
+          <a:solidFill>
+            <a:schemeClr val="accent2"/>
+          </a:solidFill>
+          <a:ln w="28575">
+            <a:solidFill>
+              <a:schemeClr val="tx1"/>
+            </a:solidFill>
+          </a:ln>
+        </p:spPr>
+        <p:style>
+          <a:lnRef idx="0">
+            <a:scrgbClr r="0" g="0" b="0"/>
+          </a:lnRef>
+          <a:fillRef idx="0">
+            <a:scrgbClr r="0" g="0" b="0"/>
+          </a:fillRef>
+          <a:effectRef idx="0">
+            <a:scrgbClr r="0" g="0" b="0"/>
+          </a:effectRef>
+          <a:fontRef idx="minor">
+            <a:schemeClr val="lt1"/>
+          </a:fontRef>
+        </p:style>
+        <p:txBody>
+          <a:bodyPr rtlCol="0" anchor="ctr"/>
+          <a:lstStyle/>
+          <a:p>
+            <a:pPr algn="ctr"/>
+            <a:r>
+              <a:rPr lang="en-US" sz="1600" b="1" dirty="0">
+                <a:solidFill>
+                  <a:schemeClr val="bg2"/>
+                </a:solidFill>
+                <a:latin typeface="Lato Bold" charset="0"/>
+              </a:rPr>
+              <a:t>A2</a:t>
+            </a:r>
+          </a:p>
+        </p:txBody>
+      </p:sp>
+      <p:cxnSp>
+        <p:nvCxnSpPr>
+          <p:cNvPr id="41" name="Gerade Verbindung mit Pfeil 40">
+            <a:extLst>
+              <a:ext uri="{FF2B5EF4-FFF2-40B4-BE49-F238E27FC236}">
+                <a16:creationId xmlns:a16="http://schemas.microsoft.com/office/drawing/2014/main" id="{0AE9D5BD-2935-EF40-B5FF-413671474F82}"/>
+              </a:ext>
+            </a:extLst>
+          </p:cNvPr>
+          <p:cNvCxnSpPr>
+            <a:cxnSpLocks/>
+          </p:cNvCxnSpPr>
+          <p:nvPr/>
+        </p:nvCxnSpPr>
+        <p:spPr>
+          <a:xfrm flipV="1">
+            <a:off x="5758070" y="4392375"/>
+            <a:ext cx="977581" cy="1094025"/>
+          </a:xfrm>
+          <a:prstGeom prst="straightConnector1">
+            <a:avLst/>
+          </a:prstGeom>
+          <a:ln w="19050">
+            <a:solidFill>
+              <a:schemeClr val="tx2"/>
+            </a:solidFill>
+            <a:tailEnd type="triangle"/>
+          </a:ln>
+        </p:spPr>
+        <p:style>
+          <a:lnRef idx="1">
+            <a:schemeClr val="accent1"/>
+          </a:lnRef>
+          <a:fillRef idx="0">
+            <a:schemeClr val="accent1"/>
+          </a:fillRef>
+          <a:effectRef idx="0">
+            <a:schemeClr val="accent1"/>
+          </a:effectRef>
+          <a:fontRef idx="minor">
+            <a:schemeClr val="tx1"/>
+          </a:fontRef>
+        </p:style>
+      </p:cxnSp>
+      <p:sp>
+        <p:nvSpPr>
+          <p:cNvPr id="55" name="Abgerundete rechteckige Legende 54">
+            <a:extLst>
+              <a:ext uri="{FF2B5EF4-FFF2-40B4-BE49-F238E27FC236}">
+                <a16:creationId xmlns:a16="http://schemas.microsoft.com/office/drawing/2014/main" id="{1B42448C-68DF-4F4D-AB0E-607DBD7FAEF5}"/>
+              </a:ext>
+            </a:extLst>
+          </p:cNvPr>
+          <p:cNvSpPr/>
+          <p:nvPr/>
+        </p:nvSpPr>
+        <p:spPr>
+          <a:xfrm>
+            <a:off x="9064581" y="5042079"/>
+            <a:ext cx="1615619" cy="389344"/>
+          </a:xfrm>
+          <a:prstGeom prst="wedgeRoundRectCallout">
+            <a:avLst>
+              <a:gd name="adj1" fmla="val -52250"/>
+              <a:gd name="adj2" fmla="val 82815"/>
+              <a:gd name="adj3" fmla="val 16667"/>
+            </a:avLst>
+          </a:prstGeom>
+          <a:solidFill>
+            <a:schemeClr val="bg1"/>
+          </a:solidFill>
+          <a:ln>
+            <a:solidFill>
+              <a:schemeClr val="tx1"/>
+            </a:solidFill>
+          </a:ln>
+        </p:spPr>
+        <p:style>
+          <a:lnRef idx="2">
+            <a:schemeClr val="accent1">
+              <a:shade val="50000"/>
+            </a:schemeClr>
+          </a:lnRef>
+          <a:fillRef idx="1">
+            <a:schemeClr val="accent1"/>
+          </a:fillRef>
+          <a:effectRef idx="0">
+            <a:schemeClr val="accent1"/>
+          </a:effectRef>
+          <a:fontRef idx="minor">
+            <a:schemeClr val="lt1"/>
+          </a:fontRef>
+        </p:style>
+        <p:txBody>
+          <a:bodyPr rtlCol="0" anchor="ctr"/>
+          <a:lstStyle/>
+          <a:p>
+            <a:pPr algn="ctr"/>
+            <a:r>
+              <a:rPr lang="en-US" sz="1200" dirty="0">
+                <a:solidFill>
+                  <a:schemeClr val="tx1"/>
+                </a:solidFill>
+                <a:latin typeface="Lato Light" charset="0"/>
+              </a:rPr>
+              <a:t>/config/size</a:t>
+            </a:r>
+          </a:p>
+        </p:txBody>
+      </p:sp>
+      <p:sp>
+        <p:nvSpPr>
+          <p:cNvPr id="56" name="Subtitle 2">
+            <a:extLst>
+              <a:ext uri="{FF2B5EF4-FFF2-40B4-BE49-F238E27FC236}">
+                <a16:creationId xmlns:a16="http://schemas.microsoft.com/office/drawing/2014/main" id="{996C6E24-FC5F-1F4C-938D-42DA0BB0D97B}"/>
+              </a:ext>
+            </a:extLst>
+          </p:cNvPr>
+          <p:cNvSpPr txBox="1">
+            <a:spLocks/>
+          </p:cNvSpPr>
+          <p:nvPr/>
+        </p:nvSpPr>
+        <p:spPr>
+          <a:xfrm>
+            <a:off x="7129197" y="528261"/>
+            <a:ext cx="4526183" cy="3092291"/>
+          </a:xfrm>
+          <a:prstGeom prst="rect">
+            <a:avLst/>
+          </a:prstGeom>
+        </p:spPr>
+        <p:txBody>
+          <a:bodyPr vert="horz" wrap="square" lIns="108745" tIns="54373" rIns="108745" bIns="54373" rtlCol="0">
+            <a:spAutoFit/>
+          </a:bodyPr>
+          <a:lstStyle>
+            <a:lvl1pPr marL="0" indent="0" algn="ctr" defTabSz="1087636" rtl="0" eaLnBrk="1" latinLnBrk="0" hangingPunct="1">
+              <a:lnSpc>
+                <a:spcPct val="120000"/>
+              </a:lnSpc>
+              <a:spcBef>
+                <a:spcPct val="20000"/>
+              </a:spcBef>
+              <a:buFont typeface="Arial"/>
+              <a:buNone/>
+              <a:defRPr sz="2400" kern="1200">
+                <a:solidFill>
+                  <a:schemeClr val="tx2"/>
+                </a:solidFill>
+                <a:latin typeface="Open Sans Light"/>
+                <a:ea typeface="+mn-ea"/>
+                <a:cs typeface="Open Sans Light"/>
+              </a:defRPr>
+            </a:lvl1pPr>
+            <a:lvl2pPr marL="1087636" indent="0" algn="ctr" defTabSz="1087636" rtl="0" eaLnBrk="1" latinLnBrk="0" hangingPunct="1">
+              <a:lnSpc>
+                <a:spcPct val="130000"/>
+              </a:lnSpc>
+              <a:spcBef>
+                <a:spcPct val="20000"/>
+              </a:spcBef>
+              <a:buFont typeface="Arial"/>
+              <a:buNone/>
+              <a:defRPr sz="3200" kern="1200">
+                <a:solidFill>
+                  <a:schemeClr val="tx1">
+                    <a:tint val="75000"/>
+                  </a:schemeClr>
+                </a:solidFill>
+                <a:latin typeface="Open Sans"/>
+                <a:ea typeface="+mn-ea"/>
+                <a:cs typeface="Open Sans"/>
+              </a:defRPr>
+            </a:lvl2pPr>
+            <a:lvl3pPr marL="2175271" indent="0" algn="ctr" defTabSz="1087636" rtl="0" eaLnBrk="1" latinLnBrk="0" hangingPunct="1">
+              <a:lnSpc>
+                <a:spcPct val="130000"/>
+              </a:lnSpc>
+              <a:spcBef>
+                <a:spcPct val="20000"/>
+              </a:spcBef>
+              <a:buFont typeface="Arial"/>
+              <a:buNone/>
+              <a:defRPr sz="3200" kern="1200">
+                <a:solidFill>
+                  <a:schemeClr val="tx1">
+                    <a:tint val="75000"/>
+                  </a:schemeClr>
+                </a:solidFill>
+                <a:latin typeface="Open Sans"/>
+                <a:ea typeface="+mn-ea"/>
+                <a:cs typeface="Open Sans"/>
+              </a:defRPr>
+            </a:lvl3pPr>
+            <a:lvl4pPr marL="3262912" indent="0" algn="ctr" defTabSz="1087636" rtl="0" eaLnBrk="1" latinLnBrk="0" hangingPunct="1">
+              <a:lnSpc>
+                <a:spcPct val="130000"/>
+              </a:lnSpc>
+              <a:spcBef>
+                <a:spcPct val="20000"/>
+              </a:spcBef>
+              <a:buFont typeface="Arial"/>
+              <a:buNone/>
+              <a:defRPr sz="3200" kern="1200">
+                <a:solidFill>
+                  <a:schemeClr val="tx1">
+                    <a:tint val="75000"/>
+                  </a:schemeClr>
+                </a:solidFill>
+                <a:latin typeface="Open Sans"/>
+                <a:ea typeface="+mn-ea"/>
+                <a:cs typeface="Open Sans"/>
+              </a:defRPr>
+            </a:lvl4pPr>
+            <a:lvl5pPr marL="4350546" indent="0" algn="ctr" defTabSz="1087636" rtl="0" eaLnBrk="1" latinLnBrk="0" hangingPunct="1">
+              <a:lnSpc>
+                <a:spcPct val="130000"/>
+              </a:lnSpc>
+              <a:spcBef>
+                <a:spcPct val="20000"/>
+              </a:spcBef>
+              <a:buFont typeface="Arial"/>
+              <a:buNone/>
+              <a:defRPr sz="3200" kern="1200">
+                <a:solidFill>
+                  <a:schemeClr val="tx1">
+                    <a:tint val="75000"/>
+                  </a:schemeClr>
+                </a:solidFill>
+                <a:latin typeface="Open Sans"/>
+                <a:ea typeface="+mn-ea"/>
+                <a:cs typeface="Open Sans"/>
+              </a:defRPr>
+            </a:lvl5pPr>
+            <a:lvl6pPr marL="5438184" indent="0" algn="ctr" defTabSz="1087636" rtl="0" eaLnBrk="1" latinLnBrk="0" hangingPunct="1">
+              <a:spcBef>
+                <a:spcPct val="20000"/>
+              </a:spcBef>
+              <a:buFont typeface="Arial"/>
+              <a:buNone/>
+              <a:defRPr sz="4800" kern="1200">
+                <a:solidFill>
+                  <a:schemeClr val="tx1">
+                    <a:tint val="75000"/>
+                  </a:schemeClr>
+                </a:solidFill>
+                <a:latin typeface="+mn-lt"/>
+                <a:ea typeface="+mn-ea"/>
+                <a:cs typeface="+mn-cs"/>
+              </a:defRPr>
+            </a:lvl6pPr>
+            <a:lvl7pPr marL="6525820" indent="0" algn="ctr" defTabSz="1087636" rtl="0" eaLnBrk="1" latinLnBrk="0" hangingPunct="1">
+              <a:spcBef>
+                <a:spcPct val="20000"/>
+              </a:spcBef>
+              <a:buFont typeface="Arial"/>
+              <a:buNone/>
+              <a:defRPr sz="4800" kern="1200">
+                <a:solidFill>
+                  <a:schemeClr val="tx1">
+                    <a:tint val="75000"/>
+                  </a:schemeClr>
+                </a:solidFill>
+                <a:latin typeface="+mn-lt"/>
+                <a:ea typeface="+mn-ea"/>
+                <a:cs typeface="+mn-cs"/>
+              </a:defRPr>
+            </a:lvl7pPr>
+            <a:lvl8pPr marL="7613455" indent="0" algn="ctr" defTabSz="1087636" rtl="0" eaLnBrk="1" latinLnBrk="0" hangingPunct="1">
+              <a:spcBef>
+                <a:spcPct val="20000"/>
+              </a:spcBef>
+              <a:buFont typeface="Arial"/>
+              <a:buNone/>
+              <a:defRPr sz="4800" kern="1200">
+                <a:solidFill>
+                  <a:schemeClr val="tx1">
+                    <a:tint val="75000"/>
+                  </a:schemeClr>
+                </a:solidFill>
+                <a:latin typeface="+mn-lt"/>
+                <a:ea typeface="+mn-ea"/>
+                <a:cs typeface="+mn-cs"/>
+              </a:defRPr>
+            </a:lvl8pPr>
+            <a:lvl9pPr marL="8701091" indent="0" algn="ctr" defTabSz="1087636" rtl="0" eaLnBrk="1" latinLnBrk="0" hangingPunct="1">
+              <a:spcBef>
+                <a:spcPct val="20000"/>
+              </a:spcBef>
+              <a:buFont typeface="Arial"/>
+              <a:buNone/>
+              <a:defRPr sz="4800" kern="1200">
+                <a:solidFill>
+                  <a:schemeClr val="tx1">
+                    <a:tint val="75000"/>
+                  </a:schemeClr>
+                </a:solidFill>
+                <a:latin typeface="+mn-lt"/>
+                <a:ea typeface="+mn-ea"/>
+                <a:cs typeface="+mn-cs"/>
+              </a:defRPr>
+            </a:lvl9pPr>
+          </a:lstStyle>
+          <a:p>
+            <a:pPr algn="just">
+              <a:lnSpc>
+                <a:spcPts val="2020"/>
+              </a:lnSpc>
+            </a:pPr>
+            <a:r>
+              <a:rPr lang="en-US" sz="1200" dirty="0">
+                <a:solidFill>
+                  <a:schemeClr val="tx1"/>
+                </a:solidFill>
+                <a:latin typeface="Lato Light" charset="0"/>
+                <a:ea typeface="Lato Light" charset="0"/>
+                <a:cs typeface="Lato Light" charset="0"/>
+              </a:rPr>
+              <a:t>A1s continuously send messages with the configured frequency to A3s.  </a:t>
+            </a:r>
+          </a:p>
+          <a:p>
+            <a:pPr algn="just">
+              <a:lnSpc>
+                <a:spcPts val="2020"/>
+              </a:lnSpc>
+            </a:pPr>
+            <a:r>
+              <a:rPr lang="en-US" sz="1200" dirty="0">
+                <a:solidFill>
+                  <a:schemeClr val="tx1"/>
+                </a:solidFill>
+                <a:latin typeface="Lato Light" charset="0"/>
+                <a:ea typeface="Lato Light" charset="0"/>
+                <a:cs typeface="Lato Light" charset="0"/>
+              </a:rPr>
+              <a:t>A2s continuously send messages with a fixed frequency to A3s; messages have the configured size.</a:t>
+            </a:r>
+          </a:p>
+          <a:p>
+            <a:pPr algn="just">
+              <a:lnSpc>
+                <a:spcPts val="2020"/>
+              </a:lnSpc>
+            </a:pPr>
+            <a:r>
+              <a:rPr lang="en-US" sz="1200" dirty="0">
+                <a:solidFill>
+                  <a:schemeClr val="tx1"/>
+                </a:solidFill>
+                <a:latin typeface="Lato Light" charset="0"/>
+                <a:ea typeface="Lato Light" charset="0"/>
+                <a:cs typeface="Lato Light" charset="0"/>
+              </a:rPr>
+              <a:t>A3s put received messages in buckets of the configured size (i.e., number of messages); when a bucket is full, all messages are aggregated and the result is sent to A4.</a:t>
+            </a:r>
+          </a:p>
+          <a:p>
+            <a:pPr algn="just">
+              <a:lnSpc>
+                <a:spcPts val="2020"/>
+              </a:lnSpc>
+            </a:pPr>
+            <a:r>
+              <a:rPr lang="en-US" sz="1200" dirty="0">
+                <a:solidFill>
+                  <a:schemeClr val="tx1"/>
+                </a:solidFill>
+                <a:latin typeface="Lato Light" charset="0"/>
+                <a:ea typeface="Lato Light" charset="0"/>
+                <a:cs typeface="Lato Light" charset="0"/>
+              </a:rPr>
+              <a:t>Furthermore, when A3s receive a message with a value above a defined threshold, the message is forwarded to all other A3s.</a:t>
+            </a:r>
+          </a:p>
+          <a:p>
+            <a:pPr algn="just">
+              <a:lnSpc>
+                <a:spcPts val="2020"/>
+              </a:lnSpc>
+            </a:pPr>
+            <a:r>
+              <a:rPr lang="en-US" sz="1200" dirty="0">
+                <a:solidFill>
+                  <a:schemeClr val="tx1"/>
+                </a:solidFill>
+                <a:latin typeface="Lato Light" charset="0"/>
+                <a:ea typeface="Lato Light" charset="0"/>
+                <a:cs typeface="Lato Light" charset="0"/>
+              </a:rPr>
+              <a:t>A4 has the capability to report that it has received the configured </a:t>
+            </a:r>
+          </a:p>
+          <a:p>
+            <a:pPr algn="just">
+              <a:lnSpc>
+                <a:spcPts val="2020"/>
+              </a:lnSpc>
+            </a:pPr>
+            <a:endParaRPr lang="en-US" sz="1200" dirty="0">
+              <a:solidFill>
+                <a:schemeClr val="tx1"/>
+              </a:solidFill>
+              <a:latin typeface="Lato Light" charset="0"/>
+              <a:ea typeface="Lato Light" charset="0"/>
+              <a:cs typeface="Lato Light" charset="0"/>
+            </a:endParaRPr>
+          </a:p>
+        </p:txBody>
+      </p:sp>
+      <p:sp>
+        <p:nvSpPr>
+          <p:cNvPr id="57" name="TextBox 69">
+            <a:extLst>
+              <a:ext uri="{FF2B5EF4-FFF2-40B4-BE49-F238E27FC236}">
+                <a16:creationId xmlns:a16="http://schemas.microsoft.com/office/drawing/2014/main" id="{577540BF-12AA-CF49-8228-A386403A569E}"/>
+              </a:ext>
+            </a:extLst>
+          </p:cNvPr>
+          <p:cNvSpPr txBox="1"/>
+          <p:nvPr/>
+        </p:nvSpPr>
+        <p:spPr>
+          <a:xfrm>
+            <a:off x="9084351" y="302191"/>
+            <a:ext cx="615874" cy="338554"/>
+          </a:xfrm>
+          <a:prstGeom prst="rect">
+            <a:avLst/>
+          </a:prstGeom>
+          <a:noFill/>
+        </p:spPr>
+        <p:txBody>
+          <a:bodyPr wrap="none" rtlCol="0" anchor="ctr" anchorCtr="0">
+            <a:spAutoFit/>
+          </a:bodyPr>
+          <a:lstStyle/>
+          <a:p>
+            <a:pPr algn="ctr"/>
+            <a:r>
+              <a:rPr lang="en-US" sz="1600" b="1" dirty="0">
+                <a:solidFill>
+                  <a:schemeClr val="tx2"/>
+                </a:solidFill>
+                <a:latin typeface="Lato Bold" charset="0"/>
+                <a:ea typeface="Lato Bold" charset="0"/>
+                <a:cs typeface="Lato Bold" charset="0"/>
+              </a:rPr>
+              <a:t>Logic</a:t>
+            </a:r>
+          </a:p>
+        </p:txBody>
+      </p:sp>
+      <p:sp>
+        <p:nvSpPr>
+          <p:cNvPr id="22" name="Abgerundete rechteckige Legende 21">
+            <a:extLst>
+              <a:ext uri="{FF2B5EF4-FFF2-40B4-BE49-F238E27FC236}">
+                <a16:creationId xmlns:a16="http://schemas.microsoft.com/office/drawing/2014/main" id="{81E0BC33-BF1E-C140-A83F-A6C420464CDE}"/>
+              </a:ext>
+            </a:extLst>
+          </p:cNvPr>
+          <p:cNvSpPr/>
+          <p:nvPr/>
+        </p:nvSpPr>
+        <p:spPr>
+          <a:xfrm>
+            <a:off x="3674293" y="1451180"/>
+            <a:ext cx="1615619" cy="476519"/>
+          </a:xfrm>
+          <a:prstGeom prst="wedgeRoundRectCallout">
+            <a:avLst>
+              <a:gd name="adj1" fmla="val 44603"/>
+              <a:gd name="adj2" fmla="val 76199"/>
+              <a:gd name="adj3" fmla="val 16667"/>
+            </a:avLst>
+          </a:prstGeom>
+          <a:solidFill>
+            <a:schemeClr val="bg1"/>
+          </a:solidFill>
+          <a:ln>
+            <a:solidFill>
+              <a:schemeClr val="tx1"/>
+            </a:solidFill>
+          </a:ln>
+        </p:spPr>
+        <p:style>
+          <a:lnRef idx="2">
+            <a:schemeClr val="accent1">
+              <a:shade val="50000"/>
+            </a:schemeClr>
+          </a:lnRef>
+          <a:fillRef idx="1">
+            <a:schemeClr val="accent1"/>
+          </a:fillRef>
+          <a:effectRef idx="0">
+            <a:schemeClr val="accent1"/>
+          </a:effectRef>
+          <a:fontRef idx="minor">
+            <a:schemeClr val="lt1"/>
+          </a:fontRef>
+        </p:style>
+        <p:txBody>
+          <a:bodyPr rtlCol="0" anchor="ctr"/>
+          <a:lstStyle/>
+          <a:p>
+            <a:pPr algn="ctr"/>
+            <a:r>
+              <a:rPr lang="en-US" sz="1200" dirty="0">
+                <a:solidFill>
+                  <a:schemeClr val="tx1"/>
+                </a:solidFill>
+                <a:latin typeface="Lato Light" charset="0"/>
+              </a:rPr>
+              <a:t>/config/amount</a:t>
+            </a:r>
+          </a:p>
+        </p:txBody>
+      </p:sp>
+    </p:spTree>
+    <p:extLst>
+      <p:ext uri="{BB962C8B-B14F-4D97-AF65-F5344CB8AC3E}">
+        <p14:creationId xmlns:p14="http://schemas.microsoft.com/office/powerpoint/2010/main" val="1628619557"/>
+      </p:ext>
+    </p:extLst>
+  </p:cSld>
+  <p:clrMapOvr>
+    <a:masterClrMapping/>
+  </p:clrMapOvr>
+  <mc:AlternateContent xmlns:mc="http://schemas.openxmlformats.org/markup-compatibility/2006" xmlns:p14="http://schemas.microsoft.com/office/powerpoint/2010/main">
+    <mc:Choice Requires="p14">
+      <p:transition p14:dur="0" advClick="0"/>
+    </mc:Choice>
+    <mc:Fallback xmlns="">
+      <p:transition advClick="0"/>
+    </mc:Fallback>
+  </mc:AlternateContent>
+</p:sld>
+</file>
+
+<file path=ppt/slides/slide11.xml><?xml version="1.0" encoding="utf-8"?>
+<p:sld xmlns:a="http://schemas.openxmlformats.org/drawingml/2006/main" xmlns:r="http://schemas.openxmlformats.org/officeDocument/2006/relationships" xmlns:p="http://schemas.openxmlformats.org/presentationml/2006/main" show="0">
+  <p:cSld>
+    <p:spTree>
+      <p:nvGrpSpPr>
+        <p:cNvPr id="1" name=""/>
+        <p:cNvGrpSpPr/>
+        <p:nvPr/>
+      </p:nvGrpSpPr>
+      <p:grpSpPr>
+        <a:xfrm>
+          <a:off x="0" y="0"/>
+          <a:ext cx="0" cy="0"/>
+          <a:chOff x="0" y="0"/>
+          <a:chExt cx="0" cy="0"/>
+        </a:xfrm>
+      </p:grpSpPr>
+      <p:sp>
+        <p:nvSpPr>
+          <p:cNvPr id="2" name="Rechteck 1">
+            <a:extLst>
+              <a:ext uri="{FF2B5EF4-FFF2-40B4-BE49-F238E27FC236}">
+                <a16:creationId xmlns:a16="http://schemas.microsoft.com/office/drawing/2014/main" id="{7CEEBDF9-2BD1-9843-B8D7-B9F483EB363E}"/>
+              </a:ext>
+            </a:extLst>
+          </p:cNvPr>
+          <p:cNvSpPr/>
+          <p:nvPr/>
+        </p:nvSpPr>
+        <p:spPr>
+          <a:xfrm>
+            <a:off x="2555777" y="5543193"/>
+            <a:ext cx="920079" cy="533873"/>
+          </a:xfrm>
+          <a:prstGeom prst="rect">
+            <a:avLst/>
+          </a:prstGeom>
+          <a:solidFill>
+            <a:schemeClr val="accent2"/>
+          </a:solidFill>
+          <a:ln w="28575">
+            <a:solidFill>
+              <a:schemeClr val="tx1"/>
+            </a:solidFill>
+          </a:ln>
+        </p:spPr>
+        <p:style>
+          <a:lnRef idx="0">
+            <a:scrgbClr r="0" g="0" b="0"/>
+          </a:lnRef>
+          <a:fillRef idx="0">
+            <a:scrgbClr r="0" g="0" b="0"/>
+          </a:fillRef>
+          <a:effectRef idx="0">
+            <a:scrgbClr r="0" g="0" b="0"/>
+          </a:effectRef>
+          <a:fontRef idx="minor">
+            <a:schemeClr val="lt1"/>
+          </a:fontRef>
+        </p:style>
+        <p:txBody>
+          <a:bodyPr rtlCol="0" anchor="ctr"/>
+          <a:lstStyle/>
+          <a:p>
+            <a:pPr algn="ctr"/>
+            <a:r>
+              <a:rPr lang="en-US" sz="1200" b="1" dirty="0">
+                <a:solidFill>
+                  <a:schemeClr val="bg2"/>
+                </a:solidFill>
+                <a:latin typeface="Lato Bold" charset="0"/>
+              </a:rPr>
+              <a:t>Pressure-Sensor</a:t>
+            </a:r>
+          </a:p>
+        </p:txBody>
+      </p:sp>
+      <p:sp>
+        <p:nvSpPr>
+          <p:cNvPr id="3" name="Rechteck 2">
+            <a:extLst>
+              <a:ext uri="{FF2B5EF4-FFF2-40B4-BE49-F238E27FC236}">
+                <a16:creationId xmlns:a16="http://schemas.microsoft.com/office/drawing/2014/main" id="{44FF70C4-912A-0B4B-A59D-83DD6B683F7C}"/>
+              </a:ext>
+            </a:extLst>
+          </p:cNvPr>
+          <p:cNvSpPr/>
+          <p:nvPr/>
+        </p:nvSpPr>
+        <p:spPr>
+          <a:xfrm>
+            <a:off x="4837991" y="5583897"/>
+            <a:ext cx="920079" cy="533873"/>
+          </a:xfrm>
+          <a:prstGeom prst="rect">
+            <a:avLst/>
+          </a:prstGeom>
+          <a:solidFill>
+            <a:schemeClr val="accent2"/>
+          </a:solidFill>
+          <a:ln w="28575">
+            <a:solidFill>
+              <a:schemeClr val="tx1"/>
+            </a:solidFill>
+          </a:ln>
+        </p:spPr>
+        <p:style>
+          <a:lnRef idx="0">
+            <a:scrgbClr r="0" g="0" b="0"/>
+          </a:lnRef>
+          <a:fillRef idx="0">
+            <a:scrgbClr r="0" g="0" b="0"/>
+          </a:fillRef>
+          <a:effectRef idx="0">
+            <a:scrgbClr r="0" g="0" b="0"/>
+          </a:effectRef>
+          <a:fontRef idx="minor">
+            <a:schemeClr val="lt1"/>
+          </a:fontRef>
+        </p:style>
+        <p:txBody>
+          <a:bodyPr rtlCol="0" anchor="ctr"/>
+          <a:lstStyle/>
+          <a:p>
+            <a:pPr algn="ctr"/>
+            <a:r>
+              <a:rPr lang="en-US" sz="1200" b="1" dirty="0">
+                <a:solidFill>
+                  <a:schemeClr val="bg2"/>
+                </a:solidFill>
+                <a:latin typeface="Lato Bold" charset="0"/>
+              </a:rPr>
+              <a:t>Camera</a:t>
+            </a:r>
+          </a:p>
+        </p:txBody>
+      </p:sp>
+      <p:sp>
+        <p:nvSpPr>
+          <p:cNvPr id="4" name="Rechteck 3">
+            <a:extLst>
+              <a:ext uri="{FF2B5EF4-FFF2-40B4-BE49-F238E27FC236}">
+                <a16:creationId xmlns:a16="http://schemas.microsoft.com/office/drawing/2014/main" id="{9E6B8B62-7927-A443-877F-FDAC552A27CF}"/>
+              </a:ext>
+            </a:extLst>
+          </p:cNvPr>
+          <p:cNvSpPr/>
+          <p:nvPr/>
+        </p:nvSpPr>
+        <p:spPr>
+          <a:xfrm>
+            <a:off x="8040285" y="5543193"/>
+            <a:ext cx="920079" cy="533873"/>
+          </a:xfrm>
+          <a:prstGeom prst="rect">
+            <a:avLst/>
+          </a:prstGeom>
+          <a:solidFill>
+            <a:schemeClr val="accent2"/>
+          </a:solidFill>
+          <a:ln w="28575">
+            <a:solidFill>
+              <a:schemeClr val="tx1"/>
+            </a:solidFill>
+          </a:ln>
+        </p:spPr>
+        <p:style>
+          <a:lnRef idx="0">
+            <a:scrgbClr r="0" g="0" b="0"/>
+          </a:lnRef>
+          <a:fillRef idx="0">
+            <a:scrgbClr r="0" g="0" b="0"/>
+          </a:fillRef>
+          <a:effectRef idx="0">
+            <a:scrgbClr r="0" g="0" b="0"/>
+          </a:effectRef>
+          <a:fontRef idx="minor">
+            <a:schemeClr val="lt1"/>
+          </a:fontRef>
+        </p:style>
+        <p:txBody>
+          <a:bodyPr rtlCol="0" anchor="ctr"/>
+          <a:lstStyle/>
+          <a:p>
+            <a:pPr algn="ctr"/>
+            <a:r>
+              <a:rPr lang="en-US" sz="1200" b="1" dirty="0">
+                <a:solidFill>
+                  <a:schemeClr val="bg2"/>
+                </a:solidFill>
+                <a:latin typeface="Lato Bold" charset="0"/>
+              </a:rPr>
+              <a:t>Camera</a:t>
+            </a:r>
+          </a:p>
+        </p:txBody>
+      </p:sp>
+      <p:sp>
+        <p:nvSpPr>
+          <p:cNvPr id="5" name="Rechteck 4">
+            <a:extLst>
+              <a:ext uri="{FF2B5EF4-FFF2-40B4-BE49-F238E27FC236}">
+                <a16:creationId xmlns:a16="http://schemas.microsoft.com/office/drawing/2014/main" id="{FAB4DBA7-0A90-1543-80D1-13A28364E86F}"/>
+              </a:ext>
+            </a:extLst>
+          </p:cNvPr>
+          <p:cNvSpPr/>
+          <p:nvPr/>
+        </p:nvSpPr>
+        <p:spPr>
+          <a:xfrm>
+            <a:off x="3926904" y="3809998"/>
+            <a:ext cx="920079" cy="533873"/>
+          </a:xfrm>
+          <a:prstGeom prst="rect">
+            <a:avLst/>
+          </a:prstGeom>
+          <a:solidFill>
+            <a:schemeClr val="accent3"/>
+          </a:solidFill>
+          <a:ln w="28575">
+            <a:solidFill>
+              <a:schemeClr val="tx1"/>
+            </a:solidFill>
+          </a:ln>
+        </p:spPr>
+        <p:style>
+          <a:lnRef idx="0">
+            <a:scrgbClr r="0" g="0" b="0"/>
+          </a:lnRef>
+          <a:fillRef idx="0">
+            <a:scrgbClr r="0" g="0" b="0"/>
+          </a:fillRef>
+          <a:effectRef idx="0">
+            <a:scrgbClr r="0" g="0" b="0"/>
+          </a:effectRef>
+          <a:fontRef idx="minor">
+            <a:schemeClr val="lt1"/>
+          </a:fontRef>
+        </p:style>
+        <p:txBody>
+          <a:bodyPr rtlCol="0" anchor="ctr"/>
+          <a:lstStyle/>
+          <a:p>
+            <a:pPr algn="ctr"/>
+            <a:r>
+              <a:rPr lang="en-US" sz="1200" b="1" dirty="0">
+                <a:solidFill>
+                  <a:schemeClr val="bg2"/>
+                </a:solidFill>
+                <a:latin typeface="Lato Bold" charset="0"/>
+              </a:rPr>
+              <a:t>Monitoring</a:t>
+            </a:r>
+            <a:endParaRPr lang="en-US" sz="1200" dirty="0"/>
+          </a:p>
+        </p:txBody>
+      </p:sp>
+      <p:sp>
+        <p:nvSpPr>
+          <p:cNvPr id="6" name="Rechteck 5">
+            <a:extLst>
+              <a:ext uri="{FF2B5EF4-FFF2-40B4-BE49-F238E27FC236}">
+                <a16:creationId xmlns:a16="http://schemas.microsoft.com/office/drawing/2014/main" id="{A3936D1A-7BA8-9445-BFAA-C91AEA20D0DC}"/>
+              </a:ext>
+            </a:extLst>
+          </p:cNvPr>
+          <p:cNvSpPr/>
+          <p:nvPr/>
+        </p:nvSpPr>
+        <p:spPr>
+          <a:xfrm>
+            <a:off x="6669158" y="3809998"/>
+            <a:ext cx="920079" cy="533873"/>
+          </a:xfrm>
+          <a:prstGeom prst="rect">
+            <a:avLst/>
+          </a:prstGeom>
+          <a:solidFill>
+            <a:schemeClr val="accent3"/>
+          </a:solidFill>
+          <a:ln w="28575">
+            <a:solidFill>
+              <a:schemeClr val="tx1"/>
+            </a:solidFill>
+          </a:ln>
+        </p:spPr>
+        <p:style>
+          <a:lnRef idx="0">
+            <a:scrgbClr r="0" g="0" b="0"/>
+          </a:lnRef>
+          <a:fillRef idx="0">
+            <a:scrgbClr r="0" g="0" b="0"/>
+          </a:fillRef>
+          <a:effectRef idx="0">
+            <a:scrgbClr r="0" g="0" b="0"/>
+          </a:effectRef>
+          <a:fontRef idx="minor">
+            <a:schemeClr val="lt1"/>
+          </a:fontRef>
+        </p:style>
+        <p:txBody>
+          <a:bodyPr rtlCol="0" anchor="ctr"/>
+          <a:lstStyle/>
+          <a:p>
+            <a:pPr algn="ctr"/>
+            <a:r>
+              <a:rPr lang="en-US" sz="1200" b="1" dirty="0">
+                <a:solidFill>
+                  <a:schemeClr val="bg2"/>
+                </a:solidFill>
+                <a:latin typeface="Lato Bold" charset="0"/>
+              </a:rPr>
+              <a:t>Monitoring</a:t>
+            </a:r>
+            <a:endParaRPr lang="en-US" sz="1200" dirty="0"/>
+          </a:p>
+        </p:txBody>
+      </p:sp>
+      <p:sp>
+        <p:nvSpPr>
+          <p:cNvPr id="8" name="Rechteck 7">
+            <a:extLst>
+              <a:ext uri="{FF2B5EF4-FFF2-40B4-BE49-F238E27FC236}">
+                <a16:creationId xmlns:a16="http://schemas.microsoft.com/office/drawing/2014/main" id="{EEBEBDF2-AA89-244F-9251-6369386DA7BB}"/>
+              </a:ext>
+            </a:extLst>
+          </p:cNvPr>
+          <p:cNvSpPr/>
+          <p:nvPr/>
+        </p:nvSpPr>
+        <p:spPr>
+          <a:xfrm>
+            <a:off x="5298031" y="2076803"/>
+            <a:ext cx="920079" cy="533873"/>
+          </a:xfrm>
+          <a:prstGeom prst="rect">
+            <a:avLst/>
+          </a:prstGeom>
+          <a:solidFill>
+            <a:schemeClr val="accent4"/>
+          </a:solidFill>
+          <a:ln w="28575">
+            <a:solidFill>
+              <a:schemeClr val="tx1"/>
+            </a:solidFill>
+          </a:ln>
+        </p:spPr>
+        <p:style>
+          <a:lnRef idx="0">
+            <a:scrgbClr r="0" g="0" b="0"/>
+          </a:lnRef>
+          <a:fillRef idx="0">
+            <a:scrgbClr r="0" g="0" b="0"/>
+          </a:fillRef>
+          <a:effectRef idx="0">
+            <a:scrgbClr r="0" g="0" b="0"/>
+          </a:effectRef>
+          <a:fontRef idx="minor">
+            <a:schemeClr val="lt1"/>
+          </a:fontRef>
+        </p:style>
+        <p:txBody>
+          <a:bodyPr rtlCol="0" anchor="ctr"/>
+          <a:lstStyle/>
+          <a:p>
+            <a:pPr algn="ctr"/>
+            <a:r>
+              <a:rPr lang="en-US" sz="1200" b="1" dirty="0">
+                <a:solidFill>
+                  <a:schemeClr val="bg2"/>
+                </a:solidFill>
+                <a:latin typeface="Lato Bold" charset="0"/>
+              </a:rPr>
+              <a:t>Dashboard</a:t>
+            </a:r>
+            <a:endParaRPr lang="en-US" sz="1200" dirty="0"/>
+          </a:p>
+        </p:txBody>
+      </p:sp>
+      <p:cxnSp>
+        <p:nvCxnSpPr>
+          <p:cNvPr id="15" name="Gerade Verbindung mit Pfeil 14">
+            <a:extLst>
+              <a:ext uri="{FF2B5EF4-FFF2-40B4-BE49-F238E27FC236}">
+                <a16:creationId xmlns:a16="http://schemas.microsoft.com/office/drawing/2014/main" id="{71C28ADC-0C54-7141-BE14-B45C966BE4CE}"/>
+              </a:ext>
+            </a:extLst>
+          </p:cNvPr>
+          <p:cNvCxnSpPr>
+            <a:cxnSpLocks/>
+          </p:cNvCxnSpPr>
+          <p:nvPr/>
+        </p:nvCxnSpPr>
+        <p:spPr>
+          <a:xfrm flipH="1" flipV="1">
+            <a:off x="4765174" y="4392375"/>
+            <a:ext cx="992896" cy="1094025"/>
+          </a:xfrm>
+          <a:prstGeom prst="straightConnector1">
+            <a:avLst/>
+          </a:prstGeom>
+          <a:ln w="19050">
+            <a:solidFill>
+              <a:schemeClr val="tx2"/>
+            </a:solidFill>
+            <a:tailEnd type="triangle"/>
+          </a:ln>
+        </p:spPr>
+        <p:style>
+          <a:lnRef idx="1">
+            <a:schemeClr val="accent1"/>
+          </a:lnRef>
+          <a:fillRef idx="0">
+            <a:schemeClr val="accent1"/>
+          </a:fillRef>
+          <a:effectRef idx="0">
+            <a:schemeClr val="accent1"/>
+          </a:effectRef>
+          <a:fontRef idx="minor">
+            <a:schemeClr val="tx1"/>
+          </a:fontRef>
+        </p:style>
+      </p:cxnSp>
+      <p:cxnSp>
+        <p:nvCxnSpPr>
+          <p:cNvPr id="24" name="Gerade Verbindung mit Pfeil 23">
+            <a:extLst>
+              <a:ext uri="{FF2B5EF4-FFF2-40B4-BE49-F238E27FC236}">
+                <a16:creationId xmlns:a16="http://schemas.microsoft.com/office/drawing/2014/main" id="{27EFDEFD-7DA3-5E43-AA2B-4ECD4C4A34BD}"/>
+              </a:ext>
+            </a:extLst>
+          </p:cNvPr>
+          <p:cNvCxnSpPr>
+            <a:cxnSpLocks/>
+          </p:cNvCxnSpPr>
+          <p:nvPr/>
+        </p:nvCxnSpPr>
+        <p:spPr>
+          <a:xfrm flipV="1">
+            <a:off x="3106210" y="4400664"/>
+            <a:ext cx="899120" cy="1085736"/>
+          </a:xfrm>
+          <a:prstGeom prst="straightConnector1">
+            <a:avLst/>
+          </a:prstGeom>
+          <a:ln w="19050">
+            <a:solidFill>
+              <a:schemeClr val="tx2"/>
+            </a:solidFill>
+            <a:tailEnd type="triangle"/>
+          </a:ln>
+        </p:spPr>
+        <p:style>
+          <a:lnRef idx="1">
+            <a:schemeClr val="accent1"/>
+          </a:lnRef>
+          <a:fillRef idx="0">
+            <a:schemeClr val="accent1"/>
+          </a:fillRef>
+          <a:effectRef idx="0">
+            <a:schemeClr val="accent1"/>
+          </a:effectRef>
+          <a:fontRef idx="minor">
+            <a:schemeClr val="tx1"/>
+          </a:fontRef>
+        </p:style>
+      </p:cxnSp>
+      <p:cxnSp>
+        <p:nvCxnSpPr>
+          <p:cNvPr id="25" name="Gerade Verbindung mit Pfeil 24">
+            <a:extLst>
+              <a:ext uri="{FF2B5EF4-FFF2-40B4-BE49-F238E27FC236}">
+                <a16:creationId xmlns:a16="http://schemas.microsoft.com/office/drawing/2014/main" id="{D18E8DB8-CCC6-6D4D-951D-82FA050035D6}"/>
+              </a:ext>
+            </a:extLst>
+          </p:cNvPr>
+          <p:cNvCxnSpPr>
+            <a:cxnSpLocks/>
+          </p:cNvCxnSpPr>
+          <p:nvPr/>
+        </p:nvCxnSpPr>
+        <p:spPr>
+          <a:xfrm flipH="1" flipV="1">
+            <a:off x="7501944" y="4384576"/>
+            <a:ext cx="886497" cy="1101824"/>
+          </a:xfrm>
+          <a:prstGeom prst="straightConnector1">
+            <a:avLst/>
+          </a:prstGeom>
+          <a:ln w="19050">
+            <a:solidFill>
+              <a:schemeClr val="tx2"/>
+            </a:solidFill>
+            <a:tailEnd type="triangle"/>
+          </a:ln>
+        </p:spPr>
+        <p:style>
+          <a:lnRef idx="1">
+            <a:schemeClr val="accent1"/>
+          </a:lnRef>
+          <a:fillRef idx="0">
+            <a:schemeClr val="accent1"/>
+          </a:fillRef>
+          <a:effectRef idx="0">
+            <a:schemeClr val="accent1"/>
+          </a:effectRef>
+          <a:fontRef idx="minor">
+            <a:schemeClr val="tx1"/>
+          </a:fontRef>
+        </p:style>
+      </p:cxnSp>
+      <p:cxnSp>
+        <p:nvCxnSpPr>
+          <p:cNvPr id="29" name="Gerade Verbindung mit Pfeil 28">
+            <a:extLst>
+              <a:ext uri="{FF2B5EF4-FFF2-40B4-BE49-F238E27FC236}">
+                <a16:creationId xmlns:a16="http://schemas.microsoft.com/office/drawing/2014/main" id="{EBF0A071-0B46-304A-8525-FD22D6586E7B}"/>
+              </a:ext>
+            </a:extLst>
+          </p:cNvPr>
+          <p:cNvCxnSpPr>
+            <a:cxnSpLocks/>
+          </p:cNvCxnSpPr>
+          <p:nvPr/>
+        </p:nvCxnSpPr>
+        <p:spPr>
+          <a:xfrm>
+            <a:off x="4931192" y="4088065"/>
+            <a:ext cx="1675670" cy="0"/>
+          </a:xfrm>
+          <a:prstGeom prst="straightConnector1">
+            <a:avLst/>
+          </a:prstGeom>
+          <a:ln w="19050">
+            <a:solidFill>
+              <a:schemeClr val="tx2"/>
+            </a:solidFill>
+            <a:headEnd type="triangle" w="med" len="med"/>
+            <a:tailEnd type="triangle" w="med" len="med"/>
+          </a:ln>
+        </p:spPr>
+        <p:style>
+          <a:lnRef idx="1">
+            <a:schemeClr val="accent1"/>
+          </a:lnRef>
+          <a:fillRef idx="0">
+            <a:schemeClr val="accent1"/>
+          </a:fillRef>
+          <a:effectRef idx="0">
+            <a:schemeClr val="accent1"/>
+          </a:effectRef>
+          <a:fontRef idx="minor">
+            <a:schemeClr val="tx1"/>
+          </a:fontRef>
+        </p:style>
+      </p:cxnSp>
+      <p:cxnSp>
+        <p:nvCxnSpPr>
+          <p:cNvPr id="32" name="Gerade Verbindung mit Pfeil 31">
+            <a:extLst>
+              <a:ext uri="{FF2B5EF4-FFF2-40B4-BE49-F238E27FC236}">
+                <a16:creationId xmlns:a16="http://schemas.microsoft.com/office/drawing/2014/main" id="{E9388547-B88C-714F-BE4C-A6C32A82B2AB}"/>
+              </a:ext>
+            </a:extLst>
+          </p:cNvPr>
+          <p:cNvCxnSpPr>
+            <a:cxnSpLocks/>
+          </p:cNvCxnSpPr>
+          <p:nvPr/>
+        </p:nvCxnSpPr>
+        <p:spPr>
+          <a:xfrm flipH="1" flipV="1">
+            <a:off x="6168980" y="2659179"/>
+            <a:ext cx="886497" cy="1102316"/>
+          </a:xfrm>
+          <a:prstGeom prst="straightConnector1">
+            <a:avLst/>
+          </a:prstGeom>
+          <a:ln w="19050">
+            <a:solidFill>
+              <a:schemeClr val="tx2"/>
+            </a:solidFill>
+            <a:tailEnd type="triangle"/>
+          </a:ln>
+        </p:spPr>
+        <p:style>
+          <a:lnRef idx="1">
+            <a:schemeClr val="accent1"/>
+          </a:lnRef>
+          <a:fillRef idx="0">
+            <a:schemeClr val="accent1"/>
+          </a:fillRef>
+          <a:effectRef idx="0">
+            <a:schemeClr val="accent1"/>
+          </a:effectRef>
+          <a:fontRef idx="minor">
+            <a:schemeClr val="tx1"/>
+          </a:fontRef>
+        </p:style>
+      </p:cxnSp>
+      <p:cxnSp>
+        <p:nvCxnSpPr>
+          <p:cNvPr id="33" name="Gerade Verbindung mit Pfeil 32">
+            <a:extLst>
+              <a:ext uri="{FF2B5EF4-FFF2-40B4-BE49-F238E27FC236}">
+                <a16:creationId xmlns:a16="http://schemas.microsoft.com/office/drawing/2014/main" id="{BC46B446-1C5B-C34E-9D28-36B665C39889}"/>
+              </a:ext>
+            </a:extLst>
+          </p:cNvPr>
+          <p:cNvCxnSpPr>
+            <a:cxnSpLocks/>
+          </p:cNvCxnSpPr>
+          <p:nvPr/>
+        </p:nvCxnSpPr>
+        <p:spPr>
+          <a:xfrm flipV="1">
+            <a:off x="4482103" y="2659180"/>
+            <a:ext cx="881948" cy="1102315"/>
+          </a:xfrm>
+          <a:prstGeom prst="straightConnector1">
+            <a:avLst/>
+          </a:prstGeom>
+          <a:ln w="19050">
+            <a:solidFill>
+              <a:schemeClr val="tx2"/>
+            </a:solidFill>
+            <a:tailEnd type="triangle"/>
+          </a:ln>
+        </p:spPr>
+        <p:style>
+          <a:lnRef idx="1">
+            <a:schemeClr val="accent1"/>
+          </a:lnRef>
+          <a:fillRef idx="0">
+            <a:schemeClr val="accent1"/>
+          </a:fillRef>
+          <a:effectRef idx="0">
+            <a:schemeClr val="accent1"/>
+          </a:effectRef>
+          <a:fontRef idx="minor">
+            <a:schemeClr val="tx1"/>
+          </a:fontRef>
+        </p:style>
+      </p:cxnSp>
+      <p:sp>
+        <p:nvSpPr>
+          <p:cNvPr id="34" name="Abgerundete rechteckige Legende 33">
+            <a:extLst>
+              <a:ext uri="{FF2B5EF4-FFF2-40B4-BE49-F238E27FC236}">
+                <a16:creationId xmlns:a16="http://schemas.microsoft.com/office/drawing/2014/main" id="{821FEDCC-669E-A043-AADF-A559F9CADD83}"/>
+              </a:ext>
+            </a:extLst>
+          </p:cNvPr>
+          <p:cNvSpPr/>
+          <p:nvPr/>
+        </p:nvSpPr>
+        <p:spPr>
+          <a:xfrm>
+            <a:off x="940158" y="4954904"/>
+            <a:ext cx="1615619" cy="476519"/>
+          </a:xfrm>
+          <a:prstGeom prst="wedgeRoundRectCallout">
+            <a:avLst>
+              <a:gd name="adj1" fmla="val 44603"/>
+              <a:gd name="adj2" fmla="val 76199"/>
+              <a:gd name="adj3" fmla="val 16667"/>
+            </a:avLst>
+          </a:prstGeom>
+          <a:solidFill>
+            <a:schemeClr val="bg1"/>
+          </a:solidFill>
+          <a:ln>
+            <a:solidFill>
+              <a:schemeClr val="tx1"/>
+            </a:solidFill>
+          </a:ln>
+        </p:spPr>
+        <p:style>
+          <a:lnRef idx="2">
+            <a:schemeClr val="accent1">
+              <a:shade val="50000"/>
+            </a:schemeClr>
+          </a:lnRef>
+          <a:fillRef idx="1">
+            <a:schemeClr val="accent1"/>
+          </a:fillRef>
+          <a:effectRef idx="0">
+            <a:schemeClr val="accent1"/>
+          </a:effectRef>
+          <a:fontRef idx="minor">
+            <a:schemeClr val="lt1"/>
+          </a:fontRef>
+        </p:style>
+        <p:txBody>
+          <a:bodyPr rtlCol="0" anchor="ctr"/>
+          <a:lstStyle/>
+          <a:p>
+            <a:pPr algn="ctr"/>
+            <a:r>
+              <a:rPr lang="en-US" sz="1200" dirty="0">
+                <a:solidFill>
+                  <a:schemeClr val="tx1"/>
+                </a:solidFill>
+                <a:latin typeface="Lato Light" charset="0"/>
+              </a:rPr>
+              <a:t>/config/frequency</a:t>
+            </a:r>
+          </a:p>
+        </p:txBody>
+      </p:sp>
+      <p:sp>
+        <p:nvSpPr>
+          <p:cNvPr id="35" name="Abgerundete rechteckige Legende 34">
+            <a:extLst>
+              <a:ext uri="{FF2B5EF4-FFF2-40B4-BE49-F238E27FC236}">
+                <a16:creationId xmlns:a16="http://schemas.microsoft.com/office/drawing/2014/main" id="{2B51614F-6B66-9C4E-BD3B-BEA644A7265D}"/>
+              </a:ext>
+            </a:extLst>
+          </p:cNvPr>
+          <p:cNvSpPr/>
+          <p:nvPr/>
+        </p:nvSpPr>
+        <p:spPr>
+          <a:xfrm>
+            <a:off x="2002665" y="2929945"/>
+            <a:ext cx="1924239" cy="667556"/>
+          </a:xfrm>
+          <a:prstGeom prst="wedgeRoundRectCallout">
+            <a:avLst>
+              <a:gd name="adj1" fmla="val 46197"/>
+              <a:gd name="adj2" fmla="val 84307"/>
+              <a:gd name="adj3" fmla="val 16667"/>
+            </a:avLst>
+          </a:prstGeom>
+          <a:solidFill>
+            <a:schemeClr val="bg1"/>
+          </a:solidFill>
+          <a:ln>
+            <a:solidFill>
+              <a:schemeClr val="tx1"/>
+            </a:solidFill>
+          </a:ln>
+        </p:spPr>
+        <p:style>
+          <a:lnRef idx="2">
+            <a:schemeClr val="accent1">
+              <a:shade val="50000"/>
+            </a:schemeClr>
+          </a:lnRef>
+          <a:fillRef idx="1">
+            <a:schemeClr val="accent1"/>
+          </a:fillRef>
+          <a:effectRef idx="0">
+            <a:schemeClr val="accent1"/>
+          </a:effectRef>
+          <a:fontRef idx="minor">
+            <a:schemeClr val="lt1"/>
+          </a:fontRef>
+        </p:style>
+        <p:txBody>
+          <a:bodyPr rtlCol="0" anchor="ctr"/>
+          <a:lstStyle/>
+          <a:p>
+            <a:pPr algn="ctr"/>
+            <a:r>
+              <a:rPr lang="en-US" sz="1200" dirty="0">
+                <a:solidFill>
+                  <a:schemeClr val="tx1"/>
+                </a:solidFill>
+                <a:latin typeface="Lato Light" charset="0"/>
+              </a:rPr>
+              <a:t>/config/</a:t>
+            </a:r>
+            <a:r>
+              <a:rPr lang="en-US" sz="1200" dirty="0" err="1">
+                <a:solidFill>
+                  <a:schemeClr val="tx1"/>
+                </a:solidFill>
+                <a:latin typeface="Lato Light" charset="0"/>
+              </a:rPr>
+              <a:t>imageBucketSize</a:t>
+            </a:r>
+            <a:endParaRPr lang="en-US" sz="1200" dirty="0">
+              <a:solidFill>
+                <a:schemeClr val="tx1"/>
+              </a:solidFill>
+              <a:latin typeface="Lato Light" charset="0"/>
+            </a:endParaRPr>
+          </a:p>
+          <a:p>
+            <a:pPr algn="ctr"/>
+            <a:r>
+              <a:rPr lang="en-US" sz="1200" dirty="0">
+                <a:solidFill>
+                  <a:schemeClr val="tx1"/>
+                </a:solidFill>
+                <a:latin typeface="Lato Light" charset="0"/>
+              </a:rPr>
+              <a:t>/config/</a:t>
+            </a:r>
+            <a:r>
+              <a:rPr lang="en-US" sz="1200" dirty="0" err="1">
+                <a:solidFill>
+                  <a:schemeClr val="tx1"/>
+                </a:solidFill>
+                <a:latin typeface="Lato Light" charset="0"/>
+              </a:rPr>
+              <a:t>pressureThreshold</a:t>
+            </a:r>
+            <a:endParaRPr lang="en-US" sz="1200" dirty="0">
+              <a:solidFill>
+                <a:schemeClr val="tx1"/>
+              </a:solidFill>
+              <a:latin typeface="Lato Light" charset="0"/>
+            </a:endParaRPr>
+          </a:p>
+          <a:p>
+            <a:pPr algn="ctr"/>
+            <a:r>
+              <a:rPr lang="en-US" sz="1200" dirty="0">
+                <a:solidFill>
+                  <a:schemeClr val="tx1"/>
+                </a:solidFill>
+                <a:latin typeface="Lato Light" charset="0"/>
+              </a:rPr>
+              <a:t>/config/</a:t>
+            </a:r>
+            <a:r>
+              <a:rPr lang="en-US" sz="1200" dirty="0" err="1">
+                <a:solidFill>
+                  <a:schemeClr val="tx1"/>
+                </a:solidFill>
+                <a:latin typeface="Lato Light" charset="0"/>
+              </a:rPr>
+              <a:t>maxPressure</a:t>
+            </a:r>
+            <a:endParaRPr lang="en-US" sz="1200" dirty="0">
+              <a:solidFill>
+                <a:schemeClr val="tx1"/>
+              </a:solidFill>
+              <a:latin typeface="Lato Light" charset="0"/>
+            </a:endParaRPr>
+          </a:p>
+        </p:txBody>
+      </p:sp>
+      <p:sp>
+        <p:nvSpPr>
+          <p:cNvPr id="36" name="Rechteck 35">
+            <a:extLst>
+              <a:ext uri="{FF2B5EF4-FFF2-40B4-BE49-F238E27FC236}">
+                <a16:creationId xmlns:a16="http://schemas.microsoft.com/office/drawing/2014/main" id="{D48DF390-78A8-0D41-AF0A-0A979C035697}"/>
+              </a:ext>
+            </a:extLst>
+          </p:cNvPr>
+          <p:cNvSpPr/>
+          <p:nvPr/>
+        </p:nvSpPr>
+        <p:spPr>
+          <a:xfrm>
+            <a:off x="5758070" y="5583897"/>
+            <a:ext cx="920079" cy="533873"/>
+          </a:xfrm>
+          <a:prstGeom prst="rect">
+            <a:avLst/>
+          </a:prstGeom>
+          <a:solidFill>
+            <a:schemeClr val="accent2"/>
+          </a:solidFill>
+          <a:ln w="28575">
+            <a:solidFill>
+              <a:schemeClr val="tx1"/>
+            </a:solidFill>
+          </a:ln>
+        </p:spPr>
+        <p:style>
+          <a:lnRef idx="0">
+            <a:scrgbClr r="0" g="0" b="0"/>
+          </a:lnRef>
+          <a:fillRef idx="0">
+            <a:scrgbClr r="0" g="0" b="0"/>
+          </a:fillRef>
+          <a:effectRef idx="0">
+            <a:scrgbClr r="0" g="0" b="0"/>
+          </a:effectRef>
+          <a:fontRef idx="minor">
+            <a:schemeClr val="lt1"/>
+          </a:fontRef>
+        </p:style>
+        <p:txBody>
+          <a:bodyPr rtlCol="0" anchor="ctr"/>
+          <a:lstStyle/>
+          <a:p>
+            <a:pPr algn="ctr"/>
+            <a:r>
+              <a:rPr lang="en-US" sz="1200" b="1" dirty="0">
+                <a:solidFill>
+                  <a:schemeClr val="bg2"/>
+                </a:solidFill>
+                <a:latin typeface="Lato Bold" charset="0"/>
+              </a:rPr>
+              <a:t>Pressure-Sensor</a:t>
+            </a:r>
+          </a:p>
+        </p:txBody>
+      </p:sp>
+      <p:cxnSp>
+        <p:nvCxnSpPr>
+          <p:cNvPr id="41" name="Gerade Verbindung mit Pfeil 40">
+            <a:extLst>
+              <a:ext uri="{FF2B5EF4-FFF2-40B4-BE49-F238E27FC236}">
+                <a16:creationId xmlns:a16="http://schemas.microsoft.com/office/drawing/2014/main" id="{0AE9D5BD-2935-EF40-B5FF-413671474F82}"/>
+              </a:ext>
+            </a:extLst>
+          </p:cNvPr>
+          <p:cNvCxnSpPr>
+            <a:cxnSpLocks/>
+          </p:cNvCxnSpPr>
+          <p:nvPr/>
+        </p:nvCxnSpPr>
+        <p:spPr>
+          <a:xfrm flipV="1">
+            <a:off x="5758070" y="4392375"/>
+            <a:ext cx="977581" cy="1094025"/>
+          </a:xfrm>
+          <a:prstGeom prst="straightConnector1">
+            <a:avLst/>
+          </a:prstGeom>
+          <a:ln w="19050">
+            <a:solidFill>
+              <a:schemeClr val="tx2"/>
+            </a:solidFill>
+            <a:tailEnd type="triangle"/>
+          </a:ln>
+        </p:spPr>
+        <p:style>
+          <a:lnRef idx="1">
+            <a:schemeClr val="accent1"/>
+          </a:lnRef>
+          <a:fillRef idx="0">
+            <a:schemeClr val="accent1"/>
+          </a:fillRef>
+          <a:effectRef idx="0">
+            <a:schemeClr val="accent1"/>
+          </a:effectRef>
+          <a:fontRef idx="minor">
+            <a:schemeClr val="tx1"/>
+          </a:fontRef>
+        </p:style>
+      </p:cxnSp>
+      <p:sp>
+        <p:nvSpPr>
+          <p:cNvPr id="55" name="Abgerundete rechteckige Legende 54">
+            <a:extLst>
+              <a:ext uri="{FF2B5EF4-FFF2-40B4-BE49-F238E27FC236}">
+                <a16:creationId xmlns:a16="http://schemas.microsoft.com/office/drawing/2014/main" id="{1B42448C-68DF-4F4D-AB0E-607DBD7FAEF5}"/>
+              </a:ext>
+            </a:extLst>
+          </p:cNvPr>
+          <p:cNvSpPr/>
+          <p:nvPr/>
+        </p:nvSpPr>
+        <p:spPr>
+          <a:xfrm>
+            <a:off x="9064581" y="5042079"/>
+            <a:ext cx="1615619" cy="389344"/>
+          </a:xfrm>
+          <a:prstGeom prst="wedgeRoundRectCallout">
+            <a:avLst>
+              <a:gd name="adj1" fmla="val -52250"/>
+              <a:gd name="adj2" fmla="val 82815"/>
+              <a:gd name="adj3" fmla="val 16667"/>
+            </a:avLst>
+          </a:prstGeom>
+          <a:solidFill>
+            <a:schemeClr val="bg1"/>
+          </a:solidFill>
+          <a:ln>
+            <a:solidFill>
+              <a:schemeClr val="tx1"/>
+            </a:solidFill>
+          </a:ln>
+        </p:spPr>
+        <p:style>
+          <a:lnRef idx="2">
+            <a:schemeClr val="accent1">
+              <a:shade val="50000"/>
+            </a:schemeClr>
+          </a:lnRef>
+          <a:fillRef idx="1">
+            <a:schemeClr val="accent1"/>
+          </a:fillRef>
+          <a:effectRef idx="0">
+            <a:schemeClr val="accent1"/>
+          </a:effectRef>
+          <a:fontRef idx="minor">
+            <a:schemeClr val="lt1"/>
+          </a:fontRef>
+        </p:style>
+        <p:txBody>
+          <a:bodyPr rtlCol="0" anchor="ctr"/>
+          <a:lstStyle/>
+          <a:p>
+            <a:pPr algn="ctr"/>
+            <a:r>
+              <a:rPr lang="en-US" sz="1200" dirty="0">
+                <a:solidFill>
+                  <a:schemeClr val="tx1"/>
+                </a:solidFill>
+                <a:latin typeface="Lato Light" charset="0"/>
+              </a:rPr>
+              <a:t>/config/size</a:t>
+            </a:r>
+          </a:p>
+        </p:txBody>
+      </p:sp>
+      <p:sp>
+        <p:nvSpPr>
+          <p:cNvPr id="56" name="Subtitle 2">
+            <a:extLst>
+              <a:ext uri="{FF2B5EF4-FFF2-40B4-BE49-F238E27FC236}">
+                <a16:creationId xmlns:a16="http://schemas.microsoft.com/office/drawing/2014/main" id="{996C6E24-FC5F-1F4C-938D-42DA0BB0D97B}"/>
+              </a:ext>
+            </a:extLst>
+          </p:cNvPr>
+          <p:cNvSpPr txBox="1">
+            <a:spLocks/>
+          </p:cNvSpPr>
+          <p:nvPr/>
+        </p:nvSpPr>
+        <p:spPr>
+          <a:xfrm>
+            <a:off x="7129197" y="528261"/>
+            <a:ext cx="4526183" cy="3092291"/>
+          </a:xfrm>
+          <a:prstGeom prst="rect">
+            <a:avLst/>
+          </a:prstGeom>
+        </p:spPr>
+        <p:txBody>
+          <a:bodyPr vert="horz" wrap="square" lIns="108745" tIns="54373" rIns="108745" bIns="54373" rtlCol="0">
+            <a:spAutoFit/>
+          </a:bodyPr>
+          <a:lstStyle>
+            <a:lvl1pPr marL="0" indent="0" algn="ctr" defTabSz="1087636" rtl="0" eaLnBrk="1" latinLnBrk="0" hangingPunct="1">
+              <a:lnSpc>
+                <a:spcPct val="120000"/>
+              </a:lnSpc>
+              <a:spcBef>
+                <a:spcPct val="20000"/>
+              </a:spcBef>
+              <a:buFont typeface="Arial"/>
+              <a:buNone/>
+              <a:defRPr sz="2400" kern="1200">
+                <a:solidFill>
+                  <a:schemeClr val="tx2"/>
+                </a:solidFill>
+                <a:latin typeface="Open Sans Light"/>
+                <a:ea typeface="+mn-ea"/>
+                <a:cs typeface="Open Sans Light"/>
+              </a:defRPr>
+            </a:lvl1pPr>
+            <a:lvl2pPr marL="1087636" indent="0" algn="ctr" defTabSz="1087636" rtl="0" eaLnBrk="1" latinLnBrk="0" hangingPunct="1">
+              <a:lnSpc>
+                <a:spcPct val="130000"/>
+              </a:lnSpc>
+              <a:spcBef>
+                <a:spcPct val="20000"/>
+              </a:spcBef>
+              <a:buFont typeface="Arial"/>
+              <a:buNone/>
+              <a:defRPr sz="3200" kern="1200">
+                <a:solidFill>
+                  <a:schemeClr val="tx1">
+                    <a:tint val="75000"/>
+                  </a:schemeClr>
+                </a:solidFill>
+                <a:latin typeface="Open Sans"/>
+                <a:ea typeface="+mn-ea"/>
+                <a:cs typeface="Open Sans"/>
+              </a:defRPr>
+            </a:lvl2pPr>
+            <a:lvl3pPr marL="2175271" indent="0" algn="ctr" defTabSz="1087636" rtl="0" eaLnBrk="1" latinLnBrk="0" hangingPunct="1">
+              <a:lnSpc>
+                <a:spcPct val="130000"/>
+              </a:lnSpc>
+              <a:spcBef>
+                <a:spcPct val="20000"/>
+              </a:spcBef>
+              <a:buFont typeface="Arial"/>
+              <a:buNone/>
+              <a:defRPr sz="3200" kern="1200">
+                <a:solidFill>
+                  <a:schemeClr val="tx1">
+                    <a:tint val="75000"/>
+                  </a:schemeClr>
+                </a:solidFill>
+                <a:latin typeface="Open Sans"/>
+                <a:ea typeface="+mn-ea"/>
+                <a:cs typeface="Open Sans"/>
+              </a:defRPr>
+            </a:lvl3pPr>
+            <a:lvl4pPr marL="3262912" indent="0" algn="ctr" defTabSz="1087636" rtl="0" eaLnBrk="1" latinLnBrk="0" hangingPunct="1">
+              <a:lnSpc>
+                <a:spcPct val="130000"/>
+              </a:lnSpc>
+              <a:spcBef>
+                <a:spcPct val="20000"/>
+              </a:spcBef>
+              <a:buFont typeface="Arial"/>
+              <a:buNone/>
+              <a:defRPr sz="3200" kern="1200">
+                <a:solidFill>
+                  <a:schemeClr val="tx1">
+                    <a:tint val="75000"/>
+                  </a:schemeClr>
+                </a:solidFill>
+                <a:latin typeface="Open Sans"/>
+                <a:ea typeface="+mn-ea"/>
+                <a:cs typeface="Open Sans"/>
+              </a:defRPr>
+            </a:lvl4pPr>
+            <a:lvl5pPr marL="4350546" indent="0" algn="ctr" defTabSz="1087636" rtl="0" eaLnBrk="1" latinLnBrk="0" hangingPunct="1">
+              <a:lnSpc>
+                <a:spcPct val="130000"/>
+              </a:lnSpc>
+              <a:spcBef>
+                <a:spcPct val="20000"/>
+              </a:spcBef>
+              <a:buFont typeface="Arial"/>
+              <a:buNone/>
+              <a:defRPr sz="3200" kern="1200">
+                <a:solidFill>
+                  <a:schemeClr val="tx1">
+                    <a:tint val="75000"/>
+                  </a:schemeClr>
+                </a:solidFill>
+                <a:latin typeface="Open Sans"/>
+                <a:ea typeface="+mn-ea"/>
+                <a:cs typeface="Open Sans"/>
+              </a:defRPr>
+            </a:lvl5pPr>
+            <a:lvl6pPr marL="5438184" indent="0" algn="ctr" defTabSz="1087636" rtl="0" eaLnBrk="1" latinLnBrk="0" hangingPunct="1">
+              <a:spcBef>
+                <a:spcPct val="20000"/>
+              </a:spcBef>
+              <a:buFont typeface="Arial"/>
+              <a:buNone/>
+              <a:defRPr sz="4800" kern="1200">
+                <a:solidFill>
+                  <a:schemeClr val="tx1">
+                    <a:tint val="75000"/>
+                  </a:schemeClr>
+                </a:solidFill>
+                <a:latin typeface="+mn-lt"/>
+                <a:ea typeface="+mn-ea"/>
+                <a:cs typeface="+mn-cs"/>
+              </a:defRPr>
+            </a:lvl6pPr>
+            <a:lvl7pPr marL="6525820" indent="0" algn="ctr" defTabSz="1087636" rtl="0" eaLnBrk="1" latinLnBrk="0" hangingPunct="1">
+              <a:spcBef>
+                <a:spcPct val="20000"/>
+              </a:spcBef>
+              <a:buFont typeface="Arial"/>
+              <a:buNone/>
+              <a:defRPr sz="4800" kern="1200">
+                <a:solidFill>
+                  <a:schemeClr val="tx1">
+                    <a:tint val="75000"/>
+                  </a:schemeClr>
+                </a:solidFill>
+                <a:latin typeface="+mn-lt"/>
+                <a:ea typeface="+mn-ea"/>
+                <a:cs typeface="+mn-cs"/>
+              </a:defRPr>
+            </a:lvl7pPr>
+            <a:lvl8pPr marL="7613455" indent="0" algn="ctr" defTabSz="1087636" rtl="0" eaLnBrk="1" latinLnBrk="0" hangingPunct="1">
+              <a:spcBef>
+                <a:spcPct val="20000"/>
+              </a:spcBef>
+              <a:buFont typeface="Arial"/>
+              <a:buNone/>
+              <a:defRPr sz="4800" kern="1200">
+                <a:solidFill>
+                  <a:schemeClr val="tx1">
+                    <a:tint val="75000"/>
+                  </a:schemeClr>
+                </a:solidFill>
+                <a:latin typeface="+mn-lt"/>
+                <a:ea typeface="+mn-ea"/>
+                <a:cs typeface="+mn-cs"/>
+              </a:defRPr>
+            </a:lvl8pPr>
+            <a:lvl9pPr marL="8701091" indent="0" algn="ctr" defTabSz="1087636" rtl="0" eaLnBrk="1" latinLnBrk="0" hangingPunct="1">
+              <a:spcBef>
+                <a:spcPct val="20000"/>
+              </a:spcBef>
+              <a:buFont typeface="Arial"/>
+              <a:buNone/>
+              <a:defRPr sz="4800" kern="1200">
+                <a:solidFill>
+                  <a:schemeClr val="tx1">
+                    <a:tint val="75000"/>
+                  </a:schemeClr>
+                </a:solidFill>
+                <a:latin typeface="+mn-lt"/>
+                <a:ea typeface="+mn-ea"/>
+                <a:cs typeface="+mn-cs"/>
+              </a:defRPr>
+            </a:lvl9pPr>
+          </a:lstStyle>
+          <a:p>
+            <a:pPr algn="just">
+              <a:lnSpc>
+                <a:spcPts val="2020"/>
+              </a:lnSpc>
+            </a:pPr>
+            <a:r>
+              <a:rPr lang="en-US" sz="1200" dirty="0">
+                <a:solidFill>
+                  <a:schemeClr val="tx1"/>
+                </a:solidFill>
+                <a:latin typeface="Lato Light" charset="0"/>
+                <a:ea typeface="Lato Light" charset="0"/>
+                <a:cs typeface="Lato Light" charset="0"/>
+              </a:rPr>
+              <a:t>A1s continuously send messages with the configured frequency to A3s.  </a:t>
+            </a:r>
+          </a:p>
+          <a:p>
+            <a:pPr algn="just">
+              <a:lnSpc>
+                <a:spcPts val="2020"/>
+              </a:lnSpc>
+            </a:pPr>
+            <a:r>
+              <a:rPr lang="en-US" sz="1200" dirty="0">
+                <a:solidFill>
+                  <a:schemeClr val="tx1"/>
+                </a:solidFill>
+                <a:latin typeface="Lato Light" charset="0"/>
+                <a:ea typeface="Lato Light" charset="0"/>
+                <a:cs typeface="Lato Light" charset="0"/>
+              </a:rPr>
+              <a:t>A2s continuously send messages with a fixed frequency to A3s; messages have the configured size.</a:t>
+            </a:r>
+          </a:p>
+          <a:p>
+            <a:pPr algn="just">
+              <a:lnSpc>
+                <a:spcPts val="2020"/>
+              </a:lnSpc>
+            </a:pPr>
+            <a:r>
+              <a:rPr lang="en-US" sz="1200" dirty="0">
+                <a:solidFill>
+                  <a:schemeClr val="tx1"/>
+                </a:solidFill>
+                <a:latin typeface="Lato Light" charset="0"/>
+                <a:ea typeface="Lato Light" charset="0"/>
+                <a:cs typeface="Lato Light" charset="0"/>
+              </a:rPr>
+              <a:t>A3s put received messages in buckets of the configured size (i.e., number of messages); when a bucket is full, all messages are aggregated and the result is sent to A4.</a:t>
+            </a:r>
+          </a:p>
+          <a:p>
+            <a:pPr algn="just">
+              <a:lnSpc>
+                <a:spcPts val="2020"/>
+              </a:lnSpc>
+            </a:pPr>
+            <a:r>
+              <a:rPr lang="en-US" sz="1200" dirty="0">
+                <a:solidFill>
+                  <a:schemeClr val="tx1"/>
+                </a:solidFill>
+                <a:latin typeface="Lato Light" charset="0"/>
+                <a:ea typeface="Lato Light" charset="0"/>
+                <a:cs typeface="Lato Light" charset="0"/>
+              </a:rPr>
+              <a:t>Furthermore, when A3s receive a message with a value above a defined threshold, the message is forwarded to all other A3s.</a:t>
+            </a:r>
+          </a:p>
+          <a:p>
+            <a:pPr algn="just">
+              <a:lnSpc>
+                <a:spcPts val="2020"/>
+              </a:lnSpc>
+            </a:pPr>
+            <a:r>
+              <a:rPr lang="en-US" sz="1200" dirty="0">
+                <a:solidFill>
+                  <a:schemeClr val="tx1"/>
+                </a:solidFill>
+                <a:latin typeface="Lato Light" charset="0"/>
+                <a:ea typeface="Lato Light" charset="0"/>
+                <a:cs typeface="Lato Light" charset="0"/>
+              </a:rPr>
+              <a:t>A4 has the capability to report that it has received the configured </a:t>
+            </a:r>
+          </a:p>
+          <a:p>
+            <a:pPr algn="just">
+              <a:lnSpc>
+                <a:spcPts val="2020"/>
+              </a:lnSpc>
+            </a:pPr>
+            <a:endParaRPr lang="en-US" sz="1200" dirty="0">
+              <a:solidFill>
+                <a:schemeClr val="tx1"/>
+              </a:solidFill>
+              <a:latin typeface="Lato Light" charset="0"/>
+              <a:ea typeface="Lato Light" charset="0"/>
+              <a:cs typeface="Lato Light" charset="0"/>
+            </a:endParaRPr>
+          </a:p>
+        </p:txBody>
+      </p:sp>
+      <p:sp>
+        <p:nvSpPr>
+          <p:cNvPr id="57" name="TextBox 69">
+            <a:extLst>
+              <a:ext uri="{FF2B5EF4-FFF2-40B4-BE49-F238E27FC236}">
+                <a16:creationId xmlns:a16="http://schemas.microsoft.com/office/drawing/2014/main" id="{577540BF-12AA-CF49-8228-A386403A569E}"/>
+              </a:ext>
+            </a:extLst>
+          </p:cNvPr>
+          <p:cNvSpPr txBox="1"/>
+          <p:nvPr/>
+        </p:nvSpPr>
+        <p:spPr>
+          <a:xfrm>
+            <a:off x="9084351" y="302191"/>
+            <a:ext cx="615874" cy="338554"/>
+          </a:xfrm>
+          <a:prstGeom prst="rect">
+            <a:avLst/>
+          </a:prstGeom>
+          <a:noFill/>
+        </p:spPr>
+        <p:txBody>
+          <a:bodyPr wrap="none" rtlCol="0" anchor="ctr" anchorCtr="0">
+            <a:spAutoFit/>
+          </a:bodyPr>
+          <a:lstStyle/>
+          <a:p>
+            <a:pPr algn="ctr"/>
+            <a:r>
+              <a:rPr lang="en-US" sz="1600" b="1" dirty="0">
+                <a:solidFill>
+                  <a:schemeClr val="tx2"/>
+                </a:solidFill>
+                <a:latin typeface="Lato Bold" charset="0"/>
+                <a:ea typeface="Lato Bold" charset="0"/>
+                <a:cs typeface="Lato Bold" charset="0"/>
+              </a:rPr>
+              <a:t>Logic</a:t>
+            </a:r>
+          </a:p>
+        </p:txBody>
+      </p:sp>
+      <p:sp>
+        <p:nvSpPr>
+          <p:cNvPr id="22" name="Abgerundete rechteckige Legende 21">
+            <a:extLst>
+              <a:ext uri="{FF2B5EF4-FFF2-40B4-BE49-F238E27FC236}">
+                <a16:creationId xmlns:a16="http://schemas.microsoft.com/office/drawing/2014/main" id="{81E0BC33-BF1E-C140-A83F-A6C420464CDE}"/>
+              </a:ext>
+            </a:extLst>
+          </p:cNvPr>
+          <p:cNvSpPr/>
+          <p:nvPr/>
+        </p:nvSpPr>
+        <p:spPr>
+          <a:xfrm>
+            <a:off x="3674293" y="1451180"/>
+            <a:ext cx="1615619" cy="476519"/>
+          </a:xfrm>
+          <a:prstGeom prst="wedgeRoundRectCallout">
+            <a:avLst>
+              <a:gd name="adj1" fmla="val 44603"/>
+              <a:gd name="adj2" fmla="val 76199"/>
+              <a:gd name="adj3" fmla="val 16667"/>
+            </a:avLst>
+          </a:prstGeom>
+          <a:solidFill>
+            <a:schemeClr val="bg1"/>
+          </a:solidFill>
+          <a:ln>
+            <a:solidFill>
+              <a:schemeClr val="tx1"/>
+            </a:solidFill>
+          </a:ln>
+        </p:spPr>
+        <p:style>
+          <a:lnRef idx="2">
+            <a:schemeClr val="accent1">
+              <a:shade val="50000"/>
+            </a:schemeClr>
+          </a:lnRef>
+          <a:fillRef idx="1">
+            <a:schemeClr val="accent1"/>
+          </a:fillRef>
+          <a:effectRef idx="0">
+            <a:schemeClr val="accent1"/>
+          </a:effectRef>
+          <a:fontRef idx="minor">
+            <a:schemeClr val="lt1"/>
+          </a:fontRef>
+        </p:style>
+        <p:txBody>
+          <a:bodyPr rtlCol="0" anchor="ctr"/>
+          <a:lstStyle/>
+          <a:p>
+            <a:pPr algn="ctr"/>
+            <a:r>
+              <a:rPr lang="en-US" sz="1200" dirty="0">
+                <a:solidFill>
+                  <a:schemeClr val="tx1"/>
+                </a:solidFill>
+                <a:latin typeface="Lato Light" charset="0"/>
+              </a:rPr>
+              <a:t>/config/amount</a:t>
+            </a:r>
+          </a:p>
+        </p:txBody>
+      </p:sp>
+    </p:spTree>
+    <p:extLst>
+      <p:ext uri="{BB962C8B-B14F-4D97-AF65-F5344CB8AC3E}">
+        <p14:creationId xmlns:p14="http://schemas.microsoft.com/office/powerpoint/2010/main" val="1176618652"/>
+      </p:ext>
+    </p:extLst>
+  </p:cSld>
+  <p:clrMapOvr>
+    <a:masterClrMapping/>
+  </p:clrMapOvr>
+  <mc:AlternateContent xmlns:mc="http://schemas.openxmlformats.org/markup-compatibility/2006" xmlns:p14="http://schemas.microsoft.com/office/powerpoint/2010/main">
+    <mc:Choice Requires="p14">
+      <p:transition p14:dur="0" advClick="0"/>
+    </mc:Choice>
+    <mc:Fallback xmlns="">
+      <p:transition advClick="0"/>
+    </mc:Fallback>
+  </mc:AlternateContent>
+</p:sld>
+</file>
+
+<file path=ppt/slides/slide12.xml><?xml version="1.0" encoding="utf-8"?>
+<p:sld xmlns:a="http://schemas.openxmlformats.org/drawingml/2006/main" xmlns:r="http://schemas.openxmlformats.org/officeDocument/2006/relationships" xmlns:p="http://schemas.openxmlformats.org/presentationml/2006/main">
+  <p:cSld>
+    <p:spTree>
+      <p:nvGrpSpPr>
+        <p:cNvPr id="1" name=""/>
+        <p:cNvGrpSpPr/>
+        <p:nvPr/>
+      </p:nvGrpSpPr>
+      <p:grpSpPr>
+        <a:xfrm>
+          <a:off x="0" y="0"/>
+          <a:ext cx="0" cy="0"/>
+          <a:chOff x="0" y="0"/>
+          <a:chExt cx="0" cy="0"/>
+        </a:xfrm>
+      </p:grpSpPr>
+      <p:sp>
+        <p:nvSpPr>
+          <p:cNvPr id="2" name="Rechteck 1">
+            <a:extLst>
+              <a:ext uri="{FF2B5EF4-FFF2-40B4-BE49-F238E27FC236}">
+                <a16:creationId xmlns:a16="http://schemas.microsoft.com/office/drawing/2014/main" id="{AC44D731-AFEB-BA4E-8E5C-0E4CF591336D}"/>
+              </a:ext>
+            </a:extLst>
+          </p:cNvPr>
+          <p:cNvSpPr/>
+          <p:nvPr/>
+        </p:nvSpPr>
+        <p:spPr>
+          <a:xfrm>
+            <a:off x="1627925" y="3864452"/>
+            <a:ext cx="920079" cy="533873"/>
+          </a:xfrm>
+          <a:prstGeom prst="rect">
+            <a:avLst/>
+          </a:prstGeom>
+          <a:solidFill>
+            <a:schemeClr val="accent2"/>
+          </a:solidFill>
+          <a:ln>
+            <a:noFill/>
+          </a:ln>
+        </p:spPr>
+        <p:style>
+          <a:lnRef idx="0">
+            <a:scrgbClr r="0" g="0" b="0"/>
+          </a:lnRef>
+          <a:fillRef idx="0">
+            <a:scrgbClr r="0" g="0" b="0"/>
+          </a:fillRef>
+          <a:effectRef idx="0">
+            <a:scrgbClr r="0" g="0" b="0"/>
+          </a:effectRef>
+          <a:fontRef idx="minor">
+            <a:schemeClr val="lt1"/>
+          </a:fontRef>
+        </p:style>
+        <p:txBody>
+          <a:bodyPr rtlCol="0" anchor="ctr"/>
+          <a:lstStyle/>
+          <a:p>
+            <a:pPr algn="ctr"/>
+            <a:r>
+              <a:rPr lang="en-US" sz="1200" b="1" dirty="0">
+                <a:solidFill>
+                  <a:schemeClr val="bg2"/>
+                </a:solidFill>
+                <a:latin typeface="Lato Bold" charset="0"/>
+              </a:rPr>
+              <a:t>Camera</a:t>
+            </a:r>
+          </a:p>
+        </p:txBody>
+      </p:sp>
+      <p:sp>
+        <p:nvSpPr>
+          <p:cNvPr id="3" name="Rechteck 2">
+            <a:extLst>
+              <a:ext uri="{FF2B5EF4-FFF2-40B4-BE49-F238E27FC236}">
+                <a16:creationId xmlns:a16="http://schemas.microsoft.com/office/drawing/2014/main" id="{90C32F19-964A-C64E-94F5-7CFAE07F6B54}"/>
+              </a:ext>
+            </a:extLst>
+          </p:cNvPr>
+          <p:cNvSpPr/>
+          <p:nvPr/>
+        </p:nvSpPr>
+        <p:spPr>
+          <a:xfrm>
+            <a:off x="3201148" y="3864451"/>
+            <a:ext cx="920079" cy="533873"/>
+          </a:xfrm>
+          <a:prstGeom prst="rect">
+            <a:avLst/>
+          </a:prstGeom>
+          <a:solidFill>
+            <a:schemeClr val="accent1"/>
+          </a:solidFill>
+          <a:ln w="28575">
+            <a:noFill/>
+          </a:ln>
+        </p:spPr>
+        <p:style>
+          <a:lnRef idx="0">
+            <a:scrgbClr r="0" g="0" b="0"/>
+          </a:lnRef>
+          <a:fillRef idx="0">
+            <a:scrgbClr r="0" g="0" b="0"/>
+          </a:fillRef>
+          <a:effectRef idx="0">
+            <a:scrgbClr r="0" g="0" b="0"/>
+          </a:effectRef>
+          <a:fontRef idx="minor">
+            <a:schemeClr val="lt1"/>
+          </a:fontRef>
+        </p:style>
+        <p:txBody>
+          <a:bodyPr rtlCol="0" anchor="ctr"/>
+          <a:lstStyle/>
+          <a:p>
+            <a:pPr algn="ctr"/>
+            <a:r>
+              <a:rPr lang="en-US" sz="1200" b="1" dirty="0">
+                <a:solidFill>
+                  <a:schemeClr val="bg2"/>
+                </a:solidFill>
+                <a:latin typeface="Lato Bold" charset="0"/>
+              </a:rPr>
+              <a:t>Check for Defects</a:t>
+            </a:r>
+          </a:p>
+        </p:txBody>
+      </p:sp>
+      <p:cxnSp>
+        <p:nvCxnSpPr>
+          <p:cNvPr id="5" name="Gerade Verbindung mit Pfeil 4">
+            <a:extLst>
+              <a:ext uri="{FF2B5EF4-FFF2-40B4-BE49-F238E27FC236}">
+                <a16:creationId xmlns:a16="http://schemas.microsoft.com/office/drawing/2014/main" id="{96F8CDC8-A663-7A45-9DBF-B31FB67D7A98}"/>
+              </a:ext>
+            </a:extLst>
+          </p:cNvPr>
+          <p:cNvCxnSpPr>
+            <a:stCxn id="2" idx="3"/>
+            <a:endCxn id="3" idx="1"/>
+          </p:cNvCxnSpPr>
+          <p:nvPr/>
+        </p:nvCxnSpPr>
+        <p:spPr>
+          <a:xfrm flipV="1">
+            <a:off x="2548004" y="4131388"/>
+            <a:ext cx="653144" cy="1"/>
+          </a:xfrm>
+          <a:prstGeom prst="straightConnector1">
+            <a:avLst/>
+          </a:prstGeom>
+          <a:ln w="19050">
+            <a:solidFill>
+              <a:schemeClr val="tx1"/>
+            </a:solidFill>
+            <a:tailEnd type="triangle"/>
+          </a:ln>
+        </p:spPr>
+        <p:style>
+          <a:lnRef idx="1">
+            <a:schemeClr val="accent1"/>
+          </a:lnRef>
+          <a:fillRef idx="0">
+            <a:schemeClr val="accent1"/>
+          </a:fillRef>
+          <a:effectRef idx="0">
+            <a:schemeClr val="accent1"/>
+          </a:effectRef>
+          <a:fontRef idx="minor">
+            <a:schemeClr val="tx1"/>
+          </a:fontRef>
+        </p:style>
+      </p:cxnSp>
+      <p:sp>
+        <p:nvSpPr>
+          <p:cNvPr id="7" name="Rechteck 6">
+            <a:extLst>
+              <a:ext uri="{FF2B5EF4-FFF2-40B4-BE49-F238E27FC236}">
+                <a16:creationId xmlns:a16="http://schemas.microsoft.com/office/drawing/2014/main" id="{446A0A6E-C1ED-7141-929B-7829E0CCB0F1}"/>
+              </a:ext>
+            </a:extLst>
+          </p:cNvPr>
+          <p:cNvSpPr/>
+          <p:nvPr/>
+        </p:nvSpPr>
+        <p:spPr>
+          <a:xfrm>
+            <a:off x="4774371" y="3864450"/>
+            <a:ext cx="920079" cy="533873"/>
+          </a:xfrm>
+          <a:prstGeom prst="rect">
+            <a:avLst/>
+          </a:prstGeom>
+          <a:solidFill>
+            <a:schemeClr val="accent1"/>
+          </a:solidFill>
+          <a:ln w="28575">
+            <a:noFill/>
+          </a:ln>
+        </p:spPr>
+        <p:style>
+          <a:lnRef idx="0">
+            <a:scrgbClr r="0" g="0" b="0"/>
+          </a:lnRef>
+          <a:fillRef idx="0">
+            <a:scrgbClr r="0" g="0" b="0"/>
+          </a:fillRef>
+          <a:effectRef idx="0">
+            <a:scrgbClr r="0" g="0" b="0"/>
+          </a:effectRef>
+          <a:fontRef idx="minor">
+            <a:schemeClr val="lt1"/>
+          </a:fontRef>
+        </p:style>
+        <p:txBody>
+          <a:bodyPr rtlCol="0" anchor="ctr"/>
+          <a:lstStyle/>
+          <a:p>
+            <a:pPr algn="ctr"/>
+            <a:r>
+              <a:rPr lang="en-US" sz="1200" b="1" dirty="0">
+                <a:solidFill>
+                  <a:schemeClr val="bg2"/>
+                </a:solidFill>
+                <a:latin typeface="Lato Bold" charset="0"/>
+              </a:rPr>
+              <a:t>Production Control</a:t>
+            </a:r>
+          </a:p>
+        </p:txBody>
+      </p:sp>
+      <p:cxnSp>
+        <p:nvCxnSpPr>
+          <p:cNvPr id="8" name="Gerade Verbindung mit Pfeil 7">
+            <a:extLst>
+              <a:ext uri="{FF2B5EF4-FFF2-40B4-BE49-F238E27FC236}">
+                <a16:creationId xmlns:a16="http://schemas.microsoft.com/office/drawing/2014/main" id="{7A13BDD3-20CF-F541-8CFD-449C18890C19}"/>
+              </a:ext>
+            </a:extLst>
+          </p:cNvPr>
+          <p:cNvCxnSpPr>
+            <a:cxnSpLocks/>
+            <a:stCxn id="3" idx="3"/>
+            <a:endCxn id="7" idx="1"/>
+          </p:cNvCxnSpPr>
+          <p:nvPr/>
+        </p:nvCxnSpPr>
+        <p:spPr>
+          <a:xfrm flipV="1">
+            <a:off x="4121227" y="4131387"/>
+            <a:ext cx="653144" cy="1"/>
+          </a:xfrm>
+          <a:prstGeom prst="straightConnector1">
+            <a:avLst/>
+          </a:prstGeom>
+          <a:ln w="19050">
+            <a:solidFill>
+              <a:schemeClr val="tx1"/>
+            </a:solidFill>
+            <a:tailEnd type="triangle"/>
+          </a:ln>
+        </p:spPr>
+        <p:style>
+          <a:lnRef idx="1">
+            <a:schemeClr val="accent1"/>
+          </a:lnRef>
+          <a:fillRef idx="0">
+            <a:schemeClr val="accent1"/>
+          </a:fillRef>
+          <a:effectRef idx="0">
+            <a:schemeClr val="accent1"/>
+          </a:effectRef>
+          <a:fontRef idx="minor">
+            <a:schemeClr val="tx1"/>
+          </a:fontRef>
+        </p:style>
+      </p:cxnSp>
+      <p:sp>
+        <p:nvSpPr>
+          <p:cNvPr id="11" name="Rechteck 10">
+            <a:extLst>
+              <a:ext uri="{FF2B5EF4-FFF2-40B4-BE49-F238E27FC236}">
+                <a16:creationId xmlns:a16="http://schemas.microsoft.com/office/drawing/2014/main" id="{1CC1DC93-4132-9D4C-AFCD-DCE02CCBE13A}"/>
+              </a:ext>
+            </a:extLst>
+          </p:cNvPr>
+          <p:cNvSpPr/>
+          <p:nvPr/>
+        </p:nvSpPr>
+        <p:spPr>
+          <a:xfrm>
+            <a:off x="6347593" y="4665258"/>
+            <a:ext cx="920079" cy="533873"/>
+          </a:xfrm>
+          <a:prstGeom prst="rect">
+            <a:avLst/>
+          </a:prstGeom>
+          <a:solidFill>
+            <a:schemeClr val="accent2"/>
+          </a:solidFill>
+          <a:ln>
+            <a:noFill/>
+          </a:ln>
+        </p:spPr>
+        <p:style>
+          <a:lnRef idx="0">
+            <a:scrgbClr r="0" g="0" b="0"/>
+          </a:lnRef>
+          <a:fillRef idx="0">
+            <a:scrgbClr r="0" g="0" b="0"/>
+          </a:fillRef>
+          <a:effectRef idx="0">
+            <a:scrgbClr r="0" g="0" b="0"/>
+          </a:effectRef>
+          <a:fontRef idx="minor">
+            <a:schemeClr val="lt1"/>
+          </a:fontRef>
+        </p:style>
+        <p:txBody>
+          <a:bodyPr rtlCol="0" anchor="ctr"/>
+          <a:lstStyle/>
+          <a:p>
+            <a:pPr algn="ctr"/>
+            <a:r>
+              <a:rPr lang="en-US" sz="1050" b="1" dirty="0">
+                <a:solidFill>
+                  <a:schemeClr val="bg2"/>
+                </a:solidFill>
+                <a:latin typeface="Lato Bold" charset="0"/>
+              </a:rPr>
+              <a:t>Temperature</a:t>
+            </a:r>
+            <a:r>
+              <a:rPr lang="en-US" sz="1200" b="1" dirty="0">
+                <a:solidFill>
+                  <a:schemeClr val="bg2"/>
+                </a:solidFill>
+                <a:latin typeface="Lato Bold" charset="0"/>
+              </a:rPr>
+              <a:t> </a:t>
+            </a:r>
+            <a:r>
+              <a:rPr lang="en-US" sz="1050" b="1" dirty="0">
+                <a:solidFill>
+                  <a:schemeClr val="bg2"/>
+                </a:solidFill>
+                <a:latin typeface="Lato Bold" charset="0"/>
+              </a:rPr>
+              <a:t>Sensor</a:t>
+            </a:r>
+            <a:endParaRPr lang="en-US" sz="1200" b="1" dirty="0">
+              <a:solidFill>
+                <a:schemeClr val="bg2"/>
+              </a:solidFill>
+              <a:latin typeface="Lato Bold" charset="0"/>
+            </a:endParaRPr>
+          </a:p>
+        </p:txBody>
+      </p:sp>
+      <p:sp>
+        <p:nvSpPr>
+          <p:cNvPr id="15" name="Rechteck 14">
+            <a:extLst>
+              <a:ext uri="{FF2B5EF4-FFF2-40B4-BE49-F238E27FC236}">
+                <a16:creationId xmlns:a16="http://schemas.microsoft.com/office/drawing/2014/main" id="{ED6FA80F-BD55-BE4B-B976-4B8460658A41}"/>
+              </a:ext>
+            </a:extLst>
+          </p:cNvPr>
+          <p:cNvSpPr/>
+          <p:nvPr/>
+        </p:nvSpPr>
+        <p:spPr>
+          <a:xfrm>
+            <a:off x="6347594" y="3864450"/>
+            <a:ext cx="920079" cy="533873"/>
+          </a:xfrm>
+          <a:prstGeom prst="rect">
+            <a:avLst/>
+          </a:prstGeom>
+          <a:solidFill>
+            <a:schemeClr val="accent1"/>
+          </a:solidFill>
+          <a:ln w="28575">
+            <a:noFill/>
+          </a:ln>
+        </p:spPr>
+        <p:style>
+          <a:lnRef idx="0">
+            <a:scrgbClr r="0" g="0" b="0"/>
+          </a:lnRef>
+          <a:fillRef idx="0">
+            <a:scrgbClr r="0" g="0" b="0"/>
+          </a:fillRef>
+          <a:effectRef idx="0">
+            <a:scrgbClr r="0" g="0" b="0"/>
+          </a:effectRef>
+          <a:fontRef idx="minor">
+            <a:schemeClr val="lt1"/>
+          </a:fontRef>
+        </p:style>
+        <p:txBody>
+          <a:bodyPr rtlCol="0" anchor="ctr"/>
+          <a:lstStyle/>
+          <a:p>
+            <a:pPr algn="ctr"/>
+            <a:r>
+              <a:rPr lang="en-US" sz="1200" b="1" dirty="0">
+                <a:solidFill>
+                  <a:schemeClr val="bg2"/>
+                </a:solidFill>
+                <a:latin typeface="Lato Bold" charset="0"/>
+              </a:rPr>
+              <a:t>Adapt Packaging</a:t>
+            </a:r>
+          </a:p>
+        </p:txBody>
+      </p:sp>
+      <p:cxnSp>
+        <p:nvCxnSpPr>
+          <p:cNvPr id="18" name="Gerade Verbindung mit Pfeil 17">
+            <a:extLst>
+              <a:ext uri="{FF2B5EF4-FFF2-40B4-BE49-F238E27FC236}">
+                <a16:creationId xmlns:a16="http://schemas.microsoft.com/office/drawing/2014/main" id="{034A7E14-0EBE-C147-A653-A72D8B21F22A}"/>
+              </a:ext>
+            </a:extLst>
+          </p:cNvPr>
+          <p:cNvCxnSpPr>
+            <a:cxnSpLocks/>
+            <a:stCxn id="7" idx="3"/>
+            <a:endCxn id="15" idx="1"/>
+          </p:cNvCxnSpPr>
+          <p:nvPr/>
+        </p:nvCxnSpPr>
+        <p:spPr>
+          <a:xfrm>
+            <a:off x="5694450" y="4131387"/>
+            <a:ext cx="653144" cy="0"/>
+          </a:xfrm>
+          <a:prstGeom prst="straightConnector1">
+            <a:avLst/>
+          </a:prstGeom>
+          <a:ln w="19050">
+            <a:solidFill>
+              <a:schemeClr val="tx1"/>
+            </a:solidFill>
+            <a:tailEnd type="triangle"/>
+          </a:ln>
+        </p:spPr>
+        <p:style>
+          <a:lnRef idx="1">
+            <a:schemeClr val="accent1"/>
+          </a:lnRef>
+          <a:fillRef idx="0">
+            <a:schemeClr val="accent1"/>
+          </a:fillRef>
+          <a:effectRef idx="0">
+            <a:schemeClr val="accent1"/>
+          </a:effectRef>
+          <a:fontRef idx="minor">
+            <a:schemeClr val="tx1"/>
+          </a:fontRef>
+        </p:style>
+      </p:cxnSp>
+      <p:sp>
+        <p:nvSpPr>
+          <p:cNvPr id="21" name="Rechteck 20">
+            <a:extLst>
+              <a:ext uri="{FF2B5EF4-FFF2-40B4-BE49-F238E27FC236}">
+                <a16:creationId xmlns:a16="http://schemas.microsoft.com/office/drawing/2014/main" id="{11CD4661-CEA0-A540-B475-890A9B305A6D}"/>
+              </a:ext>
+            </a:extLst>
+          </p:cNvPr>
+          <p:cNvSpPr/>
+          <p:nvPr/>
+        </p:nvSpPr>
+        <p:spPr>
+          <a:xfrm>
+            <a:off x="7920817" y="3864449"/>
+            <a:ext cx="920079" cy="533873"/>
+          </a:xfrm>
+          <a:prstGeom prst="rect">
+            <a:avLst/>
+          </a:prstGeom>
+          <a:solidFill>
+            <a:schemeClr val="accent1"/>
+          </a:solidFill>
+          <a:ln w="28575">
+            <a:noFill/>
+          </a:ln>
+        </p:spPr>
+        <p:style>
+          <a:lnRef idx="0">
+            <a:scrgbClr r="0" g="0" b="0"/>
+          </a:lnRef>
+          <a:fillRef idx="0">
+            <a:scrgbClr r="0" g="0" b="0"/>
+          </a:fillRef>
+          <a:effectRef idx="0">
+            <a:scrgbClr r="0" g="0" b="0"/>
+          </a:effectRef>
+          <a:fontRef idx="minor">
+            <a:schemeClr val="lt1"/>
+          </a:fontRef>
+        </p:style>
+        <p:txBody>
+          <a:bodyPr rtlCol="0" anchor="ctr"/>
+          <a:lstStyle/>
+          <a:p>
+            <a:pPr algn="ctr"/>
+            <a:r>
+              <a:rPr lang="en-US" sz="1200" b="1" dirty="0">
+                <a:solidFill>
+                  <a:schemeClr val="bg2"/>
+                </a:solidFill>
+                <a:latin typeface="Lato Bold" charset="0"/>
+              </a:rPr>
+              <a:t>Packaging Control</a:t>
+            </a:r>
+          </a:p>
+        </p:txBody>
+      </p:sp>
+      <p:cxnSp>
+        <p:nvCxnSpPr>
+          <p:cNvPr id="22" name="Gerade Verbindung mit Pfeil 21">
+            <a:extLst>
+              <a:ext uri="{FF2B5EF4-FFF2-40B4-BE49-F238E27FC236}">
+                <a16:creationId xmlns:a16="http://schemas.microsoft.com/office/drawing/2014/main" id="{9B45149D-A162-C14C-847B-742B3EA1D614}"/>
+              </a:ext>
+            </a:extLst>
+          </p:cNvPr>
+          <p:cNvCxnSpPr>
+            <a:cxnSpLocks/>
+            <a:stCxn id="15" idx="3"/>
+            <a:endCxn id="21" idx="1"/>
+          </p:cNvCxnSpPr>
+          <p:nvPr/>
+        </p:nvCxnSpPr>
+        <p:spPr>
+          <a:xfrm flipV="1">
+            <a:off x="7267673" y="4131386"/>
+            <a:ext cx="653144" cy="1"/>
+          </a:xfrm>
+          <a:prstGeom prst="straightConnector1">
+            <a:avLst/>
+          </a:prstGeom>
+          <a:ln w="19050">
+            <a:solidFill>
+              <a:schemeClr val="tx1"/>
+            </a:solidFill>
+            <a:tailEnd type="triangle"/>
+          </a:ln>
+        </p:spPr>
+        <p:style>
+          <a:lnRef idx="1">
+            <a:schemeClr val="accent1"/>
+          </a:lnRef>
+          <a:fillRef idx="0">
+            <a:schemeClr val="accent1"/>
+          </a:fillRef>
+          <a:effectRef idx="0">
+            <a:schemeClr val="accent1"/>
+          </a:effectRef>
+          <a:fontRef idx="minor">
+            <a:schemeClr val="tx1"/>
+          </a:fontRef>
+        </p:style>
+      </p:cxnSp>
+      <p:sp>
+        <p:nvSpPr>
+          <p:cNvPr id="26" name="Rechteck 25">
+            <a:extLst>
+              <a:ext uri="{FF2B5EF4-FFF2-40B4-BE49-F238E27FC236}">
+                <a16:creationId xmlns:a16="http://schemas.microsoft.com/office/drawing/2014/main" id="{17F55CC3-48FD-654C-BC73-B055BF85BED7}"/>
+              </a:ext>
+            </a:extLst>
+          </p:cNvPr>
+          <p:cNvSpPr/>
+          <p:nvPr/>
+        </p:nvSpPr>
+        <p:spPr>
+          <a:xfrm>
+            <a:off x="7920816" y="3063641"/>
+            <a:ext cx="920079" cy="533873"/>
+          </a:xfrm>
+          <a:prstGeom prst="rect">
+            <a:avLst/>
+          </a:prstGeom>
+          <a:solidFill>
+            <a:schemeClr val="accent1"/>
+          </a:solidFill>
+          <a:ln w="28575">
+            <a:noFill/>
+          </a:ln>
+        </p:spPr>
+        <p:style>
+          <a:lnRef idx="0">
+            <a:scrgbClr r="0" g="0" b="0"/>
+          </a:lnRef>
+          <a:fillRef idx="0">
+            <a:scrgbClr r="0" g="0" b="0"/>
+          </a:fillRef>
+          <a:effectRef idx="0">
+            <a:scrgbClr r="0" g="0" b="0"/>
+          </a:effectRef>
+          <a:fontRef idx="minor">
+            <a:schemeClr val="lt1"/>
+          </a:fontRef>
+        </p:style>
+        <p:txBody>
+          <a:bodyPr rtlCol="0" anchor="ctr"/>
+          <a:lstStyle/>
+          <a:p>
+            <a:pPr algn="ctr"/>
+            <a:r>
+              <a:rPr lang="en-US" sz="1200" b="1" dirty="0">
+                <a:solidFill>
+                  <a:schemeClr val="bg2"/>
+                </a:solidFill>
+                <a:latin typeface="Lato Bold" charset="0"/>
+              </a:rPr>
+              <a:t>Predict Pickup</a:t>
+            </a:r>
+          </a:p>
+        </p:txBody>
+      </p:sp>
+      <p:cxnSp>
+        <p:nvCxnSpPr>
+          <p:cNvPr id="27" name="Gerade Verbindung mit Pfeil 26">
+            <a:extLst>
+              <a:ext uri="{FF2B5EF4-FFF2-40B4-BE49-F238E27FC236}">
+                <a16:creationId xmlns:a16="http://schemas.microsoft.com/office/drawing/2014/main" id="{723D9856-5DB7-4C4A-BB44-2FC30BD0B9E1}"/>
+              </a:ext>
+            </a:extLst>
+          </p:cNvPr>
+          <p:cNvCxnSpPr>
+            <a:cxnSpLocks/>
+            <a:stCxn id="21" idx="0"/>
+            <a:endCxn id="26" idx="2"/>
+          </p:cNvCxnSpPr>
+          <p:nvPr/>
+        </p:nvCxnSpPr>
+        <p:spPr>
+          <a:xfrm flipH="1" flipV="1">
+            <a:off x="8380856" y="3597514"/>
+            <a:ext cx="1" cy="266935"/>
+          </a:xfrm>
+          <a:prstGeom prst="straightConnector1">
+            <a:avLst/>
+          </a:prstGeom>
+          <a:ln w="19050">
+            <a:solidFill>
+              <a:schemeClr val="tx1"/>
+            </a:solidFill>
+            <a:tailEnd type="triangle"/>
+          </a:ln>
+        </p:spPr>
+        <p:style>
+          <a:lnRef idx="1">
+            <a:schemeClr val="accent1"/>
+          </a:lnRef>
+          <a:fillRef idx="0">
+            <a:schemeClr val="accent1"/>
+          </a:fillRef>
+          <a:effectRef idx="0">
+            <a:schemeClr val="accent1"/>
+          </a:effectRef>
+          <a:fontRef idx="minor">
+            <a:schemeClr val="tx1"/>
+          </a:fontRef>
+        </p:style>
+      </p:cxnSp>
+      <p:sp>
+        <p:nvSpPr>
+          <p:cNvPr id="30" name="Rechteck 29">
+            <a:extLst>
+              <a:ext uri="{FF2B5EF4-FFF2-40B4-BE49-F238E27FC236}">
+                <a16:creationId xmlns:a16="http://schemas.microsoft.com/office/drawing/2014/main" id="{8C5FE700-9BE6-C84E-BD10-B8072B283E98}"/>
+              </a:ext>
+            </a:extLst>
+          </p:cNvPr>
+          <p:cNvSpPr/>
+          <p:nvPr/>
+        </p:nvSpPr>
+        <p:spPr>
+          <a:xfrm>
+            <a:off x="7920816" y="2267093"/>
+            <a:ext cx="920079" cy="533873"/>
+          </a:xfrm>
+          <a:prstGeom prst="rect">
+            <a:avLst/>
+          </a:prstGeom>
+          <a:solidFill>
+            <a:schemeClr val="accent4"/>
+          </a:solidFill>
+          <a:ln>
+            <a:noFill/>
+          </a:ln>
+        </p:spPr>
+        <p:style>
+          <a:lnRef idx="0">
+            <a:scrgbClr r="0" g="0" b="0"/>
+          </a:lnRef>
+          <a:fillRef idx="0">
+            <a:scrgbClr r="0" g="0" b="0"/>
+          </a:fillRef>
+          <a:effectRef idx="0">
+            <a:scrgbClr r="0" g="0" b="0"/>
+          </a:effectRef>
+          <a:fontRef idx="minor">
+            <a:schemeClr val="lt1"/>
+          </a:fontRef>
+        </p:style>
+        <p:txBody>
+          <a:bodyPr rtlCol="0" anchor="ctr"/>
+          <a:lstStyle/>
+          <a:p>
+            <a:pPr algn="ctr"/>
+            <a:r>
+              <a:rPr lang="en-US" sz="1200" b="1" dirty="0">
+                <a:solidFill>
+                  <a:schemeClr val="bg2"/>
+                </a:solidFill>
+                <a:latin typeface="Lato Bold" charset="0"/>
+              </a:rPr>
+              <a:t>Logistics Prognosis</a:t>
+            </a:r>
+          </a:p>
+        </p:txBody>
+      </p:sp>
+      <p:cxnSp>
+        <p:nvCxnSpPr>
+          <p:cNvPr id="31" name="Gerade Verbindung mit Pfeil 30">
+            <a:extLst>
+              <a:ext uri="{FF2B5EF4-FFF2-40B4-BE49-F238E27FC236}">
+                <a16:creationId xmlns:a16="http://schemas.microsoft.com/office/drawing/2014/main" id="{CE9388FB-290F-0B48-BFEF-2D02E472DFE9}"/>
+              </a:ext>
+            </a:extLst>
+          </p:cNvPr>
+          <p:cNvCxnSpPr>
+            <a:cxnSpLocks/>
+            <a:stCxn id="26" idx="0"/>
+            <a:endCxn id="30" idx="2"/>
+          </p:cNvCxnSpPr>
+          <p:nvPr/>
+        </p:nvCxnSpPr>
+        <p:spPr>
+          <a:xfrm flipV="1">
+            <a:off x="8380856" y="2800966"/>
+            <a:ext cx="0" cy="262675"/>
+          </a:xfrm>
+          <a:prstGeom prst="straightConnector1">
+            <a:avLst/>
+          </a:prstGeom>
+          <a:ln w="19050">
+            <a:solidFill>
+              <a:schemeClr val="tx1"/>
+            </a:solidFill>
+            <a:tailEnd type="triangle"/>
+          </a:ln>
+        </p:spPr>
+        <p:style>
+          <a:lnRef idx="1">
+            <a:schemeClr val="accent1"/>
+          </a:lnRef>
+          <a:fillRef idx="0">
+            <a:schemeClr val="accent1"/>
+          </a:fillRef>
+          <a:effectRef idx="0">
+            <a:schemeClr val="accent1"/>
+          </a:effectRef>
+          <a:fontRef idx="minor">
+            <a:schemeClr val="tx1"/>
+          </a:fontRef>
+        </p:style>
+      </p:cxnSp>
+      <p:cxnSp>
+        <p:nvCxnSpPr>
+          <p:cNvPr id="34" name="Gerade Verbindung mit Pfeil 33">
+            <a:extLst>
+              <a:ext uri="{FF2B5EF4-FFF2-40B4-BE49-F238E27FC236}">
+                <a16:creationId xmlns:a16="http://schemas.microsoft.com/office/drawing/2014/main" id="{1F60FE65-ADA2-5243-9166-CCE4251C24BF}"/>
+              </a:ext>
+            </a:extLst>
+          </p:cNvPr>
+          <p:cNvCxnSpPr>
+            <a:cxnSpLocks/>
+            <a:stCxn id="21" idx="3"/>
+            <a:endCxn id="37" idx="1"/>
+          </p:cNvCxnSpPr>
+          <p:nvPr/>
+        </p:nvCxnSpPr>
+        <p:spPr>
+          <a:xfrm>
+            <a:off x="8840896" y="4131386"/>
+            <a:ext cx="460039" cy="0"/>
+          </a:xfrm>
+          <a:prstGeom prst="straightConnector1">
+            <a:avLst/>
+          </a:prstGeom>
+          <a:ln w="19050">
+            <a:solidFill>
+              <a:schemeClr val="tx1"/>
+            </a:solidFill>
+            <a:tailEnd type="triangle"/>
+          </a:ln>
+        </p:spPr>
+        <p:style>
+          <a:lnRef idx="1">
+            <a:schemeClr val="accent1"/>
+          </a:lnRef>
+          <a:fillRef idx="0">
+            <a:schemeClr val="accent1"/>
+          </a:fillRef>
+          <a:effectRef idx="0">
+            <a:schemeClr val="accent1"/>
+          </a:effectRef>
+          <a:fontRef idx="minor">
+            <a:schemeClr val="tx1"/>
+          </a:fontRef>
+        </p:style>
+      </p:cxnSp>
+      <p:sp>
+        <p:nvSpPr>
+          <p:cNvPr id="37" name="Rechteck 36">
+            <a:extLst>
+              <a:ext uri="{FF2B5EF4-FFF2-40B4-BE49-F238E27FC236}">
+                <a16:creationId xmlns:a16="http://schemas.microsoft.com/office/drawing/2014/main" id="{FBC99236-8066-7E4B-AE7F-B4F4A6E05703}"/>
+              </a:ext>
+            </a:extLst>
+          </p:cNvPr>
+          <p:cNvSpPr/>
+          <p:nvPr/>
+        </p:nvSpPr>
+        <p:spPr>
+          <a:xfrm>
+            <a:off x="9300935" y="3864449"/>
+            <a:ext cx="920079" cy="533873"/>
+          </a:xfrm>
+          <a:prstGeom prst="rect">
+            <a:avLst/>
+          </a:prstGeom>
+          <a:solidFill>
+            <a:schemeClr val="accent1"/>
+          </a:solidFill>
+          <a:ln w="28575">
+            <a:noFill/>
+          </a:ln>
+        </p:spPr>
+        <p:style>
+          <a:lnRef idx="0">
+            <a:scrgbClr r="0" g="0" b="0"/>
+          </a:lnRef>
+          <a:fillRef idx="0">
+            <a:scrgbClr r="0" g="0" b="0"/>
+          </a:fillRef>
+          <a:effectRef idx="0">
+            <a:scrgbClr r="0" g="0" b="0"/>
+          </a:effectRef>
+          <a:fontRef idx="minor">
+            <a:schemeClr val="lt1"/>
+          </a:fontRef>
+        </p:style>
+        <p:txBody>
+          <a:bodyPr rtlCol="0" anchor="ctr"/>
+          <a:lstStyle/>
+          <a:p>
+            <a:pPr algn="ctr"/>
+            <a:r>
+              <a:rPr lang="en-US" sz="1200" b="1" dirty="0">
+                <a:solidFill>
+                  <a:schemeClr val="bg2"/>
+                </a:solidFill>
+                <a:latin typeface="Lato Bold" charset="0"/>
+              </a:rPr>
+              <a:t>Aggregate</a:t>
+            </a:r>
+          </a:p>
+        </p:txBody>
+      </p:sp>
+      <p:sp>
+        <p:nvSpPr>
+          <p:cNvPr id="39" name="Rechteck 38">
+            <a:extLst>
+              <a:ext uri="{FF2B5EF4-FFF2-40B4-BE49-F238E27FC236}">
+                <a16:creationId xmlns:a16="http://schemas.microsoft.com/office/drawing/2014/main" id="{E5B4233C-2216-0B47-BA57-62DE63BD9C99}"/>
+              </a:ext>
+            </a:extLst>
+          </p:cNvPr>
+          <p:cNvSpPr/>
+          <p:nvPr/>
+        </p:nvSpPr>
+        <p:spPr>
+          <a:xfrm>
+            <a:off x="9300934" y="3063640"/>
+            <a:ext cx="920079" cy="533873"/>
+          </a:xfrm>
+          <a:prstGeom prst="rect">
+            <a:avLst/>
+          </a:prstGeom>
+          <a:solidFill>
+            <a:schemeClr val="accent1"/>
+          </a:solidFill>
+          <a:ln w="28575">
+            <a:noFill/>
+          </a:ln>
+        </p:spPr>
+        <p:style>
+          <a:lnRef idx="0">
+            <a:scrgbClr r="0" g="0" b="0"/>
+          </a:lnRef>
+          <a:fillRef idx="0">
+            <a:scrgbClr r="0" g="0" b="0"/>
+          </a:fillRef>
+          <a:effectRef idx="0">
+            <a:scrgbClr r="0" g="0" b="0"/>
+          </a:effectRef>
+          <a:fontRef idx="minor">
+            <a:schemeClr val="lt1"/>
+          </a:fontRef>
+        </p:style>
+        <p:txBody>
+          <a:bodyPr rtlCol="0" anchor="ctr"/>
+          <a:lstStyle/>
+          <a:p>
+            <a:pPr algn="ctr"/>
+            <a:r>
+              <a:rPr lang="en-US" sz="1200" b="1" dirty="0">
+                <a:solidFill>
+                  <a:schemeClr val="bg2"/>
+                </a:solidFill>
+                <a:latin typeface="Lato Bold" charset="0"/>
+              </a:rPr>
+              <a:t>Generate Dashboard</a:t>
+            </a:r>
+          </a:p>
+        </p:txBody>
+      </p:sp>
+      <p:cxnSp>
+        <p:nvCxnSpPr>
+          <p:cNvPr id="40" name="Gerade Verbindung mit Pfeil 39">
+            <a:extLst>
+              <a:ext uri="{FF2B5EF4-FFF2-40B4-BE49-F238E27FC236}">
+                <a16:creationId xmlns:a16="http://schemas.microsoft.com/office/drawing/2014/main" id="{3FC203FC-F987-614C-A031-ECAFFE14B215}"/>
+              </a:ext>
+            </a:extLst>
+          </p:cNvPr>
+          <p:cNvCxnSpPr>
+            <a:cxnSpLocks/>
+            <a:stCxn id="37" idx="0"/>
+            <a:endCxn id="39" idx="2"/>
+          </p:cNvCxnSpPr>
+          <p:nvPr/>
+        </p:nvCxnSpPr>
+        <p:spPr>
+          <a:xfrm flipH="1" flipV="1">
+            <a:off x="9760974" y="3597513"/>
+            <a:ext cx="1" cy="266936"/>
+          </a:xfrm>
+          <a:prstGeom prst="straightConnector1">
+            <a:avLst/>
+          </a:prstGeom>
+          <a:ln w="19050">
+            <a:solidFill>
+              <a:schemeClr val="tx1"/>
+            </a:solidFill>
+            <a:tailEnd type="triangle"/>
+          </a:ln>
+        </p:spPr>
+        <p:style>
+          <a:lnRef idx="1">
+            <a:schemeClr val="accent1"/>
+          </a:lnRef>
+          <a:fillRef idx="0">
+            <a:schemeClr val="accent1"/>
+          </a:fillRef>
+          <a:effectRef idx="0">
+            <a:schemeClr val="accent1"/>
+          </a:effectRef>
+          <a:fontRef idx="minor">
+            <a:schemeClr val="tx1"/>
+          </a:fontRef>
+        </p:style>
+      </p:cxnSp>
+      <p:sp>
+        <p:nvSpPr>
+          <p:cNvPr id="43" name="Rechteck 42">
+            <a:extLst>
+              <a:ext uri="{FF2B5EF4-FFF2-40B4-BE49-F238E27FC236}">
+                <a16:creationId xmlns:a16="http://schemas.microsoft.com/office/drawing/2014/main" id="{70A9DD13-F91F-C84B-AEA2-CD83494BC705}"/>
+              </a:ext>
+            </a:extLst>
+          </p:cNvPr>
+          <p:cNvSpPr/>
+          <p:nvPr/>
+        </p:nvSpPr>
+        <p:spPr>
+          <a:xfrm>
+            <a:off x="9300933" y="2262830"/>
+            <a:ext cx="920079" cy="533873"/>
+          </a:xfrm>
+          <a:prstGeom prst="rect">
+            <a:avLst/>
+          </a:prstGeom>
+          <a:solidFill>
+            <a:schemeClr val="accent4"/>
+          </a:solidFill>
+          <a:ln>
+            <a:noFill/>
+          </a:ln>
+        </p:spPr>
+        <p:style>
+          <a:lnRef idx="0">
+            <a:scrgbClr r="0" g="0" b="0"/>
+          </a:lnRef>
+          <a:fillRef idx="0">
+            <a:scrgbClr r="0" g="0" b="0"/>
+          </a:fillRef>
+          <a:effectRef idx="0">
+            <a:scrgbClr r="0" g="0" b="0"/>
+          </a:effectRef>
+          <a:fontRef idx="minor">
+            <a:schemeClr val="lt1"/>
+          </a:fontRef>
+        </p:style>
+        <p:txBody>
+          <a:bodyPr rtlCol="0" anchor="ctr"/>
+          <a:lstStyle/>
+          <a:p>
+            <a:pPr algn="ctr"/>
+            <a:r>
+              <a:rPr lang="en-US" sz="1200" b="1" dirty="0">
+                <a:solidFill>
+                  <a:schemeClr val="bg2"/>
+                </a:solidFill>
+                <a:latin typeface="Lato Bold" charset="0"/>
+              </a:rPr>
+              <a:t>Central Office Dashboard</a:t>
+            </a:r>
+          </a:p>
+        </p:txBody>
+      </p:sp>
+      <p:cxnSp>
+        <p:nvCxnSpPr>
+          <p:cNvPr id="44" name="Gerade Verbindung mit Pfeil 43">
+            <a:extLst>
+              <a:ext uri="{FF2B5EF4-FFF2-40B4-BE49-F238E27FC236}">
+                <a16:creationId xmlns:a16="http://schemas.microsoft.com/office/drawing/2014/main" id="{17A2DFAA-3873-394B-BA6E-6D0E44121AA2}"/>
+              </a:ext>
+            </a:extLst>
+          </p:cNvPr>
+          <p:cNvCxnSpPr>
+            <a:cxnSpLocks/>
+            <a:stCxn id="39" idx="0"/>
+            <a:endCxn id="43" idx="2"/>
+          </p:cNvCxnSpPr>
+          <p:nvPr/>
+        </p:nvCxnSpPr>
+        <p:spPr>
+          <a:xfrm flipH="1" flipV="1">
+            <a:off x="9760973" y="2796703"/>
+            <a:ext cx="1" cy="266937"/>
+          </a:xfrm>
+          <a:prstGeom prst="straightConnector1">
+            <a:avLst/>
+          </a:prstGeom>
+          <a:ln w="19050">
+            <a:solidFill>
+              <a:schemeClr val="tx1"/>
+            </a:solidFill>
+            <a:tailEnd type="triangle"/>
+          </a:ln>
+        </p:spPr>
+        <p:style>
+          <a:lnRef idx="1">
+            <a:schemeClr val="accent1"/>
+          </a:lnRef>
+          <a:fillRef idx="0">
+            <a:schemeClr val="accent1"/>
+          </a:fillRef>
+          <a:effectRef idx="0">
+            <a:schemeClr val="accent1"/>
+          </a:effectRef>
+          <a:fontRef idx="minor">
+            <a:schemeClr val="tx1"/>
+          </a:fontRef>
+        </p:style>
+      </p:cxnSp>
+      <p:cxnSp>
+        <p:nvCxnSpPr>
+          <p:cNvPr id="49" name="Gerade Verbindung mit Pfeil 48">
+            <a:extLst>
+              <a:ext uri="{FF2B5EF4-FFF2-40B4-BE49-F238E27FC236}">
+                <a16:creationId xmlns:a16="http://schemas.microsoft.com/office/drawing/2014/main" id="{5B800C93-62BE-4B44-9A1A-88E98FD40095}"/>
+              </a:ext>
+            </a:extLst>
+          </p:cNvPr>
+          <p:cNvCxnSpPr>
+            <a:cxnSpLocks/>
+            <a:stCxn id="11" idx="0"/>
+            <a:endCxn id="15" idx="2"/>
+          </p:cNvCxnSpPr>
+          <p:nvPr/>
+        </p:nvCxnSpPr>
+        <p:spPr>
+          <a:xfrm flipV="1">
+            <a:off x="6807633" y="4398323"/>
+            <a:ext cx="1" cy="266935"/>
+          </a:xfrm>
+          <a:prstGeom prst="straightConnector1">
+            <a:avLst/>
+          </a:prstGeom>
+          <a:ln w="19050">
+            <a:solidFill>
+              <a:schemeClr val="tx1"/>
+            </a:solidFill>
+            <a:tailEnd type="triangle"/>
+          </a:ln>
+        </p:spPr>
+        <p:style>
+          <a:lnRef idx="1">
+            <a:schemeClr val="accent1"/>
+          </a:lnRef>
+          <a:fillRef idx="0">
+            <a:schemeClr val="accent1"/>
+          </a:fillRef>
+          <a:effectRef idx="0">
+            <a:schemeClr val="accent1"/>
+          </a:effectRef>
+          <a:fontRef idx="minor">
+            <a:schemeClr val="tx1"/>
+          </a:fontRef>
+        </p:style>
+      </p:cxnSp>
+      <p:sp>
+        <p:nvSpPr>
+          <p:cNvPr id="58" name="TextBox 39">
+            <a:extLst>
+              <a:ext uri="{FF2B5EF4-FFF2-40B4-BE49-F238E27FC236}">
+                <a16:creationId xmlns:a16="http://schemas.microsoft.com/office/drawing/2014/main" id="{0278D2CF-BC22-ED4D-A8B2-1400F8C1EB6C}"/>
+              </a:ext>
+            </a:extLst>
+          </p:cNvPr>
+          <p:cNvSpPr txBox="1"/>
+          <p:nvPr/>
+        </p:nvSpPr>
+        <p:spPr>
+          <a:xfrm>
+            <a:off x="4715643" y="241509"/>
+            <a:ext cx="2760738" cy="723267"/>
+          </a:xfrm>
+          <a:prstGeom prst="rect">
+            <a:avLst/>
+          </a:prstGeom>
+          <a:noFill/>
+        </p:spPr>
+        <p:txBody>
+          <a:bodyPr wrap="none" lIns="45711" tIns="22856" rIns="45711" bIns="22856" rtlCol="0">
+            <a:spAutoFit/>
+          </a:bodyPr>
+          <a:lstStyle/>
+          <a:p>
+            <a:pPr algn="ctr"/>
+            <a:r>
+              <a:rPr lang="en-US" sz="4400" b="1" dirty="0">
+                <a:solidFill>
+                  <a:schemeClr val="tx2"/>
+                </a:solidFill>
+                <a:latin typeface="Lato" charset="0"/>
+                <a:ea typeface="Lato" charset="0"/>
+                <a:cs typeface="Lato" charset="0"/>
+              </a:rPr>
+              <a:t>Application</a:t>
+            </a:r>
+            <a:endParaRPr lang="id-ID" sz="4400" b="1" dirty="0">
+              <a:solidFill>
+                <a:schemeClr val="tx2"/>
+              </a:solidFill>
+              <a:latin typeface="Lato" charset="0"/>
+              <a:ea typeface="Lato" charset="0"/>
+              <a:cs typeface="Lato" charset="0"/>
+            </a:endParaRPr>
+          </a:p>
+        </p:txBody>
+      </p:sp>
+      <p:sp>
+        <p:nvSpPr>
+          <p:cNvPr id="59" name="Rectangle 40">
+            <a:extLst>
+              <a:ext uri="{FF2B5EF4-FFF2-40B4-BE49-F238E27FC236}">
+                <a16:creationId xmlns:a16="http://schemas.microsoft.com/office/drawing/2014/main" id="{DCF1191F-9ADA-EC49-B22E-FB7EF4D77533}"/>
+              </a:ext>
+            </a:extLst>
+          </p:cNvPr>
+          <p:cNvSpPr/>
+          <p:nvPr/>
+        </p:nvSpPr>
+        <p:spPr>
+          <a:xfrm>
+            <a:off x="5718037" y="1235334"/>
+            <a:ext cx="776519" cy="45719"/>
+          </a:xfrm>
+          <a:prstGeom prst="rect">
+            <a:avLst/>
+          </a:prstGeom>
+          <a:solidFill>
+            <a:schemeClr val="tx2"/>
+          </a:solidFill>
+          <a:ln>
+            <a:noFill/>
+          </a:ln>
+          <a:effectLst/>
+        </p:spPr>
+        <p:style>
+          <a:lnRef idx="1">
+            <a:schemeClr val="accent1"/>
+          </a:lnRef>
+          <a:fillRef idx="3">
+            <a:schemeClr val="accent1"/>
+          </a:fillRef>
+          <a:effectRef idx="2">
+            <a:schemeClr val="accent1"/>
+          </a:effectRef>
+          <a:fontRef idx="minor">
+            <a:schemeClr val="lt1"/>
+          </a:fontRef>
+        </p:style>
+        <p:txBody>
+          <a:bodyPr lIns="45670" tIns="22836" rIns="45670" bIns="22836" rtlCol="0" anchor="ctr"/>
+          <a:lstStyle/>
+          <a:p>
+            <a:pPr algn="ctr"/>
+            <a:endParaRPr lang="en-US" sz="900" dirty="0">
+              <a:solidFill>
+                <a:schemeClr val="accent2"/>
+              </a:solidFill>
+              <a:latin typeface="Lato Light" charset="0"/>
+            </a:endParaRPr>
+          </a:p>
+        </p:txBody>
+      </p:sp>
+      <p:sp>
+        <p:nvSpPr>
+          <p:cNvPr id="60" name="Subtitle 2">
+            <a:extLst>
+              <a:ext uri="{FF2B5EF4-FFF2-40B4-BE49-F238E27FC236}">
+                <a16:creationId xmlns:a16="http://schemas.microsoft.com/office/drawing/2014/main" id="{BBBD0670-007B-E142-94C8-1DED431A4510}"/>
+              </a:ext>
+            </a:extLst>
+          </p:cNvPr>
+          <p:cNvSpPr txBox="1">
+            <a:spLocks/>
+          </p:cNvSpPr>
+          <p:nvPr/>
+        </p:nvSpPr>
+        <p:spPr>
+          <a:xfrm>
+            <a:off x="5069126" y="817417"/>
+            <a:ext cx="2074417" cy="376997"/>
+          </a:xfrm>
+          <a:prstGeom prst="rect">
+            <a:avLst/>
+          </a:prstGeom>
+        </p:spPr>
+        <p:txBody>
+          <a:bodyPr vert="horz" wrap="none" lIns="108745" tIns="54373" rIns="108745" bIns="54373" rtlCol="0">
+            <a:spAutoFit/>
+          </a:bodyPr>
+          <a:lstStyle>
+            <a:lvl1pPr marL="0" indent="0" algn="ctr" defTabSz="1087636" rtl="0" eaLnBrk="1" latinLnBrk="0" hangingPunct="1">
+              <a:lnSpc>
+                <a:spcPct val="120000"/>
+              </a:lnSpc>
+              <a:spcBef>
+                <a:spcPct val="20000"/>
+              </a:spcBef>
+              <a:buFont typeface="Arial"/>
+              <a:buNone/>
+              <a:defRPr sz="2400" kern="1200">
+                <a:solidFill>
+                  <a:schemeClr val="tx2"/>
+                </a:solidFill>
+                <a:latin typeface="Open Sans Light"/>
+                <a:ea typeface="+mn-ea"/>
+                <a:cs typeface="Open Sans Light"/>
+              </a:defRPr>
+            </a:lvl1pPr>
+            <a:lvl2pPr marL="1087636" indent="0" algn="ctr" defTabSz="1087636" rtl="0" eaLnBrk="1" latinLnBrk="0" hangingPunct="1">
+              <a:lnSpc>
+                <a:spcPct val="130000"/>
+              </a:lnSpc>
+              <a:spcBef>
+                <a:spcPct val="20000"/>
+              </a:spcBef>
+              <a:buFont typeface="Arial"/>
+              <a:buNone/>
+              <a:defRPr sz="3200" kern="1200">
+                <a:solidFill>
+                  <a:schemeClr val="tx1">
+                    <a:tint val="75000"/>
+                  </a:schemeClr>
+                </a:solidFill>
+                <a:latin typeface="Open Sans"/>
+                <a:ea typeface="+mn-ea"/>
+                <a:cs typeface="Open Sans"/>
+              </a:defRPr>
+            </a:lvl2pPr>
+            <a:lvl3pPr marL="2175271" indent="0" algn="ctr" defTabSz="1087636" rtl="0" eaLnBrk="1" latinLnBrk="0" hangingPunct="1">
+              <a:lnSpc>
+                <a:spcPct val="130000"/>
+              </a:lnSpc>
+              <a:spcBef>
+                <a:spcPct val="20000"/>
+              </a:spcBef>
+              <a:buFont typeface="Arial"/>
+              <a:buNone/>
+              <a:defRPr sz="3200" kern="1200">
+                <a:solidFill>
+                  <a:schemeClr val="tx1">
+                    <a:tint val="75000"/>
+                  </a:schemeClr>
+                </a:solidFill>
+                <a:latin typeface="Open Sans"/>
+                <a:ea typeface="+mn-ea"/>
+                <a:cs typeface="Open Sans"/>
+              </a:defRPr>
+            </a:lvl3pPr>
+            <a:lvl4pPr marL="3262912" indent="0" algn="ctr" defTabSz="1087636" rtl="0" eaLnBrk="1" latinLnBrk="0" hangingPunct="1">
+              <a:lnSpc>
+                <a:spcPct val="130000"/>
+              </a:lnSpc>
+              <a:spcBef>
+                <a:spcPct val="20000"/>
+              </a:spcBef>
+              <a:buFont typeface="Arial"/>
+              <a:buNone/>
+              <a:defRPr sz="3200" kern="1200">
+                <a:solidFill>
+                  <a:schemeClr val="tx1">
+                    <a:tint val="75000"/>
+                  </a:schemeClr>
+                </a:solidFill>
+                <a:latin typeface="Open Sans"/>
+                <a:ea typeface="+mn-ea"/>
+                <a:cs typeface="Open Sans"/>
+              </a:defRPr>
+            </a:lvl4pPr>
+            <a:lvl5pPr marL="4350546" indent="0" algn="ctr" defTabSz="1087636" rtl="0" eaLnBrk="1" latinLnBrk="0" hangingPunct="1">
+              <a:lnSpc>
+                <a:spcPct val="130000"/>
+              </a:lnSpc>
+              <a:spcBef>
+                <a:spcPct val="20000"/>
+              </a:spcBef>
+              <a:buFont typeface="Arial"/>
+              <a:buNone/>
+              <a:defRPr sz="3200" kern="1200">
+                <a:solidFill>
+                  <a:schemeClr val="tx1">
+                    <a:tint val="75000"/>
+                  </a:schemeClr>
+                </a:solidFill>
+                <a:latin typeface="Open Sans"/>
+                <a:ea typeface="+mn-ea"/>
+                <a:cs typeface="Open Sans"/>
+              </a:defRPr>
+            </a:lvl5pPr>
+            <a:lvl6pPr marL="5438184" indent="0" algn="ctr" defTabSz="1087636" rtl="0" eaLnBrk="1" latinLnBrk="0" hangingPunct="1">
+              <a:spcBef>
+                <a:spcPct val="20000"/>
+              </a:spcBef>
+              <a:buFont typeface="Arial"/>
+              <a:buNone/>
+              <a:defRPr sz="4800" kern="1200">
+                <a:solidFill>
+                  <a:schemeClr val="tx1">
+                    <a:tint val="75000"/>
+                  </a:schemeClr>
+                </a:solidFill>
+                <a:latin typeface="+mn-lt"/>
+                <a:ea typeface="+mn-ea"/>
+                <a:cs typeface="+mn-cs"/>
+              </a:defRPr>
+            </a:lvl6pPr>
+            <a:lvl7pPr marL="6525820" indent="0" algn="ctr" defTabSz="1087636" rtl="0" eaLnBrk="1" latinLnBrk="0" hangingPunct="1">
+              <a:spcBef>
+                <a:spcPct val="20000"/>
+              </a:spcBef>
+              <a:buFont typeface="Arial"/>
+              <a:buNone/>
+              <a:defRPr sz="4800" kern="1200">
+                <a:solidFill>
+                  <a:schemeClr val="tx1">
+                    <a:tint val="75000"/>
+                  </a:schemeClr>
+                </a:solidFill>
+                <a:latin typeface="+mn-lt"/>
+                <a:ea typeface="+mn-ea"/>
+                <a:cs typeface="+mn-cs"/>
+              </a:defRPr>
+            </a:lvl7pPr>
+            <a:lvl8pPr marL="7613455" indent="0" algn="ctr" defTabSz="1087636" rtl="0" eaLnBrk="1" latinLnBrk="0" hangingPunct="1">
+              <a:spcBef>
+                <a:spcPct val="20000"/>
+              </a:spcBef>
+              <a:buFont typeface="Arial"/>
+              <a:buNone/>
+              <a:defRPr sz="4800" kern="1200">
+                <a:solidFill>
+                  <a:schemeClr val="tx1">
+                    <a:tint val="75000"/>
+                  </a:schemeClr>
+                </a:solidFill>
+                <a:latin typeface="+mn-lt"/>
+                <a:ea typeface="+mn-ea"/>
+                <a:cs typeface="+mn-cs"/>
+              </a:defRPr>
+            </a:lvl8pPr>
+            <a:lvl9pPr marL="8701091" indent="0" algn="ctr" defTabSz="1087636" rtl="0" eaLnBrk="1" latinLnBrk="0" hangingPunct="1">
+              <a:spcBef>
+                <a:spcPct val="20000"/>
+              </a:spcBef>
+              <a:buFont typeface="Arial"/>
+              <a:buNone/>
+              <a:defRPr sz="4800" kern="1200">
+                <a:solidFill>
+                  <a:schemeClr val="tx1">
+                    <a:tint val="75000"/>
+                  </a:schemeClr>
+                </a:solidFill>
+                <a:latin typeface="+mn-lt"/>
+                <a:ea typeface="+mn-ea"/>
+                <a:cs typeface="+mn-cs"/>
+              </a:defRPr>
+            </a:lvl9pPr>
+          </a:lstStyle>
+          <a:p>
+            <a:r>
+              <a:rPr lang="en-US" sz="1550" dirty="0">
+                <a:latin typeface="Lato Light"/>
+                <a:cs typeface="Lato Light"/>
+              </a:rPr>
+              <a:t>Smart Factory Scenario</a:t>
+            </a:r>
+          </a:p>
+        </p:txBody>
+      </p:sp>
+    </p:spTree>
+    <p:extLst>
+      <p:ext uri="{BB962C8B-B14F-4D97-AF65-F5344CB8AC3E}">
+        <p14:creationId xmlns:p14="http://schemas.microsoft.com/office/powerpoint/2010/main" val="98146879"/>
+      </p:ext>
+    </p:extLst>
+  </p:cSld>
+  <p:clrMapOvr>
+    <a:masterClrMapping/>
+  </p:clrMapOvr>
+  <mc:AlternateContent xmlns:mc="http://schemas.openxmlformats.org/markup-compatibility/2006" xmlns:p14="http://schemas.microsoft.com/office/powerpoint/2010/main">
+    <mc:Choice Requires="p14">
+      <p:transition p14:dur="0" advClick="0"/>
+    </mc:Choice>
+    <mc:Fallback xmlns="">
+      <p:transition advClick="0"/>
+    </mc:Fallback>
+  </mc:AlternateContent>
+</p:sld>
+</file>
+
+<file path=ppt/slides/slide13.xml><?xml version="1.0" encoding="utf-8"?>
+<p:sld xmlns:a="http://schemas.openxmlformats.org/drawingml/2006/main" xmlns:r="http://schemas.openxmlformats.org/officeDocument/2006/relationships" xmlns:p="http://schemas.openxmlformats.org/presentationml/2006/main">
+  <p:cSld>
+    <p:spTree>
+      <p:nvGrpSpPr>
+        <p:cNvPr id="1" name=""/>
+        <p:cNvGrpSpPr/>
+        <p:nvPr/>
+      </p:nvGrpSpPr>
+      <p:grpSpPr>
+        <a:xfrm>
+          <a:off x="0" y="0"/>
+          <a:ext cx="0" cy="0"/>
+          <a:chOff x="0" y="0"/>
+          <a:chExt cx="0" cy="0"/>
+        </a:xfrm>
+      </p:grpSpPr>
+      <p:sp>
+        <p:nvSpPr>
+          <p:cNvPr id="3" name="Rechteck 2">
+            <a:extLst>
+              <a:ext uri="{FF2B5EF4-FFF2-40B4-BE49-F238E27FC236}">
+                <a16:creationId xmlns:a16="http://schemas.microsoft.com/office/drawing/2014/main" id="{90C32F19-964A-C64E-94F5-7CFAE07F6B54}"/>
+              </a:ext>
+            </a:extLst>
+          </p:cNvPr>
+          <p:cNvSpPr/>
+          <p:nvPr/>
+        </p:nvSpPr>
+        <p:spPr>
+          <a:xfrm>
+            <a:off x="3201148" y="3864451"/>
+            <a:ext cx="920079" cy="533873"/>
+          </a:xfrm>
+          <a:prstGeom prst="rect">
+            <a:avLst/>
+          </a:prstGeom>
+          <a:solidFill>
+            <a:schemeClr val="accent2"/>
+          </a:solidFill>
+          <a:ln>
+            <a:noFill/>
+          </a:ln>
+        </p:spPr>
+        <p:style>
+          <a:lnRef idx="0">
+            <a:scrgbClr r="0" g="0" b="0"/>
+          </a:lnRef>
+          <a:fillRef idx="0">
+            <a:scrgbClr r="0" g="0" b="0"/>
+          </a:fillRef>
+          <a:effectRef idx="0">
+            <a:scrgbClr r="0" g="0" b="0"/>
+          </a:effectRef>
+          <a:fontRef idx="minor">
+            <a:schemeClr val="lt1"/>
+          </a:fontRef>
+        </p:style>
+        <p:txBody>
+          <a:bodyPr rtlCol="0" anchor="ctr"/>
+          <a:lstStyle/>
+          <a:p>
+            <a:pPr algn="ctr"/>
+            <a:r>
+              <a:rPr lang="en-US" sz="1200" b="1" dirty="0">
+                <a:solidFill>
+                  <a:schemeClr val="bg2"/>
+                </a:solidFill>
+                <a:latin typeface="Lato Bold" charset="0"/>
+              </a:rPr>
+              <a:t>Production Machine</a:t>
+            </a:r>
+          </a:p>
+        </p:txBody>
+      </p:sp>
+      <p:sp>
+        <p:nvSpPr>
+          <p:cNvPr id="7" name="Rechteck 6">
+            <a:extLst>
+              <a:ext uri="{FF2B5EF4-FFF2-40B4-BE49-F238E27FC236}">
+                <a16:creationId xmlns:a16="http://schemas.microsoft.com/office/drawing/2014/main" id="{446A0A6E-C1ED-7141-929B-7829E0CCB0F1}"/>
+              </a:ext>
+            </a:extLst>
+          </p:cNvPr>
+          <p:cNvSpPr/>
+          <p:nvPr/>
+        </p:nvSpPr>
+        <p:spPr>
+          <a:xfrm>
+            <a:off x="4783461" y="3464044"/>
+            <a:ext cx="920079" cy="533873"/>
+          </a:xfrm>
+          <a:prstGeom prst="rect">
+            <a:avLst/>
+          </a:prstGeom>
+          <a:solidFill>
+            <a:schemeClr val="accent3"/>
+          </a:solidFill>
+          <a:ln>
+            <a:noFill/>
+          </a:ln>
+        </p:spPr>
+        <p:style>
+          <a:lnRef idx="0">
+            <a:scrgbClr r="0" g="0" b="0"/>
+          </a:lnRef>
+          <a:fillRef idx="0">
+            <a:scrgbClr r="0" g="0" b="0"/>
+          </a:fillRef>
+          <a:effectRef idx="0">
+            <a:scrgbClr r="0" g="0" b="0"/>
+          </a:effectRef>
+          <a:fontRef idx="minor">
+            <a:schemeClr val="lt1"/>
+          </a:fontRef>
+        </p:style>
+        <p:txBody>
+          <a:bodyPr rtlCol="0" anchor="ctr"/>
+          <a:lstStyle/>
+          <a:p>
+            <a:pPr algn="ctr"/>
+            <a:r>
+              <a:rPr lang="en-US" sz="1200" b="1" dirty="0">
+                <a:solidFill>
+                  <a:schemeClr val="bg2"/>
+                </a:solidFill>
+                <a:latin typeface="Lato Bold" charset="0"/>
+              </a:rPr>
+              <a:t>Wireless Gateway</a:t>
+            </a:r>
+          </a:p>
+        </p:txBody>
+      </p:sp>
+      <p:cxnSp>
+        <p:nvCxnSpPr>
+          <p:cNvPr id="8" name="Gerade Verbindung mit Pfeil 7">
+            <a:extLst>
+              <a:ext uri="{FF2B5EF4-FFF2-40B4-BE49-F238E27FC236}">
+                <a16:creationId xmlns:a16="http://schemas.microsoft.com/office/drawing/2014/main" id="{7A13BDD3-20CF-F541-8CFD-449C18890C19}"/>
+              </a:ext>
+            </a:extLst>
+          </p:cNvPr>
+          <p:cNvCxnSpPr>
+            <a:cxnSpLocks/>
+            <a:stCxn id="3" idx="3"/>
+            <a:endCxn id="7" idx="1"/>
+          </p:cNvCxnSpPr>
+          <p:nvPr/>
+        </p:nvCxnSpPr>
+        <p:spPr>
+          <a:xfrm flipV="1">
+            <a:off x="4121227" y="3730981"/>
+            <a:ext cx="662234" cy="400407"/>
+          </a:xfrm>
+          <a:prstGeom prst="straightConnector1">
+            <a:avLst/>
+          </a:prstGeom>
+          <a:ln w="19050">
+            <a:solidFill>
+              <a:schemeClr val="tx1"/>
+            </a:solidFill>
+            <a:headEnd type="triangle" w="med" len="med"/>
+            <a:tailEnd type="triangle" w="med" len="med"/>
+          </a:ln>
+        </p:spPr>
+        <p:style>
+          <a:lnRef idx="1">
+            <a:schemeClr val="accent1"/>
+          </a:lnRef>
+          <a:fillRef idx="0">
+            <a:schemeClr val="accent1"/>
+          </a:fillRef>
+          <a:effectRef idx="0">
+            <a:schemeClr val="accent1"/>
+          </a:effectRef>
+          <a:fontRef idx="minor">
+            <a:schemeClr val="tx1"/>
+          </a:fontRef>
+        </p:style>
+      </p:cxnSp>
+      <p:sp>
+        <p:nvSpPr>
+          <p:cNvPr id="15" name="Rechteck 14">
+            <a:extLst>
+              <a:ext uri="{FF2B5EF4-FFF2-40B4-BE49-F238E27FC236}">
+                <a16:creationId xmlns:a16="http://schemas.microsoft.com/office/drawing/2014/main" id="{ED6FA80F-BD55-BE4B-B976-4B8460658A41}"/>
+              </a:ext>
+            </a:extLst>
+          </p:cNvPr>
+          <p:cNvSpPr/>
+          <p:nvPr/>
+        </p:nvSpPr>
+        <p:spPr>
+          <a:xfrm>
+            <a:off x="6365774" y="3469121"/>
+            <a:ext cx="920079" cy="533873"/>
+          </a:xfrm>
+          <a:prstGeom prst="rect">
+            <a:avLst/>
+          </a:prstGeom>
+          <a:solidFill>
+            <a:schemeClr val="accent3"/>
+          </a:solidFill>
+          <a:ln>
+            <a:noFill/>
+          </a:ln>
+        </p:spPr>
+        <p:style>
+          <a:lnRef idx="0">
+            <a:scrgbClr r="0" g="0" b="0"/>
+          </a:lnRef>
+          <a:fillRef idx="0">
+            <a:scrgbClr r="0" g="0" b="0"/>
+          </a:fillRef>
+          <a:effectRef idx="0">
+            <a:scrgbClr r="0" g="0" b="0"/>
+          </a:effectRef>
+          <a:fontRef idx="minor">
+            <a:schemeClr val="lt1"/>
+          </a:fontRef>
+        </p:style>
+        <p:txBody>
+          <a:bodyPr rtlCol="0" anchor="ctr"/>
+          <a:lstStyle/>
+          <a:p>
+            <a:pPr algn="ctr"/>
+            <a:r>
+              <a:rPr lang="en-US" sz="1200" b="1" dirty="0">
+                <a:solidFill>
+                  <a:schemeClr val="bg2"/>
+                </a:solidFill>
+                <a:latin typeface="Lato Bold" charset="0"/>
+              </a:rPr>
+              <a:t>Factory</a:t>
+            </a:r>
+          </a:p>
+          <a:p>
+            <a:pPr algn="ctr"/>
+            <a:r>
+              <a:rPr lang="en-US" sz="1200" b="1" dirty="0">
+                <a:solidFill>
+                  <a:schemeClr val="bg2"/>
+                </a:solidFill>
+                <a:latin typeface="Lato Bold" charset="0"/>
+              </a:rPr>
+              <a:t>Server</a:t>
+            </a:r>
+          </a:p>
+        </p:txBody>
+      </p:sp>
+      <p:cxnSp>
+        <p:nvCxnSpPr>
+          <p:cNvPr id="18" name="Gerade Verbindung mit Pfeil 17">
+            <a:extLst>
+              <a:ext uri="{FF2B5EF4-FFF2-40B4-BE49-F238E27FC236}">
+                <a16:creationId xmlns:a16="http://schemas.microsoft.com/office/drawing/2014/main" id="{034A7E14-0EBE-C147-A653-A72D8B21F22A}"/>
+              </a:ext>
+            </a:extLst>
+          </p:cNvPr>
+          <p:cNvCxnSpPr>
+            <a:cxnSpLocks/>
+            <a:stCxn id="7" idx="3"/>
+            <a:endCxn id="15" idx="1"/>
+          </p:cNvCxnSpPr>
+          <p:nvPr/>
+        </p:nvCxnSpPr>
+        <p:spPr>
+          <a:xfrm>
+            <a:off x="5703540" y="3730981"/>
+            <a:ext cx="662234" cy="5077"/>
+          </a:xfrm>
+          <a:prstGeom prst="straightConnector1">
+            <a:avLst/>
+          </a:prstGeom>
+          <a:ln w="19050">
+            <a:solidFill>
+              <a:schemeClr val="tx1"/>
+            </a:solidFill>
+            <a:headEnd type="triangle" w="med" len="med"/>
+            <a:tailEnd type="triangle" w="med" len="med"/>
+          </a:ln>
+        </p:spPr>
+        <p:style>
+          <a:lnRef idx="1">
+            <a:schemeClr val="accent1"/>
+          </a:lnRef>
+          <a:fillRef idx="0">
+            <a:schemeClr val="accent1"/>
+          </a:fillRef>
+          <a:effectRef idx="0">
+            <a:schemeClr val="accent1"/>
+          </a:effectRef>
+          <a:fontRef idx="minor">
+            <a:schemeClr val="tx1"/>
+          </a:fontRef>
+        </p:style>
+      </p:cxnSp>
+      <p:sp>
+        <p:nvSpPr>
+          <p:cNvPr id="21" name="Rechteck 20">
+            <a:extLst>
+              <a:ext uri="{FF2B5EF4-FFF2-40B4-BE49-F238E27FC236}">
+                <a16:creationId xmlns:a16="http://schemas.microsoft.com/office/drawing/2014/main" id="{11CD4661-CEA0-A540-B475-890A9B305A6D}"/>
+              </a:ext>
+            </a:extLst>
+          </p:cNvPr>
+          <p:cNvSpPr/>
+          <p:nvPr/>
+        </p:nvSpPr>
+        <p:spPr>
+          <a:xfrm>
+            <a:off x="7948087" y="2993548"/>
+            <a:ext cx="920079" cy="533873"/>
+          </a:xfrm>
+          <a:prstGeom prst="rect">
+            <a:avLst/>
+          </a:prstGeom>
+          <a:solidFill>
+            <a:schemeClr val="accent3"/>
+          </a:solidFill>
+          <a:ln>
+            <a:noFill/>
+          </a:ln>
+        </p:spPr>
+        <p:style>
+          <a:lnRef idx="0">
+            <a:scrgbClr r="0" g="0" b="0"/>
+          </a:lnRef>
+          <a:fillRef idx="0">
+            <a:scrgbClr r="0" g="0" b="0"/>
+          </a:fillRef>
+          <a:effectRef idx="0">
+            <a:scrgbClr r="0" g="0" b="0"/>
+          </a:effectRef>
+          <a:fontRef idx="minor">
+            <a:schemeClr val="lt1"/>
+          </a:fontRef>
+        </p:style>
+        <p:txBody>
+          <a:bodyPr rtlCol="0" anchor="ctr"/>
+          <a:lstStyle/>
+          <a:p>
+            <a:pPr algn="ctr"/>
+            <a:r>
+              <a:rPr lang="en-US" sz="1200" b="1" dirty="0">
+                <a:solidFill>
+                  <a:schemeClr val="bg2"/>
+                </a:solidFill>
+                <a:latin typeface="Lato Bold" charset="0"/>
+              </a:rPr>
+              <a:t>Central Office</a:t>
+            </a:r>
+          </a:p>
+          <a:p>
+            <a:pPr algn="ctr"/>
+            <a:r>
+              <a:rPr lang="en-US" sz="1200" b="1" dirty="0">
+                <a:solidFill>
+                  <a:schemeClr val="bg2"/>
+                </a:solidFill>
+                <a:latin typeface="Lato Bold" charset="0"/>
+              </a:rPr>
+              <a:t>Server</a:t>
+            </a:r>
+          </a:p>
+        </p:txBody>
+      </p:sp>
+      <p:cxnSp>
+        <p:nvCxnSpPr>
+          <p:cNvPr id="22" name="Gerade Verbindung mit Pfeil 21">
+            <a:extLst>
+              <a:ext uri="{FF2B5EF4-FFF2-40B4-BE49-F238E27FC236}">
+                <a16:creationId xmlns:a16="http://schemas.microsoft.com/office/drawing/2014/main" id="{9B45149D-A162-C14C-847B-742B3EA1D614}"/>
+              </a:ext>
+            </a:extLst>
+          </p:cNvPr>
+          <p:cNvCxnSpPr>
+            <a:cxnSpLocks/>
+            <a:stCxn id="15" idx="3"/>
+            <a:endCxn id="21" idx="1"/>
+          </p:cNvCxnSpPr>
+          <p:nvPr/>
+        </p:nvCxnSpPr>
+        <p:spPr>
+          <a:xfrm flipV="1">
+            <a:off x="7285853" y="3260485"/>
+            <a:ext cx="662234" cy="475573"/>
+          </a:xfrm>
+          <a:prstGeom prst="straightConnector1">
+            <a:avLst/>
+          </a:prstGeom>
+          <a:ln w="19050">
+            <a:solidFill>
+              <a:schemeClr val="tx1"/>
+            </a:solidFill>
+            <a:headEnd type="triangle" w="med" len="med"/>
+            <a:tailEnd type="triangle" w="med" len="med"/>
+          </a:ln>
+        </p:spPr>
+        <p:style>
+          <a:lnRef idx="1">
+            <a:schemeClr val="accent1"/>
+          </a:lnRef>
+          <a:fillRef idx="0">
+            <a:schemeClr val="accent1"/>
+          </a:fillRef>
+          <a:effectRef idx="0">
+            <a:schemeClr val="accent1"/>
+          </a:effectRef>
+          <a:fontRef idx="minor">
+            <a:schemeClr val="tx1"/>
+          </a:fontRef>
+        </p:style>
+      </p:cxnSp>
+      <p:cxnSp>
+        <p:nvCxnSpPr>
+          <p:cNvPr id="34" name="Gerade Verbindung mit Pfeil 33">
+            <a:extLst>
+              <a:ext uri="{FF2B5EF4-FFF2-40B4-BE49-F238E27FC236}">
+                <a16:creationId xmlns:a16="http://schemas.microsoft.com/office/drawing/2014/main" id="{1F60FE65-ADA2-5243-9166-CCE4251C24BF}"/>
+              </a:ext>
+            </a:extLst>
+          </p:cNvPr>
+          <p:cNvCxnSpPr>
+            <a:cxnSpLocks/>
+            <a:stCxn id="15" idx="3"/>
+            <a:endCxn id="37" idx="1"/>
+          </p:cNvCxnSpPr>
+          <p:nvPr/>
+        </p:nvCxnSpPr>
+        <p:spPr>
+          <a:xfrm>
+            <a:off x="7285853" y="3736058"/>
+            <a:ext cx="662234" cy="395330"/>
+          </a:xfrm>
+          <a:prstGeom prst="straightConnector1">
+            <a:avLst/>
+          </a:prstGeom>
+          <a:ln w="19050">
+            <a:solidFill>
+              <a:schemeClr val="tx1"/>
+            </a:solidFill>
+            <a:headEnd type="triangle" w="med" len="med"/>
+            <a:tailEnd type="triangle" w="med" len="med"/>
+          </a:ln>
+        </p:spPr>
+        <p:style>
+          <a:lnRef idx="1">
+            <a:schemeClr val="accent1"/>
+          </a:lnRef>
+          <a:fillRef idx="0">
+            <a:schemeClr val="accent1"/>
+          </a:fillRef>
+          <a:effectRef idx="0">
+            <a:schemeClr val="accent1"/>
+          </a:effectRef>
+          <a:fontRef idx="minor">
+            <a:schemeClr val="tx1"/>
+          </a:fontRef>
+        </p:style>
+      </p:cxnSp>
+      <p:sp>
+        <p:nvSpPr>
+          <p:cNvPr id="37" name="Rechteck 36">
+            <a:extLst>
+              <a:ext uri="{FF2B5EF4-FFF2-40B4-BE49-F238E27FC236}">
+                <a16:creationId xmlns:a16="http://schemas.microsoft.com/office/drawing/2014/main" id="{FBC99236-8066-7E4B-AE7F-B4F4A6E05703}"/>
+              </a:ext>
+            </a:extLst>
+          </p:cNvPr>
+          <p:cNvSpPr/>
+          <p:nvPr/>
+        </p:nvSpPr>
+        <p:spPr>
+          <a:xfrm>
+            <a:off x="7948087" y="3864451"/>
+            <a:ext cx="920079" cy="533873"/>
+          </a:xfrm>
+          <a:prstGeom prst="rect">
+            <a:avLst/>
+          </a:prstGeom>
+          <a:solidFill>
+            <a:schemeClr val="accent4"/>
+          </a:solidFill>
+          <a:ln>
+            <a:noFill/>
+          </a:ln>
+        </p:spPr>
+        <p:style>
+          <a:lnRef idx="0">
+            <a:scrgbClr r="0" g="0" b="0"/>
+          </a:lnRef>
+          <a:fillRef idx="0">
+            <a:scrgbClr r="0" g="0" b="0"/>
+          </a:fillRef>
+          <a:effectRef idx="0">
+            <a:scrgbClr r="0" g="0" b="0"/>
+          </a:effectRef>
+          <a:fontRef idx="minor">
+            <a:schemeClr val="lt1"/>
+          </a:fontRef>
+        </p:style>
+        <p:txBody>
+          <a:bodyPr rtlCol="0" anchor="ctr"/>
+          <a:lstStyle/>
+          <a:p>
+            <a:pPr algn="ctr"/>
+            <a:r>
+              <a:rPr lang="en-US" sz="1200" b="1" dirty="0">
+                <a:solidFill>
+                  <a:schemeClr val="bg2"/>
+                </a:solidFill>
+                <a:latin typeface="Lato Bold" charset="0"/>
+              </a:rPr>
+              <a:t>Cloud</a:t>
+            </a:r>
+          </a:p>
+        </p:txBody>
+      </p:sp>
+      <p:sp>
+        <p:nvSpPr>
+          <p:cNvPr id="58" name="TextBox 39">
+            <a:extLst>
+              <a:ext uri="{FF2B5EF4-FFF2-40B4-BE49-F238E27FC236}">
+                <a16:creationId xmlns:a16="http://schemas.microsoft.com/office/drawing/2014/main" id="{0278D2CF-BC22-ED4D-A8B2-1400F8C1EB6C}"/>
+              </a:ext>
+            </a:extLst>
+          </p:cNvPr>
+          <p:cNvSpPr txBox="1"/>
+          <p:nvPr/>
+        </p:nvSpPr>
+        <p:spPr>
+          <a:xfrm>
+            <a:off x="4437651" y="241509"/>
+            <a:ext cx="3316724" cy="723267"/>
+          </a:xfrm>
+          <a:prstGeom prst="rect">
+            <a:avLst/>
+          </a:prstGeom>
+          <a:noFill/>
+        </p:spPr>
+        <p:txBody>
+          <a:bodyPr wrap="none" lIns="45711" tIns="22856" rIns="45711" bIns="22856" rtlCol="0">
+            <a:spAutoFit/>
+          </a:bodyPr>
+          <a:lstStyle/>
+          <a:p>
+            <a:pPr algn="ctr"/>
+            <a:r>
+              <a:rPr lang="en-US" sz="4400" b="1" dirty="0">
+                <a:solidFill>
+                  <a:schemeClr val="tx2"/>
+                </a:solidFill>
+                <a:latin typeface="Lato" charset="0"/>
+                <a:ea typeface="Lato" charset="0"/>
+                <a:cs typeface="Lato" charset="0"/>
+              </a:rPr>
+              <a:t>Infrastructure</a:t>
+            </a:r>
+            <a:endParaRPr lang="id-ID" sz="4400" b="1" dirty="0">
+              <a:solidFill>
+                <a:schemeClr val="tx2"/>
+              </a:solidFill>
+              <a:latin typeface="Lato" charset="0"/>
+              <a:ea typeface="Lato" charset="0"/>
+              <a:cs typeface="Lato" charset="0"/>
+            </a:endParaRPr>
+          </a:p>
+        </p:txBody>
+      </p:sp>
+      <p:sp>
+        <p:nvSpPr>
+          <p:cNvPr id="59" name="Rectangle 40">
+            <a:extLst>
+              <a:ext uri="{FF2B5EF4-FFF2-40B4-BE49-F238E27FC236}">
+                <a16:creationId xmlns:a16="http://schemas.microsoft.com/office/drawing/2014/main" id="{DCF1191F-9ADA-EC49-B22E-FB7EF4D77533}"/>
+              </a:ext>
+            </a:extLst>
+          </p:cNvPr>
+          <p:cNvSpPr/>
+          <p:nvPr/>
+        </p:nvSpPr>
+        <p:spPr>
+          <a:xfrm>
+            <a:off x="5718037" y="1235334"/>
+            <a:ext cx="776519" cy="45719"/>
+          </a:xfrm>
+          <a:prstGeom prst="rect">
+            <a:avLst/>
+          </a:prstGeom>
+          <a:solidFill>
+            <a:schemeClr val="tx2"/>
+          </a:solidFill>
+          <a:ln>
+            <a:noFill/>
+          </a:ln>
+          <a:effectLst/>
+        </p:spPr>
+        <p:style>
+          <a:lnRef idx="1">
+            <a:schemeClr val="accent1"/>
+          </a:lnRef>
+          <a:fillRef idx="3">
+            <a:schemeClr val="accent1"/>
+          </a:fillRef>
+          <a:effectRef idx="2">
+            <a:schemeClr val="accent1"/>
+          </a:effectRef>
+          <a:fontRef idx="minor">
+            <a:schemeClr val="lt1"/>
+          </a:fontRef>
+        </p:style>
+        <p:txBody>
+          <a:bodyPr lIns="45670" tIns="22836" rIns="45670" bIns="22836" rtlCol="0" anchor="ctr"/>
+          <a:lstStyle/>
+          <a:p>
+            <a:pPr algn="ctr"/>
+            <a:endParaRPr lang="en-US" sz="900" dirty="0">
+              <a:solidFill>
+                <a:schemeClr val="accent2"/>
+              </a:solidFill>
+              <a:latin typeface="Lato Light" charset="0"/>
+            </a:endParaRPr>
+          </a:p>
+        </p:txBody>
+      </p:sp>
+      <p:sp>
+        <p:nvSpPr>
+          <p:cNvPr id="60" name="Subtitle 2">
+            <a:extLst>
+              <a:ext uri="{FF2B5EF4-FFF2-40B4-BE49-F238E27FC236}">
+                <a16:creationId xmlns:a16="http://schemas.microsoft.com/office/drawing/2014/main" id="{BBBD0670-007B-E142-94C8-1DED431A4510}"/>
+              </a:ext>
+            </a:extLst>
+          </p:cNvPr>
+          <p:cNvSpPr txBox="1">
+            <a:spLocks/>
+          </p:cNvSpPr>
+          <p:nvPr/>
+        </p:nvSpPr>
+        <p:spPr>
+          <a:xfrm>
+            <a:off x="5069126" y="817417"/>
+            <a:ext cx="2074417" cy="376997"/>
+          </a:xfrm>
+          <a:prstGeom prst="rect">
+            <a:avLst/>
+          </a:prstGeom>
+        </p:spPr>
+        <p:txBody>
+          <a:bodyPr vert="horz" wrap="none" lIns="108745" tIns="54373" rIns="108745" bIns="54373" rtlCol="0">
+            <a:spAutoFit/>
+          </a:bodyPr>
+          <a:lstStyle>
+            <a:lvl1pPr marL="0" indent="0" algn="ctr" defTabSz="1087636" rtl="0" eaLnBrk="1" latinLnBrk="0" hangingPunct="1">
+              <a:lnSpc>
+                <a:spcPct val="120000"/>
+              </a:lnSpc>
+              <a:spcBef>
+                <a:spcPct val="20000"/>
+              </a:spcBef>
+              <a:buFont typeface="Arial"/>
+              <a:buNone/>
+              <a:defRPr sz="2400" kern="1200">
+                <a:solidFill>
+                  <a:schemeClr val="tx2"/>
+                </a:solidFill>
+                <a:latin typeface="Open Sans Light"/>
+                <a:ea typeface="+mn-ea"/>
+                <a:cs typeface="Open Sans Light"/>
+              </a:defRPr>
+            </a:lvl1pPr>
+            <a:lvl2pPr marL="1087636" indent="0" algn="ctr" defTabSz="1087636" rtl="0" eaLnBrk="1" latinLnBrk="0" hangingPunct="1">
+              <a:lnSpc>
+                <a:spcPct val="130000"/>
+              </a:lnSpc>
+              <a:spcBef>
+                <a:spcPct val="20000"/>
+              </a:spcBef>
+              <a:buFont typeface="Arial"/>
+              <a:buNone/>
+              <a:defRPr sz="3200" kern="1200">
+                <a:solidFill>
+                  <a:schemeClr val="tx1">
+                    <a:tint val="75000"/>
+                  </a:schemeClr>
+                </a:solidFill>
+                <a:latin typeface="Open Sans"/>
+                <a:ea typeface="+mn-ea"/>
+                <a:cs typeface="Open Sans"/>
+              </a:defRPr>
+            </a:lvl2pPr>
+            <a:lvl3pPr marL="2175271" indent="0" algn="ctr" defTabSz="1087636" rtl="0" eaLnBrk="1" latinLnBrk="0" hangingPunct="1">
+              <a:lnSpc>
+                <a:spcPct val="130000"/>
+              </a:lnSpc>
+              <a:spcBef>
+                <a:spcPct val="20000"/>
+              </a:spcBef>
+              <a:buFont typeface="Arial"/>
+              <a:buNone/>
+              <a:defRPr sz="3200" kern="1200">
+                <a:solidFill>
+                  <a:schemeClr val="tx1">
+                    <a:tint val="75000"/>
+                  </a:schemeClr>
+                </a:solidFill>
+                <a:latin typeface="Open Sans"/>
+                <a:ea typeface="+mn-ea"/>
+                <a:cs typeface="Open Sans"/>
+              </a:defRPr>
+            </a:lvl3pPr>
+            <a:lvl4pPr marL="3262912" indent="0" algn="ctr" defTabSz="1087636" rtl="0" eaLnBrk="1" latinLnBrk="0" hangingPunct="1">
+              <a:lnSpc>
+                <a:spcPct val="130000"/>
+              </a:lnSpc>
+              <a:spcBef>
+                <a:spcPct val="20000"/>
+              </a:spcBef>
+              <a:buFont typeface="Arial"/>
+              <a:buNone/>
+              <a:defRPr sz="3200" kern="1200">
+                <a:solidFill>
+                  <a:schemeClr val="tx1">
+                    <a:tint val="75000"/>
+                  </a:schemeClr>
+                </a:solidFill>
+                <a:latin typeface="Open Sans"/>
+                <a:ea typeface="+mn-ea"/>
+                <a:cs typeface="Open Sans"/>
+              </a:defRPr>
+            </a:lvl4pPr>
+            <a:lvl5pPr marL="4350546" indent="0" algn="ctr" defTabSz="1087636" rtl="0" eaLnBrk="1" latinLnBrk="0" hangingPunct="1">
+              <a:lnSpc>
+                <a:spcPct val="130000"/>
+              </a:lnSpc>
+              <a:spcBef>
+                <a:spcPct val="20000"/>
+              </a:spcBef>
+              <a:buFont typeface="Arial"/>
+              <a:buNone/>
+              <a:defRPr sz="3200" kern="1200">
+                <a:solidFill>
+                  <a:schemeClr val="tx1">
+                    <a:tint val="75000"/>
+                  </a:schemeClr>
+                </a:solidFill>
+                <a:latin typeface="Open Sans"/>
+                <a:ea typeface="+mn-ea"/>
+                <a:cs typeface="Open Sans"/>
+              </a:defRPr>
+            </a:lvl5pPr>
+            <a:lvl6pPr marL="5438184" indent="0" algn="ctr" defTabSz="1087636" rtl="0" eaLnBrk="1" latinLnBrk="0" hangingPunct="1">
+              <a:spcBef>
+                <a:spcPct val="20000"/>
+              </a:spcBef>
+              <a:buFont typeface="Arial"/>
+              <a:buNone/>
+              <a:defRPr sz="4800" kern="1200">
+                <a:solidFill>
+                  <a:schemeClr val="tx1">
+                    <a:tint val="75000"/>
+                  </a:schemeClr>
+                </a:solidFill>
+                <a:latin typeface="+mn-lt"/>
+                <a:ea typeface="+mn-ea"/>
+                <a:cs typeface="+mn-cs"/>
+              </a:defRPr>
+            </a:lvl6pPr>
+            <a:lvl7pPr marL="6525820" indent="0" algn="ctr" defTabSz="1087636" rtl="0" eaLnBrk="1" latinLnBrk="0" hangingPunct="1">
+              <a:spcBef>
+                <a:spcPct val="20000"/>
+              </a:spcBef>
+              <a:buFont typeface="Arial"/>
+              <a:buNone/>
+              <a:defRPr sz="4800" kern="1200">
+                <a:solidFill>
+                  <a:schemeClr val="tx1">
+                    <a:tint val="75000"/>
+                  </a:schemeClr>
+                </a:solidFill>
+                <a:latin typeface="+mn-lt"/>
+                <a:ea typeface="+mn-ea"/>
+                <a:cs typeface="+mn-cs"/>
+              </a:defRPr>
+            </a:lvl7pPr>
+            <a:lvl8pPr marL="7613455" indent="0" algn="ctr" defTabSz="1087636" rtl="0" eaLnBrk="1" latinLnBrk="0" hangingPunct="1">
+              <a:spcBef>
+                <a:spcPct val="20000"/>
+              </a:spcBef>
+              <a:buFont typeface="Arial"/>
+              <a:buNone/>
+              <a:defRPr sz="4800" kern="1200">
+                <a:solidFill>
+                  <a:schemeClr val="tx1">
+                    <a:tint val="75000"/>
+                  </a:schemeClr>
+                </a:solidFill>
+                <a:latin typeface="+mn-lt"/>
+                <a:ea typeface="+mn-ea"/>
+                <a:cs typeface="+mn-cs"/>
+              </a:defRPr>
+            </a:lvl8pPr>
+            <a:lvl9pPr marL="8701091" indent="0" algn="ctr" defTabSz="1087636" rtl="0" eaLnBrk="1" latinLnBrk="0" hangingPunct="1">
+              <a:spcBef>
+                <a:spcPct val="20000"/>
+              </a:spcBef>
+              <a:buFont typeface="Arial"/>
+              <a:buNone/>
+              <a:defRPr sz="4800" kern="1200">
+                <a:solidFill>
+                  <a:schemeClr val="tx1">
+                    <a:tint val="75000"/>
+                  </a:schemeClr>
+                </a:solidFill>
+                <a:latin typeface="+mn-lt"/>
+                <a:ea typeface="+mn-ea"/>
+                <a:cs typeface="+mn-cs"/>
+              </a:defRPr>
+            </a:lvl9pPr>
+          </a:lstStyle>
+          <a:p>
+            <a:r>
+              <a:rPr lang="en-US" sz="1550" dirty="0">
+                <a:latin typeface="Lato Light"/>
+                <a:cs typeface="Lato Light"/>
+              </a:rPr>
+              <a:t>Smart Factory Scenario</a:t>
+            </a:r>
+          </a:p>
+        </p:txBody>
+      </p:sp>
+      <p:sp>
+        <p:nvSpPr>
+          <p:cNvPr id="29" name="Rechteck 28">
+            <a:extLst>
+              <a:ext uri="{FF2B5EF4-FFF2-40B4-BE49-F238E27FC236}">
+                <a16:creationId xmlns:a16="http://schemas.microsoft.com/office/drawing/2014/main" id="{71FD419D-49F9-694A-A767-0DEA6D45DBB4}"/>
+              </a:ext>
+            </a:extLst>
+          </p:cNvPr>
+          <p:cNvSpPr/>
+          <p:nvPr/>
+        </p:nvSpPr>
+        <p:spPr>
+          <a:xfrm>
+            <a:off x="3201148" y="2993548"/>
+            <a:ext cx="920079" cy="533873"/>
+          </a:xfrm>
+          <a:prstGeom prst="rect">
+            <a:avLst/>
+          </a:prstGeom>
+          <a:solidFill>
+            <a:schemeClr val="accent2"/>
+          </a:solidFill>
+          <a:ln>
+            <a:noFill/>
+          </a:ln>
+        </p:spPr>
+        <p:style>
+          <a:lnRef idx="0">
+            <a:scrgbClr r="0" g="0" b="0"/>
+          </a:lnRef>
+          <a:fillRef idx="0">
+            <a:scrgbClr r="0" g="0" b="0"/>
+          </a:fillRef>
+          <a:effectRef idx="0">
+            <a:scrgbClr r="0" g="0" b="0"/>
+          </a:effectRef>
+          <a:fontRef idx="minor">
+            <a:schemeClr val="lt1"/>
+          </a:fontRef>
+        </p:style>
+        <p:txBody>
+          <a:bodyPr rtlCol="0" anchor="ctr"/>
+          <a:lstStyle/>
+          <a:p>
+            <a:pPr algn="ctr"/>
+            <a:r>
+              <a:rPr lang="en-US" sz="1200" b="1" dirty="0">
+                <a:solidFill>
+                  <a:schemeClr val="bg2"/>
+                </a:solidFill>
+                <a:latin typeface="Lato Bold" charset="0"/>
+              </a:rPr>
+              <a:t>Packaging Machine</a:t>
+            </a:r>
+          </a:p>
+        </p:txBody>
+      </p:sp>
+      <p:cxnSp>
+        <p:nvCxnSpPr>
+          <p:cNvPr id="33" name="Gerade Verbindung mit Pfeil 32">
+            <a:extLst>
+              <a:ext uri="{FF2B5EF4-FFF2-40B4-BE49-F238E27FC236}">
+                <a16:creationId xmlns:a16="http://schemas.microsoft.com/office/drawing/2014/main" id="{4940D1EC-8290-CA4E-B89F-BD1A57E7F097}"/>
+              </a:ext>
+            </a:extLst>
+          </p:cNvPr>
+          <p:cNvCxnSpPr>
+            <a:cxnSpLocks/>
+            <a:stCxn id="29" idx="3"/>
+            <a:endCxn id="7" idx="1"/>
+          </p:cNvCxnSpPr>
+          <p:nvPr/>
+        </p:nvCxnSpPr>
+        <p:spPr>
+          <a:xfrm>
+            <a:off x="4121227" y="3260485"/>
+            <a:ext cx="662234" cy="470496"/>
+          </a:xfrm>
+          <a:prstGeom prst="straightConnector1">
+            <a:avLst/>
+          </a:prstGeom>
+          <a:ln w="19050">
+            <a:solidFill>
+              <a:schemeClr val="tx1"/>
+            </a:solidFill>
+            <a:headEnd type="triangle" w="med" len="med"/>
+            <a:tailEnd type="triangle" w="med" len="med"/>
+          </a:ln>
+        </p:spPr>
+        <p:style>
+          <a:lnRef idx="1">
+            <a:schemeClr val="accent1"/>
+          </a:lnRef>
+          <a:fillRef idx="0">
+            <a:schemeClr val="accent1"/>
+          </a:fillRef>
+          <a:effectRef idx="0">
+            <a:schemeClr val="accent1"/>
+          </a:effectRef>
+          <a:fontRef idx="minor">
+            <a:schemeClr val="tx1"/>
+          </a:fontRef>
+        </p:style>
+      </p:cxnSp>
+      <p:cxnSp>
+        <p:nvCxnSpPr>
+          <p:cNvPr id="23" name="Gerade Verbindung mit Pfeil 22">
+            <a:extLst>
+              <a:ext uri="{FF2B5EF4-FFF2-40B4-BE49-F238E27FC236}">
+                <a16:creationId xmlns:a16="http://schemas.microsoft.com/office/drawing/2014/main" id="{0126AB01-3C92-704D-93D4-4F282D604D49}"/>
+              </a:ext>
+            </a:extLst>
+          </p:cNvPr>
+          <p:cNvCxnSpPr>
+            <a:cxnSpLocks/>
+            <a:stCxn id="21" idx="2"/>
+            <a:endCxn id="37" idx="0"/>
+          </p:cNvCxnSpPr>
+          <p:nvPr/>
+        </p:nvCxnSpPr>
+        <p:spPr>
+          <a:xfrm>
+            <a:off x="8408127" y="3527421"/>
+            <a:ext cx="0" cy="337030"/>
+          </a:xfrm>
+          <a:prstGeom prst="straightConnector1">
+            <a:avLst/>
+          </a:prstGeom>
+          <a:ln w="19050">
+            <a:solidFill>
+              <a:schemeClr val="tx1"/>
+            </a:solidFill>
+            <a:headEnd type="triangle" w="med" len="med"/>
+            <a:tailEnd type="triangle" w="med" len="med"/>
+          </a:ln>
+        </p:spPr>
+        <p:style>
+          <a:lnRef idx="1">
+            <a:schemeClr val="accent1"/>
+          </a:lnRef>
+          <a:fillRef idx="0">
+            <a:schemeClr val="accent1"/>
+          </a:fillRef>
+          <a:effectRef idx="0">
+            <a:schemeClr val="accent1"/>
+          </a:effectRef>
+          <a:fontRef idx="minor">
+            <a:schemeClr val="tx1"/>
+          </a:fontRef>
+        </p:style>
+      </p:cxnSp>
+      <p:sp>
+        <p:nvSpPr>
+          <p:cNvPr id="14" name="Rechteck 13">
+            <a:extLst>
+              <a:ext uri="{FF2B5EF4-FFF2-40B4-BE49-F238E27FC236}">
+                <a16:creationId xmlns:a16="http://schemas.microsoft.com/office/drawing/2014/main" id="{DFD316DD-EC26-774B-B856-A0315E9D2A4C}"/>
+              </a:ext>
+            </a:extLst>
+          </p:cNvPr>
+          <p:cNvSpPr/>
+          <p:nvPr/>
+        </p:nvSpPr>
+        <p:spPr>
+          <a:xfrm>
+            <a:off x="8387301" y="3565131"/>
+            <a:ext cx="495649" cy="261610"/>
+          </a:xfrm>
+          <a:prstGeom prst="rect">
+            <a:avLst/>
+          </a:prstGeom>
+        </p:spPr>
+        <p:txBody>
+          <a:bodyPr wrap="none">
+            <a:spAutoFit/>
+          </a:bodyPr>
+          <a:lstStyle/>
+          <a:p>
+            <a:r>
+              <a:rPr lang="en-US" sz="1100" dirty="0">
+                <a:latin typeface="Lato Light" charset="0"/>
+                <a:ea typeface="Lato Light" charset="0"/>
+                <a:cs typeface="Lato Light" charset="0"/>
+              </a:rPr>
+              <a:t>20ms</a:t>
+            </a:r>
+            <a:endParaRPr lang="en-US" sz="1050" dirty="0"/>
+          </a:p>
+        </p:txBody>
+      </p:sp>
+      <p:sp>
+        <p:nvSpPr>
+          <p:cNvPr id="28" name="Rechteck 27">
+            <a:extLst>
+              <a:ext uri="{FF2B5EF4-FFF2-40B4-BE49-F238E27FC236}">
+                <a16:creationId xmlns:a16="http://schemas.microsoft.com/office/drawing/2014/main" id="{27A7881E-799E-D24B-9403-FE88F143C3E1}"/>
+              </a:ext>
+            </a:extLst>
+          </p:cNvPr>
+          <p:cNvSpPr/>
+          <p:nvPr/>
+        </p:nvSpPr>
+        <p:spPr>
+          <a:xfrm>
+            <a:off x="7369145" y="3944695"/>
+            <a:ext cx="495649" cy="261610"/>
+          </a:xfrm>
+          <a:prstGeom prst="rect">
+            <a:avLst/>
+          </a:prstGeom>
+        </p:spPr>
+        <p:txBody>
+          <a:bodyPr wrap="none">
+            <a:spAutoFit/>
+          </a:bodyPr>
+          <a:lstStyle/>
+          <a:p>
+            <a:r>
+              <a:rPr lang="en-US" sz="1100" dirty="0">
+                <a:latin typeface="Lato Light" charset="0"/>
+                <a:ea typeface="Lato Light" charset="0"/>
+                <a:cs typeface="Lato Light" charset="0"/>
+              </a:rPr>
+              <a:t>24ms</a:t>
+            </a:r>
+            <a:endParaRPr lang="en-US" sz="1050" dirty="0"/>
+          </a:p>
+        </p:txBody>
+      </p:sp>
+      <p:sp>
+        <p:nvSpPr>
+          <p:cNvPr id="30" name="Rechteck 29">
+            <a:extLst>
+              <a:ext uri="{FF2B5EF4-FFF2-40B4-BE49-F238E27FC236}">
+                <a16:creationId xmlns:a16="http://schemas.microsoft.com/office/drawing/2014/main" id="{C23F53E6-6716-5448-9081-2012ECBE9C0D}"/>
+              </a:ext>
+            </a:extLst>
+          </p:cNvPr>
+          <p:cNvSpPr/>
+          <p:nvPr/>
+        </p:nvSpPr>
+        <p:spPr>
+          <a:xfrm>
+            <a:off x="7369144" y="3197992"/>
+            <a:ext cx="495649" cy="261610"/>
+          </a:xfrm>
+          <a:prstGeom prst="rect">
+            <a:avLst/>
+          </a:prstGeom>
+        </p:spPr>
+        <p:txBody>
+          <a:bodyPr wrap="none">
+            <a:spAutoFit/>
+          </a:bodyPr>
+          <a:lstStyle/>
+          <a:p>
+            <a:r>
+              <a:rPr lang="en-US" sz="1100" dirty="0">
+                <a:latin typeface="Lato Light" charset="0"/>
+                <a:ea typeface="Lato Light" charset="0"/>
+                <a:cs typeface="Lato Light" charset="0"/>
+              </a:rPr>
+              <a:t>16ms</a:t>
+            </a:r>
+            <a:endParaRPr lang="en-US" sz="1050" dirty="0"/>
+          </a:p>
+        </p:txBody>
+      </p:sp>
+      <p:sp>
+        <p:nvSpPr>
+          <p:cNvPr id="31" name="Rechteck 30">
+            <a:extLst>
+              <a:ext uri="{FF2B5EF4-FFF2-40B4-BE49-F238E27FC236}">
+                <a16:creationId xmlns:a16="http://schemas.microsoft.com/office/drawing/2014/main" id="{9C628710-E702-9A45-9504-54B5C5934479}"/>
+              </a:ext>
+            </a:extLst>
+          </p:cNvPr>
+          <p:cNvSpPr/>
+          <p:nvPr/>
+        </p:nvSpPr>
+        <p:spPr>
+          <a:xfrm>
+            <a:off x="5819114" y="3495733"/>
+            <a:ext cx="423514" cy="261610"/>
+          </a:xfrm>
+          <a:prstGeom prst="rect">
+            <a:avLst/>
+          </a:prstGeom>
+        </p:spPr>
+        <p:txBody>
+          <a:bodyPr wrap="none">
+            <a:spAutoFit/>
+          </a:bodyPr>
+          <a:lstStyle/>
+          <a:p>
+            <a:r>
+              <a:rPr lang="en-US" sz="1100" dirty="0">
+                <a:latin typeface="Lato Light" charset="0"/>
+                <a:ea typeface="Lato Light" charset="0"/>
+                <a:cs typeface="Lato Light" charset="0"/>
+              </a:rPr>
+              <a:t>2ms</a:t>
+            </a:r>
+            <a:endParaRPr lang="en-US" sz="1050" dirty="0"/>
+          </a:p>
+        </p:txBody>
+      </p:sp>
+      <p:sp>
+        <p:nvSpPr>
+          <p:cNvPr id="32" name="Rechteck 31">
+            <a:extLst>
+              <a:ext uri="{FF2B5EF4-FFF2-40B4-BE49-F238E27FC236}">
+                <a16:creationId xmlns:a16="http://schemas.microsoft.com/office/drawing/2014/main" id="{2ADDCF5A-8470-8A41-BB1D-382F723CDCB3}"/>
+              </a:ext>
+            </a:extLst>
+          </p:cNvPr>
+          <p:cNvSpPr/>
+          <p:nvPr/>
+        </p:nvSpPr>
+        <p:spPr>
+          <a:xfrm>
+            <a:off x="4298374" y="3246108"/>
+            <a:ext cx="423514" cy="261610"/>
+          </a:xfrm>
+          <a:prstGeom prst="rect">
+            <a:avLst/>
+          </a:prstGeom>
+        </p:spPr>
+        <p:txBody>
+          <a:bodyPr wrap="none">
+            <a:spAutoFit/>
+          </a:bodyPr>
+          <a:lstStyle/>
+          <a:p>
+            <a:r>
+              <a:rPr lang="en-US" sz="1100" dirty="0">
+                <a:latin typeface="Lato Light" charset="0"/>
+                <a:ea typeface="Lato Light" charset="0"/>
+                <a:cs typeface="Lato Light" charset="0"/>
+              </a:rPr>
+              <a:t>4ms</a:t>
+            </a:r>
+            <a:endParaRPr lang="en-US" sz="1050" dirty="0"/>
+          </a:p>
+        </p:txBody>
+      </p:sp>
+      <p:sp>
+        <p:nvSpPr>
+          <p:cNvPr id="35" name="Rechteck 34">
+            <a:extLst>
+              <a:ext uri="{FF2B5EF4-FFF2-40B4-BE49-F238E27FC236}">
+                <a16:creationId xmlns:a16="http://schemas.microsoft.com/office/drawing/2014/main" id="{FF26BE58-8DF2-9641-8D04-71C683611024}"/>
+              </a:ext>
+            </a:extLst>
+          </p:cNvPr>
+          <p:cNvSpPr/>
+          <p:nvPr/>
+        </p:nvSpPr>
+        <p:spPr>
+          <a:xfrm>
+            <a:off x="4298374" y="3923456"/>
+            <a:ext cx="423514" cy="261610"/>
+          </a:xfrm>
+          <a:prstGeom prst="rect">
+            <a:avLst/>
+          </a:prstGeom>
+        </p:spPr>
+        <p:txBody>
+          <a:bodyPr wrap="none">
+            <a:spAutoFit/>
+          </a:bodyPr>
+          <a:lstStyle/>
+          <a:p>
+            <a:r>
+              <a:rPr lang="en-US" sz="1100" dirty="0">
+                <a:latin typeface="Lato Light" charset="0"/>
+                <a:ea typeface="Lato Light" charset="0"/>
+                <a:cs typeface="Lato Light" charset="0"/>
+              </a:rPr>
+              <a:t>4ms</a:t>
+            </a:r>
+            <a:endParaRPr lang="en-US" sz="1050" dirty="0"/>
+          </a:p>
+        </p:txBody>
+      </p:sp>
+    </p:spTree>
+    <p:extLst>
+      <p:ext uri="{BB962C8B-B14F-4D97-AF65-F5344CB8AC3E}">
+        <p14:creationId xmlns:p14="http://schemas.microsoft.com/office/powerpoint/2010/main" val="2638338619"/>
+      </p:ext>
+    </p:extLst>
+  </p:cSld>
+  <p:clrMapOvr>
+    <a:masterClrMapping/>
+  </p:clrMapOvr>
+  <mc:AlternateContent xmlns:mc="http://schemas.openxmlformats.org/markup-compatibility/2006" xmlns:p14="http://schemas.microsoft.com/office/powerpoint/2010/main">
+    <mc:Choice Requires="p14">
+      <p:transition p14:dur="0" advClick="0"/>
+    </mc:Choice>
+    <mc:Fallback xmlns="">
+      <p:transition advClick="0"/>
+    </mc:Fallback>
+  </mc:AlternateContent>
+</p:sld>
+</file>
+
 <file path=ppt/slides/slide2.xml><?xml version="1.0" encoding="utf-8"?>
 <p:sld xmlns:a="http://schemas.openxmlformats.org/drawingml/2006/main" xmlns:r="http://schemas.openxmlformats.org/officeDocument/2006/relationships" xmlns:p="http://schemas.openxmlformats.org/presentationml/2006/main">
   <p:cSld>
@@ -21247,11 +26815,11 @@
   <p:clrMapOvr>
     <a:masterClrMapping/>
   </p:clrMapOvr>
-  <mc:AlternateContent xmlns:mc="http://schemas.openxmlformats.org/markup-compatibility/2006">
-    <mc:Choice xmlns:p14="http://schemas.microsoft.com/office/powerpoint/2010/main" Requires="p14">
+  <mc:AlternateContent xmlns:mc="http://schemas.openxmlformats.org/markup-compatibility/2006" xmlns:p14="http://schemas.microsoft.com/office/powerpoint/2010/main">
+    <mc:Choice Requires="p14">
       <p:transition p14:dur="0" advClick="0"/>
     </mc:Choice>
-    <mc:Fallback>
+    <mc:Fallback xmlns="">
       <p:transition advClick="0"/>
     </mc:Fallback>
   </mc:AlternateContent>
